--- a/WCBIO25_Jorge-Monclus.pptx
+++ b/WCBIO25_Jorge-Monclus.pptx
@@ -7,13 +7,13 @@
     <p:sldMasterId id="2147483652" r:id="rId4"/>
     <p:sldMasterId id="2147483654" r:id="rId5"/>
     <p:sldMasterId id="2147483656" r:id="rId6"/>
-    <p:sldMasterId id="2147483658" r:id="rId7"/>
-    <p:sldMasterId id="2147483660" r:id="rId8"/>
-    <p:sldMasterId id="2147483662" r:id="rId9"/>
-    <p:sldMasterId id="2147483664" r:id="rId10"/>
+    <p:sldMasterId id="2147483659" r:id="rId7"/>
+    <p:sldMasterId id="2147483661" r:id="rId8"/>
+    <p:sldMasterId id="2147483663" r:id="rId9"/>
+    <p:sldMasterId id="2147483665" r:id="rId10"/>
     <p:sldMasterId id="2147483666" r:id="rId11"/>
-    <p:sldMasterId id="2147483668" r:id="rId12"/>
-    <p:sldMasterId id="2147483670" r:id="rId13"/>
+    <p:sldMasterId id="2147483667" r:id="rId12"/>
+    <p:sldMasterId id="2147483668" r:id="rId13"/>
   </p:sldMasterIdLst>
   <p:sldIdLst>
     <p:sldId id="256" r:id="rId14"/>
@@ -23,6 +23,18 @@
     <p:sldId id="260" r:id="rId18"/>
     <p:sldId id="261" r:id="rId19"/>
     <p:sldId id="262" r:id="rId20"/>
+    <p:sldId id="263" r:id="rId21"/>
+    <p:sldId id="264" r:id="rId22"/>
+    <p:sldId id="265" r:id="rId23"/>
+    <p:sldId id="266" r:id="rId24"/>
+    <p:sldId id="267" r:id="rId25"/>
+    <p:sldId id="268" r:id="rId26"/>
+    <p:sldId id="269" r:id="rId27"/>
+    <p:sldId id="270" r:id="rId28"/>
+    <p:sldId id="271" r:id="rId29"/>
+    <p:sldId id="272" r:id="rId30"/>
+    <p:sldId id="273" r:id="rId31"/>
+    <p:sldId id="274" r:id="rId32"/>
   </p:sldIdLst>
   <p:sldSz cx="9144000" cy="5143500"/>
   <p:notesSz cx="7559675" cy="10691813"/>
@@ -30,7 +42,7 @@
 </file>
 
 <file path=ppt/slideLayouts/slideLayout1.xml><?xml version="1.0" encoding="utf-8"?>
-<p:sldLayout xmlns:a="http://schemas.openxmlformats.org/drawingml/2006/main" xmlns:p="http://schemas.openxmlformats.org/presentationml/2006/main" xmlns:r="http://schemas.openxmlformats.org/officeDocument/2006/relationships" xmlns:p14="http://schemas.microsoft.com/office/powerpoint/2010/main" xmlns:p15="http://schemas.microsoft.com/office/powerpoint/2012/main" xmlns:mc="http://schemas.openxmlformats.org/markup-compatibility/2006" type="blank" preserve="1">
+<p:sldLayout xmlns:a="http://schemas.openxmlformats.org/drawingml/2006/main" xmlns:p="http://schemas.openxmlformats.org/presentationml/2006/main" xmlns:r="http://schemas.openxmlformats.org/officeDocument/2006/relationships" xmlns:p14="http://schemas.microsoft.com/office/powerpoint/2010/main" xmlns:p15="http://schemas.microsoft.com/office/powerpoint/2012/main" xmlns:mc="http://schemas.openxmlformats.org/markup-compatibility/2006" type="tx" preserve="1">
   <p:cSld name="SECTION_TITLE_AND_DESCRIPTION">
     <p:spTree>
       <p:nvGrpSpPr>
@@ -53,55 +65,13 @@
             <a:spLocks noGrp="1"/>
           </p:cNvSpPr>
           <p:nvPr>
-            <p:ph type="sldNum" idx="1"/>
-          </p:nvPr>
-        </p:nvSpPr>
-        <p:spPr/>
-        <p:txBody>
-          <a:bodyPr/>
-          <a:p>
-            <a:fld id="{9D7E4B17-C0E3-43F9-9C8B-E6720F43C9FB}" type="slidenum">
-              <a:t>&lt;#&gt;</a:t>
-            </a:fld>
-          </a:p>
-        </p:txBody>
-      </p:sp>
-    </p:spTree>
-  </p:cSld>
-</p:sldLayout>
-</file>
-
-<file path=ppt/slideLayouts/slideLayout10.xml><?xml version="1.0" encoding="utf-8"?>
-<p:sldLayout xmlns:a="http://schemas.openxmlformats.org/drawingml/2006/main" xmlns:p="http://schemas.openxmlformats.org/presentationml/2006/main" xmlns:r="http://schemas.openxmlformats.org/officeDocument/2006/relationships" xmlns:p14="http://schemas.microsoft.com/office/powerpoint/2010/main" xmlns:p15="http://schemas.microsoft.com/office/powerpoint/2012/main" xmlns:mc="http://schemas.openxmlformats.org/markup-compatibility/2006" type="titleOnly" preserve="1">
-  <p:cSld name="TITLE_ONLY">
-    <p:spTree>
-      <p:nvGrpSpPr>
-        <p:cNvPr id="1" name=""/>
-        <p:cNvGrpSpPr/>
-        <p:nvPr/>
-      </p:nvGrpSpPr>
-      <p:grpSpPr>
-        <a:xfrm>
-          <a:off x="0" y="0"/>
-          <a:ext cx="0" cy="0"/>
-          <a:chOff x="0" y="0"/>
-          <a:chExt cx="0" cy="0"/>
-        </a:xfrm>
-      </p:grpSpPr>
-      <p:sp>
-        <p:nvSpPr>
-          <p:cNvPr id="26" name="PlaceHolder 1"/>
-          <p:cNvSpPr>
-            <a:spLocks noGrp="1"/>
-          </p:cNvSpPr>
-          <p:nvPr>
             <p:ph type="title"/>
           </p:nvPr>
         </p:nvSpPr>
         <p:spPr>
           <a:xfrm>
             <a:off x="311760" y="764280"/>
-            <a:ext cx="8519760" cy="625320"/>
+            <a:ext cx="8519400" cy="625320"/>
           </a:xfrm>
           <a:prstGeom prst="rect">
             <a:avLst/>
@@ -135,98 +105,57 @@
             <a:spLocks noGrp="1"/>
           </p:cNvSpPr>
           <p:nvPr>
-            <p:ph type="sldNum" idx="10"/>
+            <p:ph/>
+          </p:nvPr>
+        </p:nvSpPr>
+        <p:spPr>
+          <a:xfrm>
+            <a:off x="311760" y="1461600"/>
+            <a:ext cx="8519400" cy="3117240"/>
+          </a:xfrm>
+          <a:prstGeom prst="rect">
+            <a:avLst/>
+          </a:prstGeom>
+          <a:noFill/>
+          <a:ln w="0">
+            <a:noFill/>
+          </a:ln>
+        </p:spPr>
+        <p:txBody>
+          <a:bodyPr lIns="0" rIns="0" tIns="0" bIns="0" anchor="t">
+            <a:normAutofit/>
+          </a:bodyPr>
+          <a:p>
+            <a:pPr indent="0">
+              <a:spcBef>
+                <a:spcPts val="1417"/>
+              </a:spcBef>
+              <a:buNone/>
+            </a:pPr>
+            <a:endParaRPr b="0" lang="es-ES" sz="3200" spc="-1" strike="noStrike">
+              <a:solidFill>
+                <a:srgbClr val="000000"/>
+              </a:solidFill>
+              <a:latin typeface="Arial"/>
+            </a:endParaRPr>
+          </a:p>
+        </p:txBody>
+      </p:sp>
+      <p:sp>
+        <p:nvSpPr>
+          <p:cNvPr id="4" name="PlaceHolder 3"/>
+          <p:cNvSpPr>
+            <a:spLocks noGrp="1"/>
+          </p:cNvSpPr>
+          <p:nvPr>
+            <p:ph type="sldNum" idx="1"/>
           </p:nvPr>
         </p:nvSpPr>
         <p:spPr/>
         <p:txBody>
           <a:bodyPr/>
           <a:p>
-            <a:fld id="{70FC4CB7-8DDC-4518-BAF5-C20FEEA0BFCC}" type="slidenum">
-              <a:t>&lt;#&gt;</a:t>
-            </a:fld>
-          </a:p>
-        </p:txBody>
-      </p:sp>
-    </p:spTree>
-  </p:cSld>
-</p:sldLayout>
-</file>
-
-<file path=ppt/slideLayouts/slideLayout11.xml><?xml version="1.0" encoding="utf-8"?>
-<p:sldLayout xmlns:a="http://schemas.openxmlformats.org/drawingml/2006/main" xmlns:p="http://schemas.openxmlformats.org/presentationml/2006/main" xmlns:r="http://schemas.openxmlformats.org/officeDocument/2006/relationships" xmlns:p14="http://schemas.microsoft.com/office/powerpoint/2010/main" xmlns:p15="http://schemas.microsoft.com/office/powerpoint/2012/main" xmlns:mc="http://schemas.openxmlformats.org/markup-compatibility/2006" type="blank" preserve="1">
-  <p:cSld name="ONE_COLUMN_TEXT">
-    <p:spTree>
-      <p:nvGrpSpPr>
-        <p:cNvPr id="1" name=""/>
-        <p:cNvGrpSpPr/>
-        <p:nvPr/>
-      </p:nvGrpSpPr>
-      <p:grpSpPr>
-        <a:xfrm>
-          <a:off x="0" y="0"/>
-          <a:ext cx="0" cy="0"/>
-          <a:chOff x="0" y="0"/>
-          <a:chExt cx="0" cy="0"/>
-        </a:xfrm>
-      </p:grpSpPr>
-      <p:sp>
-        <p:nvSpPr>
-          <p:cNvPr id="2" name="PlaceHolder 1"/>
-          <p:cNvSpPr>
-            <a:spLocks noGrp="1"/>
-          </p:cNvSpPr>
-          <p:nvPr>
-            <p:ph type="sldNum" idx="11"/>
-          </p:nvPr>
-        </p:nvSpPr>
-        <p:spPr/>
-        <p:txBody>
-          <a:bodyPr/>
-          <a:p>
-            <a:fld id="{50CE800C-2FD2-4787-BBA1-4FB0061EC1E2}" type="slidenum">
-              <a:t>&lt;#&gt;</a:t>
-            </a:fld>
-          </a:p>
-        </p:txBody>
-      </p:sp>
-    </p:spTree>
-  </p:cSld>
-</p:sldLayout>
-</file>
-
-<file path=ppt/slideLayouts/slideLayout12.xml><?xml version="1.0" encoding="utf-8"?>
-<p:sldLayout xmlns:a="http://schemas.openxmlformats.org/drawingml/2006/main" xmlns:p="http://schemas.openxmlformats.org/presentationml/2006/main" xmlns:r="http://schemas.openxmlformats.org/officeDocument/2006/relationships" xmlns:p14="http://schemas.microsoft.com/office/powerpoint/2010/main" xmlns:p15="http://schemas.microsoft.com/office/powerpoint/2012/main" xmlns:mc="http://schemas.openxmlformats.org/markup-compatibility/2006" type="blank" preserve="1">
-  <p:cSld name="MAIN_POINT">
-    <p:spTree>
-      <p:nvGrpSpPr>
-        <p:cNvPr id="1" name=""/>
-        <p:cNvGrpSpPr/>
-        <p:nvPr/>
-      </p:nvGrpSpPr>
-      <p:grpSpPr>
-        <a:xfrm>
-          <a:off x="0" y="0"/>
-          <a:ext cx="0" cy="0"/>
-          <a:chOff x="0" y="0"/>
-          <a:chExt cx="0" cy="0"/>
-        </a:xfrm>
-      </p:grpSpPr>
-      <p:sp>
-        <p:nvSpPr>
-          <p:cNvPr id="2" name="PlaceHolder 1"/>
-          <p:cNvSpPr>
-            <a:spLocks noGrp="1"/>
-          </p:cNvSpPr>
-          <p:nvPr>
-            <p:ph type="sldNum" idx="12"/>
-          </p:nvPr>
-        </p:nvSpPr>
-        <p:spPr/>
-        <p:txBody>
-          <a:bodyPr/>
-          <a:p>
-            <a:fld id="{4D0E370D-EE77-4D42-A959-3AABD2D180B6}" type="slidenum">
+            <a:fld id="{37E9BBA4-34CF-49FB-B9D1-356B38DCF1E7}" type="slidenum">
               <a:t>&lt;#&gt;</a:t>
             </a:fld>
           </a:p>
@@ -238,7 +167,7 @@
 </file>
 
 <file path=ppt/slideLayouts/slideLayout2.xml><?xml version="1.0" encoding="utf-8"?>
-<p:sldLayout xmlns:a="http://schemas.openxmlformats.org/drawingml/2006/main" xmlns:p="http://schemas.openxmlformats.org/presentationml/2006/main" xmlns:r="http://schemas.openxmlformats.org/officeDocument/2006/relationships" xmlns:p14="http://schemas.microsoft.com/office/powerpoint/2010/main" xmlns:p15="http://schemas.microsoft.com/office/powerpoint/2012/main" xmlns:mc="http://schemas.openxmlformats.org/markup-compatibility/2006" type="blank" preserve="1">
+<p:sldLayout xmlns:a="http://schemas.openxmlformats.org/drawingml/2006/main" xmlns:p="http://schemas.openxmlformats.org/presentationml/2006/main" xmlns:r="http://schemas.openxmlformats.org/officeDocument/2006/relationships" xmlns:p14="http://schemas.microsoft.com/office/powerpoint/2010/main" xmlns:p15="http://schemas.microsoft.com/office/powerpoint/2012/main" xmlns:mc="http://schemas.openxmlformats.org/markup-compatibility/2006" type="tx" preserve="1">
   <p:cSld name="CAPTION_ONLY">
     <p:spTree>
       <p:nvGrpSpPr>
@@ -256,7 +185,90 @@
       </p:grpSpPr>
       <p:sp>
         <p:nvSpPr>
-          <p:cNvPr id="2" name="PlaceHolder 1"/>
+          <p:cNvPr id="5" name="PlaceHolder 1"/>
+          <p:cNvSpPr>
+            <a:spLocks noGrp="1"/>
+          </p:cNvSpPr>
+          <p:nvPr>
+            <p:ph type="title"/>
+          </p:nvPr>
+        </p:nvSpPr>
+        <p:spPr>
+          <a:xfrm>
+            <a:off x="311760" y="764280"/>
+            <a:ext cx="8519400" cy="625320"/>
+          </a:xfrm>
+          <a:prstGeom prst="rect">
+            <a:avLst/>
+          </a:prstGeom>
+          <a:noFill/>
+          <a:ln w="0">
+            <a:noFill/>
+          </a:ln>
+        </p:spPr>
+        <p:txBody>
+          <a:bodyPr lIns="0" rIns="0" tIns="0" bIns="0" anchor="ctr">
+            <a:noAutofit/>
+          </a:bodyPr>
+          <a:p>
+            <a:pPr indent="0" algn="ctr">
+              <a:buNone/>
+            </a:pPr>
+            <a:endParaRPr b="0" lang="es-ES" sz="4400" spc="-1" strike="noStrike">
+              <a:solidFill>
+                <a:srgbClr val="000000"/>
+              </a:solidFill>
+              <a:latin typeface="Arial"/>
+            </a:endParaRPr>
+          </a:p>
+        </p:txBody>
+      </p:sp>
+      <p:sp>
+        <p:nvSpPr>
+          <p:cNvPr id="6" name="PlaceHolder 2"/>
+          <p:cNvSpPr>
+            <a:spLocks noGrp="1"/>
+          </p:cNvSpPr>
+          <p:nvPr>
+            <p:ph/>
+          </p:nvPr>
+        </p:nvSpPr>
+        <p:spPr>
+          <a:xfrm>
+            <a:off x="311760" y="1461600"/>
+            <a:ext cx="8519400" cy="3117240"/>
+          </a:xfrm>
+          <a:prstGeom prst="rect">
+            <a:avLst/>
+          </a:prstGeom>
+          <a:noFill/>
+          <a:ln w="0">
+            <a:noFill/>
+          </a:ln>
+        </p:spPr>
+        <p:txBody>
+          <a:bodyPr lIns="0" rIns="0" tIns="0" bIns="0" anchor="t">
+            <a:normAutofit/>
+          </a:bodyPr>
+          <a:p>
+            <a:pPr indent="0">
+              <a:spcBef>
+                <a:spcPts val="1417"/>
+              </a:spcBef>
+              <a:buNone/>
+            </a:pPr>
+            <a:endParaRPr b="0" lang="es-ES" sz="3200" spc="-1" strike="noStrike">
+              <a:solidFill>
+                <a:srgbClr val="000000"/>
+              </a:solidFill>
+              <a:latin typeface="Arial"/>
+            </a:endParaRPr>
+          </a:p>
+        </p:txBody>
+      </p:sp>
+      <p:sp>
+        <p:nvSpPr>
+          <p:cNvPr id="4" name="PlaceHolder 3"/>
           <p:cNvSpPr>
             <a:spLocks noGrp="1"/>
           </p:cNvSpPr>
@@ -268,7 +280,7 @@
         <p:txBody>
           <a:bodyPr/>
           <a:p>
-            <a:fld id="{EAE796D6-E2A1-406D-954E-44C3E3227DAA}" type="slidenum">
+            <a:fld id="{8DB28F6F-E06C-47BD-8A13-FD7EFDF1049B}" type="slidenum">
               <a:t>&lt;#&gt;</a:t>
             </a:fld>
           </a:p>
@@ -280,92 +292,8 @@
 </file>
 
 <file path=ppt/slideLayouts/slideLayout3.xml><?xml version="1.0" encoding="utf-8"?>
-<p:sldLayout xmlns:a="http://schemas.openxmlformats.org/drawingml/2006/main" xmlns:p="http://schemas.openxmlformats.org/presentationml/2006/main" xmlns:r="http://schemas.openxmlformats.org/officeDocument/2006/relationships" xmlns:p14="http://schemas.microsoft.com/office/powerpoint/2010/main" xmlns:p15="http://schemas.microsoft.com/office/powerpoint/2012/main" xmlns:mc="http://schemas.openxmlformats.org/markup-compatibility/2006" type="blank" preserve="1">
+<p:sldLayout xmlns:a="http://schemas.openxmlformats.org/drawingml/2006/main" xmlns:p="http://schemas.openxmlformats.org/presentationml/2006/main" xmlns:r="http://schemas.openxmlformats.org/officeDocument/2006/relationships" xmlns:p14="http://schemas.microsoft.com/office/powerpoint/2010/main" xmlns:p15="http://schemas.microsoft.com/office/powerpoint/2012/main" xmlns:mc="http://schemas.openxmlformats.org/markup-compatibility/2006" type="tx" preserve="1">
   <p:cSld name="BIG_NUMBER">
-    <p:spTree>
-      <p:nvGrpSpPr>
-        <p:cNvPr id="1" name=""/>
-        <p:cNvGrpSpPr/>
-        <p:nvPr/>
-      </p:nvGrpSpPr>
-      <p:grpSpPr>
-        <a:xfrm>
-          <a:off x="0" y="0"/>
-          <a:ext cx="0" cy="0"/>
-          <a:chOff x="0" y="0"/>
-          <a:chExt cx="0" cy="0"/>
-        </a:xfrm>
-      </p:grpSpPr>
-      <p:sp>
-        <p:nvSpPr>
-          <p:cNvPr id="2" name="PlaceHolder 1"/>
-          <p:cNvSpPr>
-            <a:spLocks noGrp="1"/>
-          </p:cNvSpPr>
-          <p:nvPr>
-            <p:ph type="sldNum" idx="3"/>
-          </p:nvPr>
-        </p:nvSpPr>
-        <p:spPr/>
-        <p:txBody>
-          <a:bodyPr/>
-          <a:p>
-            <a:fld id="{DD79D64F-D613-42B6-B1D7-3B2D403628B5}" type="slidenum">
-              <a:t>&lt;#&gt;</a:t>
-            </a:fld>
-          </a:p>
-        </p:txBody>
-      </p:sp>
-    </p:spTree>
-  </p:cSld>
-</p:sldLayout>
-</file>
-
-<file path=ppt/slideLayouts/slideLayout4.xml><?xml version="1.0" encoding="utf-8"?>
-<p:sldLayout xmlns:a="http://schemas.openxmlformats.org/drawingml/2006/main" xmlns:p="http://schemas.openxmlformats.org/presentationml/2006/main" xmlns:r="http://schemas.openxmlformats.org/officeDocument/2006/relationships" xmlns:p14="http://schemas.microsoft.com/office/powerpoint/2010/main" xmlns:p15="http://schemas.microsoft.com/office/powerpoint/2012/main" xmlns:mc="http://schemas.openxmlformats.org/markup-compatibility/2006" type="blank" preserve="1">
-  <p:cSld name="BLANK">
-    <p:spTree>
-      <p:nvGrpSpPr>
-        <p:cNvPr id="1" name=""/>
-        <p:cNvGrpSpPr/>
-        <p:nvPr/>
-      </p:nvGrpSpPr>
-      <p:grpSpPr>
-        <a:xfrm>
-          <a:off x="0" y="0"/>
-          <a:ext cx="0" cy="0"/>
-          <a:chOff x="0" y="0"/>
-          <a:chExt cx="0" cy="0"/>
-        </a:xfrm>
-      </p:grpSpPr>
-      <p:sp>
-        <p:nvSpPr>
-          <p:cNvPr id="2" name="PlaceHolder 1"/>
-          <p:cNvSpPr>
-            <a:spLocks noGrp="1"/>
-          </p:cNvSpPr>
-          <p:nvPr>
-            <p:ph type="sldNum" idx="4"/>
-          </p:nvPr>
-        </p:nvSpPr>
-        <p:spPr/>
-        <p:txBody>
-          <a:bodyPr/>
-          <a:p>
-            <a:fld id="{492C3B05-1D45-4F16-8871-7832225AA699}" type="slidenum">
-              <a:t>&lt;#&gt;</a:t>
-            </a:fld>
-          </a:p>
-        </p:txBody>
-      </p:sp>
-    </p:spTree>
-  </p:cSld>
-</p:sldLayout>
-</file>
-
-<file path=ppt/slideLayouts/slideLayout5.xml><?xml version="1.0" encoding="utf-8"?>
-<p:sldLayout xmlns:a="http://schemas.openxmlformats.org/drawingml/2006/main" xmlns:p="http://schemas.openxmlformats.org/presentationml/2006/main" xmlns:r="http://schemas.openxmlformats.org/officeDocument/2006/relationships" xmlns:p14="http://schemas.microsoft.com/office/powerpoint/2010/main" xmlns:p15="http://schemas.microsoft.com/office/powerpoint/2012/main" xmlns:mc="http://schemas.openxmlformats.org/markup-compatibility/2006" type="title" preserve="1">
-  <p:cSld name="TITLE">
     <p:spTree>
       <p:nvGrpSpPr>
         <p:cNvPr id="1" name=""/>
@@ -393,7 +321,7 @@
         <p:spPr>
           <a:xfrm>
             <a:off x="311760" y="764280"/>
-            <a:ext cx="8519760" cy="625320"/>
+            <a:ext cx="8519400" cy="625320"/>
           </a:xfrm>
           <a:prstGeom prst="rect">
             <a:avLst/>
@@ -413,7 +341,7 @@
             </a:pPr>
             <a:endParaRPr b="0" lang="es-ES" sz="4400" spc="-1" strike="noStrike">
               <a:solidFill>
-                <a:srgbClr val="ffffff"/>
+                <a:srgbClr val="000000"/>
               </a:solidFill>
               <a:latin typeface="Arial"/>
             </a:endParaRPr>
@@ -427,13 +355,13 @@
             <a:spLocks noGrp="1"/>
           </p:cNvSpPr>
           <p:nvPr>
-            <p:ph type="subTitle"/>
+            <p:ph/>
           </p:nvPr>
         </p:nvSpPr>
         <p:spPr>
           <a:xfrm>
             <a:off x="311760" y="1461600"/>
-            <a:ext cx="8519760" cy="3117600"/>
+            <a:ext cx="8519400" cy="3117240"/>
           </a:xfrm>
           <a:prstGeom prst="rect">
             <a:avLst/>
@@ -444,16 +372,19 @@
           </a:ln>
         </p:spPr>
         <p:txBody>
-          <a:bodyPr lIns="0" rIns="0" tIns="0" bIns="0" anchor="ctr">
-            <a:noAutofit/>
+          <a:bodyPr lIns="0" rIns="0" tIns="0" bIns="0" anchor="t">
+            <a:normAutofit/>
           </a:bodyPr>
           <a:p>
-            <a:pPr indent="0" algn="ctr">
+            <a:pPr indent="0">
+              <a:spcBef>
+                <a:spcPts val="1417"/>
+              </a:spcBef>
               <a:buNone/>
             </a:pPr>
             <a:endParaRPr b="0" lang="es-ES" sz="3200" spc="-1" strike="noStrike">
               <a:solidFill>
-                <a:srgbClr val="ffffff"/>
+                <a:srgbClr val="000000"/>
               </a:solidFill>
               <a:latin typeface="Arial"/>
             </a:endParaRPr>
@@ -467,14 +398,14 @@
             <a:spLocks noGrp="1"/>
           </p:cNvSpPr>
           <p:nvPr>
-            <p:ph type="sldNum" idx="5"/>
+            <p:ph type="sldNum" idx="3"/>
           </p:nvPr>
         </p:nvSpPr>
         <p:spPr/>
         <p:txBody>
           <a:bodyPr/>
           <a:p>
-            <a:fld id="{18366469-CF65-4CB6-8062-8256FB7F4F6B}" type="slidenum">
+            <a:fld id="{B75AF6C7-0C2C-4ACE-A969-9AB11E0C341B}" type="slidenum">
               <a:t>&lt;#&gt;</a:t>
             </a:fld>
           </a:p>
@@ -485,9 +416,9 @@
 </p:sldLayout>
 </file>
 
-<file path=ppt/slideLayouts/slideLayout6.xml><?xml version="1.0" encoding="utf-8"?>
-<p:sldLayout xmlns:a="http://schemas.openxmlformats.org/drawingml/2006/main" xmlns:p="http://schemas.openxmlformats.org/presentationml/2006/main" xmlns:r="http://schemas.openxmlformats.org/officeDocument/2006/relationships" xmlns:p14="http://schemas.microsoft.com/office/powerpoint/2010/main" xmlns:p15="http://schemas.microsoft.com/office/powerpoint/2012/main" xmlns:mc="http://schemas.openxmlformats.org/markup-compatibility/2006" type="blank" preserve="1">
-  <p:cSld name="TITLE_1">
+<file path=ppt/slideLayouts/slideLayout4.xml><?xml version="1.0" encoding="utf-8"?>
+<p:sldLayout xmlns:a="http://schemas.openxmlformats.org/drawingml/2006/main" xmlns:p="http://schemas.openxmlformats.org/presentationml/2006/main" xmlns:r="http://schemas.openxmlformats.org/officeDocument/2006/relationships" xmlns:p14="http://schemas.microsoft.com/office/powerpoint/2010/main" xmlns:p15="http://schemas.microsoft.com/office/powerpoint/2012/main" xmlns:mc="http://schemas.openxmlformats.org/markup-compatibility/2006" type="tx" preserve="1">
+  <p:cSld name="BLANK">
     <p:spTree>
       <p:nvGrpSpPr>
         <p:cNvPr id="1" name=""/>
@@ -504,19 +435,102 @@
       </p:grpSpPr>
       <p:sp>
         <p:nvSpPr>
-          <p:cNvPr id="2" name="PlaceHolder 1"/>
+          <p:cNvPr id="11" name="PlaceHolder 1"/>
           <p:cNvSpPr>
             <a:spLocks noGrp="1"/>
           </p:cNvSpPr>
           <p:nvPr>
-            <p:ph type="sldNum" idx="6"/>
+            <p:ph type="title"/>
+          </p:nvPr>
+        </p:nvSpPr>
+        <p:spPr>
+          <a:xfrm>
+            <a:off x="311760" y="764280"/>
+            <a:ext cx="8519400" cy="625320"/>
+          </a:xfrm>
+          <a:prstGeom prst="rect">
+            <a:avLst/>
+          </a:prstGeom>
+          <a:noFill/>
+          <a:ln w="0">
+            <a:noFill/>
+          </a:ln>
+        </p:spPr>
+        <p:txBody>
+          <a:bodyPr lIns="0" rIns="0" tIns="0" bIns="0" anchor="ctr">
+            <a:noAutofit/>
+          </a:bodyPr>
+          <a:p>
+            <a:pPr indent="0" algn="ctr">
+              <a:buNone/>
+            </a:pPr>
+            <a:endParaRPr b="0" lang="es-ES" sz="4400" spc="-1" strike="noStrike">
+              <a:solidFill>
+                <a:srgbClr val="000000"/>
+              </a:solidFill>
+              <a:latin typeface="Arial"/>
+            </a:endParaRPr>
+          </a:p>
+        </p:txBody>
+      </p:sp>
+      <p:sp>
+        <p:nvSpPr>
+          <p:cNvPr id="12" name="PlaceHolder 2"/>
+          <p:cNvSpPr>
+            <a:spLocks noGrp="1"/>
+          </p:cNvSpPr>
+          <p:nvPr>
+            <p:ph/>
+          </p:nvPr>
+        </p:nvSpPr>
+        <p:spPr>
+          <a:xfrm>
+            <a:off x="311760" y="1461600"/>
+            <a:ext cx="8519400" cy="3117240"/>
+          </a:xfrm>
+          <a:prstGeom prst="rect">
+            <a:avLst/>
+          </a:prstGeom>
+          <a:noFill/>
+          <a:ln w="0">
+            <a:noFill/>
+          </a:ln>
+        </p:spPr>
+        <p:txBody>
+          <a:bodyPr lIns="0" rIns="0" tIns="0" bIns="0" anchor="t">
+            <a:normAutofit/>
+          </a:bodyPr>
+          <a:p>
+            <a:pPr indent="0">
+              <a:spcBef>
+                <a:spcPts val="1417"/>
+              </a:spcBef>
+              <a:buNone/>
+            </a:pPr>
+            <a:endParaRPr b="0" lang="es-ES" sz="3200" spc="-1" strike="noStrike">
+              <a:solidFill>
+                <a:srgbClr val="000000"/>
+              </a:solidFill>
+              <a:latin typeface="Arial"/>
+            </a:endParaRPr>
+          </a:p>
+        </p:txBody>
+      </p:sp>
+      <p:sp>
+        <p:nvSpPr>
+          <p:cNvPr id="4" name="PlaceHolder 3"/>
+          <p:cNvSpPr>
+            <a:spLocks noGrp="1"/>
+          </p:cNvSpPr>
+          <p:nvPr>
+            <p:ph type="sldNum" idx="4"/>
           </p:nvPr>
         </p:nvSpPr>
         <p:spPr/>
         <p:txBody>
           <a:bodyPr/>
           <a:p>
-            <a:fld id="{2393FE96-7782-498B-B56C-31F55D6EF964}" type="slidenum">
+            <a:fld id="{AF78A7E1-777F-47A6-A993-2D23A689F0B2}" type="slidenum">
               <a:t>&lt;#&gt;</a:t>
             </a:fld>
           </a:p>
@@ -527,9 +541,9 @@
 </p:sldLayout>
 </file>
 
-<file path=ppt/slideLayouts/slideLayout7.xml><?xml version="1.0" encoding="utf-8"?>
-<p:sldLayout xmlns:a="http://schemas.openxmlformats.org/drawingml/2006/main" xmlns:p="http://schemas.openxmlformats.org/presentationml/2006/main" xmlns:r="http://schemas.openxmlformats.org/officeDocument/2006/relationships" xmlns:p14="http://schemas.microsoft.com/office/powerpoint/2010/main" xmlns:p15="http://schemas.microsoft.com/office/powerpoint/2012/main" xmlns:mc="http://schemas.openxmlformats.org/markup-compatibility/2006" type="blank" preserve="1">
-  <p:cSld name="SECTION_HEADER">
+<file path=ppt/slideLayouts/slideLayout5.xml><?xml version="1.0" encoding="utf-8"?>
+<p:sldLayout xmlns:a="http://schemas.openxmlformats.org/drawingml/2006/main" xmlns:p="http://schemas.openxmlformats.org/presentationml/2006/main" xmlns:r="http://schemas.openxmlformats.org/officeDocument/2006/relationships" xmlns:p14="http://schemas.microsoft.com/office/powerpoint/2010/main" xmlns:p15="http://schemas.microsoft.com/office/powerpoint/2012/main" xmlns:mc="http://schemas.openxmlformats.org/markup-compatibility/2006" type="tx" preserve="1">
+  <p:cSld name="TITLE">
     <p:spTree>
       <p:nvGrpSpPr>
         <p:cNvPr id="1" name=""/>
@@ -546,19 +560,102 @@
       </p:grpSpPr>
       <p:sp>
         <p:nvSpPr>
-          <p:cNvPr id="2" name="PlaceHolder 1"/>
+          <p:cNvPr id="16" name="PlaceHolder 1"/>
           <p:cNvSpPr>
             <a:spLocks noGrp="1"/>
           </p:cNvSpPr>
           <p:nvPr>
-            <p:ph type="sldNum" idx="7"/>
+            <p:ph type="title"/>
+          </p:nvPr>
+        </p:nvSpPr>
+        <p:spPr>
+          <a:xfrm>
+            <a:off x="311760" y="764280"/>
+            <a:ext cx="8519400" cy="625320"/>
+          </a:xfrm>
+          <a:prstGeom prst="rect">
+            <a:avLst/>
+          </a:prstGeom>
+          <a:noFill/>
+          <a:ln w="0">
+            <a:noFill/>
+          </a:ln>
+        </p:spPr>
+        <p:txBody>
+          <a:bodyPr lIns="0" rIns="0" tIns="0" bIns="0" anchor="ctr">
+            <a:noAutofit/>
+          </a:bodyPr>
+          <a:p>
+            <a:pPr indent="0" algn="ctr">
+              <a:buNone/>
+            </a:pPr>
+            <a:endParaRPr b="0" lang="es-ES" sz="4400" spc="-1" strike="noStrike">
+              <a:solidFill>
+                <a:srgbClr val="ffffff"/>
+              </a:solidFill>
+              <a:latin typeface="Arial"/>
+            </a:endParaRPr>
+          </a:p>
+        </p:txBody>
+      </p:sp>
+      <p:sp>
+        <p:nvSpPr>
+          <p:cNvPr id="17" name="PlaceHolder 2"/>
+          <p:cNvSpPr>
+            <a:spLocks noGrp="1"/>
+          </p:cNvSpPr>
+          <p:nvPr>
+            <p:ph/>
+          </p:nvPr>
+        </p:nvSpPr>
+        <p:spPr>
+          <a:xfrm>
+            <a:off x="311760" y="1461600"/>
+            <a:ext cx="8519400" cy="3117240"/>
+          </a:xfrm>
+          <a:prstGeom prst="rect">
+            <a:avLst/>
+          </a:prstGeom>
+          <a:noFill/>
+          <a:ln w="0">
+            <a:noFill/>
+          </a:ln>
+        </p:spPr>
+        <p:txBody>
+          <a:bodyPr lIns="0" rIns="0" tIns="0" bIns="0" anchor="t">
+            <a:normAutofit/>
+          </a:bodyPr>
+          <a:p>
+            <a:pPr indent="0">
+              <a:spcBef>
+                <a:spcPts val="1417"/>
+              </a:spcBef>
+              <a:buNone/>
+            </a:pPr>
+            <a:endParaRPr b="0" lang="es-ES" sz="3200" spc="-1" strike="noStrike">
+              <a:solidFill>
+                <a:srgbClr val="ffffff"/>
+              </a:solidFill>
+              <a:latin typeface="Arial"/>
+            </a:endParaRPr>
+          </a:p>
+        </p:txBody>
+      </p:sp>
+      <p:sp>
+        <p:nvSpPr>
+          <p:cNvPr id="4" name="PlaceHolder 3"/>
+          <p:cNvSpPr>
+            <a:spLocks noGrp="1"/>
+          </p:cNvSpPr>
+          <p:nvPr>
+            <p:ph type="sldNum" idx="5"/>
           </p:nvPr>
         </p:nvSpPr>
         <p:spPr/>
         <p:txBody>
           <a:bodyPr/>
           <a:p>
-            <a:fld id="{C323D809-612E-4D57-854B-EBE6A86A365A}" type="slidenum">
+            <a:fld id="{ACDE2EE5-21D6-4299-9AF0-C50ED123BBF3}" type="slidenum">
               <a:t>&lt;#&gt;</a:t>
             </a:fld>
           </a:p>
@@ -569,9 +666,9 @@
 </p:sldLayout>
 </file>
 
-<file path=ppt/slideLayouts/slideLayout8.xml><?xml version="1.0" encoding="utf-8"?>
-<p:sldLayout xmlns:a="http://schemas.openxmlformats.org/drawingml/2006/main" xmlns:p="http://schemas.openxmlformats.org/presentationml/2006/main" xmlns:r="http://schemas.openxmlformats.org/officeDocument/2006/relationships" xmlns:p14="http://schemas.microsoft.com/office/powerpoint/2010/main" xmlns:p15="http://schemas.microsoft.com/office/powerpoint/2012/main" xmlns:mc="http://schemas.openxmlformats.org/markup-compatibility/2006" type="tx" preserve="1">
-  <p:cSld name="TITLE_AND_BODY">
+<file path=ppt/slideLayouts/slideLayout6.xml><?xml version="1.0" encoding="utf-8"?>
+<p:sldLayout xmlns:a="http://schemas.openxmlformats.org/drawingml/2006/main" xmlns:p="http://schemas.openxmlformats.org/presentationml/2006/main" xmlns:r="http://schemas.openxmlformats.org/officeDocument/2006/relationships" xmlns:p14="http://schemas.microsoft.com/office/powerpoint/2010/main" xmlns:p15="http://schemas.microsoft.com/office/powerpoint/2012/main" xmlns:mc="http://schemas.openxmlformats.org/markup-compatibility/2006" type="title" preserve="1">
+  <p:cSld name="TITLE">
     <p:spTree>
       <p:nvGrpSpPr>
         <p:cNvPr id="1" name=""/>
@@ -588,7 +685,7 @@
       </p:grpSpPr>
       <p:sp>
         <p:nvSpPr>
-          <p:cNvPr id="15" name="PlaceHolder 1"/>
+          <p:cNvPr id="18" name="PlaceHolder 1"/>
           <p:cNvSpPr>
             <a:spLocks noGrp="1"/>
           </p:cNvSpPr>
@@ -599,7 +696,7 @@
         <p:spPr>
           <a:xfrm>
             <a:off x="311760" y="764280"/>
-            <a:ext cx="8519760" cy="625320"/>
+            <a:ext cx="8519400" cy="625320"/>
           </a:xfrm>
           <a:prstGeom prst="rect">
             <a:avLst/>
@@ -619,7 +716,7 @@
             </a:pPr>
             <a:endParaRPr b="0" lang="es-ES" sz="4400" spc="-1" strike="noStrike">
               <a:solidFill>
-                <a:srgbClr val="000000"/>
+                <a:srgbClr val="ffffff"/>
               </a:solidFill>
               <a:latin typeface="Arial"/>
             </a:endParaRPr>
@@ -628,18 +725,18 @@
       </p:sp>
       <p:sp>
         <p:nvSpPr>
-          <p:cNvPr id="16" name="PlaceHolder 2"/>
+          <p:cNvPr id="19" name="PlaceHolder 2"/>
           <p:cNvSpPr>
             <a:spLocks noGrp="1"/>
           </p:cNvSpPr>
           <p:nvPr>
-            <p:ph/>
+            <p:ph type="subTitle"/>
           </p:nvPr>
         </p:nvSpPr>
         <p:spPr>
           <a:xfrm>
             <a:off x="311760" y="1461600"/>
-            <a:ext cx="8519760" cy="3117600"/>
+            <a:ext cx="8519400" cy="3117240"/>
           </a:xfrm>
           <a:prstGeom prst="rect">
             <a:avLst/>
@@ -650,19 +747,16 @@
           </a:ln>
         </p:spPr>
         <p:txBody>
-          <a:bodyPr lIns="0" rIns="0" tIns="0" bIns="0" anchor="t">
-            <a:normAutofit/>
+          <a:bodyPr lIns="0" rIns="0" tIns="0" bIns="0" anchor="ctr">
+            <a:noAutofit/>
           </a:bodyPr>
           <a:p>
-            <a:pPr indent="0">
-              <a:spcBef>
-                <a:spcPts val="1417"/>
-              </a:spcBef>
+            <a:pPr indent="0" algn="ctr">
               <a:buNone/>
             </a:pPr>
             <a:endParaRPr b="0" lang="es-ES" sz="3200" spc="-1" strike="noStrike">
               <a:solidFill>
-                <a:srgbClr val="000000"/>
+                <a:srgbClr val="ffffff"/>
               </a:solidFill>
               <a:latin typeface="Arial"/>
             </a:endParaRPr>
@@ -676,14 +770,14 @@
             <a:spLocks noGrp="1"/>
           </p:cNvSpPr>
           <p:nvPr>
-            <p:ph type="sldNum" idx="8"/>
+            <p:ph type="sldNum" idx="5"/>
           </p:nvPr>
         </p:nvSpPr>
         <p:spPr/>
         <p:txBody>
           <a:bodyPr/>
           <a:p>
-            <a:fld id="{C837A8B5-8C5B-4EB0-91D6-AE4427AA9637}" type="slidenum">
+            <a:fld id="{5027FBBC-2AB7-4626-9CFB-ED343508515D}" type="slidenum">
               <a:t>&lt;#&gt;</a:t>
             </a:fld>
           </a:p>
@@ -694,9 +788,9 @@
 </p:sldLayout>
 </file>
 
-<file path=ppt/slideLayouts/slideLayout9.xml><?xml version="1.0" encoding="utf-8"?>
-<p:sldLayout xmlns:a="http://schemas.openxmlformats.org/drawingml/2006/main" xmlns:p="http://schemas.openxmlformats.org/presentationml/2006/main" xmlns:r="http://schemas.openxmlformats.org/officeDocument/2006/relationships" xmlns:p14="http://schemas.microsoft.com/office/powerpoint/2010/main" xmlns:p15="http://schemas.microsoft.com/office/powerpoint/2012/main" xmlns:mc="http://schemas.openxmlformats.org/markup-compatibility/2006" type="twoObj" preserve="1">
-  <p:cSld name="TITLE_AND_TWO_COLUMNS">
+<file path=ppt/slideLayouts/slideLayout7.xml><?xml version="1.0" encoding="utf-8"?>
+<p:sldLayout xmlns:a="http://schemas.openxmlformats.org/drawingml/2006/main" xmlns:p="http://schemas.openxmlformats.org/presentationml/2006/main" xmlns:r="http://schemas.openxmlformats.org/officeDocument/2006/relationships" xmlns:p14="http://schemas.microsoft.com/office/powerpoint/2010/main" xmlns:p15="http://schemas.microsoft.com/office/powerpoint/2012/main" xmlns:mc="http://schemas.openxmlformats.org/markup-compatibility/2006" type="tx" preserve="1">
+  <p:cSld name="TITLE_1">
     <p:spTree>
       <p:nvGrpSpPr>
         <p:cNvPr id="1" name=""/>
@@ -724,7 +818,7 @@
         <p:spPr>
           <a:xfrm>
             <a:off x="311760" y="764280"/>
-            <a:ext cx="8519760" cy="625320"/>
+            <a:ext cx="8519400" cy="625320"/>
           </a:xfrm>
           <a:prstGeom prst="rect">
             <a:avLst/>
@@ -764,7 +858,7 @@
         <p:spPr>
           <a:xfrm>
             <a:off x="311760" y="1461600"/>
-            <a:ext cx="4157280" cy="3117600"/>
+            <a:ext cx="8519400" cy="3117240"/>
           </a:xfrm>
           <a:prstGeom prst="rect">
             <a:avLst/>
@@ -796,7 +890,89 @@
       </p:sp>
       <p:sp>
         <p:nvSpPr>
-          <p:cNvPr id="23" name="PlaceHolder 3"/>
+          <p:cNvPr id="4" name="PlaceHolder 3"/>
+          <p:cNvSpPr>
+            <a:spLocks noGrp="1"/>
+          </p:cNvSpPr>
+          <p:nvPr>
+            <p:ph type="sldNum" idx="6"/>
+          </p:nvPr>
+        </p:nvSpPr>
+        <p:spPr/>
+        <p:txBody>
+          <a:bodyPr/>
+          <a:p>
+            <a:fld id="{D51F25E9-AE7C-4137-A6BD-09AD07E8DC50}" type="slidenum">
+              <a:t>&lt;#&gt;</a:t>
+            </a:fld>
+          </a:p>
+        </p:txBody>
+      </p:sp>
+    </p:spTree>
+  </p:cSld>
+</p:sldLayout>
+</file>
+
+<file path=ppt/slideLayouts/slideLayout8.xml><?xml version="1.0" encoding="utf-8"?>
+<p:sldLayout xmlns:a="http://schemas.openxmlformats.org/drawingml/2006/main" xmlns:p="http://schemas.openxmlformats.org/presentationml/2006/main" xmlns:r="http://schemas.openxmlformats.org/officeDocument/2006/relationships" xmlns:p14="http://schemas.microsoft.com/office/powerpoint/2010/main" xmlns:p15="http://schemas.microsoft.com/office/powerpoint/2012/main" xmlns:mc="http://schemas.openxmlformats.org/markup-compatibility/2006" type="tx" preserve="1">
+  <p:cSld name="SECTION_HEADER">
+    <p:spTree>
+      <p:nvGrpSpPr>
+        <p:cNvPr id="1" name=""/>
+        <p:cNvGrpSpPr/>
+        <p:nvPr/>
+      </p:nvGrpSpPr>
+      <p:grpSpPr>
+        <a:xfrm>
+          <a:off x="0" y="0"/>
+          <a:ext cx="0" cy="0"/>
+          <a:chOff x="0" y="0"/>
+          <a:chExt cx="0" cy="0"/>
+        </a:xfrm>
+      </p:grpSpPr>
+      <p:sp>
+        <p:nvSpPr>
+          <p:cNvPr id="24" name="PlaceHolder 1"/>
+          <p:cNvSpPr>
+            <a:spLocks noGrp="1"/>
+          </p:cNvSpPr>
+          <p:nvPr>
+            <p:ph type="title"/>
+          </p:nvPr>
+        </p:nvSpPr>
+        <p:spPr>
+          <a:xfrm>
+            <a:off x="311760" y="764280"/>
+            <a:ext cx="8519400" cy="625320"/>
+          </a:xfrm>
+          <a:prstGeom prst="rect">
+            <a:avLst/>
+          </a:prstGeom>
+          <a:noFill/>
+          <a:ln w="0">
+            <a:noFill/>
+          </a:ln>
+        </p:spPr>
+        <p:txBody>
+          <a:bodyPr lIns="0" rIns="0" tIns="0" bIns="0" anchor="ctr">
+            <a:noAutofit/>
+          </a:bodyPr>
+          <a:p>
+            <a:pPr indent="0" algn="ctr">
+              <a:buNone/>
+            </a:pPr>
+            <a:endParaRPr b="0" lang="es-ES" sz="4400" spc="-1" strike="noStrike">
+              <a:solidFill>
+                <a:srgbClr val="000000"/>
+              </a:solidFill>
+              <a:latin typeface="Arial"/>
+            </a:endParaRPr>
+          </a:p>
+        </p:txBody>
+      </p:sp>
+      <p:sp>
+        <p:nvSpPr>
+          <p:cNvPr id="25" name="PlaceHolder 2"/>
           <p:cNvSpPr>
             <a:spLocks noGrp="1"/>
           </p:cNvSpPr>
@@ -806,8 +982,8 @@
         </p:nvSpPr>
         <p:spPr>
           <a:xfrm>
-            <a:off x="4677120" y="1461600"/>
-            <a:ext cx="4157280" cy="3117600"/>
+            <a:off x="311760" y="1461600"/>
+            <a:ext cx="8519400" cy="3117240"/>
           </a:xfrm>
           <a:prstGeom prst="rect">
             <a:avLst/>
@@ -839,19 +1015,144 @@
       </p:sp>
       <p:sp>
         <p:nvSpPr>
-          <p:cNvPr id="5" name="PlaceHolder 4"/>
+          <p:cNvPr id="4" name="PlaceHolder 3"/>
           <p:cNvSpPr>
             <a:spLocks noGrp="1"/>
           </p:cNvSpPr>
           <p:nvPr>
-            <p:ph type="sldNum" idx="9"/>
+            <p:ph type="sldNum" idx="7"/>
           </p:nvPr>
         </p:nvSpPr>
         <p:spPr/>
         <p:txBody>
           <a:bodyPr/>
           <a:p>
-            <a:fld id="{901A1262-DC3F-48D2-82B4-6A08739BF7E2}" type="slidenum">
+            <a:fld id="{B87DA492-978A-42F3-9323-6E8F2674ED6E}" type="slidenum">
+              <a:t>&lt;#&gt;</a:t>
+            </a:fld>
+          </a:p>
+        </p:txBody>
+      </p:sp>
+    </p:spTree>
+  </p:cSld>
+</p:sldLayout>
+</file>
+
+<file path=ppt/slideLayouts/slideLayout9.xml><?xml version="1.0" encoding="utf-8"?>
+<p:sldLayout xmlns:a="http://schemas.openxmlformats.org/drawingml/2006/main" xmlns:p="http://schemas.openxmlformats.org/presentationml/2006/main" xmlns:r="http://schemas.openxmlformats.org/officeDocument/2006/relationships" xmlns:p14="http://schemas.microsoft.com/office/powerpoint/2010/main" xmlns:p15="http://schemas.microsoft.com/office/powerpoint/2012/main" xmlns:mc="http://schemas.openxmlformats.org/markup-compatibility/2006" type="tx" preserve="1">
+  <p:cSld name="TITLE_AND_BODY">
+    <p:spTree>
+      <p:nvGrpSpPr>
+        <p:cNvPr id="1" name=""/>
+        <p:cNvGrpSpPr/>
+        <p:nvPr/>
+      </p:nvGrpSpPr>
+      <p:grpSpPr>
+        <a:xfrm>
+          <a:off x="0" y="0"/>
+          <a:ext cx="0" cy="0"/>
+          <a:chOff x="0" y="0"/>
+          <a:chExt cx="0" cy="0"/>
+        </a:xfrm>
+      </p:grpSpPr>
+      <p:sp>
+        <p:nvSpPr>
+          <p:cNvPr id="29" name="PlaceHolder 1"/>
+          <p:cNvSpPr>
+            <a:spLocks noGrp="1"/>
+          </p:cNvSpPr>
+          <p:nvPr>
+            <p:ph type="title"/>
+          </p:nvPr>
+        </p:nvSpPr>
+        <p:spPr>
+          <a:xfrm>
+            <a:off x="311760" y="764280"/>
+            <a:ext cx="8519400" cy="625320"/>
+          </a:xfrm>
+          <a:prstGeom prst="rect">
+            <a:avLst/>
+          </a:prstGeom>
+          <a:noFill/>
+          <a:ln w="0">
+            <a:noFill/>
+          </a:ln>
+        </p:spPr>
+        <p:txBody>
+          <a:bodyPr lIns="0" rIns="0" tIns="0" bIns="0" anchor="ctr">
+            <a:noAutofit/>
+          </a:bodyPr>
+          <a:p>
+            <a:pPr indent="0" algn="ctr">
+              <a:buNone/>
+            </a:pPr>
+            <a:endParaRPr b="0" lang="es-ES" sz="4400" spc="-1" strike="noStrike">
+              <a:solidFill>
+                <a:srgbClr val="000000"/>
+              </a:solidFill>
+              <a:latin typeface="Arial"/>
+            </a:endParaRPr>
+          </a:p>
+        </p:txBody>
+      </p:sp>
+      <p:sp>
+        <p:nvSpPr>
+          <p:cNvPr id="30" name="PlaceHolder 2"/>
+          <p:cNvSpPr>
+            <a:spLocks noGrp="1"/>
+          </p:cNvSpPr>
+          <p:nvPr>
+            <p:ph/>
+          </p:nvPr>
+        </p:nvSpPr>
+        <p:spPr>
+          <a:xfrm>
+            <a:off x="311760" y="1461600"/>
+            <a:ext cx="8519400" cy="3117240"/>
+          </a:xfrm>
+          <a:prstGeom prst="rect">
+            <a:avLst/>
+          </a:prstGeom>
+          <a:noFill/>
+          <a:ln w="0">
+            <a:noFill/>
+          </a:ln>
+        </p:spPr>
+        <p:txBody>
+          <a:bodyPr lIns="0" rIns="0" tIns="0" bIns="0" anchor="t">
+            <a:normAutofit/>
+          </a:bodyPr>
+          <a:p>
+            <a:pPr indent="0">
+              <a:spcBef>
+                <a:spcPts val="1417"/>
+              </a:spcBef>
+              <a:buNone/>
+            </a:pPr>
+            <a:endParaRPr b="0" lang="es-ES" sz="3200" spc="-1" strike="noStrike">
+              <a:solidFill>
+                <a:srgbClr val="000000"/>
+              </a:solidFill>
+              <a:latin typeface="Arial"/>
+            </a:endParaRPr>
+          </a:p>
+        </p:txBody>
+      </p:sp>
+      <p:sp>
+        <p:nvSpPr>
+          <p:cNvPr id="4" name="PlaceHolder 3"/>
+          <p:cNvSpPr>
+            <a:spLocks noGrp="1"/>
+          </p:cNvSpPr>
+          <p:nvPr>
+            <p:ph type="sldNum" idx="8"/>
+          </p:nvPr>
+        </p:nvSpPr>
+        <p:spPr/>
+        <p:txBody>
+          <a:bodyPr/>
+          <a:p>
+            <a:fld id="{051A214E-D7B9-4821-A047-C2620C127396}" type="slidenum">
               <a:t>&lt;#&gt;</a:t>
             </a:fld>
           </a:p>
@@ -896,7 +1197,7 @@
         <p:spPr>
           <a:xfrm>
             <a:off x="4572000" y="177480"/>
-            <a:ext cx="4571280" cy="4965120"/>
+            <a:ext cx="4570920" cy="4964760"/>
           </a:xfrm>
           <a:prstGeom prst="rect">
             <a:avLst/>
@@ -919,14 +1220,6 @@
             <a:noAutofit/>
           </a:bodyPr>
           <a:p>
-            <a:pPr>
-              <a:lnSpc>
-                <a:spcPct val="100000"/>
-              </a:lnSpc>
-              <a:tabLst>
-                <a:tab algn="l" pos="0"/>
-              </a:tabLst>
-            </a:pPr>
             <a:endParaRPr b="0" lang="es-ES" sz="1400" spc="-1" strike="noStrike">
               <a:solidFill>
                 <a:srgbClr val="000000"/>
@@ -949,7 +1242,7 @@
         <p:spPr>
           <a:xfrm>
             <a:off x="8472600" y="4663080"/>
-            <a:ext cx="547920" cy="392760"/>
+            <a:ext cx="547560" cy="392400"/>
           </a:xfrm>
           <a:prstGeom prst="rect">
             <a:avLst/>
@@ -991,7 +1284,7 @@
                 <a:tab algn="l" pos="0"/>
               </a:tabLst>
             </a:pPr>
-            <a:fld id="{E10B11C2-94AB-4150-BF21-41CA998DCE73}" type="slidenum">
+            <a:fld id="{CAAC0C83-1A78-43E5-B06B-4BFDB250C4BC}" type="slidenum">
               <a:rPr b="0" lang="en-GB" sz="1000" spc="-1" strike="noStrike">
                 <a:solidFill>
                   <a:schemeClr val="dk2"/>
@@ -999,7 +1292,7 @@
                 <a:latin typeface="Arial"/>
                 <a:ea typeface="Arial"/>
               </a:rPr>
-              <a:t>&lt;número&gt;</a:t>
+              <a:t>&lt;number&gt;</a:t>
             </a:fld>
             <a:endParaRPr b="0" lang="es-ES" sz="1000" spc="-1" strike="noStrike">
               <a:solidFill>
@@ -1046,7 +1339,7 @@
       </p:grpSpPr>
       <p:sp>
         <p:nvSpPr>
-          <p:cNvPr id="24" name="PlaceHolder 1"/>
+          <p:cNvPr id="35" name="PlaceHolder 1"/>
           <p:cNvSpPr>
             <a:spLocks noGrp="1"/>
           </p:cNvSpPr>
@@ -1056,8 +1349,8 @@
         </p:nvSpPr>
         <p:spPr>
           <a:xfrm>
-            <a:off x="311760" y="815760"/>
-            <a:ext cx="8519760" cy="522000"/>
+            <a:off x="311760" y="764280"/>
+            <a:ext cx="8519400" cy="624960"/>
           </a:xfrm>
           <a:prstGeom prst="rect">
             <a:avLst/>
@@ -1072,19 +1365,19 @@
             <a:noAutofit/>
           </a:bodyPr>
           <a:p>
-            <a:pPr indent="0">
+            <a:pPr indent="0" algn="ctr">
               <a:buNone/>
             </a:pPr>
             <a:r>
-              <a:rPr b="0" lang="es-ES" sz="1800" spc="-1" strike="noStrike">
-                <a:solidFill>
-                  <a:srgbClr val="000000"/>
-                </a:solidFill>
-                <a:latin typeface="Arial"/>
-              </a:rPr>
-              <a:t>Pulse para editar el formato del texto de título</a:t>
-            </a:r>
-            <a:endParaRPr b="0" lang="es-ES" sz="1800" spc="-1" strike="noStrike">
+              <a:rPr b="0" lang="es-ES" sz="4400" spc="-1" strike="noStrike">
+                <a:solidFill>
+                  <a:srgbClr val="000000"/>
+                </a:solidFill>
+                <a:latin typeface="Arial"/>
+              </a:rPr>
+              <a:t>Click to edit the title text format</a:t>
+            </a:r>
+            <a:endParaRPr b="0" lang="es-ES" sz="4400" spc="-1" strike="noStrike">
               <a:solidFill>
                 <a:srgbClr val="000000"/>
               </a:solidFill>
@@ -1095,7 +1388,7 @@
       </p:sp>
       <p:sp>
         <p:nvSpPr>
-          <p:cNvPr id="25" name="PlaceHolder 2"/>
+          <p:cNvPr id="36" name="PlaceHolder 2"/>
           <p:cNvSpPr>
             <a:spLocks noGrp="1"/>
           </p:cNvSpPr>
@@ -1106,7 +1399,7 @@
         <p:spPr>
           <a:xfrm>
             <a:off x="8472600" y="4663080"/>
-            <a:ext cx="547920" cy="392760"/>
+            <a:ext cx="547560" cy="392400"/>
           </a:xfrm>
           <a:prstGeom prst="rect">
             <a:avLst/>
@@ -1148,7 +1441,7 @@
                 <a:tab algn="l" pos="0"/>
               </a:tabLst>
             </a:pPr>
-            <a:fld id="{6947BF6B-6D96-4E4B-B2E8-7DC9EEFA82A2}" type="slidenum">
+            <a:fld id="{1B0CF997-9D7F-40D3-9FA0-82D33857CF96}" type="slidenum">
               <a:rPr b="0" lang="en-GB" sz="1000" spc="-1" strike="noStrike">
                 <a:solidFill>
                   <a:schemeClr val="dk2"/>
@@ -1156,7 +1449,7 @@
                 <a:latin typeface="Arial"/>
                 <a:ea typeface="Arial"/>
               </a:rPr>
-              <a:t>&lt;número&gt;</a:t>
+              <a:t>&lt;number&gt;</a:t>
             </a:fld>
             <a:endParaRPr b="0" lang="es-ES" sz="1000" spc="-1" strike="noStrike">
               <a:solidFill>
@@ -1170,9 +1463,7 @@
     </p:spTree>
   </p:cSld>
   <p:clrMap bg1="lt1" bg2="lt2" tx1="dk1" tx2="dk2" accent1="accent1" accent2="accent2" accent3="accent3" accent4="accent4" accent5="accent5" accent6="accent6" hlink="hlink" folHlink="folHlink"/>
-  <p:sldLayoutIdLst>
-    <p:sldLayoutId id="2147483667" r:id="rId3"/>
-  </p:sldLayoutIdLst>
+  <p:sldLayoutIdLst/>
 </p:sldMaster>
 </file>
 
@@ -1203,7 +1494,7 @@
       </p:grpSpPr>
       <p:sp>
         <p:nvSpPr>
-          <p:cNvPr id="27" name="PlaceHolder 1"/>
+          <p:cNvPr id="37" name="PlaceHolder 1"/>
           <p:cNvSpPr>
             <a:spLocks noGrp="1"/>
           </p:cNvSpPr>
@@ -1214,7 +1505,7 @@
         <p:spPr>
           <a:xfrm>
             <a:off x="8472600" y="4663080"/>
-            <a:ext cx="547920" cy="392760"/>
+            <a:ext cx="547560" cy="392400"/>
           </a:xfrm>
           <a:prstGeom prst="rect">
             <a:avLst/>
@@ -1256,7 +1547,7 @@
                 <a:tab algn="l" pos="0"/>
               </a:tabLst>
             </a:pPr>
-            <a:fld id="{21D85B13-F082-4E1F-8430-25C76512EA57}" type="slidenum">
+            <a:fld id="{B1F14E6C-F79A-4BD7-9605-E5B4F20D2CFA}" type="slidenum">
               <a:rPr b="0" lang="en-GB" sz="1000" spc="-1" strike="noStrike">
                 <a:solidFill>
                   <a:schemeClr val="dk2"/>
@@ -1264,7 +1555,7 @@
                 <a:latin typeface="Arial"/>
                 <a:ea typeface="Arial"/>
               </a:rPr>
-              <a:t>&lt;número&gt;</a:t>
+              <a:t>&lt;number&gt;</a:t>
             </a:fld>
             <a:endParaRPr b="0" lang="es-ES" sz="1000" spc="-1" strike="noStrike">
               <a:solidFill>
@@ -1278,9 +1569,7 @@
     </p:spTree>
   </p:cSld>
   <p:clrMap bg1="lt1" bg2="lt2" tx1="dk1" tx2="dk2" accent1="accent1" accent2="accent2" accent3="accent3" accent4="accent4" accent5="accent5" accent6="accent6" hlink="hlink" folHlink="folHlink"/>
-  <p:sldLayoutIdLst>
-    <p:sldLayoutId id="2147483669" r:id="rId3"/>
-  </p:sldLayoutIdLst>
+  <p:sldLayoutIdLst/>
 </p:sldMaster>
 </file>
 
@@ -1311,7 +1600,7 @@
       </p:grpSpPr>
       <p:sp>
         <p:nvSpPr>
-          <p:cNvPr id="28" name="PlaceHolder 1"/>
+          <p:cNvPr id="38" name="PlaceHolder 1"/>
           <p:cNvSpPr>
             <a:spLocks noGrp="1"/>
           </p:cNvSpPr>
@@ -1322,7 +1611,7 @@
         <p:spPr>
           <a:xfrm>
             <a:off x="8472600" y="4663080"/>
-            <a:ext cx="547920" cy="392760"/>
+            <a:ext cx="547560" cy="392400"/>
           </a:xfrm>
           <a:prstGeom prst="rect">
             <a:avLst/>
@@ -1364,7 +1653,7 @@
                 <a:tab algn="l" pos="0"/>
               </a:tabLst>
             </a:pPr>
-            <a:fld id="{3CE425E8-003E-4E49-BC38-148FE59B45E8}" type="slidenum">
+            <a:fld id="{62D3A0FE-64C0-48B3-AF49-0557C7AF9347}" type="slidenum">
               <a:rPr b="0" lang="en-GB" sz="1000" spc="-1" strike="noStrike">
                 <a:solidFill>
                   <a:schemeClr val="dk2"/>
@@ -1372,7 +1661,7 @@
                 <a:latin typeface="Arial"/>
                 <a:ea typeface="Arial"/>
               </a:rPr>
-              <a:t>&lt;número&gt;</a:t>
+              <a:t>&lt;number&gt;</a:t>
             </a:fld>
             <a:endParaRPr b="0" lang="es-ES" sz="1000" spc="-1" strike="noStrike">
               <a:solidFill>
@@ -1386,9 +1675,7 @@
     </p:spTree>
   </p:cSld>
   <p:clrMap bg1="lt1" bg2="lt2" tx1="dk1" tx2="dk2" accent1="accent1" accent2="accent2" accent3="accent3" accent4="accent4" accent5="accent5" accent6="accent6" hlink="hlink" folHlink="folHlink"/>
-  <p:sldLayoutIdLst>
-    <p:sldLayoutId id="2147483671" r:id="rId3"/>
-  </p:sldLayoutIdLst>
+  <p:sldLayoutIdLst/>
 </p:sldMaster>
 </file>
 
@@ -1419,7 +1706,7 @@
       </p:grpSpPr>
       <p:sp>
         <p:nvSpPr>
-          <p:cNvPr id="2" name="PlaceHolder 1"/>
+          <p:cNvPr id="4" name="PlaceHolder 1"/>
           <p:cNvSpPr>
             <a:spLocks noGrp="1"/>
           </p:cNvSpPr>
@@ -1430,7 +1717,7 @@
         <p:spPr>
           <a:xfrm>
             <a:off x="8472600" y="4663080"/>
-            <a:ext cx="547920" cy="392760"/>
+            <a:ext cx="547560" cy="392400"/>
           </a:xfrm>
           <a:prstGeom prst="rect">
             <a:avLst/>
@@ -1472,7 +1759,7 @@
                 <a:tab algn="l" pos="0"/>
               </a:tabLst>
             </a:pPr>
-            <a:fld id="{69E8F6BD-F9AF-487E-A6C3-DDC19C59F74C}" type="slidenum">
+            <a:fld id="{D4F82E37-037F-4F80-8D26-E73BC485F288}" type="slidenum">
               <a:rPr b="0" lang="en-GB" sz="1000" spc="-1" strike="noStrike">
                 <a:solidFill>
                   <a:schemeClr val="dk2"/>
@@ -1480,7 +1767,7 @@
                 <a:latin typeface="Arial"/>
                 <a:ea typeface="Arial"/>
               </a:rPr>
-              <a:t>&lt;número&gt;</a:t>
+              <a:t>&lt;number&gt;</a:t>
             </a:fld>
             <a:endParaRPr b="0" lang="es-ES" sz="1000" spc="-1" strike="noStrike">
               <a:solidFill>
@@ -1527,7 +1814,7 @@
       </p:grpSpPr>
       <p:sp>
         <p:nvSpPr>
-          <p:cNvPr id="3" name="PlaceHolder 1"/>
+          <p:cNvPr id="7" name="PlaceHolder 1"/>
           <p:cNvSpPr>
             <a:spLocks noGrp="1"/>
           </p:cNvSpPr>
@@ -1538,7 +1825,7 @@
         <p:spPr>
           <a:xfrm>
             <a:off x="8472600" y="4663080"/>
-            <a:ext cx="547920" cy="392760"/>
+            <a:ext cx="547560" cy="392400"/>
           </a:xfrm>
           <a:prstGeom prst="rect">
             <a:avLst/>
@@ -1580,7 +1867,7 @@
                 <a:tab algn="l" pos="0"/>
               </a:tabLst>
             </a:pPr>
-            <a:fld id="{396C62DC-0662-4E81-8C1F-C0B549027784}" type="slidenum">
+            <a:fld id="{94AFBBDD-F3F7-4E83-BC0E-586ABC12E727}" type="slidenum">
               <a:rPr b="0" lang="en-GB" sz="1000" spc="-1" strike="noStrike">
                 <a:solidFill>
                   <a:schemeClr val="dk2"/>
@@ -1588,7 +1875,7 @@
                 <a:latin typeface="Arial"/>
                 <a:ea typeface="Arial"/>
               </a:rPr>
-              <a:t>&lt;número&gt;</a:t>
+              <a:t>&lt;number&gt;</a:t>
             </a:fld>
             <a:endParaRPr b="0" lang="es-ES" sz="1000" spc="-1" strike="noStrike">
               <a:solidFill>
@@ -1635,7 +1922,7 @@
       </p:grpSpPr>
       <p:sp>
         <p:nvSpPr>
-          <p:cNvPr id="4" name="PlaceHolder 1"/>
+          <p:cNvPr id="10" name="PlaceHolder 1"/>
           <p:cNvSpPr>
             <a:spLocks noGrp="1"/>
           </p:cNvSpPr>
@@ -1646,7 +1933,7 @@
         <p:spPr>
           <a:xfrm>
             <a:off x="8472600" y="4663080"/>
-            <a:ext cx="547920" cy="392760"/>
+            <a:ext cx="547560" cy="392400"/>
           </a:xfrm>
           <a:prstGeom prst="rect">
             <a:avLst/>
@@ -1688,7 +1975,7 @@
                 <a:tab algn="l" pos="0"/>
               </a:tabLst>
             </a:pPr>
-            <a:fld id="{EB3E7184-B33B-4CC9-A827-8C5C2595B086}" type="slidenum">
+            <a:fld id="{AA8C9E64-B03B-4D24-9FDD-A84230392B9B}" type="slidenum">
               <a:rPr b="0" lang="en-GB" sz="1000" spc="-1" strike="noStrike">
                 <a:solidFill>
                   <a:schemeClr val="dk2"/>
@@ -1696,7 +1983,7 @@
                 <a:latin typeface="Arial"/>
                 <a:ea typeface="Arial"/>
               </a:rPr>
-              <a:t>&lt;número&gt;</a:t>
+              <a:t>&lt;number&gt;</a:t>
             </a:fld>
             <a:endParaRPr b="0" lang="es-ES" sz="1000" spc="-1" strike="noStrike">
               <a:solidFill>
@@ -1743,7 +2030,7 @@
       </p:grpSpPr>
       <p:sp>
         <p:nvSpPr>
-          <p:cNvPr id="5" name="PlaceHolder 1"/>
+          <p:cNvPr id="13" name="PlaceHolder 1"/>
           <p:cNvSpPr>
             <a:spLocks noGrp="1"/>
           </p:cNvSpPr>
@@ -1753,8 +2040,8 @@
         </p:nvSpPr>
         <p:spPr>
           <a:xfrm>
-            <a:off x="311760" y="815760"/>
-            <a:ext cx="8519760" cy="522000"/>
+            <a:off x="311760" y="764280"/>
+            <a:ext cx="8519400" cy="624960"/>
           </a:xfrm>
           <a:prstGeom prst="rect">
             <a:avLst/>
@@ -1769,19 +2056,19 @@
             <a:noAutofit/>
           </a:bodyPr>
           <a:p>
-            <a:pPr indent="0">
+            <a:pPr indent="0" algn="ctr">
               <a:buNone/>
             </a:pPr>
             <a:r>
-              <a:rPr b="0" lang="es-ES" sz="1800" spc="-1" strike="noStrike">
+              <a:rPr b="0" lang="es-ES" sz="4400" spc="-1" strike="noStrike">
                 <a:solidFill>
                   <a:srgbClr val="ffffff"/>
                 </a:solidFill>
                 <a:latin typeface="Arial"/>
               </a:rPr>
-              <a:t>Pulse para editar el formato del texto de título</a:t>
-            </a:r>
-            <a:endParaRPr b="0" lang="es-ES" sz="1800" spc="-1" strike="noStrike">
+              <a:t>Click to edit the title text format</a:t>
+            </a:r>
+            <a:endParaRPr b="0" lang="es-ES" sz="4400" spc="-1" strike="noStrike">
               <a:solidFill>
                 <a:srgbClr val="ffffff"/>
               </a:solidFill>
@@ -1792,7 +2079,7 @@
       </p:sp>
       <p:sp>
         <p:nvSpPr>
-          <p:cNvPr id="6" name="PlaceHolder 2"/>
+          <p:cNvPr id="14" name="PlaceHolder 2"/>
           <p:cNvSpPr>
             <a:spLocks noGrp="1"/>
           </p:cNvSpPr>
@@ -1803,7 +2090,7 @@
         <p:spPr>
           <a:xfrm>
             <a:off x="8472600" y="4663080"/>
-            <a:ext cx="547920" cy="392760"/>
+            <a:ext cx="547560" cy="392400"/>
           </a:xfrm>
           <a:prstGeom prst="rect">
             <a:avLst/>
@@ -1845,7 +2132,7 @@
                 <a:tab algn="l" pos="0"/>
               </a:tabLst>
             </a:pPr>
-            <a:fld id="{BA52070B-A3B5-462C-AF88-FDC0E67D3707}" type="slidenum">
+            <a:fld id="{68783D93-5219-406D-AB25-C9D8175BC2AD}" type="slidenum">
               <a:rPr b="0" lang="en-GB" sz="1000" spc="-1" strike="noStrike">
                 <a:solidFill>
                   <a:schemeClr val="dk2"/>
@@ -1853,7 +2140,7 @@
                 <a:latin typeface="Arial"/>
                 <a:ea typeface="Arial"/>
               </a:rPr>
-              <a:t>&lt;número&gt;</a:t>
+              <a:t>&lt;number&gt;</a:t>
             </a:fld>
             <a:endParaRPr b="0" lang="es-ES" sz="1000" spc="-1" strike="noStrike">
               <a:solidFill>
@@ -1866,7 +2153,7 @@
       </p:sp>
       <p:sp>
         <p:nvSpPr>
-          <p:cNvPr id="7" name="PlaceHolder 3"/>
+          <p:cNvPr id="15" name="PlaceHolder 3"/>
           <p:cNvSpPr>
             <a:spLocks noGrp="1"/>
           </p:cNvSpPr>
@@ -1889,7 +2176,7 @@
         </p:spPr>
         <p:txBody>
           <a:bodyPr lIns="0" rIns="0" tIns="0" bIns="0" anchor="t">
-            <a:normAutofit fontScale="92490"/>
+            <a:normAutofit/>
           </a:bodyPr>
           <a:p>
             <a:pPr marL="432000" indent="-324000">
@@ -1910,16 +2197,7 @@
                 </a:solidFill>
                 <a:latin typeface="Arial"/>
               </a:rPr>
-              <a:t>Pulse para editar el formato de texto del </a:t>
-            </a:r>
-            <a:r>
-              <a:rPr b="0" lang="es-ES" sz="3200" spc="-1" strike="noStrike">
-                <a:solidFill>
-                  <a:srgbClr val="ffffff"/>
-                </a:solidFill>
-                <a:latin typeface="Arial"/>
-              </a:rPr>
-              <a:t>esquema</a:t>
+              <a:t>Click to edit the outline text format</a:t>
             </a:r>
             <a:endParaRPr b="0" lang="es-ES" sz="3200" spc="-1" strike="noStrike">
               <a:solidFill>
@@ -1947,7 +2225,7 @@
                 </a:solidFill>
                 <a:latin typeface="Arial"/>
               </a:rPr>
-              <a:t>Segundo nivel del esquema</a:t>
+              <a:t>Second Outline Level</a:t>
             </a:r>
             <a:endParaRPr b="0" lang="es-ES" sz="2800" spc="-1" strike="noStrike">
               <a:solidFill>
@@ -1975,7 +2253,7 @@
                 </a:solidFill>
                 <a:latin typeface="Arial"/>
               </a:rPr>
-              <a:t>Tercer nivel del esquema</a:t>
+              <a:t>Third Outline Level</a:t>
             </a:r>
             <a:endParaRPr b="0" lang="es-ES" sz="2400" spc="-1" strike="noStrike">
               <a:solidFill>
@@ -2003,7 +2281,7 @@
                 </a:solidFill>
                 <a:latin typeface="Arial"/>
               </a:rPr>
-              <a:t>Cuarto nivel del esquema</a:t>
+              <a:t>Fourth Outline Level</a:t>
             </a:r>
             <a:endParaRPr b="0" lang="es-ES" sz="2000" spc="-1" strike="noStrike">
               <a:solidFill>
@@ -2031,7 +2309,7 @@
                 </a:solidFill>
                 <a:latin typeface="Arial"/>
               </a:rPr>
-              <a:t>Quinto nivel del esquema</a:t>
+              <a:t>Fifth Outline Level</a:t>
             </a:r>
             <a:endParaRPr b="0" lang="es-ES" sz="2000" spc="-1" strike="noStrike">
               <a:solidFill>
@@ -2059,7 +2337,7 @@
                 </a:solidFill>
                 <a:latin typeface="Arial"/>
               </a:rPr>
-              <a:t>Sexto nivel del esquema</a:t>
+              <a:t>Sixth Outline Level</a:t>
             </a:r>
             <a:endParaRPr b="0" lang="es-ES" sz="2000" spc="-1" strike="noStrike">
               <a:solidFill>
@@ -2087,7 +2365,7 @@
                 </a:solidFill>
                 <a:latin typeface="Arial"/>
               </a:rPr>
-              <a:t>Séptimo nivel del esquema</a:t>
+              <a:t>Seventh Outline Level</a:t>
             </a:r>
             <a:endParaRPr b="0" lang="es-ES" sz="2000" spc="-1" strike="noStrike">
               <a:solidFill>
@@ -2103,6 +2381,7 @@
   <p:clrMap bg1="lt1" bg2="lt2" tx1="dk1" tx2="dk2" accent1="accent1" accent2="accent2" accent3="accent3" accent4="accent4" accent5="accent5" accent6="accent6" hlink="hlink" folHlink="folHlink"/>
   <p:sldLayoutIdLst>
     <p:sldLayoutId id="2147483657" r:id="rId3"/>
+    <p:sldLayoutId id="2147483658" r:id="rId4"/>
   </p:sldLayoutIdLst>
 </p:sldMaster>
 </file>
@@ -2134,7 +2413,7 @@
       </p:grpSpPr>
       <p:sp>
         <p:nvSpPr>
-          <p:cNvPr id="10" name="PlaceHolder 1"/>
+          <p:cNvPr id="20" name="PlaceHolder 1"/>
           <p:cNvSpPr>
             <a:spLocks noGrp="1"/>
           </p:cNvSpPr>
@@ -2145,7 +2424,7 @@
         <p:spPr>
           <a:xfrm>
             <a:off x="8472600" y="4663080"/>
-            <a:ext cx="547920" cy="392760"/>
+            <a:ext cx="547560" cy="392400"/>
           </a:xfrm>
           <a:prstGeom prst="rect">
             <a:avLst/>
@@ -2187,7 +2466,7 @@
                 <a:tab algn="l" pos="0"/>
               </a:tabLst>
             </a:pPr>
-            <a:fld id="{A1E770CD-D104-4410-A671-707803BD8F85}" type="slidenum">
+            <a:fld id="{35ACBC3A-57E8-4A70-937B-0CED0E7F2A71}" type="slidenum">
               <a:rPr b="0" lang="en-GB" sz="1000" spc="-1" strike="noStrike">
                 <a:solidFill>
                   <a:schemeClr val="dk2"/>
@@ -2195,7 +2474,7 @@
                 <a:latin typeface="Arial"/>
                 <a:ea typeface="Arial"/>
               </a:rPr>
-              <a:t>&lt;número&gt;</a:t>
+              <a:t>&lt;number&gt;</a:t>
             </a:fld>
             <a:endParaRPr b="0" lang="es-ES" sz="1000" spc="-1" strike="noStrike">
               <a:solidFill>
@@ -2210,7 +2489,7 @@
   </p:cSld>
   <p:clrMap bg1="lt1" bg2="lt2" tx1="dk1" tx2="dk2" accent1="accent1" accent2="accent2" accent3="accent3" accent4="accent4" accent5="accent5" accent6="accent6" hlink="hlink" folHlink="folHlink"/>
   <p:sldLayoutIdLst>
-    <p:sldLayoutId id="2147483659" r:id="rId3"/>
+    <p:sldLayoutId id="2147483660" r:id="rId3"/>
   </p:sldLayoutIdLst>
 </p:sldMaster>
 </file>
@@ -2242,7 +2521,7 @@
       </p:grpSpPr>
       <p:sp>
         <p:nvSpPr>
-          <p:cNvPr id="11" name="PlaceHolder 1"/>
+          <p:cNvPr id="23" name="PlaceHolder 1"/>
           <p:cNvSpPr>
             <a:spLocks noGrp="1"/>
           </p:cNvSpPr>
@@ -2253,7 +2532,7 @@
         <p:spPr>
           <a:xfrm>
             <a:off x="8472600" y="4663080"/>
-            <a:ext cx="547920" cy="392760"/>
+            <a:ext cx="547560" cy="392400"/>
           </a:xfrm>
           <a:prstGeom prst="rect">
             <a:avLst/>
@@ -2295,7 +2574,7 @@
                 <a:tab algn="l" pos="0"/>
               </a:tabLst>
             </a:pPr>
-            <a:fld id="{C4E276FB-C5CD-49C4-9DAD-3F540FFBE7A0}" type="slidenum">
+            <a:fld id="{2CA737FC-46B3-4DF3-924A-4C3B59463A7B}" type="slidenum">
               <a:rPr b="0" lang="en-GB" sz="1000" spc="-1" strike="noStrike">
                 <a:solidFill>
                   <a:schemeClr val="dk2"/>
@@ -2303,7 +2582,7 @@
                 <a:latin typeface="Arial"/>
                 <a:ea typeface="Arial"/>
               </a:rPr>
-              <a:t>&lt;número&gt;</a:t>
+              <a:t>&lt;number&gt;</a:t>
             </a:fld>
             <a:endParaRPr b="0" lang="es-ES" sz="1000" spc="-1" strike="noStrike">
               <a:solidFill>
@@ -2318,7 +2597,7 @@
   </p:cSld>
   <p:clrMap bg1="lt1" bg2="lt2" tx1="dk1" tx2="dk2" accent1="accent1" accent2="accent2" accent3="accent3" accent4="accent4" accent5="accent5" accent6="accent6" hlink="hlink" folHlink="folHlink"/>
   <p:sldLayoutIdLst>
-    <p:sldLayoutId id="2147483661" r:id="rId3"/>
+    <p:sldLayoutId id="2147483662" r:id="rId3"/>
   </p:sldLayoutIdLst>
 </p:sldMaster>
 </file>
@@ -2350,7 +2629,7 @@
       </p:grpSpPr>
       <p:sp>
         <p:nvSpPr>
-          <p:cNvPr id="12" name="PlaceHolder 1"/>
+          <p:cNvPr id="26" name="PlaceHolder 1"/>
           <p:cNvSpPr>
             <a:spLocks noGrp="1"/>
           </p:cNvSpPr>
@@ -2360,8 +2639,8 @@
         </p:nvSpPr>
         <p:spPr>
           <a:xfrm>
-            <a:off x="311760" y="815760"/>
-            <a:ext cx="8519760" cy="522000"/>
+            <a:off x="311760" y="764280"/>
+            <a:ext cx="8519400" cy="624960"/>
           </a:xfrm>
           <a:prstGeom prst="rect">
             <a:avLst/>
@@ -2376,19 +2655,19 @@
             <a:noAutofit/>
           </a:bodyPr>
           <a:p>
-            <a:pPr indent="0">
+            <a:pPr indent="0" algn="ctr">
               <a:buNone/>
             </a:pPr>
             <a:r>
-              <a:rPr b="0" lang="es-ES" sz="1800" spc="-1" strike="noStrike">
-                <a:solidFill>
-                  <a:srgbClr val="000000"/>
-                </a:solidFill>
-                <a:latin typeface="Arial"/>
-              </a:rPr>
-              <a:t>Pulse para editar el formato del texto de título</a:t>
-            </a:r>
-            <a:endParaRPr b="0" lang="es-ES" sz="1800" spc="-1" strike="noStrike">
+              <a:rPr b="0" lang="es-ES" sz="4400" spc="-1" strike="noStrike">
+                <a:solidFill>
+                  <a:srgbClr val="000000"/>
+                </a:solidFill>
+                <a:latin typeface="Arial"/>
+              </a:rPr>
+              <a:t>Click to edit the title text format</a:t>
+            </a:r>
+            <a:endParaRPr b="0" lang="es-ES" sz="4400" spc="-1" strike="noStrike">
               <a:solidFill>
                 <a:srgbClr val="000000"/>
               </a:solidFill>
@@ -2399,7 +2678,7 @@
       </p:sp>
       <p:sp>
         <p:nvSpPr>
-          <p:cNvPr id="13" name="PlaceHolder 2"/>
+          <p:cNvPr id="27" name="PlaceHolder 2"/>
           <p:cNvSpPr>
             <a:spLocks noGrp="1"/>
           </p:cNvSpPr>
@@ -2410,7 +2689,7 @@
         <p:spPr>
           <a:xfrm>
             <a:off x="311760" y="1461600"/>
-            <a:ext cx="8519760" cy="3117600"/>
+            <a:ext cx="8519400" cy="3117240"/>
           </a:xfrm>
           <a:prstGeom prst="rect">
             <a:avLst/>
@@ -2437,15 +2716,15 @@
               <a:buChar char=""/>
             </a:pPr>
             <a:r>
-              <a:rPr b="0" lang="es-ES" sz="1800" spc="-1" strike="noStrike">
-                <a:solidFill>
-                  <a:srgbClr val="000000"/>
-                </a:solidFill>
-                <a:latin typeface="Arial"/>
-              </a:rPr>
-              <a:t>Pulse para editar el formato de texto del esquema</a:t>
-            </a:r>
-            <a:endParaRPr b="0" lang="es-ES" sz="1800" spc="-1" strike="noStrike">
+              <a:rPr b="0" lang="es-ES" sz="3200" spc="-1" strike="noStrike">
+                <a:solidFill>
+                  <a:srgbClr val="000000"/>
+                </a:solidFill>
+                <a:latin typeface="Arial"/>
+              </a:rPr>
+              <a:t>Click to edit the outline text format</a:t>
+            </a:r>
+            <a:endParaRPr b="0" lang="es-ES" sz="3200" spc="-1" strike="noStrike">
               <a:solidFill>
                 <a:srgbClr val="000000"/>
               </a:solidFill>
@@ -2465,15 +2744,15 @@
               <a:buChar char=""/>
             </a:pPr>
             <a:r>
-              <a:rPr b="0" lang="es-ES" sz="1800" spc="-1" strike="noStrike">
-                <a:solidFill>
-                  <a:srgbClr val="000000"/>
-                </a:solidFill>
-                <a:latin typeface="Arial"/>
-              </a:rPr>
-              <a:t>Segundo nivel del esquema</a:t>
-            </a:r>
-            <a:endParaRPr b="0" lang="es-ES" sz="1800" spc="-1" strike="noStrike">
+              <a:rPr b="0" lang="es-ES" sz="2800" spc="-1" strike="noStrike">
+                <a:solidFill>
+                  <a:srgbClr val="000000"/>
+                </a:solidFill>
+                <a:latin typeface="Arial"/>
+              </a:rPr>
+              <a:t>Second Outline Level</a:t>
+            </a:r>
+            <a:endParaRPr b="0" lang="es-ES" sz="2800" spc="-1" strike="noStrike">
               <a:solidFill>
                 <a:srgbClr val="000000"/>
               </a:solidFill>
@@ -2493,15 +2772,15 @@
               <a:buChar char=""/>
             </a:pPr>
             <a:r>
-              <a:rPr b="0" lang="es-ES" sz="1800" spc="-1" strike="noStrike">
-                <a:solidFill>
-                  <a:srgbClr val="000000"/>
-                </a:solidFill>
-                <a:latin typeface="Arial"/>
-              </a:rPr>
-              <a:t>Tercer nivel del esquema</a:t>
-            </a:r>
-            <a:endParaRPr b="0" lang="es-ES" sz="1800" spc="-1" strike="noStrike">
+              <a:rPr b="0" lang="es-ES" sz="2400" spc="-1" strike="noStrike">
+                <a:solidFill>
+                  <a:srgbClr val="000000"/>
+                </a:solidFill>
+                <a:latin typeface="Arial"/>
+              </a:rPr>
+              <a:t>Third Outline Level</a:t>
+            </a:r>
+            <a:endParaRPr b="0" lang="es-ES" sz="2400" spc="-1" strike="noStrike">
               <a:solidFill>
                 <a:srgbClr val="000000"/>
               </a:solidFill>
@@ -2521,15 +2800,15 @@
               <a:buChar char=""/>
             </a:pPr>
             <a:r>
-              <a:rPr b="0" lang="es-ES" sz="1800" spc="-1" strike="noStrike">
-                <a:solidFill>
-                  <a:srgbClr val="000000"/>
-                </a:solidFill>
-                <a:latin typeface="Arial"/>
-              </a:rPr>
-              <a:t>Cuarto nivel del esquema</a:t>
-            </a:r>
-            <a:endParaRPr b="0" lang="es-ES" sz="1800" spc="-1" strike="noStrike">
+              <a:rPr b="0" lang="es-ES" sz="2000" spc="-1" strike="noStrike">
+                <a:solidFill>
+                  <a:srgbClr val="000000"/>
+                </a:solidFill>
+                <a:latin typeface="Arial"/>
+              </a:rPr>
+              <a:t>Fourth Outline Level</a:t>
+            </a:r>
+            <a:endParaRPr b="0" lang="es-ES" sz="2000" spc="-1" strike="noStrike">
               <a:solidFill>
                 <a:srgbClr val="000000"/>
               </a:solidFill>
@@ -2549,15 +2828,15 @@
               <a:buChar char=""/>
             </a:pPr>
             <a:r>
-              <a:rPr b="0" lang="es-ES" sz="1800" spc="-1" strike="noStrike">
-                <a:solidFill>
-                  <a:srgbClr val="000000"/>
-                </a:solidFill>
-                <a:latin typeface="Arial"/>
-              </a:rPr>
-              <a:t>Quinto nivel del esquema</a:t>
-            </a:r>
-            <a:endParaRPr b="0" lang="es-ES" sz="1800" spc="-1" strike="noStrike">
+              <a:rPr b="0" lang="es-ES" sz="2000" spc="-1" strike="noStrike">
+                <a:solidFill>
+                  <a:srgbClr val="000000"/>
+                </a:solidFill>
+                <a:latin typeface="Arial"/>
+              </a:rPr>
+              <a:t>Fifth Outline Level</a:t>
+            </a:r>
+            <a:endParaRPr b="0" lang="es-ES" sz="2000" spc="-1" strike="noStrike">
               <a:solidFill>
                 <a:srgbClr val="000000"/>
               </a:solidFill>
@@ -2577,15 +2856,15 @@
               <a:buChar char=""/>
             </a:pPr>
             <a:r>
-              <a:rPr b="0" lang="es-ES" sz="1800" spc="-1" strike="noStrike">
-                <a:solidFill>
-                  <a:srgbClr val="000000"/>
-                </a:solidFill>
-                <a:latin typeface="Arial"/>
-              </a:rPr>
-              <a:t>Sexto nivel del esquema</a:t>
-            </a:r>
-            <a:endParaRPr b="0" lang="es-ES" sz="1800" spc="-1" strike="noStrike">
+              <a:rPr b="0" lang="es-ES" sz="2000" spc="-1" strike="noStrike">
+                <a:solidFill>
+                  <a:srgbClr val="000000"/>
+                </a:solidFill>
+                <a:latin typeface="Arial"/>
+              </a:rPr>
+              <a:t>Sixth Outline Level</a:t>
+            </a:r>
+            <a:endParaRPr b="0" lang="es-ES" sz="2000" spc="-1" strike="noStrike">
               <a:solidFill>
                 <a:srgbClr val="000000"/>
               </a:solidFill>
@@ -2605,15 +2884,15 @@
               <a:buChar char=""/>
             </a:pPr>
             <a:r>
-              <a:rPr b="0" lang="es-ES" sz="1800" spc="-1" strike="noStrike">
-                <a:solidFill>
-                  <a:srgbClr val="000000"/>
-                </a:solidFill>
-                <a:latin typeface="Arial"/>
-              </a:rPr>
-              <a:t>Séptimo nivel del esquema</a:t>
-            </a:r>
-            <a:endParaRPr b="0" lang="es-ES" sz="1800" spc="-1" strike="noStrike">
+              <a:rPr b="0" lang="es-ES" sz="2000" spc="-1" strike="noStrike">
+                <a:solidFill>
+                  <a:srgbClr val="000000"/>
+                </a:solidFill>
+                <a:latin typeface="Arial"/>
+              </a:rPr>
+              <a:t>Seventh Outline Level</a:t>
+            </a:r>
+            <a:endParaRPr b="0" lang="es-ES" sz="2000" spc="-1" strike="noStrike">
               <a:solidFill>
                 <a:srgbClr val="000000"/>
               </a:solidFill>
@@ -2624,7 +2903,7 @@
       </p:sp>
       <p:sp>
         <p:nvSpPr>
-          <p:cNvPr id="14" name="PlaceHolder 3"/>
+          <p:cNvPr id="28" name="PlaceHolder 3"/>
           <p:cNvSpPr>
             <a:spLocks noGrp="1"/>
           </p:cNvSpPr>
@@ -2635,7 +2914,7 @@
         <p:spPr>
           <a:xfrm>
             <a:off x="8472600" y="4663080"/>
-            <a:ext cx="547920" cy="392760"/>
+            <a:ext cx="547560" cy="392400"/>
           </a:xfrm>
           <a:prstGeom prst="rect">
             <a:avLst/>
@@ -2677,7 +2956,7 @@
                 <a:tab algn="l" pos="0"/>
               </a:tabLst>
             </a:pPr>
-            <a:fld id="{B9053E25-D668-42B4-ABA3-1D416BE9D0AF}" type="slidenum">
+            <a:fld id="{BF29CB9C-12EF-42A1-A763-3F480C1FAE75}" type="slidenum">
               <a:rPr b="0" lang="en-GB" sz="1000" spc="-1" strike="noStrike">
                 <a:solidFill>
                   <a:schemeClr val="dk2"/>
@@ -2685,7 +2964,7 @@
                 <a:latin typeface="Arial"/>
                 <a:ea typeface="Arial"/>
               </a:rPr>
-              <a:t>&lt;número&gt;</a:t>
+              <a:t>&lt;number&gt;</a:t>
             </a:fld>
             <a:endParaRPr b="0" lang="es-ES" sz="1000" spc="-1" strike="noStrike">
               <a:solidFill>
@@ -2700,7 +2979,7 @@
   </p:cSld>
   <p:clrMap bg1="lt1" bg2="lt2" tx1="dk1" tx2="dk2" accent1="accent1" accent2="accent2" accent3="accent3" accent4="accent4" accent5="accent5" accent6="accent6" hlink="hlink" folHlink="folHlink"/>
   <p:sldLayoutIdLst>
-    <p:sldLayoutId id="2147483663" r:id="rId3"/>
+    <p:sldLayoutId id="2147483664" r:id="rId3"/>
   </p:sldLayoutIdLst>
 </p:sldMaster>
 </file>
@@ -2732,7 +3011,7 @@
       </p:grpSpPr>
       <p:sp>
         <p:nvSpPr>
-          <p:cNvPr id="17" name="PlaceHolder 1"/>
+          <p:cNvPr id="31" name="PlaceHolder 1"/>
           <p:cNvSpPr>
             <a:spLocks noGrp="1"/>
           </p:cNvSpPr>
@@ -2742,8 +3021,8 @@
         </p:nvSpPr>
         <p:spPr>
           <a:xfrm>
-            <a:off x="311760" y="815760"/>
-            <a:ext cx="8519760" cy="522000"/>
+            <a:off x="311760" y="764280"/>
+            <a:ext cx="8519400" cy="624960"/>
           </a:xfrm>
           <a:prstGeom prst="rect">
             <a:avLst/>
@@ -2758,19 +3037,19 @@
             <a:noAutofit/>
           </a:bodyPr>
           <a:p>
-            <a:pPr indent="0">
+            <a:pPr indent="0" algn="ctr">
               <a:buNone/>
             </a:pPr>
             <a:r>
-              <a:rPr b="0" lang="es-ES" sz="1800" spc="-1" strike="noStrike">
-                <a:solidFill>
-                  <a:srgbClr val="000000"/>
-                </a:solidFill>
-                <a:latin typeface="Arial"/>
-              </a:rPr>
-              <a:t>Pulse para editar el formato del texto de título</a:t>
-            </a:r>
-            <a:endParaRPr b="0" lang="es-ES" sz="1800" spc="-1" strike="noStrike">
+              <a:rPr b="0" lang="es-ES" sz="4400" spc="-1" strike="noStrike">
+                <a:solidFill>
+                  <a:srgbClr val="000000"/>
+                </a:solidFill>
+                <a:latin typeface="Arial"/>
+              </a:rPr>
+              <a:t>Click to edit the title text format</a:t>
+            </a:r>
+            <a:endParaRPr b="0" lang="es-ES" sz="4400" spc="-1" strike="noStrike">
               <a:solidFill>
                 <a:srgbClr val="000000"/>
               </a:solidFill>
@@ -2781,7 +3060,7 @@
       </p:sp>
       <p:sp>
         <p:nvSpPr>
-          <p:cNvPr id="18" name="PlaceHolder 2"/>
+          <p:cNvPr id="32" name="PlaceHolder 2"/>
           <p:cNvSpPr>
             <a:spLocks noGrp="1"/>
           </p:cNvSpPr>
@@ -2792,7 +3071,7 @@
         <p:spPr>
           <a:xfrm>
             <a:off x="311760" y="1461600"/>
-            <a:ext cx="4157280" cy="3117600"/>
+            <a:ext cx="4156920" cy="3117240"/>
           </a:xfrm>
           <a:prstGeom prst="rect">
             <a:avLst/>
@@ -2804,7 +3083,7 @@
         </p:spPr>
         <p:txBody>
           <a:bodyPr lIns="0" rIns="0" tIns="0" bIns="0" anchor="t">
-            <a:normAutofit fontScale="87222" lnSpcReduction="10000"/>
+            <a:normAutofit fontScale="81242" lnSpcReduction="10000"/>
           </a:bodyPr>
           <a:p>
             <a:pPr marL="432000" indent="-324000">
@@ -2819,15 +3098,15 @@
               <a:buChar char=""/>
             </a:pPr>
             <a:r>
-              <a:rPr b="0" lang="es-ES" sz="1800" spc="-1" strike="noStrike">
-                <a:solidFill>
-                  <a:srgbClr val="000000"/>
-                </a:solidFill>
-                <a:latin typeface="Arial"/>
-              </a:rPr>
-              <a:t>Pulse para editar el formato de texto del esquema</a:t>
-            </a:r>
-            <a:endParaRPr b="0" lang="es-ES" sz="1800" spc="-1" strike="noStrike">
+              <a:rPr b="0" lang="es-ES" sz="3200" spc="-1" strike="noStrike">
+                <a:solidFill>
+                  <a:srgbClr val="000000"/>
+                </a:solidFill>
+                <a:latin typeface="Arial"/>
+              </a:rPr>
+              <a:t>Click to edit the outline text format</a:t>
+            </a:r>
+            <a:endParaRPr b="0" lang="es-ES" sz="3200" spc="-1" strike="noStrike">
               <a:solidFill>
                 <a:srgbClr val="000000"/>
               </a:solidFill>
@@ -2847,15 +3126,15 @@
               <a:buChar char=""/>
             </a:pPr>
             <a:r>
-              <a:rPr b="0" lang="es-ES" sz="1800" spc="-1" strike="noStrike">
-                <a:solidFill>
-                  <a:srgbClr val="000000"/>
-                </a:solidFill>
-                <a:latin typeface="Arial"/>
-              </a:rPr>
-              <a:t>Segundo nivel del esquema</a:t>
-            </a:r>
-            <a:endParaRPr b="0" lang="es-ES" sz="1800" spc="-1" strike="noStrike">
+              <a:rPr b="0" lang="es-ES" sz="2800" spc="-1" strike="noStrike">
+                <a:solidFill>
+                  <a:srgbClr val="000000"/>
+                </a:solidFill>
+                <a:latin typeface="Arial"/>
+              </a:rPr>
+              <a:t>Second Outline Level</a:t>
+            </a:r>
+            <a:endParaRPr b="0" lang="es-ES" sz="2800" spc="-1" strike="noStrike">
               <a:solidFill>
                 <a:srgbClr val="000000"/>
               </a:solidFill>
@@ -2875,15 +3154,15 @@
               <a:buChar char=""/>
             </a:pPr>
             <a:r>
-              <a:rPr b="0" lang="es-ES" sz="1800" spc="-1" strike="noStrike">
-                <a:solidFill>
-                  <a:srgbClr val="000000"/>
-                </a:solidFill>
-                <a:latin typeface="Arial"/>
-              </a:rPr>
-              <a:t>Tercer nivel del esquema</a:t>
-            </a:r>
-            <a:endParaRPr b="0" lang="es-ES" sz="1800" spc="-1" strike="noStrike">
+              <a:rPr b="0" lang="es-ES" sz="2400" spc="-1" strike="noStrike">
+                <a:solidFill>
+                  <a:srgbClr val="000000"/>
+                </a:solidFill>
+                <a:latin typeface="Arial"/>
+              </a:rPr>
+              <a:t>Third Outline Level</a:t>
+            </a:r>
+            <a:endParaRPr b="0" lang="es-ES" sz="2400" spc="-1" strike="noStrike">
               <a:solidFill>
                 <a:srgbClr val="000000"/>
               </a:solidFill>
@@ -2903,15 +3182,15 @@
               <a:buChar char=""/>
             </a:pPr>
             <a:r>
-              <a:rPr b="0" lang="es-ES" sz="1800" spc="-1" strike="noStrike">
-                <a:solidFill>
-                  <a:srgbClr val="000000"/>
-                </a:solidFill>
-                <a:latin typeface="Arial"/>
-              </a:rPr>
-              <a:t>Cuarto nivel del esquema</a:t>
-            </a:r>
-            <a:endParaRPr b="0" lang="es-ES" sz="1800" spc="-1" strike="noStrike">
+              <a:rPr b="0" lang="es-ES" sz="2000" spc="-1" strike="noStrike">
+                <a:solidFill>
+                  <a:srgbClr val="000000"/>
+                </a:solidFill>
+                <a:latin typeface="Arial"/>
+              </a:rPr>
+              <a:t>Fourth Outline Level</a:t>
+            </a:r>
+            <a:endParaRPr b="0" lang="es-ES" sz="2000" spc="-1" strike="noStrike">
               <a:solidFill>
                 <a:srgbClr val="000000"/>
               </a:solidFill>
@@ -2931,15 +3210,15 @@
               <a:buChar char=""/>
             </a:pPr>
             <a:r>
-              <a:rPr b="0" lang="es-ES" sz="1800" spc="-1" strike="noStrike">
-                <a:solidFill>
-                  <a:srgbClr val="000000"/>
-                </a:solidFill>
-                <a:latin typeface="Arial"/>
-              </a:rPr>
-              <a:t>Quinto nivel del esquema</a:t>
-            </a:r>
-            <a:endParaRPr b="0" lang="es-ES" sz="1800" spc="-1" strike="noStrike">
+              <a:rPr b="0" lang="es-ES" sz="2000" spc="-1" strike="noStrike">
+                <a:solidFill>
+                  <a:srgbClr val="000000"/>
+                </a:solidFill>
+                <a:latin typeface="Arial"/>
+              </a:rPr>
+              <a:t>Fifth Outline Level</a:t>
+            </a:r>
+            <a:endParaRPr b="0" lang="es-ES" sz="2000" spc="-1" strike="noStrike">
               <a:solidFill>
                 <a:srgbClr val="000000"/>
               </a:solidFill>
@@ -2959,15 +3238,15 @@
               <a:buChar char=""/>
             </a:pPr>
             <a:r>
-              <a:rPr b="0" lang="es-ES" sz="1800" spc="-1" strike="noStrike">
-                <a:solidFill>
-                  <a:srgbClr val="000000"/>
-                </a:solidFill>
-                <a:latin typeface="Arial"/>
-              </a:rPr>
-              <a:t>Sexto nivel del esquema</a:t>
-            </a:r>
-            <a:endParaRPr b="0" lang="es-ES" sz="1800" spc="-1" strike="noStrike">
+              <a:rPr b="0" lang="es-ES" sz="2000" spc="-1" strike="noStrike">
+                <a:solidFill>
+                  <a:srgbClr val="000000"/>
+                </a:solidFill>
+                <a:latin typeface="Arial"/>
+              </a:rPr>
+              <a:t>Sixth Outline Level</a:t>
+            </a:r>
+            <a:endParaRPr b="0" lang="es-ES" sz="2000" spc="-1" strike="noStrike">
               <a:solidFill>
                 <a:srgbClr val="000000"/>
               </a:solidFill>
@@ -2987,15 +3266,15 @@
               <a:buChar char=""/>
             </a:pPr>
             <a:r>
-              <a:rPr b="0" lang="es-ES" sz="1800" spc="-1" strike="noStrike">
-                <a:solidFill>
-                  <a:srgbClr val="000000"/>
-                </a:solidFill>
-                <a:latin typeface="Arial"/>
-              </a:rPr>
-              <a:t>Séptimo nivel del esquema</a:t>
-            </a:r>
-            <a:endParaRPr b="0" lang="es-ES" sz="1800" spc="-1" strike="noStrike">
+              <a:rPr b="0" lang="es-ES" sz="2000" spc="-1" strike="noStrike">
+                <a:solidFill>
+                  <a:srgbClr val="000000"/>
+                </a:solidFill>
+                <a:latin typeface="Arial"/>
+              </a:rPr>
+              <a:t>Seventh Outline Level</a:t>
+            </a:r>
+            <a:endParaRPr b="0" lang="es-ES" sz="2000" spc="-1" strike="noStrike">
               <a:solidFill>
                 <a:srgbClr val="000000"/>
               </a:solidFill>
@@ -3006,7 +3285,7 @@
       </p:sp>
       <p:sp>
         <p:nvSpPr>
-          <p:cNvPr id="19" name="PlaceHolder 3"/>
+          <p:cNvPr id="33" name="PlaceHolder 3"/>
           <p:cNvSpPr>
             <a:spLocks noGrp="1"/>
           </p:cNvSpPr>
@@ -3016,8 +3295,8 @@
         </p:nvSpPr>
         <p:spPr>
           <a:xfrm>
-            <a:off x="4677840" y="1461600"/>
-            <a:ext cx="4157280" cy="3117600"/>
+            <a:off x="4677120" y="1461600"/>
+            <a:ext cx="4156920" cy="3117240"/>
           </a:xfrm>
           <a:prstGeom prst="rect">
             <a:avLst/>
@@ -3029,7 +3308,7 @@
         </p:spPr>
         <p:txBody>
           <a:bodyPr lIns="0" rIns="0" tIns="0" bIns="0" anchor="t">
-            <a:normAutofit fontScale="87222" lnSpcReduction="10000"/>
+            <a:normAutofit fontScale="81242" lnSpcReduction="10000"/>
           </a:bodyPr>
           <a:p>
             <a:pPr marL="432000" indent="-324000">
@@ -3044,15 +3323,15 @@
               <a:buChar char=""/>
             </a:pPr>
             <a:r>
-              <a:rPr b="0" lang="es-ES" sz="1800" spc="-1" strike="noStrike">
-                <a:solidFill>
-                  <a:srgbClr val="000000"/>
-                </a:solidFill>
-                <a:latin typeface="Arial"/>
-              </a:rPr>
-              <a:t>Pulse para editar el formato de texto del esquema</a:t>
-            </a:r>
-            <a:endParaRPr b="0" lang="es-ES" sz="1800" spc="-1" strike="noStrike">
+              <a:rPr b="0" lang="es-ES" sz="3200" spc="-1" strike="noStrike">
+                <a:solidFill>
+                  <a:srgbClr val="000000"/>
+                </a:solidFill>
+                <a:latin typeface="Arial"/>
+              </a:rPr>
+              <a:t>Click to edit the outline text format</a:t>
+            </a:r>
+            <a:endParaRPr b="0" lang="es-ES" sz="3200" spc="-1" strike="noStrike">
               <a:solidFill>
                 <a:srgbClr val="000000"/>
               </a:solidFill>
@@ -3072,15 +3351,15 @@
               <a:buChar char=""/>
             </a:pPr>
             <a:r>
-              <a:rPr b="0" lang="es-ES" sz="1800" spc="-1" strike="noStrike">
-                <a:solidFill>
-                  <a:srgbClr val="000000"/>
-                </a:solidFill>
-                <a:latin typeface="Arial"/>
-              </a:rPr>
-              <a:t>Segundo nivel del esquema</a:t>
-            </a:r>
-            <a:endParaRPr b="0" lang="es-ES" sz="1800" spc="-1" strike="noStrike">
+              <a:rPr b="0" lang="es-ES" sz="2800" spc="-1" strike="noStrike">
+                <a:solidFill>
+                  <a:srgbClr val="000000"/>
+                </a:solidFill>
+                <a:latin typeface="Arial"/>
+              </a:rPr>
+              <a:t>Second Outline Level</a:t>
+            </a:r>
+            <a:endParaRPr b="0" lang="es-ES" sz="2800" spc="-1" strike="noStrike">
               <a:solidFill>
                 <a:srgbClr val="000000"/>
               </a:solidFill>
@@ -3100,15 +3379,15 @@
               <a:buChar char=""/>
             </a:pPr>
             <a:r>
-              <a:rPr b="0" lang="es-ES" sz="1800" spc="-1" strike="noStrike">
-                <a:solidFill>
-                  <a:srgbClr val="000000"/>
-                </a:solidFill>
-                <a:latin typeface="Arial"/>
-              </a:rPr>
-              <a:t>Tercer nivel del esquema</a:t>
-            </a:r>
-            <a:endParaRPr b="0" lang="es-ES" sz="1800" spc="-1" strike="noStrike">
+              <a:rPr b="0" lang="es-ES" sz="2400" spc="-1" strike="noStrike">
+                <a:solidFill>
+                  <a:srgbClr val="000000"/>
+                </a:solidFill>
+                <a:latin typeface="Arial"/>
+              </a:rPr>
+              <a:t>Third Outline Level</a:t>
+            </a:r>
+            <a:endParaRPr b="0" lang="es-ES" sz="2400" spc="-1" strike="noStrike">
               <a:solidFill>
                 <a:srgbClr val="000000"/>
               </a:solidFill>
@@ -3128,15 +3407,15 @@
               <a:buChar char=""/>
             </a:pPr>
             <a:r>
-              <a:rPr b="0" lang="es-ES" sz="1800" spc="-1" strike="noStrike">
-                <a:solidFill>
-                  <a:srgbClr val="000000"/>
-                </a:solidFill>
-                <a:latin typeface="Arial"/>
-              </a:rPr>
-              <a:t>Cuarto nivel del esquema</a:t>
-            </a:r>
-            <a:endParaRPr b="0" lang="es-ES" sz="1800" spc="-1" strike="noStrike">
+              <a:rPr b="0" lang="es-ES" sz="2000" spc="-1" strike="noStrike">
+                <a:solidFill>
+                  <a:srgbClr val="000000"/>
+                </a:solidFill>
+                <a:latin typeface="Arial"/>
+              </a:rPr>
+              <a:t>Fourth Outline Level</a:t>
+            </a:r>
+            <a:endParaRPr b="0" lang="es-ES" sz="2000" spc="-1" strike="noStrike">
               <a:solidFill>
                 <a:srgbClr val="000000"/>
               </a:solidFill>
@@ -3156,15 +3435,15 @@
               <a:buChar char=""/>
             </a:pPr>
             <a:r>
-              <a:rPr b="0" lang="es-ES" sz="1800" spc="-1" strike="noStrike">
-                <a:solidFill>
-                  <a:srgbClr val="000000"/>
-                </a:solidFill>
-                <a:latin typeface="Arial"/>
-              </a:rPr>
-              <a:t>Quinto nivel del esquema</a:t>
-            </a:r>
-            <a:endParaRPr b="0" lang="es-ES" sz="1800" spc="-1" strike="noStrike">
+              <a:rPr b="0" lang="es-ES" sz="2000" spc="-1" strike="noStrike">
+                <a:solidFill>
+                  <a:srgbClr val="000000"/>
+                </a:solidFill>
+                <a:latin typeface="Arial"/>
+              </a:rPr>
+              <a:t>Fifth Outline Level</a:t>
+            </a:r>
+            <a:endParaRPr b="0" lang="es-ES" sz="2000" spc="-1" strike="noStrike">
               <a:solidFill>
                 <a:srgbClr val="000000"/>
               </a:solidFill>
@@ -3184,15 +3463,15 @@
               <a:buChar char=""/>
             </a:pPr>
             <a:r>
-              <a:rPr b="0" lang="es-ES" sz="1800" spc="-1" strike="noStrike">
-                <a:solidFill>
-                  <a:srgbClr val="000000"/>
-                </a:solidFill>
-                <a:latin typeface="Arial"/>
-              </a:rPr>
-              <a:t>Sexto nivel del esquema</a:t>
-            </a:r>
-            <a:endParaRPr b="0" lang="es-ES" sz="1800" spc="-1" strike="noStrike">
+              <a:rPr b="0" lang="es-ES" sz="2000" spc="-1" strike="noStrike">
+                <a:solidFill>
+                  <a:srgbClr val="000000"/>
+                </a:solidFill>
+                <a:latin typeface="Arial"/>
+              </a:rPr>
+              <a:t>Sixth Outline Level</a:t>
+            </a:r>
+            <a:endParaRPr b="0" lang="es-ES" sz="2000" spc="-1" strike="noStrike">
               <a:solidFill>
                 <a:srgbClr val="000000"/>
               </a:solidFill>
@@ -3212,15 +3491,15 @@
               <a:buChar char=""/>
             </a:pPr>
             <a:r>
-              <a:rPr b="0" lang="es-ES" sz="1800" spc="-1" strike="noStrike">
-                <a:solidFill>
-                  <a:srgbClr val="000000"/>
-                </a:solidFill>
-                <a:latin typeface="Arial"/>
-              </a:rPr>
-              <a:t>Séptimo nivel del esquema</a:t>
-            </a:r>
-            <a:endParaRPr b="0" lang="es-ES" sz="1800" spc="-1" strike="noStrike">
+              <a:rPr b="0" lang="es-ES" sz="2000" spc="-1" strike="noStrike">
+                <a:solidFill>
+                  <a:srgbClr val="000000"/>
+                </a:solidFill>
+                <a:latin typeface="Arial"/>
+              </a:rPr>
+              <a:t>Seventh Outline Level</a:t>
+            </a:r>
+            <a:endParaRPr b="0" lang="es-ES" sz="2000" spc="-1" strike="noStrike">
               <a:solidFill>
                 <a:srgbClr val="000000"/>
               </a:solidFill>
@@ -3231,7 +3510,7 @@
       </p:sp>
       <p:sp>
         <p:nvSpPr>
-          <p:cNvPr id="20" name="PlaceHolder 4"/>
+          <p:cNvPr id="34" name="PlaceHolder 4"/>
           <p:cNvSpPr>
             <a:spLocks noGrp="1"/>
           </p:cNvSpPr>
@@ -3242,7 +3521,7 @@
         <p:spPr>
           <a:xfrm>
             <a:off x="8472600" y="4663080"/>
-            <a:ext cx="547920" cy="392760"/>
+            <a:ext cx="547560" cy="392400"/>
           </a:xfrm>
           <a:prstGeom prst="rect">
             <a:avLst/>
@@ -3284,7 +3563,7 @@
                 <a:tab algn="l" pos="0"/>
               </a:tabLst>
             </a:pPr>
-            <a:fld id="{A154C799-D08B-4A31-B695-093E87E97E7E}" type="slidenum">
+            <a:fld id="{A28875BC-BE09-4CB4-97A8-D52A77156BE8}" type="slidenum">
               <a:rPr b="0" lang="en-GB" sz="1000" spc="-1" strike="noStrike">
                 <a:solidFill>
                   <a:schemeClr val="dk2"/>
@@ -3292,7 +3571,7 @@
                 <a:latin typeface="Arial"/>
                 <a:ea typeface="Arial"/>
               </a:rPr>
-              <a:t>&lt;número&gt;</a:t>
+              <a:t>&lt;number&gt;</a:t>
             </a:fld>
             <a:endParaRPr b="0" lang="es-ES" sz="1000" spc="-1" strike="noStrike">
               <a:solidFill>
@@ -3306,9 +3585,7 @@
     </p:spTree>
   </p:cSld>
   <p:clrMap bg1="lt1" bg2="lt2" tx1="dk1" tx2="dk2" accent1="accent1" accent2="accent2" accent3="accent3" accent4="accent4" accent5="accent5" accent6="accent6" hlink="hlink" folHlink="folHlink"/>
-  <p:sldLayoutIdLst>
-    <p:sldLayoutId id="2147483665" r:id="rId3"/>
-  </p:sldLayoutIdLst>
+  <p:sldLayoutIdLst/>
 </p:sldMaster>
 </file>
 
@@ -3331,7 +3608,7 @@
       </p:grpSpPr>
       <p:sp>
         <p:nvSpPr>
-          <p:cNvPr id="29" name="PlaceHolder 1"/>
+          <p:cNvPr id="39" name="PlaceHolder 1"/>
           <p:cNvSpPr>
             <a:spLocks noGrp="1"/>
           </p:cNvSpPr>
@@ -3342,7 +3619,7 @@
         <p:spPr>
           <a:xfrm>
             <a:off x="3938760" y="2196360"/>
-            <a:ext cx="4732560" cy="1571760"/>
+            <a:ext cx="4732200" cy="1571400"/>
           </a:xfrm>
           <a:prstGeom prst="rect">
             <a:avLst/>
@@ -3396,6 +3673,2533 @@
             <a:endParaRPr b="0" lang="es-ES" sz="2400" spc="-1" strike="noStrike">
               <a:solidFill>
                 <a:srgbClr val="ffffff"/>
+              </a:solidFill>
+              <a:latin typeface="Arial"/>
+            </a:endParaRPr>
+          </a:p>
+        </p:txBody>
+      </p:sp>
+    </p:spTree>
+  </p:cSld>
+  <mc:AlternateContent>
+    <mc:Choice Requires="p14">
+      <p:transition spd="slow" p14:dur="2000"/>
+    </mc:Choice>
+    <mc:Fallback>
+      <p:transition spd="slow"/>
+    </mc:Fallback>
+  </mc:AlternateContent>
+</p:sld>
+</file>
+
+<file path=ppt/slides/slide10.xml><?xml version="1.0" encoding="utf-8"?>
+<p:sld xmlns:a="http://schemas.openxmlformats.org/drawingml/2006/main" xmlns:p="http://schemas.openxmlformats.org/presentationml/2006/main" xmlns:r="http://schemas.openxmlformats.org/officeDocument/2006/relationships" xmlns:p14="http://schemas.microsoft.com/office/powerpoint/2010/main" xmlns:p15="http://schemas.microsoft.com/office/powerpoint/2012/main" xmlns:mc="http://schemas.openxmlformats.org/markup-compatibility/2006">
+  <p:cSld>
+    <p:spTree>
+      <p:nvGrpSpPr>
+        <p:cNvPr id="1" name=""/>
+        <p:cNvGrpSpPr/>
+        <p:nvPr/>
+      </p:nvGrpSpPr>
+      <p:grpSpPr>
+        <a:xfrm>
+          <a:off x="0" y="0"/>
+          <a:ext cx="0" cy="0"/>
+          <a:chOff x="0" y="0"/>
+          <a:chExt cx="0" cy="0"/>
+        </a:xfrm>
+      </p:grpSpPr>
+      <p:sp>
+        <p:nvSpPr>
+          <p:cNvPr id="70" name="PlaceHolder 1"/>
+          <p:cNvSpPr>
+            <a:spLocks noGrp="1"/>
+          </p:cNvSpPr>
+          <p:nvPr>
+            <p:ph type="title"/>
+          </p:nvPr>
+        </p:nvSpPr>
+        <p:spPr>
+          <a:xfrm>
+            <a:off x="2328840" y="294120"/>
+            <a:ext cx="6491160" cy="521640"/>
+          </a:xfrm>
+          <a:prstGeom prst="rect">
+            <a:avLst/>
+          </a:prstGeom>
+          <a:noFill/>
+          <a:ln w="0">
+            <a:noFill/>
+          </a:ln>
+        </p:spPr>
+        <p:txBody>
+          <a:bodyPr lIns="91440" rIns="91440" tIns="91440" bIns="91440" anchor="t">
+            <a:normAutofit/>
+          </a:bodyPr>
+          <a:p>
+            <a:pPr indent="0" algn="r">
+              <a:lnSpc>
+                <a:spcPct val="100000"/>
+              </a:lnSpc>
+              <a:spcBef>
+                <a:spcPts val="1191"/>
+              </a:spcBef>
+              <a:spcAft>
+                <a:spcPts val="992"/>
+              </a:spcAft>
+              <a:buNone/>
+              <a:tabLst>
+                <a:tab algn="l" pos="0"/>
+              </a:tabLst>
+            </a:pPr>
+            <a:r>
+              <a:rPr b="1" lang="es-ES" sz="1800" spc="-1" strike="noStrike">
+                <a:solidFill>
+                  <a:srgbClr val="174575"/>
+                </a:solidFill>
+                <a:latin typeface="Arial"/>
+              </a:rPr>
+              <a:t>Formularios </a:t>
+            </a:r>
+            <a:r>
+              <a:rPr b="0" lang="es-ES" sz="1800" spc="-1" strike="noStrike">
+                <a:solidFill>
+                  <a:srgbClr val="174575"/>
+                </a:solidFill>
+                <a:latin typeface="Arial"/>
+              </a:rPr>
+              <a:t>[̲̅$̲̅(̲̅ιοο̲̅)̲̅$̲̅]</a:t>
+            </a:r>
+            <a:endParaRPr b="0" lang="es-ES" sz="1800" spc="-1" strike="noStrike">
+              <a:solidFill>
+                <a:srgbClr val="174575"/>
+              </a:solidFill>
+              <a:latin typeface="Arial"/>
+            </a:endParaRPr>
+          </a:p>
+        </p:txBody>
+      </p:sp>
+      <p:sp>
+        <p:nvSpPr>
+          <p:cNvPr id="71" name="PlaceHolder 2"/>
+          <p:cNvSpPr>
+            <a:spLocks noGrp="1"/>
+          </p:cNvSpPr>
+          <p:nvPr>
+            <p:ph/>
+          </p:nvPr>
+        </p:nvSpPr>
+        <p:spPr>
+          <a:xfrm>
+            <a:off x="311760" y="1461600"/>
+            <a:ext cx="5088240" cy="3117240"/>
+          </a:xfrm>
+          <a:prstGeom prst="rect">
+            <a:avLst/>
+          </a:prstGeom>
+          <a:noFill/>
+          <a:ln w="0">
+            <a:noFill/>
+          </a:ln>
+        </p:spPr>
+        <p:txBody>
+          <a:bodyPr lIns="91440" rIns="91440" tIns="91440" bIns="91440" anchor="t">
+            <a:normAutofit/>
+          </a:bodyPr>
+          <a:p>
+            <a:pPr indent="0">
+              <a:lnSpc>
+                <a:spcPct val="100000"/>
+              </a:lnSpc>
+              <a:spcBef>
+                <a:spcPts val="1191"/>
+              </a:spcBef>
+              <a:spcAft>
+                <a:spcPts val="992"/>
+              </a:spcAft>
+              <a:buNone/>
+            </a:pPr>
+            <a:r>
+              <a:rPr b="0" lang="es-ES" sz="1800" spc="-1" strike="noStrike">
+                <a:solidFill>
+                  <a:srgbClr val="000000"/>
+                </a:solidFill>
+                <a:latin typeface="Arial"/>
+              </a:rPr>
+              <a:t>La forma más común de conexión entre WordPress y Un CRM es mediante formularios. Está conexión se puede hacer mediante diferentes formas.</a:t>
+            </a:r>
+            <a:endParaRPr b="0" lang="es-ES" sz="1800" spc="-1" strike="noStrike">
+              <a:solidFill>
+                <a:srgbClr val="000000"/>
+              </a:solidFill>
+              <a:latin typeface="Arial"/>
+            </a:endParaRPr>
+          </a:p>
+          <a:p>
+            <a:pPr marL="720000">
+              <a:lnSpc>
+                <a:spcPct val="100000"/>
+              </a:lnSpc>
+              <a:spcBef>
+                <a:spcPts val="340"/>
+              </a:spcBef>
+              <a:spcAft>
+                <a:spcPts val="142"/>
+              </a:spcAft>
+              <a:buClr>
+                <a:srgbClr val="000000"/>
+              </a:buClr>
+              <a:buFont typeface="Symbol" charset="2"/>
+              <a:buChar char=""/>
+            </a:pPr>
+            <a:r>
+              <a:rPr b="0" lang="es-ES" sz="1800" spc="-1" strike="noStrike">
+                <a:solidFill>
+                  <a:srgbClr val="000000"/>
+                </a:solidFill>
+                <a:latin typeface="Arial"/>
+              </a:rPr>
+              <a:t>Incrustrados</a:t>
+            </a:r>
+            <a:endParaRPr b="0" lang="es-ES" sz="1800" spc="-1" strike="noStrike">
+              <a:solidFill>
+                <a:srgbClr val="000000"/>
+              </a:solidFill>
+              <a:latin typeface="Arial"/>
+              <a:ea typeface="Noto Sans CJK SC"/>
+            </a:endParaRPr>
+          </a:p>
+          <a:p>
+            <a:pPr marL="720000">
+              <a:lnSpc>
+                <a:spcPct val="100000"/>
+              </a:lnSpc>
+              <a:spcBef>
+                <a:spcPts val="340"/>
+              </a:spcBef>
+              <a:spcAft>
+                <a:spcPts val="142"/>
+              </a:spcAft>
+              <a:buClr>
+                <a:srgbClr val="000000"/>
+              </a:buClr>
+              <a:buFont typeface="Symbol" charset="2"/>
+              <a:buChar char=""/>
+            </a:pPr>
+            <a:r>
+              <a:rPr b="0" lang="es-ES" sz="1800" spc="-1" strike="noStrike">
+                <a:solidFill>
+                  <a:srgbClr val="000000"/>
+                </a:solidFill>
+                <a:latin typeface="Arial"/>
+              </a:rPr>
+              <a:t>Conectados con un plugin</a:t>
+            </a:r>
+            <a:endParaRPr b="0" lang="es-ES" sz="1800" spc="-1" strike="noStrike">
+              <a:solidFill>
+                <a:srgbClr val="000000"/>
+              </a:solidFill>
+              <a:latin typeface="Arial"/>
+              <a:ea typeface="Noto Sans CJK SC"/>
+            </a:endParaRPr>
+          </a:p>
+          <a:p>
+            <a:pPr marL="720000">
+              <a:lnSpc>
+                <a:spcPct val="100000"/>
+              </a:lnSpc>
+              <a:spcBef>
+                <a:spcPts val="340"/>
+              </a:spcBef>
+              <a:spcAft>
+                <a:spcPts val="142"/>
+              </a:spcAft>
+              <a:buClr>
+                <a:srgbClr val="000000"/>
+              </a:buClr>
+              <a:buFont typeface="Symbol" charset="2"/>
+              <a:buChar char=""/>
+            </a:pPr>
+            <a:r>
+              <a:rPr b="0" lang="es-ES" sz="1800" spc="-1" strike="noStrike">
+                <a:solidFill>
+                  <a:srgbClr val="000000"/>
+                </a:solidFill>
+                <a:latin typeface="Arial"/>
+              </a:rPr>
+              <a:t>Conectados con un desarrollo propio</a:t>
+            </a:r>
+            <a:endParaRPr b="0" lang="es-ES" sz="1800" spc="-1" strike="noStrike">
+              <a:solidFill>
+                <a:srgbClr val="000000"/>
+              </a:solidFill>
+              <a:latin typeface="Arial"/>
+              <a:ea typeface="Noto Sans CJK SC"/>
+            </a:endParaRPr>
+          </a:p>
+          <a:p>
+            <a:pPr marL="720000">
+              <a:lnSpc>
+                <a:spcPct val="100000"/>
+              </a:lnSpc>
+              <a:spcBef>
+                <a:spcPts val="340"/>
+              </a:spcBef>
+              <a:spcAft>
+                <a:spcPts val="142"/>
+              </a:spcAft>
+              <a:buClr>
+                <a:srgbClr val="000000"/>
+              </a:buClr>
+              <a:buFont typeface="Symbol" charset="2"/>
+              <a:buChar char=""/>
+            </a:pPr>
+            <a:r>
+              <a:rPr b="0" lang="es-ES" sz="1800" spc="-1" strike="noStrike">
+                <a:solidFill>
+                  <a:srgbClr val="000000"/>
+                </a:solidFill>
+                <a:latin typeface="Arial"/>
+              </a:rPr>
+              <a:t>Mixtos</a:t>
+            </a:r>
+            <a:endParaRPr b="0" lang="es-ES" sz="1800" spc="-1" strike="noStrike">
+              <a:solidFill>
+                <a:srgbClr val="000000"/>
+              </a:solidFill>
+              <a:latin typeface="Arial"/>
+              <a:ea typeface="Noto Sans CJK SC"/>
+            </a:endParaRPr>
+          </a:p>
+        </p:txBody>
+      </p:sp>
+    </p:spTree>
+  </p:cSld>
+  <mc:AlternateContent>
+    <mc:Choice Requires="p14">
+      <p:transition spd="slow" p14:dur="2000"/>
+    </mc:Choice>
+    <mc:Fallback>
+      <p:transition spd="slow"/>
+    </mc:Fallback>
+  </mc:AlternateContent>
+</p:sld>
+</file>
+
+<file path=ppt/slides/slide11.xml><?xml version="1.0" encoding="utf-8"?>
+<p:sld xmlns:a="http://schemas.openxmlformats.org/drawingml/2006/main" xmlns:p="http://schemas.openxmlformats.org/presentationml/2006/main" xmlns:r="http://schemas.openxmlformats.org/officeDocument/2006/relationships" xmlns:p14="http://schemas.microsoft.com/office/powerpoint/2010/main" xmlns:p15="http://schemas.microsoft.com/office/powerpoint/2012/main" xmlns:mc="http://schemas.openxmlformats.org/markup-compatibility/2006">
+  <p:cSld>
+    <p:spTree>
+      <p:nvGrpSpPr>
+        <p:cNvPr id="1" name=""/>
+        <p:cNvGrpSpPr/>
+        <p:nvPr/>
+      </p:nvGrpSpPr>
+      <p:grpSpPr>
+        <a:xfrm>
+          <a:off x="0" y="0"/>
+          <a:ext cx="0" cy="0"/>
+          <a:chOff x="0" y="0"/>
+          <a:chExt cx="0" cy="0"/>
+        </a:xfrm>
+      </p:grpSpPr>
+      <p:sp>
+        <p:nvSpPr>
+          <p:cNvPr id="72" name="PlaceHolder 1"/>
+          <p:cNvSpPr>
+            <a:spLocks noGrp="1"/>
+          </p:cNvSpPr>
+          <p:nvPr>
+            <p:ph type="title"/>
+          </p:nvPr>
+        </p:nvSpPr>
+        <p:spPr>
+          <a:xfrm>
+            <a:off x="311760" y="815760"/>
+            <a:ext cx="8519400" cy="521640"/>
+          </a:xfrm>
+          <a:prstGeom prst="rect">
+            <a:avLst/>
+          </a:prstGeom>
+          <a:noFill/>
+          <a:ln w="0">
+            <a:noFill/>
+          </a:ln>
+        </p:spPr>
+        <p:txBody>
+          <a:bodyPr lIns="91440" rIns="91440" tIns="91440" bIns="91440" anchor="t">
+            <a:normAutofit/>
+          </a:bodyPr>
+          <a:p>
+            <a:pPr indent="0" algn="r">
+              <a:lnSpc>
+                <a:spcPct val="100000"/>
+              </a:lnSpc>
+              <a:spcBef>
+                <a:spcPts val="1191"/>
+              </a:spcBef>
+              <a:spcAft>
+                <a:spcPts val="992"/>
+              </a:spcAft>
+              <a:buNone/>
+              <a:tabLst>
+                <a:tab algn="l" pos="0"/>
+              </a:tabLst>
+            </a:pPr>
+            <a:r>
+              <a:rPr b="1" lang="es-ES" sz="1500" spc="-1" strike="noStrike">
+                <a:solidFill>
+                  <a:srgbClr val="000000"/>
+                </a:solidFill>
+                <a:latin typeface="Arial"/>
+                <a:ea typeface="Noto Sans CJK SC"/>
+              </a:rPr>
+              <a:t>Incrustados</a:t>
+            </a:r>
+            <a:r>
+              <a:rPr b="0" lang="es-ES" sz="1500" spc="-1" strike="noStrike">
+                <a:solidFill>
+                  <a:srgbClr val="000000"/>
+                </a:solidFill>
+                <a:latin typeface="Arial"/>
+                <a:ea typeface="Noto Sans CJK SC"/>
+              </a:rPr>
+              <a:t> ˁ˚ᴥ˚ˀ</a:t>
+            </a:r>
+            <a:endParaRPr b="0" lang="es-ES" sz="1500" spc="-1" strike="noStrike">
+              <a:solidFill>
+                <a:srgbClr val="000000"/>
+              </a:solidFill>
+              <a:latin typeface="Arial"/>
+            </a:endParaRPr>
+          </a:p>
+        </p:txBody>
+      </p:sp>
+      <p:sp>
+        <p:nvSpPr>
+          <p:cNvPr id="73" name="PlaceHolder 2"/>
+          <p:cNvSpPr>
+            <a:spLocks noGrp="1"/>
+          </p:cNvSpPr>
+          <p:nvPr>
+            <p:ph/>
+          </p:nvPr>
+        </p:nvSpPr>
+        <p:spPr>
+          <a:xfrm>
+            <a:off x="311760" y="1337400"/>
+            <a:ext cx="8519400" cy="3241440"/>
+          </a:xfrm>
+          <a:prstGeom prst="rect">
+            <a:avLst/>
+          </a:prstGeom>
+          <a:noFill/>
+          <a:ln w="0">
+            <a:noFill/>
+          </a:ln>
+        </p:spPr>
+        <p:txBody>
+          <a:bodyPr lIns="91440" rIns="91440" tIns="91440" bIns="91440" anchor="t">
+            <a:normAutofit fontScale="56111"/>
+          </a:bodyPr>
+          <a:p>
+            <a:pPr indent="0">
+              <a:lnSpc>
+                <a:spcPct val="100000"/>
+              </a:lnSpc>
+              <a:spcBef>
+                <a:spcPts val="340"/>
+              </a:spcBef>
+              <a:spcAft>
+                <a:spcPts val="283"/>
+              </a:spcAft>
+              <a:buNone/>
+            </a:pPr>
+            <a:r>
+              <a:rPr b="0" lang="es-ES" sz="1800" spc="-1" strike="noStrike">
+                <a:solidFill>
+                  <a:srgbClr val="000000"/>
+                </a:solidFill>
+                <a:latin typeface="Arial"/>
+              </a:rPr>
+              <a:t>La mayoría de CRM dan códigos para incrustar formularios en tu web. Son </a:t>
+            </a:r>
+            <a:r>
+              <a:rPr b="0" lang="es-ES" sz="1800" spc="-1" strike="noStrike">
+                <a:solidFill>
+                  <a:srgbClr val="000000"/>
+                </a:solidFill>
+                <a:latin typeface="Arial"/>
+              </a:rPr>
+              <a:t>códigos muy sencillos de usar, generas el formulario y cortas y pegas el código </a:t>
+            </a:r>
+            <a:r>
+              <a:rPr b="0" lang="es-ES" sz="1800" spc="-1" strike="noStrike">
+                <a:solidFill>
+                  <a:srgbClr val="000000"/>
+                </a:solidFill>
+                <a:latin typeface="Arial"/>
+              </a:rPr>
+              <a:t>que te dan en tu web, en páginas, widgets, …</a:t>
+            </a:r>
+            <a:endParaRPr b="0" lang="es-ES" sz="1800" spc="-1" strike="noStrike">
+              <a:solidFill>
+                <a:srgbClr val="000000"/>
+              </a:solidFill>
+              <a:latin typeface="Arial"/>
+              <a:ea typeface="Noto Sans CJK SC"/>
+            </a:endParaRPr>
+          </a:p>
+          <a:p>
+            <a:pPr indent="0">
+              <a:lnSpc>
+                <a:spcPct val="100000"/>
+              </a:lnSpc>
+              <a:spcBef>
+                <a:spcPts val="340"/>
+              </a:spcBef>
+              <a:spcAft>
+                <a:spcPts val="283"/>
+              </a:spcAft>
+              <a:buNone/>
+            </a:pPr>
+            <a:r>
+              <a:rPr b="1" lang="es-ES" sz="1800" spc="-1" strike="noStrike">
+                <a:solidFill>
+                  <a:srgbClr val="000000"/>
+                </a:solidFill>
+                <a:latin typeface="Arial"/>
+              </a:rPr>
+              <a:t>Ventajas:</a:t>
+            </a:r>
+            <a:endParaRPr b="0" lang="es-ES" sz="1800" spc="-1" strike="noStrike">
+              <a:solidFill>
+                <a:srgbClr val="000000"/>
+              </a:solidFill>
+              <a:latin typeface="Arial"/>
+              <a:ea typeface="Noto Sans CJK SC"/>
+            </a:endParaRPr>
+          </a:p>
+          <a:p>
+            <a:pPr marL="720000">
+              <a:lnSpc>
+                <a:spcPct val="100000"/>
+              </a:lnSpc>
+              <a:spcBef>
+                <a:spcPts val="340"/>
+              </a:spcBef>
+              <a:spcAft>
+                <a:spcPts val="283"/>
+              </a:spcAft>
+              <a:buClr>
+                <a:srgbClr val="000000"/>
+              </a:buClr>
+              <a:buFont typeface="Wingdings" charset="2"/>
+              <a:buChar char=""/>
+            </a:pPr>
+            <a:r>
+              <a:rPr b="0" lang="es-ES" sz="1800" spc="-1" strike="noStrike">
+                <a:solidFill>
+                  <a:srgbClr val="000000"/>
+                </a:solidFill>
+                <a:latin typeface="Arial"/>
+              </a:rPr>
+              <a:t>Muy fácil de crear e integrar y exigen pocos conocimientos.</a:t>
+            </a:r>
+            <a:endParaRPr b="0" lang="es-ES" sz="1800" spc="-1" strike="noStrike">
+              <a:solidFill>
+                <a:srgbClr val="000000"/>
+              </a:solidFill>
+              <a:latin typeface="Arial"/>
+              <a:ea typeface="Noto Sans CJK SC"/>
+            </a:endParaRPr>
+          </a:p>
+          <a:p>
+            <a:pPr marL="720000">
+              <a:lnSpc>
+                <a:spcPct val="100000"/>
+              </a:lnSpc>
+              <a:spcBef>
+                <a:spcPts val="340"/>
+              </a:spcBef>
+              <a:spcAft>
+                <a:spcPts val="283"/>
+              </a:spcAft>
+              <a:buClr>
+                <a:srgbClr val="000000"/>
+              </a:buClr>
+              <a:buFont typeface="Wingdings" charset="2"/>
+              <a:buChar char=""/>
+            </a:pPr>
+            <a:r>
+              <a:rPr b="0" lang="es-ES" sz="1800" spc="-1" strike="noStrike">
+                <a:solidFill>
+                  <a:srgbClr val="000000"/>
+                </a:solidFill>
+                <a:latin typeface="Arial"/>
+              </a:rPr>
+              <a:t>La conexión es directa, no debería haber fallos.</a:t>
+            </a:r>
+            <a:endParaRPr b="0" lang="es-ES" sz="1800" spc="-1" strike="noStrike">
+              <a:solidFill>
+                <a:srgbClr val="000000"/>
+              </a:solidFill>
+              <a:latin typeface="Arial"/>
+              <a:ea typeface="Noto Sans CJK SC"/>
+            </a:endParaRPr>
+          </a:p>
+          <a:p>
+            <a:pPr marL="720000">
+              <a:lnSpc>
+                <a:spcPct val="100000"/>
+              </a:lnSpc>
+              <a:spcBef>
+                <a:spcPts val="340"/>
+              </a:spcBef>
+              <a:spcAft>
+                <a:spcPts val="283"/>
+              </a:spcAft>
+              <a:buClr>
+                <a:srgbClr val="000000"/>
+              </a:buClr>
+              <a:buFont typeface="Wingdings" charset="2"/>
+              <a:buChar char=""/>
+            </a:pPr>
+            <a:r>
+              <a:rPr b="0" lang="es-ES" sz="1800" spc="-1" strike="noStrike">
+                <a:solidFill>
+                  <a:srgbClr val="000000"/>
+                </a:solidFill>
+                <a:latin typeface="Arial"/>
+              </a:rPr>
+              <a:t>Ellos se encargan de meter la cookie de rastreo o similares para poder </a:t>
+            </a:r>
+            <a:r>
+              <a:rPr b="0" lang="es-ES" sz="1800" spc="-1" strike="noStrike">
+                <a:solidFill>
+                  <a:srgbClr val="000000"/>
+                </a:solidFill>
+                <a:latin typeface="Arial"/>
+              </a:rPr>
+              <a:t>seguir al usuario.</a:t>
+            </a:r>
+            <a:endParaRPr b="0" lang="es-ES" sz="1800" spc="-1" strike="noStrike">
+              <a:solidFill>
+                <a:srgbClr val="000000"/>
+              </a:solidFill>
+              <a:latin typeface="Arial"/>
+              <a:ea typeface="Noto Sans CJK SC"/>
+            </a:endParaRPr>
+          </a:p>
+          <a:p>
+            <a:pPr indent="0">
+              <a:lnSpc>
+                <a:spcPct val="100000"/>
+              </a:lnSpc>
+              <a:spcBef>
+                <a:spcPts val="340"/>
+              </a:spcBef>
+              <a:spcAft>
+                <a:spcPts val="283"/>
+              </a:spcAft>
+              <a:buNone/>
+            </a:pPr>
+            <a:r>
+              <a:rPr b="1" lang="es-ES" sz="1800" spc="-1" strike="noStrike">
+                <a:solidFill>
+                  <a:srgbClr val="000000"/>
+                </a:solidFill>
+                <a:latin typeface="Arial"/>
+              </a:rPr>
+              <a:t>Desventajas:</a:t>
+            </a:r>
+            <a:endParaRPr b="0" lang="es-ES" sz="1800" spc="-1" strike="noStrike">
+              <a:solidFill>
+                <a:srgbClr val="000000"/>
+              </a:solidFill>
+              <a:latin typeface="Arial"/>
+              <a:ea typeface="Noto Sans CJK SC"/>
+            </a:endParaRPr>
+          </a:p>
+          <a:p>
+            <a:pPr marL="720000">
+              <a:lnSpc>
+                <a:spcPct val="100000"/>
+              </a:lnSpc>
+              <a:spcBef>
+                <a:spcPts val="340"/>
+              </a:spcBef>
+              <a:spcAft>
+                <a:spcPts val="283"/>
+              </a:spcAft>
+              <a:buClr>
+                <a:srgbClr val="000000"/>
+              </a:buClr>
+              <a:buFont typeface="Wingdings" charset="2"/>
+              <a:buChar char=""/>
+            </a:pPr>
+            <a:r>
+              <a:rPr b="0" lang="es-ES" sz="1800" spc="-1" strike="noStrike">
+                <a:solidFill>
+                  <a:srgbClr val="000000"/>
+                </a:solidFill>
+                <a:latin typeface="Arial"/>
+              </a:rPr>
+              <a:t>Cuando quieres meter campos especiales que no están en el CRM, te </a:t>
+            </a:r>
+            <a:r>
+              <a:rPr b="0" lang="es-ES" sz="1800" spc="-1" strike="noStrike">
+                <a:solidFill>
+                  <a:srgbClr val="000000"/>
+                </a:solidFill>
+                <a:latin typeface="Arial"/>
+              </a:rPr>
+              <a:t>obliga a crear campus personalizados en el CRM para guardar esa </a:t>
+            </a:r>
+            <a:r>
+              <a:rPr b="0" lang="es-ES" sz="1800" spc="-1" strike="noStrike">
+                <a:solidFill>
+                  <a:srgbClr val="000000"/>
+                </a:solidFill>
+                <a:latin typeface="Arial"/>
+              </a:rPr>
+              <a:t>información. A la larga creas montones de campos que casi ni se usan.</a:t>
+            </a:r>
+            <a:endParaRPr b="0" lang="es-ES" sz="1800" spc="-1" strike="noStrike">
+              <a:solidFill>
+                <a:srgbClr val="000000"/>
+              </a:solidFill>
+              <a:latin typeface="Arial"/>
+              <a:ea typeface="Noto Sans CJK SC"/>
+            </a:endParaRPr>
+          </a:p>
+          <a:p>
+            <a:pPr marL="720000">
+              <a:lnSpc>
+                <a:spcPct val="100000"/>
+              </a:lnSpc>
+              <a:spcBef>
+                <a:spcPts val="340"/>
+              </a:spcBef>
+              <a:spcAft>
+                <a:spcPts val="283"/>
+              </a:spcAft>
+              <a:buClr>
+                <a:srgbClr val="000000"/>
+              </a:buClr>
+              <a:buFont typeface="Wingdings" charset="2"/>
+              <a:buChar char=""/>
+            </a:pPr>
+            <a:r>
+              <a:rPr b="0" lang="es-ES" sz="1800" spc="-1" strike="noStrike">
+                <a:solidFill>
+                  <a:srgbClr val="000000"/>
+                </a:solidFill>
+                <a:latin typeface="Arial"/>
+              </a:rPr>
+              <a:t>No tienen buena integración en el diseño de tu WordPress y suelen quedar </a:t>
+            </a:r>
+            <a:r>
+              <a:rPr b="0" lang="es-ES" sz="1800" spc="-1" strike="noStrike">
+                <a:solidFill>
+                  <a:srgbClr val="000000"/>
+                </a:solidFill>
+                <a:latin typeface="Arial"/>
+              </a:rPr>
+              <a:t>un poco pegote.</a:t>
+            </a:r>
+            <a:endParaRPr b="0" lang="es-ES" sz="1800" spc="-1" strike="noStrike">
+              <a:solidFill>
+                <a:srgbClr val="000000"/>
+              </a:solidFill>
+              <a:latin typeface="Arial"/>
+              <a:ea typeface="Noto Sans CJK SC"/>
+            </a:endParaRPr>
+          </a:p>
+          <a:p>
+            <a:pPr marL="720000">
+              <a:lnSpc>
+                <a:spcPct val="100000"/>
+              </a:lnSpc>
+              <a:spcBef>
+                <a:spcPts val="340"/>
+              </a:spcBef>
+              <a:spcAft>
+                <a:spcPts val="283"/>
+              </a:spcAft>
+              <a:buClr>
+                <a:srgbClr val="000000"/>
+              </a:buClr>
+              <a:buFont typeface="Wingdings" charset="2"/>
+              <a:buChar char=""/>
+            </a:pPr>
+            <a:r>
+              <a:rPr b="0" lang="es-ES" sz="1800" spc="-1" strike="noStrike">
+                <a:solidFill>
+                  <a:srgbClr val="000000"/>
+                </a:solidFill>
+                <a:latin typeface="Arial"/>
+              </a:rPr>
+              <a:t>No permiten conectar a terceros. Los formularios incrustados se conectan </a:t>
+            </a:r>
+            <a:r>
+              <a:rPr b="0" lang="es-ES" sz="1800" spc="-1" strike="noStrike">
+                <a:solidFill>
+                  <a:srgbClr val="000000"/>
+                </a:solidFill>
+                <a:latin typeface="Arial"/>
+              </a:rPr>
+              <a:t>difícilmente con elementos de terceros. Tengo una fundación de una </a:t>
+            </a:r>
+            <a:r>
+              <a:rPr b="0" lang="es-ES" sz="1800" spc="-1" strike="noStrike">
+                <a:solidFill>
+                  <a:srgbClr val="000000"/>
+                </a:solidFill>
+                <a:latin typeface="Arial"/>
+              </a:rPr>
+              <a:t>empresa grande que todos los contactos recogidos con los formularios </a:t>
+            </a:r>
+            <a:r>
+              <a:rPr b="0" lang="es-ES" sz="1800" spc="-1" strike="noStrike">
+                <a:solidFill>
+                  <a:srgbClr val="000000"/>
+                </a:solidFill>
+                <a:latin typeface="Arial"/>
+              </a:rPr>
+              <a:t>deben registrarse en el CRM que usan ellos (Clientify) y con el de la </a:t>
+            </a:r>
+            <a:r>
+              <a:rPr b="0" lang="es-ES" sz="1800" spc="-1" strike="noStrike">
+                <a:solidFill>
+                  <a:srgbClr val="000000"/>
+                </a:solidFill>
+                <a:latin typeface="Arial"/>
+              </a:rPr>
+              <a:t>empresa matriz (Salesforce). Los formularios incrustados de Clientify no </a:t>
+            </a:r>
+            <a:r>
+              <a:rPr b="0" lang="es-ES" sz="1800" spc="-1" strike="noStrike">
+                <a:solidFill>
+                  <a:srgbClr val="000000"/>
+                </a:solidFill>
+                <a:latin typeface="Arial"/>
+              </a:rPr>
+              <a:t>permiten hacer una conexión también a Salesforce cumpliendo los </a:t>
+            </a:r>
+            <a:r>
+              <a:rPr b="0" lang="es-ES" sz="1800" spc="-1" strike="noStrike">
+                <a:solidFill>
+                  <a:srgbClr val="000000"/>
+                </a:solidFill>
+                <a:latin typeface="Arial"/>
+              </a:rPr>
+              <a:t>requerimientos que Salesforce exige.</a:t>
+            </a:r>
+            <a:endParaRPr b="0" lang="es-ES" sz="1800" spc="-1" strike="noStrike">
+              <a:solidFill>
+                <a:srgbClr val="000000"/>
+              </a:solidFill>
+              <a:latin typeface="Arial"/>
+              <a:ea typeface="Noto Sans CJK SC"/>
+            </a:endParaRPr>
+          </a:p>
+          <a:p>
+            <a:pPr marL="720000">
+              <a:lnSpc>
+                <a:spcPct val="100000"/>
+              </a:lnSpc>
+              <a:spcBef>
+                <a:spcPts val="340"/>
+              </a:spcBef>
+              <a:spcAft>
+                <a:spcPts val="283"/>
+              </a:spcAft>
+              <a:buClr>
+                <a:srgbClr val="000000"/>
+              </a:buClr>
+              <a:buFont typeface="Wingdings" charset="2"/>
+              <a:buChar char=""/>
+            </a:pPr>
+            <a:r>
+              <a:rPr b="0" lang="es-ES" sz="1800" spc="-1" strike="noStrike">
+                <a:solidFill>
+                  <a:srgbClr val="000000"/>
+                </a:solidFill>
+                <a:latin typeface="Arial"/>
+              </a:rPr>
+              <a:t>Si cae el CRM caen los formularios de tu web. No suelen fallar, pero puede </a:t>
+            </a:r>
+            <a:r>
+              <a:rPr b="0" lang="es-ES" sz="1800" spc="-1" strike="noStrike">
+                <a:solidFill>
+                  <a:srgbClr val="000000"/>
+                </a:solidFill>
+                <a:latin typeface="Arial"/>
+              </a:rPr>
+              <a:t>pasar.</a:t>
+            </a:r>
+            <a:endParaRPr b="0" lang="es-ES" sz="1800" spc="-1" strike="noStrike">
+              <a:solidFill>
+                <a:srgbClr val="000000"/>
+              </a:solidFill>
+              <a:latin typeface="Arial"/>
+              <a:ea typeface="Noto Sans CJK SC"/>
+            </a:endParaRPr>
+          </a:p>
+          <a:p>
+            <a:pPr indent="0">
+              <a:lnSpc>
+                <a:spcPct val="100000"/>
+              </a:lnSpc>
+              <a:spcBef>
+                <a:spcPts val="1191"/>
+              </a:spcBef>
+              <a:spcAft>
+                <a:spcPts val="992"/>
+              </a:spcAft>
+              <a:buNone/>
+            </a:pPr>
+            <a:endParaRPr b="0" lang="es-ES" sz="1800" spc="-1" strike="noStrike">
+              <a:solidFill>
+                <a:srgbClr val="000000"/>
+              </a:solidFill>
+              <a:latin typeface="Arial"/>
+              <a:ea typeface="Noto Sans CJK SC"/>
+            </a:endParaRPr>
+          </a:p>
+        </p:txBody>
+      </p:sp>
+      <p:sp>
+        <p:nvSpPr>
+          <p:cNvPr id="74" name="PlaceHolder 3"/>
+          <p:cNvSpPr>
+            <a:spLocks noGrp="1"/>
+          </p:cNvSpPr>
+          <p:nvPr>
+            <p:ph type="title"/>
+          </p:nvPr>
+        </p:nvSpPr>
+        <p:spPr>
+          <a:xfrm>
+            <a:off x="2329200" y="294480"/>
+            <a:ext cx="6491160" cy="521640"/>
+          </a:xfrm>
+          <a:prstGeom prst="rect">
+            <a:avLst/>
+          </a:prstGeom>
+          <a:noFill/>
+          <a:ln w="0">
+            <a:noFill/>
+          </a:ln>
+        </p:spPr>
+        <p:txBody>
+          <a:bodyPr lIns="91440" rIns="91440" tIns="91440" bIns="91440" anchor="t">
+            <a:normAutofit/>
+          </a:bodyPr>
+          <a:p>
+            <a:pPr indent="0" algn="r">
+              <a:lnSpc>
+                <a:spcPct val="100000"/>
+              </a:lnSpc>
+              <a:spcBef>
+                <a:spcPts val="1191"/>
+              </a:spcBef>
+              <a:spcAft>
+                <a:spcPts val="992"/>
+              </a:spcAft>
+              <a:buNone/>
+              <a:tabLst>
+                <a:tab algn="l" pos="0"/>
+              </a:tabLst>
+            </a:pPr>
+            <a:r>
+              <a:rPr b="1" lang="es-ES" sz="1800" spc="-1" strike="noStrike">
+                <a:solidFill>
+                  <a:srgbClr val="000000"/>
+                </a:solidFill>
+                <a:latin typeface="Arial"/>
+              </a:rPr>
+              <a:t>Formularios </a:t>
+            </a:r>
+            <a:r>
+              <a:rPr b="0" lang="es-ES" sz="1800" spc="-1" strike="noStrike">
+                <a:solidFill>
+                  <a:srgbClr val="000000"/>
+                </a:solidFill>
+                <a:latin typeface="Arial"/>
+              </a:rPr>
+              <a:t>[̲̅$̲̅(̲̅ιοο̲̅)̲̅$̲̅]</a:t>
+            </a:r>
+            <a:endParaRPr b="0" lang="es-ES" sz="1800" spc="-1" strike="noStrike">
+              <a:solidFill>
+                <a:srgbClr val="000000"/>
+              </a:solidFill>
+              <a:latin typeface="Arial"/>
+            </a:endParaRPr>
+          </a:p>
+        </p:txBody>
+      </p:sp>
+    </p:spTree>
+  </p:cSld>
+  <mc:AlternateContent>
+    <mc:Choice Requires="p14">
+      <p:transition spd="slow" p14:dur="2000"/>
+    </mc:Choice>
+    <mc:Fallback>
+      <p:transition spd="slow"/>
+    </mc:Fallback>
+  </mc:AlternateContent>
+</p:sld>
+</file>
+
+<file path=ppt/slides/slide12.xml><?xml version="1.0" encoding="utf-8"?>
+<p:sld xmlns:a="http://schemas.openxmlformats.org/drawingml/2006/main" xmlns:p="http://schemas.openxmlformats.org/presentationml/2006/main" xmlns:r="http://schemas.openxmlformats.org/officeDocument/2006/relationships" xmlns:p14="http://schemas.microsoft.com/office/powerpoint/2010/main" xmlns:p15="http://schemas.microsoft.com/office/powerpoint/2012/main" xmlns:mc="http://schemas.openxmlformats.org/markup-compatibility/2006">
+  <p:cSld>
+    <p:spTree>
+      <p:nvGrpSpPr>
+        <p:cNvPr id="1" name=""/>
+        <p:cNvGrpSpPr/>
+        <p:nvPr/>
+      </p:nvGrpSpPr>
+      <p:grpSpPr>
+        <a:xfrm>
+          <a:off x="0" y="0"/>
+          <a:ext cx="0" cy="0"/>
+          <a:chOff x="0" y="0"/>
+          <a:chExt cx="0" cy="0"/>
+        </a:xfrm>
+      </p:grpSpPr>
+      <p:sp>
+        <p:nvSpPr>
+          <p:cNvPr id="75" name="PlaceHolder 1"/>
+          <p:cNvSpPr>
+            <a:spLocks noGrp="1"/>
+          </p:cNvSpPr>
+          <p:nvPr>
+            <p:ph type="title"/>
+          </p:nvPr>
+        </p:nvSpPr>
+        <p:spPr>
+          <a:xfrm>
+            <a:off x="311760" y="815760"/>
+            <a:ext cx="8519400" cy="521640"/>
+          </a:xfrm>
+          <a:prstGeom prst="rect">
+            <a:avLst/>
+          </a:prstGeom>
+          <a:noFill/>
+          <a:ln w="0">
+            <a:noFill/>
+          </a:ln>
+        </p:spPr>
+        <p:txBody>
+          <a:bodyPr lIns="91440" rIns="91440" tIns="91440" bIns="91440" anchor="t">
+            <a:normAutofit/>
+          </a:bodyPr>
+          <a:p>
+            <a:pPr indent="0" algn="r">
+              <a:lnSpc>
+                <a:spcPct val="100000"/>
+              </a:lnSpc>
+              <a:spcBef>
+                <a:spcPts val="1191"/>
+              </a:spcBef>
+              <a:spcAft>
+                <a:spcPts val="992"/>
+              </a:spcAft>
+              <a:buNone/>
+              <a:tabLst>
+                <a:tab algn="l" pos="0"/>
+              </a:tabLst>
+            </a:pPr>
+            <a:r>
+              <a:rPr b="1" lang="es-ES" sz="1500" spc="-1" strike="noStrike">
+                <a:solidFill>
+                  <a:srgbClr val="000000"/>
+                </a:solidFill>
+                <a:latin typeface="Arial"/>
+              </a:rPr>
+              <a:t>Conectados con un plugin</a:t>
+            </a:r>
+            <a:r>
+              <a:rPr b="0" lang="es-ES" sz="1500" spc="-1" strike="noStrike">
+                <a:solidFill>
+                  <a:srgbClr val="000000"/>
+                </a:solidFill>
+                <a:latin typeface="Arial"/>
+              </a:rPr>
+              <a:t> ᒡ◯ᵔ◯ᒢ</a:t>
+            </a:r>
+            <a:endParaRPr b="0" lang="es-ES" sz="1500" spc="-1" strike="noStrike">
+              <a:solidFill>
+                <a:srgbClr val="000000"/>
+              </a:solidFill>
+              <a:latin typeface="Arial"/>
+            </a:endParaRPr>
+          </a:p>
+        </p:txBody>
+      </p:sp>
+      <p:sp>
+        <p:nvSpPr>
+          <p:cNvPr id="76" name="PlaceHolder 2"/>
+          <p:cNvSpPr>
+            <a:spLocks noGrp="1"/>
+          </p:cNvSpPr>
+          <p:nvPr>
+            <p:ph/>
+          </p:nvPr>
+        </p:nvSpPr>
+        <p:spPr>
+          <a:xfrm>
+            <a:off x="311760" y="1461600"/>
+            <a:ext cx="8519400" cy="3117240"/>
+          </a:xfrm>
+          <a:prstGeom prst="rect">
+            <a:avLst/>
+          </a:prstGeom>
+          <a:noFill/>
+          <a:ln w="0">
+            <a:noFill/>
+          </a:ln>
+        </p:spPr>
+        <p:txBody>
+          <a:bodyPr lIns="91440" rIns="91440" tIns="91440" bIns="91440" anchor="t">
+            <a:normAutofit/>
+          </a:bodyPr>
+          <a:p>
+            <a:pPr indent="0">
+              <a:spcBef>
+                <a:spcPts val="1417"/>
+              </a:spcBef>
+              <a:buNone/>
+            </a:pPr>
+            <a:endParaRPr b="0" lang="es-ES" sz="1800" spc="-1" strike="noStrike">
+              <a:solidFill>
+                <a:srgbClr val="000000"/>
+              </a:solidFill>
+              <a:latin typeface="Arial"/>
+            </a:endParaRPr>
+          </a:p>
+        </p:txBody>
+      </p:sp>
+      <p:sp>
+        <p:nvSpPr>
+          <p:cNvPr id="77" name="PlaceHolder 3"/>
+          <p:cNvSpPr>
+            <a:spLocks noGrp="1"/>
+          </p:cNvSpPr>
+          <p:nvPr>
+            <p:ph type="title"/>
+          </p:nvPr>
+        </p:nvSpPr>
+        <p:spPr>
+          <a:xfrm>
+            <a:off x="2329200" y="294480"/>
+            <a:ext cx="6491160" cy="521640"/>
+          </a:xfrm>
+          <a:prstGeom prst="rect">
+            <a:avLst/>
+          </a:prstGeom>
+          <a:noFill/>
+          <a:ln w="0">
+            <a:noFill/>
+          </a:ln>
+        </p:spPr>
+        <p:txBody>
+          <a:bodyPr lIns="91440" rIns="91440" tIns="91440" bIns="91440" anchor="t">
+            <a:normAutofit/>
+          </a:bodyPr>
+          <a:p>
+            <a:pPr indent="0" algn="r">
+              <a:lnSpc>
+                <a:spcPct val="100000"/>
+              </a:lnSpc>
+              <a:spcBef>
+                <a:spcPts val="1191"/>
+              </a:spcBef>
+              <a:spcAft>
+                <a:spcPts val="992"/>
+              </a:spcAft>
+              <a:buNone/>
+              <a:tabLst>
+                <a:tab algn="l" pos="0"/>
+              </a:tabLst>
+            </a:pPr>
+            <a:r>
+              <a:rPr b="1" lang="es-ES" sz="1800" spc="-1" strike="noStrike">
+                <a:solidFill>
+                  <a:srgbClr val="174575"/>
+                </a:solidFill>
+                <a:latin typeface="Arial"/>
+              </a:rPr>
+              <a:t>Formularios </a:t>
+            </a:r>
+            <a:r>
+              <a:rPr b="0" lang="es-ES" sz="1800" spc="-1" strike="noStrike">
+                <a:solidFill>
+                  <a:srgbClr val="174575"/>
+                </a:solidFill>
+                <a:latin typeface="Arial"/>
+              </a:rPr>
+              <a:t>[̲̅$̲̅(̲̅ιοο̲̅)̲̅$̲̅]</a:t>
+            </a:r>
+            <a:endParaRPr b="0" lang="es-ES" sz="1800" spc="-1" strike="noStrike">
+              <a:solidFill>
+                <a:srgbClr val="174575"/>
+              </a:solidFill>
+              <a:latin typeface="Arial"/>
+            </a:endParaRPr>
+          </a:p>
+        </p:txBody>
+      </p:sp>
+    </p:spTree>
+  </p:cSld>
+  <mc:AlternateContent>
+    <mc:Choice Requires="p14">
+      <p:transition spd="slow" p14:dur="2000"/>
+    </mc:Choice>
+    <mc:Fallback>
+      <p:transition spd="slow"/>
+    </mc:Fallback>
+  </mc:AlternateContent>
+</p:sld>
+</file>
+
+<file path=ppt/slides/slide13.xml><?xml version="1.0" encoding="utf-8"?>
+<p:sld xmlns:a="http://schemas.openxmlformats.org/drawingml/2006/main" xmlns:p="http://schemas.openxmlformats.org/presentationml/2006/main" xmlns:r="http://schemas.openxmlformats.org/officeDocument/2006/relationships" xmlns:p14="http://schemas.microsoft.com/office/powerpoint/2010/main" xmlns:p15="http://schemas.microsoft.com/office/powerpoint/2012/main" xmlns:mc="http://schemas.openxmlformats.org/markup-compatibility/2006">
+  <p:cSld>
+    <p:spTree>
+      <p:nvGrpSpPr>
+        <p:cNvPr id="1" name=""/>
+        <p:cNvGrpSpPr/>
+        <p:nvPr/>
+      </p:nvGrpSpPr>
+      <p:grpSpPr>
+        <a:xfrm>
+          <a:off x="0" y="0"/>
+          <a:ext cx="0" cy="0"/>
+          <a:chOff x="0" y="0"/>
+          <a:chExt cx="0" cy="0"/>
+        </a:xfrm>
+      </p:grpSpPr>
+      <p:sp>
+        <p:nvSpPr>
+          <p:cNvPr id="78" name="PlaceHolder 1"/>
+          <p:cNvSpPr>
+            <a:spLocks noGrp="1"/>
+          </p:cNvSpPr>
+          <p:nvPr>
+            <p:ph type="title"/>
+          </p:nvPr>
+        </p:nvSpPr>
+        <p:spPr>
+          <a:xfrm>
+            <a:off x="311760" y="815760"/>
+            <a:ext cx="8519400" cy="521640"/>
+          </a:xfrm>
+          <a:prstGeom prst="rect">
+            <a:avLst/>
+          </a:prstGeom>
+          <a:noFill/>
+          <a:ln w="0">
+            <a:noFill/>
+          </a:ln>
+        </p:spPr>
+        <p:txBody>
+          <a:bodyPr lIns="91440" rIns="91440" tIns="91440" bIns="91440" anchor="t">
+            <a:normAutofit/>
+          </a:bodyPr>
+          <a:p>
+            <a:pPr indent="0" algn="r">
+              <a:lnSpc>
+                <a:spcPct val="100000"/>
+              </a:lnSpc>
+              <a:spcBef>
+                <a:spcPts val="1191"/>
+              </a:spcBef>
+              <a:spcAft>
+                <a:spcPts val="992"/>
+              </a:spcAft>
+              <a:buNone/>
+              <a:tabLst>
+                <a:tab algn="l" pos="0"/>
+              </a:tabLst>
+            </a:pPr>
+            <a:r>
+              <a:rPr b="1" lang="es-ES" sz="1500" spc="-1" strike="noStrike">
+                <a:solidFill>
+                  <a:srgbClr val="000000"/>
+                </a:solidFill>
+                <a:latin typeface="Arial"/>
+              </a:rPr>
+              <a:t>Conectados con un desarrollo propio</a:t>
+            </a:r>
+            <a:r>
+              <a:rPr b="0" lang="es-ES" sz="1500" spc="-1" strike="noStrike">
+                <a:solidFill>
+                  <a:srgbClr val="000000"/>
+                </a:solidFill>
+                <a:latin typeface="Arial"/>
+              </a:rPr>
+              <a:t> []_ ([]) []_</a:t>
+            </a:r>
+            <a:endParaRPr b="0" lang="es-ES" sz="1500" spc="-1" strike="noStrike">
+              <a:solidFill>
+                <a:srgbClr val="000000"/>
+              </a:solidFill>
+              <a:latin typeface="Arial"/>
+            </a:endParaRPr>
+          </a:p>
+        </p:txBody>
+      </p:sp>
+      <p:sp>
+        <p:nvSpPr>
+          <p:cNvPr id="79" name="PlaceHolder 2"/>
+          <p:cNvSpPr>
+            <a:spLocks noGrp="1"/>
+          </p:cNvSpPr>
+          <p:nvPr>
+            <p:ph/>
+          </p:nvPr>
+        </p:nvSpPr>
+        <p:spPr>
+          <a:xfrm>
+            <a:off x="311760" y="1461600"/>
+            <a:ext cx="8519400" cy="3117240"/>
+          </a:xfrm>
+          <a:prstGeom prst="rect">
+            <a:avLst/>
+          </a:prstGeom>
+          <a:noFill/>
+          <a:ln w="0">
+            <a:noFill/>
+          </a:ln>
+        </p:spPr>
+        <p:txBody>
+          <a:bodyPr lIns="91440" rIns="91440" tIns="91440" bIns="91440" anchor="t">
+            <a:normAutofit/>
+          </a:bodyPr>
+          <a:p>
+            <a:pPr indent="0">
+              <a:spcBef>
+                <a:spcPts val="1417"/>
+              </a:spcBef>
+              <a:buNone/>
+            </a:pPr>
+            <a:endParaRPr b="0" lang="es-ES" sz="1800" spc="-1" strike="noStrike">
+              <a:solidFill>
+                <a:srgbClr val="000000"/>
+              </a:solidFill>
+              <a:latin typeface="Arial"/>
+            </a:endParaRPr>
+          </a:p>
+        </p:txBody>
+      </p:sp>
+      <p:sp>
+        <p:nvSpPr>
+          <p:cNvPr id="80" name="PlaceHolder 3"/>
+          <p:cNvSpPr>
+            <a:spLocks noGrp="1"/>
+          </p:cNvSpPr>
+          <p:nvPr>
+            <p:ph type="title"/>
+          </p:nvPr>
+        </p:nvSpPr>
+        <p:spPr>
+          <a:xfrm>
+            <a:off x="2329200" y="294480"/>
+            <a:ext cx="6491160" cy="521640"/>
+          </a:xfrm>
+          <a:prstGeom prst="rect">
+            <a:avLst/>
+          </a:prstGeom>
+          <a:noFill/>
+          <a:ln w="0">
+            <a:noFill/>
+          </a:ln>
+        </p:spPr>
+        <p:txBody>
+          <a:bodyPr lIns="91440" rIns="91440" tIns="91440" bIns="91440" anchor="t">
+            <a:normAutofit/>
+          </a:bodyPr>
+          <a:p>
+            <a:pPr indent="0" algn="r">
+              <a:lnSpc>
+                <a:spcPct val="100000"/>
+              </a:lnSpc>
+              <a:spcBef>
+                <a:spcPts val="1191"/>
+              </a:spcBef>
+              <a:spcAft>
+                <a:spcPts val="992"/>
+              </a:spcAft>
+              <a:buNone/>
+              <a:tabLst>
+                <a:tab algn="l" pos="0"/>
+              </a:tabLst>
+            </a:pPr>
+            <a:r>
+              <a:rPr b="1" lang="es-ES" sz="1800" spc="-1" strike="noStrike">
+                <a:solidFill>
+                  <a:srgbClr val="174575"/>
+                </a:solidFill>
+                <a:latin typeface="Arial"/>
+              </a:rPr>
+              <a:t>Formularios </a:t>
+            </a:r>
+            <a:r>
+              <a:rPr b="0" lang="es-ES" sz="1800" spc="-1" strike="noStrike">
+                <a:solidFill>
+                  <a:srgbClr val="174575"/>
+                </a:solidFill>
+                <a:latin typeface="Arial"/>
+              </a:rPr>
+              <a:t>[̲̅$̲̅(̲̅ιοο̲̅)̲̅$̲̅]</a:t>
+            </a:r>
+            <a:endParaRPr b="0" lang="es-ES" sz="1800" spc="-1" strike="noStrike">
+              <a:solidFill>
+                <a:srgbClr val="174575"/>
+              </a:solidFill>
+              <a:latin typeface="Arial"/>
+            </a:endParaRPr>
+          </a:p>
+        </p:txBody>
+      </p:sp>
+    </p:spTree>
+  </p:cSld>
+  <mc:AlternateContent>
+    <mc:Choice Requires="p14">
+      <p:transition spd="slow" p14:dur="2000"/>
+    </mc:Choice>
+    <mc:Fallback>
+      <p:transition spd="slow"/>
+    </mc:Fallback>
+  </mc:AlternateContent>
+</p:sld>
+</file>
+
+<file path=ppt/slides/slide14.xml><?xml version="1.0" encoding="utf-8"?>
+<p:sld xmlns:a="http://schemas.openxmlformats.org/drawingml/2006/main" xmlns:p="http://schemas.openxmlformats.org/presentationml/2006/main" xmlns:r="http://schemas.openxmlformats.org/officeDocument/2006/relationships" xmlns:p14="http://schemas.microsoft.com/office/powerpoint/2010/main" xmlns:p15="http://schemas.microsoft.com/office/powerpoint/2012/main" xmlns:mc="http://schemas.openxmlformats.org/markup-compatibility/2006">
+  <p:cSld>
+    <p:spTree>
+      <p:nvGrpSpPr>
+        <p:cNvPr id="1" name=""/>
+        <p:cNvGrpSpPr/>
+        <p:nvPr/>
+      </p:nvGrpSpPr>
+      <p:grpSpPr>
+        <a:xfrm>
+          <a:off x="0" y="0"/>
+          <a:ext cx="0" cy="0"/>
+          <a:chOff x="0" y="0"/>
+          <a:chExt cx="0" cy="0"/>
+        </a:xfrm>
+      </p:grpSpPr>
+      <p:sp>
+        <p:nvSpPr>
+          <p:cNvPr id="81" name="PlaceHolder 1"/>
+          <p:cNvSpPr>
+            <a:spLocks noGrp="1"/>
+          </p:cNvSpPr>
+          <p:nvPr>
+            <p:ph type="title"/>
+          </p:nvPr>
+        </p:nvSpPr>
+        <p:spPr>
+          <a:xfrm>
+            <a:off x="380880" y="738720"/>
+            <a:ext cx="8519400" cy="521640"/>
+          </a:xfrm>
+          <a:prstGeom prst="rect">
+            <a:avLst/>
+          </a:prstGeom>
+          <a:noFill/>
+          <a:ln w="0">
+            <a:noFill/>
+          </a:ln>
+        </p:spPr>
+        <p:txBody>
+          <a:bodyPr lIns="91440" rIns="91440" tIns="91440" bIns="91440" anchor="t">
+            <a:normAutofit/>
+          </a:bodyPr>
+          <a:p>
+            <a:pPr indent="0" algn="r">
+              <a:lnSpc>
+                <a:spcPct val="100000"/>
+              </a:lnSpc>
+              <a:spcBef>
+                <a:spcPts val="1191"/>
+              </a:spcBef>
+              <a:spcAft>
+                <a:spcPts val="992"/>
+              </a:spcAft>
+              <a:buNone/>
+              <a:tabLst>
+                <a:tab algn="l" pos="0"/>
+              </a:tabLst>
+            </a:pPr>
+            <a:r>
+              <a:rPr b="1" lang="es-ES" sz="1800" spc="-1" strike="noStrike">
+                <a:solidFill>
+                  <a:srgbClr val="000000"/>
+                </a:solidFill>
+                <a:latin typeface="Arial"/>
+              </a:rPr>
+              <a:t>Mixto</a:t>
+            </a:r>
+            <a:r>
+              <a:rPr b="0" lang="es-ES" sz="1800" spc="-1" strike="noStrike">
+                <a:solidFill>
+                  <a:srgbClr val="000000"/>
+                </a:solidFill>
+                <a:latin typeface="Arial"/>
+              </a:rPr>
+              <a:t> </a:t>
+            </a:r>
+            <a:r>
+              <a:rPr b="0" lang="hi-IN" sz="1800" spc="-1" strike="noStrike">
+                <a:solidFill>
+                  <a:srgbClr val="000000"/>
+                </a:solidFill>
+                <a:latin typeface="Arial"/>
+              </a:rPr>
+              <a:t>இ</a:t>
+            </a:r>
+            <a:r>
+              <a:rPr b="0" lang="hi-IN" sz="1800" spc="-1" strike="noStrike">
+                <a:solidFill>
+                  <a:srgbClr val="000000"/>
+                </a:solidFill>
+                <a:latin typeface="Arial"/>
+              </a:rPr>
+              <a:t>ڿڰۣ-ڰۣ</a:t>
+            </a:r>
+            <a:r>
+              <a:rPr b="0" lang="es-ES" sz="1800" spc="-1" strike="noStrike">
+                <a:solidFill>
+                  <a:srgbClr val="000000"/>
+                </a:solidFill>
+                <a:latin typeface="Arial"/>
+              </a:rPr>
+              <a:t>—</a:t>
+            </a:r>
+            <a:endParaRPr b="0" lang="es-ES" sz="1800" spc="-1" strike="noStrike">
+              <a:solidFill>
+                <a:srgbClr val="000000"/>
+              </a:solidFill>
+              <a:latin typeface="Arial"/>
+            </a:endParaRPr>
+          </a:p>
+        </p:txBody>
+      </p:sp>
+      <p:sp>
+        <p:nvSpPr>
+          <p:cNvPr id="82" name="PlaceHolder 2"/>
+          <p:cNvSpPr>
+            <a:spLocks noGrp="1"/>
+          </p:cNvSpPr>
+          <p:nvPr>
+            <p:ph/>
+          </p:nvPr>
+        </p:nvSpPr>
+        <p:spPr>
+          <a:xfrm>
+            <a:off x="311760" y="1461600"/>
+            <a:ext cx="8519400" cy="3117240"/>
+          </a:xfrm>
+          <a:prstGeom prst="rect">
+            <a:avLst/>
+          </a:prstGeom>
+          <a:noFill/>
+          <a:ln w="0">
+            <a:noFill/>
+          </a:ln>
+        </p:spPr>
+        <p:txBody>
+          <a:bodyPr lIns="91440" rIns="91440" tIns="91440" bIns="91440" anchor="t">
+            <a:normAutofit/>
+          </a:bodyPr>
+          <a:p>
+            <a:pPr indent="0">
+              <a:spcBef>
+                <a:spcPts val="1417"/>
+              </a:spcBef>
+              <a:buNone/>
+            </a:pPr>
+            <a:endParaRPr b="0" lang="es-ES" sz="1800" spc="-1" strike="noStrike">
+              <a:solidFill>
+                <a:srgbClr val="000000"/>
+              </a:solidFill>
+              <a:latin typeface="Arial"/>
+            </a:endParaRPr>
+          </a:p>
+        </p:txBody>
+      </p:sp>
+      <p:sp>
+        <p:nvSpPr>
+          <p:cNvPr id="83" name="PlaceHolder 3"/>
+          <p:cNvSpPr>
+            <a:spLocks noGrp="1"/>
+          </p:cNvSpPr>
+          <p:nvPr>
+            <p:ph type="title"/>
+          </p:nvPr>
+        </p:nvSpPr>
+        <p:spPr>
+          <a:xfrm>
+            <a:off x="2329560" y="294840"/>
+            <a:ext cx="6491160" cy="521640"/>
+          </a:xfrm>
+          <a:prstGeom prst="rect">
+            <a:avLst/>
+          </a:prstGeom>
+          <a:noFill/>
+          <a:ln w="0">
+            <a:noFill/>
+          </a:ln>
+        </p:spPr>
+        <p:txBody>
+          <a:bodyPr lIns="91440" rIns="91440" tIns="91440" bIns="91440" anchor="t">
+            <a:normAutofit/>
+          </a:bodyPr>
+          <a:p>
+            <a:pPr indent="0" algn="r">
+              <a:lnSpc>
+                <a:spcPct val="100000"/>
+              </a:lnSpc>
+              <a:spcBef>
+                <a:spcPts val="1191"/>
+              </a:spcBef>
+              <a:spcAft>
+                <a:spcPts val="992"/>
+              </a:spcAft>
+              <a:buNone/>
+              <a:tabLst>
+                <a:tab algn="l" pos="0"/>
+              </a:tabLst>
+            </a:pPr>
+            <a:r>
+              <a:rPr b="1" lang="es-ES" sz="1800" spc="-1" strike="noStrike">
+                <a:solidFill>
+                  <a:srgbClr val="174575"/>
+                </a:solidFill>
+                <a:latin typeface="Arial"/>
+              </a:rPr>
+              <a:t>Formularios </a:t>
+            </a:r>
+            <a:r>
+              <a:rPr b="0" lang="es-ES" sz="1800" spc="-1" strike="noStrike">
+                <a:solidFill>
+                  <a:srgbClr val="174575"/>
+                </a:solidFill>
+                <a:latin typeface="Arial"/>
+              </a:rPr>
+              <a:t>[̲̅$̲̅(̲̅ιοο̲̅)̲̅$̲̅]</a:t>
+            </a:r>
+            <a:endParaRPr b="0" lang="es-ES" sz="1800" spc="-1" strike="noStrike">
+              <a:solidFill>
+                <a:srgbClr val="174575"/>
+              </a:solidFill>
+              <a:latin typeface="Arial"/>
+            </a:endParaRPr>
+          </a:p>
+        </p:txBody>
+      </p:sp>
+    </p:spTree>
+  </p:cSld>
+  <mc:AlternateContent>
+    <mc:Choice Requires="p14">
+      <p:transition spd="slow" p14:dur="2000"/>
+    </mc:Choice>
+    <mc:Fallback>
+      <p:transition spd="slow"/>
+    </mc:Fallback>
+  </mc:AlternateContent>
+</p:sld>
+</file>
+
+<file path=ppt/slides/slide15.xml><?xml version="1.0" encoding="utf-8"?>
+<p:sld xmlns:a="http://schemas.openxmlformats.org/drawingml/2006/main" xmlns:p="http://schemas.openxmlformats.org/presentationml/2006/main" xmlns:r="http://schemas.openxmlformats.org/officeDocument/2006/relationships" xmlns:p14="http://schemas.microsoft.com/office/powerpoint/2010/main" xmlns:p15="http://schemas.microsoft.com/office/powerpoint/2012/main" xmlns:mc="http://schemas.openxmlformats.org/markup-compatibility/2006">
+  <p:cSld>
+    <p:spTree>
+      <p:nvGrpSpPr>
+        <p:cNvPr id="1" name=""/>
+        <p:cNvGrpSpPr/>
+        <p:nvPr/>
+      </p:nvGrpSpPr>
+      <p:grpSpPr>
+        <a:xfrm>
+          <a:off x="0" y="0"/>
+          <a:ext cx="0" cy="0"/>
+          <a:chOff x="0" y="0"/>
+          <a:chExt cx="0" cy="0"/>
+        </a:xfrm>
+      </p:grpSpPr>
+      <p:sp>
+        <p:nvSpPr>
+          <p:cNvPr id="84" name="PlaceHolder 1"/>
+          <p:cNvSpPr>
+            <a:spLocks noGrp="1"/>
+          </p:cNvSpPr>
+          <p:nvPr>
+            <p:ph/>
+          </p:nvPr>
+        </p:nvSpPr>
+        <p:spPr>
+          <a:xfrm>
+            <a:off x="311760" y="1461600"/>
+            <a:ext cx="8519400" cy="3117240"/>
+          </a:xfrm>
+          <a:prstGeom prst="rect">
+            <a:avLst/>
+          </a:prstGeom>
+          <a:noFill/>
+          <a:ln w="0">
+            <a:noFill/>
+          </a:ln>
+        </p:spPr>
+        <p:txBody>
+          <a:bodyPr lIns="91440" rIns="91440" tIns="91440" bIns="91440" anchor="t">
+            <a:normAutofit/>
+          </a:bodyPr>
+          <a:p>
+            <a:pPr indent="0">
+              <a:spcBef>
+                <a:spcPts val="1417"/>
+              </a:spcBef>
+              <a:buNone/>
+            </a:pPr>
+            <a:endParaRPr b="0" lang="es-ES" sz="1800" spc="-1" strike="noStrike">
+              <a:solidFill>
+                <a:srgbClr val="000000"/>
+              </a:solidFill>
+              <a:latin typeface="Arial"/>
+            </a:endParaRPr>
+          </a:p>
+        </p:txBody>
+      </p:sp>
+      <p:sp>
+        <p:nvSpPr>
+          <p:cNvPr id="85" name="PlaceHolder 2"/>
+          <p:cNvSpPr>
+            <a:spLocks noGrp="1"/>
+          </p:cNvSpPr>
+          <p:nvPr>
+            <p:ph type="title"/>
+          </p:nvPr>
+        </p:nvSpPr>
+        <p:spPr>
+          <a:xfrm>
+            <a:off x="2329560" y="294840"/>
+            <a:ext cx="6491160" cy="521640"/>
+          </a:xfrm>
+          <a:prstGeom prst="rect">
+            <a:avLst/>
+          </a:prstGeom>
+          <a:noFill/>
+          <a:ln w="0">
+            <a:noFill/>
+          </a:ln>
+        </p:spPr>
+        <p:txBody>
+          <a:bodyPr lIns="91440" rIns="91440" tIns="91440" bIns="91440" anchor="t">
+            <a:normAutofit/>
+          </a:bodyPr>
+          <a:p>
+            <a:pPr indent="0" algn="r">
+              <a:lnSpc>
+                <a:spcPct val="100000"/>
+              </a:lnSpc>
+              <a:spcBef>
+                <a:spcPts val="1191"/>
+              </a:spcBef>
+              <a:spcAft>
+                <a:spcPts val="992"/>
+              </a:spcAft>
+              <a:buNone/>
+              <a:tabLst>
+                <a:tab algn="l" pos="0"/>
+              </a:tabLst>
+            </a:pPr>
+            <a:r>
+              <a:rPr b="1" lang="es-ES" sz="1800" spc="-1" strike="noStrike">
+                <a:solidFill>
+                  <a:srgbClr val="174575"/>
+                </a:solidFill>
+                <a:latin typeface="Arial"/>
+              </a:rPr>
+              <a:t>Perfiles de usuarios </a:t>
+            </a:r>
+            <a:r>
+              <a:rPr b="0" lang="es-ES" sz="1800" spc="-1" strike="noStrike">
+                <a:solidFill>
+                  <a:srgbClr val="174575"/>
+                </a:solidFill>
+                <a:latin typeface="Arial"/>
+              </a:rPr>
+              <a:t> ¦̵̱ ̵̱ ̵̱ ̵̱ ̵̱(̢ ̡͇̅└͇̅┘͇̅ (▤8</a:t>
+            </a:r>
+            <a:r>
+              <a:rPr b="0" lang="hi-IN" sz="1800" spc="-1" strike="noStrike">
+                <a:solidFill>
+                  <a:srgbClr val="174575"/>
+                </a:solidFill>
+                <a:latin typeface="Arial"/>
+              </a:rPr>
+              <a:t>כ</a:t>
+            </a:r>
+            <a:r>
+              <a:rPr b="0" lang="es-ES" sz="1800" spc="-1" strike="noStrike">
+                <a:solidFill>
+                  <a:srgbClr val="174575"/>
+                </a:solidFill>
+                <a:latin typeface="Arial"/>
+              </a:rPr>
+              <a:t>−◦</a:t>
+            </a:r>
+            <a:endParaRPr b="0" lang="es-ES" sz="1800" spc="-1" strike="noStrike">
+              <a:solidFill>
+                <a:srgbClr val="174575"/>
+              </a:solidFill>
+              <a:latin typeface="Arial"/>
+            </a:endParaRPr>
+          </a:p>
+        </p:txBody>
+      </p:sp>
+    </p:spTree>
+  </p:cSld>
+  <mc:AlternateContent>
+    <mc:Choice Requires="p14">
+      <p:transition spd="slow" p14:dur="2000"/>
+    </mc:Choice>
+    <mc:Fallback>
+      <p:transition spd="slow"/>
+    </mc:Fallback>
+  </mc:AlternateContent>
+</p:sld>
+</file>
+
+<file path=ppt/slides/slide16.xml><?xml version="1.0" encoding="utf-8"?>
+<p:sld xmlns:a="http://schemas.openxmlformats.org/drawingml/2006/main" xmlns:p="http://schemas.openxmlformats.org/presentationml/2006/main" xmlns:r="http://schemas.openxmlformats.org/officeDocument/2006/relationships" xmlns:p14="http://schemas.microsoft.com/office/powerpoint/2010/main" xmlns:p15="http://schemas.microsoft.com/office/powerpoint/2012/main" xmlns:mc="http://schemas.openxmlformats.org/markup-compatibility/2006">
+  <p:cSld>
+    <p:spTree>
+      <p:nvGrpSpPr>
+        <p:cNvPr id="1" name=""/>
+        <p:cNvGrpSpPr/>
+        <p:nvPr/>
+      </p:nvGrpSpPr>
+      <p:grpSpPr>
+        <a:xfrm>
+          <a:off x="0" y="0"/>
+          <a:ext cx="0" cy="0"/>
+          <a:chOff x="0" y="0"/>
+          <a:chExt cx="0" cy="0"/>
+        </a:xfrm>
+      </p:grpSpPr>
+      <p:sp>
+        <p:nvSpPr>
+          <p:cNvPr id="86" name="PlaceHolder 1"/>
+          <p:cNvSpPr>
+            <a:spLocks noGrp="1"/>
+          </p:cNvSpPr>
+          <p:nvPr>
+            <p:ph/>
+          </p:nvPr>
+        </p:nvSpPr>
+        <p:spPr>
+          <a:xfrm>
+            <a:off x="311760" y="1461600"/>
+            <a:ext cx="8519400" cy="3117240"/>
+          </a:xfrm>
+          <a:prstGeom prst="rect">
+            <a:avLst/>
+          </a:prstGeom>
+          <a:noFill/>
+          <a:ln w="0">
+            <a:noFill/>
+          </a:ln>
+        </p:spPr>
+        <p:txBody>
+          <a:bodyPr lIns="91440" rIns="91440" tIns="91440" bIns="91440" anchor="t">
+            <a:normAutofit/>
+          </a:bodyPr>
+          <a:p>
+            <a:pPr indent="0">
+              <a:spcBef>
+                <a:spcPts val="1417"/>
+              </a:spcBef>
+              <a:buNone/>
+            </a:pPr>
+            <a:endParaRPr b="0" lang="es-ES" sz="1800" spc="-1" strike="noStrike">
+              <a:solidFill>
+                <a:srgbClr val="000000"/>
+              </a:solidFill>
+              <a:latin typeface="Arial"/>
+            </a:endParaRPr>
+          </a:p>
+        </p:txBody>
+      </p:sp>
+      <p:sp>
+        <p:nvSpPr>
+          <p:cNvPr id="87" name="PlaceHolder 2"/>
+          <p:cNvSpPr>
+            <a:spLocks noGrp="1"/>
+          </p:cNvSpPr>
+          <p:nvPr>
+            <p:ph type="title"/>
+          </p:nvPr>
+        </p:nvSpPr>
+        <p:spPr>
+          <a:xfrm>
+            <a:off x="2329560" y="294840"/>
+            <a:ext cx="6491160" cy="521640"/>
+          </a:xfrm>
+          <a:prstGeom prst="rect">
+            <a:avLst/>
+          </a:prstGeom>
+          <a:noFill/>
+          <a:ln w="0">
+            <a:noFill/>
+          </a:ln>
+        </p:spPr>
+        <p:txBody>
+          <a:bodyPr lIns="91440" rIns="91440" tIns="91440" bIns="91440" anchor="t">
+            <a:normAutofit fontScale="81111"/>
+          </a:bodyPr>
+          <a:p>
+            <a:pPr indent="0" algn="r">
+              <a:lnSpc>
+                <a:spcPct val="100000"/>
+              </a:lnSpc>
+              <a:spcBef>
+                <a:spcPts val="1191"/>
+              </a:spcBef>
+              <a:spcAft>
+                <a:spcPts val="992"/>
+              </a:spcAft>
+              <a:buNone/>
+              <a:tabLst>
+                <a:tab algn="l" pos="0"/>
+              </a:tabLst>
+            </a:pPr>
+            <a:r>
+              <a:rPr b="1" lang="es-ES" sz="1800" spc="-1" strike="noStrike">
+                <a:solidFill>
+                  <a:srgbClr val="174575"/>
+                </a:solidFill>
+                <a:latin typeface="Arial"/>
+              </a:rPr>
+              <a:t>Sacando información del CRM para mostrarlo en WordPress &lt;:3 )~~~</a:t>
+            </a:r>
+            <a:endParaRPr b="0" lang="es-ES" sz="1800" spc="-1" strike="noStrike">
+              <a:solidFill>
+                <a:srgbClr val="174575"/>
+              </a:solidFill>
+              <a:latin typeface="Arial"/>
+            </a:endParaRPr>
+          </a:p>
+        </p:txBody>
+      </p:sp>
+    </p:spTree>
+  </p:cSld>
+  <mc:AlternateContent>
+    <mc:Choice Requires="p14">
+      <p:transition spd="slow" p14:dur="2000"/>
+    </mc:Choice>
+    <mc:Fallback>
+      <p:transition spd="slow"/>
+    </mc:Fallback>
+  </mc:AlternateContent>
+</p:sld>
+</file>
+
+<file path=ppt/slides/slide17.xml><?xml version="1.0" encoding="utf-8"?>
+<p:sld xmlns:a="http://schemas.openxmlformats.org/drawingml/2006/main" xmlns:p="http://schemas.openxmlformats.org/presentationml/2006/main" xmlns:r="http://schemas.openxmlformats.org/officeDocument/2006/relationships" xmlns:p14="http://schemas.microsoft.com/office/powerpoint/2010/main" xmlns:p15="http://schemas.microsoft.com/office/powerpoint/2012/main" xmlns:mc="http://schemas.openxmlformats.org/markup-compatibility/2006">
+  <p:cSld>
+    <p:spTree>
+      <p:nvGrpSpPr>
+        <p:cNvPr id="1" name=""/>
+        <p:cNvGrpSpPr/>
+        <p:nvPr/>
+      </p:nvGrpSpPr>
+      <p:grpSpPr>
+        <a:xfrm>
+          <a:off x="0" y="0"/>
+          <a:ext cx="0" cy="0"/>
+          <a:chOff x="0" y="0"/>
+          <a:chExt cx="0" cy="0"/>
+        </a:xfrm>
+      </p:grpSpPr>
+      <p:sp>
+        <p:nvSpPr>
+          <p:cNvPr id="88" name="PlaceHolder 1"/>
+          <p:cNvSpPr>
+            <a:spLocks noGrp="1"/>
+          </p:cNvSpPr>
+          <p:nvPr>
+            <p:ph type="title"/>
+          </p:nvPr>
+        </p:nvSpPr>
+        <p:spPr>
+          <a:xfrm>
+            <a:off x="2340000" y="198360"/>
+            <a:ext cx="6491160" cy="521640"/>
+          </a:xfrm>
+          <a:prstGeom prst="rect">
+            <a:avLst/>
+          </a:prstGeom>
+          <a:noFill/>
+          <a:ln w="0">
+            <a:noFill/>
+          </a:ln>
+        </p:spPr>
+        <p:txBody>
+          <a:bodyPr lIns="91440" rIns="91440" tIns="91440" bIns="91440" anchor="t">
+            <a:normAutofit/>
+          </a:bodyPr>
+          <a:p>
+            <a:pPr indent="0" algn="r">
+              <a:lnSpc>
+                <a:spcPct val="100000"/>
+              </a:lnSpc>
+              <a:buNone/>
+              <a:tabLst>
+                <a:tab algn="l" pos="0"/>
+              </a:tabLst>
+            </a:pPr>
+            <a:r>
+              <a:rPr b="1" lang="es-ES" sz="1800" spc="-1" strike="noStrike">
+                <a:solidFill>
+                  <a:srgbClr val="174575"/>
+                </a:solidFill>
+                <a:latin typeface="Arial"/>
+              </a:rPr>
+              <a:t>Consejos</a:t>
+            </a:r>
+            <a:r>
+              <a:rPr b="0" lang="es-ES" sz="1800" spc="-1" strike="noStrike">
+                <a:solidFill>
+                  <a:srgbClr val="174575"/>
+                </a:solidFill>
+                <a:latin typeface="Arial"/>
+              </a:rPr>
+              <a:t>❚█══█❚</a:t>
+            </a:r>
+            <a:endParaRPr b="0" lang="es-ES" sz="1800" spc="-1" strike="noStrike">
+              <a:solidFill>
+                <a:srgbClr val="174575"/>
+              </a:solidFill>
+              <a:latin typeface="Arial"/>
+            </a:endParaRPr>
+          </a:p>
+        </p:txBody>
+      </p:sp>
+      <p:sp>
+        <p:nvSpPr>
+          <p:cNvPr id="89" name="PlaceHolder 2"/>
+          <p:cNvSpPr>
+            <a:spLocks noGrp="1"/>
+          </p:cNvSpPr>
+          <p:nvPr>
+            <p:ph/>
+          </p:nvPr>
+        </p:nvSpPr>
+        <p:spPr>
+          <a:xfrm>
+            <a:off x="311760" y="900000"/>
+            <a:ext cx="8519400" cy="3678840"/>
+          </a:xfrm>
+          <a:prstGeom prst="rect">
+            <a:avLst/>
+          </a:prstGeom>
+          <a:noFill/>
+          <a:ln w="0">
+            <a:noFill/>
+          </a:ln>
+        </p:spPr>
+        <p:txBody>
+          <a:bodyPr lIns="91440" rIns="91440" tIns="91440" bIns="91440" anchor="t">
+            <a:normAutofit/>
+          </a:bodyPr>
+          <a:p>
+            <a:pPr marL="432000" indent="-324000">
+              <a:spcBef>
+                <a:spcPts val="624"/>
+              </a:spcBef>
+              <a:spcAft>
+                <a:spcPts val="425"/>
+              </a:spcAft>
+              <a:buClr>
+                <a:srgbClr val="000000"/>
+              </a:buClr>
+              <a:buSzPct val="45000"/>
+              <a:buFont typeface="Wingdings" charset="2"/>
+              <a:buChar char=""/>
+            </a:pPr>
+            <a:r>
+              <a:rPr b="1" lang="es-ES" sz="1200" spc="-1" strike="noStrike">
+                <a:solidFill>
+                  <a:srgbClr val="000000"/>
+                </a:solidFill>
+                <a:latin typeface="Arial"/>
+                <a:ea typeface="Noto Sans CJK SC"/>
+              </a:rPr>
+              <a:t>Cread un campo de fecha de última modificación.</a:t>
+            </a:r>
+            <a:r>
+              <a:rPr b="0" lang="es-ES" sz="1200" spc="-1" strike="noStrike">
+                <a:solidFill>
+                  <a:srgbClr val="000000"/>
+                </a:solidFill>
+                <a:latin typeface="Arial"/>
+                <a:ea typeface="Noto Sans CJK SC"/>
+              </a:rPr>
+              <a:t> Los CRM suelen guardar está información, pero no discriminan entre conexiones por API y directamente por web. Con este campo personalizado tendréis control de qué contactos habéis tocado desde WordPress y cuáles han sido tocados de otras formas.</a:t>
+            </a:r>
+            <a:endParaRPr b="0" lang="es-ES" sz="1200" spc="-1" strike="noStrike">
+              <a:solidFill>
+                <a:srgbClr val="000000"/>
+              </a:solidFill>
+              <a:latin typeface="Arial"/>
+            </a:endParaRPr>
+          </a:p>
+          <a:p>
+            <a:pPr marL="432000" indent="-324000">
+              <a:spcBef>
+                <a:spcPts val="624"/>
+              </a:spcBef>
+              <a:spcAft>
+                <a:spcPts val="425"/>
+              </a:spcAft>
+              <a:buClr>
+                <a:srgbClr val="000000"/>
+              </a:buClr>
+              <a:buSzPct val="45000"/>
+              <a:buFont typeface="Wingdings" charset="2"/>
+              <a:buChar char=""/>
+            </a:pPr>
+            <a:r>
+              <a:rPr b="1" lang="es-ES" sz="1200" spc="-1" strike="noStrike">
+                <a:solidFill>
+                  <a:srgbClr val="000000"/>
+                </a:solidFill>
+                <a:latin typeface="Arial"/>
+                <a:ea typeface="Noto Sans CJK SC"/>
+              </a:rPr>
+              <a:t>Usad las notas.</a:t>
+            </a:r>
+            <a:r>
+              <a:rPr b="0" lang="es-ES" sz="1200" spc="-1" strike="noStrike">
+                <a:solidFill>
+                  <a:srgbClr val="000000"/>
+                </a:solidFill>
+                <a:latin typeface="Arial"/>
+                <a:ea typeface="Noto Sans CJK SC"/>
+              </a:rPr>
+              <a:t> Muchos CRM te permiten crear notas de cada contacto, usad esas notas para guardar información variada, por ejemplo, el contenido de las áreas de texto de un formulario. Ponéis un título explicativo y luego el texto que escribió la persona que relleno el formulario. Siempre que se pueda, </a:t>
+            </a:r>
+            <a:r>
+              <a:rPr b="1" lang="es-ES" sz="1200" spc="-1" strike="noStrike">
+                <a:solidFill>
+                  <a:srgbClr val="000000"/>
+                </a:solidFill>
+                <a:latin typeface="Arial"/>
+                <a:ea typeface="Noto Sans CJK SC"/>
+              </a:rPr>
+              <a:t>no montéis campos específicos para ese tipo de cosas</a:t>
+            </a:r>
+            <a:r>
+              <a:rPr b="0" lang="es-ES" sz="1200" spc="-1" strike="noStrike">
+                <a:solidFill>
+                  <a:srgbClr val="000000"/>
+                </a:solidFill>
+                <a:latin typeface="Arial"/>
+                <a:ea typeface="Noto Sans CJK SC"/>
+              </a:rPr>
+              <a:t>.</a:t>
+            </a:r>
+            <a:endParaRPr b="0" lang="es-ES" sz="1200" spc="-1" strike="noStrike">
+              <a:solidFill>
+                <a:srgbClr val="000000"/>
+              </a:solidFill>
+              <a:latin typeface="Arial"/>
+            </a:endParaRPr>
+          </a:p>
+          <a:p>
+            <a:pPr marL="432000" indent="-324000">
+              <a:spcBef>
+                <a:spcPts val="624"/>
+              </a:spcBef>
+              <a:spcAft>
+                <a:spcPts val="425"/>
+              </a:spcAft>
+              <a:buClr>
+                <a:srgbClr val="000000"/>
+              </a:buClr>
+              <a:buSzPct val="45000"/>
+              <a:buFont typeface="Wingdings" charset="2"/>
+              <a:buChar char=""/>
+            </a:pPr>
+            <a:r>
+              <a:rPr b="1" lang="es-ES" sz="1200" spc="-1" strike="noStrike">
+                <a:solidFill>
+                  <a:srgbClr val="000000"/>
+                </a:solidFill>
+                <a:latin typeface="Arial"/>
+                <a:ea typeface="Noto Sans CJK SC"/>
+              </a:rPr>
+              <a:t>Si puedes hacerse con una automatización del CRM, mejor que programándolo.</a:t>
+            </a:r>
+            <a:r>
+              <a:rPr b="0" lang="es-ES" sz="1200" spc="-1" strike="noStrike">
+                <a:solidFill>
+                  <a:srgbClr val="000000"/>
+                </a:solidFill>
+                <a:latin typeface="Arial"/>
+                <a:ea typeface="Noto Sans CJK SC"/>
+              </a:rPr>
+              <a:t> Al conectar se puede hacer que el script que desarrolléis haga todas las tareas, como meter etiquetas, apuntar a listas, meter puntos en un LeadScoring, etc. O simplemente que lance un disparador de una automatización y esta ejecute todo lo anterior. Piensa que </a:t>
+            </a:r>
+            <a:r>
+              <a:rPr b="1" lang="es-ES" sz="1200" spc="-1" strike="noStrike">
+                <a:solidFill>
+                  <a:srgbClr val="000000"/>
+                </a:solidFill>
+                <a:latin typeface="Arial"/>
+                <a:ea typeface="Noto Sans CJK SC"/>
+              </a:rPr>
+              <a:t>cambiar la programación solo podrá hacerlo una desarrolladora y cambiar una automatización con una interfaz gráfica, puede hacerlo cualquier persona de marketing con unos conocimientos básicos</a:t>
+            </a:r>
+            <a:r>
+              <a:rPr b="0" lang="es-ES" sz="1200" spc="-1" strike="noStrike">
+                <a:solidFill>
+                  <a:srgbClr val="000000"/>
+                </a:solidFill>
+                <a:latin typeface="Arial"/>
+                <a:ea typeface="Noto Sans CJK SC"/>
+              </a:rPr>
+              <a:t>.</a:t>
+            </a:r>
+            <a:endParaRPr b="0" lang="es-ES" sz="1200" spc="-1" strike="noStrike">
+              <a:solidFill>
+                <a:srgbClr val="000000"/>
+              </a:solidFill>
+              <a:latin typeface="Arial"/>
+            </a:endParaRPr>
+          </a:p>
+          <a:p>
+            <a:pPr marL="432000" indent="-324000">
+              <a:spcBef>
+                <a:spcPts val="624"/>
+              </a:spcBef>
+              <a:spcAft>
+                <a:spcPts val="425"/>
+              </a:spcAft>
+              <a:buClr>
+                <a:srgbClr val="000000"/>
+              </a:buClr>
+              <a:buSzPct val="45000"/>
+              <a:buFont typeface="Wingdings" charset="2"/>
+              <a:buChar char=""/>
+            </a:pPr>
+            <a:r>
+              <a:rPr b="1" lang="es-ES" sz="1200" spc="-1" strike="noStrike">
+                <a:solidFill>
+                  <a:srgbClr val="000000"/>
+                </a:solidFill>
+                <a:latin typeface="Arial"/>
+                <a:ea typeface="Noto Sans CJK SC"/>
+              </a:rPr>
+              <a:t>Usad los sistemas de almacenamiento de ficheros de PDF, DOC, ODT, etc. que ofrecen los CRM.</a:t>
+            </a:r>
+            <a:r>
+              <a:rPr b="0" lang="es-ES" sz="1200" spc="-1" strike="noStrike">
+                <a:solidFill>
+                  <a:srgbClr val="000000"/>
+                </a:solidFill>
+                <a:latin typeface="Arial"/>
+                <a:ea typeface="Noto Sans CJK SC"/>
+              </a:rPr>
+              <a:t> Es muy tentador subir un fichero a tu web y usar ese enlace en todas partes. Pero no da gran información. Subiéndolo al sistema de archivos del CRM puedes saber quién y cuándo lo ha descargado si está entre tus contactos y si no, como, mínimo te dará unas buenas estadísticas de descargas.</a:t>
+            </a:r>
+            <a:endParaRPr b="0" lang="es-ES" sz="1200" spc="-1" strike="noStrike">
+              <a:solidFill>
+                <a:srgbClr val="000000"/>
+              </a:solidFill>
+              <a:latin typeface="Arial"/>
+            </a:endParaRPr>
+          </a:p>
+        </p:txBody>
+      </p:sp>
+    </p:spTree>
+  </p:cSld>
+  <mc:AlternateContent>
+    <mc:Choice Requires="p14">
+      <p:transition spd="slow" p14:dur="2000"/>
+    </mc:Choice>
+    <mc:Fallback>
+      <p:transition spd="slow"/>
+    </mc:Fallback>
+  </mc:AlternateContent>
+</p:sld>
+</file>
+
+<file path=ppt/slides/slide18.xml><?xml version="1.0" encoding="utf-8"?>
+<p:sld xmlns:a="http://schemas.openxmlformats.org/drawingml/2006/main" xmlns:p="http://schemas.openxmlformats.org/presentationml/2006/main" xmlns:r="http://schemas.openxmlformats.org/officeDocument/2006/relationships" xmlns:p14="http://schemas.microsoft.com/office/powerpoint/2010/main" xmlns:p15="http://schemas.microsoft.com/office/powerpoint/2012/main" xmlns:mc="http://schemas.openxmlformats.org/markup-compatibility/2006">
+  <p:cSld>
+    <p:spTree>
+      <p:nvGrpSpPr>
+        <p:cNvPr id="1" name=""/>
+        <p:cNvGrpSpPr/>
+        <p:nvPr/>
+      </p:nvGrpSpPr>
+      <p:grpSpPr>
+        <a:xfrm>
+          <a:off x="0" y="0"/>
+          <a:ext cx="0" cy="0"/>
+          <a:chOff x="0" y="0"/>
+          <a:chExt cx="0" cy="0"/>
+        </a:xfrm>
+      </p:grpSpPr>
+      <p:sp>
+        <p:nvSpPr>
+          <p:cNvPr id="90" name="PlaceHolder 1"/>
+          <p:cNvSpPr>
+            <a:spLocks noGrp="1"/>
+          </p:cNvSpPr>
+          <p:nvPr>
+            <p:ph type="title"/>
+          </p:nvPr>
+        </p:nvSpPr>
+        <p:spPr>
+          <a:xfrm>
+            <a:off x="2340000" y="294120"/>
+            <a:ext cx="6491160" cy="521640"/>
+          </a:xfrm>
+          <a:prstGeom prst="rect">
+            <a:avLst/>
+          </a:prstGeom>
+          <a:noFill/>
+          <a:ln w="0">
+            <a:noFill/>
+          </a:ln>
+        </p:spPr>
+        <p:txBody>
+          <a:bodyPr lIns="91440" rIns="91440" tIns="91440" bIns="91440" anchor="t">
+            <a:normAutofit/>
+          </a:bodyPr>
+          <a:p>
+            <a:pPr indent="0" algn="r">
+              <a:lnSpc>
+                <a:spcPct val="100000"/>
+              </a:lnSpc>
+              <a:buNone/>
+              <a:tabLst>
+                <a:tab algn="l" pos="0"/>
+              </a:tabLst>
+            </a:pPr>
+            <a:r>
+              <a:rPr b="1" lang="es-ES" sz="1800" spc="-1" strike="noStrike">
+                <a:solidFill>
+                  <a:srgbClr val="174575"/>
+                </a:solidFill>
+                <a:latin typeface="Arial"/>
+              </a:rPr>
+              <a:t>Sobre mí</a:t>
+            </a:r>
+            <a:r>
+              <a:rPr b="0" lang="es-ES" sz="1800" spc="-1" strike="noStrike">
+                <a:solidFill>
+                  <a:srgbClr val="174575"/>
+                </a:solidFill>
+                <a:latin typeface="Arial"/>
+              </a:rPr>
+              <a:t> O=('-'Q)</a:t>
+            </a:r>
+            <a:endParaRPr b="0" lang="es-ES" sz="1800" spc="-1" strike="noStrike">
+              <a:solidFill>
+                <a:srgbClr val="174575"/>
+              </a:solidFill>
+              <a:latin typeface="Arial"/>
+            </a:endParaRPr>
+          </a:p>
+        </p:txBody>
+      </p:sp>
+      <p:sp>
+        <p:nvSpPr>
+          <p:cNvPr id="91" name="PlaceHolder 2"/>
+          <p:cNvSpPr>
+            <a:spLocks noGrp="1"/>
+          </p:cNvSpPr>
+          <p:nvPr>
+            <p:ph/>
+          </p:nvPr>
+        </p:nvSpPr>
+        <p:spPr>
+          <a:xfrm>
+            <a:off x="311760" y="1461600"/>
+            <a:ext cx="8519400" cy="3117240"/>
+          </a:xfrm>
+          <a:prstGeom prst="rect">
+            <a:avLst/>
+          </a:prstGeom>
+          <a:noFill/>
+          <a:ln w="0">
+            <a:noFill/>
+          </a:ln>
+        </p:spPr>
+        <p:txBody>
+          <a:bodyPr lIns="91440" rIns="91440" tIns="91440" bIns="91440" anchor="t">
+            <a:normAutofit/>
+          </a:bodyPr>
+          <a:p>
+            <a:pPr indent="0">
+              <a:spcBef>
+                <a:spcPts val="1417"/>
+              </a:spcBef>
+              <a:buNone/>
+            </a:pPr>
+            <a:endParaRPr b="0" lang="es-ES" sz="1800" spc="-1" strike="noStrike">
+              <a:solidFill>
+                <a:srgbClr val="000000"/>
+              </a:solidFill>
+              <a:latin typeface="Arial"/>
+            </a:endParaRPr>
+          </a:p>
+        </p:txBody>
+      </p:sp>
+    </p:spTree>
+  </p:cSld>
+  <mc:AlternateContent>
+    <mc:Choice Requires="p14">
+      <p:transition spd="slow" p14:dur="2000"/>
+    </mc:Choice>
+    <mc:Fallback>
+      <p:transition spd="slow"/>
+    </mc:Fallback>
+  </mc:AlternateContent>
+</p:sld>
+</file>
+
+<file path=ppt/slides/slide19.xml><?xml version="1.0" encoding="utf-8"?>
+<p:sld xmlns:a="http://schemas.openxmlformats.org/drawingml/2006/main" xmlns:p="http://schemas.openxmlformats.org/presentationml/2006/main" xmlns:r="http://schemas.openxmlformats.org/officeDocument/2006/relationships" xmlns:p14="http://schemas.microsoft.com/office/powerpoint/2010/main" xmlns:p15="http://schemas.microsoft.com/office/powerpoint/2012/main" xmlns:mc="http://schemas.openxmlformats.org/markup-compatibility/2006">
+  <p:cSld>
+    <p:spTree>
+      <p:nvGrpSpPr>
+        <p:cNvPr id="1" name=""/>
+        <p:cNvGrpSpPr/>
+        <p:nvPr/>
+      </p:nvGrpSpPr>
+      <p:grpSpPr>
+        <a:xfrm>
+          <a:off x="0" y="0"/>
+          <a:ext cx="0" cy="0"/>
+          <a:chOff x="0" y="0"/>
+          <a:chExt cx="0" cy="0"/>
+        </a:xfrm>
+      </p:grpSpPr>
+      <p:sp>
+        <p:nvSpPr>
+          <p:cNvPr id="92" name="PlaceHolder 1"/>
+          <p:cNvSpPr>
+            <a:spLocks noGrp="1"/>
+          </p:cNvSpPr>
+          <p:nvPr>
+            <p:ph type="title"/>
+          </p:nvPr>
+        </p:nvSpPr>
+        <p:spPr>
+          <a:xfrm>
+            <a:off x="2340000" y="294120"/>
+            <a:ext cx="6491160" cy="521640"/>
+          </a:xfrm>
+          <a:prstGeom prst="rect">
+            <a:avLst/>
+          </a:prstGeom>
+          <a:noFill/>
+          <a:ln w="0">
+            <a:noFill/>
+          </a:ln>
+        </p:spPr>
+        <p:txBody>
+          <a:bodyPr lIns="91440" rIns="91440" tIns="91440" bIns="91440" anchor="t">
+            <a:normAutofit/>
+          </a:bodyPr>
+          <a:p>
+            <a:pPr indent="0" algn="r">
+              <a:lnSpc>
+                <a:spcPct val="100000"/>
+              </a:lnSpc>
+              <a:buNone/>
+              <a:tabLst>
+                <a:tab algn="l" pos="0"/>
+              </a:tabLst>
+            </a:pPr>
+            <a:r>
+              <a:rPr b="1" lang="es-ES" sz="1800" spc="-1" strike="noStrike">
+                <a:solidFill>
+                  <a:srgbClr val="174575"/>
+                </a:solidFill>
+                <a:latin typeface="Arial"/>
+              </a:rPr>
+              <a:t>Enlaces</a:t>
+            </a:r>
+            <a:r>
+              <a:rPr b="0" lang="es-ES" sz="1800" spc="-1" strike="noStrike">
+                <a:solidFill>
+                  <a:srgbClr val="174575"/>
+                </a:solidFill>
+                <a:latin typeface="Arial"/>
+              </a:rPr>
+              <a:t> [♥]]] [♦]]] [♣]]] [♠]]]</a:t>
+            </a:r>
+            <a:endParaRPr b="0" lang="es-ES" sz="1800" spc="-1" strike="noStrike">
+              <a:solidFill>
+                <a:srgbClr val="174575"/>
+              </a:solidFill>
+              <a:latin typeface="Arial"/>
+            </a:endParaRPr>
+          </a:p>
+        </p:txBody>
+      </p:sp>
+      <p:sp>
+        <p:nvSpPr>
+          <p:cNvPr id="93" name="PlaceHolder 2"/>
+          <p:cNvSpPr>
+            <a:spLocks noGrp="1"/>
+          </p:cNvSpPr>
+          <p:nvPr>
+            <p:ph/>
+          </p:nvPr>
+        </p:nvSpPr>
+        <p:spPr>
+          <a:xfrm>
+            <a:off x="311760" y="1461600"/>
+            <a:ext cx="8519400" cy="3117240"/>
+          </a:xfrm>
+          <a:prstGeom prst="rect">
+            <a:avLst/>
+          </a:prstGeom>
+          <a:noFill/>
+          <a:ln w="0">
+            <a:noFill/>
+          </a:ln>
+        </p:spPr>
+        <p:txBody>
+          <a:bodyPr lIns="91440" rIns="91440" tIns="91440" bIns="91440" anchor="t">
+            <a:normAutofit/>
+          </a:bodyPr>
+          <a:p>
+            <a:pPr indent="0">
+              <a:spcBef>
+                <a:spcPts val="1417"/>
+              </a:spcBef>
+              <a:buNone/>
+            </a:pPr>
+            <a:endParaRPr b="0" lang="es-ES" sz="1800" spc="-1" strike="noStrike">
+              <a:solidFill>
+                <a:srgbClr val="000000"/>
               </a:solidFill>
               <a:latin typeface="Arial"/>
             </a:endParaRPr>
@@ -3434,7 +6238,7 @@
       </p:grpSpPr>
       <p:sp>
         <p:nvSpPr>
-          <p:cNvPr id="30" name="PlaceHolder 1"/>
+          <p:cNvPr id="40" name="PlaceHolder 1"/>
           <p:cNvSpPr>
             <a:spLocks noGrp="1"/>
           </p:cNvSpPr>
@@ -3445,7 +6249,7 @@
         <p:spPr>
           <a:xfrm>
             <a:off x="311760" y="815760"/>
-            <a:ext cx="8519760" cy="522000"/>
+            <a:ext cx="8519400" cy="521640"/>
           </a:xfrm>
           <a:prstGeom prst="rect">
             <a:avLst/>
@@ -3465,6 +6269,9 @@
                 <a:spcPct val="100000"/>
               </a:lnSpc>
               <a:buNone/>
+              <a:tabLst>
+                <a:tab algn="l" pos="0"/>
+              </a:tabLst>
             </a:pPr>
             <a:r>
               <a:rPr b="0" lang="es-ES" sz="1800" spc="-1" strike="noStrike">
@@ -3486,14 +6293,14 @@
       </p:sp>
       <p:sp>
         <p:nvSpPr>
-          <p:cNvPr id="31" name="Google Shape;63;p 5"/>
+          <p:cNvPr id="41" name="Google Shape;63;p 5"/>
           <p:cNvSpPr/>
           <p:nvPr/>
         </p:nvSpPr>
         <p:spPr>
           <a:xfrm>
             <a:off x="299880" y="1440000"/>
-            <a:ext cx="8519760" cy="1979640"/>
+            <a:ext cx="8519400" cy="1979280"/>
           </a:xfrm>
           <a:prstGeom prst="rect">
             <a:avLst/>
@@ -3556,7 +6363,7 @@
             <a:r>
               <a:rPr b="1" lang="es-ES" sz="2800" spc="-1" strike="noStrike">
                 <a:solidFill>
-                  <a:srgbClr val="000000"/>
+                  <a:srgbClr val="174575"/>
                 </a:solidFill>
                 <a:latin typeface="Arial"/>
               </a:rPr>
@@ -3573,7 +6380,7 @@
       </p:sp>
       <p:pic>
         <p:nvPicPr>
-          <p:cNvPr id="32" name="" descr=""/>
+          <p:cNvPr id="42" name="" descr=""/>
           <p:cNvPicPr/>
           <p:nvPr/>
         </p:nvPicPr>
@@ -3583,8 +6390,8 @@
         </p:blipFill>
         <p:spPr>
           <a:xfrm rot="20467200">
-            <a:off x="2739600" y="3564360"/>
-            <a:ext cx="1074240" cy="1079640"/>
+            <a:off x="2739240" y="3564000"/>
+            <a:ext cx="1073880" cy="1079280"/>
           </a:xfrm>
           <a:prstGeom prst="rect">
             <a:avLst/>
@@ -3596,7 +6403,7 @@
       </p:pic>
       <p:pic>
         <p:nvPicPr>
-          <p:cNvPr id="33" name="" descr=""/>
+          <p:cNvPr id="43" name="" descr=""/>
           <p:cNvPicPr/>
           <p:nvPr/>
         </p:nvPicPr>
@@ -3606,8 +6413,8 @@
         </p:blipFill>
         <p:spPr>
           <a:xfrm rot="1380000">
-            <a:off x="4475160" y="3736800"/>
-            <a:ext cx="1157760" cy="934200"/>
+            <a:off x="4475160" y="3736440"/>
+            <a:ext cx="1157400" cy="933840"/>
           </a:xfrm>
           <a:prstGeom prst="rect">
             <a:avLst/>
@@ -3649,7 +6456,7 @@
       </p:grpSpPr>
       <p:sp>
         <p:nvSpPr>
-          <p:cNvPr id="34" name="PlaceHolder 1"/>
+          <p:cNvPr id="44" name="PlaceHolder 1"/>
           <p:cNvSpPr>
             <a:spLocks noGrp="1"/>
           </p:cNvSpPr>
@@ -3659,8 +6466,8 @@
         </p:nvSpPr>
         <p:spPr>
           <a:xfrm>
-            <a:off x="311760" y="815760"/>
-            <a:ext cx="8519760" cy="522000"/>
+            <a:off x="480600" y="198360"/>
+            <a:ext cx="8519400" cy="521640"/>
           </a:xfrm>
           <a:prstGeom prst="rect">
             <a:avLst/>
@@ -3672,22 +6479,46 @@
         </p:spPr>
         <p:txBody>
           <a:bodyPr lIns="91440" rIns="91440" tIns="91440" bIns="91440" anchor="t">
-            <a:normAutofit fontScale="52777"/>
+            <a:normAutofit/>
           </a:bodyPr>
           <a:p>
             <a:pPr indent="0" algn="r">
+              <a:lnSpc>
+                <a:spcPct val="100000"/>
+              </a:lnSpc>
               <a:buNone/>
-            </a:pPr>
-            <a:r>
-              <a:rPr b="0" lang="es-ES" sz="4400" spc="-1" strike="noStrike">
-                <a:solidFill>
-                  <a:srgbClr val="000000"/>
+              <a:tabLst>
+                <a:tab algn="l" pos="0"/>
+              </a:tabLst>
+            </a:pPr>
+            <a:r>
+              <a:rPr b="1" lang="es-ES" sz="1800" spc="-1" strike="noStrike">
+                <a:solidFill>
+                  <a:srgbClr val="174575"/>
+                </a:solidFill>
+                <a:latin typeface="Arial"/>
+              </a:rPr>
+              <a:t>¿Qué vamos a </a:t>
+            </a:r>
+            <a:r>
+              <a:rPr b="1" lang="es-ES" sz="1800" spc="-1" strike="noStrike">
+                <a:solidFill>
+                  <a:srgbClr val="174575"/>
+                </a:solidFill>
+                <a:latin typeface="Arial"/>
+              </a:rPr>
+              <a:t>ver?</a:t>
+            </a:r>
+            <a:r>
+              <a:rPr b="0" lang="es-ES" sz="1800" spc="-1" strike="noStrike">
+                <a:solidFill>
+                  <a:srgbClr val="174575"/>
                 </a:solidFill>
                 <a:latin typeface="Arial"/>
               </a:rPr>
               <a:t>├┬┴┬┴┬┴┬┴┤</a:t>
             </a:r>
-            <a:endParaRPr b="0" lang="es-ES" sz="4400" spc="-1" strike="noStrike">
+            <a:endParaRPr b="0" lang="es-ES" sz="1800" spc="-1" strike="noStrike">
               <a:solidFill>
                 <a:srgbClr val="000000"/>
               </a:solidFill>
@@ -3698,7 +6529,7 @@
       </p:sp>
       <p:sp>
         <p:nvSpPr>
-          <p:cNvPr id="35" name="PlaceHolder 2"/>
+          <p:cNvPr id="45" name="PlaceHolder 2"/>
           <p:cNvSpPr>
             <a:spLocks noGrp="1"/>
           </p:cNvSpPr>
@@ -3708,8 +6539,8 @@
         </p:nvSpPr>
         <p:spPr>
           <a:xfrm>
-            <a:off x="311760" y="1461600"/>
-            <a:ext cx="6527880" cy="3117600"/>
+            <a:off x="311760" y="900000"/>
+            <a:ext cx="6527520" cy="3420000"/>
           </a:xfrm>
           <a:prstGeom prst="rect">
             <a:avLst/>
@@ -3721,7 +6552,7 @@
         </p:spPr>
         <p:txBody>
           <a:bodyPr lIns="91440" rIns="91440" tIns="91440" bIns="91440" anchor="t">
-            <a:normAutofit fontScale="62222"/>
+            <a:normAutofit fontScale="93333" lnSpcReduction="10000"/>
           </a:bodyPr>
           <a:p>
             <a:pPr indent="0">
@@ -3742,32 +6573,12 @@
             <a:r>
               <a:rPr b="0" lang="es-ES" sz="1800" spc="-1" strike="noStrike">
                 <a:solidFill>
-                  <a:schemeClr val="dk2"/>
+                  <a:srgbClr val="111111"/>
                 </a:solidFill>
                 <a:latin typeface="Arial"/>
                 <a:ea typeface="Arial"/>
               </a:rPr>
-              <a:t>En esta ponencia veremos las diferentes formas que permiten que se comuniquen entre sí </a:t>
-            </a:r>
-            <a:r>
-              <a:rPr b="0" lang="es-ES" sz="1800" spc="-1" strike="noStrike">
-                <a:solidFill>
-                  <a:schemeClr val="dk2"/>
-                </a:solidFill>
-                <a:latin typeface="Arial"/>
-                <a:ea typeface="Arial"/>
-              </a:rPr>
-              <a:t>estos dos elementos fundamentales de tu estrategia de marketing con ejemplos sencillos de </a:t>
-            </a:r>
-            <a:r>
-              <a:rPr b="0" lang="es-ES" sz="1800" spc="-1" strike="noStrike">
-                <a:solidFill>
-                  <a:schemeClr val="dk2"/>
-                </a:solidFill>
-                <a:latin typeface="Arial"/>
-                <a:ea typeface="Arial"/>
-              </a:rPr>
-              <a:t>algunos de los CRM más populares, como:</a:t>
+              <a:t>En esta ponencia veremos las diferentes formas que permiten que se comuniquen entre sí estos dos elementos fundamentales de tu estrategia de marketing con ejemplos sencillos de algunos de los CRM más populares, como:</a:t>
             </a:r>
             <a:endParaRPr b="0" lang="es-ES" sz="1800" spc="-1" strike="noStrike">
               <a:solidFill>
@@ -3799,7 +6610,7 @@
             <a:r>
               <a:rPr b="0" lang="es-ES" sz="1800" spc="-1" strike="noStrike">
                 <a:solidFill>
-                  <a:schemeClr val="dk2"/>
+                  <a:srgbClr val="111111"/>
                 </a:solidFill>
                 <a:latin typeface="Arial"/>
                 <a:ea typeface="Arial"/>
@@ -3836,7 +6647,7 @@
             <a:r>
               <a:rPr b="0" lang="es-ES" sz="1800" spc="-1" strike="noStrike">
                 <a:solidFill>
-                  <a:schemeClr val="dk2"/>
+                  <a:srgbClr val="111111"/>
                 </a:solidFill>
                 <a:latin typeface="Arial"/>
                 <a:ea typeface="Arial"/>
@@ -3873,123 +6684,12 @@
             <a:r>
               <a:rPr b="0" lang="es-ES" sz="1800" spc="-1" strike="noStrike">
                 <a:solidFill>
-                  <a:schemeClr val="dk2"/>
+                  <a:srgbClr val="111111"/>
                 </a:solidFill>
                 <a:latin typeface="Arial"/>
                 <a:ea typeface="Arial"/>
               </a:rPr>
               <a:t>ZohoCRM</a:t>
-            </a:r>
-            <a:endParaRPr b="0" lang="es-ES" sz="1800" spc="-1" strike="noStrike">
-              <a:solidFill>
-                <a:srgbClr val="000000"/>
-              </a:solidFill>
-              <a:latin typeface="Arial"/>
-            </a:endParaRPr>
-          </a:p>
-          <a:p>
-            <a:pPr marL="457200" indent="-343080">
-              <a:lnSpc>
-                <a:spcPct val="115000"/>
-              </a:lnSpc>
-              <a:spcBef>
-                <a:spcPts val="340"/>
-              </a:spcBef>
-              <a:spcAft>
-                <a:spcPts val="142"/>
-              </a:spcAft>
-              <a:buClr>
-                <a:srgbClr val="595959"/>
-              </a:buClr>
-              <a:buFont typeface="Arial"/>
-              <a:buChar char="●"/>
-              <a:tabLst>
-                <a:tab algn="l" pos="0"/>
-              </a:tabLst>
-            </a:pPr>
-            <a:r>
-              <a:rPr b="0" lang="es-ES" sz="1800" spc="-1" strike="noStrike">
-                <a:solidFill>
-                  <a:schemeClr val="dk2"/>
-                </a:solidFill>
-                <a:latin typeface="Arial"/>
-                <a:ea typeface="Arial"/>
-              </a:rPr>
-              <a:t>Clientify</a:t>
-            </a:r>
-            <a:endParaRPr b="0" lang="es-ES" sz="1800" spc="-1" strike="noStrike">
-              <a:solidFill>
-                <a:srgbClr val="000000"/>
-              </a:solidFill>
-              <a:latin typeface="Arial"/>
-            </a:endParaRPr>
-          </a:p>
-          <a:p>
-            <a:pPr marL="457200" indent="-343080">
-              <a:lnSpc>
-                <a:spcPct val="115000"/>
-              </a:lnSpc>
-              <a:spcBef>
-                <a:spcPts val="340"/>
-              </a:spcBef>
-              <a:spcAft>
-                <a:spcPts val="142"/>
-              </a:spcAft>
-              <a:buClr>
-                <a:srgbClr val="595959"/>
-              </a:buClr>
-              <a:buFont typeface="Arial"/>
-              <a:buChar char="●"/>
-              <a:tabLst>
-                <a:tab algn="l" pos="0"/>
-              </a:tabLst>
-            </a:pPr>
-            <a:r>
-              <a:rPr b="0" lang="es-ES" sz="1800" spc="-1" strike="noStrike">
-                <a:solidFill>
-                  <a:schemeClr val="dk2"/>
-                </a:solidFill>
-                <a:latin typeface="Arial"/>
-                <a:ea typeface="Arial"/>
-              </a:rPr>
-              <a:t>MautiC</a:t>
-            </a:r>
-            <a:endParaRPr b="0" lang="es-ES" sz="1800" spc="-1" strike="noStrike">
-              <a:solidFill>
-                <a:srgbClr val="000000"/>
-              </a:solidFill>
-              <a:latin typeface="Arial"/>
-            </a:endParaRPr>
-          </a:p>
-          <a:p>
-            <a:pPr marL="457200" indent="-343080">
-              <a:lnSpc>
-                <a:spcPct val="115000"/>
-              </a:lnSpc>
-              <a:spcBef>
-                <a:spcPts val="340"/>
-              </a:spcBef>
-              <a:spcAft>
-                <a:spcPts val="142"/>
-              </a:spcAft>
-              <a:buClr>
-                <a:srgbClr val="595959"/>
-              </a:buClr>
-              <a:buFont typeface="Arial"/>
-              <a:buChar char="●"/>
-              <a:tabLst>
-                <a:tab algn="l" pos="0"/>
-              </a:tabLst>
-            </a:pPr>
-            <a:r>
-              <a:rPr b="0" lang="es-ES" sz="1800" spc="-1" strike="noStrike">
-                <a:solidFill>
-                  <a:schemeClr val="dk2"/>
-                </a:solidFill>
-                <a:latin typeface="Arial"/>
-                <a:ea typeface="Arial"/>
-              </a:rPr>
-              <a:t>Salesforce</a:t>
             </a:r>
             <a:endParaRPr b="0" lang="es-ES" sz="1800" spc="-1" strike="noStrike">
               <a:solidFill>
@@ -4017,22 +6717,12 @@
             <a:r>
               <a:rPr b="0" lang="es-ES" sz="1800" spc="-1" strike="noStrike">
                 <a:solidFill>
-                  <a:schemeClr val="dk2"/>
+                  <a:srgbClr val="111111"/>
                 </a:solidFill>
                 <a:latin typeface="Arial"/>
                 <a:ea typeface="Arial"/>
               </a:rPr>
-              <a:t>Trataremos de ver formas de conexión que impliquen programación y ejemplos que no, para </a:t>
-            </a:r>
-            <a:r>
-              <a:rPr b="0" lang="es-ES" sz="1800" spc="-1" strike="noStrike">
-                <a:solidFill>
-                  <a:schemeClr val="dk2"/>
-                </a:solidFill>
-                <a:latin typeface="Arial"/>
-                <a:ea typeface="Arial"/>
-              </a:rPr>
-              <a:t>ver todas las posibilidades.</a:t>
+              <a:t>Trataremos de ver formas de conexión que impliquen programación y ejemplos que no, para ver todas las posibilidades.</a:t>
             </a:r>
             <a:endParaRPr b="0" lang="es-ES" sz="1800" spc="-1" strike="noStrike">
               <a:solidFill>
@@ -4045,7 +6735,7 @@
       </p:sp>
       <p:pic>
         <p:nvPicPr>
-          <p:cNvPr id="36" name="" descr=""/>
+          <p:cNvPr id="46" name="" descr=""/>
           <p:cNvPicPr/>
           <p:nvPr/>
         </p:nvPicPr>
@@ -4055,76 +6745,7 @@
         </p:blipFill>
         <p:spPr>
           <a:xfrm>
-            <a:off x="6840000" y="2160000"/>
-            <a:ext cx="532800" cy="532800"/>
-          </a:xfrm>
-          <a:prstGeom prst="rect">
-            <a:avLst/>
-          </a:prstGeom>
-          <a:ln w="0">
-            <a:noFill/>
-          </a:ln>
-        </p:spPr>
-      </p:pic>
-      <p:pic>
-        <p:nvPicPr>
-          <p:cNvPr id="37" name="" descr=""/>
-          <p:cNvPicPr/>
-          <p:nvPr/>
-        </p:nvPicPr>
-        <p:blipFill>
-          <a:blip r:embed="rId2"/>
-          <a:stretch/>
-        </p:blipFill>
-        <p:spPr>
-          <a:xfrm>
-            <a:off x="7560000" y="2160000"/>
-            <a:ext cx="542160" cy="539640"/>
-          </a:xfrm>
-          <a:prstGeom prst="rect">
-            <a:avLst/>
-          </a:prstGeom>
-          <a:ln w="0">
-            <a:noFill/>
-          </a:ln>
-        </p:spPr>
-      </p:pic>
-      <p:pic>
-        <p:nvPicPr>
-          <p:cNvPr id="38" name="" descr=""/>
-          <p:cNvPicPr/>
-          <p:nvPr/>
-        </p:nvPicPr>
-        <p:blipFill>
-          <a:blip r:embed="rId3"/>
-          <a:stretch/>
-        </p:blipFill>
-        <p:spPr>
-          <a:xfrm>
-            <a:off x="8280000" y="2160000"/>
-            <a:ext cx="539640" cy="539640"/>
-          </a:xfrm>
-          <a:prstGeom prst="rect">
-            <a:avLst/>
-          </a:prstGeom>
-          <a:ln w="0">
-            <a:noFill/>
-          </a:ln>
-        </p:spPr>
-      </p:pic>
-      <p:pic>
-        <p:nvPicPr>
-          <p:cNvPr id="39" name="" descr=""/>
-          <p:cNvPicPr/>
-          <p:nvPr/>
-        </p:nvPicPr>
-        <p:blipFill>
-          <a:blip r:embed="rId4"/>
-          <a:stretch/>
-        </p:blipFill>
-        <p:spPr>
-          <a:xfrm>
-            <a:off x="6840000" y="2910240"/>
+            <a:off x="6847560" y="1980000"/>
             <a:ext cx="532440" cy="532440"/>
           </a:xfrm>
           <a:prstGeom prst="rect">
@@ -4137,18 +6758,18 @@
       </p:pic>
       <p:pic>
         <p:nvPicPr>
-          <p:cNvPr id="40" name="" descr=""/>
+          <p:cNvPr id="47" name="" descr=""/>
           <p:cNvPicPr/>
           <p:nvPr/>
         </p:nvPicPr>
         <p:blipFill>
-          <a:blip r:embed="rId5"/>
+          <a:blip r:embed="rId2"/>
           <a:stretch/>
         </p:blipFill>
         <p:spPr>
           <a:xfrm>
-            <a:off x="7567200" y="2923200"/>
-            <a:ext cx="532440" cy="532440"/>
+            <a:off x="7552800" y="1944720"/>
+            <a:ext cx="541800" cy="539280"/>
           </a:xfrm>
           <a:prstGeom prst="rect">
             <a:avLst/>
@@ -4160,7 +6781,76 @@
       </p:pic>
       <p:pic>
         <p:nvPicPr>
-          <p:cNvPr id="41" name="" descr=""/>
+          <p:cNvPr id="48" name="" descr=""/>
+          <p:cNvPicPr/>
+          <p:nvPr/>
+        </p:nvPicPr>
+        <p:blipFill>
+          <a:blip r:embed="rId3"/>
+          <a:stretch/>
+        </p:blipFill>
+        <p:spPr>
+          <a:xfrm>
+            <a:off x="8272800" y="1944720"/>
+            <a:ext cx="539280" cy="539280"/>
+          </a:xfrm>
+          <a:prstGeom prst="rect">
+            <a:avLst/>
+          </a:prstGeom>
+          <a:ln w="0">
+            <a:noFill/>
+          </a:ln>
+        </p:spPr>
+      </p:pic>
+      <p:pic>
+        <p:nvPicPr>
+          <p:cNvPr id="49" name="" descr=""/>
+          <p:cNvPicPr/>
+          <p:nvPr/>
+        </p:nvPicPr>
+        <p:blipFill>
+          <a:blip r:embed="rId4"/>
+          <a:stretch/>
+        </p:blipFill>
+        <p:spPr>
+          <a:xfrm>
+            <a:off x="6847920" y="2700000"/>
+            <a:ext cx="532080" cy="532080"/>
+          </a:xfrm>
+          <a:prstGeom prst="rect">
+            <a:avLst/>
+          </a:prstGeom>
+          <a:ln w="0">
+            <a:noFill/>
+          </a:ln>
+        </p:spPr>
+      </p:pic>
+      <p:pic>
+        <p:nvPicPr>
+          <p:cNvPr id="50" name="" descr=""/>
+          <p:cNvPicPr/>
+          <p:nvPr/>
+        </p:nvPicPr>
+        <p:blipFill>
+          <a:blip r:embed="rId5"/>
+          <a:stretch/>
+        </p:blipFill>
+        <p:spPr>
+          <a:xfrm>
+            <a:off x="7560000" y="2707920"/>
+            <a:ext cx="532080" cy="532080"/>
+          </a:xfrm>
+          <a:prstGeom prst="rect">
+            <a:avLst/>
+          </a:prstGeom>
+          <a:ln w="0">
+            <a:noFill/>
+          </a:ln>
+        </p:spPr>
+      </p:pic>
+      <p:pic>
+        <p:nvPicPr>
+          <p:cNvPr id="51" name="" descr=""/>
           <p:cNvPicPr/>
           <p:nvPr/>
         </p:nvPicPr>
@@ -4170,8 +6860,8 @@
         </p:blipFill>
         <p:spPr>
           <a:xfrm>
-            <a:off x="8280000" y="2916000"/>
-            <a:ext cx="532440" cy="532440"/>
+            <a:off x="8272800" y="2700720"/>
+            <a:ext cx="532080" cy="532080"/>
           </a:xfrm>
           <a:prstGeom prst="rect">
             <a:avLst/>
@@ -4181,6 +6871,131 @@
           </a:ln>
         </p:spPr>
       </p:pic>
+      <p:sp>
+        <p:nvSpPr>
+          <p:cNvPr id="52" name="PlaceHolder 3"/>
+          <p:cNvSpPr>
+            <a:spLocks noGrp="1"/>
+          </p:cNvSpPr>
+          <p:nvPr>
+            <p:ph/>
+          </p:nvPr>
+        </p:nvSpPr>
+        <p:spPr>
+          <a:xfrm>
+            <a:off x="3600000" y="1980000"/>
+            <a:ext cx="1980000" cy="1260000"/>
+          </a:xfrm>
+          <a:prstGeom prst="rect">
+            <a:avLst/>
+          </a:prstGeom>
+          <a:noFill/>
+          <a:ln w="0">
+            <a:noFill/>
+          </a:ln>
+        </p:spPr>
+        <p:txBody>
+          <a:bodyPr lIns="91440" rIns="91440" tIns="91440" bIns="91440" anchor="t">
+            <a:normAutofit/>
+          </a:bodyPr>
+          <a:p>
+            <a:pPr marL="216000" indent="-216000">
+              <a:lnSpc>
+                <a:spcPct val="115000"/>
+              </a:lnSpc>
+              <a:buClr>
+                <a:srgbClr val="000000"/>
+              </a:buClr>
+              <a:buSzPct val="45000"/>
+              <a:buFont typeface="Wingdings" charset="2"/>
+              <a:buChar char=""/>
+              <a:tabLst>
+                <a:tab algn="l" pos="0"/>
+              </a:tabLst>
+            </a:pPr>
+            <a:r>
+              <a:rPr b="0" lang="es-ES" sz="1800" spc="-1" strike="noStrike">
+                <a:solidFill>
+                  <a:srgbClr val="111111"/>
+                </a:solidFill>
+                <a:latin typeface="Arial"/>
+                <a:ea typeface="Arial"/>
+              </a:rPr>
+              <a:t>Clientify</a:t>
+            </a:r>
+            <a:endParaRPr b="0" lang="es-ES" sz="1800" spc="-1" strike="noStrike">
+              <a:solidFill>
+                <a:srgbClr val="000000"/>
+              </a:solidFill>
+              <a:latin typeface="Arial"/>
+            </a:endParaRPr>
+          </a:p>
+          <a:p>
+            <a:pPr marL="216000" indent="-216000">
+              <a:lnSpc>
+                <a:spcPct val="115000"/>
+              </a:lnSpc>
+              <a:buClr>
+                <a:srgbClr val="000000"/>
+              </a:buClr>
+              <a:buSzPct val="45000"/>
+              <a:buFont typeface="Wingdings" charset="2"/>
+              <a:buChar char=""/>
+              <a:tabLst>
+                <a:tab algn="l" pos="0"/>
+              </a:tabLst>
+            </a:pPr>
+            <a:r>
+              <a:rPr b="0" lang="es-ES" sz="1800" spc="-1" strike="noStrike">
+                <a:solidFill>
+                  <a:srgbClr val="111111"/>
+                </a:solidFill>
+                <a:latin typeface="Arial"/>
+                <a:ea typeface="Arial"/>
+              </a:rPr>
+              <a:t>Mautic</a:t>
+            </a:r>
+            <a:endParaRPr b="0" lang="es-ES" sz="1800" spc="-1" strike="noStrike">
+              <a:solidFill>
+                <a:srgbClr val="000000"/>
+              </a:solidFill>
+              <a:latin typeface="Arial"/>
+            </a:endParaRPr>
+          </a:p>
+          <a:p>
+            <a:pPr marL="216000" indent="-216000">
+              <a:lnSpc>
+                <a:spcPct val="115000"/>
+              </a:lnSpc>
+              <a:buClr>
+                <a:srgbClr val="000000"/>
+              </a:buClr>
+              <a:buSzPct val="45000"/>
+              <a:buFont typeface="Wingdings" charset="2"/>
+              <a:buChar char=""/>
+              <a:tabLst>
+                <a:tab algn="l" pos="0"/>
+              </a:tabLst>
+            </a:pPr>
+            <a:r>
+              <a:rPr b="0" lang="es-ES" sz="1800" spc="-1" strike="noStrike">
+                <a:solidFill>
+                  <a:srgbClr val="111111"/>
+                </a:solidFill>
+                <a:latin typeface="Arial"/>
+                <a:ea typeface="Arial"/>
+              </a:rPr>
+              <a:t>Salesforce</a:t>
+            </a:r>
+            <a:endParaRPr b="0" lang="es-ES" sz="1800" spc="-1" strike="noStrike">
+              <a:solidFill>
+                <a:srgbClr val="000000"/>
+              </a:solidFill>
+              <a:latin typeface="Arial"/>
+            </a:endParaRPr>
+          </a:p>
+        </p:txBody>
+      </p:sp>
     </p:spTree>
   </p:cSld>
   <mc:AlternateContent>
@@ -4213,7 +7028,7 @@
       </p:grpSpPr>
       <p:sp>
         <p:nvSpPr>
-          <p:cNvPr id="42" name="PlaceHolder 1"/>
+          <p:cNvPr id="53" name="PlaceHolder 1"/>
           <p:cNvSpPr>
             <a:spLocks noGrp="1"/>
           </p:cNvSpPr>
@@ -4223,8 +7038,8 @@
         </p:nvSpPr>
         <p:spPr>
           <a:xfrm>
-            <a:off x="311760" y="815760"/>
-            <a:ext cx="8519760" cy="522000"/>
+            <a:off x="300600" y="198360"/>
+            <a:ext cx="8519400" cy="521640"/>
           </a:xfrm>
           <a:prstGeom prst="rect">
             <a:avLst/>
@@ -4243,20 +7058,47 @@
               <a:lnSpc>
                 <a:spcPct val="100000"/>
               </a:lnSpc>
+              <a:spcBef>
+                <a:spcPts val="1191"/>
+              </a:spcBef>
+              <a:spcAft>
+                <a:spcPts val="992"/>
+              </a:spcAft>
               <a:buNone/>
+              <a:tabLst>
+                <a:tab algn="l" pos="0"/>
+              </a:tabLst>
             </a:pPr>
             <a:r>
               <a:rPr b="0" lang="es-ES" sz="1800" spc="-1" strike="noStrike">
                 <a:solidFill>
-                  <a:srgbClr val="000000"/>
-                </a:solidFill>
-                <a:latin typeface="Arial"/>
-              </a:rPr>
-              <a:t>^(;,;)^</a:t>
+                  <a:srgbClr val="174575"/>
+                </a:solidFill>
+                <a:latin typeface="Arial"/>
+              </a:rPr>
+              <a:t> </a:t>
+            </a:r>
+            <a:r>
+              <a:rPr b="1" lang="es-ES" sz="1800" spc="-1" strike="noStrike">
+                <a:solidFill>
+                  <a:srgbClr val="174575"/>
+                </a:solidFill>
+                <a:latin typeface="Arial"/>
+              </a:rPr>
+              <a:t>Consejos iniciales</a:t>
+            </a:r>
+            <a:r>
+              <a:rPr b="0" lang="es-ES" sz="1800" spc="-1" strike="noStrike">
+                <a:solidFill>
+                  <a:srgbClr val="174575"/>
+                </a:solidFill>
+                <a:latin typeface="Arial"/>
+              </a:rPr>
+              <a:t> ^(;,;)^</a:t>
             </a:r>
             <a:endParaRPr b="0" lang="es-ES" sz="1800" spc="-1" strike="noStrike">
               <a:solidFill>
-                <a:srgbClr val="000000"/>
+                <a:srgbClr val="174575"/>
               </a:solidFill>
               <a:latin typeface="Arial"/>
             </a:endParaRPr>
@@ -4265,7 +7107,7 @@
       </p:sp>
       <p:sp>
         <p:nvSpPr>
-          <p:cNvPr id="43" name="PlaceHolder 2"/>
+          <p:cNvPr id="54" name="PlaceHolder 2"/>
           <p:cNvSpPr>
             <a:spLocks noGrp="1"/>
           </p:cNvSpPr>
@@ -4275,8 +7117,8 @@
         </p:nvSpPr>
         <p:spPr>
           <a:xfrm>
-            <a:off x="311760" y="1461600"/>
-            <a:ext cx="8519760" cy="3117600"/>
+            <a:off x="300600" y="1001160"/>
+            <a:ext cx="8519400" cy="3318840"/>
           </a:xfrm>
           <a:prstGeom prst="rect">
             <a:avLst/>
@@ -4288,16 +7130,304 @@
         </p:spPr>
         <p:txBody>
           <a:bodyPr lIns="91440" rIns="91440" tIns="91440" bIns="91440" anchor="t">
-            <a:normAutofit/>
+            <a:normAutofit fontScale="97835" lnSpcReduction="10000"/>
           </a:bodyPr>
           <a:p>
+            <a:pPr marL="432000" indent="-324000">
+              <a:lnSpc>
+                <a:spcPct val="100000"/>
+              </a:lnSpc>
+              <a:spcBef>
+                <a:spcPts val="624"/>
+              </a:spcBef>
+              <a:buClr>
+                <a:srgbClr val="000000"/>
+              </a:buClr>
+              <a:buSzPct val="45000"/>
+              <a:buFont typeface="Wingdings" charset="2"/>
+              <a:buChar char=""/>
+            </a:pPr>
+            <a:r>
+              <a:rPr b="0" lang="es-ES" sz="1400" spc="-1" strike="noStrike">
+                <a:solidFill>
+                  <a:srgbClr val="111111"/>
+                </a:solidFill>
+                <a:latin typeface="Arial"/>
+                <a:ea typeface="Noto Sans CJK SC"/>
+              </a:rPr>
+              <a:t>Sí o sí tu CRM o, por lo menos el plan que escojas, </a:t>
+            </a:r>
+            <a:r>
+              <a:rPr b="1" lang="es-ES" sz="1400" spc="-1" strike="noStrike">
+                <a:solidFill>
+                  <a:srgbClr val="111111"/>
+                </a:solidFill>
+                <a:latin typeface="Arial"/>
+                <a:ea typeface="Noto Sans CJK SC"/>
+              </a:rPr>
+              <a:t>debe tener una API</a:t>
+            </a:r>
+            <a:r>
+              <a:rPr b="0" lang="es-ES" sz="1400" spc="-1" strike="noStrike">
+                <a:solidFill>
+                  <a:srgbClr val="111111"/>
+                </a:solidFill>
+                <a:latin typeface="Arial"/>
+                <a:ea typeface="Noto Sans CJK SC"/>
+              </a:rPr>
+              <a:t> y cuanto más completa mejor. Con buena documentación y a poder ser con alguna librería ya desarrollada en el lenguaje que vayas a usar.</a:t>
+            </a:r>
+            <a:endParaRPr b="0" lang="es-ES" sz="1400" spc="-1" strike="noStrike">
+              <a:solidFill>
+                <a:srgbClr val="000000"/>
+              </a:solidFill>
+              <a:latin typeface="Arial"/>
+            </a:endParaRPr>
+          </a:p>
+          <a:p>
+            <a:pPr marL="432000" indent="-324000">
+              <a:lnSpc>
+                <a:spcPct val="100000"/>
+              </a:lnSpc>
+              <a:spcBef>
+                <a:spcPts val="624"/>
+              </a:spcBef>
+              <a:buClr>
+                <a:srgbClr val="000000"/>
+              </a:buClr>
+              <a:buSzPct val="45000"/>
+              <a:buFont typeface="Wingdings" charset="2"/>
+              <a:buChar char=""/>
+            </a:pPr>
+            <a:r>
+              <a:rPr b="0" lang="es-ES" sz="1400" spc="-1" strike="noStrike">
+                <a:solidFill>
+                  <a:srgbClr val="111111"/>
+                </a:solidFill>
+                <a:latin typeface="Arial"/>
+                <a:ea typeface="Noto Sans CJK SC"/>
+              </a:rPr>
+              <a:t>Sabed si </a:t>
+            </a:r>
+            <a:r>
+              <a:rPr b="1" lang="es-ES" sz="1400" spc="-1" strike="noStrike">
+                <a:solidFill>
+                  <a:srgbClr val="111111"/>
+                </a:solidFill>
+                <a:latin typeface="Arial"/>
+                <a:ea typeface="Noto Sans CJK SC"/>
+              </a:rPr>
+              <a:t>vuestro hosting puede conectarse a otros servidores</a:t>
+            </a:r>
+            <a:r>
+              <a:rPr b="0" lang="es-ES" sz="1400" spc="-1" strike="noStrike">
+                <a:solidFill>
+                  <a:srgbClr val="111111"/>
+                </a:solidFill>
+                <a:latin typeface="Arial"/>
+                <a:ea typeface="Noto Sans CJK SC"/>
+              </a:rPr>
+              <a:t>. No es muy normal, pero a veces están capados. Es bastante común con instituciones y grandes empresas preocupadas con la ciberseguridad. Hablad con el hosting para que meta la IP del CRM en algún tipo de lista blanca.</a:t>
+            </a:r>
+            <a:endParaRPr b="0" lang="es-ES" sz="1400" spc="-1" strike="noStrike">
+              <a:solidFill>
+                <a:srgbClr val="000000"/>
+              </a:solidFill>
+              <a:latin typeface="Arial"/>
+            </a:endParaRPr>
+          </a:p>
+          <a:p>
+            <a:pPr marL="432000" indent="-324000">
+              <a:lnSpc>
+                <a:spcPct val="100000"/>
+              </a:lnSpc>
+              <a:spcBef>
+                <a:spcPts val="624"/>
+              </a:spcBef>
+              <a:buClr>
+                <a:srgbClr val="000000"/>
+              </a:buClr>
+              <a:buSzPct val="45000"/>
+              <a:buFont typeface="Wingdings" charset="2"/>
+              <a:buChar char=""/>
+            </a:pPr>
+            <a:r>
+              <a:rPr b="0" lang="es-ES" sz="1400" spc="-1" strike="noStrike">
+                <a:solidFill>
+                  <a:srgbClr val="111111"/>
+                </a:solidFill>
+                <a:latin typeface="Arial"/>
+                <a:ea typeface="Noto Sans CJK SC"/>
+              </a:rPr>
+              <a:t>Tratad de saber si tienen </a:t>
+            </a:r>
+            <a:r>
+              <a:rPr b="1" lang="es-ES" sz="1400" spc="-1" strike="noStrike">
+                <a:solidFill>
+                  <a:srgbClr val="111111"/>
+                </a:solidFill>
+                <a:latin typeface="Arial"/>
+                <a:ea typeface="Noto Sans CJK SC"/>
+              </a:rPr>
+              <a:t>servidores europeos</a:t>
+            </a:r>
+            <a:r>
+              <a:rPr b="0" lang="es-ES" sz="1400" spc="-1" strike="noStrike">
+                <a:solidFill>
+                  <a:srgbClr val="111111"/>
+                </a:solidFill>
+                <a:latin typeface="Arial"/>
+                <a:ea typeface="Noto Sans CJK SC"/>
+              </a:rPr>
+              <a:t>. Como están las cosas puede ahorraros muchos problemas si en el futuro hay que migrar todo a sistemas en Europa.</a:t>
+            </a:r>
+            <a:endParaRPr b="0" lang="es-ES" sz="1400" spc="-1" strike="noStrike">
+              <a:solidFill>
+                <a:srgbClr val="000000"/>
+              </a:solidFill>
+              <a:latin typeface="Arial"/>
+            </a:endParaRPr>
+          </a:p>
+          <a:p>
+            <a:pPr marL="432000" indent="-324000">
+              <a:lnSpc>
+                <a:spcPct val="100000"/>
+              </a:lnSpc>
+              <a:spcBef>
+                <a:spcPts val="624"/>
+              </a:spcBef>
+              <a:buClr>
+                <a:srgbClr val="000000"/>
+              </a:buClr>
+              <a:buSzPct val="45000"/>
+              <a:buFont typeface="Wingdings" charset="2"/>
+              <a:buChar char=""/>
+            </a:pPr>
+            <a:r>
+              <a:rPr b="0" lang="es-ES" sz="1400" spc="-1" strike="noStrike">
+                <a:solidFill>
+                  <a:srgbClr val="111111"/>
+                </a:solidFill>
+                <a:latin typeface="Arial"/>
+                <a:ea typeface="Noto Sans CJK SC"/>
+              </a:rPr>
+              <a:t>Una búsqueda rápida os puede dar ideas de si vais a tener </a:t>
+            </a:r>
+            <a:r>
+              <a:rPr b="1" lang="es-ES" sz="1400" spc="-1" strike="noStrike">
+                <a:solidFill>
+                  <a:srgbClr val="111111"/>
+                </a:solidFill>
+                <a:latin typeface="Arial"/>
+                <a:ea typeface="Noto Sans CJK SC"/>
+              </a:rPr>
+              <a:t>comunidad, software libre o de pago y empresas desarrollando para ese CRM</a:t>
+            </a:r>
+            <a:r>
+              <a:rPr b="0" lang="es-ES" sz="1400" spc="-1" strike="noStrike">
+                <a:solidFill>
+                  <a:srgbClr val="111111"/>
+                </a:solidFill>
+                <a:latin typeface="Arial"/>
+                <a:ea typeface="Noto Sans CJK SC"/>
+              </a:rPr>
+              <a:t> a las que pedir ayuda.</a:t>
+            </a:r>
+            <a:endParaRPr b="0" lang="es-ES" sz="1400" spc="-1" strike="noStrike">
+              <a:solidFill>
+                <a:srgbClr val="000000"/>
+              </a:solidFill>
+              <a:latin typeface="Arial"/>
+            </a:endParaRPr>
+          </a:p>
+          <a:p>
             <a:pPr indent="0">
               <a:spcBef>
-                <a:spcPts val="1417"/>
-              </a:spcBef>
+                <a:spcPts val="624"/>
+              </a:spcBef>
+              <a:spcAft>
+                <a:spcPts val="425"/>
+              </a:spcAft>
               <a:buNone/>
             </a:pPr>
-            <a:endParaRPr b="0" lang="es-ES" sz="1800" spc="-1" strike="noStrike">
+            <a:r>
+              <a:rPr b="0" lang="es-ES" sz="1400" spc="-1" strike="noStrike">
+                <a:solidFill>
+                  <a:srgbClr val="111111"/>
+                </a:solidFill>
+                <a:latin typeface="Arial"/>
+                <a:ea typeface="Noto Sans CJK SC"/>
+              </a:rPr>
+              <a:t>Muchos CRM dan periodos de </a:t>
+            </a:r>
+            <a:r>
+              <a:rPr b="1" lang="es-ES" sz="1400" spc="-1" strike="noStrike">
+                <a:solidFill>
+                  <a:srgbClr val="111111"/>
+                </a:solidFill>
+                <a:latin typeface="Arial"/>
+                <a:ea typeface="Noto Sans CJK SC"/>
+              </a:rPr>
+              <a:t>prueba gratuitos de 15 días</a:t>
+            </a:r>
+            <a:r>
+              <a:rPr b="0" lang="es-ES" sz="1400" spc="-1" strike="noStrike">
+                <a:solidFill>
+                  <a:srgbClr val="111111"/>
+                </a:solidFill>
+                <a:latin typeface="Arial"/>
+                <a:ea typeface="Noto Sans CJK SC"/>
+              </a:rPr>
+              <a:t> o similar. No es ninguna perdida de tiempo </a:t>
+            </a:r>
+            <a:r>
+              <a:rPr b="1" lang="es-ES" sz="1400" spc="-1" strike="noStrike">
+                <a:solidFill>
+                  <a:srgbClr val="111111"/>
+                </a:solidFill>
+                <a:latin typeface="Arial"/>
+                <a:ea typeface="Noto Sans CJK SC"/>
+              </a:rPr>
+              <a:t>pedir esas pruebas y hacer algunos tests básicos</a:t>
+            </a:r>
+            <a:r>
+              <a:rPr b="0" lang="es-ES" sz="1400" spc="-1" strike="noStrike">
+                <a:solidFill>
+                  <a:srgbClr val="111111"/>
+                </a:solidFill>
+                <a:latin typeface="Arial"/>
+                <a:ea typeface="Noto Sans CJK SC"/>
+              </a:rPr>
+              <a:t>.</a:t>
+            </a:r>
+            <a:endParaRPr b="0" lang="es-ES" sz="1400" spc="-1" strike="noStrike">
+              <a:solidFill>
+                <a:srgbClr val="000000"/>
+              </a:solidFill>
+              <a:latin typeface="Arial"/>
+            </a:endParaRPr>
+          </a:p>
+          <a:p>
+            <a:pPr indent="0">
+              <a:spcBef>
+                <a:spcPts val="624"/>
+              </a:spcBef>
+              <a:spcAft>
+                <a:spcPts val="425"/>
+              </a:spcAft>
+              <a:buNone/>
+            </a:pPr>
+            <a:r>
+              <a:rPr b="0" lang="es-ES" sz="1400" spc="-1" strike="noStrike">
+                <a:solidFill>
+                  <a:srgbClr val="111111"/>
+                </a:solidFill>
+                <a:latin typeface="Arial"/>
+                <a:ea typeface="Noto Sans CJK SC"/>
+              </a:rPr>
+              <a:t>Migrar el día de mañana de un CRM a otro porque no cumple todas nuestras expectativas va a llevarte más tiempo que hacer unas pruebas básicas con el periodo de prueba.</a:t>
+            </a:r>
+            <a:endParaRPr b="0" lang="es-ES" sz="1400" spc="-1" strike="noStrike">
               <a:solidFill>
                 <a:srgbClr val="000000"/>
               </a:solidFill>
@@ -4338,7 +7468,7 @@
       </p:grpSpPr>
       <p:sp>
         <p:nvSpPr>
-          <p:cNvPr id="44" name="PlaceHolder 1"/>
+          <p:cNvPr id="55" name="PlaceHolder 1"/>
           <p:cNvSpPr>
             <a:spLocks noGrp="1"/>
           </p:cNvSpPr>
@@ -4348,8 +7478,8 @@
         </p:nvSpPr>
         <p:spPr>
           <a:xfrm>
-            <a:off x="311760" y="815760"/>
-            <a:ext cx="8519760" cy="522000"/>
+            <a:off x="360000" y="198360"/>
+            <a:ext cx="8519400" cy="521640"/>
           </a:xfrm>
           <a:prstGeom prst="rect">
             <a:avLst/>
@@ -4368,29 +7498,38 @@
               <a:lnSpc>
                 <a:spcPct val="100000"/>
               </a:lnSpc>
+              <a:spcBef>
+                <a:spcPts val="1191"/>
+              </a:spcBef>
+              <a:spcAft>
+                <a:spcPts val="992"/>
+              </a:spcAft>
               <a:buNone/>
-            </a:pPr>
+              <a:tabLst>
+                <a:tab algn="l" pos="0"/>
+              </a:tabLst>
+            </a:pPr>
+            <a:r>
+              <a:rPr b="1" lang="es-ES" sz="1800" spc="-1" strike="noStrike">
+                <a:solidFill>
+                  <a:srgbClr val="174575"/>
+                </a:solidFill>
+                <a:latin typeface="Arial"/>
+              </a:rPr>
+              <a:t>El código de tracking</a:t>
+            </a:r>
             <a:r>
               <a:rPr b="0" lang="es-ES" sz="1800" spc="-1" strike="noStrike">
                 <a:solidFill>
-                  <a:srgbClr val="000000"/>
-                </a:solidFill>
-                <a:latin typeface="Arial"/>
-              </a:rPr>
-              <a:t>❲◣</a:t>
-            </a:r>
-            <a:r>
-              <a:rPr b="0" lang="es-ES" sz="1800" spc="-1" strike="noStrike">
-                <a:solidFill>
-                  <a:srgbClr val="000000"/>
-                </a:solidFill>
-                <a:latin typeface="Arial"/>
-              </a:rPr>
-              <a:t>_◢❳</a:t>
+                  <a:srgbClr val="174575"/>
+                </a:solidFill>
+                <a:latin typeface="Arial"/>
+              </a:rPr>
+              <a:t>❲◣_◢❳</a:t>
             </a:r>
             <a:endParaRPr b="0" lang="es-ES" sz="1800" spc="-1" strike="noStrike">
               <a:solidFill>
-                <a:srgbClr val="000000"/>
+                <a:srgbClr val="174575"/>
               </a:solidFill>
               <a:latin typeface="Arial"/>
             </a:endParaRPr>
@@ -4399,7 +7538,7 @@
       </p:sp>
       <p:sp>
         <p:nvSpPr>
-          <p:cNvPr id="45" name="PlaceHolder 2"/>
+          <p:cNvPr id="56" name="PlaceHolder 2"/>
           <p:cNvSpPr>
             <a:spLocks noGrp="1"/>
           </p:cNvSpPr>
@@ -4409,8 +7548,8 @@
         </p:nvSpPr>
         <p:spPr>
           <a:xfrm>
-            <a:off x="311760" y="1461600"/>
-            <a:ext cx="8519760" cy="3117600"/>
+            <a:off x="300600" y="1080000"/>
+            <a:ext cx="8519400" cy="3117240"/>
           </a:xfrm>
           <a:prstGeom prst="rect">
             <a:avLst/>
@@ -4422,16 +7561,323 @@
         </p:spPr>
         <p:txBody>
           <a:bodyPr lIns="91440" rIns="91440" tIns="91440" bIns="91440" anchor="t">
-            <a:normAutofit/>
+            <a:normAutofit fontScale="86943" lnSpcReduction="10000"/>
           </a:bodyPr>
           <a:p>
             <a:pPr indent="0">
               <a:spcBef>
-                <a:spcPts val="1417"/>
-              </a:spcBef>
+                <a:spcPts val="1191"/>
+              </a:spcBef>
+              <a:spcAft>
+                <a:spcPts val="992"/>
+              </a:spcAft>
               <a:buNone/>
             </a:pPr>
-            <a:endParaRPr b="0" lang="es-ES" sz="1800" spc="-1" strike="noStrike">
+            <a:r>
+              <a:rPr b="0" lang="es-ES" sz="1600" spc="-1" strike="noStrike">
+                <a:solidFill>
+                  <a:srgbClr val="000000"/>
+                </a:solidFill>
+                <a:latin typeface="Arial"/>
+              </a:rPr>
+              <a:t>La forma principal de conectar tu WordPress y tu CRM es un código de tracking. Suele ser meter un código parecido a Analytics en todas las páginas de la web. Hay muchas formas para meter estos códigos.</a:t>
+            </a:r>
+            <a:endParaRPr b="0" lang="es-ES" sz="1600" spc="-1" strike="noStrike">
+              <a:solidFill>
+                <a:srgbClr val="000000"/>
+              </a:solidFill>
+              <a:latin typeface="Arial"/>
+            </a:endParaRPr>
+          </a:p>
+          <a:p>
+            <a:pPr marL="432000" indent="-324000">
+              <a:spcBef>
+                <a:spcPts val="624"/>
+              </a:spcBef>
+              <a:spcAft>
+                <a:spcPts val="425"/>
+              </a:spcAft>
+              <a:buClr>
+                <a:srgbClr val="000000"/>
+              </a:buClr>
+              <a:buSzPct val="45000"/>
+              <a:buFont typeface="Wingdings" charset="2"/>
+              <a:buChar char=""/>
+            </a:pPr>
+            <a:r>
+              <a:rPr b="0" lang="es-ES" sz="1600" spc="-1" strike="noStrike">
+                <a:solidFill>
+                  <a:srgbClr val="000000"/>
+                </a:solidFill>
+                <a:latin typeface="Arial"/>
+                <a:ea typeface="Noto Sans CJK SC"/>
+              </a:rPr>
+              <a:t>Directa en </a:t>
+            </a:r>
+            <a:r>
+              <a:rPr b="1" lang="es-ES" sz="1600" spc="-1" strike="noStrike">
+                <a:solidFill>
+                  <a:srgbClr val="000000"/>
+                </a:solidFill>
+                <a:latin typeface="Arial"/>
+                <a:ea typeface="Noto Sans CJK SC"/>
+              </a:rPr>
+              <a:t>header.php</a:t>
+            </a:r>
+            <a:r>
+              <a:rPr b="0" lang="es-ES" sz="1600" spc="-1" strike="noStrike">
+                <a:solidFill>
+                  <a:srgbClr val="000000"/>
+                </a:solidFill>
+                <a:latin typeface="Arial"/>
+                <a:ea typeface="Noto Sans CJK SC"/>
+              </a:rPr>
+              <a:t> del tema.</a:t>
+            </a:r>
+            <a:endParaRPr b="0" lang="es-ES" sz="1600" spc="-1" strike="noStrike">
+              <a:solidFill>
+                <a:srgbClr val="000000"/>
+              </a:solidFill>
+              <a:latin typeface="Arial"/>
+            </a:endParaRPr>
+          </a:p>
+          <a:p>
+            <a:pPr marL="432000" indent="-324000">
+              <a:spcBef>
+                <a:spcPts val="624"/>
+              </a:spcBef>
+              <a:spcAft>
+                <a:spcPts val="425"/>
+              </a:spcAft>
+              <a:buClr>
+                <a:srgbClr val="000000"/>
+              </a:buClr>
+              <a:buSzPct val="45000"/>
+              <a:buFont typeface="Wingdings" charset="2"/>
+              <a:buChar char=""/>
+            </a:pPr>
+            <a:r>
+              <a:rPr b="0" lang="es-ES" sz="1600" spc="-1" strike="noStrike">
+                <a:solidFill>
+                  <a:srgbClr val="000000"/>
+                </a:solidFill>
+                <a:latin typeface="Arial"/>
+                <a:ea typeface="Noto Sans CJK SC"/>
+              </a:rPr>
+              <a:t>Con el hook </a:t>
+            </a:r>
+            <a:r>
+              <a:rPr b="1" lang="es-ES" sz="1600" spc="-1" strike="noStrike">
+                <a:solidFill>
+                  <a:srgbClr val="000000"/>
+                </a:solidFill>
+                <a:latin typeface="Arial"/>
+                <a:ea typeface="Noto Sans CJK SC"/>
+              </a:rPr>
+              <a:t>«wp_header»</a:t>
+            </a:r>
+            <a:r>
+              <a:rPr b="0" lang="es-ES" sz="1600" spc="-1" strike="noStrike">
+                <a:solidFill>
+                  <a:srgbClr val="000000"/>
+                </a:solidFill>
+                <a:latin typeface="Arial"/>
+                <a:ea typeface="Noto Sans CJK SC"/>
+              </a:rPr>
+              <a:t> en el functions.php.</a:t>
+            </a:r>
+            <a:endParaRPr b="0" lang="es-ES" sz="1600" spc="-1" strike="noStrike">
+              <a:solidFill>
+                <a:srgbClr val="000000"/>
+              </a:solidFill>
+              <a:latin typeface="Arial"/>
+            </a:endParaRPr>
+          </a:p>
+          <a:p>
+            <a:pPr marL="432000" indent="-324000">
+              <a:spcBef>
+                <a:spcPts val="624"/>
+              </a:spcBef>
+              <a:spcAft>
+                <a:spcPts val="425"/>
+              </a:spcAft>
+              <a:buClr>
+                <a:srgbClr val="000000"/>
+              </a:buClr>
+              <a:buSzPct val="45000"/>
+              <a:buFont typeface="Wingdings" charset="2"/>
+              <a:buChar char=""/>
+            </a:pPr>
+            <a:r>
+              <a:rPr b="0" lang="es-ES" sz="1600" spc="-1" strike="noStrike">
+                <a:solidFill>
+                  <a:srgbClr val="000000"/>
+                </a:solidFill>
+                <a:latin typeface="Arial"/>
+                <a:ea typeface="Noto Sans CJK SC"/>
+              </a:rPr>
+              <a:t>Hay </a:t>
+            </a:r>
+            <a:r>
+              <a:rPr b="1" lang="es-ES" sz="1600" spc="-1" strike="noStrike">
+                <a:solidFill>
+                  <a:srgbClr val="000000"/>
+                </a:solidFill>
+                <a:latin typeface="Arial"/>
+                <a:ea typeface="Noto Sans CJK SC"/>
+              </a:rPr>
+              <a:t>temas que te permiten meter código JavaScript</a:t>
+            </a:r>
+            <a:r>
+              <a:rPr b="0" lang="es-ES" sz="1600" spc="-1" strike="noStrike">
+                <a:solidFill>
+                  <a:srgbClr val="000000"/>
+                </a:solidFill>
+                <a:latin typeface="Arial"/>
+                <a:ea typeface="Noto Sans CJK SC"/>
+              </a:rPr>
+              <a:t> en las cabeceras web.</a:t>
+            </a:r>
+            <a:endParaRPr b="0" lang="es-ES" sz="1600" spc="-1" strike="noStrike">
+              <a:solidFill>
+                <a:srgbClr val="000000"/>
+              </a:solidFill>
+              <a:latin typeface="Arial"/>
+            </a:endParaRPr>
+          </a:p>
+          <a:p>
+            <a:pPr marL="432000" indent="-324000">
+              <a:spcBef>
+                <a:spcPts val="624"/>
+              </a:spcBef>
+              <a:spcAft>
+                <a:spcPts val="425"/>
+              </a:spcAft>
+              <a:buClr>
+                <a:srgbClr val="000000"/>
+              </a:buClr>
+              <a:buSzPct val="45000"/>
+              <a:buFont typeface="Wingdings" charset="2"/>
+              <a:buChar char=""/>
+            </a:pPr>
+            <a:r>
+              <a:rPr b="0" lang="es-ES" sz="1600" spc="-1" strike="noStrike">
+                <a:solidFill>
+                  <a:srgbClr val="000000"/>
+                </a:solidFill>
+                <a:latin typeface="Arial"/>
+                <a:ea typeface="Noto Sans CJK SC"/>
+              </a:rPr>
+              <a:t>Muchos CRM tienen </a:t>
+            </a:r>
+            <a:r>
+              <a:rPr b="1" lang="es-ES" sz="1600" spc="-1" strike="noStrike">
+                <a:solidFill>
+                  <a:srgbClr val="000000"/>
+                </a:solidFill>
+                <a:latin typeface="Arial"/>
+                <a:ea typeface="Noto Sans CJK SC"/>
+              </a:rPr>
+              <a:t>plugins</a:t>
+            </a:r>
+            <a:r>
+              <a:rPr b="0" lang="es-ES" sz="1600" spc="-1" strike="noStrike">
+                <a:solidFill>
+                  <a:srgbClr val="000000"/>
+                </a:solidFill>
+                <a:latin typeface="Arial"/>
+                <a:ea typeface="Noto Sans CJK SC"/>
+              </a:rPr>
+              <a:t> con integraciones básicas del código de tracking.</a:t>
+            </a:r>
+            <a:endParaRPr b="0" lang="es-ES" sz="1600" spc="-1" strike="noStrike">
+              <a:solidFill>
+                <a:srgbClr val="000000"/>
+              </a:solidFill>
+              <a:latin typeface="Arial"/>
+            </a:endParaRPr>
+          </a:p>
+          <a:p>
+            <a:pPr marL="432000" indent="-324000">
+              <a:spcBef>
+                <a:spcPts val="624"/>
+              </a:spcBef>
+              <a:spcAft>
+                <a:spcPts val="425"/>
+              </a:spcAft>
+              <a:buClr>
+                <a:srgbClr val="000000"/>
+              </a:buClr>
+              <a:buSzPct val="45000"/>
+              <a:buFont typeface="Wingdings" charset="2"/>
+              <a:buChar char=""/>
+            </a:pPr>
+            <a:r>
+              <a:rPr b="0" lang="es-ES" sz="1600" spc="-1" strike="noStrike">
+                <a:solidFill>
+                  <a:srgbClr val="000000"/>
+                </a:solidFill>
+                <a:latin typeface="Arial"/>
+                <a:ea typeface="Noto Sans CJK SC"/>
+              </a:rPr>
+              <a:t>Si ya tenéis </a:t>
+            </a:r>
+            <a:r>
+              <a:rPr b="1" lang="es-ES" sz="1600" spc="-1" strike="noStrike">
+                <a:solidFill>
+                  <a:srgbClr val="000000"/>
+                </a:solidFill>
+                <a:latin typeface="Arial"/>
+                <a:ea typeface="Noto Sans CJK SC"/>
+              </a:rPr>
+              <a:t>Google Tag Manager</a:t>
+            </a:r>
+            <a:r>
+              <a:rPr b="0" lang="es-ES" sz="1600" spc="-1" strike="noStrike">
+                <a:solidFill>
+                  <a:srgbClr val="000000"/>
+                </a:solidFill>
+                <a:latin typeface="Arial"/>
+                <a:ea typeface="Noto Sans CJK SC"/>
+              </a:rPr>
+              <a:t> podéis configurarlo como una etiqueta más.</a:t>
+            </a:r>
+            <a:endParaRPr b="0" lang="es-ES" sz="1600" spc="-1" strike="noStrike">
+              <a:solidFill>
+                <a:srgbClr val="000000"/>
+              </a:solidFill>
+              <a:latin typeface="Arial"/>
+            </a:endParaRPr>
+          </a:p>
+          <a:p>
+            <a:pPr indent="0">
+              <a:spcBef>
+                <a:spcPts val="1191"/>
+              </a:spcBef>
+              <a:spcAft>
+                <a:spcPts val="992"/>
+              </a:spcAft>
+              <a:buNone/>
+            </a:pPr>
+            <a:r>
+              <a:rPr b="1" lang="es-ES" sz="1600" spc="-1" strike="noStrike">
+                <a:solidFill>
+                  <a:srgbClr val="000000"/>
+                </a:solidFill>
+                <a:latin typeface="Arial"/>
+              </a:rPr>
+              <a:t>Obligaciones legales: </a:t>
+            </a:r>
+            <a:r>
+              <a:rPr b="0" lang="es-ES" sz="1600" spc="-1" strike="noStrike">
+                <a:solidFill>
+                  <a:srgbClr val="000000"/>
+                </a:solidFill>
+                <a:latin typeface="Arial"/>
+              </a:rPr>
+              <a:t>Muchos de estos códigos de tracking dejan cookies, así que tendrás que montarlo dentro de tu sistema de gestión de cookies y dar información en el aviso de cookies.</a:t>
+            </a:r>
+            <a:endParaRPr b="0" lang="es-ES" sz="1600" spc="-1" strike="noStrike">
               <a:solidFill>
                 <a:srgbClr val="000000"/>
               </a:solidFill>
@@ -4472,7 +7918,7 @@
       </p:grpSpPr>
       <p:sp>
         <p:nvSpPr>
-          <p:cNvPr id="46" name="PlaceHolder 1"/>
+          <p:cNvPr id="57" name="PlaceHolder 1"/>
           <p:cNvSpPr>
             <a:spLocks noGrp="1"/>
           </p:cNvSpPr>
@@ -4483,7 +7929,7 @@
         <p:spPr>
           <a:xfrm>
             <a:off x="311760" y="815760"/>
-            <a:ext cx="8519760" cy="522000"/>
+            <a:ext cx="8519400" cy="521640"/>
           </a:xfrm>
           <a:prstGeom prst="rect">
             <a:avLst/>
@@ -4502,19 +7948,37 @@
               <a:lnSpc>
                 <a:spcPct val="100000"/>
               </a:lnSpc>
+              <a:spcBef>
+                <a:spcPts val="1191"/>
+              </a:spcBef>
+              <a:spcAft>
+                <a:spcPts val="992"/>
+              </a:spcAft>
               <a:buNone/>
-            </a:pPr>
-            <a:r>
-              <a:rPr b="0" lang="es-ES" sz="1800" spc="-1" strike="noStrike">
-                <a:solidFill>
-                  <a:srgbClr val="000000"/>
-                </a:solidFill>
-                <a:latin typeface="Arial"/>
-              </a:rPr>
-              <a:t>¯\_(</a:t>
-            </a:r>
-            <a:r>
-              <a:rPr b="0" lang="zh-CN" sz="1600" spc="-1" strike="noStrike">
+              <a:tabLst>
+                <a:tab algn="l" pos="0"/>
+              </a:tabLst>
+            </a:pPr>
+            <a:r>
+              <a:rPr b="1" lang="es-ES" sz="1500" spc="-1" strike="noStrike">
+                <a:solidFill>
+                  <a:srgbClr val="000000"/>
+                </a:solidFill>
+                <a:latin typeface="Arial"/>
+              </a:rPr>
+              <a:t>¿Cómo trabajan estos códigos?</a:t>
+            </a:r>
+            <a:r>
+              <a:rPr b="0" lang="es-ES" sz="1500" spc="-1" strike="noStrike">
+                <a:solidFill>
+                  <a:srgbClr val="000000"/>
+                </a:solidFill>
+                <a:latin typeface="Arial"/>
+              </a:rPr>
+              <a:t> ¯\_(</a:t>
+            </a:r>
+            <a:r>
+              <a:rPr b="0" lang="zh-CN" sz="1500" spc="-1" strike="noStrike">
                 <a:solidFill>
                   <a:srgbClr val="000000"/>
                 </a:solidFill>
@@ -4523,7 +7987,7 @@
               <a:t>ツ</a:t>
             </a:r>
             <a:r>
-              <a:rPr b="0" lang="es-ES" sz="1800" spc="-1" strike="noStrike">
+              <a:rPr b="0" lang="es-ES" sz="1500" spc="-1" strike="noStrike">
                 <a:solidFill>
                   <a:srgbClr val="000000"/>
                 </a:solidFill>
@@ -4531,7 +7995,7 @@
               </a:rPr>
               <a:t>)_/¯</a:t>
             </a:r>
-            <a:endParaRPr b="0" lang="es-ES" sz="1800" spc="-1" strike="noStrike">
+            <a:endParaRPr b="0" lang="es-ES" sz="1500" spc="-1" strike="noStrike">
               <a:solidFill>
                 <a:srgbClr val="000000"/>
               </a:solidFill>
@@ -4542,7 +8006,7 @@
       </p:sp>
       <p:sp>
         <p:nvSpPr>
-          <p:cNvPr id="47" name="PlaceHolder 2"/>
+          <p:cNvPr id="58" name="PlaceHolder 2"/>
           <p:cNvSpPr>
             <a:spLocks noGrp="1"/>
           </p:cNvSpPr>
@@ -4552,8 +8016,118 @@
         </p:nvSpPr>
         <p:spPr>
           <a:xfrm>
-            <a:off x="311760" y="1461600"/>
-            <a:ext cx="8519760" cy="3117600"/>
+            <a:off x="311760" y="1260000"/>
+            <a:ext cx="8519400" cy="1418400"/>
+          </a:xfrm>
+          <a:prstGeom prst="rect">
+            <a:avLst/>
+          </a:prstGeom>
+          <a:noFill/>
+          <a:ln w="0">
+            <a:noFill/>
+          </a:ln>
+        </p:spPr>
+        <p:txBody>
+          <a:bodyPr lIns="91440" rIns="91440" tIns="91440" bIns="91440" anchor="t">
+            <a:normAutofit fontScale="87123"/>
+          </a:bodyPr>
+          <a:p>
+            <a:pPr indent="0">
+              <a:spcBef>
+                <a:spcPts val="624"/>
+              </a:spcBef>
+              <a:spcAft>
+                <a:spcPts val="425"/>
+              </a:spcAft>
+              <a:buNone/>
+            </a:pPr>
+            <a:r>
+              <a:rPr b="0" lang="es-ES" sz="1400" spc="-1" strike="noStrike">
+                <a:solidFill>
+                  <a:srgbClr val="000000"/>
+                </a:solidFill>
+                <a:latin typeface="Arial"/>
+                <a:ea typeface="Noto Sans CJK SC"/>
+              </a:rPr>
+              <a:t>Estos códigos detectan e identifican a los usuarios a partir de los clics en emails que hayan sido enviados desde el CRM.</a:t>
+            </a:r>
+            <a:endParaRPr b="0" lang="es-ES" sz="1400" spc="-1" strike="noStrike">
+              <a:solidFill>
+                <a:srgbClr val="000000"/>
+              </a:solidFill>
+              <a:latin typeface="Arial"/>
+            </a:endParaRPr>
+          </a:p>
+          <a:p>
+            <a:pPr indent="0">
+              <a:spcBef>
+                <a:spcPts val="624"/>
+              </a:spcBef>
+              <a:spcAft>
+                <a:spcPts val="425"/>
+              </a:spcAft>
+              <a:buNone/>
+            </a:pPr>
+            <a:r>
+              <a:rPr b="0" lang="es-ES" sz="1400" spc="-1" strike="noStrike">
+                <a:solidFill>
+                  <a:srgbClr val="000000"/>
+                </a:solidFill>
+                <a:latin typeface="Arial"/>
+                <a:ea typeface="Noto Sans CJK SC"/>
+              </a:rPr>
+              <a:t>Una vez clican, son identificados por el código de tracking y este deja una cookie que nos permite rastrearlo por la web en ese equipo.</a:t>
+            </a:r>
+            <a:endParaRPr b="0" lang="es-ES" sz="1400" spc="-1" strike="noStrike">
+              <a:solidFill>
+                <a:srgbClr val="000000"/>
+              </a:solidFill>
+              <a:latin typeface="Arial"/>
+            </a:endParaRPr>
+          </a:p>
+          <a:p>
+            <a:pPr indent="0">
+              <a:spcBef>
+                <a:spcPts val="624"/>
+              </a:spcBef>
+              <a:spcAft>
+                <a:spcPts val="425"/>
+              </a:spcAft>
+              <a:buNone/>
+            </a:pPr>
+            <a:r>
+              <a:rPr b="0" lang="es-ES" sz="1400" spc="-1" strike="noStrike">
+                <a:solidFill>
+                  <a:srgbClr val="000000"/>
+                </a:solidFill>
+                <a:latin typeface="Arial"/>
+                <a:ea typeface="Noto Sans CJK SC"/>
+              </a:rPr>
+              <a:t>Sin ese primer clic en una newsletter y otro tipo de email no hay identificación y no se recoge información. Un usuario de nuestro CRM, si entra directamente en nuestra web desde un ordenador sin la cookie, no será detectado.</a:t>
+            </a:r>
+            <a:endParaRPr b="0" lang="es-ES" sz="1400" spc="-1" strike="noStrike">
+              <a:solidFill>
+                <a:srgbClr val="000000"/>
+              </a:solidFill>
+              <a:latin typeface="Arial"/>
+            </a:endParaRPr>
+          </a:p>
+        </p:txBody>
+      </p:sp>
+      <p:sp>
+        <p:nvSpPr>
+          <p:cNvPr id="59" name="PlaceHolder 3"/>
+          <p:cNvSpPr>
+            <a:spLocks noGrp="1"/>
+          </p:cNvSpPr>
+          <p:nvPr>
+            <p:ph type="title"/>
+          </p:nvPr>
+        </p:nvSpPr>
+        <p:spPr>
+          <a:xfrm>
+            <a:off x="120600" y="2690640"/>
+            <a:ext cx="8519400" cy="521640"/>
           </a:xfrm>
           <a:prstGeom prst="rect">
             <a:avLst/>
@@ -4568,15 +8142,291 @@
             <a:normAutofit/>
           </a:bodyPr>
           <a:p>
+            <a:pPr indent="0" algn="r">
+              <a:lnSpc>
+                <a:spcPct val="100000"/>
+              </a:lnSpc>
+              <a:spcBef>
+                <a:spcPts val="1191"/>
+              </a:spcBef>
+              <a:spcAft>
+                <a:spcPts val="992"/>
+              </a:spcAft>
+              <a:buNone/>
+              <a:tabLst>
+                <a:tab algn="l" pos="0"/>
+              </a:tabLst>
+            </a:pPr>
+            <a:r>
+              <a:rPr b="1" lang="es-ES" sz="1500" spc="-1" strike="noStrike">
+                <a:solidFill>
+                  <a:srgbClr val="000000"/>
+                </a:solidFill>
+                <a:latin typeface="Arial"/>
+              </a:rPr>
+              <a:t>¿Qué permiten estos códigos solo con meterlos?</a:t>
+            </a:r>
+            <a:r>
+              <a:rPr b="0" lang="es-ES" sz="1500" spc="-1" strike="noStrike">
+                <a:solidFill>
+                  <a:srgbClr val="000000"/>
+                </a:solidFill>
+                <a:latin typeface="Arial"/>
+              </a:rPr>
+              <a:t> </a:t>
+            </a:r>
+            <a:r>
+              <a:rPr b="0" lang="zh-CN" sz="1500" spc="-1" strike="noStrike">
+                <a:solidFill>
+                  <a:srgbClr val="000000"/>
+                </a:solidFill>
+                <a:latin typeface="Arial"/>
+              </a:rPr>
+              <a:t>くコ</a:t>
+            </a:r>
+            <a:r>
+              <a:rPr b="0" lang="es-ES" sz="1500" spc="-1" strike="noStrike">
+                <a:solidFill>
+                  <a:srgbClr val="000000"/>
+                </a:solidFill>
+                <a:latin typeface="Arial"/>
+              </a:rPr>
+              <a:t>:</a:t>
+            </a:r>
+            <a:r>
+              <a:rPr b="0" lang="zh-CN" sz="1500" spc="-1" strike="noStrike">
+                <a:solidFill>
+                  <a:srgbClr val="000000"/>
+                </a:solidFill>
+                <a:latin typeface="Arial"/>
+              </a:rPr>
+              <a:t>彡</a:t>
+            </a:r>
+            <a:endParaRPr b="0" lang="es-ES" sz="1500" spc="-1" strike="noStrike">
+              <a:solidFill>
+                <a:srgbClr val="000000"/>
+              </a:solidFill>
+              <a:latin typeface="Arial"/>
+            </a:endParaRPr>
+          </a:p>
+        </p:txBody>
+      </p:sp>
+      <p:sp>
+        <p:nvSpPr>
+          <p:cNvPr id="60" name="PlaceHolder 4"/>
+          <p:cNvSpPr>
+            <a:spLocks noGrp="1"/>
+          </p:cNvSpPr>
+          <p:nvPr>
+            <p:ph/>
+          </p:nvPr>
+        </p:nvSpPr>
+        <p:spPr>
+          <a:xfrm>
+            <a:off x="270000" y="3060000"/>
+            <a:ext cx="8519400" cy="1440000"/>
+          </a:xfrm>
+          <a:prstGeom prst="rect">
+            <a:avLst/>
+          </a:prstGeom>
+          <a:noFill/>
+          <a:ln w="0">
+            <a:noFill/>
+          </a:ln>
+        </p:spPr>
+        <p:txBody>
+          <a:bodyPr lIns="91440" rIns="91440" tIns="91440" bIns="91440" anchor="t">
+            <a:normAutofit/>
+          </a:bodyPr>
+          <a:p>
             <a:pPr indent="0">
               <a:spcBef>
-                <a:spcPts val="1417"/>
-              </a:spcBef>
+                <a:spcPts val="340"/>
+              </a:spcBef>
+              <a:spcAft>
+                <a:spcPts val="142"/>
+              </a:spcAft>
               <a:buNone/>
             </a:pPr>
+            <a:r>
+              <a:rPr b="0" lang="es-ES" sz="1400" spc="-1" strike="noStrike">
+                <a:solidFill>
+                  <a:srgbClr val="000000"/>
+                </a:solidFill>
+                <a:latin typeface="Arial"/>
+                <a:ea typeface="Noto Sans CJK SC"/>
+              </a:rPr>
+              <a:t>Este simple código os da mucho potencial, ya que nos permite saber las páginas que visita. Sabemos perfectamente que páginas ha visitado y con eso podemos:</a:t>
+            </a:r>
+            <a:endParaRPr b="0" lang="es-ES" sz="1400" spc="-1" strike="noStrike">
+              <a:solidFill>
+                <a:srgbClr val="000000"/>
+              </a:solidFill>
+              <a:latin typeface="Arial"/>
+            </a:endParaRPr>
+          </a:p>
+          <a:p>
+            <a:pPr marL="432000" indent="-324000">
+              <a:spcBef>
+                <a:spcPts val="340"/>
+              </a:spcBef>
+              <a:spcAft>
+                <a:spcPts val="142"/>
+              </a:spcAft>
+              <a:buClr>
+                <a:srgbClr val="000000"/>
+              </a:buClr>
+              <a:buSzPct val="45000"/>
+              <a:buFont typeface="Wingdings" charset="2"/>
+              <a:buChar char=""/>
+            </a:pPr>
+            <a:r>
+              <a:rPr b="0" lang="es-ES" sz="1400" spc="-1" strike="noStrike">
+                <a:solidFill>
+                  <a:srgbClr val="000000"/>
+                </a:solidFill>
+                <a:latin typeface="Arial"/>
+                <a:ea typeface="Noto Sans CJK SC"/>
+              </a:rPr>
+              <a:t>Enviarle correos si visita asiduamente una URL interesante.</a:t>
+            </a:r>
+            <a:endParaRPr b="0" lang="es-ES" sz="1400" spc="-1" strike="noStrike">
+              <a:solidFill>
+                <a:srgbClr val="000000"/>
+              </a:solidFill>
+              <a:latin typeface="Arial"/>
+            </a:endParaRPr>
+          </a:p>
+          <a:p>
+            <a:pPr marL="432000" indent="-324000">
+              <a:spcBef>
+                <a:spcPts val="340"/>
+              </a:spcBef>
+              <a:spcAft>
+                <a:spcPts val="142"/>
+              </a:spcAft>
+              <a:buClr>
+                <a:srgbClr val="000000"/>
+              </a:buClr>
+              <a:buSzPct val="45000"/>
+              <a:buFont typeface="Wingdings" charset="2"/>
+              <a:buChar char=""/>
+            </a:pPr>
+            <a:r>
+              <a:rPr b="0" lang="es-ES" sz="1400" spc="-1" strike="noStrike">
+                <a:solidFill>
+                  <a:srgbClr val="000000"/>
+                </a:solidFill>
+                <a:latin typeface="Arial"/>
+                <a:ea typeface="Noto Sans CJK SC"/>
+              </a:rPr>
+              <a:t>Meter puntos en un LeadScoring si visita contenidos categorizados de un determinado tema.</a:t>
+            </a:r>
+            <a:endParaRPr b="0" lang="es-ES" sz="1400" spc="-1" strike="noStrike">
+              <a:solidFill>
+                <a:srgbClr val="000000"/>
+              </a:solidFill>
+              <a:latin typeface="Arial"/>
+            </a:endParaRPr>
+          </a:p>
+          <a:p>
+            <a:pPr marL="432000" indent="-324000">
+              <a:spcBef>
+                <a:spcPts val="340"/>
+              </a:spcBef>
+              <a:spcAft>
+                <a:spcPts val="142"/>
+              </a:spcAft>
+              <a:buClr>
+                <a:srgbClr val="000000"/>
+              </a:buClr>
+              <a:buSzPct val="45000"/>
+              <a:buFont typeface="Wingdings" charset="2"/>
+              <a:buChar char=""/>
+            </a:pPr>
+            <a:r>
+              <a:rPr b="0" lang="es-ES" sz="1400" spc="-1" strike="noStrike">
+                <a:solidFill>
+                  <a:srgbClr val="000000"/>
+                </a:solidFill>
+                <a:latin typeface="Arial"/>
+                <a:ea typeface="Noto Sans CJK SC"/>
+              </a:rPr>
+              <a:t>Sacar contenidos personalizados al visitar ciertos contenidos.</a:t>
+            </a:r>
+            <a:endParaRPr b="0" lang="es-ES" sz="1400" spc="-1" strike="noStrike">
+              <a:solidFill>
+                <a:srgbClr val="000000"/>
+              </a:solidFill>
+              <a:latin typeface="Arial"/>
+            </a:endParaRPr>
+          </a:p>
+        </p:txBody>
+      </p:sp>
+      <p:sp>
+        <p:nvSpPr>
+          <p:cNvPr id="61" name="PlaceHolder 5"/>
+          <p:cNvSpPr>
+            <a:spLocks noGrp="1"/>
+          </p:cNvSpPr>
+          <p:nvPr>
+            <p:ph type="title"/>
+          </p:nvPr>
+        </p:nvSpPr>
+        <p:spPr>
+          <a:xfrm>
+            <a:off x="2340000" y="198360"/>
+            <a:ext cx="6539400" cy="521640"/>
+          </a:xfrm>
+          <a:prstGeom prst="rect">
+            <a:avLst/>
+          </a:prstGeom>
+          <a:noFill/>
+          <a:ln w="0">
+            <a:noFill/>
+          </a:ln>
+        </p:spPr>
+        <p:txBody>
+          <a:bodyPr lIns="91440" rIns="91440" tIns="91440" bIns="91440" anchor="t">
+            <a:normAutofit/>
+          </a:bodyPr>
+          <a:p>
+            <a:pPr indent="0" algn="r">
+              <a:lnSpc>
+                <a:spcPct val="100000"/>
+              </a:lnSpc>
+              <a:spcBef>
+                <a:spcPts val="1191"/>
+              </a:spcBef>
+              <a:spcAft>
+                <a:spcPts val="992"/>
+              </a:spcAft>
+              <a:buNone/>
+              <a:tabLst>
+                <a:tab algn="l" pos="0"/>
+              </a:tabLst>
+            </a:pPr>
+            <a:r>
+              <a:rPr b="1" lang="es-ES" sz="1800" spc="-1" strike="noStrike">
+                <a:solidFill>
+                  <a:srgbClr val="174575"/>
+                </a:solidFill>
+                <a:latin typeface="Arial"/>
+              </a:rPr>
+              <a:t>El código de tracking</a:t>
+            </a:r>
+            <a:r>
+              <a:rPr b="0" lang="es-ES" sz="1800" spc="-1" strike="noStrike">
+                <a:solidFill>
+                  <a:srgbClr val="174575"/>
+                </a:solidFill>
+                <a:latin typeface="Arial"/>
+              </a:rPr>
+              <a:t>❲◣_◢❳</a:t>
+            </a:r>
             <a:endParaRPr b="0" lang="es-ES" sz="1800" spc="-1" strike="noStrike">
               <a:solidFill>
-                <a:srgbClr val="000000"/>
+                <a:srgbClr val="174575"/>
               </a:solidFill>
               <a:latin typeface="Arial"/>
             </a:endParaRPr>
@@ -4615,7 +8465,7 @@
       </p:grpSpPr>
       <p:sp>
         <p:nvSpPr>
-          <p:cNvPr id="48" name="PlaceHolder 1"/>
+          <p:cNvPr id="62" name="PlaceHolder 1"/>
           <p:cNvSpPr>
             <a:spLocks noGrp="1"/>
           </p:cNvSpPr>
@@ -4626,7 +8476,7 @@
         <p:spPr>
           <a:xfrm>
             <a:off x="311760" y="815760"/>
-            <a:ext cx="8519760" cy="522000"/>
+            <a:ext cx="8519400" cy="521640"/>
           </a:xfrm>
           <a:prstGeom prst="rect">
             <a:avLst/>
@@ -4646,26 +8496,29 @@
                 <a:spcPct val="100000"/>
               </a:lnSpc>
               <a:buNone/>
-            </a:pPr>
-            <a:r>
-              <a:rPr b="0" lang="es-ES" sz="1800" spc="-1" strike="noStrike">
-                <a:solidFill>
-                  <a:srgbClr val="000000"/>
-                </a:solidFill>
-                <a:latin typeface="Arial"/>
-              </a:rPr>
-              <a:t>❲</a:t>
-            </a:r>
-            <a:r>
-              <a:rPr b="0" lang="es-ES" sz="1800" spc="-1" strike="noStrike">
-                <a:solidFill>
-                  <a:srgbClr val="000000"/>
-                </a:solidFill>
-                <a:latin typeface="Arial"/>
-              </a:rPr>
-              <a:t>˚∆˚❳</a:t>
-            </a:r>
-            <a:endParaRPr b="0" lang="es-ES" sz="1800" spc="-1" strike="noStrike">
+              <a:tabLst>
+                <a:tab algn="l" pos="0"/>
+              </a:tabLst>
+            </a:pPr>
+            <a:r>
+              <a:rPr b="1" lang="es-ES" sz="1500" spc="-1" strike="noStrike">
+                <a:solidFill>
+                  <a:srgbClr val="000000"/>
+                </a:solidFill>
+                <a:latin typeface="Arial"/>
+              </a:rPr>
+              <a:t>Caso práctico</a:t>
+            </a:r>
+            <a:r>
+              <a:rPr b="0" lang="es-ES" sz="1500" spc="-1" strike="noStrike">
+                <a:solidFill>
+                  <a:srgbClr val="000000"/>
+                </a:solidFill>
+                <a:latin typeface="Arial"/>
+              </a:rPr>
+              <a:t>❲˚∆˚❳</a:t>
+            </a:r>
+            <a:endParaRPr b="0" lang="es-ES" sz="1500" spc="-1" strike="noStrike">
               <a:solidFill>
                 <a:srgbClr val="000000"/>
               </a:solidFill>
@@ -4676,7 +8529,286 @@
       </p:sp>
       <p:sp>
         <p:nvSpPr>
-          <p:cNvPr id="49" name="PlaceHolder 2"/>
+          <p:cNvPr id="63" name=""/>
+          <p:cNvSpPr txBox="1"/>
+          <p:nvPr/>
+        </p:nvSpPr>
+        <p:spPr>
+          <a:xfrm>
+            <a:off x="360000" y="1260000"/>
+            <a:ext cx="3780000" cy="2880000"/>
+          </a:xfrm>
+          <a:prstGeom prst="rect">
+            <a:avLst/>
+          </a:prstGeom>
+          <a:noFill/>
+          <a:ln w="0">
+            <a:noFill/>
+          </a:ln>
+        </p:spPr>
+        <p:txBody>
+          <a:bodyPr lIns="90000" rIns="90000" tIns="45000" bIns="45000" anchor="t">
+            <a:noAutofit/>
+          </a:bodyPr>
+          <a:p>
+            <a:r>
+              <a:rPr b="0" lang="es-ES" sz="1400" spc="-1" strike="noStrike">
+                <a:solidFill>
+                  <a:srgbClr val="000000"/>
+                </a:solidFill>
+                <a:latin typeface="Arial"/>
+              </a:rPr>
+              <a:t>Todos los enlaces en LinkedIn tienen unos parámetros «UTM» que les marca como que vienen de </a:t>
+            </a:r>
+            <a:r>
+              <a:rPr b="0" lang="es-ES" sz="1400" spc="-1" strike="noStrike">
+                <a:solidFill>
+                  <a:srgbClr val="000000"/>
+                </a:solidFill>
+                <a:latin typeface="Arial"/>
+              </a:rPr>
+              <a:t>LinkedIn. Si el código detecta un usuario que visita una página tiene esos parámetros «UTM», le mete </a:t>
+            </a:r>
+            <a:r>
+              <a:rPr b="0" lang="es-ES" sz="1400" spc="-1" strike="noStrike">
+                <a:solidFill>
+                  <a:srgbClr val="000000"/>
+                </a:solidFill>
+                <a:latin typeface="Arial"/>
+              </a:rPr>
+              <a:t>una etiqueta «usuario-linkedin». </a:t>
+            </a:r>
+            <a:endParaRPr b="0" lang="es-ES" sz="1400" spc="-1" strike="noStrike">
+              <a:solidFill>
+                <a:srgbClr val="000000"/>
+              </a:solidFill>
+              <a:latin typeface="Arial"/>
+            </a:endParaRPr>
+          </a:p>
+          <a:p>
+            <a:r>
+              <a:rPr b="0" lang="es-ES" sz="1400" spc="-1" strike="noStrike">
+                <a:solidFill>
+                  <a:srgbClr val="000000"/>
+                </a:solidFill>
+                <a:latin typeface="Arial"/>
+              </a:rPr>
+              <a:t>Esa etiqueta la usamos luego para tener listados de emails para crear audiencias en LinkedIn y para </a:t>
+            </a:r>
+            <a:r>
+              <a:rPr b="0" lang="es-ES" sz="1400" spc="-1" strike="noStrike">
+                <a:solidFill>
+                  <a:srgbClr val="000000"/>
+                </a:solidFill>
+                <a:latin typeface="Arial"/>
+              </a:rPr>
+              <a:t>mandar campañas para promocionar LinkedIn, pidiéndoles que den me gusta y compartan.</a:t>
+            </a:r>
+            <a:endParaRPr b="0" lang="es-ES" sz="1400" spc="-1" strike="noStrike">
+              <a:solidFill>
+                <a:srgbClr val="000000"/>
+              </a:solidFill>
+              <a:latin typeface="Arial"/>
+            </a:endParaRPr>
+          </a:p>
+        </p:txBody>
+      </p:sp>
+      <p:sp>
+        <p:nvSpPr>
+          <p:cNvPr id="64" name="PlaceHolder 2"/>
+          <p:cNvSpPr>
+            <a:spLocks noGrp="1"/>
+          </p:cNvSpPr>
+          <p:nvPr>
+            <p:ph type="title"/>
+          </p:nvPr>
+        </p:nvSpPr>
+        <p:spPr>
+          <a:xfrm>
+            <a:off x="2340360" y="198720"/>
+            <a:ext cx="6539400" cy="521640"/>
+          </a:xfrm>
+          <a:prstGeom prst="rect">
+            <a:avLst/>
+          </a:prstGeom>
+          <a:noFill/>
+          <a:ln w="0">
+            <a:noFill/>
+          </a:ln>
+        </p:spPr>
+        <p:txBody>
+          <a:bodyPr lIns="91440" rIns="91440" tIns="91440" bIns="91440" anchor="t">
+            <a:normAutofit/>
+          </a:bodyPr>
+          <a:p>
+            <a:pPr indent="0" algn="r">
+              <a:lnSpc>
+                <a:spcPct val="100000"/>
+              </a:lnSpc>
+              <a:spcBef>
+                <a:spcPts val="1191"/>
+              </a:spcBef>
+              <a:spcAft>
+                <a:spcPts val="992"/>
+              </a:spcAft>
+              <a:buNone/>
+              <a:tabLst>
+                <a:tab algn="l" pos="0"/>
+              </a:tabLst>
+            </a:pPr>
+            <a:r>
+              <a:rPr b="1" lang="es-ES" sz="1800" spc="-1" strike="noStrike">
+                <a:solidFill>
+                  <a:srgbClr val="174575"/>
+                </a:solidFill>
+                <a:latin typeface="Arial"/>
+              </a:rPr>
+              <a:t>El código de tracking</a:t>
+            </a:r>
+            <a:r>
+              <a:rPr b="0" lang="es-ES" sz="1800" spc="-1" strike="noStrike">
+                <a:solidFill>
+                  <a:srgbClr val="174575"/>
+                </a:solidFill>
+                <a:latin typeface="Arial"/>
+              </a:rPr>
+              <a:t>❲◣_◢❳</a:t>
+            </a:r>
+            <a:endParaRPr b="0" lang="es-ES" sz="1800" spc="-1" strike="noStrike">
+              <a:solidFill>
+                <a:srgbClr val="174575"/>
+              </a:solidFill>
+              <a:latin typeface="Arial"/>
+            </a:endParaRPr>
+          </a:p>
+        </p:txBody>
+      </p:sp>
+      <p:pic>
+        <p:nvPicPr>
+          <p:cNvPr id="65" name="" descr=""/>
+          <p:cNvPicPr/>
+          <p:nvPr/>
+        </p:nvPicPr>
+        <p:blipFill>
+          <a:blip r:embed="rId1"/>
+          <a:stretch/>
+        </p:blipFill>
+        <p:spPr>
+          <a:xfrm>
+            <a:off x="5040000" y="1383120"/>
+            <a:ext cx="3621960" cy="1525320"/>
+          </a:xfrm>
+          <a:prstGeom prst="rect">
+            <a:avLst/>
+          </a:prstGeom>
+          <a:ln w="0">
+            <a:noFill/>
+          </a:ln>
+        </p:spPr>
+      </p:pic>
+    </p:spTree>
+  </p:cSld>
+  <mc:AlternateContent>
+    <mc:Choice Requires="p14">
+      <p:transition spd="slow" p14:dur="2000"/>
+    </mc:Choice>
+    <mc:Fallback>
+      <p:transition spd="slow"/>
+    </mc:Fallback>
+  </mc:AlternateContent>
+</p:sld>
+</file>
+
+<file path=ppt/slides/slide8.xml><?xml version="1.0" encoding="utf-8"?>
+<p:sld xmlns:a="http://schemas.openxmlformats.org/drawingml/2006/main" xmlns:p="http://schemas.openxmlformats.org/presentationml/2006/main" xmlns:r="http://schemas.openxmlformats.org/officeDocument/2006/relationships" xmlns:p14="http://schemas.microsoft.com/office/powerpoint/2010/main" xmlns:p15="http://schemas.microsoft.com/office/powerpoint/2012/main" xmlns:mc="http://schemas.openxmlformats.org/markup-compatibility/2006">
+  <p:cSld>
+    <p:spTree>
+      <p:nvGrpSpPr>
+        <p:cNvPr id="1" name=""/>
+        <p:cNvGrpSpPr/>
+        <p:nvPr/>
+      </p:nvGrpSpPr>
+      <p:grpSpPr>
+        <a:xfrm>
+          <a:off x="0" y="0"/>
+          <a:ext cx="0" cy="0"/>
+          <a:chOff x="0" y="0"/>
+          <a:chExt cx="0" cy="0"/>
+        </a:xfrm>
+      </p:grpSpPr>
+      <p:sp>
+        <p:nvSpPr>
+          <p:cNvPr id="66" name="PlaceHolder 1"/>
+          <p:cNvSpPr>
+            <a:spLocks noGrp="1"/>
+          </p:cNvSpPr>
+          <p:nvPr>
+            <p:ph type="title"/>
+          </p:nvPr>
+        </p:nvSpPr>
+        <p:spPr>
+          <a:xfrm>
+            <a:off x="2328840" y="294120"/>
+            <a:ext cx="6491160" cy="521640"/>
+          </a:xfrm>
+          <a:prstGeom prst="rect">
+            <a:avLst/>
+          </a:prstGeom>
+          <a:noFill/>
+          <a:ln w="0">
+            <a:noFill/>
+          </a:ln>
+        </p:spPr>
+        <p:txBody>
+          <a:bodyPr lIns="91440" rIns="91440" tIns="91440" bIns="91440" anchor="t">
+            <a:normAutofit/>
+          </a:bodyPr>
+          <a:p>
+            <a:pPr indent="0" algn="r">
+              <a:lnSpc>
+                <a:spcPct val="100000"/>
+              </a:lnSpc>
+              <a:spcBef>
+                <a:spcPts val="1191"/>
+              </a:spcBef>
+              <a:spcAft>
+                <a:spcPts val="992"/>
+              </a:spcAft>
+              <a:buNone/>
+              <a:tabLst>
+                <a:tab algn="l" pos="0"/>
+              </a:tabLst>
+            </a:pPr>
+            <a:r>
+              <a:rPr b="1" lang="es-ES" sz="1800" spc="-1" strike="noStrike">
+                <a:solidFill>
+                  <a:srgbClr val="000000"/>
+                </a:solidFill>
+                <a:latin typeface="Arial"/>
+              </a:rPr>
+              <a:t>URL de tracking de clics</a:t>
+            </a:r>
+            <a:r>
+              <a:rPr b="0" lang="es-ES" sz="1800" spc="-1" strike="noStrike">
+                <a:solidFill>
+                  <a:srgbClr val="000000"/>
+                </a:solidFill>
+                <a:latin typeface="Arial"/>
+              </a:rPr>
+              <a:t> ♫♪.ılılıll|̲̅̅●̲̅̅|̲̅̅=̲̅̅|̲̅̅●̲̅̅|llılılı.♫♪</a:t>
+            </a:r>
+            <a:endParaRPr b="0" lang="es-ES" sz="1800" spc="-1" strike="noStrike">
+              <a:solidFill>
+                <a:srgbClr val="000000"/>
+              </a:solidFill>
+              <a:latin typeface="Arial"/>
+            </a:endParaRPr>
+          </a:p>
+        </p:txBody>
+      </p:sp>
+      <p:sp>
+        <p:nvSpPr>
+          <p:cNvPr id="67" name="PlaceHolder 2"/>
           <p:cNvSpPr>
             <a:spLocks noGrp="1"/>
           </p:cNvSpPr>
@@ -4687,7 +8819,150 @@
         <p:spPr>
           <a:xfrm>
             <a:off x="311760" y="1461600"/>
-            <a:ext cx="8519760" cy="3117600"/>
+            <a:ext cx="8519400" cy="3117240"/>
+          </a:xfrm>
+          <a:prstGeom prst="rect">
+            <a:avLst/>
+          </a:prstGeom>
+          <a:noFill/>
+          <a:ln w="0">
+            <a:noFill/>
+          </a:ln>
+        </p:spPr>
+        <p:txBody>
+          <a:bodyPr lIns="91440" rIns="91440" tIns="91440" bIns="91440" anchor="t">
+            <a:normAutofit/>
+          </a:bodyPr>
+          <a:p>
+            <a:pPr indent="0">
+              <a:spcBef>
+                <a:spcPts val="1417"/>
+              </a:spcBef>
+              <a:buNone/>
+            </a:pPr>
+            <a:endParaRPr b="0" lang="es-ES" sz="1800" spc="-1" strike="noStrike">
+              <a:solidFill>
+                <a:srgbClr val="000000"/>
+              </a:solidFill>
+              <a:latin typeface="Arial"/>
+            </a:endParaRPr>
+          </a:p>
+        </p:txBody>
+      </p:sp>
+    </p:spTree>
+  </p:cSld>
+  <mc:AlternateContent>
+    <mc:Choice Requires="p14">
+      <p:transition spd="slow" p14:dur="2000"/>
+    </mc:Choice>
+    <mc:Fallback>
+      <p:transition spd="slow"/>
+    </mc:Fallback>
+  </mc:AlternateContent>
+</p:sld>
+</file>
+
+<file path=ppt/slides/slide9.xml><?xml version="1.0" encoding="utf-8"?>
+<p:sld xmlns:a="http://schemas.openxmlformats.org/drawingml/2006/main" xmlns:p="http://schemas.openxmlformats.org/presentationml/2006/main" xmlns:r="http://schemas.openxmlformats.org/officeDocument/2006/relationships" xmlns:p14="http://schemas.microsoft.com/office/powerpoint/2010/main" xmlns:p15="http://schemas.microsoft.com/office/powerpoint/2012/main" xmlns:mc="http://schemas.openxmlformats.org/markup-compatibility/2006">
+  <p:cSld>
+    <p:spTree>
+      <p:nvGrpSpPr>
+        <p:cNvPr id="1" name=""/>
+        <p:cNvGrpSpPr/>
+        <p:nvPr/>
+      </p:nvGrpSpPr>
+      <p:grpSpPr>
+        <a:xfrm>
+          <a:off x="0" y="0"/>
+          <a:ext cx="0" cy="0"/>
+          <a:chOff x="0" y="0"/>
+          <a:chExt cx="0" cy="0"/>
+        </a:xfrm>
+      </p:grpSpPr>
+      <p:sp>
+        <p:nvSpPr>
+          <p:cNvPr id="68" name="PlaceHolder 1"/>
+          <p:cNvSpPr>
+            <a:spLocks noGrp="1"/>
+          </p:cNvSpPr>
+          <p:nvPr>
+            <p:ph type="title"/>
+          </p:nvPr>
+        </p:nvSpPr>
+        <p:spPr>
+          <a:xfrm>
+            <a:off x="2520000" y="294120"/>
+            <a:ext cx="6311160" cy="521640"/>
+          </a:xfrm>
+          <a:prstGeom prst="rect">
+            <a:avLst/>
+          </a:prstGeom>
+          <a:noFill/>
+          <a:ln w="0">
+            <a:noFill/>
+          </a:ln>
+        </p:spPr>
+        <p:txBody>
+          <a:bodyPr lIns="91440" rIns="91440" tIns="91440" bIns="91440" anchor="t">
+            <a:normAutofit/>
+          </a:bodyPr>
+          <a:p>
+            <a:pPr indent="0" algn="r">
+              <a:lnSpc>
+                <a:spcPct val="100000"/>
+              </a:lnSpc>
+              <a:spcBef>
+                <a:spcPts val="1191"/>
+              </a:spcBef>
+              <a:spcAft>
+                <a:spcPts val="992"/>
+              </a:spcAft>
+              <a:buNone/>
+              <a:tabLst>
+                <a:tab algn="l" pos="0"/>
+              </a:tabLst>
+            </a:pPr>
+            <a:r>
+              <a:rPr b="1" lang="es-ES" sz="1800" spc="-1" strike="noStrike">
+                <a:solidFill>
+                  <a:srgbClr val="000000"/>
+                </a:solidFill>
+                <a:latin typeface="Arial"/>
+              </a:rPr>
+              <a:t>Conexión directa a la API o crear un middleware</a:t>
+            </a:r>
+            <a:r>
+              <a:rPr b="0" lang="es-ES" sz="1800" spc="-1" strike="noStrike">
+                <a:solidFill>
+                  <a:srgbClr val="000000"/>
+                </a:solidFill>
+                <a:latin typeface="Arial"/>
+              </a:rPr>
+              <a:t> c[_]</a:t>
+            </a:r>
+            <a:endParaRPr b="0" lang="es-ES" sz="1800" spc="-1" strike="noStrike">
+              <a:solidFill>
+                <a:srgbClr val="000000"/>
+              </a:solidFill>
+              <a:latin typeface="Arial"/>
+            </a:endParaRPr>
+          </a:p>
+        </p:txBody>
+      </p:sp>
+      <p:sp>
+        <p:nvSpPr>
+          <p:cNvPr id="69" name="PlaceHolder 2"/>
+          <p:cNvSpPr>
+            <a:spLocks noGrp="1"/>
+          </p:cNvSpPr>
+          <p:nvPr>
+            <p:ph/>
+          </p:nvPr>
+        </p:nvSpPr>
+        <p:spPr>
+          <a:xfrm>
+            <a:off x="311760" y="1461600"/>
+            <a:ext cx="8519400" cy="3117240"/>
           </a:xfrm>
           <a:prstGeom prst="rect">
             <a:avLst/>
@@ -4774,13 +9049,13 @@
     <a:fontScheme name="Office">
       <a:majorFont>
         <a:latin typeface="Arial" pitchFamily="0" charset="1"/>
-        <a:ea typeface=""/>
-        <a:cs typeface=""/>
+        <a:ea typeface="DejaVu Sans" pitchFamily="0" charset="1"/>
+        <a:cs typeface="DejaVu Sans" pitchFamily="0" charset="1"/>
       </a:majorFont>
       <a:minorFont>
         <a:latin typeface="Arial" pitchFamily="0" charset="1"/>
-        <a:ea typeface=""/>
-        <a:cs typeface=""/>
+        <a:ea typeface="DejaVu Sans" pitchFamily="0" charset="1"/>
+        <a:cs typeface="DejaVu Sans" pitchFamily="0" charset="1"/>
       </a:minorFont>
     </a:fontScheme>
     <a:fmtScheme>
@@ -4788,55 +9063,25 @@
         <a:solidFill>
           <a:schemeClr val="phClr"/>
         </a:solidFill>
-        <a:gradFill>
-          <a:gsLst>
-            <a:gs pos="0">
-              <a:schemeClr val="phClr">
-                <a:tint val="50000"/>
-              </a:schemeClr>
-            </a:gs>
-            <a:gs pos="35000">
-              <a:schemeClr val="phClr">
-                <a:tint val="37000"/>
-              </a:schemeClr>
-            </a:gs>
-            <a:gs pos="100000">
-              <a:schemeClr val="phClr">
-                <a:tint val="15000"/>
-              </a:schemeClr>
-            </a:gs>
-          </a:gsLst>
-          <a:lin ang="16200000" scaled="1"/>
-          <a:tileRect l="0" t="0" r="0" b="0"/>
-        </a:gradFill>
-        <a:gradFill>
-          <a:gsLst>
-            <a:gs pos="0">
-              <a:schemeClr val="phClr">
-                <a:tint val="100000"/>
-                <a:shade val="100000"/>
-              </a:schemeClr>
-            </a:gs>
-            <a:gs pos="100000">
-              <a:schemeClr val="phClr">
-                <a:tint val="50000"/>
-                <a:shade val="100000"/>
-              </a:schemeClr>
-            </a:gs>
-          </a:gsLst>
-          <a:lin ang="16200000" scaled="0"/>
-          <a:tileRect l="0" t="0" r="0" b="0"/>
-        </a:gradFill>
+        <a:solidFill>
+          <a:schemeClr val="phClr"/>
+        </a:solidFill>
+        <a:solidFill>
+          <a:schemeClr val="phClr"/>
+        </a:solidFill>
       </a:fillStyleLst>
       <a:lnStyleLst>
-        <a:ln w="9525" cap="flat" cmpd="sng" algn="ctr">
+        <a:ln w="6350" cap="flat" cmpd="sng" algn="ctr">
           <a:prstDash val="solid"/>
+          <a:miter/>
         </a:ln>
-        <a:ln w="25400" cap="flat" cmpd="sng" algn="ctr">
+        <a:ln w="6350" cap="flat" cmpd="sng" algn="ctr">
           <a:prstDash val="solid"/>
+          <a:miter/>
         </a:ln>
-        <a:ln w="38100" cap="flat" cmpd="sng" algn="ctr">
+        <a:ln w="6350" cap="flat" cmpd="sng" algn="ctr">
           <a:prstDash val="solid"/>
+          <a:miter/>
         </a:ln>
       </a:lnStyleLst>
       <a:effectStyleLst>
@@ -4854,48 +9099,12 @@
         <a:solidFill>
           <a:schemeClr val="phClr"/>
         </a:solidFill>
-        <a:gradFill>
-          <a:gsLst>
-            <a:gs pos="0">
-              <a:schemeClr val="phClr">
-                <a:tint val="40000"/>
-              </a:schemeClr>
-            </a:gs>
-            <a:gs pos="40000">
-              <a:schemeClr val="phClr">
-                <a:tint val="45000"/>
-                <a:shade val="99000"/>
-              </a:schemeClr>
-            </a:gs>
-            <a:gs pos="100000">
-              <a:schemeClr val="phClr">
-                <a:shade val="20000"/>
-              </a:schemeClr>
-            </a:gs>
-          </a:gsLst>
-          <a:path path="circle">
-            <a:fillToRect l="50000" t="-80000" r="50000" b="180000"/>
-          </a:path>
-          <a:tileRect l="0" t="0" r="0" b="0"/>
-        </a:gradFill>
-        <a:gradFill>
-          <a:gsLst>
-            <a:gs pos="0">
-              <a:schemeClr val="phClr">
-                <a:tint val="80000"/>
-              </a:schemeClr>
-            </a:gs>
-            <a:gs pos="100000">
-              <a:schemeClr val="phClr">
-                <a:shade val="30000"/>
-              </a:schemeClr>
-            </a:gs>
-          </a:gsLst>
-          <a:path path="circle">
-            <a:fillToRect l="50000" t="50000" r="50000" b="50000"/>
-          </a:path>
-          <a:tileRect l="0" t="0" r="0" b="0"/>
-        </a:gradFill>
+        <a:solidFill>
+          <a:schemeClr val="phClr"/>
+        </a:solidFill>
+        <a:solidFill>
+          <a:schemeClr val="phClr"/>
+        </a:solidFill>
       </a:bgFillStyleLst>
     </a:fmtScheme>
   </a:themeElements>
@@ -4946,13 +9155,13 @@
     <a:fontScheme name="Office">
       <a:majorFont>
         <a:latin typeface="Arial" pitchFamily="0" charset="1"/>
-        <a:ea typeface=""/>
-        <a:cs typeface=""/>
+        <a:ea typeface="DejaVu Sans" pitchFamily="0" charset="1"/>
+        <a:cs typeface="DejaVu Sans" pitchFamily="0" charset="1"/>
       </a:majorFont>
       <a:minorFont>
         <a:latin typeface="Arial" pitchFamily="0" charset="1"/>
-        <a:ea typeface=""/>
-        <a:cs typeface=""/>
+        <a:ea typeface="DejaVu Sans" pitchFamily="0" charset="1"/>
+        <a:cs typeface="DejaVu Sans" pitchFamily="0" charset="1"/>
       </a:minorFont>
     </a:fontScheme>
     <a:fmtScheme>
@@ -4960,55 +9169,25 @@
         <a:solidFill>
           <a:schemeClr val="phClr"/>
         </a:solidFill>
-        <a:gradFill>
-          <a:gsLst>
-            <a:gs pos="0">
-              <a:schemeClr val="phClr">
-                <a:tint val="50000"/>
-              </a:schemeClr>
-            </a:gs>
-            <a:gs pos="35000">
-              <a:schemeClr val="phClr">
-                <a:tint val="37000"/>
-              </a:schemeClr>
-            </a:gs>
-            <a:gs pos="100000">
-              <a:schemeClr val="phClr">
-                <a:tint val="15000"/>
-              </a:schemeClr>
-            </a:gs>
-          </a:gsLst>
-          <a:lin ang="16200000" scaled="1"/>
-          <a:tileRect l="0" t="0" r="0" b="0"/>
-        </a:gradFill>
-        <a:gradFill>
-          <a:gsLst>
-            <a:gs pos="0">
-              <a:schemeClr val="phClr">
-                <a:tint val="100000"/>
-                <a:shade val="100000"/>
-              </a:schemeClr>
-            </a:gs>
-            <a:gs pos="100000">
-              <a:schemeClr val="phClr">
-                <a:tint val="50000"/>
-                <a:shade val="100000"/>
-              </a:schemeClr>
-            </a:gs>
-          </a:gsLst>
-          <a:lin ang="16200000" scaled="0"/>
-          <a:tileRect l="0" t="0" r="0" b="0"/>
-        </a:gradFill>
+        <a:solidFill>
+          <a:schemeClr val="phClr"/>
+        </a:solidFill>
+        <a:solidFill>
+          <a:schemeClr val="phClr"/>
+        </a:solidFill>
       </a:fillStyleLst>
       <a:lnStyleLst>
-        <a:ln w="9525" cap="flat" cmpd="sng" algn="ctr">
+        <a:ln w="6350" cap="flat" cmpd="sng" algn="ctr">
           <a:prstDash val="solid"/>
+          <a:miter/>
         </a:ln>
-        <a:ln w="25400" cap="flat" cmpd="sng" algn="ctr">
+        <a:ln w="6350" cap="flat" cmpd="sng" algn="ctr">
           <a:prstDash val="solid"/>
+          <a:miter/>
         </a:ln>
-        <a:ln w="38100" cap="flat" cmpd="sng" algn="ctr">
+        <a:ln w="6350" cap="flat" cmpd="sng" algn="ctr">
           <a:prstDash val="solid"/>
+          <a:miter/>
         </a:ln>
       </a:lnStyleLst>
       <a:effectStyleLst>
@@ -5026,48 +9205,12 @@
         <a:solidFill>
           <a:schemeClr val="phClr"/>
         </a:solidFill>
-        <a:gradFill>
-          <a:gsLst>
-            <a:gs pos="0">
-              <a:schemeClr val="phClr">
-                <a:tint val="40000"/>
-              </a:schemeClr>
-            </a:gs>
-            <a:gs pos="40000">
-              <a:schemeClr val="phClr">
-                <a:tint val="45000"/>
-                <a:shade val="99000"/>
-              </a:schemeClr>
-            </a:gs>
-            <a:gs pos="100000">
-              <a:schemeClr val="phClr">
-                <a:shade val="20000"/>
-              </a:schemeClr>
-            </a:gs>
-          </a:gsLst>
-          <a:path path="circle">
-            <a:fillToRect l="50000" t="-80000" r="50000" b="180000"/>
-          </a:path>
-          <a:tileRect l="0" t="0" r="0" b="0"/>
-        </a:gradFill>
-        <a:gradFill>
-          <a:gsLst>
-            <a:gs pos="0">
-              <a:schemeClr val="phClr">
-                <a:tint val="80000"/>
-              </a:schemeClr>
-            </a:gs>
-            <a:gs pos="100000">
-              <a:schemeClr val="phClr">
-                <a:shade val="30000"/>
-              </a:schemeClr>
-            </a:gs>
-          </a:gsLst>
-          <a:path path="circle">
-            <a:fillToRect l="50000" t="50000" r="50000" b="50000"/>
-          </a:path>
-          <a:tileRect l="0" t="0" r="0" b="0"/>
-        </a:gradFill>
+        <a:solidFill>
+          <a:schemeClr val="phClr"/>
+        </a:solidFill>
+        <a:solidFill>
+          <a:schemeClr val="phClr"/>
+        </a:solidFill>
       </a:bgFillStyleLst>
     </a:fmtScheme>
   </a:themeElements>
@@ -5118,13 +9261,13 @@
     <a:fontScheme name="Office">
       <a:majorFont>
         <a:latin typeface="Arial" pitchFamily="0" charset="1"/>
-        <a:ea typeface=""/>
-        <a:cs typeface=""/>
+        <a:ea typeface="DejaVu Sans" pitchFamily="0" charset="1"/>
+        <a:cs typeface="DejaVu Sans" pitchFamily="0" charset="1"/>
       </a:majorFont>
       <a:minorFont>
         <a:latin typeface="Arial" pitchFamily="0" charset="1"/>
-        <a:ea typeface=""/>
-        <a:cs typeface=""/>
+        <a:ea typeface="DejaVu Sans" pitchFamily="0" charset="1"/>
+        <a:cs typeface="DejaVu Sans" pitchFamily="0" charset="1"/>
       </a:minorFont>
     </a:fontScheme>
     <a:fmtScheme>
@@ -5132,55 +9275,25 @@
         <a:solidFill>
           <a:schemeClr val="phClr"/>
         </a:solidFill>
-        <a:gradFill>
-          <a:gsLst>
-            <a:gs pos="0">
-              <a:schemeClr val="phClr">
-                <a:tint val="50000"/>
-              </a:schemeClr>
-            </a:gs>
-            <a:gs pos="35000">
-              <a:schemeClr val="phClr">
-                <a:tint val="37000"/>
-              </a:schemeClr>
-            </a:gs>
-            <a:gs pos="100000">
-              <a:schemeClr val="phClr">
-                <a:tint val="15000"/>
-              </a:schemeClr>
-            </a:gs>
-          </a:gsLst>
-          <a:lin ang="16200000" scaled="1"/>
-          <a:tileRect l="0" t="0" r="0" b="0"/>
-        </a:gradFill>
-        <a:gradFill>
-          <a:gsLst>
-            <a:gs pos="0">
-              <a:schemeClr val="phClr">
-                <a:tint val="100000"/>
-                <a:shade val="100000"/>
-              </a:schemeClr>
-            </a:gs>
-            <a:gs pos="100000">
-              <a:schemeClr val="phClr">
-                <a:tint val="50000"/>
-                <a:shade val="100000"/>
-              </a:schemeClr>
-            </a:gs>
-          </a:gsLst>
-          <a:lin ang="16200000" scaled="0"/>
-          <a:tileRect l="0" t="0" r="0" b="0"/>
-        </a:gradFill>
+        <a:solidFill>
+          <a:schemeClr val="phClr"/>
+        </a:solidFill>
+        <a:solidFill>
+          <a:schemeClr val="phClr"/>
+        </a:solidFill>
       </a:fillStyleLst>
       <a:lnStyleLst>
-        <a:ln w="9525" cap="flat" cmpd="sng" algn="ctr">
+        <a:ln w="6350" cap="flat" cmpd="sng" algn="ctr">
           <a:prstDash val="solid"/>
+          <a:miter/>
         </a:ln>
-        <a:ln w="25400" cap="flat" cmpd="sng" algn="ctr">
+        <a:ln w="6350" cap="flat" cmpd="sng" algn="ctr">
           <a:prstDash val="solid"/>
+          <a:miter/>
         </a:ln>
-        <a:ln w="38100" cap="flat" cmpd="sng" algn="ctr">
+        <a:ln w="6350" cap="flat" cmpd="sng" algn="ctr">
           <a:prstDash val="solid"/>
+          <a:miter/>
         </a:ln>
       </a:lnStyleLst>
       <a:effectStyleLst>
@@ -5198,48 +9311,12 @@
         <a:solidFill>
           <a:schemeClr val="phClr"/>
         </a:solidFill>
-        <a:gradFill>
-          <a:gsLst>
-            <a:gs pos="0">
-              <a:schemeClr val="phClr">
-                <a:tint val="40000"/>
-              </a:schemeClr>
-            </a:gs>
-            <a:gs pos="40000">
-              <a:schemeClr val="phClr">
-                <a:tint val="45000"/>
-                <a:shade val="99000"/>
-              </a:schemeClr>
-            </a:gs>
-            <a:gs pos="100000">
-              <a:schemeClr val="phClr">
-                <a:shade val="20000"/>
-              </a:schemeClr>
-            </a:gs>
-          </a:gsLst>
-          <a:path path="circle">
-            <a:fillToRect l="50000" t="-80000" r="50000" b="180000"/>
-          </a:path>
-          <a:tileRect l="0" t="0" r="0" b="0"/>
-        </a:gradFill>
-        <a:gradFill>
-          <a:gsLst>
-            <a:gs pos="0">
-              <a:schemeClr val="phClr">
-                <a:tint val="80000"/>
-              </a:schemeClr>
-            </a:gs>
-            <a:gs pos="100000">
-              <a:schemeClr val="phClr">
-                <a:shade val="30000"/>
-              </a:schemeClr>
-            </a:gs>
-          </a:gsLst>
-          <a:path path="circle">
-            <a:fillToRect l="50000" t="50000" r="50000" b="50000"/>
-          </a:path>
-          <a:tileRect l="0" t="0" r="0" b="0"/>
-        </a:gradFill>
+        <a:solidFill>
+          <a:schemeClr val="phClr"/>
+        </a:solidFill>
+        <a:solidFill>
+          <a:schemeClr val="phClr"/>
+        </a:solidFill>
       </a:bgFillStyleLst>
     </a:fmtScheme>
   </a:themeElements>
@@ -5290,13 +9367,13 @@
     <a:fontScheme name="Office">
       <a:majorFont>
         <a:latin typeface="Arial" pitchFamily="0" charset="1"/>
-        <a:ea typeface=""/>
-        <a:cs typeface=""/>
+        <a:ea typeface="DejaVu Sans" pitchFamily="0" charset="1"/>
+        <a:cs typeface="DejaVu Sans" pitchFamily="0" charset="1"/>
       </a:majorFont>
       <a:minorFont>
         <a:latin typeface="Arial" pitchFamily="0" charset="1"/>
-        <a:ea typeface=""/>
-        <a:cs typeface=""/>
+        <a:ea typeface="DejaVu Sans" pitchFamily="0" charset="1"/>
+        <a:cs typeface="DejaVu Sans" pitchFamily="0" charset="1"/>
       </a:minorFont>
     </a:fontScheme>
     <a:fmtScheme>
@@ -5304,55 +9381,25 @@
         <a:solidFill>
           <a:schemeClr val="phClr"/>
         </a:solidFill>
-        <a:gradFill>
-          <a:gsLst>
-            <a:gs pos="0">
-              <a:schemeClr val="phClr">
-                <a:tint val="50000"/>
-              </a:schemeClr>
-            </a:gs>
-            <a:gs pos="35000">
-              <a:schemeClr val="phClr">
-                <a:tint val="37000"/>
-              </a:schemeClr>
-            </a:gs>
-            <a:gs pos="100000">
-              <a:schemeClr val="phClr">
-                <a:tint val="15000"/>
-              </a:schemeClr>
-            </a:gs>
-          </a:gsLst>
-          <a:lin ang="16200000" scaled="1"/>
-          <a:tileRect l="0" t="0" r="0" b="0"/>
-        </a:gradFill>
-        <a:gradFill>
-          <a:gsLst>
-            <a:gs pos="0">
-              <a:schemeClr val="phClr">
-                <a:tint val="100000"/>
-                <a:shade val="100000"/>
-              </a:schemeClr>
-            </a:gs>
-            <a:gs pos="100000">
-              <a:schemeClr val="phClr">
-                <a:tint val="50000"/>
-                <a:shade val="100000"/>
-              </a:schemeClr>
-            </a:gs>
-          </a:gsLst>
-          <a:lin ang="16200000" scaled="0"/>
-          <a:tileRect l="0" t="0" r="0" b="0"/>
-        </a:gradFill>
+        <a:solidFill>
+          <a:schemeClr val="phClr"/>
+        </a:solidFill>
+        <a:solidFill>
+          <a:schemeClr val="phClr"/>
+        </a:solidFill>
       </a:fillStyleLst>
       <a:lnStyleLst>
-        <a:ln w="9525" cap="flat" cmpd="sng" algn="ctr">
+        <a:ln w="6350" cap="flat" cmpd="sng" algn="ctr">
           <a:prstDash val="solid"/>
+          <a:miter/>
         </a:ln>
-        <a:ln w="25400" cap="flat" cmpd="sng" algn="ctr">
+        <a:ln w="6350" cap="flat" cmpd="sng" algn="ctr">
           <a:prstDash val="solid"/>
+          <a:miter/>
         </a:ln>
-        <a:ln w="38100" cap="flat" cmpd="sng" algn="ctr">
+        <a:ln w="6350" cap="flat" cmpd="sng" algn="ctr">
           <a:prstDash val="solid"/>
+          <a:miter/>
         </a:ln>
       </a:lnStyleLst>
       <a:effectStyleLst>
@@ -5370,48 +9417,12 @@
         <a:solidFill>
           <a:schemeClr val="phClr"/>
         </a:solidFill>
-        <a:gradFill>
-          <a:gsLst>
-            <a:gs pos="0">
-              <a:schemeClr val="phClr">
-                <a:tint val="40000"/>
-              </a:schemeClr>
-            </a:gs>
-            <a:gs pos="40000">
-              <a:schemeClr val="phClr">
-                <a:tint val="45000"/>
-                <a:shade val="99000"/>
-              </a:schemeClr>
-            </a:gs>
-            <a:gs pos="100000">
-              <a:schemeClr val="phClr">
-                <a:shade val="20000"/>
-              </a:schemeClr>
-            </a:gs>
-          </a:gsLst>
-          <a:path path="circle">
-            <a:fillToRect l="50000" t="-80000" r="50000" b="180000"/>
-          </a:path>
-          <a:tileRect l="0" t="0" r="0" b="0"/>
-        </a:gradFill>
-        <a:gradFill>
-          <a:gsLst>
-            <a:gs pos="0">
-              <a:schemeClr val="phClr">
-                <a:tint val="80000"/>
-              </a:schemeClr>
-            </a:gs>
-            <a:gs pos="100000">
-              <a:schemeClr val="phClr">
-                <a:shade val="30000"/>
-              </a:schemeClr>
-            </a:gs>
-          </a:gsLst>
-          <a:path path="circle">
-            <a:fillToRect l="50000" t="50000" r="50000" b="50000"/>
-          </a:path>
-          <a:tileRect l="0" t="0" r="0" b="0"/>
-        </a:gradFill>
+        <a:solidFill>
+          <a:schemeClr val="phClr"/>
+        </a:solidFill>
+        <a:solidFill>
+          <a:schemeClr val="phClr"/>
+        </a:solidFill>
       </a:bgFillStyleLst>
     </a:fmtScheme>
   </a:themeElements>
@@ -5462,13 +9473,13 @@
     <a:fontScheme name="Office">
       <a:majorFont>
         <a:latin typeface="Arial" pitchFamily="0" charset="1"/>
-        <a:ea typeface=""/>
-        <a:cs typeface=""/>
+        <a:ea typeface="DejaVu Sans" pitchFamily="0" charset="1"/>
+        <a:cs typeface="DejaVu Sans" pitchFamily="0" charset="1"/>
       </a:majorFont>
       <a:minorFont>
         <a:latin typeface="Arial" pitchFamily="0" charset="1"/>
-        <a:ea typeface=""/>
-        <a:cs typeface=""/>
+        <a:ea typeface="DejaVu Sans" pitchFamily="0" charset="1"/>
+        <a:cs typeface="DejaVu Sans" pitchFamily="0" charset="1"/>
       </a:minorFont>
     </a:fontScheme>
     <a:fmtScheme>
@@ -5476,55 +9487,25 @@
         <a:solidFill>
           <a:schemeClr val="phClr"/>
         </a:solidFill>
-        <a:gradFill>
-          <a:gsLst>
-            <a:gs pos="0">
-              <a:schemeClr val="phClr">
-                <a:tint val="50000"/>
-              </a:schemeClr>
-            </a:gs>
-            <a:gs pos="35000">
-              <a:schemeClr val="phClr">
-                <a:tint val="37000"/>
-              </a:schemeClr>
-            </a:gs>
-            <a:gs pos="100000">
-              <a:schemeClr val="phClr">
-                <a:tint val="15000"/>
-              </a:schemeClr>
-            </a:gs>
-          </a:gsLst>
-          <a:lin ang="16200000" scaled="1"/>
-          <a:tileRect l="0" t="0" r="0" b="0"/>
-        </a:gradFill>
-        <a:gradFill>
-          <a:gsLst>
-            <a:gs pos="0">
-              <a:schemeClr val="phClr">
-                <a:tint val="100000"/>
-                <a:shade val="100000"/>
-              </a:schemeClr>
-            </a:gs>
-            <a:gs pos="100000">
-              <a:schemeClr val="phClr">
-                <a:tint val="50000"/>
-                <a:shade val="100000"/>
-              </a:schemeClr>
-            </a:gs>
-          </a:gsLst>
-          <a:lin ang="16200000" scaled="0"/>
-          <a:tileRect l="0" t="0" r="0" b="0"/>
-        </a:gradFill>
+        <a:solidFill>
+          <a:schemeClr val="phClr"/>
+        </a:solidFill>
+        <a:solidFill>
+          <a:schemeClr val="phClr"/>
+        </a:solidFill>
       </a:fillStyleLst>
       <a:lnStyleLst>
-        <a:ln w="9525" cap="flat" cmpd="sng" algn="ctr">
+        <a:ln w="6350" cap="flat" cmpd="sng" algn="ctr">
           <a:prstDash val="solid"/>
+          <a:miter/>
         </a:ln>
-        <a:ln w="25400" cap="flat" cmpd="sng" algn="ctr">
+        <a:ln w="6350" cap="flat" cmpd="sng" algn="ctr">
           <a:prstDash val="solid"/>
+          <a:miter/>
         </a:ln>
-        <a:ln w="38100" cap="flat" cmpd="sng" algn="ctr">
+        <a:ln w="6350" cap="flat" cmpd="sng" algn="ctr">
           <a:prstDash val="solid"/>
+          <a:miter/>
         </a:ln>
       </a:lnStyleLst>
       <a:effectStyleLst>
@@ -5542,48 +9523,12 @@
         <a:solidFill>
           <a:schemeClr val="phClr"/>
         </a:solidFill>
-        <a:gradFill>
-          <a:gsLst>
-            <a:gs pos="0">
-              <a:schemeClr val="phClr">
-                <a:tint val="40000"/>
-              </a:schemeClr>
-            </a:gs>
-            <a:gs pos="40000">
-              <a:schemeClr val="phClr">
-                <a:tint val="45000"/>
-                <a:shade val="99000"/>
-              </a:schemeClr>
-            </a:gs>
-            <a:gs pos="100000">
-              <a:schemeClr val="phClr">
-                <a:shade val="20000"/>
-              </a:schemeClr>
-            </a:gs>
-          </a:gsLst>
-          <a:path path="circle">
-            <a:fillToRect l="50000" t="-80000" r="50000" b="180000"/>
-          </a:path>
-          <a:tileRect l="0" t="0" r="0" b="0"/>
-        </a:gradFill>
-        <a:gradFill>
-          <a:gsLst>
-            <a:gs pos="0">
-              <a:schemeClr val="phClr">
-                <a:tint val="80000"/>
-              </a:schemeClr>
-            </a:gs>
-            <a:gs pos="100000">
-              <a:schemeClr val="phClr">
-                <a:shade val="30000"/>
-              </a:schemeClr>
-            </a:gs>
-          </a:gsLst>
-          <a:path path="circle">
-            <a:fillToRect l="50000" t="50000" r="50000" b="50000"/>
-          </a:path>
-          <a:tileRect l="0" t="0" r="0" b="0"/>
-        </a:gradFill>
+        <a:solidFill>
+          <a:schemeClr val="phClr"/>
+        </a:solidFill>
+        <a:solidFill>
+          <a:schemeClr val="phClr"/>
+        </a:solidFill>
       </a:bgFillStyleLst>
     </a:fmtScheme>
   </a:themeElements>
@@ -5634,13 +9579,13 @@
     <a:fontScheme name="Office">
       <a:majorFont>
         <a:latin typeface="Arial" pitchFamily="0" charset="1"/>
-        <a:ea typeface=""/>
-        <a:cs typeface=""/>
+        <a:ea typeface="DejaVu Sans" pitchFamily="0" charset="1"/>
+        <a:cs typeface="DejaVu Sans" pitchFamily="0" charset="1"/>
       </a:majorFont>
       <a:minorFont>
         <a:latin typeface="Arial" pitchFamily="0" charset="1"/>
-        <a:ea typeface=""/>
-        <a:cs typeface=""/>
+        <a:ea typeface="DejaVu Sans" pitchFamily="0" charset="1"/>
+        <a:cs typeface="DejaVu Sans" pitchFamily="0" charset="1"/>
       </a:minorFont>
     </a:fontScheme>
     <a:fmtScheme>
@@ -5648,55 +9593,25 @@
         <a:solidFill>
           <a:schemeClr val="phClr"/>
         </a:solidFill>
-        <a:gradFill>
-          <a:gsLst>
-            <a:gs pos="0">
-              <a:schemeClr val="phClr">
-                <a:tint val="50000"/>
-              </a:schemeClr>
-            </a:gs>
-            <a:gs pos="35000">
-              <a:schemeClr val="phClr">
-                <a:tint val="37000"/>
-              </a:schemeClr>
-            </a:gs>
-            <a:gs pos="100000">
-              <a:schemeClr val="phClr">
-                <a:tint val="15000"/>
-              </a:schemeClr>
-            </a:gs>
-          </a:gsLst>
-          <a:lin ang="16200000" scaled="1"/>
-          <a:tileRect l="0" t="0" r="0" b="0"/>
-        </a:gradFill>
-        <a:gradFill>
-          <a:gsLst>
-            <a:gs pos="0">
-              <a:schemeClr val="phClr">
-                <a:tint val="100000"/>
-                <a:shade val="100000"/>
-              </a:schemeClr>
-            </a:gs>
-            <a:gs pos="100000">
-              <a:schemeClr val="phClr">
-                <a:tint val="50000"/>
-                <a:shade val="100000"/>
-              </a:schemeClr>
-            </a:gs>
-          </a:gsLst>
-          <a:lin ang="16200000" scaled="0"/>
-          <a:tileRect l="0" t="0" r="0" b="0"/>
-        </a:gradFill>
+        <a:solidFill>
+          <a:schemeClr val="phClr"/>
+        </a:solidFill>
+        <a:solidFill>
+          <a:schemeClr val="phClr"/>
+        </a:solidFill>
       </a:fillStyleLst>
       <a:lnStyleLst>
-        <a:ln w="9525" cap="flat" cmpd="sng" algn="ctr">
+        <a:ln w="6350" cap="flat" cmpd="sng" algn="ctr">
           <a:prstDash val="solid"/>
+          <a:miter/>
         </a:ln>
-        <a:ln w="25400" cap="flat" cmpd="sng" algn="ctr">
+        <a:ln w="6350" cap="flat" cmpd="sng" algn="ctr">
           <a:prstDash val="solid"/>
+          <a:miter/>
         </a:ln>
-        <a:ln w="38100" cap="flat" cmpd="sng" algn="ctr">
+        <a:ln w="6350" cap="flat" cmpd="sng" algn="ctr">
           <a:prstDash val="solid"/>
+          <a:miter/>
         </a:ln>
       </a:lnStyleLst>
       <a:effectStyleLst>
@@ -5714,48 +9629,12 @@
         <a:solidFill>
           <a:schemeClr val="phClr"/>
         </a:solidFill>
-        <a:gradFill>
-          <a:gsLst>
-            <a:gs pos="0">
-              <a:schemeClr val="phClr">
-                <a:tint val="40000"/>
-              </a:schemeClr>
-            </a:gs>
-            <a:gs pos="40000">
-              <a:schemeClr val="phClr">
-                <a:tint val="45000"/>
-                <a:shade val="99000"/>
-              </a:schemeClr>
-            </a:gs>
-            <a:gs pos="100000">
-              <a:schemeClr val="phClr">
-                <a:shade val="20000"/>
-              </a:schemeClr>
-            </a:gs>
-          </a:gsLst>
-          <a:path path="circle">
-            <a:fillToRect l="50000" t="-80000" r="50000" b="180000"/>
-          </a:path>
-          <a:tileRect l="0" t="0" r="0" b="0"/>
-        </a:gradFill>
-        <a:gradFill>
-          <a:gsLst>
-            <a:gs pos="0">
-              <a:schemeClr val="phClr">
-                <a:tint val="80000"/>
-              </a:schemeClr>
-            </a:gs>
-            <a:gs pos="100000">
-              <a:schemeClr val="phClr">
-                <a:shade val="30000"/>
-              </a:schemeClr>
-            </a:gs>
-          </a:gsLst>
-          <a:path path="circle">
-            <a:fillToRect l="50000" t="50000" r="50000" b="50000"/>
-          </a:path>
-          <a:tileRect l="0" t="0" r="0" b="0"/>
-        </a:gradFill>
+        <a:solidFill>
+          <a:schemeClr val="phClr"/>
+        </a:solidFill>
+        <a:solidFill>
+          <a:schemeClr val="phClr"/>
+        </a:solidFill>
       </a:bgFillStyleLst>
     </a:fmtScheme>
   </a:themeElements>
@@ -5806,13 +9685,13 @@
     <a:fontScheme name="Office">
       <a:majorFont>
         <a:latin typeface="Arial" pitchFamily="0" charset="1"/>
-        <a:ea typeface=""/>
-        <a:cs typeface=""/>
+        <a:ea typeface="DejaVu Sans" pitchFamily="0" charset="1"/>
+        <a:cs typeface="DejaVu Sans" pitchFamily="0" charset="1"/>
       </a:majorFont>
       <a:minorFont>
         <a:latin typeface="Arial" pitchFamily="0" charset="1"/>
-        <a:ea typeface=""/>
-        <a:cs typeface=""/>
+        <a:ea typeface="DejaVu Sans" pitchFamily="0" charset="1"/>
+        <a:cs typeface="DejaVu Sans" pitchFamily="0" charset="1"/>
       </a:minorFont>
     </a:fontScheme>
     <a:fmtScheme>
@@ -5820,55 +9699,25 @@
         <a:solidFill>
           <a:schemeClr val="phClr"/>
         </a:solidFill>
-        <a:gradFill>
-          <a:gsLst>
-            <a:gs pos="0">
-              <a:schemeClr val="phClr">
-                <a:tint val="50000"/>
-              </a:schemeClr>
-            </a:gs>
-            <a:gs pos="35000">
-              <a:schemeClr val="phClr">
-                <a:tint val="37000"/>
-              </a:schemeClr>
-            </a:gs>
-            <a:gs pos="100000">
-              <a:schemeClr val="phClr">
-                <a:tint val="15000"/>
-              </a:schemeClr>
-            </a:gs>
-          </a:gsLst>
-          <a:lin ang="16200000" scaled="1"/>
-          <a:tileRect l="0" t="0" r="0" b="0"/>
-        </a:gradFill>
-        <a:gradFill>
-          <a:gsLst>
-            <a:gs pos="0">
-              <a:schemeClr val="phClr">
-                <a:tint val="100000"/>
-                <a:shade val="100000"/>
-              </a:schemeClr>
-            </a:gs>
-            <a:gs pos="100000">
-              <a:schemeClr val="phClr">
-                <a:tint val="50000"/>
-                <a:shade val="100000"/>
-              </a:schemeClr>
-            </a:gs>
-          </a:gsLst>
-          <a:lin ang="16200000" scaled="0"/>
-          <a:tileRect l="0" t="0" r="0" b="0"/>
-        </a:gradFill>
+        <a:solidFill>
+          <a:schemeClr val="phClr"/>
+        </a:solidFill>
+        <a:solidFill>
+          <a:schemeClr val="phClr"/>
+        </a:solidFill>
       </a:fillStyleLst>
       <a:lnStyleLst>
-        <a:ln w="9525" cap="flat" cmpd="sng" algn="ctr">
+        <a:ln w="6350" cap="flat" cmpd="sng" algn="ctr">
           <a:prstDash val="solid"/>
+          <a:miter/>
         </a:ln>
-        <a:ln w="25400" cap="flat" cmpd="sng" algn="ctr">
+        <a:ln w="6350" cap="flat" cmpd="sng" algn="ctr">
           <a:prstDash val="solid"/>
+          <a:miter/>
         </a:ln>
-        <a:ln w="38100" cap="flat" cmpd="sng" algn="ctr">
+        <a:ln w="6350" cap="flat" cmpd="sng" algn="ctr">
           <a:prstDash val="solid"/>
+          <a:miter/>
         </a:ln>
       </a:lnStyleLst>
       <a:effectStyleLst>
@@ -5886,48 +9735,12 @@
         <a:solidFill>
           <a:schemeClr val="phClr"/>
         </a:solidFill>
-        <a:gradFill>
-          <a:gsLst>
-            <a:gs pos="0">
-              <a:schemeClr val="phClr">
-                <a:tint val="40000"/>
-              </a:schemeClr>
-            </a:gs>
-            <a:gs pos="40000">
-              <a:schemeClr val="phClr">
-                <a:tint val="45000"/>
-                <a:shade val="99000"/>
-              </a:schemeClr>
-            </a:gs>
-            <a:gs pos="100000">
-              <a:schemeClr val="phClr">
-                <a:shade val="20000"/>
-              </a:schemeClr>
-            </a:gs>
-          </a:gsLst>
-          <a:path path="circle">
-            <a:fillToRect l="50000" t="-80000" r="50000" b="180000"/>
-          </a:path>
-          <a:tileRect l="0" t="0" r="0" b="0"/>
-        </a:gradFill>
-        <a:gradFill>
-          <a:gsLst>
-            <a:gs pos="0">
-              <a:schemeClr val="phClr">
-                <a:tint val="80000"/>
-              </a:schemeClr>
-            </a:gs>
-            <a:gs pos="100000">
-              <a:schemeClr val="phClr">
-                <a:shade val="30000"/>
-              </a:schemeClr>
-            </a:gs>
-          </a:gsLst>
-          <a:path path="circle">
-            <a:fillToRect l="50000" t="50000" r="50000" b="50000"/>
-          </a:path>
-          <a:tileRect l="0" t="0" r="0" b="0"/>
-        </a:gradFill>
+        <a:solidFill>
+          <a:schemeClr val="phClr"/>
+        </a:solidFill>
+        <a:solidFill>
+          <a:schemeClr val="phClr"/>
+        </a:solidFill>
       </a:bgFillStyleLst>
     </a:fmtScheme>
   </a:themeElements>
@@ -5978,13 +9791,13 @@
     <a:fontScheme name="Office">
       <a:majorFont>
         <a:latin typeface="Arial" pitchFamily="0" charset="1"/>
-        <a:ea typeface=""/>
-        <a:cs typeface=""/>
+        <a:ea typeface="DejaVu Sans" pitchFamily="0" charset="1"/>
+        <a:cs typeface="DejaVu Sans" pitchFamily="0" charset="1"/>
       </a:majorFont>
       <a:minorFont>
         <a:latin typeface="Arial" pitchFamily="0" charset="1"/>
-        <a:ea typeface=""/>
-        <a:cs typeface=""/>
+        <a:ea typeface="DejaVu Sans" pitchFamily="0" charset="1"/>
+        <a:cs typeface="DejaVu Sans" pitchFamily="0" charset="1"/>
       </a:minorFont>
     </a:fontScheme>
     <a:fmtScheme>
@@ -5992,55 +9805,25 @@
         <a:solidFill>
           <a:schemeClr val="phClr"/>
         </a:solidFill>
-        <a:gradFill>
-          <a:gsLst>
-            <a:gs pos="0">
-              <a:schemeClr val="phClr">
-                <a:tint val="50000"/>
-              </a:schemeClr>
-            </a:gs>
-            <a:gs pos="35000">
-              <a:schemeClr val="phClr">
-                <a:tint val="37000"/>
-              </a:schemeClr>
-            </a:gs>
-            <a:gs pos="100000">
-              <a:schemeClr val="phClr">
-                <a:tint val="15000"/>
-              </a:schemeClr>
-            </a:gs>
-          </a:gsLst>
-          <a:lin ang="16200000" scaled="1"/>
-          <a:tileRect l="0" t="0" r="0" b="0"/>
-        </a:gradFill>
-        <a:gradFill>
-          <a:gsLst>
-            <a:gs pos="0">
-              <a:schemeClr val="phClr">
-                <a:tint val="100000"/>
-                <a:shade val="100000"/>
-              </a:schemeClr>
-            </a:gs>
-            <a:gs pos="100000">
-              <a:schemeClr val="phClr">
-                <a:tint val="50000"/>
-                <a:shade val="100000"/>
-              </a:schemeClr>
-            </a:gs>
-          </a:gsLst>
-          <a:lin ang="16200000" scaled="0"/>
-          <a:tileRect l="0" t="0" r="0" b="0"/>
-        </a:gradFill>
+        <a:solidFill>
+          <a:schemeClr val="phClr"/>
+        </a:solidFill>
+        <a:solidFill>
+          <a:schemeClr val="phClr"/>
+        </a:solidFill>
       </a:fillStyleLst>
       <a:lnStyleLst>
-        <a:ln w="9525" cap="flat" cmpd="sng" algn="ctr">
+        <a:ln w="6350" cap="flat" cmpd="sng" algn="ctr">
           <a:prstDash val="solid"/>
+          <a:miter/>
         </a:ln>
-        <a:ln w="25400" cap="flat" cmpd="sng" algn="ctr">
+        <a:ln w="6350" cap="flat" cmpd="sng" algn="ctr">
           <a:prstDash val="solid"/>
+          <a:miter/>
         </a:ln>
-        <a:ln w="38100" cap="flat" cmpd="sng" algn="ctr">
+        <a:ln w="6350" cap="flat" cmpd="sng" algn="ctr">
           <a:prstDash val="solid"/>
+          <a:miter/>
         </a:ln>
       </a:lnStyleLst>
       <a:effectStyleLst>
@@ -6058,48 +9841,12 @@
         <a:solidFill>
           <a:schemeClr val="phClr"/>
         </a:solidFill>
-        <a:gradFill>
-          <a:gsLst>
-            <a:gs pos="0">
-              <a:schemeClr val="phClr">
-                <a:tint val="40000"/>
-              </a:schemeClr>
-            </a:gs>
-            <a:gs pos="40000">
-              <a:schemeClr val="phClr">
-                <a:tint val="45000"/>
-                <a:shade val="99000"/>
-              </a:schemeClr>
-            </a:gs>
-            <a:gs pos="100000">
-              <a:schemeClr val="phClr">
-                <a:shade val="20000"/>
-              </a:schemeClr>
-            </a:gs>
-          </a:gsLst>
-          <a:path path="circle">
-            <a:fillToRect l="50000" t="-80000" r="50000" b="180000"/>
-          </a:path>
-          <a:tileRect l="0" t="0" r="0" b="0"/>
-        </a:gradFill>
-        <a:gradFill>
-          <a:gsLst>
-            <a:gs pos="0">
-              <a:schemeClr val="phClr">
-                <a:tint val="80000"/>
-              </a:schemeClr>
-            </a:gs>
-            <a:gs pos="100000">
-              <a:schemeClr val="phClr">
-                <a:shade val="30000"/>
-              </a:schemeClr>
-            </a:gs>
-          </a:gsLst>
-          <a:path path="circle">
-            <a:fillToRect l="50000" t="50000" r="50000" b="50000"/>
-          </a:path>
-          <a:tileRect l="0" t="0" r="0" b="0"/>
-        </a:gradFill>
+        <a:solidFill>
+          <a:schemeClr val="phClr"/>
+        </a:solidFill>
+        <a:solidFill>
+          <a:schemeClr val="phClr"/>
+        </a:solidFill>
       </a:bgFillStyleLst>
     </a:fmtScheme>
   </a:themeElements>
@@ -6150,13 +9897,13 @@
     <a:fontScheme name="Office">
       <a:majorFont>
         <a:latin typeface="Arial" pitchFamily="0" charset="1"/>
-        <a:ea typeface=""/>
-        <a:cs typeface=""/>
+        <a:ea typeface="DejaVu Sans" pitchFamily="0" charset="1"/>
+        <a:cs typeface="DejaVu Sans" pitchFamily="0" charset="1"/>
       </a:majorFont>
       <a:minorFont>
         <a:latin typeface="Arial" pitchFamily="0" charset="1"/>
-        <a:ea typeface=""/>
-        <a:cs typeface=""/>
+        <a:ea typeface="DejaVu Sans" pitchFamily="0" charset="1"/>
+        <a:cs typeface="DejaVu Sans" pitchFamily="0" charset="1"/>
       </a:minorFont>
     </a:fontScheme>
     <a:fmtScheme>
@@ -6164,55 +9911,25 @@
         <a:solidFill>
           <a:schemeClr val="phClr"/>
         </a:solidFill>
-        <a:gradFill>
-          <a:gsLst>
-            <a:gs pos="0">
-              <a:schemeClr val="phClr">
-                <a:tint val="50000"/>
-              </a:schemeClr>
-            </a:gs>
-            <a:gs pos="35000">
-              <a:schemeClr val="phClr">
-                <a:tint val="37000"/>
-              </a:schemeClr>
-            </a:gs>
-            <a:gs pos="100000">
-              <a:schemeClr val="phClr">
-                <a:tint val="15000"/>
-              </a:schemeClr>
-            </a:gs>
-          </a:gsLst>
-          <a:lin ang="16200000" scaled="1"/>
-          <a:tileRect l="0" t="0" r="0" b="0"/>
-        </a:gradFill>
-        <a:gradFill>
-          <a:gsLst>
-            <a:gs pos="0">
-              <a:schemeClr val="phClr">
-                <a:tint val="100000"/>
-                <a:shade val="100000"/>
-              </a:schemeClr>
-            </a:gs>
-            <a:gs pos="100000">
-              <a:schemeClr val="phClr">
-                <a:tint val="50000"/>
-                <a:shade val="100000"/>
-              </a:schemeClr>
-            </a:gs>
-          </a:gsLst>
-          <a:lin ang="16200000" scaled="0"/>
-          <a:tileRect l="0" t="0" r="0" b="0"/>
-        </a:gradFill>
+        <a:solidFill>
+          <a:schemeClr val="phClr"/>
+        </a:solidFill>
+        <a:solidFill>
+          <a:schemeClr val="phClr"/>
+        </a:solidFill>
       </a:fillStyleLst>
       <a:lnStyleLst>
-        <a:ln w="9525" cap="flat" cmpd="sng" algn="ctr">
+        <a:ln w="6350" cap="flat" cmpd="sng" algn="ctr">
           <a:prstDash val="solid"/>
+          <a:miter/>
         </a:ln>
-        <a:ln w="25400" cap="flat" cmpd="sng" algn="ctr">
+        <a:ln w="6350" cap="flat" cmpd="sng" algn="ctr">
           <a:prstDash val="solid"/>
+          <a:miter/>
         </a:ln>
-        <a:ln w="38100" cap="flat" cmpd="sng" algn="ctr">
+        <a:ln w="6350" cap="flat" cmpd="sng" algn="ctr">
           <a:prstDash val="solid"/>
+          <a:miter/>
         </a:ln>
       </a:lnStyleLst>
       <a:effectStyleLst>
@@ -6230,48 +9947,12 @@
         <a:solidFill>
           <a:schemeClr val="phClr"/>
         </a:solidFill>
-        <a:gradFill>
-          <a:gsLst>
-            <a:gs pos="0">
-              <a:schemeClr val="phClr">
-                <a:tint val="40000"/>
-              </a:schemeClr>
-            </a:gs>
-            <a:gs pos="40000">
-              <a:schemeClr val="phClr">
-                <a:tint val="45000"/>
-                <a:shade val="99000"/>
-              </a:schemeClr>
-            </a:gs>
-            <a:gs pos="100000">
-              <a:schemeClr val="phClr">
-                <a:shade val="20000"/>
-              </a:schemeClr>
-            </a:gs>
-          </a:gsLst>
-          <a:path path="circle">
-            <a:fillToRect l="50000" t="-80000" r="50000" b="180000"/>
-          </a:path>
-          <a:tileRect l="0" t="0" r="0" b="0"/>
-        </a:gradFill>
-        <a:gradFill>
-          <a:gsLst>
-            <a:gs pos="0">
-              <a:schemeClr val="phClr">
-                <a:tint val="80000"/>
-              </a:schemeClr>
-            </a:gs>
-            <a:gs pos="100000">
-              <a:schemeClr val="phClr">
-                <a:shade val="30000"/>
-              </a:schemeClr>
-            </a:gs>
-          </a:gsLst>
-          <a:path path="circle">
-            <a:fillToRect l="50000" t="50000" r="50000" b="50000"/>
-          </a:path>
-          <a:tileRect l="0" t="0" r="0" b="0"/>
-        </a:gradFill>
+        <a:solidFill>
+          <a:schemeClr val="phClr"/>
+        </a:solidFill>
+        <a:solidFill>
+          <a:schemeClr val="phClr"/>
+        </a:solidFill>
       </a:bgFillStyleLst>
     </a:fmtScheme>
   </a:themeElements>
@@ -6322,13 +10003,13 @@
     <a:fontScheme name="Office">
       <a:majorFont>
         <a:latin typeface="Arial" pitchFamily="0" charset="1"/>
-        <a:ea typeface=""/>
-        <a:cs typeface=""/>
+        <a:ea typeface="DejaVu Sans" pitchFamily="0" charset="1"/>
+        <a:cs typeface="DejaVu Sans" pitchFamily="0" charset="1"/>
       </a:majorFont>
       <a:minorFont>
         <a:latin typeface="Arial" pitchFamily="0" charset="1"/>
-        <a:ea typeface=""/>
-        <a:cs typeface=""/>
+        <a:ea typeface="DejaVu Sans" pitchFamily="0" charset="1"/>
+        <a:cs typeface="DejaVu Sans" pitchFamily="0" charset="1"/>
       </a:minorFont>
     </a:fontScheme>
     <a:fmtScheme>
@@ -6336,55 +10017,25 @@
         <a:solidFill>
           <a:schemeClr val="phClr"/>
         </a:solidFill>
-        <a:gradFill>
-          <a:gsLst>
-            <a:gs pos="0">
-              <a:schemeClr val="phClr">
-                <a:tint val="50000"/>
-              </a:schemeClr>
-            </a:gs>
-            <a:gs pos="35000">
-              <a:schemeClr val="phClr">
-                <a:tint val="37000"/>
-              </a:schemeClr>
-            </a:gs>
-            <a:gs pos="100000">
-              <a:schemeClr val="phClr">
-                <a:tint val="15000"/>
-              </a:schemeClr>
-            </a:gs>
-          </a:gsLst>
-          <a:lin ang="16200000" scaled="1"/>
-          <a:tileRect l="0" t="0" r="0" b="0"/>
-        </a:gradFill>
-        <a:gradFill>
-          <a:gsLst>
-            <a:gs pos="0">
-              <a:schemeClr val="phClr">
-                <a:tint val="100000"/>
-                <a:shade val="100000"/>
-              </a:schemeClr>
-            </a:gs>
-            <a:gs pos="100000">
-              <a:schemeClr val="phClr">
-                <a:tint val="50000"/>
-                <a:shade val="100000"/>
-              </a:schemeClr>
-            </a:gs>
-          </a:gsLst>
-          <a:lin ang="16200000" scaled="0"/>
-          <a:tileRect l="0" t="0" r="0" b="0"/>
-        </a:gradFill>
+        <a:solidFill>
+          <a:schemeClr val="phClr"/>
+        </a:solidFill>
+        <a:solidFill>
+          <a:schemeClr val="phClr"/>
+        </a:solidFill>
       </a:fillStyleLst>
       <a:lnStyleLst>
-        <a:ln w="9525" cap="flat" cmpd="sng" algn="ctr">
+        <a:ln w="6350" cap="flat" cmpd="sng" algn="ctr">
           <a:prstDash val="solid"/>
+          <a:miter/>
         </a:ln>
-        <a:ln w="25400" cap="flat" cmpd="sng" algn="ctr">
+        <a:ln w="6350" cap="flat" cmpd="sng" algn="ctr">
           <a:prstDash val="solid"/>
+          <a:miter/>
         </a:ln>
-        <a:ln w="38100" cap="flat" cmpd="sng" algn="ctr">
+        <a:ln w="6350" cap="flat" cmpd="sng" algn="ctr">
           <a:prstDash val="solid"/>
+          <a:miter/>
         </a:ln>
       </a:lnStyleLst>
       <a:effectStyleLst>
@@ -6402,48 +10053,12 @@
         <a:solidFill>
           <a:schemeClr val="phClr"/>
         </a:solidFill>
-        <a:gradFill>
-          <a:gsLst>
-            <a:gs pos="0">
-              <a:schemeClr val="phClr">
-                <a:tint val="40000"/>
-              </a:schemeClr>
-            </a:gs>
-            <a:gs pos="40000">
-              <a:schemeClr val="phClr">
-                <a:tint val="45000"/>
-                <a:shade val="99000"/>
-              </a:schemeClr>
-            </a:gs>
-            <a:gs pos="100000">
-              <a:schemeClr val="phClr">
-                <a:shade val="20000"/>
-              </a:schemeClr>
-            </a:gs>
-          </a:gsLst>
-          <a:path path="circle">
-            <a:fillToRect l="50000" t="-80000" r="50000" b="180000"/>
-          </a:path>
-          <a:tileRect l="0" t="0" r="0" b="0"/>
-        </a:gradFill>
-        <a:gradFill>
-          <a:gsLst>
-            <a:gs pos="0">
-              <a:schemeClr val="phClr">
-                <a:tint val="80000"/>
-              </a:schemeClr>
-            </a:gs>
-            <a:gs pos="100000">
-              <a:schemeClr val="phClr">
-                <a:shade val="30000"/>
-              </a:schemeClr>
-            </a:gs>
-          </a:gsLst>
-          <a:path path="circle">
-            <a:fillToRect l="50000" t="50000" r="50000" b="50000"/>
-          </a:path>
-          <a:tileRect l="0" t="0" r="0" b="0"/>
-        </a:gradFill>
+        <a:solidFill>
+          <a:schemeClr val="phClr"/>
+        </a:solidFill>
+        <a:solidFill>
+          <a:schemeClr val="phClr"/>
+        </a:solidFill>
       </a:bgFillStyleLst>
     </a:fmtScheme>
   </a:themeElements>
@@ -6494,13 +10109,13 @@
     <a:fontScheme name="Office">
       <a:majorFont>
         <a:latin typeface="Arial" pitchFamily="0" charset="1"/>
-        <a:ea typeface=""/>
-        <a:cs typeface=""/>
+        <a:ea typeface="DejaVu Sans" pitchFamily="0" charset="1"/>
+        <a:cs typeface="DejaVu Sans" pitchFamily="0" charset="1"/>
       </a:majorFont>
       <a:minorFont>
         <a:latin typeface="Arial" pitchFamily="0" charset="1"/>
-        <a:ea typeface=""/>
-        <a:cs typeface=""/>
+        <a:ea typeface="DejaVu Sans" pitchFamily="0" charset="1"/>
+        <a:cs typeface="DejaVu Sans" pitchFamily="0" charset="1"/>
       </a:minorFont>
     </a:fontScheme>
     <a:fmtScheme>
@@ -6508,55 +10123,25 @@
         <a:solidFill>
           <a:schemeClr val="phClr"/>
         </a:solidFill>
-        <a:gradFill>
-          <a:gsLst>
-            <a:gs pos="0">
-              <a:schemeClr val="phClr">
-                <a:tint val="50000"/>
-              </a:schemeClr>
-            </a:gs>
-            <a:gs pos="35000">
-              <a:schemeClr val="phClr">
-                <a:tint val="37000"/>
-              </a:schemeClr>
-            </a:gs>
-            <a:gs pos="100000">
-              <a:schemeClr val="phClr">
-                <a:tint val="15000"/>
-              </a:schemeClr>
-            </a:gs>
-          </a:gsLst>
-          <a:lin ang="16200000" scaled="1"/>
-          <a:tileRect l="0" t="0" r="0" b="0"/>
-        </a:gradFill>
-        <a:gradFill>
-          <a:gsLst>
-            <a:gs pos="0">
-              <a:schemeClr val="phClr">
-                <a:tint val="100000"/>
-                <a:shade val="100000"/>
-              </a:schemeClr>
-            </a:gs>
-            <a:gs pos="100000">
-              <a:schemeClr val="phClr">
-                <a:tint val="50000"/>
-                <a:shade val="100000"/>
-              </a:schemeClr>
-            </a:gs>
-          </a:gsLst>
-          <a:lin ang="16200000" scaled="0"/>
-          <a:tileRect l="0" t="0" r="0" b="0"/>
-        </a:gradFill>
+        <a:solidFill>
+          <a:schemeClr val="phClr"/>
+        </a:solidFill>
+        <a:solidFill>
+          <a:schemeClr val="phClr"/>
+        </a:solidFill>
       </a:fillStyleLst>
       <a:lnStyleLst>
-        <a:ln w="9525" cap="flat" cmpd="sng" algn="ctr">
+        <a:ln w="6350" cap="flat" cmpd="sng" algn="ctr">
           <a:prstDash val="solid"/>
+          <a:miter/>
         </a:ln>
-        <a:ln w="25400" cap="flat" cmpd="sng" algn="ctr">
+        <a:ln w="6350" cap="flat" cmpd="sng" algn="ctr">
           <a:prstDash val="solid"/>
+          <a:miter/>
         </a:ln>
-        <a:ln w="38100" cap="flat" cmpd="sng" algn="ctr">
+        <a:ln w="6350" cap="flat" cmpd="sng" algn="ctr">
           <a:prstDash val="solid"/>
+          <a:miter/>
         </a:ln>
       </a:lnStyleLst>
       <a:effectStyleLst>
@@ -6574,48 +10159,12 @@
         <a:solidFill>
           <a:schemeClr val="phClr"/>
         </a:solidFill>
-        <a:gradFill>
-          <a:gsLst>
-            <a:gs pos="0">
-              <a:schemeClr val="phClr">
-                <a:tint val="40000"/>
-              </a:schemeClr>
-            </a:gs>
-            <a:gs pos="40000">
-              <a:schemeClr val="phClr">
-                <a:tint val="45000"/>
-                <a:shade val="99000"/>
-              </a:schemeClr>
-            </a:gs>
-            <a:gs pos="100000">
-              <a:schemeClr val="phClr">
-                <a:shade val="20000"/>
-              </a:schemeClr>
-            </a:gs>
-          </a:gsLst>
-          <a:path path="circle">
-            <a:fillToRect l="50000" t="-80000" r="50000" b="180000"/>
-          </a:path>
-          <a:tileRect l="0" t="0" r="0" b="0"/>
-        </a:gradFill>
-        <a:gradFill>
-          <a:gsLst>
-            <a:gs pos="0">
-              <a:schemeClr val="phClr">
-                <a:tint val="80000"/>
-              </a:schemeClr>
-            </a:gs>
-            <a:gs pos="100000">
-              <a:schemeClr val="phClr">
-                <a:shade val="30000"/>
-              </a:schemeClr>
-            </a:gs>
-          </a:gsLst>
-          <a:path path="circle">
-            <a:fillToRect l="50000" t="50000" r="50000" b="50000"/>
-          </a:path>
-          <a:tileRect l="0" t="0" r="0" b="0"/>
-        </a:gradFill>
+        <a:solidFill>
+          <a:schemeClr val="phClr"/>
+        </a:solidFill>
+        <a:solidFill>
+          <a:schemeClr val="phClr"/>
+        </a:solidFill>
       </a:bgFillStyleLst>
     </a:fmtScheme>
   </a:themeElements>
@@ -6666,13 +10215,13 @@
     <a:fontScheme name="Office">
       <a:majorFont>
         <a:latin typeface="Arial" pitchFamily="0" charset="1"/>
-        <a:ea typeface=""/>
-        <a:cs typeface=""/>
+        <a:ea typeface="DejaVu Sans" pitchFamily="0" charset="1"/>
+        <a:cs typeface="DejaVu Sans" pitchFamily="0" charset="1"/>
       </a:majorFont>
       <a:minorFont>
         <a:latin typeface="Arial" pitchFamily="0" charset="1"/>
-        <a:ea typeface=""/>
-        <a:cs typeface=""/>
+        <a:ea typeface="DejaVu Sans" pitchFamily="0" charset="1"/>
+        <a:cs typeface="DejaVu Sans" pitchFamily="0" charset="1"/>
       </a:minorFont>
     </a:fontScheme>
     <a:fmtScheme>
@@ -6680,55 +10229,25 @@
         <a:solidFill>
           <a:schemeClr val="phClr"/>
         </a:solidFill>
-        <a:gradFill>
-          <a:gsLst>
-            <a:gs pos="0">
-              <a:schemeClr val="phClr">
-                <a:tint val="50000"/>
-              </a:schemeClr>
-            </a:gs>
-            <a:gs pos="35000">
-              <a:schemeClr val="phClr">
-                <a:tint val="37000"/>
-              </a:schemeClr>
-            </a:gs>
-            <a:gs pos="100000">
-              <a:schemeClr val="phClr">
-                <a:tint val="15000"/>
-              </a:schemeClr>
-            </a:gs>
-          </a:gsLst>
-          <a:lin ang="16200000" scaled="1"/>
-          <a:tileRect l="0" t="0" r="0" b="0"/>
-        </a:gradFill>
-        <a:gradFill>
-          <a:gsLst>
-            <a:gs pos="0">
-              <a:schemeClr val="phClr">
-                <a:tint val="100000"/>
-                <a:shade val="100000"/>
-              </a:schemeClr>
-            </a:gs>
-            <a:gs pos="100000">
-              <a:schemeClr val="phClr">
-                <a:tint val="50000"/>
-                <a:shade val="100000"/>
-              </a:schemeClr>
-            </a:gs>
-          </a:gsLst>
-          <a:lin ang="16200000" scaled="0"/>
-          <a:tileRect l="0" t="0" r="0" b="0"/>
-        </a:gradFill>
+        <a:solidFill>
+          <a:schemeClr val="phClr"/>
+        </a:solidFill>
+        <a:solidFill>
+          <a:schemeClr val="phClr"/>
+        </a:solidFill>
       </a:fillStyleLst>
       <a:lnStyleLst>
-        <a:ln w="9525" cap="flat" cmpd="sng" algn="ctr">
+        <a:ln w="6350" cap="flat" cmpd="sng" algn="ctr">
           <a:prstDash val="solid"/>
+          <a:miter/>
         </a:ln>
-        <a:ln w="25400" cap="flat" cmpd="sng" algn="ctr">
+        <a:ln w="6350" cap="flat" cmpd="sng" algn="ctr">
           <a:prstDash val="solid"/>
+          <a:miter/>
         </a:ln>
-        <a:ln w="38100" cap="flat" cmpd="sng" algn="ctr">
+        <a:ln w="6350" cap="flat" cmpd="sng" algn="ctr">
           <a:prstDash val="solid"/>
+          <a:miter/>
         </a:ln>
       </a:lnStyleLst>
       <a:effectStyleLst>
@@ -6746,48 +10265,12 @@
         <a:solidFill>
           <a:schemeClr val="phClr"/>
         </a:solidFill>
-        <a:gradFill>
-          <a:gsLst>
-            <a:gs pos="0">
-              <a:schemeClr val="phClr">
-                <a:tint val="40000"/>
-              </a:schemeClr>
-            </a:gs>
-            <a:gs pos="40000">
-              <a:schemeClr val="phClr">
-                <a:tint val="45000"/>
-                <a:shade val="99000"/>
-              </a:schemeClr>
-            </a:gs>
-            <a:gs pos="100000">
-              <a:schemeClr val="phClr">
-                <a:shade val="20000"/>
-              </a:schemeClr>
-            </a:gs>
-          </a:gsLst>
-          <a:path path="circle">
-            <a:fillToRect l="50000" t="-80000" r="50000" b="180000"/>
-          </a:path>
-          <a:tileRect l="0" t="0" r="0" b="0"/>
-        </a:gradFill>
-        <a:gradFill>
-          <a:gsLst>
-            <a:gs pos="0">
-              <a:schemeClr val="phClr">
-                <a:tint val="80000"/>
-              </a:schemeClr>
-            </a:gs>
-            <a:gs pos="100000">
-              <a:schemeClr val="phClr">
-                <a:shade val="30000"/>
-              </a:schemeClr>
-            </a:gs>
-          </a:gsLst>
-          <a:path path="circle">
-            <a:fillToRect l="50000" t="50000" r="50000" b="50000"/>
-          </a:path>
-          <a:tileRect l="0" t="0" r="0" b="0"/>
-        </a:gradFill>
+        <a:solidFill>
+          <a:schemeClr val="phClr"/>
+        </a:solidFill>
+        <a:solidFill>
+          <a:schemeClr val="phClr"/>
+        </a:solidFill>
       </a:bgFillStyleLst>
     </a:fmtScheme>
   </a:themeElements>

--- a/WCBIO25_Jorge-Monclus.pptx
+++ b/WCBIO25_Jorge-Monclus.pptx
@@ -31,8 +31,6 @@
     <p:sldId id="271" r:id="rId26"/>
     <p:sldId id="272" r:id="rId27"/>
     <p:sldId id="273" r:id="rId28"/>
-    <p:sldId id="274" r:id="rId29"/>
-    <p:sldId id="275" r:id="rId30"/>
   </p:sldIdLst>
   <p:sldSz cx="9144000" cy="5143500"/>
   <p:notesSz cx="7559675" cy="10691813"/>
@@ -153,7 +151,7 @@
         <p:txBody>
           <a:bodyPr/>
           <a:p>
-            <a:fld id="{47E3F491-B701-416A-9899-8E6198BA8BED}" type="slidenum">
+            <a:fld id="{2FB3D281-F317-4858-92F6-921C191E3128}" type="slidenum">
               <a:t>&lt;#&gt;</a:t>
             </a:fld>
           </a:p>
@@ -278,7 +276,7 @@
         <p:txBody>
           <a:bodyPr/>
           <a:p>
-            <a:fld id="{A4034DF9-2D3F-486E-997F-CF1450FB750D}" type="slidenum">
+            <a:fld id="{0265E80A-7AA0-4EDE-9029-9BF1BD1E509A}" type="slidenum">
               <a:t>&lt;#&gt;</a:t>
             </a:fld>
           </a:p>
@@ -403,7 +401,7 @@
         <p:txBody>
           <a:bodyPr/>
           <a:p>
-            <a:fld id="{A22088C8-3FD6-4716-8EBD-EC2657981427}" type="slidenum">
+            <a:fld id="{D2CEF144-5885-4703-A498-306DD3D81CFF}" type="slidenum">
               <a:t>&lt;#&gt;</a:t>
             </a:fld>
           </a:p>
@@ -528,7 +526,7 @@
         <p:txBody>
           <a:bodyPr/>
           <a:p>
-            <a:fld id="{FA251B96-95CC-4686-9567-C619FBA53E63}" type="slidenum">
+            <a:fld id="{20F98A72-392F-48FD-B59A-21F7BA3C938D}" type="slidenum">
               <a:t>&lt;#&gt;</a:t>
             </a:fld>
           </a:p>
@@ -653,7 +651,7 @@
         <p:txBody>
           <a:bodyPr/>
           <a:p>
-            <a:fld id="{CB5A40B5-3D68-4EE9-A6E9-4D2DCE062FA4}" type="slidenum">
+            <a:fld id="{A0D7922D-4143-4630-8646-DD25DBA98B28}" type="slidenum">
               <a:t>&lt;#&gt;</a:t>
             </a:fld>
           </a:p>
@@ -775,7 +773,7 @@
         <p:txBody>
           <a:bodyPr/>
           <a:p>
-            <a:fld id="{A75388BD-BBDF-42FB-8AC7-FFC31536910C}" type="slidenum">
+            <a:fld id="{156CE681-CD76-478F-9E56-B522EFBF1A7C}" type="slidenum">
               <a:t>&lt;#&gt;</a:t>
             </a:fld>
           </a:p>
@@ -900,7 +898,7 @@
         <p:txBody>
           <a:bodyPr/>
           <a:p>
-            <a:fld id="{52534736-B6C4-4234-A111-5A825F4A6DA5}" type="slidenum">
+            <a:fld id="{BD665C6F-A630-4FF5-BD47-115123D81F6C}" type="slidenum">
               <a:t>&lt;#&gt;</a:t>
             </a:fld>
           </a:p>
@@ -1025,7 +1023,7 @@
         <p:txBody>
           <a:bodyPr/>
           <a:p>
-            <a:fld id="{F8C9E8E6-111B-44BA-9EDF-49B4FA37AC50}" type="slidenum">
+            <a:fld id="{0E74F832-1758-4D86-874E-CD7C17E4E1BC}" type="slidenum">
               <a:t>&lt;#&gt;</a:t>
             </a:fld>
           </a:p>
@@ -1150,7 +1148,7 @@
         <p:txBody>
           <a:bodyPr/>
           <a:p>
-            <a:fld id="{5E609479-2C5C-4676-9595-BE191F88C001}" type="slidenum">
+            <a:fld id="{3F5D0F2D-8105-4764-A38F-A6E854F51D47}" type="slidenum">
               <a:t>&lt;#&gt;</a:t>
             </a:fld>
           </a:p>
@@ -1496,7 +1494,16 @@
                 </a:solidFill>
                 <a:latin typeface="Arial"/>
               </a:rPr>
-              <a:t>Seventh Outline Level</a:t>
+              <a:t>Seventh Outline </a:t>
+            </a:r>
+            <a:r>
+              <a:rPr b="0" lang="es-ES" sz="1800" spc="-1" strike="noStrike">
+                <a:solidFill>
+                  <a:srgbClr val="000000"/>
+                </a:solidFill>
+                <a:latin typeface="Arial"/>
+              </a:rPr>
+              <a:t>Level</a:t>
             </a:r>
             <a:endParaRPr b="0" lang="es-ES" sz="1800" spc="-1" strike="noStrike">
               <a:solidFill>
@@ -1562,7 +1569,7 @@
                 <a:tab algn="l" pos="0"/>
               </a:tabLst>
             </a:pPr>
-            <a:fld id="{2A438782-4B06-4459-857A-1BA997FCF43B}" type="slidenum">
+            <a:fld id="{DA1BD91E-A369-4D30-A891-F2AE7F8E80CC}" type="slidenum">
               <a:rPr b="0" lang="en-GB" sz="1000" spc="-1" strike="noStrike">
                 <a:solidFill>
                   <a:schemeClr val="dk2"/>
@@ -1944,7 +1951,7 @@
                 <a:tab algn="l" pos="0"/>
               </a:tabLst>
             </a:pPr>
-            <a:fld id="{01E8ECEE-0909-49B7-8AF6-898A8B7DF869}" type="slidenum">
+            <a:fld id="{11FDC012-A178-406C-88F1-48ED0CCC59D8}" type="slidenum">
               <a:rPr b="0" lang="en-GB" sz="1000" spc="-1" strike="noStrike">
                 <a:solidFill>
                   <a:schemeClr val="dk2"/>
@@ -2326,7 +2333,7 @@
                 <a:tab algn="l" pos="0"/>
               </a:tabLst>
             </a:pPr>
-            <a:fld id="{74A8BA1C-09AD-4CB2-A390-C513B20EF9C6}" type="slidenum">
+            <a:fld id="{68BD6A3A-A19A-4ED4-8F67-042BF607E66F}" type="slidenum">
               <a:rPr b="0" lang="en-GB" sz="1000" spc="-1" strike="noStrike">
                 <a:solidFill>
                   <a:schemeClr val="dk2"/>
@@ -2708,7 +2715,7 @@
                 <a:tab algn="l" pos="0"/>
               </a:tabLst>
             </a:pPr>
-            <a:fld id="{671C0F1C-65DB-4EA0-8A03-F39C28FC15A7}" type="slidenum">
+            <a:fld id="{93062BD4-E628-4625-B637-92069D21DCA1}" type="slidenum">
               <a:rPr b="0" lang="en-GB" sz="1000" spc="-1" strike="noStrike">
                 <a:solidFill>
                   <a:schemeClr val="dk2"/>
@@ -3090,7 +3097,7 @@
                 <a:tab algn="l" pos="0"/>
               </a:tabLst>
             </a:pPr>
-            <a:fld id="{E82A57E9-645A-4A43-ACFD-AD4A3E412028}" type="slidenum">
+            <a:fld id="{38DD04D3-DC4E-4892-8394-84E650E2007C}" type="slidenum">
               <a:rPr b="0" lang="en-GB" sz="1000" spc="-1" strike="noStrike">
                 <a:solidFill>
                   <a:schemeClr val="dk2"/>
@@ -3247,7 +3254,7 @@
                 <a:tab algn="l" pos="0"/>
               </a:tabLst>
             </a:pPr>
-            <a:fld id="{54358BAF-CBCF-41EA-9E16-1ACFA27BAAC6}" type="slidenum">
+            <a:fld id="{CC117800-2D58-4A49-81AD-DA089620DB1E}" type="slidenum">
               <a:rPr b="0" lang="en-GB" sz="1000" spc="-1" strike="noStrike">
                 <a:solidFill>
                   <a:schemeClr val="dk2"/>
@@ -3854,7 +3861,7 @@
                 <a:tab algn="l" pos="0"/>
               </a:tabLst>
             </a:pPr>
-            <a:fld id="{EF8FCE63-8172-4EF7-B3B5-2D95E1264D81}" type="slidenum">
+            <a:fld id="{EDE1346F-CC1F-4C1D-901A-5BB7BA7BF261}" type="slidenum">
               <a:rPr b="0" lang="en-GB" sz="1000" spc="-1" strike="noStrike">
                 <a:solidFill>
                   <a:schemeClr val="dk2"/>
@@ -4236,7 +4243,7 @@
                 <a:tab algn="l" pos="0"/>
               </a:tabLst>
             </a:pPr>
-            <a:fld id="{227303EE-F47B-4053-983B-0E34DCB06A5C}" type="slidenum">
+            <a:fld id="{62BF0913-8228-4579-8C57-5AD555E9A465}" type="slidenum">
               <a:rPr b="0" lang="en-GB" sz="1000" spc="-1" strike="noStrike">
                 <a:solidFill>
                   <a:schemeClr val="dk2"/>
@@ -4618,7 +4625,7 @@
                 <a:tab algn="l" pos="0"/>
               </a:tabLst>
             </a:pPr>
-            <a:fld id="{4003CED7-67DB-4399-9B27-89E1DAB341A0}" type="slidenum">
+            <a:fld id="{68D06125-5A44-429C-8F52-AE4E53950CF2}" type="slidenum">
               <a:rPr b="0" lang="en-GB" sz="1000" spc="-1" strike="noStrike">
                 <a:solidFill>
                   <a:schemeClr val="dk2"/>
@@ -4768,7 +4775,7 @@
       </p:grpSpPr>
       <p:sp>
         <p:nvSpPr>
-          <p:cNvPr id="77" name="PlaceHolder 1"/>
+          <p:cNvPr id="78" name="PlaceHolder 1"/>
           <p:cNvSpPr>
             <a:spLocks noGrp="1"/>
           </p:cNvSpPr>
@@ -4815,9 +4822,8 @@
                   <a:srgbClr val="000000"/>
                 </a:solidFill>
                 <a:latin typeface="Arial"/>
-                <a:ea typeface="Noto Sans CJK SC"/>
-              </a:rPr>
-              <a:t>Incrustados</a:t>
+              </a:rPr>
+              <a:t>Conectados con un plugin</a:t>
             </a:r>
             <a:r>
               <a:rPr b="0" lang="es-ES" sz="1500" spc="-1" strike="noStrike">
@@ -4825,9 +4831,8 @@
                   <a:srgbClr val="000000"/>
                 </a:solidFill>
                 <a:latin typeface="Arial"/>
-                <a:ea typeface="Noto Sans CJK SC"/>
-              </a:rPr>
-              <a:t> ˁ˚ᴥ˚ˀ</a:t>
+              </a:rPr>
+              <a:t> ᒡ◯ᵔ◯ᒢ</a:t>
             </a:r>
             <a:endParaRPr b="0" lang="es-ES" sz="1500" spc="-1" strike="noStrike">
               <a:solidFill>
@@ -4840,7 +4845,7 @@
       </p:sp>
       <p:sp>
         <p:nvSpPr>
-          <p:cNvPr id="78" name="PlaceHolder 2"/>
+          <p:cNvPr id="79" name="PlaceHolder 2"/>
           <p:cNvSpPr>
             <a:spLocks noGrp="1"/>
           </p:cNvSpPr>
@@ -4850,8 +4855,8 @@
         </p:nvSpPr>
         <p:spPr>
           <a:xfrm>
-            <a:off x="311760" y="1337400"/>
-            <a:ext cx="8518680" cy="3240720"/>
+            <a:off x="311760" y="1461600"/>
+            <a:ext cx="8518680" cy="3116520"/>
           </a:xfrm>
           <a:prstGeom prst="rect">
             <a:avLst/>
@@ -4863,371 +4868,14 @@
         </p:spPr>
         <p:txBody>
           <a:bodyPr lIns="91440" rIns="91440" tIns="91440" bIns="91440" anchor="t">
-            <a:normAutofit fontScale="56111"/>
+            <a:normAutofit/>
           </a:bodyPr>
           <a:p>
             <a:pPr indent="0">
-              <a:lnSpc>
-                <a:spcPct val="100000"/>
-              </a:lnSpc>
-              <a:spcBef>
-                <a:spcPts val="340"/>
-              </a:spcBef>
-              <a:spcAft>
-                <a:spcPts val="283"/>
-              </a:spcAft>
+              <a:spcBef>
+                <a:spcPts val="1417"/>
+              </a:spcBef>
               <a:buNone/>
-              <a:tabLst>
-                <a:tab algn="l" pos="0"/>
-              </a:tabLst>
-            </a:pPr>
-            <a:r>
-              <a:rPr b="0" lang="es-ES" sz="1800" spc="-1" strike="noStrike">
-                <a:solidFill>
-                  <a:srgbClr val="000000"/>
-                </a:solidFill>
-                <a:latin typeface="Arial"/>
-              </a:rPr>
-              <a:t>La mayoría de CRM dan códigos para incrustar formularios en tu web. Son códigos muy sencillos de usar, generas el formulario y cortas y pegas el código que te dan en tu web, en páginas, widgets, …</a:t>
-            </a:r>
-            <a:endParaRPr b="0" lang="es-ES" sz="1800" spc="-1" strike="noStrike">
-              <a:solidFill>
-                <a:srgbClr val="000000"/>
-              </a:solidFill>
-              <a:latin typeface="Arial"/>
-            </a:endParaRPr>
-          </a:p>
-          <a:p>
-            <a:pPr indent="0">
-              <a:lnSpc>
-                <a:spcPct val="100000"/>
-              </a:lnSpc>
-              <a:spcBef>
-                <a:spcPts val="340"/>
-              </a:spcBef>
-              <a:spcAft>
-                <a:spcPts val="283"/>
-              </a:spcAft>
-              <a:buNone/>
-              <a:tabLst>
-                <a:tab algn="l" pos="0"/>
-              </a:tabLst>
-            </a:pPr>
-            <a:r>
-              <a:rPr b="1" lang="es-ES" sz="1800" spc="-1" strike="noStrike">
-                <a:solidFill>
-                  <a:srgbClr val="000000"/>
-                </a:solidFill>
-                <a:latin typeface="Arial"/>
-              </a:rPr>
-              <a:t>Ventajas:</a:t>
-            </a:r>
-            <a:endParaRPr b="0" lang="es-ES" sz="1800" spc="-1" strike="noStrike">
-              <a:solidFill>
-                <a:srgbClr val="000000"/>
-              </a:solidFill>
-              <a:latin typeface="Arial"/>
-            </a:endParaRPr>
-          </a:p>
-          <a:p>
-            <a:pPr marL="720000" indent="-324000">
-              <a:lnSpc>
-                <a:spcPct val="100000"/>
-              </a:lnSpc>
-              <a:spcBef>
-                <a:spcPts val="340"/>
-              </a:spcBef>
-              <a:spcAft>
-                <a:spcPts val="283"/>
-              </a:spcAft>
-              <a:buClr>
-                <a:srgbClr val="000000"/>
-              </a:buClr>
-              <a:buFont typeface="Wingdings" charset="2"/>
-              <a:buChar char=""/>
-              <a:tabLst>
-                <a:tab algn="l" pos="0"/>
-              </a:tabLst>
-            </a:pPr>
-            <a:r>
-              <a:rPr b="0" lang="es-ES" sz="1800" spc="-1" strike="noStrike">
-                <a:solidFill>
-                  <a:srgbClr val="000000"/>
-                </a:solidFill>
-                <a:latin typeface="Arial"/>
-              </a:rPr>
-              <a:t>Muy fácil de crear e integrar y exigen pocos conocimientos.</a:t>
-            </a:r>
-            <a:endParaRPr b="0" lang="es-ES" sz="1800" spc="-1" strike="noStrike">
-              <a:solidFill>
-                <a:srgbClr val="000000"/>
-              </a:solidFill>
-              <a:latin typeface="Arial"/>
-            </a:endParaRPr>
-          </a:p>
-          <a:p>
-            <a:pPr marL="720000" indent="-324000">
-              <a:lnSpc>
-                <a:spcPct val="100000"/>
-              </a:lnSpc>
-              <a:spcBef>
-                <a:spcPts val="340"/>
-              </a:spcBef>
-              <a:spcAft>
-                <a:spcPts val="283"/>
-              </a:spcAft>
-              <a:buClr>
-                <a:srgbClr val="000000"/>
-              </a:buClr>
-              <a:buFont typeface="Wingdings" charset="2"/>
-              <a:buChar char=""/>
-              <a:tabLst>
-                <a:tab algn="l" pos="0"/>
-              </a:tabLst>
-            </a:pPr>
-            <a:r>
-              <a:rPr b="0" lang="es-ES" sz="1800" spc="-1" strike="noStrike">
-                <a:solidFill>
-                  <a:srgbClr val="000000"/>
-                </a:solidFill>
-                <a:latin typeface="Arial"/>
-              </a:rPr>
-              <a:t>La conexión es directa, no debería haber fallos.</a:t>
-            </a:r>
-            <a:endParaRPr b="0" lang="es-ES" sz="1800" spc="-1" strike="noStrike">
-              <a:solidFill>
-                <a:srgbClr val="000000"/>
-              </a:solidFill>
-              <a:latin typeface="Arial"/>
-            </a:endParaRPr>
-          </a:p>
-          <a:p>
-            <a:pPr marL="720000" indent="-324000">
-              <a:lnSpc>
-                <a:spcPct val="100000"/>
-              </a:lnSpc>
-              <a:spcBef>
-                <a:spcPts val="340"/>
-              </a:spcBef>
-              <a:spcAft>
-                <a:spcPts val="283"/>
-              </a:spcAft>
-              <a:buClr>
-                <a:srgbClr val="000000"/>
-              </a:buClr>
-              <a:buFont typeface="Wingdings" charset="2"/>
-              <a:buChar char=""/>
-              <a:tabLst>
-                <a:tab algn="l" pos="0"/>
-              </a:tabLst>
-            </a:pPr>
-            <a:r>
-              <a:rPr b="0" lang="es-ES" sz="1800" spc="-1" strike="noStrike">
-                <a:solidFill>
-                  <a:srgbClr val="000000"/>
-                </a:solidFill>
-                <a:latin typeface="Arial"/>
-              </a:rPr>
-              <a:t>Ellos se encargan de meter la cookie de rastreo o similares para poder seguir al usuario.</a:t>
-            </a:r>
-            <a:endParaRPr b="0" lang="es-ES" sz="1800" spc="-1" strike="noStrike">
-              <a:solidFill>
-                <a:srgbClr val="000000"/>
-              </a:solidFill>
-              <a:latin typeface="Arial"/>
-            </a:endParaRPr>
-          </a:p>
-          <a:p>
-            <a:pPr indent="0">
-              <a:lnSpc>
-                <a:spcPct val="100000"/>
-              </a:lnSpc>
-              <a:spcBef>
-                <a:spcPts val="340"/>
-              </a:spcBef>
-              <a:spcAft>
-                <a:spcPts val="283"/>
-              </a:spcAft>
-              <a:buNone/>
-              <a:tabLst>
-                <a:tab algn="l" pos="0"/>
-              </a:tabLst>
-            </a:pPr>
-            <a:r>
-              <a:rPr b="1" lang="es-ES" sz="1800" spc="-1" strike="noStrike">
-                <a:solidFill>
-                  <a:srgbClr val="000000"/>
-                </a:solidFill>
-                <a:latin typeface="Arial"/>
-              </a:rPr>
-              <a:t>Desventajas:</a:t>
-            </a:r>
-            <a:endParaRPr b="0" lang="es-ES" sz="1800" spc="-1" strike="noStrike">
-              <a:solidFill>
-                <a:srgbClr val="000000"/>
-              </a:solidFill>
-              <a:latin typeface="Arial"/>
-            </a:endParaRPr>
-          </a:p>
-          <a:p>
-            <a:pPr marL="720000" indent="-324000">
-              <a:lnSpc>
-                <a:spcPct val="100000"/>
-              </a:lnSpc>
-              <a:spcBef>
-                <a:spcPts val="340"/>
-              </a:spcBef>
-              <a:spcAft>
-                <a:spcPts val="283"/>
-              </a:spcAft>
-              <a:buClr>
-                <a:srgbClr val="000000"/>
-              </a:buClr>
-              <a:buFont typeface="Wingdings" charset="2"/>
-              <a:buChar char=""/>
-              <a:tabLst>
-                <a:tab algn="l" pos="0"/>
-              </a:tabLst>
-            </a:pPr>
-            <a:r>
-              <a:rPr b="0" lang="es-ES" sz="1800" spc="-1" strike="noStrike">
-                <a:solidFill>
-                  <a:srgbClr val="000000"/>
-                </a:solidFill>
-                <a:latin typeface="Arial"/>
-              </a:rPr>
-              <a:t>Cuando quieres meter campos especiales que no están en el CRM, te obliga a crear campus personalizados en el CRM para guardar esa información. A la larga creas montones de campos que casi ni se usan.</a:t>
-            </a:r>
-            <a:endParaRPr b="0" lang="es-ES" sz="1800" spc="-1" strike="noStrike">
-              <a:solidFill>
-                <a:srgbClr val="000000"/>
-              </a:solidFill>
-              <a:latin typeface="Arial"/>
-            </a:endParaRPr>
-          </a:p>
-          <a:p>
-            <a:pPr marL="720000" indent="-324000">
-              <a:lnSpc>
-                <a:spcPct val="100000"/>
-              </a:lnSpc>
-              <a:spcBef>
-                <a:spcPts val="340"/>
-              </a:spcBef>
-              <a:spcAft>
-                <a:spcPts val="283"/>
-              </a:spcAft>
-              <a:buClr>
-                <a:srgbClr val="000000"/>
-              </a:buClr>
-              <a:buFont typeface="Wingdings" charset="2"/>
-              <a:buChar char=""/>
-              <a:tabLst>
-                <a:tab algn="l" pos="0"/>
-              </a:tabLst>
-            </a:pPr>
-            <a:r>
-              <a:rPr b="0" lang="es-ES" sz="1800" spc="-1" strike="noStrike">
-                <a:solidFill>
-                  <a:srgbClr val="000000"/>
-                </a:solidFill>
-                <a:latin typeface="Arial"/>
-              </a:rPr>
-              <a:t>No tienen buena integración en el diseño de tu WordPress y suelen quedar un poco pegote.</a:t>
-            </a:r>
-            <a:endParaRPr b="0" lang="es-ES" sz="1800" spc="-1" strike="noStrike">
-              <a:solidFill>
-                <a:srgbClr val="000000"/>
-              </a:solidFill>
-              <a:latin typeface="Arial"/>
-            </a:endParaRPr>
-          </a:p>
-          <a:p>
-            <a:pPr marL="720000" indent="-324000">
-              <a:lnSpc>
-                <a:spcPct val="100000"/>
-              </a:lnSpc>
-              <a:spcBef>
-                <a:spcPts val="340"/>
-              </a:spcBef>
-              <a:spcAft>
-                <a:spcPts val="283"/>
-              </a:spcAft>
-              <a:buClr>
-                <a:srgbClr val="000000"/>
-              </a:buClr>
-              <a:buFont typeface="Wingdings" charset="2"/>
-              <a:buChar char=""/>
-              <a:tabLst>
-                <a:tab algn="l" pos="0"/>
-              </a:tabLst>
-            </a:pPr>
-            <a:r>
-              <a:rPr b="0" lang="es-ES" sz="1800" spc="-1" strike="noStrike">
-                <a:solidFill>
-                  <a:srgbClr val="000000"/>
-                </a:solidFill>
-                <a:latin typeface="Arial"/>
-              </a:rPr>
-              <a:t>No permiten conectar a terceros. Los formularios incrustados se conectan difícilmente con elementos de terceros. Tengo una fundación de una empresa grande que todos los contactos recogidos con los formularios deben registrarse en el CRM que usan ellos (Clientify) y con el de la empresa matriz (Salesforce). Los formularios incrustados de Clientify no permiten hacer una conexión también a Salesforce cumpliendo los requerimientos que Salesforce exige.</a:t>
-            </a:r>
-            <a:endParaRPr b="0" lang="es-ES" sz="1800" spc="-1" strike="noStrike">
-              <a:solidFill>
-                <a:srgbClr val="000000"/>
-              </a:solidFill>
-              <a:latin typeface="Arial"/>
-            </a:endParaRPr>
-          </a:p>
-          <a:p>
-            <a:pPr marL="720000" indent="-324000">
-              <a:lnSpc>
-                <a:spcPct val="100000"/>
-              </a:lnSpc>
-              <a:spcBef>
-                <a:spcPts val="340"/>
-              </a:spcBef>
-              <a:spcAft>
-                <a:spcPts val="283"/>
-              </a:spcAft>
-              <a:buClr>
-                <a:srgbClr val="000000"/>
-              </a:buClr>
-              <a:buFont typeface="Wingdings" charset="2"/>
-              <a:buChar char=""/>
-              <a:tabLst>
-                <a:tab algn="l" pos="0"/>
-              </a:tabLst>
-            </a:pPr>
-            <a:r>
-              <a:rPr b="0" lang="es-ES" sz="1800" spc="-1" strike="noStrike">
-                <a:solidFill>
-                  <a:srgbClr val="000000"/>
-                </a:solidFill>
-                <a:latin typeface="Arial"/>
-              </a:rPr>
-              <a:t>Si cae el CRM caen los formularios de tu web. No suelen fallar, pero puede pasar.</a:t>
-            </a:r>
-            <a:endParaRPr b="0" lang="es-ES" sz="1800" spc="-1" strike="noStrike">
-              <a:solidFill>
-                <a:srgbClr val="000000"/>
-              </a:solidFill>
-              <a:latin typeface="Arial"/>
-            </a:endParaRPr>
-          </a:p>
-          <a:p>
-            <a:pPr indent="0">
-              <a:lnSpc>
-                <a:spcPct val="100000"/>
-              </a:lnSpc>
-              <a:spcBef>
-                <a:spcPts val="1191"/>
-              </a:spcBef>
-              <a:spcAft>
-                <a:spcPts val="992"/>
-              </a:spcAft>
-              <a:buNone/>
-              <a:tabLst>
-                <a:tab algn="l" pos="0"/>
-              </a:tabLst>
             </a:pPr>
             <a:endParaRPr b="0" lang="es-ES" sz="1800" spc="-1" strike="noStrike">
               <a:solidFill>
@@ -5240,7 +4888,7 @@
       </p:sp>
       <p:sp>
         <p:nvSpPr>
-          <p:cNvPr id="79" name="PlaceHolder 3"/>
+          <p:cNvPr id="80" name="PlaceHolder 3"/>
           <p:cNvSpPr>
             <a:spLocks noGrp="1"/>
           </p:cNvSpPr>
@@ -5284,7 +4932,7 @@
             <a:r>
               <a:rPr b="1" lang="es-ES" sz="1800" spc="-1" strike="noStrike">
                 <a:solidFill>
-                  <a:srgbClr val="000000"/>
+                  <a:srgbClr val="174575"/>
                 </a:solidFill>
                 <a:latin typeface="Arial"/>
               </a:rPr>
@@ -5293,7 +4941,7 @@
             <a:r>
               <a:rPr b="0" lang="es-ES" sz="1800" spc="-1" strike="noStrike">
                 <a:solidFill>
-                  <a:srgbClr val="000000"/>
+                  <a:srgbClr val="174575"/>
                 </a:solidFill>
                 <a:latin typeface="Arial"/>
               </a:rPr>
@@ -5340,7 +4988,7 @@
       </p:grpSpPr>
       <p:sp>
         <p:nvSpPr>
-          <p:cNvPr id="80" name="PlaceHolder 1"/>
+          <p:cNvPr id="81" name="PlaceHolder 1"/>
           <p:cNvSpPr>
             <a:spLocks noGrp="1"/>
           </p:cNvSpPr>
@@ -5388,7 +5036,7 @@
                 </a:solidFill>
                 <a:latin typeface="Arial"/>
               </a:rPr>
-              <a:t>Conectados con un plugin</a:t>
+              <a:t>Conectados con un desarrollo propio</a:t>
             </a:r>
             <a:r>
               <a:rPr b="0" lang="es-ES" sz="1500" spc="-1" strike="noStrike">
@@ -5397,7 +5045,7 @@
                 </a:solidFill>
                 <a:latin typeface="Arial"/>
               </a:rPr>
-              <a:t> ᒡ◯ᵔ◯ᒢ</a:t>
+              <a:t> []_ ([]) []_</a:t>
             </a:r>
             <a:endParaRPr b="0" lang="es-ES" sz="1500" spc="-1" strike="noStrike">
               <a:solidFill>
@@ -5410,7 +5058,7 @@
       </p:sp>
       <p:sp>
         <p:nvSpPr>
-          <p:cNvPr id="81" name="PlaceHolder 2"/>
+          <p:cNvPr id="82" name="PlaceHolder 2"/>
           <p:cNvSpPr>
             <a:spLocks noGrp="1"/>
           </p:cNvSpPr>
@@ -5453,7 +5101,7 @@
       </p:sp>
       <p:sp>
         <p:nvSpPr>
-          <p:cNvPr id="82" name="PlaceHolder 3"/>
+          <p:cNvPr id="83" name="PlaceHolder 3"/>
           <p:cNvSpPr>
             <a:spLocks noGrp="1"/>
           </p:cNvSpPr>
@@ -5553,18 +5201,18 @@
       </p:grpSpPr>
       <p:sp>
         <p:nvSpPr>
-          <p:cNvPr id="83" name="PlaceHolder 1"/>
+          <p:cNvPr id="84" name="PlaceHolder 1"/>
           <p:cNvSpPr>
             <a:spLocks noGrp="1"/>
           </p:cNvSpPr>
           <p:nvPr>
-            <p:ph type="title"/>
+            <p:ph/>
           </p:nvPr>
         </p:nvSpPr>
         <p:spPr>
           <a:xfrm>
-            <a:off x="311760" y="815760"/>
-            <a:ext cx="8518680" cy="520920"/>
+            <a:off x="360000" y="3240000"/>
+            <a:ext cx="8518680" cy="1259640"/>
           </a:xfrm>
           <a:prstGeom prst="rect">
             <a:avLst/>
@@ -5579,40 +5227,89 @@
             <a:normAutofit/>
           </a:bodyPr>
           <a:p>
-            <a:pPr indent="0" algn="r">
+            <a:pPr marL="432000" indent="-324000">
               <a:lnSpc>
                 <a:spcPct val="100000"/>
               </a:lnSpc>
               <a:spcBef>
-                <a:spcPts val="1191"/>
+                <a:spcPts val="624"/>
               </a:spcBef>
               <a:spcAft>
-                <a:spcPts val="992"/>
+                <a:spcPts val="425"/>
               </a:spcAft>
-              <a:buNone/>
-              <a:tabLst>
-                <a:tab algn="l" pos="0"/>
-              </a:tabLst>
-            </a:pPr>
-            <a:r>
-              <a:rPr b="1" lang="es-ES" sz="1500" spc="-1" strike="noStrike">
-                <a:solidFill>
-                  <a:srgbClr val="000000"/>
-                </a:solidFill>
-                <a:latin typeface="Arial"/>
-              </a:rPr>
-              <a:t>Conectados con un desarrollo propio</a:t>
-            </a:r>
-            <a:r>
-              <a:rPr b="0" lang="es-ES" sz="1500" spc="-1" strike="noStrike">
-                <a:solidFill>
-                  <a:srgbClr val="000000"/>
-                </a:solidFill>
-                <a:latin typeface="Arial"/>
-              </a:rPr>
-              <a:t> []_ ([]) []_</a:t>
-            </a:r>
-            <a:endParaRPr b="0" lang="es-ES" sz="1500" spc="-1" strike="noStrike">
+              <a:buClr>
+                <a:srgbClr val="000000"/>
+              </a:buClr>
+              <a:buSzPct val="45000"/>
+              <a:buFont typeface="Wingdings" charset="2"/>
+              <a:buChar char=""/>
+            </a:pPr>
+            <a:r>
+              <a:rPr b="1" lang="es-ES" sz="1300" spc="-1" strike="noStrike">
+                <a:solidFill>
+                  <a:srgbClr val="000000"/>
+                </a:solidFill>
+                <a:latin typeface="Arial"/>
+                <a:ea typeface="Noto Sans CJK SC"/>
+              </a:rPr>
+              <a:t>No son desarrollos complicados</a:t>
+            </a:r>
+            <a:r>
+              <a:rPr b="0" lang="es-ES" sz="1300" spc="-1" strike="noStrike">
+                <a:solidFill>
+                  <a:srgbClr val="000000"/>
+                </a:solidFill>
+                <a:latin typeface="Arial"/>
+                <a:ea typeface="Noto Sans CJK SC"/>
+              </a:rPr>
+              <a:t>, son casi siempre tema de POST/GET de los datos y montarlos en un formulario. Se pueden complicar cuando metemos fotos o documentos como CV en PDF, por ejemplo.</a:t>
+            </a:r>
+            <a:endParaRPr b="0" lang="es-ES" sz="1300" spc="-1" strike="noStrike">
+              <a:solidFill>
+                <a:srgbClr val="000000"/>
+              </a:solidFill>
+              <a:latin typeface="Arial"/>
+            </a:endParaRPr>
+          </a:p>
+          <a:p>
+            <a:pPr marL="432000" indent="-324000">
+              <a:lnSpc>
+                <a:spcPct val="100000"/>
+              </a:lnSpc>
+              <a:spcBef>
+                <a:spcPts val="624"/>
+              </a:spcBef>
+              <a:spcAft>
+                <a:spcPts val="425"/>
+              </a:spcAft>
+              <a:buClr>
+                <a:srgbClr val="000000"/>
+              </a:buClr>
+              <a:buSzPct val="45000"/>
+              <a:buFont typeface="Wingdings" charset="2"/>
+              <a:buChar char=""/>
+            </a:pPr>
+            <a:r>
+              <a:rPr b="1" lang="es-ES" sz="1300" spc="-1" strike="noStrike">
+                <a:solidFill>
+                  <a:srgbClr val="000000"/>
+                </a:solidFill>
+                <a:latin typeface="Arial"/>
+                <a:ea typeface="Noto Sans CJK SC"/>
+              </a:rPr>
+              <a:t>No debemos almacenar contraseñas en nuestro CRM</a:t>
+            </a:r>
+            <a:r>
+              <a:rPr b="0" lang="es-ES" sz="1300" spc="-1" strike="noStrike">
+                <a:solidFill>
+                  <a:srgbClr val="000000"/>
+                </a:solidFill>
+                <a:latin typeface="Arial"/>
+                <a:ea typeface="Noto Sans CJK SC"/>
+              </a:rPr>
+              <a:t>, lo suyo es usar el login/registro de WordPress o generar algún tipo de «hash» temporal que se envíe al correo, así la gestión de seguridad la hace el correo.</a:t>
+            </a:r>
+            <a:endParaRPr b="0" lang="es-ES" sz="1300" spc="-1" strike="noStrike">
               <a:solidFill>
                 <a:srgbClr val="000000"/>
               </a:solidFill>
@@ -5623,50 +5320,7 @@
       </p:sp>
       <p:sp>
         <p:nvSpPr>
-          <p:cNvPr id="84" name="PlaceHolder 2"/>
-          <p:cNvSpPr>
-            <a:spLocks noGrp="1"/>
-          </p:cNvSpPr>
-          <p:nvPr>
-            <p:ph/>
-          </p:nvPr>
-        </p:nvSpPr>
-        <p:spPr>
-          <a:xfrm>
-            <a:off x="311760" y="1461600"/>
-            <a:ext cx="8518680" cy="3116520"/>
-          </a:xfrm>
-          <a:prstGeom prst="rect">
-            <a:avLst/>
-          </a:prstGeom>
-          <a:noFill/>
-          <a:ln w="0">
-            <a:noFill/>
-          </a:ln>
-        </p:spPr>
-        <p:txBody>
-          <a:bodyPr lIns="91440" rIns="91440" tIns="91440" bIns="91440" anchor="t">
-            <a:normAutofit/>
-          </a:bodyPr>
-          <a:p>
-            <a:pPr indent="0">
-              <a:spcBef>
-                <a:spcPts val="1417"/>
-              </a:spcBef>
-              <a:buNone/>
-            </a:pPr>
-            <a:endParaRPr b="0" lang="es-ES" sz="1800" spc="-1" strike="noStrike">
-              <a:solidFill>
-                <a:srgbClr val="000000"/>
-              </a:solidFill>
-              <a:latin typeface="Arial"/>
-            </a:endParaRPr>
-          </a:p>
-        </p:txBody>
-      </p:sp>
-      <p:sp>
-        <p:nvSpPr>
-          <p:cNvPr id="85" name="PlaceHolder 3"/>
+          <p:cNvPr id="85" name="PlaceHolder 2"/>
           <p:cNvSpPr>
             <a:spLocks noGrp="1"/>
           </p:cNvSpPr>
@@ -5676,7 +5330,7 @@
         </p:nvSpPr>
         <p:spPr>
           <a:xfrm>
-            <a:off x="2329200" y="294480"/>
+            <a:off x="2329560" y="294840"/>
             <a:ext cx="6490440" cy="520920"/>
           </a:xfrm>
           <a:prstGeom prst="rect">
@@ -5714,7 +5368,7 @@
                 </a:solidFill>
                 <a:latin typeface="Arial"/>
               </a:rPr>
-              <a:t>Formularios </a:t>
+              <a:t>Perfiles de usuarios </a:t>
             </a:r>
             <a:r>
               <a:rPr b="0" lang="es-ES" sz="1800" spc="-1" strike="noStrike">
@@ -5723,9 +5377,265 @@
                 </a:solidFill>
                 <a:latin typeface="Arial"/>
               </a:rPr>
-              <a:t>[̲̅$̲̅(̲̅ιοο̲̅)̲̅$̲̅]</a:t>
+              <a:t> ¦̵̱ ̵̱ ̵̱ ̵̱ ̵̱(̢ ̡͇̅└͇̅┘͇̅ (▤8</a:t>
+            </a:r>
+            <a:r>
+              <a:rPr b="0" lang="hi-IN" sz="1800" spc="-1" strike="noStrike">
+                <a:solidFill>
+                  <a:srgbClr val="174575"/>
+                </a:solidFill>
+                <a:latin typeface="Arial"/>
+              </a:rPr>
+              <a:t>כ</a:t>
+            </a:r>
+            <a:r>
+              <a:rPr b="0" lang="es-ES" sz="1800" spc="-1" strike="noStrike">
+                <a:solidFill>
+                  <a:srgbClr val="174575"/>
+                </a:solidFill>
+                <a:latin typeface="Arial"/>
+              </a:rPr>
+              <a:t>−◦</a:t>
             </a:r>
             <a:endParaRPr b="0" lang="es-ES" sz="1800" spc="-1" strike="noStrike">
+              <a:solidFill>
+                <a:srgbClr val="000000"/>
+              </a:solidFill>
+              <a:latin typeface="Arial"/>
+            </a:endParaRPr>
+          </a:p>
+        </p:txBody>
+      </p:sp>
+      <p:sp>
+        <p:nvSpPr>
+          <p:cNvPr id="86" name="PlaceHolder 10"/>
+          <p:cNvSpPr/>
+          <p:nvPr/>
+        </p:nvSpPr>
+        <p:spPr>
+          <a:xfrm>
+            <a:off x="360000" y="900000"/>
+            <a:ext cx="8639640" cy="1800000"/>
+          </a:xfrm>
+          <a:prstGeom prst="rect">
+            <a:avLst/>
+          </a:prstGeom>
+          <a:noFill/>
+          <a:ln w="0">
+            <a:noFill/>
+          </a:ln>
+        </p:spPr>
+        <p:style>
+          <a:lnRef idx="0"/>
+          <a:fillRef idx="0"/>
+          <a:effectRef idx="0"/>
+          <a:fontRef idx="minor"/>
+        </p:style>
+        <p:txBody>
+          <a:bodyPr lIns="90000" rIns="90000" tIns="91440" bIns="91440" anchor="t">
+            <a:normAutofit/>
+          </a:bodyPr>
+          <a:p>
+            <a:pPr>
+              <a:lnSpc>
+                <a:spcPct val="100000"/>
+              </a:lnSpc>
+              <a:spcBef>
+                <a:spcPts val="850"/>
+              </a:spcBef>
+              <a:spcAft>
+                <a:spcPts val="850"/>
+              </a:spcAft>
+            </a:pPr>
+            <a:r>
+              <a:rPr b="0" lang="es-ES" sz="1300" spc="-1" strike="noStrike">
+                <a:solidFill>
+                  <a:srgbClr val="000000"/>
+                </a:solidFill>
+                <a:latin typeface="Arial"/>
+                <a:ea typeface="Noto Sans CJK SC"/>
+              </a:rPr>
+              <a:t>Otra forma bastante común de conectar tu web en WordPress con tu CRM es crear un editor de perfil en tu web para que las propias usuarias puedan editar sus datos, sus preferencias y sus boletines de forma que ellas directamente nos den la información que luego vamos a usar.</a:t>
+            </a:r>
+            <a:endParaRPr b="0" lang="es-ES" sz="1300" spc="-1" strike="noStrike">
+              <a:solidFill>
+                <a:srgbClr val="000000"/>
+              </a:solidFill>
+              <a:latin typeface="Arial"/>
+              <a:ea typeface="Noto Sans CJK SC"/>
+            </a:endParaRPr>
+          </a:p>
+          <a:p>
+            <a:pPr>
+              <a:lnSpc>
+                <a:spcPct val="100000"/>
+              </a:lnSpc>
+              <a:spcBef>
+                <a:spcPts val="850"/>
+              </a:spcBef>
+              <a:spcAft>
+                <a:spcPts val="850"/>
+              </a:spcAft>
+            </a:pPr>
+            <a:r>
+              <a:rPr b="0" lang="es-ES" sz="1300" spc="-1" strike="noStrike">
+                <a:solidFill>
+                  <a:srgbClr val="000000"/>
+                </a:solidFill>
+                <a:latin typeface="Arial"/>
+                <a:ea typeface="Noto Sans CJK SC"/>
+              </a:rPr>
+              <a:t>Algunos ejemplos:</a:t>
+            </a:r>
+            <a:endParaRPr b="0" lang="es-ES" sz="1300" spc="-1" strike="noStrike">
+              <a:solidFill>
+                <a:srgbClr val="000000"/>
+              </a:solidFill>
+              <a:latin typeface="Arial"/>
+              <a:ea typeface="Noto Sans CJK SC"/>
+            </a:endParaRPr>
+          </a:p>
+          <a:p>
+            <a:pPr marL="432000" indent="-324000">
+              <a:lnSpc>
+                <a:spcPct val="100000"/>
+              </a:lnSpc>
+              <a:spcBef>
+                <a:spcPts val="340"/>
+              </a:spcBef>
+              <a:spcAft>
+                <a:spcPts val="142"/>
+              </a:spcAft>
+              <a:buClr>
+                <a:srgbClr val="000000"/>
+              </a:buClr>
+              <a:buSzPct val="45000"/>
+              <a:buFont typeface="Wingdings" charset="2"/>
+              <a:buChar char=""/>
+            </a:pPr>
+            <a:r>
+              <a:rPr b="0" lang="es-ES" sz="1300" spc="-1" strike="noStrike" u="sng">
+                <a:solidFill>
+                  <a:srgbClr val="0097a7"/>
+                </a:solidFill>
+                <a:uFillTx/>
+                <a:latin typeface="Arial"/>
+                <a:ea typeface="Noto Sans CJK SC"/>
+                <a:hlinkClick r:id="rId1"/>
+              </a:rPr>
+              <a:t>SPRI</a:t>
+            </a:r>
+            <a:endParaRPr b="0" lang="es-ES" sz="1300" spc="-1" strike="noStrike">
+              <a:solidFill>
+                <a:srgbClr val="000000"/>
+              </a:solidFill>
+              <a:latin typeface="Arial"/>
+              <a:ea typeface="Noto Sans CJK SC"/>
+            </a:endParaRPr>
+          </a:p>
+          <a:p>
+            <a:pPr marL="432000" indent="-324000">
+              <a:lnSpc>
+                <a:spcPct val="100000"/>
+              </a:lnSpc>
+              <a:spcBef>
+                <a:spcPts val="340"/>
+              </a:spcBef>
+              <a:spcAft>
+                <a:spcPts val="142"/>
+              </a:spcAft>
+              <a:buClr>
+                <a:srgbClr val="000000"/>
+              </a:buClr>
+              <a:buSzPct val="45000"/>
+              <a:buFont typeface="Wingdings" charset="2"/>
+              <a:buChar char=""/>
+            </a:pPr>
+            <a:r>
+              <a:rPr b="0" lang="es-ES" sz="1300" spc="-1" strike="noStrike" u="sng">
+                <a:solidFill>
+                  <a:srgbClr val="0097a7"/>
+                </a:solidFill>
+                <a:uFillTx/>
+                <a:latin typeface="Arial"/>
+                <a:ea typeface="Noto Sans CJK SC"/>
+                <a:hlinkClick r:id="rId2"/>
+              </a:rPr>
+              <a:t>AED</a:t>
+            </a:r>
+            <a:endParaRPr b="0" lang="es-ES" sz="1300" spc="-1" strike="noStrike">
+              <a:solidFill>
+                <a:srgbClr val="000000"/>
+              </a:solidFill>
+              <a:latin typeface="Arial"/>
+              <a:ea typeface="Noto Sans CJK SC"/>
+            </a:endParaRPr>
+          </a:p>
+        </p:txBody>
+      </p:sp>
+      <p:sp>
+        <p:nvSpPr>
+          <p:cNvPr id="87" name="PlaceHolder 11"/>
+          <p:cNvSpPr/>
+          <p:nvPr/>
+        </p:nvSpPr>
+        <p:spPr>
+          <a:xfrm>
+            <a:off x="180000" y="2718720"/>
+            <a:ext cx="8650440" cy="520920"/>
+          </a:xfrm>
+          <a:prstGeom prst="rect">
+            <a:avLst/>
+          </a:prstGeom>
+          <a:noFill/>
+          <a:ln w="0">
+            <a:noFill/>
+          </a:ln>
+        </p:spPr>
+        <p:style>
+          <a:lnRef idx="0"/>
+          <a:fillRef idx="0"/>
+          <a:effectRef idx="0"/>
+          <a:fontRef idx="minor"/>
+        </p:style>
+        <p:txBody>
+          <a:bodyPr lIns="90000" rIns="90000" tIns="91440" bIns="91440" anchor="t">
+            <a:normAutofit/>
+          </a:bodyPr>
+          <a:p>
+            <a:pPr algn="r">
+              <a:lnSpc>
+                <a:spcPct val="100000"/>
+              </a:lnSpc>
+              <a:spcBef>
+                <a:spcPts val="1191"/>
+              </a:spcBef>
+              <a:spcAft>
+                <a:spcPts val="992"/>
+              </a:spcAft>
+              <a:tabLst>
+                <a:tab algn="l" pos="0"/>
+              </a:tabLst>
+            </a:pPr>
+            <a:r>
+              <a:rPr b="1" lang="es-ES" sz="1500" spc="-1" strike="noStrike">
+                <a:solidFill>
+                  <a:srgbClr val="000000"/>
+                </a:solidFill>
+                <a:latin typeface="Arial"/>
+              </a:rPr>
+              <a:t>Consideraciones</a:t>
+            </a:r>
+            <a:r>
+              <a:rPr b="0" lang="es-ES" sz="1500" spc="-1" strike="noStrike">
+                <a:solidFill>
+                  <a:srgbClr val="000000"/>
+                </a:solidFill>
+                <a:latin typeface="Arial"/>
+              </a:rPr>
+              <a:t> Ƹ̵̡Ӝ̵̨̄Ʒ</a:t>
+            </a:r>
+            <a:endParaRPr b="0" lang="es-ES" sz="1500" spc="-1" strike="noStrike">
               <a:solidFill>
                 <a:srgbClr val="000000"/>
               </a:solidFill>
@@ -5766,18 +5676,18 @@
       </p:grpSpPr>
       <p:sp>
         <p:nvSpPr>
-          <p:cNvPr id="86" name="PlaceHolder 1"/>
+          <p:cNvPr id="88" name="PlaceHolder 1"/>
           <p:cNvSpPr>
             <a:spLocks noGrp="1"/>
           </p:cNvSpPr>
           <p:nvPr>
-            <p:ph type="title"/>
+            <p:ph/>
           </p:nvPr>
         </p:nvSpPr>
         <p:spPr>
           <a:xfrm>
-            <a:off x="380880" y="738720"/>
-            <a:ext cx="8518680" cy="520920"/>
+            <a:off x="311760" y="1461600"/>
+            <a:ext cx="5807880" cy="3116520"/>
           </a:xfrm>
           <a:prstGeom prst="rect">
             <a:avLst/>
@@ -5789,10 +5699,10 @@
         </p:spPr>
         <p:txBody>
           <a:bodyPr lIns="91440" rIns="91440" tIns="91440" bIns="91440" anchor="t">
-            <a:normAutofit/>
+            <a:normAutofit fontScale="81111"/>
           </a:bodyPr>
           <a:p>
-            <a:pPr indent="0" algn="r">
+            <a:pPr indent="0">
               <a:lnSpc>
                 <a:spcPct val="100000"/>
               </a:lnSpc>
@@ -5808,51 +5718,133 @@
               </a:tabLst>
             </a:pPr>
             <a:r>
-              <a:rPr b="1" lang="es-ES" sz="1800" spc="-1" strike="noStrike">
-                <a:solidFill>
-                  <a:srgbClr val="000000"/>
-                </a:solidFill>
-                <a:latin typeface="Arial"/>
-              </a:rPr>
-              <a:t>Mixto</a:t>
-            </a:r>
-            <a:r>
-              <a:rPr b="0" lang="es-ES" sz="1800" spc="-1" strike="noStrike">
-                <a:solidFill>
-                  <a:srgbClr val="000000"/>
-                </a:solidFill>
-                <a:latin typeface="Arial"/>
-              </a:rPr>
-              <a:t> </a:t>
-            </a:r>
-            <a:r>
-              <a:rPr b="0" lang="hi-IN" sz="1800" spc="-1" strike="noStrike">
-                <a:solidFill>
-                  <a:srgbClr val="000000"/>
-                </a:solidFill>
-                <a:latin typeface="Arial"/>
-              </a:rPr>
-              <a:t>இ</a:t>
-            </a:r>
-            <a:r>
-              <a:rPr b="0" lang="hi-IN" sz="1800" spc="-1" strike="noStrike">
-                <a:solidFill>
-                  <a:srgbClr val="000000"/>
-                </a:solidFill>
-                <a:latin typeface="Arial"/>
-              </a:rPr>
-              <a:t>ڿڰۣ-ڰۣ</a:t>
-            </a:r>
-            <a:r>
-              <a:rPr b="0" lang="es-ES" sz="1800" spc="-1" strike="noStrike">
-                <a:solidFill>
-                  <a:srgbClr val="000000"/>
-                </a:solidFill>
-                <a:latin typeface="Arial"/>
-              </a:rPr>
-              <a:t>—</a:t>
-            </a:r>
-            <a:endParaRPr b="0" lang="es-ES" sz="1800" spc="-1" strike="noStrike">
+              <a:rPr b="0" lang="es-ES" sz="1500" spc="-1" strike="noStrike">
+                <a:solidFill>
+                  <a:srgbClr val="000000"/>
+                </a:solidFill>
+                <a:latin typeface="Arial"/>
+              </a:rPr>
+              <a:t>Lo importante en esos desarrollos en </a:t>
+            </a:r>
+            <a:r>
+              <a:rPr b="1" lang="es-ES" sz="1500" spc="-1" strike="noStrike">
+                <a:solidFill>
+                  <a:srgbClr val="000000"/>
+                </a:solidFill>
+                <a:latin typeface="Arial"/>
+              </a:rPr>
+              <a:t>definir bien qué elementos va a tener el formulario y cómo van a poder rellenar</a:t>
+            </a:r>
+            <a:r>
+              <a:rPr b="0" lang="es-ES" sz="1500" spc="-1" strike="noStrike">
+                <a:solidFill>
+                  <a:srgbClr val="000000"/>
+                </a:solidFill>
+                <a:latin typeface="Arial"/>
+              </a:rPr>
+              <a:t>. Datos muy relevantes como pueden ser el tamaño de tu empresa, puede que no interese dejarse de mano de las clientes que editan su perfil.</a:t>
+            </a:r>
+            <a:endParaRPr b="0" lang="es-ES" sz="1500" spc="-1" strike="noStrike">
+              <a:solidFill>
+                <a:srgbClr val="000000"/>
+              </a:solidFill>
+              <a:latin typeface="Arial"/>
+            </a:endParaRPr>
+          </a:p>
+          <a:p>
+            <a:pPr indent="0">
+              <a:lnSpc>
+                <a:spcPct val="100000"/>
+              </a:lnSpc>
+              <a:spcBef>
+                <a:spcPts val="1191"/>
+              </a:spcBef>
+              <a:spcAft>
+                <a:spcPts val="992"/>
+              </a:spcAft>
+              <a:buNone/>
+              <a:tabLst>
+                <a:tab algn="l" pos="0"/>
+              </a:tabLst>
+            </a:pPr>
+            <a:r>
+              <a:rPr b="0" lang="es-ES" sz="1500" spc="-1" strike="noStrike">
+                <a:solidFill>
+                  <a:srgbClr val="000000"/>
+                </a:solidFill>
+                <a:latin typeface="Arial"/>
+              </a:rPr>
+              <a:t>La mejor opción es </a:t>
+            </a:r>
+            <a:r>
+              <a:rPr b="1" lang="es-ES" sz="1500" spc="-1" strike="noStrike">
+                <a:solidFill>
+                  <a:srgbClr val="000000"/>
+                </a:solidFill>
+                <a:latin typeface="Arial"/>
+              </a:rPr>
+              <a:t>cerrar lo más posible la entrada de datos</a:t>
+            </a:r>
+            <a:r>
+              <a:rPr b="0" lang="es-ES" sz="1500" spc="-1" strike="noStrike">
+                <a:solidFill>
+                  <a:srgbClr val="000000"/>
+                </a:solidFill>
+                <a:latin typeface="Arial"/>
+              </a:rPr>
+              <a:t>. Si podéis cerrar las opciones con desplegables, checkboxes, etc. mucho mejor que textos libres. Pensad que una ciudad puede escribirse de muchas formas: Galdakano, Galdacano, Galdakao, etc. </a:t>
+            </a:r>
+            <a:endParaRPr b="0" lang="es-ES" sz="1500" spc="-1" strike="noStrike">
+              <a:solidFill>
+                <a:srgbClr val="000000"/>
+              </a:solidFill>
+              <a:latin typeface="Arial"/>
+            </a:endParaRPr>
+          </a:p>
+          <a:p>
+            <a:pPr indent="0">
+              <a:lnSpc>
+                <a:spcPct val="100000"/>
+              </a:lnSpc>
+              <a:spcBef>
+                <a:spcPts val="1191"/>
+              </a:spcBef>
+              <a:spcAft>
+                <a:spcPts val="992"/>
+              </a:spcAft>
+              <a:buNone/>
+              <a:tabLst>
+                <a:tab algn="l" pos="0"/>
+              </a:tabLst>
+            </a:pPr>
+            <a:r>
+              <a:rPr b="0" lang="es-ES" sz="1500" spc="-1" strike="noStrike">
+                <a:solidFill>
+                  <a:srgbClr val="000000"/>
+                </a:solidFill>
+                <a:latin typeface="Arial"/>
+              </a:rPr>
+              <a:t>Os diría que </a:t>
+            </a:r>
+            <a:r>
+              <a:rPr b="1" lang="es-ES" sz="1500" spc="-1" strike="noStrike">
+                <a:solidFill>
+                  <a:srgbClr val="000000"/>
+                </a:solidFill>
+                <a:latin typeface="Arial"/>
+              </a:rPr>
+              <a:t>si tenéis dudas con ciertos campos, los duplicáis</a:t>
+            </a:r>
+            <a:r>
+              <a:rPr b="0" lang="es-ES" sz="1500" spc="-1" strike="noStrike">
+                <a:solidFill>
+                  <a:srgbClr val="000000"/>
+                </a:solidFill>
+                <a:latin typeface="Arial"/>
+              </a:rPr>
+              <a:t> y luego ver como funcionan las usuarias, tomáis una decisión de mantenerlo separado o fusionáis. Siguiendo el ejemplo anterior del tamaño de empresa, podemos tener el campo del CRM «tamaño_empresa» que usa marketing para sus segmentos y creamos otro para «tamaño_empresa_perfil» para el perfil de usuaria. </a:t>
+            </a:r>
+            <a:endParaRPr b="0" lang="es-ES" sz="1500" spc="-1" strike="noStrike">
               <a:solidFill>
                 <a:srgbClr val="000000"/>
               </a:solidFill>
@@ -5863,50 +5855,7 @@
       </p:sp>
       <p:sp>
         <p:nvSpPr>
-          <p:cNvPr id="87" name="PlaceHolder 2"/>
-          <p:cNvSpPr>
-            <a:spLocks noGrp="1"/>
-          </p:cNvSpPr>
-          <p:nvPr>
-            <p:ph/>
-          </p:nvPr>
-        </p:nvSpPr>
-        <p:spPr>
-          <a:xfrm>
-            <a:off x="311760" y="1461600"/>
-            <a:ext cx="8518680" cy="3116520"/>
-          </a:xfrm>
-          <a:prstGeom prst="rect">
-            <a:avLst/>
-          </a:prstGeom>
-          <a:noFill/>
-          <a:ln w="0">
-            <a:noFill/>
-          </a:ln>
-        </p:spPr>
-        <p:txBody>
-          <a:bodyPr lIns="91440" rIns="91440" tIns="91440" bIns="91440" anchor="t">
-            <a:normAutofit/>
-          </a:bodyPr>
-          <a:p>
-            <a:pPr indent="0">
-              <a:spcBef>
-                <a:spcPts val="1417"/>
-              </a:spcBef>
-              <a:buNone/>
-            </a:pPr>
-            <a:endParaRPr b="0" lang="es-ES" sz="1800" spc="-1" strike="noStrike">
-              <a:solidFill>
-                <a:srgbClr val="000000"/>
-              </a:solidFill>
-              <a:latin typeface="Arial"/>
-            </a:endParaRPr>
-          </a:p>
-        </p:txBody>
-      </p:sp>
-      <p:sp>
-        <p:nvSpPr>
-          <p:cNvPr id="88" name="PlaceHolder 3"/>
+          <p:cNvPr id="89" name="PlaceHolder 2"/>
           <p:cNvSpPr>
             <a:spLocks noGrp="1"/>
           </p:cNvSpPr>
@@ -5954,7 +5903,7 @@
                 </a:solidFill>
                 <a:latin typeface="Arial"/>
               </a:rPr>
-              <a:t>Formularios </a:t>
+              <a:t>Perfiles de usuarios </a:t>
             </a:r>
             <a:r>
               <a:rPr b="0" lang="es-ES" sz="1800" spc="-1" strike="noStrike">
@@ -5963,7 +5912,25 @@
                 </a:solidFill>
                 <a:latin typeface="Arial"/>
               </a:rPr>
-              <a:t>[̲̅$̲̅(̲̅ιοο̲̅)̲̅$̲̅]</a:t>
+              <a:t> ¦̵̱ ̵̱ ̵̱ ̵̱ ̵̱(̢ ̡͇̅└͇̅┘͇̅ (▤8</a:t>
+            </a:r>
+            <a:r>
+              <a:rPr b="0" lang="hi-IN" sz="1800" spc="-1" strike="noStrike">
+                <a:solidFill>
+                  <a:srgbClr val="174575"/>
+                </a:solidFill>
+                <a:latin typeface="Arial"/>
+              </a:rPr>
+              <a:t>כ</a:t>
+            </a:r>
+            <a:r>
+              <a:rPr b="0" lang="es-ES" sz="1800" spc="-1" strike="noStrike">
+                <a:solidFill>
+                  <a:srgbClr val="174575"/>
+                </a:solidFill>
+                <a:latin typeface="Arial"/>
+              </a:rPr>
+              <a:t>−◦</a:t>
             </a:r>
             <a:endParaRPr b="0" lang="es-ES" sz="1800" spc="-1" strike="noStrike">
               <a:solidFill>
@@ -5974,6 +5941,100 @@
           </a:p>
         </p:txBody>
       </p:sp>
+      <p:sp>
+        <p:nvSpPr>
+          <p:cNvPr id="90" name="PlaceHolder 8"/>
+          <p:cNvSpPr/>
+          <p:nvPr/>
+        </p:nvSpPr>
+        <p:spPr>
+          <a:xfrm>
+            <a:off x="180000" y="900000"/>
+            <a:ext cx="8650440" cy="520920"/>
+          </a:xfrm>
+          <a:prstGeom prst="rect">
+            <a:avLst/>
+          </a:prstGeom>
+          <a:noFill/>
+          <a:ln w="0">
+            <a:noFill/>
+          </a:ln>
+        </p:spPr>
+        <p:style>
+          <a:lnRef idx="0"/>
+          <a:fillRef idx="0"/>
+          <a:effectRef idx="0"/>
+          <a:fontRef idx="minor"/>
+        </p:style>
+        <p:txBody>
+          <a:bodyPr lIns="90000" rIns="90000" tIns="91440" bIns="91440" anchor="t">
+            <a:normAutofit/>
+          </a:bodyPr>
+          <a:p>
+            <a:pPr algn="r">
+              <a:lnSpc>
+                <a:spcPct val="100000"/>
+              </a:lnSpc>
+              <a:spcBef>
+                <a:spcPts val="1191"/>
+              </a:spcBef>
+              <a:spcAft>
+                <a:spcPts val="992"/>
+              </a:spcAft>
+              <a:tabLst>
+                <a:tab algn="l" pos="0"/>
+              </a:tabLst>
+            </a:pPr>
+            <a:r>
+              <a:rPr b="1" lang="es-ES" sz="1500" spc="-1" strike="noStrike">
+                <a:solidFill>
+                  <a:srgbClr val="000000"/>
+                </a:solidFill>
+                <a:latin typeface="Arial"/>
+              </a:rPr>
+              <a:t>¿Cómo tratar los datos?</a:t>
+            </a:r>
+            <a:r>
+              <a:rPr b="0" lang="es-ES" sz="1500" spc="-1" strike="noStrike">
+                <a:solidFill>
+                  <a:srgbClr val="000000"/>
+                </a:solidFill>
+                <a:latin typeface="Arial"/>
+              </a:rPr>
+              <a:t> d[ o_0 ]b</a:t>
+            </a:r>
+            <a:endParaRPr b="0" lang="es-ES" sz="1500" spc="-1" strike="noStrike">
+              <a:solidFill>
+                <a:srgbClr val="000000"/>
+              </a:solidFill>
+              <a:latin typeface="Arial"/>
+            </a:endParaRPr>
+          </a:p>
+        </p:txBody>
+      </p:sp>
+      <p:pic>
+        <p:nvPicPr>
+          <p:cNvPr id="91" name="" descr=""/>
+          <p:cNvPicPr/>
+          <p:nvPr/>
+        </p:nvPicPr>
+        <p:blipFill>
+          <a:blip r:embed="rId1"/>
+          <a:stretch/>
+        </p:blipFill>
+        <p:spPr>
+          <a:xfrm>
+            <a:off x="6120000" y="1394280"/>
+            <a:ext cx="2700000" cy="3339360"/>
+          </a:xfrm>
+          <a:prstGeom prst="rect">
+            <a:avLst/>
+          </a:prstGeom>
+          <a:ln w="0">
+            <a:noFill/>
+          </a:ln>
+        </p:spPr>
+      </p:pic>
     </p:spTree>
   </p:cSld>
   <mc:AlternateContent>
@@ -6006,7 +6067,7 @@
       </p:grpSpPr>
       <p:sp>
         <p:nvSpPr>
-          <p:cNvPr id="89" name="PlaceHolder 1"/>
+          <p:cNvPr id="92" name="PlaceHolder 1"/>
           <p:cNvSpPr>
             <a:spLocks noGrp="1"/>
           </p:cNvSpPr>
@@ -6016,8 +6077,8 @@
         </p:nvSpPr>
         <p:spPr>
           <a:xfrm>
-            <a:off x="360000" y="3240000"/>
-            <a:ext cx="8518680" cy="1259640"/>
+            <a:off x="311760" y="900000"/>
+            <a:ext cx="5987880" cy="3678120"/>
           </a:xfrm>
           <a:prstGeom prst="rect">
             <a:avLst/>
@@ -6029,92 +6090,177 @@
         </p:spPr>
         <p:txBody>
           <a:bodyPr lIns="91440" rIns="91440" tIns="91440" bIns="91440" anchor="t">
-            <a:normAutofit/>
+            <a:normAutofit fontScale="62222" lnSpcReduction="10000"/>
           </a:bodyPr>
           <a:p>
-            <a:pPr marL="432000" indent="-324000">
+            <a:pPr indent="0">
               <a:lnSpc>
                 <a:spcPct val="100000"/>
               </a:lnSpc>
               <a:spcBef>
-                <a:spcPts val="624"/>
+                <a:spcPts val="1191"/>
               </a:spcBef>
               <a:spcAft>
-                <a:spcPts val="425"/>
+                <a:spcPts val="992"/>
               </a:spcAft>
-              <a:buClr>
-                <a:srgbClr val="000000"/>
-              </a:buClr>
-              <a:buSzPct val="45000"/>
-              <a:buFont typeface="Wingdings" charset="2"/>
-              <a:buChar char=""/>
-            </a:pPr>
-            <a:r>
-              <a:rPr b="1" lang="es-ES" sz="1300" spc="-1" strike="noStrike">
-                <a:solidFill>
-                  <a:srgbClr val="000000"/>
-                </a:solidFill>
-                <a:latin typeface="Arial"/>
-                <a:ea typeface="Noto Sans CJK SC"/>
-              </a:rPr>
-              <a:t>No son desarrollos complicados</a:t>
-            </a:r>
-            <a:r>
-              <a:rPr b="0" lang="es-ES" sz="1300" spc="-1" strike="noStrike">
-                <a:solidFill>
-                  <a:srgbClr val="000000"/>
-                </a:solidFill>
-                <a:latin typeface="Arial"/>
-                <a:ea typeface="Noto Sans CJK SC"/>
-              </a:rPr>
-              <a:t>, son casi siempre tema de POST/GET de los datos y montarlos en un formulario. Se pueden complicar cuando metemos fotos o documentos como CV en PDF, por ejemplo.</a:t>
-            </a:r>
-            <a:endParaRPr b="0" lang="es-ES" sz="1300" spc="-1" strike="noStrike">
-              <a:solidFill>
-                <a:srgbClr val="000000"/>
-              </a:solidFill>
-              <a:latin typeface="Arial"/>
-            </a:endParaRPr>
-          </a:p>
-          <a:p>
-            <a:pPr marL="432000" indent="-324000">
+              <a:buNone/>
+              <a:tabLst>
+                <a:tab algn="l" pos="0"/>
+              </a:tabLst>
+            </a:pPr>
+            <a:r>
+              <a:rPr b="0" lang="es-ES" sz="1800" spc="-1" strike="noStrike">
+                <a:solidFill>
+                  <a:srgbClr val="000000"/>
+                </a:solidFill>
+                <a:latin typeface="Arial"/>
+              </a:rPr>
+              <a:t>Lo mismo que tu WordPress alimenta a tu CRM, habrá veces en que el CRM va a alimentar nuestra web. Este tipo de conexiones van a necesitar desarrollos propios y acceso a API. Las funcionalidades pueden muchas, aunque normalmente solo extraen información.</a:t>
+            </a:r>
+            <a:endParaRPr b="0" lang="es-ES" sz="1800" spc="-1" strike="noStrike">
+              <a:solidFill>
+                <a:srgbClr val="000000"/>
+              </a:solidFill>
+              <a:latin typeface="Arial"/>
+            </a:endParaRPr>
+          </a:p>
+          <a:p>
+            <a:pPr indent="0">
               <a:lnSpc>
                 <a:spcPct val="100000"/>
               </a:lnSpc>
               <a:spcBef>
-                <a:spcPts val="624"/>
+                <a:spcPts val="1191"/>
               </a:spcBef>
               <a:spcAft>
-                <a:spcPts val="425"/>
+                <a:spcPts val="992"/>
               </a:spcAft>
-              <a:buClr>
-                <a:srgbClr val="000000"/>
-              </a:buClr>
-              <a:buSzPct val="45000"/>
-              <a:buFont typeface="Wingdings" charset="2"/>
-              <a:buChar char=""/>
-            </a:pPr>
-            <a:r>
-              <a:rPr b="1" lang="es-ES" sz="1300" spc="-1" strike="noStrike">
-                <a:solidFill>
-                  <a:srgbClr val="000000"/>
-                </a:solidFill>
-                <a:latin typeface="Arial"/>
-                <a:ea typeface="Noto Sans CJK SC"/>
-              </a:rPr>
-              <a:t>No debemos almacenar contraseñas en nuestro CRM</a:t>
-            </a:r>
-            <a:r>
-              <a:rPr b="0" lang="es-ES" sz="1300" spc="-1" strike="noStrike">
-                <a:solidFill>
-                  <a:srgbClr val="000000"/>
-                </a:solidFill>
-                <a:latin typeface="Arial"/>
-                <a:ea typeface="Noto Sans CJK SC"/>
-              </a:rPr>
-              <a:t>, lo suyo es usar el login/registro de WordPress o generar algún tipo de «hash» temporal que se envíe al correo, así la gestión de seguridad la hace el correo.</a:t>
-            </a:r>
-            <a:endParaRPr b="0" lang="es-ES" sz="1300" spc="-1" strike="noStrike">
+              <a:buNone/>
+              <a:tabLst>
+                <a:tab algn="l" pos="0"/>
+              </a:tabLst>
+            </a:pPr>
+            <a:r>
+              <a:rPr b="1" lang="es-ES" sz="1800" spc="-1" strike="noStrike">
+                <a:solidFill>
+                  <a:srgbClr val="000000"/>
+                </a:solidFill>
+                <a:latin typeface="Arial"/>
+              </a:rPr>
+              <a:t>Caso práctico 1:</a:t>
+            </a:r>
+            <a:r>
+              <a:rPr b="0" lang="es-ES" sz="1800" spc="-1" strike="noStrike">
+                <a:solidFill>
+                  <a:srgbClr val="000000"/>
+                </a:solidFill>
+                <a:latin typeface="Arial"/>
+              </a:rPr>
+              <a:t> Tenemos una </a:t>
+            </a:r>
+            <a:r>
+              <a:rPr b="0" lang="es-ES" sz="1800" spc="-1" strike="noStrike" u="sng">
+                <a:solidFill>
+                  <a:srgbClr val="0097a7"/>
+                </a:solidFill>
+                <a:uFillTx/>
+                <a:latin typeface="Arial"/>
+                <a:hlinkClick r:id="rId1"/>
+              </a:rPr>
+              <a:t>asociación</a:t>
+            </a:r>
+            <a:r>
+              <a:rPr b="0" lang="es-ES" sz="1800" spc="-1" strike="noStrike">
+                <a:solidFill>
+                  <a:srgbClr val="000000"/>
+                </a:solidFill>
+                <a:latin typeface="Arial"/>
+              </a:rPr>
+              <a:t> que tiene etiquetada a todas sus socias. La web muestra las fichas de las asociadas con sus datos más importantes. Esa información se saca del CRM y cuando se modifica en el CRM se modifica en la web.</a:t>
+            </a:r>
+            <a:endParaRPr b="0" lang="es-ES" sz="1800" spc="-1" strike="noStrike">
+              <a:solidFill>
+                <a:srgbClr val="000000"/>
+              </a:solidFill>
+              <a:latin typeface="Arial"/>
+            </a:endParaRPr>
+          </a:p>
+          <a:p>
+            <a:pPr indent="0">
+              <a:lnSpc>
+                <a:spcPct val="100000"/>
+              </a:lnSpc>
+              <a:spcBef>
+                <a:spcPts val="1191"/>
+              </a:spcBef>
+              <a:spcAft>
+                <a:spcPts val="992"/>
+              </a:spcAft>
+              <a:buNone/>
+              <a:tabLst>
+                <a:tab algn="l" pos="0"/>
+              </a:tabLst>
+            </a:pPr>
+            <a:r>
+              <a:rPr b="1" lang="es-ES" sz="1800" spc="-1" strike="noStrike">
+                <a:solidFill>
+                  <a:srgbClr val="000000"/>
+                </a:solidFill>
+                <a:latin typeface="Arial"/>
+              </a:rPr>
+              <a:t>Caso práctico 2:</a:t>
+            </a:r>
+            <a:r>
+              <a:rPr b="0" lang="es-ES" sz="1800" spc="-1" strike="noStrike">
+                <a:solidFill>
+                  <a:srgbClr val="000000"/>
+                </a:solidFill>
+                <a:latin typeface="Arial"/>
+              </a:rPr>
+              <a:t> Se desarrolló un plugin que creaba un mini-sistema de contenido publicitario personalizado. Cada contacto tenía una serie de «LeadScorings» basados en sus intereses. En el admin se podían crear contenidos muy sencillos (titular, foto y texto) y asignarle un «LeadScoring» y un máximo y un mínimo. Si un contacto identificado con puntos en ese interés dentro de los parámetros establecidos, visitaba la web veía esos contenidos en determinadas partes de la web como el «sidebar» o el «footer». No eran muy intrusivos porque eran publicidad interna, pero lo interesante es que estaba bastante personalizada.</a:t>
+            </a:r>
+            <a:endParaRPr b="0" lang="es-ES" sz="1800" spc="-1" strike="noStrike">
+              <a:solidFill>
+                <a:srgbClr val="000000"/>
+              </a:solidFill>
+              <a:latin typeface="Arial"/>
+            </a:endParaRPr>
+          </a:p>
+          <a:p>
+            <a:pPr indent="0">
+              <a:lnSpc>
+                <a:spcPct val="100000"/>
+              </a:lnSpc>
+              <a:spcBef>
+                <a:spcPts val="1191"/>
+              </a:spcBef>
+              <a:spcAft>
+                <a:spcPts val="992"/>
+              </a:spcAft>
+              <a:buNone/>
+              <a:tabLst>
+                <a:tab algn="l" pos="0"/>
+              </a:tabLst>
+            </a:pPr>
+            <a:r>
+              <a:rPr b="1" lang="es-ES" sz="1800" spc="-1" strike="noStrike">
+                <a:solidFill>
+                  <a:srgbClr val="000000"/>
+                </a:solidFill>
+                <a:latin typeface="Arial"/>
+              </a:rPr>
+              <a:t>Consejo:</a:t>
+            </a:r>
+            <a:r>
+              <a:rPr b="0" lang="es-ES" sz="1800" spc="-1" strike="noStrike">
+                <a:solidFill>
+                  <a:srgbClr val="000000"/>
+                </a:solidFill>
+                <a:latin typeface="Arial"/>
+              </a:rPr>
+              <a:t> Si no es importante que los datos estén actualizados al minuto trata de cachearlos lo máximo posible. El listado de socios del caso práctico puede pedirse una vez al día y tirar de ese cacheo hasta el día siguiente </a:t>
+            </a:r>
+            <a:endParaRPr b="0" lang="es-ES" sz="1800" spc="-1" strike="noStrike">
               <a:solidFill>
                 <a:srgbClr val="000000"/>
               </a:solidFill>
@@ -6125,7 +6271,7 @@
       </p:sp>
       <p:sp>
         <p:nvSpPr>
-          <p:cNvPr id="90" name="PlaceHolder 2"/>
+          <p:cNvPr id="93" name="PlaceHolder 2"/>
           <p:cNvSpPr>
             <a:spLocks noGrp="1"/>
           </p:cNvSpPr>
@@ -6148,7 +6294,7 @@
         </p:spPr>
         <p:txBody>
           <a:bodyPr lIns="91440" rIns="91440" tIns="91440" bIns="91440" anchor="t">
-            <a:normAutofit/>
+            <a:normAutofit fontScale="81111"/>
           </a:bodyPr>
           <a:p>
             <a:pPr indent="0" algn="r">
@@ -6173,34 +6319,7 @@
                 </a:solidFill>
                 <a:latin typeface="Arial"/>
               </a:rPr>
-              <a:t>Perfiles de usuarios </a:t>
-            </a:r>
-            <a:r>
-              <a:rPr b="0" lang="es-ES" sz="1800" spc="-1" strike="noStrike">
-                <a:solidFill>
-                  <a:srgbClr val="174575"/>
-                </a:solidFill>
-                <a:latin typeface="Arial"/>
-              </a:rPr>
-              <a:t> ¦̵̱ ̵̱ ̵̱ ̵̱ ̵̱(̢ ̡͇̅└͇̅┘͇̅ (▤8</a:t>
-            </a:r>
-            <a:r>
-              <a:rPr b="0" lang="hi-IN" sz="1800" spc="-1" strike="noStrike">
-                <a:solidFill>
-                  <a:srgbClr val="174575"/>
-                </a:solidFill>
-                <a:latin typeface="Arial"/>
-              </a:rPr>
-              <a:t>כ</a:t>
-            </a:r>
-            <a:r>
-              <a:rPr b="0" lang="es-ES" sz="1800" spc="-1" strike="noStrike">
-                <a:solidFill>
-                  <a:srgbClr val="174575"/>
-                </a:solidFill>
-                <a:latin typeface="Arial"/>
-              </a:rPr>
-              <a:t>−◦</a:t>
+              <a:t>Sacando información del CRM para mostrarlo en WordPress &lt;:3 )~~~</a:t>
             </a:r>
             <a:endParaRPr b="0" lang="es-ES" sz="1800" spc="-1" strike="noStrike">
               <a:solidFill>
@@ -6211,228 +6330,29 @@
           </a:p>
         </p:txBody>
       </p:sp>
-      <p:sp>
-        <p:nvSpPr>
-          <p:cNvPr id="91" name="PlaceHolder 10"/>
-          <p:cNvSpPr/>
+      <p:pic>
+        <p:nvPicPr>
+          <p:cNvPr id="94" name="" descr=""/>
+          <p:cNvPicPr/>
           <p:nvPr/>
-        </p:nvSpPr>
+        </p:nvPicPr>
+        <p:blipFill>
+          <a:blip r:embed="rId2"/>
+          <a:stretch/>
+        </p:blipFill>
         <p:spPr>
           <a:xfrm>
-            <a:off x="360000" y="1080000"/>
-            <a:ext cx="8639640" cy="1980000"/>
+            <a:off x="6438960" y="978480"/>
+            <a:ext cx="2422440" cy="3599640"/>
           </a:xfrm>
           <a:prstGeom prst="rect">
             <a:avLst/>
           </a:prstGeom>
-          <a:noFill/>
           <a:ln w="0">
             <a:noFill/>
           </a:ln>
         </p:spPr>
-        <p:style>
-          <a:lnRef idx="0"/>
-          <a:fillRef idx="0"/>
-          <a:effectRef idx="0"/>
-          <a:fontRef idx="minor"/>
-        </p:style>
-        <p:txBody>
-          <a:bodyPr lIns="90000" rIns="90000" tIns="91440" bIns="91440" anchor="t">
-            <a:normAutofit/>
-          </a:bodyPr>
-          <a:p>
-            <a:pPr>
-              <a:lnSpc>
-                <a:spcPct val="100000"/>
-              </a:lnSpc>
-            </a:pPr>
-            <a:r>
-              <a:rPr b="0" lang="es-ES" sz="1300" spc="-1" strike="noStrike">
-                <a:solidFill>
-                  <a:srgbClr val="000000"/>
-                </a:solidFill>
-                <a:latin typeface="Arial"/>
-                <a:ea typeface="Noto Sans CJK SC"/>
-              </a:rPr>
-              <a:t>Otra forma bastante común de conectar tu web en WordPress con tu CRM es crear un editor de perfil en tu web para que las propias usuarias puedan editar sus datos, sus preferencias y sus boletines de forma que ellas directamente nos den la información que luego vamos a usar.</a:t>
-            </a:r>
-            <a:endParaRPr b="0" lang="es-ES" sz="1300" spc="-1" strike="noStrike">
-              <a:solidFill>
-                <a:srgbClr val="000000"/>
-              </a:solidFill>
-              <a:latin typeface="Arial"/>
-            </a:endParaRPr>
-          </a:p>
-          <a:p>
-            <a:pPr>
-              <a:lnSpc>
-                <a:spcPct val="100000"/>
-              </a:lnSpc>
-            </a:pPr>
-            <a:r>
-              <a:rPr b="1" lang="es-ES" sz="1300" spc="-1" strike="noStrike">
-                <a:solidFill>
-                  <a:srgbClr val="000000"/>
-                </a:solidFill>
-                <a:latin typeface="Arial"/>
-                <a:ea typeface="Noto Sans CJK SC"/>
-              </a:rPr>
-              <a:t>Algunos ejemplos:</a:t>
-            </a:r>
-            <a:endParaRPr b="0" lang="es-ES" sz="1300" spc="-1" strike="noStrike">
-              <a:solidFill>
-                <a:srgbClr val="000000"/>
-              </a:solidFill>
-              <a:latin typeface="Arial"/>
-            </a:endParaRPr>
-          </a:p>
-          <a:p>
-            <a:pPr marL="432000" indent="-324000">
-              <a:lnSpc>
-                <a:spcPct val="100000"/>
-              </a:lnSpc>
-              <a:spcBef>
-                <a:spcPts val="624"/>
-              </a:spcBef>
-              <a:spcAft>
-                <a:spcPts val="425"/>
-              </a:spcAft>
-              <a:buClr>
-                <a:srgbClr val="000000"/>
-              </a:buClr>
-              <a:buSzPct val="45000"/>
-              <a:buFont typeface="Wingdings" charset="2"/>
-              <a:buChar char=""/>
-            </a:pPr>
-            <a:r>
-              <a:rPr b="0" lang="es-ES" sz="1300" spc="-1" strike="noStrike" u="sng">
-                <a:solidFill>
-                  <a:srgbClr val="0097a7"/>
-                </a:solidFill>
-                <a:uFillTx/>
-                <a:latin typeface="Arial"/>
-                <a:ea typeface="Noto Sans CJK SC"/>
-                <a:hlinkClick r:id="rId1"/>
-              </a:rPr>
-              <a:t>SPRI</a:t>
-            </a:r>
-            <a:endParaRPr b="0" lang="es-ES" sz="1300" spc="-1" strike="noStrike">
-              <a:solidFill>
-                <a:srgbClr val="000000"/>
-              </a:solidFill>
-              <a:latin typeface="Arial"/>
-            </a:endParaRPr>
-          </a:p>
-          <a:p>
-            <a:pPr marL="432000" indent="-324000">
-              <a:lnSpc>
-                <a:spcPct val="100000"/>
-              </a:lnSpc>
-              <a:spcBef>
-                <a:spcPts val="624"/>
-              </a:spcBef>
-              <a:spcAft>
-                <a:spcPts val="425"/>
-              </a:spcAft>
-              <a:buClr>
-                <a:srgbClr val="000000"/>
-              </a:buClr>
-              <a:buSzPct val="45000"/>
-              <a:buFont typeface="Wingdings" charset="2"/>
-              <a:buChar char=""/>
-            </a:pPr>
-            <a:r>
-              <a:rPr b="0" lang="es-ES" sz="1300" spc="-1" strike="noStrike" u="sng">
-                <a:solidFill>
-                  <a:srgbClr val="0097a7"/>
-                </a:solidFill>
-                <a:uFillTx/>
-                <a:latin typeface="Arial"/>
-                <a:ea typeface="Noto Sans CJK SC"/>
-                <a:hlinkClick r:id="rId2"/>
-              </a:rPr>
-              <a:t>AED</a:t>
-            </a:r>
-            <a:endParaRPr b="0" lang="es-ES" sz="1300" spc="-1" strike="noStrike">
-              <a:solidFill>
-                <a:srgbClr val="000000"/>
-              </a:solidFill>
-              <a:latin typeface="Arial"/>
-            </a:endParaRPr>
-          </a:p>
-        </p:txBody>
-      </p:sp>
-      <p:sp>
-        <p:nvSpPr>
-          <p:cNvPr id="92" name="PlaceHolder 11"/>
-          <p:cNvSpPr/>
-          <p:nvPr/>
-        </p:nvSpPr>
-        <p:spPr>
-          <a:xfrm>
-            <a:off x="180000" y="2718720"/>
-            <a:ext cx="8650440" cy="520920"/>
-          </a:xfrm>
-          <a:prstGeom prst="rect">
-            <a:avLst/>
-          </a:prstGeom>
-          <a:noFill/>
-          <a:ln w="0">
-            <a:noFill/>
-          </a:ln>
-        </p:spPr>
-        <p:style>
-          <a:lnRef idx="0"/>
-          <a:fillRef idx="0"/>
-          <a:effectRef idx="0"/>
-          <a:fontRef idx="minor"/>
-        </p:style>
-        <p:txBody>
-          <a:bodyPr lIns="90000" rIns="90000" tIns="91440" bIns="91440" anchor="t">
-            <a:normAutofit/>
-          </a:bodyPr>
-          <a:p>
-            <a:pPr algn="r">
-              <a:lnSpc>
-                <a:spcPct val="100000"/>
-              </a:lnSpc>
-              <a:spcBef>
-                <a:spcPts val="1191"/>
-              </a:spcBef>
-              <a:spcAft>
-                <a:spcPts val="992"/>
-              </a:spcAft>
-              <a:tabLst>
-                <a:tab algn="l" pos="0"/>
-              </a:tabLst>
-            </a:pPr>
-            <a:r>
-              <a:rPr b="1" lang="es-ES" sz="1500" spc="-1" strike="noStrike">
-                <a:solidFill>
-                  <a:srgbClr val="000000"/>
-                </a:solidFill>
-                <a:latin typeface="Arial"/>
-              </a:rPr>
-              <a:t>¿Cómo tratar los datos?</a:t>
-            </a:r>
-            <a:r>
-              <a:rPr b="0" lang="es-ES" sz="1500" spc="-1" strike="noStrike">
-                <a:solidFill>
-                  <a:srgbClr val="000000"/>
-                </a:solidFill>
-                <a:latin typeface="Arial"/>
-              </a:rPr>
-              <a:t> Ƹ̵̡Ӝ̵̨̄Ʒ</a:t>
-            </a:r>
-            <a:endParaRPr b="0" lang="es-ES" sz="1500" spc="-1" strike="noStrike">
-              <a:solidFill>
-                <a:srgbClr val="000000"/>
-              </a:solidFill>
-              <a:latin typeface="Arial"/>
-            </a:endParaRPr>
-          </a:p>
-        </p:txBody>
-      </p:sp>
+      </p:pic>
     </p:spTree>
   </p:cSld>
   <mc:AlternateContent>
@@ -6465,186 +6385,7 @@
       </p:grpSpPr>
       <p:sp>
         <p:nvSpPr>
-          <p:cNvPr id="93" name="PlaceHolder 1"/>
-          <p:cNvSpPr>
-            <a:spLocks noGrp="1"/>
-          </p:cNvSpPr>
-          <p:nvPr>
-            <p:ph/>
-          </p:nvPr>
-        </p:nvSpPr>
-        <p:spPr>
-          <a:xfrm>
-            <a:off x="311760" y="1461600"/>
-            <a:ext cx="5807880" cy="3116520"/>
-          </a:xfrm>
-          <a:prstGeom prst="rect">
-            <a:avLst/>
-          </a:prstGeom>
-          <a:noFill/>
-          <a:ln w="0">
-            <a:noFill/>
-          </a:ln>
-        </p:spPr>
-        <p:txBody>
-          <a:bodyPr lIns="91440" rIns="91440" tIns="91440" bIns="91440" anchor="t">
-            <a:normAutofit fontScale="81111"/>
-          </a:bodyPr>
-          <a:p>
-            <a:pPr indent="0">
-              <a:lnSpc>
-                <a:spcPct val="100000"/>
-              </a:lnSpc>
-              <a:spcBef>
-                <a:spcPts val="1191"/>
-              </a:spcBef>
-              <a:spcAft>
-                <a:spcPts val="992"/>
-              </a:spcAft>
-              <a:buNone/>
-              <a:tabLst>
-                <a:tab algn="l" pos="0"/>
-              </a:tabLst>
-            </a:pPr>
-            <a:r>
-              <a:rPr b="0" lang="es-ES" sz="1500" spc="-1" strike="noStrike">
-                <a:solidFill>
-                  <a:srgbClr val="000000"/>
-                </a:solidFill>
-                <a:latin typeface="Arial"/>
-              </a:rPr>
-              <a:t>Lo importante en esos desarrollos en </a:t>
-            </a:r>
-            <a:r>
-              <a:rPr b="1" lang="es-ES" sz="1500" spc="-1" strike="noStrike">
-                <a:solidFill>
-                  <a:srgbClr val="000000"/>
-                </a:solidFill>
-                <a:latin typeface="Arial"/>
-              </a:rPr>
-              <a:t>definir bien qué elementos va a tener el formulario y cómo van a poder rellenar</a:t>
-            </a:r>
-            <a:r>
-              <a:rPr b="0" lang="es-ES" sz="1500" spc="-1" strike="noStrike">
-                <a:solidFill>
-                  <a:srgbClr val="000000"/>
-                </a:solidFill>
-                <a:latin typeface="Arial"/>
-              </a:rPr>
-              <a:t>. Datos muy relevantes como pueden ser el tamaño de tu empresa, puede que no interese dejarse de mano de las clientes que editan su perfil.</a:t>
-            </a:r>
-            <a:endParaRPr b="0" lang="es-ES" sz="1500" spc="-1" strike="noStrike">
-              <a:solidFill>
-                <a:srgbClr val="000000"/>
-              </a:solidFill>
-              <a:latin typeface="Arial"/>
-            </a:endParaRPr>
-          </a:p>
-          <a:p>
-            <a:pPr indent="0">
-              <a:lnSpc>
-                <a:spcPct val="100000"/>
-              </a:lnSpc>
-              <a:spcBef>
-                <a:spcPts val="1191"/>
-              </a:spcBef>
-              <a:spcAft>
-                <a:spcPts val="992"/>
-              </a:spcAft>
-              <a:buNone/>
-              <a:tabLst>
-                <a:tab algn="l" pos="0"/>
-              </a:tabLst>
-            </a:pPr>
-            <a:r>
-              <a:rPr b="0" lang="es-ES" sz="1500" spc="-1" strike="noStrike">
-                <a:solidFill>
-                  <a:srgbClr val="000000"/>
-                </a:solidFill>
-                <a:latin typeface="Arial"/>
-              </a:rPr>
-              <a:t>La mejor opción es </a:t>
-            </a:r>
-            <a:r>
-              <a:rPr b="1" lang="es-ES" sz="1500" spc="-1" strike="noStrike">
-                <a:solidFill>
-                  <a:srgbClr val="000000"/>
-                </a:solidFill>
-                <a:latin typeface="Arial"/>
-              </a:rPr>
-              <a:t>cerrar lo más posible la entrada de datos</a:t>
-            </a:r>
-            <a:r>
-              <a:rPr b="0" lang="es-ES" sz="1500" spc="-1" strike="noStrike">
-                <a:solidFill>
-                  <a:srgbClr val="000000"/>
-                </a:solidFill>
-                <a:latin typeface="Arial"/>
-              </a:rPr>
-              <a:t>. Si podéis cerrar las opciones con desplegables, checkboxes, etc. mucho mejor que textos libres. Pensad que una ciudad puede escribirse de muchas formas: Galdakano, Galdacano, Galdakao, etc. </a:t>
-            </a:r>
-            <a:endParaRPr b="0" lang="es-ES" sz="1500" spc="-1" strike="noStrike">
-              <a:solidFill>
-                <a:srgbClr val="000000"/>
-              </a:solidFill>
-              <a:latin typeface="Arial"/>
-            </a:endParaRPr>
-          </a:p>
-          <a:p>
-            <a:pPr indent="0">
-              <a:lnSpc>
-                <a:spcPct val="100000"/>
-              </a:lnSpc>
-              <a:spcBef>
-                <a:spcPts val="1191"/>
-              </a:spcBef>
-              <a:spcAft>
-                <a:spcPts val="992"/>
-              </a:spcAft>
-              <a:buNone/>
-              <a:tabLst>
-                <a:tab algn="l" pos="0"/>
-              </a:tabLst>
-            </a:pPr>
-            <a:r>
-              <a:rPr b="0" lang="es-ES" sz="1500" spc="-1" strike="noStrike">
-                <a:solidFill>
-                  <a:srgbClr val="000000"/>
-                </a:solidFill>
-                <a:latin typeface="Arial"/>
-              </a:rPr>
-              <a:t>Os diría que </a:t>
-            </a:r>
-            <a:r>
-              <a:rPr b="1" lang="es-ES" sz="1500" spc="-1" strike="noStrike">
-                <a:solidFill>
-                  <a:srgbClr val="000000"/>
-                </a:solidFill>
-                <a:latin typeface="Arial"/>
-              </a:rPr>
-              <a:t>si tenéis dudas con ciertos campos, los duplicáis</a:t>
-            </a:r>
-            <a:r>
-              <a:rPr b="0" lang="es-ES" sz="1500" spc="-1" strike="noStrike">
-                <a:solidFill>
-                  <a:srgbClr val="000000"/>
-                </a:solidFill>
-                <a:latin typeface="Arial"/>
-              </a:rPr>
-              <a:t> y luego ver como funcionan las usuarias, tomáis una decisión de mantenerlo separado o fusionáis. Siguiendo el ejemplo anterior del tamaño de empresa, podemos tener el campo del CRM «tamaño_empresa» que usa marketing para sus segmentos y creamos otro para «tamaño_empresa_perfil» para el perfil de usuaria. </a:t>
-            </a:r>
-            <a:endParaRPr b="0" lang="es-ES" sz="1500" spc="-1" strike="noStrike">
-              <a:solidFill>
-                <a:srgbClr val="000000"/>
-              </a:solidFill>
-              <a:latin typeface="Arial"/>
-            </a:endParaRPr>
-          </a:p>
-        </p:txBody>
-      </p:sp>
-      <p:sp>
-        <p:nvSpPr>
-          <p:cNvPr id="94" name="PlaceHolder 2"/>
+          <p:cNvPr id="95" name="PlaceHolder 1"/>
           <p:cNvSpPr>
             <a:spLocks noGrp="1"/>
           </p:cNvSpPr>
@@ -6654,8 +6395,8 @@
         </p:nvSpPr>
         <p:spPr>
           <a:xfrm>
-            <a:off x="2329560" y="294840"/>
-            <a:ext cx="6490440" cy="520920"/>
+            <a:off x="2520000" y="294120"/>
+            <a:ext cx="6310440" cy="520920"/>
           </a:xfrm>
           <a:prstGeom prst="rect">
             <a:avLst/>
@@ -6688,38 +6429,20 @@
             <a:r>
               <a:rPr b="1" lang="es-ES" sz="1800" spc="-1" strike="noStrike">
                 <a:solidFill>
-                  <a:srgbClr val="174575"/>
-                </a:solidFill>
-                <a:latin typeface="Arial"/>
-              </a:rPr>
-              <a:t>Perfiles de usuarios </a:t>
+                  <a:srgbClr val="000000"/>
+                </a:solidFill>
+                <a:latin typeface="Arial"/>
+              </a:rPr>
+              <a:t>Conexión directa a la API o crear un middleware</a:t>
             </a:r>
             <a:r>
               <a:rPr b="0" lang="es-ES" sz="1800" spc="-1" strike="noStrike">
                 <a:solidFill>
-                  <a:srgbClr val="174575"/>
-                </a:solidFill>
-                <a:latin typeface="Arial"/>
-              </a:rPr>
-              <a:t> ¦̵̱ ̵̱ ̵̱ ̵̱ ̵̱(̢ ̡͇̅└͇̅┘͇̅ (▤8</a:t>
-            </a:r>
-            <a:r>
-              <a:rPr b="0" lang="hi-IN" sz="1800" spc="-1" strike="noStrike">
-                <a:solidFill>
-                  <a:srgbClr val="174575"/>
-                </a:solidFill>
-                <a:latin typeface="Arial"/>
-              </a:rPr>
-              <a:t>כ</a:t>
-            </a:r>
-            <a:r>
-              <a:rPr b="0" lang="es-ES" sz="1800" spc="-1" strike="noStrike">
-                <a:solidFill>
-                  <a:srgbClr val="174575"/>
-                </a:solidFill>
-                <a:latin typeface="Arial"/>
-              </a:rPr>
-              <a:t>−◦</a:t>
+                  <a:srgbClr val="000000"/>
+                </a:solidFill>
+                <a:latin typeface="Arial"/>
+              </a:rPr>
+              <a:t> c[_]</a:t>
             </a:r>
             <a:endParaRPr b="0" lang="es-ES" sz="1800" spc="-1" strike="noStrike">
               <a:solidFill>
@@ -6732,14 +6455,18 @@
       </p:sp>
       <p:sp>
         <p:nvSpPr>
-          <p:cNvPr id="95" name="PlaceHolder 8"/>
-          <p:cNvSpPr/>
-          <p:nvPr/>
+          <p:cNvPr id="96" name="PlaceHolder 2"/>
+          <p:cNvSpPr>
+            <a:spLocks noGrp="1"/>
+          </p:cNvSpPr>
+          <p:nvPr>
+            <p:ph/>
+          </p:nvPr>
         </p:nvSpPr>
         <p:spPr>
           <a:xfrm>
-            <a:off x="180000" y="900000"/>
-            <a:ext cx="8650440" cy="520920"/>
+            <a:off x="311760" y="1461600"/>
+            <a:ext cx="8518680" cy="3116520"/>
           </a:xfrm>
           <a:prstGeom prst="rect">
             <a:avLst/>
@@ -6749,50 +6476,18 @@
             <a:noFill/>
           </a:ln>
         </p:spPr>
-        <p:style>
-          <a:lnRef idx="0"/>
-          <a:fillRef idx="0"/>
-          <a:effectRef idx="0"/>
-          <a:fontRef idx="minor"/>
-        </p:style>
         <p:txBody>
-          <a:bodyPr lIns="90000" rIns="90000" tIns="91440" bIns="91440" anchor="t">
+          <a:bodyPr lIns="91440" rIns="91440" tIns="91440" bIns="91440" anchor="t">
             <a:normAutofit/>
           </a:bodyPr>
           <a:p>
-            <a:pPr algn="r">
-              <a:lnSpc>
-                <a:spcPct val="100000"/>
-              </a:lnSpc>
-              <a:spcBef>
-                <a:spcPts val="1191"/>
-              </a:spcBef>
-              <a:spcAft>
-                <a:spcPts val="992"/>
-              </a:spcAft>
-              <a:tabLst>
-                <a:tab algn="l" pos="0"/>
-              </a:tabLst>
-            </a:pPr>
-            <a:r>
-              <a:rPr b="1" lang="es-ES" sz="1500" spc="-1" strike="noStrike">
-                <a:solidFill>
-                  <a:srgbClr val="000000"/>
-                </a:solidFill>
-                <a:latin typeface="Arial"/>
-              </a:rPr>
-              <a:t>¿Cómo tratar los datos?</a:t>
-            </a:r>
-            <a:r>
-              <a:rPr b="0" lang="es-ES" sz="1500" spc="-1" strike="noStrike">
-                <a:solidFill>
-                  <a:srgbClr val="000000"/>
-                </a:solidFill>
-                <a:latin typeface="Arial"/>
-              </a:rPr>
-              <a:t> d[ o_0 ]b</a:t>
-            </a:r>
-            <a:endParaRPr b="0" lang="es-ES" sz="1500" spc="-1" strike="noStrike">
+            <a:pPr indent="0">
+              <a:spcBef>
+                <a:spcPts val="1417"/>
+              </a:spcBef>
+              <a:buNone/>
+            </a:pPr>
+            <a:endParaRPr b="0" lang="es-ES" sz="1800" spc="-1" strike="noStrike">
               <a:solidFill>
                 <a:srgbClr val="000000"/>
               </a:solidFill>
@@ -6801,29 +6496,6 @@
           </a:p>
         </p:txBody>
       </p:sp>
-      <p:pic>
-        <p:nvPicPr>
-          <p:cNvPr id="96" name="" descr=""/>
-          <p:cNvPicPr/>
-          <p:nvPr/>
-        </p:nvPicPr>
-        <p:blipFill>
-          <a:blip r:embed="rId1"/>
-          <a:stretch/>
-        </p:blipFill>
-        <p:spPr>
-          <a:xfrm>
-            <a:off x="6120000" y="1394280"/>
-            <a:ext cx="2700000" cy="3339360"/>
-          </a:xfrm>
-          <a:prstGeom prst="rect">
-            <a:avLst/>
-          </a:prstGeom>
-          <a:ln w="0">
-            <a:noFill/>
-          </a:ln>
-        </p:spPr>
-      </p:pic>
     </p:spTree>
   </p:cSld>
   <mc:AlternateContent>
@@ -6861,216 +6533,12 @@
             <a:spLocks noGrp="1"/>
           </p:cNvSpPr>
           <p:nvPr>
-            <p:ph/>
-          </p:nvPr>
-        </p:nvSpPr>
-        <p:spPr>
-          <a:xfrm>
-            <a:off x="311760" y="900000"/>
-            <a:ext cx="5987880" cy="3678120"/>
-          </a:xfrm>
-          <a:prstGeom prst="rect">
-            <a:avLst/>
-          </a:prstGeom>
-          <a:noFill/>
-          <a:ln w="0">
-            <a:noFill/>
-          </a:ln>
-        </p:spPr>
-        <p:txBody>
-          <a:bodyPr lIns="91440" rIns="91440" tIns="91440" bIns="91440" anchor="t">
-            <a:normAutofit fontScale="62222" lnSpcReduction="10000"/>
-          </a:bodyPr>
-          <a:p>
-            <a:pPr indent="0">
-              <a:lnSpc>
-                <a:spcPct val="100000"/>
-              </a:lnSpc>
-              <a:spcBef>
-                <a:spcPts val="1191"/>
-              </a:spcBef>
-              <a:spcAft>
-                <a:spcPts val="992"/>
-              </a:spcAft>
-              <a:buNone/>
-              <a:tabLst>
-                <a:tab algn="l" pos="0"/>
-              </a:tabLst>
-            </a:pPr>
-            <a:r>
-              <a:rPr b="0" lang="es-ES" sz="1800" spc="-1" strike="noStrike">
-                <a:solidFill>
-                  <a:srgbClr val="000000"/>
-                </a:solidFill>
-                <a:latin typeface="Arial"/>
-              </a:rPr>
-              <a:t>Lo mismo que tu WordPress alimenta a tu CRM, habrá veces en que el CRM va a alimentar nuestra web. Este tipo de conexiones van a necesitar desarrollos propios y acceso a API. Las funcionalidades pueden muchas, aunque normalmente solo extraen información.</a:t>
-            </a:r>
-            <a:endParaRPr b="0" lang="es-ES" sz="1800" spc="-1" strike="noStrike">
-              <a:solidFill>
-                <a:srgbClr val="000000"/>
-              </a:solidFill>
-              <a:latin typeface="Arial"/>
-            </a:endParaRPr>
-          </a:p>
-          <a:p>
-            <a:pPr indent="0">
-              <a:lnSpc>
-                <a:spcPct val="100000"/>
-              </a:lnSpc>
-              <a:spcBef>
-                <a:spcPts val="1191"/>
-              </a:spcBef>
-              <a:spcAft>
-                <a:spcPts val="992"/>
-              </a:spcAft>
-              <a:buNone/>
-              <a:tabLst>
-                <a:tab algn="l" pos="0"/>
-              </a:tabLst>
-            </a:pPr>
-            <a:r>
-              <a:rPr b="1" lang="es-ES" sz="1800" spc="-1" strike="noStrike">
-                <a:solidFill>
-                  <a:srgbClr val="000000"/>
-                </a:solidFill>
-                <a:latin typeface="Arial"/>
-              </a:rPr>
-              <a:t>Caso práctico 1:</a:t>
-            </a:r>
-            <a:r>
-              <a:rPr b="0" lang="es-ES" sz="1800" spc="-1" strike="noStrike">
-                <a:solidFill>
-                  <a:srgbClr val="000000"/>
-                </a:solidFill>
-                <a:latin typeface="Arial"/>
-              </a:rPr>
-              <a:t> Tenemos una </a:t>
-            </a:r>
-            <a:r>
-              <a:rPr b="0" lang="es-ES" sz="1800" spc="-1" strike="noStrike" u="sng">
-                <a:solidFill>
-                  <a:srgbClr val="0097a7"/>
-                </a:solidFill>
-                <a:uFillTx/>
-                <a:latin typeface="Arial"/>
-                <a:hlinkClick r:id="rId1"/>
-              </a:rPr>
-              <a:t>asociación</a:t>
-            </a:r>
-            <a:r>
-              <a:rPr b="0" lang="es-ES" sz="1800" spc="-1" strike="noStrike">
-                <a:solidFill>
-                  <a:srgbClr val="000000"/>
-                </a:solidFill>
-                <a:latin typeface="Arial"/>
-              </a:rPr>
-              <a:t> que tiene etiquetada a todas sus socias. La web muestra las fichas de las asociadas con sus datos más importantes. Esa información se saca del CRM y cuando se modifica en el CRM se modifica en la web.</a:t>
-            </a:r>
-            <a:endParaRPr b="0" lang="es-ES" sz="1800" spc="-1" strike="noStrike">
-              <a:solidFill>
-                <a:srgbClr val="000000"/>
-              </a:solidFill>
-              <a:latin typeface="Arial"/>
-            </a:endParaRPr>
-          </a:p>
-          <a:p>
-            <a:pPr indent="0">
-              <a:lnSpc>
-                <a:spcPct val="100000"/>
-              </a:lnSpc>
-              <a:spcBef>
-                <a:spcPts val="1191"/>
-              </a:spcBef>
-              <a:spcAft>
-                <a:spcPts val="992"/>
-              </a:spcAft>
-              <a:buNone/>
-              <a:tabLst>
-                <a:tab algn="l" pos="0"/>
-              </a:tabLst>
-            </a:pPr>
-            <a:r>
-              <a:rPr b="1" lang="es-ES" sz="1800" spc="-1" strike="noStrike">
-                <a:solidFill>
-                  <a:srgbClr val="000000"/>
-                </a:solidFill>
-                <a:latin typeface="Arial"/>
-              </a:rPr>
-              <a:t>Caso práctico 2:</a:t>
-            </a:r>
-            <a:r>
-              <a:rPr b="0" lang="es-ES" sz="1800" spc="-1" strike="noStrike">
-                <a:solidFill>
-                  <a:srgbClr val="000000"/>
-                </a:solidFill>
-                <a:latin typeface="Arial"/>
-              </a:rPr>
-              <a:t> Se desarrolló un plugin que creaba un mini-sistema de contenido publicitario personalizado. Cada contacto tenía una serie de «LeadScorings» basados en sus intereses. En el admin se podían crear contenidos muy sencillos (titular, foto y texto) y asignarle un «LeadScoring» y un máximo y un mínimo. Si un contacto identificado con puntos en ese interés dentro de los parámetros establecidos, visitaba la web veía esos contenidos en determinadas partes de la web como el «sidebar» o el «footer». No eran muy intrusivos porque eran publicidad interna, pero lo interesante es que estaba bastante personalizada.</a:t>
-            </a:r>
-            <a:endParaRPr b="0" lang="es-ES" sz="1800" spc="-1" strike="noStrike">
-              <a:solidFill>
-                <a:srgbClr val="000000"/>
-              </a:solidFill>
-              <a:latin typeface="Arial"/>
-            </a:endParaRPr>
-          </a:p>
-          <a:p>
-            <a:pPr indent="0">
-              <a:lnSpc>
-                <a:spcPct val="100000"/>
-              </a:lnSpc>
-              <a:spcBef>
-                <a:spcPts val="1191"/>
-              </a:spcBef>
-              <a:spcAft>
-                <a:spcPts val="992"/>
-              </a:spcAft>
-              <a:buNone/>
-              <a:tabLst>
-                <a:tab algn="l" pos="0"/>
-              </a:tabLst>
-            </a:pPr>
-            <a:r>
-              <a:rPr b="1" lang="es-ES" sz="1800" spc="-1" strike="noStrike">
-                <a:solidFill>
-                  <a:srgbClr val="000000"/>
-                </a:solidFill>
-                <a:latin typeface="Arial"/>
-              </a:rPr>
-              <a:t>Consejo:</a:t>
-            </a:r>
-            <a:r>
-              <a:rPr b="0" lang="es-ES" sz="1800" spc="-1" strike="noStrike">
-                <a:solidFill>
-                  <a:srgbClr val="000000"/>
-                </a:solidFill>
-                <a:latin typeface="Arial"/>
-              </a:rPr>
-              <a:t> Si no es importante que los datos estén actualizados al minuto trata de cachearlos lo máximo posible. El listado de socios del caso práctico puede pedirse una vez al día y tirar de ese cacheo hasta el día siguiente </a:t>
-            </a:r>
-            <a:endParaRPr b="0" lang="es-ES" sz="1800" spc="-1" strike="noStrike">
-              <a:solidFill>
-                <a:srgbClr val="000000"/>
-              </a:solidFill>
-              <a:latin typeface="Arial"/>
-            </a:endParaRPr>
-          </a:p>
-        </p:txBody>
-      </p:sp>
-      <p:sp>
-        <p:nvSpPr>
-          <p:cNvPr id="98" name="PlaceHolder 2"/>
-          <p:cNvSpPr>
-            <a:spLocks noGrp="1"/>
-          </p:cNvSpPr>
-          <p:nvPr>
             <p:ph type="title"/>
           </p:nvPr>
         </p:nvSpPr>
         <p:spPr>
           <a:xfrm>
-            <a:off x="2329560" y="294840"/>
+            <a:off x="2340000" y="198360"/>
             <a:ext cx="6490440" cy="520920"/>
           </a:xfrm>
           <a:prstGeom prst="rect">
@@ -7083,19 +6551,13 @@
         </p:spPr>
         <p:txBody>
           <a:bodyPr lIns="91440" rIns="91440" tIns="91440" bIns="91440" anchor="t">
-            <a:normAutofit fontScale="81111"/>
+            <a:normAutofit/>
           </a:bodyPr>
           <a:p>
             <a:pPr indent="0" algn="r">
               <a:lnSpc>
                 <a:spcPct val="100000"/>
               </a:lnSpc>
-              <a:spcBef>
-                <a:spcPts val="1191"/>
-              </a:spcBef>
-              <a:spcAft>
-                <a:spcPts val="992"/>
-              </a:spcAft>
               <a:buNone/>
               <a:tabLst>
                 <a:tab algn="l" pos="0"/>
@@ -7108,7 +6570,16 @@
                 </a:solidFill>
                 <a:latin typeface="Arial"/>
               </a:rPr>
-              <a:t>Sacando información del CRM para mostrarlo en WordPress &lt;:3 )~~~</a:t>
+              <a:t>Consejos</a:t>
+            </a:r>
+            <a:r>
+              <a:rPr b="0" lang="es-ES" sz="1800" spc="-1" strike="noStrike">
+                <a:solidFill>
+                  <a:srgbClr val="174575"/>
+                </a:solidFill>
+                <a:latin typeface="Arial"/>
+              </a:rPr>
+              <a:t>❚█══█❚</a:t>
             </a:r>
             <a:endParaRPr b="0" lang="es-ES" sz="1800" spc="-1" strike="noStrike">
               <a:solidFill>
@@ -7119,29 +6590,255 @@
           </a:p>
         </p:txBody>
       </p:sp>
-      <p:pic>
-        <p:nvPicPr>
-          <p:cNvPr id="99" name="" descr=""/>
-          <p:cNvPicPr/>
-          <p:nvPr/>
-        </p:nvPicPr>
-        <p:blipFill>
-          <a:blip r:embed="rId2"/>
-          <a:stretch/>
-        </p:blipFill>
+      <p:sp>
+        <p:nvSpPr>
+          <p:cNvPr id="98" name="PlaceHolder 2"/>
+          <p:cNvSpPr>
+            <a:spLocks noGrp="1"/>
+          </p:cNvSpPr>
+          <p:nvPr>
+            <p:ph/>
+          </p:nvPr>
+        </p:nvSpPr>
         <p:spPr>
           <a:xfrm>
-            <a:off x="6438960" y="978480"/>
-            <a:ext cx="2422440" cy="3599640"/>
+            <a:off x="311760" y="900000"/>
+            <a:ext cx="8518680" cy="3678120"/>
           </a:xfrm>
           <a:prstGeom prst="rect">
             <a:avLst/>
           </a:prstGeom>
+          <a:noFill/>
           <a:ln w="0">
             <a:noFill/>
           </a:ln>
         </p:spPr>
-      </p:pic>
+        <p:txBody>
+          <a:bodyPr lIns="91440" rIns="91440" tIns="91440" bIns="91440" anchor="t">
+            <a:normAutofit/>
+          </a:bodyPr>
+          <a:p>
+            <a:pPr marL="432000" indent="-324000">
+              <a:lnSpc>
+                <a:spcPct val="100000"/>
+              </a:lnSpc>
+              <a:spcBef>
+                <a:spcPts val="624"/>
+              </a:spcBef>
+              <a:spcAft>
+                <a:spcPts val="425"/>
+              </a:spcAft>
+              <a:buClr>
+                <a:srgbClr val="000000"/>
+              </a:buClr>
+              <a:buSzPct val="45000"/>
+              <a:buFont typeface="Wingdings" charset="2"/>
+              <a:buChar char=""/>
+            </a:pPr>
+            <a:r>
+              <a:rPr b="1" lang="es-ES" sz="1200" spc="-1" strike="noStrike">
+                <a:solidFill>
+                  <a:srgbClr val="000000"/>
+                </a:solidFill>
+                <a:latin typeface="Arial"/>
+                <a:ea typeface="Noto Sans CJK SC"/>
+              </a:rPr>
+              <a:t>Cread un campo de fecha de última modificación.</a:t>
+            </a:r>
+            <a:r>
+              <a:rPr b="0" lang="es-ES" sz="1200" spc="-1" strike="noStrike">
+                <a:solidFill>
+                  <a:srgbClr val="000000"/>
+                </a:solidFill>
+                <a:latin typeface="Arial"/>
+                <a:ea typeface="Noto Sans CJK SC"/>
+              </a:rPr>
+              <a:t> Los CRM suelen guardar está información, pero no discriminan entre conexiones por API y directamente por web. Con este campo personalizado tendréis control de qué contactos habéis tocado desde WordPress y cuáles han sido tocados de otras formas.</a:t>
+            </a:r>
+            <a:endParaRPr b="0" lang="es-ES" sz="1200" spc="-1" strike="noStrike">
+              <a:solidFill>
+                <a:srgbClr val="000000"/>
+              </a:solidFill>
+              <a:latin typeface="Arial"/>
+            </a:endParaRPr>
+          </a:p>
+          <a:p>
+            <a:pPr marL="432000" indent="-324000">
+              <a:lnSpc>
+                <a:spcPct val="100000"/>
+              </a:lnSpc>
+              <a:spcBef>
+                <a:spcPts val="624"/>
+              </a:spcBef>
+              <a:spcAft>
+                <a:spcPts val="425"/>
+              </a:spcAft>
+              <a:buClr>
+                <a:srgbClr val="000000"/>
+              </a:buClr>
+              <a:buSzPct val="45000"/>
+              <a:buFont typeface="Wingdings" charset="2"/>
+              <a:buChar char=""/>
+            </a:pPr>
+            <a:r>
+              <a:rPr b="1" lang="es-ES" sz="1200" spc="-1" strike="noStrike">
+                <a:solidFill>
+                  <a:srgbClr val="000000"/>
+                </a:solidFill>
+                <a:latin typeface="Arial"/>
+                <a:ea typeface="Noto Sans CJK SC"/>
+              </a:rPr>
+              <a:t>Usad las notas.</a:t>
+            </a:r>
+            <a:r>
+              <a:rPr b="0" lang="es-ES" sz="1200" spc="-1" strike="noStrike">
+                <a:solidFill>
+                  <a:srgbClr val="000000"/>
+                </a:solidFill>
+                <a:latin typeface="Arial"/>
+                <a:ea typeface="Noto Sans CJK SC"/>
+              </a:rPr>
+              <a:t> Muchos CRM te permiten crear notas de cada contacto, usad esas notas para guardar información variada, por ejemplo, el contenido de las áreas de texto de un formulario. Ponéis un título explicativo y luego el texto que escribió la persona que relleno el formulario. Siempre que se pueda, </a:t>
+            </a:r>
+            <a:r>
+              <a:rPr b="1" lang="es-ES" sz="1200" spc="-1" strike="noStrike">
+                <a:solidFill>
+                  <a:srgbClr val="000000"/>
+                </a:solidFill>
+                <a:latin typeface="Arial"/>
+                <a:ea typeface="Noto Sans CJK SC"/>
+              </a:rPr>
+              <a:t>no montéis campos específicos para ese tipo de cosas</a:t>
+            </a:r>
+            <a:r>
+              <a:rPr b="0" lang="es-ES" sz="1200" spc="-1" strike="noStrike">
+                <a:solidFill>
+                  <a:srgbClr val="000000"/>
+                </a:solidFill>
+                <a:latin typeface="Arial"/>
+                <a:ea typeface="Noto Sans CJK SC"/>
+              </a:rPr>
+              <a:t>.</a:t>
+            </a:r>
+            <a:endParaRPr b="0" lang="es-ES" sz="1200" spc="-1" strike="noStrike">
+              <a:solidFill>
+                <a:srgbClr val="000000"/>
+              </a:solidFill>
+              <a:latin typeface="Arial"/>
+            </a:endParaRPr>
+          </a:p>
+          <a:p>
+            <a:pPr marL="432000" indent="-324000">
+              <a:lnSpc>
+                <a:spcPct val="100000"/>
+              </a:lnSpc>
+              <a:spcBef>
+                <a:spcPts val="624"/>
+              </a:spcBef>
+              <a:spcAft>
+                <a:spcPts val="425"/>
+              </a:spcAft>
+              <a:buClr>
+                <a:srgbClr val="000000"/>
+              </a:buClr>
+              <a:buSzPct val="45000"/>
+              <a:buFont typeface="Wingdings" charset="2"/>
+              <a:buChar char=""/>
+            </a:pPr>
+            <a:r>
+              <a:rPr b="1" lang="es-ES" sz="1200" spc="-1" strike="noStrike">
+                <a:solidFill>
+                  <a:srgbClr val="000000"/>
+                </a:solidFill>
+                <a:latin typeface="Arial"/>
+                <a:ea typeface="Noto Sans CJK SC"/>
+              </a:rPr>
+              <a:t>Si puedes hacerse con una automatización del CRM, mejor que programándolo.</a:t>
+            </a:r>
+            <a:r>
+              <a:rPr b="0" lang="es-ES" sz="1200" spc="-1" strike="noStrike">
+                <a:solidFill>
+                  <a:srgbClr val="000000"/>
+                </a:solidFill>
+                <a:latin typeface="Arial"/>
+                <a:ea typeface="Noto Sans CJK SC"/>
+              </a:rPr>
+              <a:t> Al conectar se puede hacer que el script que desarrolléis haga todas las tareas, como meter etiquetas, apuntar a listas, meter puntos en un LeadScoring, etc. O simplemente que lance un disparador de una automatización y esta ejecute todo lo anterior. Piensa que </a:t>
+            </a:r>
+            <a:r>
+              <a:rPr b="1" lang="es-ES" sz="1200" spc="-1" strike="noStrike">
+                <a:solidFill>
+                  <a:srgbClr val="000000"/>
+                </a:solidFill>
+                <a:latin typeface="Arial"/>
+                <a:ea typeface="Noto Sans CJK SC"/>
+              </a:rPr>
+              <a:t>cambiar la programación solo podrá hacerlo una desarrolladora y cambiar una automatización con una interfaz gráfica, puede hacerlo cualquier persona de marketing con unos conocimientos básicos</a:t>
+            </a:r>
+            <a:r>
+              <a:rPr b="0" lang="es-ES" sz="1200" spc="-1" strike="noStrike">
+                <a:solidFill>
+                  <a:srgbClr val="000000"/>
+                </a:solidFill>
+                <a:latin typeface="Arial"/>
+                <a:ea typeface="Noto Sans CJK SC"/>
+              </a:rPr>
+              <a:t>.</a:t>
+            </a:r>
+            <a:endParaRPr b="0" lang="es-ES" sz="1200" spc="-1" strike="noStrike">
+              <a:solidFill>
+                <a:srgbClr val="000000"/>
+              </a:solidFill>
+              <a:latin typeface="Arial"/>
+            </a:endParaRPr>
+          </a:p>
+          <a:p>
+            <a:pPr marL="432000" indent="-324000">
+              <a:lnSpc>
+                <a:spcPct val="100000"/>
+              </a:lnSpc>
+              <a:spcBef>
+                <a:spcPts val="624"/>
+              </a:spcBef>
+              <a:spcAft>
+                <a:spcPts val="425"/>
+              </a:spcAft>
+              <a:buClr>
+                <a:srgbClr val="000000"/>
+              </a:buClr>
+              <a:buSzPct val="45000"/>
+              <a:buFont typeface="Wingdings" charset="2"/>
+              <a:buChar char=""/>
+            </a:pPr>
+            <a:r>
+              <a:rPr b="1" lang="es-ES" sz="1200" spc="-1" strike="noStrike">
+                <a:solidFill>
+                  <a:srgbClr val="000000"/>
+                </a:solidFill>
+                <a:latin typeface="Arial"/>
+                <a:ea typeface="Noto Sans CJK SC"/>
+              </a:rPr>
+              <a:t>Usad los sistemas de almacenamiento de ficheros de PDF, DOC, ODT, etc. que ofrecen los CRM.</a:t>
+            </a:r>
+            <a:r>
+              <a:rPr b="0" lang="es-ES" sz="1200" spc="-1" strike="noStrike">
+                <a:solidFill>
+                  <a:srgbClr val="000000"/>
+                </a:solidFill>
+                <a:latin typeface="Arial"/>
+                <a:ea typeface="Noto Sans CJK SC"/>
+              </a:rPr>
+              <a:t> Es muy tentador subir un fichero a tu web y usar ese enlace en todas partes. Pero no da gran información. Subiéndolo al sistema de archivos del CRM puedes saber quién y cuándo lo ha descargado si está entre tus contactos y si no, como, mínimo te dará unas buenas estadísticas de descargas.</a:t>
+            </a:r>
+            <a:endParaRPr b="0" lang="es-ES" sz="1200" spc="-1" strike="noStrike">
+              <a:solidFill>
+                <a:srgbClr val="000000"/>
+              </a:solidFill>
+              <a:latin typeface="Arial"/>
+            </a:endParaRPr>
+          </a:p>
+        </p:txBody>
+      </p:sp>
     </p:spTree>
   </p:cSld>
   <mc:AlternateContent>
@@ -7174,7 +6871,7 @@
       </p:grpSpPr>
       <p:sp>
         <p:nvSpPr>
-          <p:cNvPr id="100" name="PlaceHolder 1"/>
+          <p:cNvPr id="99" name="PlaceHolder 1"/>
           <p:cNvSpPr>
             <a:spLocks noGrp="1"/>
           </p:cNvSpPr>
@@ -7184,8 +6881,8 @@
         </p:nvSpPr>
         <p:spPr>
           <a:xfrm>
-            <a:off x="2520000" y="294120"/>
-            <a:ext cx="6310440" cy="520920"/>
+            <a:off x="2340000" y="294120"/>
+            <a:ext cx="6490440" cy="520920"/>
           </a:xfrm>
           <a:prstGeom prst="rect">
             <a:avLst/>
@@ -7204,12 +6901,6 @@
               <a:lnSpc>
                 <a:spcPct val="100000"/>
               </a:lnSpc>
-              <a:spcBef>
-                <a:spcPts val="1191"/>
-              </a:spcBef>
-              <a:spcAft>
-                <a:spcPts val="992"/>
-              </a:spcAft>
               <a:buNone/>
               <a:tabLst>
                 <a:tab algn="l" pos="0"/>
@@ -7218,20 +6909,20 @@
             <a:r>
               <a:rPr b="1" lang="es-ES" sz="1800" spc="-1" strike="noStrike">
                 <a:solidFill>
-                  <a:srgbClr val="000000"/>
-                </a:solidFill>
-                <a:latin typeface="Arial"/>
-              </a:rPr>
-              <a:t>Conexión directa a la API o crear un middleware</a:t>
+                  <a:srgbClr val="174575"/>
+                </a:solidFill>
+                <a:latin typeface="Arial"/>
+              </a:rPr>
+              <a:t>Sobre mí</a:t>
             </a:r>
             <a:r>
               <a:rPr b="0" lang="es-ES" sz="1800" spc="-1" strike="noStrike">
                 <a:solidFill>
-                  <a:srgbClr val="000000"/>
-                </a:solidFill>
-                <a:latin typeface="Arial"/>
-              </a:rPr>
-              <a:t> c[_]</a:t>
+                  <a:srgbClr val="174575"/>
+                </a:solidFill>
+                <a:latin typeface="Arial"/>
+              </a:rPr>
+              <a:t> O=('-'Q)</a:t>
             </a:r>
             <a:endParaRPr b="0" lang="es-ES" sz="1800" spc="-1" strike="noStrike">
               <a:solidFill>
@@ -7244,7 +6935,7 @@
       </p:sp>
       <p:sp>
         <p:nvSpPr>
-          <p:cNvPr id="101" name="PlaceHolder 2"/>
+          <p:cNvPr id="100" name="PlaceHolder 2"/>
           <p:cNvSpPr>
             <a:spLocks noGrp="1"/>
           </p:cNvSpPr>
@@ -7317,350 +7008,7 @@
       </p:grpSpPr>
       <p:sp>
         <p:nvSpPr>
-          <p:cNvPr id="102" name="PlaceHolder 1"/>
-          <p:cNvSpPr>
-            <a:spLocks noGrp="1"/>
-          </p:cNvSpPr>
-          <p:nvPr>
-            <p:ph type="title"/>
-          </p:nvPr>
-        </p:nvSpPr>
-        <p:spPr>
-          <a:xfrm>
-            <a:off x="2340000" y="198360"/>
-            <a:ext cx="6490440" cy="520920"/>
-          </a:xfrm>
-          <a:prstGeom prst="rect">
-            <a:avLst/>
-          </a:prstGeom>
-          <a:noFill/>
-          <a:ln w="0">
-            <a:noFill/>
-          </a:ln>
-        </p:spPr>
-        <p:txBody>
-          <a:bodyPr lIns="91440" rIns="91440" tIns="91440" bIns="91440" anchor="t">
-            <a:normAutofit/>
-          </a:bodyPr>
-          <a:p>
-            <a:pPr indent="0" algn="r">
-              <a:lnSpc>
-                <a:spcPct val="100000"/>
-              </a:lnSpc>
-              <a:buNone/>
-              <a:tabLst>
-                <a:tab algn="l" pos="0"/>
-              </a:tabLst>
-            </a:pPr>
-            <a:r>
-              <a:rPr b="1" lang="es-ES" sz="1800" spc="-1" strike="noStrike">
-                <a:solidFill>
-                  <a:srgbClr val="174575"/>
-                </a:solidFill>
-                <a:latin typeface="Arial"/>
-              </a:rPr>
-              <a:t>Consejos</a:t>
-            </a:r>
-            <a:r>
-              <a:rPr b="0" lang="es-ES" sz="1800" spc="-1" strike="noStrike">
-                <a:solidFill>
-                  <a:srgbClr val="174575"/>
-                </a:solidFill>
-                <a:latin typeface="Arial"/>
-              </a:rPr>
-              <a:t>❚█══█❚</a:t>
-            </a:r>
-            <a:endParaRPr b="0" lang="es-ES" sz="1800" spc="-1" strike="noStrike">
-              <a:solidFill>
-                <a:srgbClr val="000000"/>
-              </a:solidFill>
-              <a:latin typeface="Arial"/>
-            </a:endParaRPr>
-          </a:p>
-        </p:txBody>
-      </p:sp>
-      <p:sp>
-        <p:nvSpPr>
-          <p:cNvPr id="103" name="PlaceHolder 2"/>
-          <p:cNvSpPr>
-            <a:spLocks noGrp="1"/>
-          </p:cNvSpPr>
-          <p:nvPr>
-            <p:ph/>
-          </p:nvPr>
-        </p:nvSpPr>
-        <p:spPr>
-          <a:xfrm>
-            <a:off x="311760" y="900000"/>
-            <a:ext cx="8518680" cy="3678120"/>
-          </a:xfrm>
-          <a:prstGeom prst="rect">
-            <a:avLst/>
-          </a:prstGeom>
-          <a:noFill/>
-          <a:ln w="0">
-            <a:noFill/>
-          </a:ln>
-        </p:spPr>
-        <p:txBody>
-          <a:bodyPr lIns="91440" rIns="91440" tIns="91440" bIns="91440" anchor="t">
-            <a:normAutofit/>
-          </a:bodyPr>
-          <a:p>
-            <a:pPr marL="432000" indent="-324000">
-              <a:lnSpc>
-                <a:spcPct val="100000"/>
-              </a:lnSpc>
-              <a:spcBef>
-                <a:spcPts val="624"/>
-              </a:spcBef>
-              <a:spcAft>
-                <a:spcPts val="425"/>
-              </a:spcAft>
-              <a:buClr>
-                <a:srgbClr val="000000"/>
-              </a:buClr>
-              <a:buSzPct val="45000"/>
-              <a:buFont typeface="Wingdings" charset="2"/>
-              <a:buChar char=""/>
-            </a:pPr>
-            <a:r>
-              <a:rPr b="1" lang="es-ES" sz="1200" spc="-1" strike="noStrike">
-                <a:solidFill>
-                  <a:srgbClr val="000000"/>
-                </a:solidFill>
-                <a:latin typeface="Arial"/>
-                <a:ea typeface="Noto Sans CJK SC"/>
-              </a:rPr>
-              <a:t>Cread un campo de fecha de última modificación.</a:t>
-            </a:r>
-            <a:r>
-              <a:rPr b="0" lang="es-ES" sz="1200" spc="-1" strike="noStrike">
-                <a:solidFill>
-                  <a:srgbClr val="000000"/>
-                </a:solidFill>
-                <a:latin typeface="Arial"/>
-                <a:ea typeface="Noto Sans CJK SC"/>
-              </a:rPr>
-              <a:t> Los CRM suelen guardar está información, pero no discriminan entre conexiones por API y directamente por web. Con este campo personalizado tendréis control de qué contactos habéis tocado desde WordPress y cuáles han sido tocados de otras formas.</a:t>
-            </a:r>
-            <a:endParaRPr b="0" lang="es-ES" sz="1200" spc="-1" strike="noStrike">
-              <a:solidFill>
-                <a:srgbClr val="000000"/>
-              </a:solidFill>
-              <a:latin typeface="Arial"/>
-            </a:endParaRPr>
-          </a:p>
-          <a:p>
-            <a:pPr marL="432000" indent="-324000">
-              <a:lnSpc>
-                <a:spcPct val="100000"/>
-              </a:lnSpc>
-              <a:spcBef>
-                <a:spcPts val="624"/>
-              </a:spcBef>
-              <a:spcAft>
-                <a:spcPts val="425"/>
-              </a:spcAft>
-              <a:buClr>
-                <a:srgbClr val="000000"/>
-              </a:buClr>
-              <a:buSzPct val="45000"/>
-              <a:buFont typeface="Wingdings" charset="2"/>
-              <a:buChar char=""/>
-            </a:pPr>
-            <a:r>
-              <a:rPr b="1" lang="es-ES" sz="1200" spc="-1" strike="noStrike">
-                <a:solidFill>
-                  <a:srgbClr val="000000"/>
-                </a:solidFill>
-                <a:latin typeface="Arial"/>
-                <a:ea typeface="Noto Sans CJK SC"/>
-              </a:rPr>
-              <a:t>Usad las notas.</a:t>
-            </a:r>
-            <a:r>
-              <a:rPr b="0" lang="es-ES" sz="1200" spc="-1" strike="noStrike">
-                <a:solidFill>
-                  <a:srgbClr val="000000"/>
-                </a:solidFill>
-                <a:latin typeface="Arial"/>
-                <a:ea typeface="Noto Sans CJK SC"/>
-              </a:rPr>
-              <a:t> Muchos CRM te permiten crear notas de cada contacto, usad esas notas para guardar información variada, por ejemplo, el contenido de las áreas de texto de un formulario. Ponéis un título explicativo y luego el texto que escribió la persona que relleno el formulario. Siempre que se pueda, </a:t>
-            </a:r>
-            <a:r>
-              <a:rPr b="1" lang="es-ES" sz="1200" spc="-1" strike="noStrike">
-                <a:solidFill>
-                  <a:srgbClr val="000000"/>
-                </a:solidFill>
-                <a:latin typeface="Arial"/>
-                <a:ea typeface="Noto Sans CJK SC"/>
-              </a:rPr>
-              <a:t>no montéis campos específicos para ese tipo de cosas</a:t>
-            </a:r>
-            <a:r>
-              <a:rPr b="0" lang="es-ES" sz="1200" spc="-1" strike="noStrike">
-                <a:solidFill>
-                  <a:srgbClr val="000000"/>
-                </a:solidFill>
-                <a:latin typeface="Arial"/>
-                <a:ea typeface="Noto Sans CJK SC"/>
-              </a:rPr>
-              <a:t>.</a:t>
-            </a:r>
-            <a:endParaRPr b="0" lang="es-ES" sz="1200" spc="-1" strike="noStrike">
-              <a:solidFill>
-                <a:srgbClr val="000000"/>
-              </a:solidFill>
-              <a:latin typeface="Arial"/>
-            </a:endParaRPr>
-          </a:p>
-          <a:p>
-            <a:pPr marL="432000" indent="-324000">
-              <a:lnSpc>
-                <a:spcPct val="100000"/>
-              </a:lnSpc>
-              <a:spcBef>
-                <a:spcPts val="624"/>
-              </a:spcBef>
-              <a:spcAft>
-                <a:spcPts val="425"/>
-              </a:spcAft>
-              <a:buClr>
-                <a:srgbClr val="000000"/>
-              </a:buClr>
-              <a:buSzPct val="45000"/>
-              <a:buFont typeface="Wingdings" charset="2"/>
-              <a:buChar char=""/>
-            </a:pPr>
-            <a:r>
-              <a:rPr b="1" lang="es-ES" sz="1200" spc="-1" strike="noStrike">
-                <a:solidFill>
-                  <a:srgbClr val="000000"/>
-                </a:solidFill>
-                <a:latin typeface="Arial"/>
-                <a:ea typeface="Noto Sans CJK SC"/>
-              </a:rPr>
-              <a:t>Si puedes hacerse con una automatización del CRM, mejor que programándolo.</a:t>
-            </a:r>
-            <a:r>
-              <a:rPr b="0" lang="es-ES" sz="1200" spc="-1" strike="noStrike">
-                <a:solidFill>
-                  <a:srgbClr val="000000"/>
-                </a:solidFill>
-                <a:latin typeface="Arial"/>
-                <a:ea typeface="Noto Sans CJK SC"/>
-              </a:rPr>
-              <a:t> Al conectar se puede hacer que el script que desarrolléis haga todas las tareas, como meter etiquetas, apuntar a listas, meter puntos en un LeadScoring, etc. O simplemente que lance un disparador de una automatización y esta ejecute todo lo anterior. Piensa que </a:t>
-            </a:r>
-            <a:r>
-              <a:rPr b="1" lang="es-ES" sz="1200" spc="-1" strike="noStrike">
-                <a:solidFill>
-                  <a:srgbClr val="000000"/>
-                </a:solidFill>
-                <a:latin typeface="Arial"/>
-                <a:ea typeface="Noto Sans CJK SC"/>
-              </a:rPr>
-              <a:t>cambiar la programación solo podrá hacerlo una desarrolladora y cambiar una automatización con una interfaz gráfica, puede hacerlo cualquier persona de marketing con unos conocimientos básicos</a:t>
-            </a:r>
-            <a:r>
-              <a:rPr b="0" lang="es-ES" sz="1200" spc="-1" strike="noStrike">
-                <a:solidFill>
-                  <a:srgbClr val="000000"/>
-                </a:solidFill>
-                <a:latin typeface="Arial"/>
-                <a:ea typeface="Noto Sans CJK SC"/>
-              </a:rPr>
-              <a:t>.</a:t>
-            </a:r>
-            <a:endParaRPr b="0" lang="es-ES" sz="1200" spc="-1" strike="noStrike">
-              <a:solidFill>
-                <a:srgbClr val="000000"/>
-              </a:solidFill>
-              <a:latin typeface="Arial"/>
-            </a:endParaRPr>
-          </a:p>
-          <a:p>
-            <a:pPr marL="432000" indent="-324000">
-              <a:lnSpc>
-                <a:spcPct val="100000"/>
-              </a:lnSpc>
-              <a:spcBef>
-                <a:spcPts val="624"/>
-              </a:spcBef>
-              <a:spcAft>
-                <a:spcPts val="425"/>
-              </a:spcAft>
-              <a:buClr>
-                <a:srgbClr val="000000"/>
-              </a:buClr>
-              <a:buSzPct val="45000"/>
-              <a:buFont typeface="Wingdings" charset="2"/>
-              <a:buChar char=""/>
-            </a:pPr>
-            <a:r>
-              <a:rPr b="1" lang="es-ES" sz="1200" spc="-1" strike="noStrike">
-                <a:solidFill>
-                  <a:srgbClr val="000000"/>
-                </a:solidFill>
-                <a:latin typeface="Arial"/>
-                <a:ea typeface="Noto Sans CJK SC"/>
-              </a:rPr>
-              <a:t>Usad los sistemas de almacenamiento de ficheros de PDF, DOC, ODT, etc. que ofrecen los CRM.</a:t>
-            </a:r>
-            <a:r>
-              <a:rPr b="0" lang="es-ES" sz="1200" spc="-1" strike="noStrike">
-                <a:solidFill>
-                  <a:srgbClr val="000000"/>
-                </a:solidFill>
-                <a:latin typeface="Arial"/>
-                <a:ea typeface="Noto Sans CJK SC"/>
-              </a:rPr>
-              <a:t> Es muy tentador subir un fichero a tu web y usar ese enlace en todas partes. Pero no da gran información. Subiéndolo al sistema de archivos del CRM puedes saber quién y cuándo lo ha descargado si está entre tus contactos y si no, como, mínimo te dará unas buenas estadísticas de descargas.</a:t>
-            </a:r>
-            <a:endParaRPr b="0" lang="es-ES" sz="1200" spc="-1" strike="noStrike">
-              <a:solidFill>
-                <a:srgbClr val="000000"/>
-              </a:solidFill>
-              <a:latin typeface="Arial"/>
-            </a:endParaRPr>
-          </a:p>
-        </p:txBody>
-      </p:sp>
-    </p:spTree>
-  </p:cSld>
-  <mc:AlternateContent>
-    <mc:Choice Requires="p14">
-      <p:transition spd="slow" p14:dur="2000"/>
-    </mc:Choice>
-    <mc:Fallback>
-      <p:transition spd="slow"/>
-    </mc:Fallback>
-  </mc:AlternateContent>
-</p:sld>
-</file>
-
-<file path=ppt/slides/slide19.xml><?xml version="1.0" encoding="utf-8"?>
-<p:sld xmlns:a="http://schemas.openxmlformats.org/drawingml/2006/main" xmlns:p="http://schemas.openxmlformats.org/presentationml/2006/main" xmlns:r="http://schemas.openxmlformats.org/officeDocument/2006/relationships" xmlns:p14="http://schemas.microsoft.com/office/powerpoint/2010/main" xmlns:p15="http://schemas.microsoft.com/office/powerpoint/2012/main" xmlns:mc="http://schemas.openxmlformats.org/markup-compatibility/2006">
-  <p:cSld>
-    <p:spTree>
-      <p:nvGrpSpPr>
-        <p:cNvPr id="1" name=""/>
-        <p:cNvGrpSpPr/>
-        <p:nvPr/>
-      </p:nvGrpSpPr>
-      <p:grpSpPr>
-        <a:xfrm>
-          <a:off x="0" y="0"/>
-          <a:ext cx="0" cy="0"/>
-          <a:chOff x="0" y="0"/>
-          <a:chExt cx="0" cy="0"/>
-        </a:xfrm>
-      </p:grpSpPr>
-      <p:sp>
-        <p:nvSpPr>
-          <p:cNvPr id="104" name="PlaceHolder 1"/>
+          <p:cNvPr id="101" name="PlaceHolder 1"/>
           <p:cNvSpPr>
             <a:spLocks noGrp="1"/>
           </p:cNvSpPr>
@@ -7702,7 +7050,7 @@
                 </a:solidFill>
                 <a:latin typeface="Arial"/>
               </a:rPr>
-              <a:t>Sobre mí</a:t>
+              <a:t>Enlaces</a:t>
             </a:r>
             <a:r>
               <a:rPr b="0" lang="es-ES" sz="1800" spc="-1" strike="noStrike">
@@ -7711,7 +7059,7 @@
                 </a:solidFill>
                 <a:latin typeface="Arial"/>
               </a:rPr>
-              <a:t> O=('-'Q)</a:t>
+              <a:t> [♥]]] [♦]]] [♣]]] [♠]]]</a:t>
             </a:r>
             <a:endParaRPr b="0" lang="es-ES" sz="1800" spc="-1" strike="noStrike">
               <a:solidFill>
@@ -7724,7 +7072,7 @@
       </p:sp>
       <p:sp>
         <p:nvSpPr>
-          <p:cNvPr id="105" name="PlaceHolder 2"/>
+          <p:cNvPr id="102" name="PlaceHolder 2"/>
           <p:cNvSpPr>
             <a:spLocks noGrp="1"/>
           </p:cNvSpPr>
@@ -7985,143 +7333,6 @@
           </a:ln>
         </p:spPr>
       </p:pic>
-    </p:spTree>
-  </p:cSld>
-  <mc:AlternateContent>
-    <mc:Choice Requires="p14">
-      <p:transition spd="slow" p14:dur="2000"/>
-    </mc:Choice>
-    <mc:Fallback>
-      <p:transition spd="slow"/>
-    </mc:Fallback>
-  </mc:AlternateContent>
-</p:sld>
-</file>
-
-<file path=ppt/slides/slide20.xml><?xml version="1.0" encoding="utf-8"?>
-<p:sld xmlns:a="http://schemas.openxmlformats.org/drawingml/2006/main" xmlns:p="http://schemas.openxmlformats.org/presentationml/2006/main" xmlns:r="http://schemas.openxmlformats.org/officeDocument/2006/relationships" xmlns:p14="http://schemas.microsoft.com/office/powerpoint/2010/main" xmlns:p15="http://schemas.microsoft.com/office/powerpoint/2012/main" xmlns:mc="http://schemas.openxmlformats.org/markup-compatibility/2006">
-  <p:cSld>
-    <p:spTree>
-      <p:nvGrpSpPr>
-        <p:cNvPr id="1" name=""/>
-        <p:cNvGrpSpPr/>
-        <p:nvPr/>
-      </p:nvGrpSpPr>
-      <p:grpSpPr>
-        <a:xfrm>
-          <a:off x="0" y="0"/>
-          <a:ext cx="0" cy="0"/>
-          <a:chOff x="0" y="0"/>
-          <a:chExt cx="0" cy="0"/>
-        </a:xfrm>
-      </p:grpSpPr>
-      <p:sp>
-        <p:nvSpPr>
-          <p:cNvPr id="106" name="PlaceHolder 1"/>
-          <p:cNvSpPr>
-            <a:spLocks noGrp="1"/>
-          </p:cNvSpPr>
-          <p:nvPr>
-            <p:ph type="title"/>
-          </p:nvPr>
-        </p:nvSpPr>
-        <p:spPr>
-          <a:xfrm>
-            <a:off x="2340000" y="294120"/>
-            <a:ext cx="6490440" cy="520920"/>
-          </a:xfrm>
-          <a:prstGeom prst="rect">
-            <a:avLst/>
-          </a:prstGeom>
-          <a:noFill/>
-          <a:ln w="0">
-            <a:noFill/>
-          </a:ln>
-        </p:spPr>
-        <p:txBody>
-          <a:bodyPr lIns="91440" rIns="91440" tIns="91440" bIns="91440" anchor="t">
-            <a:normAutofit/>
-          </a:bodyPr>
-          <a:p>
-            <a:pPr indent="0" algn="r">
-              <a:lnSpc>
-                <a:spcPct val="100000"/>
-              </a:lnSpc>
-              <a:buNone/>
-              <a:tabLst>
-                <a:tab algn="l" pos="0"/>
-              </a:tabLst>
-            </a:pPr>
-            <a:r>
-              <a:rPr b="1" lang="es-ES" sz="1800" spc="-1" strike="noStrike">
-                <a:solidFill>
-                  <a:srgbClr val="174575"/>
-                </a:solidFill>
-                <a:latin typeface="Arial"/>
-              </a:rPr>
-              <a:t>Enlaces</a:t>
-            </a:r>
-            <a:r>
-              <a:rPr b="0" lang="es-ES" sz="1800" spc="-1" strike="noStrike">
-                <a:solidFill>
-                  <a:srgbClr val="174575"/>
-                </a:solidFill>
-                <a:latin typeface="Arial"/>
-              </a:rPr>
-              <a:t> [♥]]] [♦]]] [♣]]] [♠]]]</a:t>
-            </a:r>
-            <a:endParaRPr b="0" lang="es-ES" sz="1800" spc="-1" strike="noStrike">
-              <a:solidFill>
-                <a:srgbClr val="000000"/>
-              </a:solidFill>
-              <a:latin typeface="Arial"/>
-            </a:endParaRPr>
-          </a:p>
-        </p:txBody>
-      </p:sp>
-      <p:sp>
-        <p:nvSpPr>
-          <p:cNvPr id="107" name="PlaceHolder 2"/>
-          <p:cNvSpPr>
-            <a:spLocks noGrp="1"/>
-          </p:cNvSpPr>
-          <p:nvPr>
-            <p:ph/>
-          </p:nvPr>
-        </p:nvSpPr>
-        <p:spPr>
-          <a:xfrm>
-            <a:off x="311760" y="1461600"/>
-            <a:ext cx="8518680" cy="3116520"/>
-          </a:xfrm>
-          <a:prstGeom prst="rect">
-            <a:avLst/>
-          </a:prstGeom>
-          <a:noFill/>
-          <a:ln w="0">
-            <a:noFill/>
-          </a:ln>
-        </p:spPr>
-        <p:txBody>
-          <a:bodyPr lIns="91440" rIns="91440" tIns="91440" bIns="91440" anchor="t">
-            <a:normAutofit/>
-          </a:bodyPr>
-          <a:p>
-            <a:pPr indent="0">
-              <a:spcBef>
-                <a:spcPts val="1417"/>
-              </a:spcBef>
-              <a:buNone/>
-            </a:pPr>
-            <a:endParaRPr b="0" lang="es-ES" sz="1800" spc="-1" strike="noStrike">
-              <a:solidFill>
-                <a:srgbClr val="000000"/>
-              </a:solidFill>
-              <a:latin typeface="Arial"/>
-            </a:endParaRPr>
-          </a:p>
-        </p:txBody>
-      </p:sp>
     </p:spTree>
   </p:cSld>
   <mc:AlternateContent>
@@ -10560,20 +9771,20 @@
             <a:r>
               <a:rPr b="1" lang="es-ES" sz="1800" spc="-1" strike="noStrike">
                 <a:solidFill>
-                  <a:srgbClr val="000000"/>
-                </a:solidFill>
-                <a:latin typeface="Arial"/>
-              </a:rPr>
-              <a:t>URL de tracking de clics</a:t>
+                  <a:srgbClr val="174575"/>
+                </a:solidFill>
+                <a:latin typeface="Arial"/>
+              </a:rPr>
+              <a:t>Formularios </a:t>
             </a:r>
             <a:r>
               <a:rPr b="0" lang="es-ES" sz="1800" spc="-1" strike="noStrike">
                 <a:solidFill>
-                  <a:srgbClr val="000000"/>
-                </a:solidFill>
-                <a:latin typeface="Arial"/>
-              </a:rPr>
-              <a:t> ♫♪.ılılıll|̲̅̅●̲̅̅|̲̅̅=̲̅̅|̲̅̅●̲̅̅|llılılı.♫♪</a:t>
+                  <a:srgbClr val="174575"/>
+                </a:solidFill>
+                <a:latin typeface="Arial"/>
+              </a:rPr>
+              <a:t>[̲̅$̲̅(̲̅ιοο̲̅)̲̅$̲̅]</a:t>
             </a:r>
             <a:endParaRPr b="0" lang="es-ES" sz="1800" spc="-1" strike="noStrike">
               <a:solidFill>
@@ -10597,7 +9808,7 @@
         <p:spPr>
           <a:xfrm>
             <a:off x="311760" y="1461600"/>
-            <a:ext cx="8518680" cy="3116520"/>
+            <a:ext cx="5087520" cy="3116520"/>
           </a:xfrm>
           <a:prstGeom prst="rect">
             <a:avLst/>
@@ -10613,11 +9824,173 @@
           </a:bodyPr>
           <a:p>
             <a:pPr indent="0">
-              <a:spcBef>
-                <a:spcPts val="1417"/>
-              </a:spcBef>
+              <a:lnSpc>
+                <a:spcPct val="100000"/>
+              </a:lnSpc>
+              <a:spcBef>
+                <a:spcPts val="1191"/>
+              </a:spcBef>
+              <a:spcAft>
+                <a:spcPts val="992"/>
+              </a:spcAft>
               <a:buNone/>
-            </a:pPr>
+              <a:tabLst>
+                <a:tab algn="l" pos="0"/>
+              </a:tabLst>
+            </a:pPr>
+            <a:r>
+              <a:rPr b="0" lang="es-ES" sz="1800" spc="-1" strike="noStrike">
+                <a:solidFill>
+                  <a:srgbClr val="000000"/>
+                </a:solidFill>
+                <a:latin typeface="Arial"/>
+              </a:rPr>
+              <a:t>La forma más común de conexión entre WordPress y Un CRM es mediante formularios. Está conexión se puede hacer mediante diferentes formas.</a:t>
+            </a:r>
+            <a:endParaRPr b="0" lang="es-ES" sz="1800" spc="-1" strike="noStrike">
+              <a:solidFill>
+                <a:srgbClr val="000000"/>
+              </a:solidFill>
+              <a:latin typeface="Arial"/>
+            </a:endParaRPr>
+          </a:p>
+          <a:p>
+            <a:pPr marL="720000" indent="-324000">
+              <a:lnSpc>
+                <a:spcPct val="100000"/>
+              </a:lnSpc>
+              <a:spcBef>
+                <a:spcPts val="340"/>
+              </a:spcBef>
+              <a:spcAft>
+                <a:spcPts val="142"/>
+              </a:spcAft>
+              <a:buClr>
+                <a:srgbClr val="000000"/>
+              </a:buClr>
+              <a:buFont typeface="Symbol" charset="2"/>
+              <a:buChar char=""/>
+              <a:tabLst>
+                <a:tab algn="l" pos="0"/>
+              </a:tabLst>
+            </a:pPr>
+            <a:r>
+              <a:rPr b="0" lang="es-ES" sz="1800" spc="-1" strike="noStrike">
+                <a:solidFill>
+                  <a:srgbClr val="000000"/>
+                </a:solidFill>
+                <a:latin typeface="Arial"/>
+              </a:rPr>
+              <a:t>Incrustados</a:t>
+            </a:r>
+            <a:endParaRPr b="0" lang="es-ES" sz="1800" spc="-1" strike="noStrike">
+              <a:solidFill>
+                <a:srgbClr val="000000"/>
+              </a:solidFill>
+              <a:latin typeface="Arial"/>
+            </a:endParaRPr>
+          </a:p>
+          <a:p>
+            <a:pPr marL="720000" indent="-324000">
+              <a:lnSpc>
+                <a:spcPct val="100000"/>
+              </a:lnSpc>
+              <a:spcBef>
+                <a:spcPts val="340"/>
+              </a:spcBef>
+              <a:spcAft>
+                <a:spcPts val="142"/>
+              </a:spcAft>
+              <a:buClr>
+                <a:srgbClr val="000000"/>
+              </a:buClr>
+              <a:buFont typeface="Symbol" charset="2"/>
+              <a:buChar char=""/>
+              <a:tabLst>
+                <a:tab algn="l" pos="0"/>
+              </a:tabLst>
+            </a:pPr>
+            <a:r>
+              <a:rPr b="0" lang="es-ES" sz="1800" spc="-1" strike="noStrike">
+                <a:solidFill>
+                  <a:srgbClr val="000000"/>
+                </a:solidFill>
+                <a:latin typeface="Arial"/>
+              </a:rPr>
+              <a:t>Conectados con un plugin</a:t>
+            </a:r>
+            <a:endParaRPr b="0" lang="es-ES" sz="1800" spc="-1" strike="noStrike">
+              <a:solidFill>
+                <a:srgbClr val="000000"/>
+              </a:solidFill>
+              <a:latin typeface="Arial"/>
+            </a:endParaRPr>
+          </a:p>
+          <a:p>
+            <a:pPr marL="720000" indent="-324000">
+              <a:lnSpc>
+                <a:spcPct val="100000"/>
+              </a:lnSpc>
+              <a:spcBef>
+                <a:spcPts val="340"/>
+              </a:spcBef>
+              <a:spcAft>
+                <a:spcPts val="142"/>
+              </a:spcAft>
+              <a:buClr>
+                <a:srgbClr val="000000"/>
+              </a:buClr>
+              <a:buFont typeface="Symbol" charset="2"/>
+              <a:buChar char=""/>
+              <a:tabLst>
+                <a:tab algn="l" pos="0"/>
+              </a:tabLst>
+            </a:pPr>
+            <a:r>
+              <a:rPr b="0" lang="es-ES" sz="1800" spc="-1" strike="noStrike">
+                <a:solidFill>
+                  <a:srgbClr val="000000"/>
+                </a:solidFill>
+                <a:latin typeface="Arial"/>
+              </a:rPr>
+              <a:t>Conectados con un desarrollo propio</a:t>
+            </a:r>
+            <a:endParaRPr b="0" lang="es-ES" sz="1800" spc="-1" strike="noStrike">
+              <a:solidFill>
+                <a:srgbClr val="000000"/>
+              </a:solidFill>
+              <a:latin typeface="Arial"/>
+            </a:endParaRPr>
+          </a:p>
+          <a:p>
+            <a:pPr marL="720000" indent="-324000">
+              <a:lnSpc>
+                <a:spcPct val="100000"/>
+              </a:lnSpc>
+              <a:spcBef>
+                <a:spcPts val="340"/>
+              </a:spcBef>
+              <a:spcAft>
+                <a:spcPts val="142"/>
+              </a:spcAft>
+              <a:buClr>
+                <a:srgbClr val="000000"/>
+              </a:buClr>
+              <a:buFont typeface="Symbol" charset="2"/>
+              <a:buChar char=""/>
+              <a:tabLst>
+                <a:tab algn="l" pos="0"/>
+              </a:tabLst>
+            </a:pPr>
+            <a:r>
+              <a:rPr b="0" lang="es-ES" sz="1800" spc="-1" strike="noStrike">
+                <a:solidFill>
+                  <a:srgbClr val="000000"/>
+                </a:solidFill>
+                <a:latin typeface="Arial"/>
+              </a:rPr>
+              <a:t>Mixtos</a:t>
+            </a:r>
             <a:endParaRPr b="0" lang="es-ES" sz="1800" spc="-1" strike="noStrike">
               <a:solidFill>
                 <a:srgbClr val="000000"/>
@@ -10669,7 +10042,479 @@
         </p:nvSpPr>
         <p:spPr>
           <a:xfrm>
-            <a:off x="2328840" y="294120"/>
+            <a:off x="311760" y="815760"/>
+            <a:ext cx="8518680" cy="520920"/>
+          </a:xfrm>
+          <a:prstGeom prst="rect">
+            <a:avLst/>
+          </a:prstGeom>
+          <a:noFill/>
+          <a:ln w="0">
+            <a:noFill/>
+          </a:ln>
+        </p:spPr>
+        <p:txBody>
+          <a:bodyPr lIns="91440" rIns="91440" tIns="91440" bIns="91440" anchor="t">
+            <a:normAutofit/>
+          </a:bodyPr>
+          <a:p>
+            <a:pPr indent="0" algn="r">
+              <a:lnSpc>
+                <a:spcPct val="100000"/>
+              </a:lnSpc>
+              <a:spcBef>
+                <a:spcPts val="1191"/>
+              </a:spcBef>
+              <a:spcAft>
+                <a:spcPts val="992"/>
+              </a:spcAft>
+              <a:buNone/>
+              <a:tabLst>
+                <a:tab algn="l" pos="0"/>
+              </a:tabLst>
+            </a:pPr>
+            <a:r>
+              <a:rPr b="1" lang="es-ES" sz="1500" spc="-1" strike="noStrike">
+                <a:solidFill>
+                  <a:srgbClr val="000000"/>
+                </a:solidFill>
+                <a:latin typeface="Arial"/>
+                <a:ea typeface="Noto Sans CJK SC"/>
+              </a:rPr>
+              <a:t>Incrustados</a:t>
+            </a:r>
+            <a:r>
+              <a:rPr b="0" lang="es-ES" sz="1500" spc="-1" strike="noStrike">
+                <a:solidFill>
+                  <a:srgbClr val="000000"/>
+                </a:solidFill>
+                <a:latin typeface="Arial"/>
+                <a:ea typeface="Noto Sans CJK SC"/>
+              </a:rPr>
+              <a:t> ˁ˚ᴥ˚ˀ</a:t>
+            </a:r>
+            <a:endParaRPr b="0" lang="es-ES" sz="1500" spc="-1" strike="noStrike">
+              <a:solidFill>
+                <a:srgbClr val="000000"/>
+              </a:solidFill>
+              <a:latin typeface="Arial"/>
+            </a:endParaRPr>
+          </a:p>
+        </p:txBody>
+      </p:sp>
+      <p:sp>
+        <p:nvSpPr>
+          <p:cNvPr id="76" name="PlaceHolder 2"/>
+          <p:cNvSpPr>
+            <a:spLocks noGrp="1"/>
+          </p:cNvSpPr>
+          <p:nvPr>
+            <p:ph/>
+          </p:nvPr>
+        </p:nvSpPr>
+        <p:spPr>
+          <a:xfrm>
+            <a:off x="311760" y="1337400"/>
+            <a:ext cx="8518680" cy="3240720"/>
+          </a:xfrm>
+          <a:prstGeom prst="rect">
+            <a:avLst/>
+          </a:prstGeom>
+          <a:noFill/>
+          <a:ln w="0">
+            <a:noFill/>
+          </a:ln>
+        </p:spPr>
+        <p:txBody>
+          <a:bodyPr lIns="91440" rIns="91440" tIns="91440" bIns="91440" anchor="t">
+            <a:normAutofit fontScale="56111"/>
+          </a:bodyPr>
+          <a:p>
+            <a:pPr indent="0">
+              <a:lnSpc>
+                <a:spcPct val="100000"/>
+              </a:lnSpc>
+              <a:spcBef>
+                <a:spcPts val="340"/>
+              </a:spcBef>
+              <a:spcAft>
+                <a:spcPts val="283"/>
+              </a:spcAft>
+              <a:buNone/>
+              <a:tabLst>
+                <a:tab algn="l" pos="0"/>
+              </a:tabLst>
+            </a:pPr>
+            <a:r>
+              <a:rPr b="0" lang="es-ES" sz="1800" spc="-1" strike="noStrike">
+                <a:solidFill>
+                  <a:srgbClr val="000000"/>
+                </a:solidFill>
+                <a:latin typeface="Arial"/>
+              </a:rPr>
+              <a:t>La mayoría de CRM dan códigos para incrustar formularios en tu web. Son códigos muy sencillos de usar, generas el formulario y cortas y pegas el código que te dan en tu web, en páginas, widgets, …</a:t>
+            </a:r>
+            <a:endParaRPr b="0" lang="es-ES" sz="1800" spc="-1" strike="noStrike">
+              <a:solidFill>
+                <a:srgbClr val="000000"/>
+              </a:solidFill>
+              <a:latin typeface="Arial"/>
+            </a:endParaRPr>
+          </a:p>
+          <a:p>
+            <a:pPr indent="0">
+              <a:lnSpc>
+                <a:spcPct val="100000"/>
+              </a:lnSpc>
+              <a:spcBef>
+                <a:spcPts val="340"/>
+              </a:spcBef>
+              <a:spcAft>
+                <a:spcPts val="283"/>
+              </a:spcAft>
+              <a:buNone/>
+              <a:tabLst>
+                <a:tab algn="l" pos="0"/>
+              </a:tabLst>
+            </a:pPr>
+            <a:r>
+              <a:rPr b="1" lang="es-ES" sz="1800" spc="-1" strike="noStrike">
+                <a:solidFill>
+                  <a:srgbClr val="000000"/>
+                </a:solidFill>
+                <a:latin typeface="Arial"/>
+              </a:rPr>
+              <a:t>Ventajas:</a:t>
+            </a:r>
+            <a:endParaRPr b="0" lang="es-ES" sz="1800" spc="-1" strike="noStrike">
+              <a:solidFill>
+                <a:srgbClr val="000000"/>
+              </a:solidFill>
+              <a:latin typeface="Arial"/>
+            </a:endParaRPr>
+          </a:p>
+          <a:p>
+            <a:pPr marL="720000" indent="-324000">
+              <a:lnSpc>
+                <a:spcPct val="100000"/>
+              </a:lnSpc>
+              <a:spcBef>
+                <a:spcPts val="340"/>
+              </a:spcBef>
+              <a:spcAft>
+                <a:spcPts val="283"/>
+              </a:spcAft>
+              <a:buClr>
+                <a:srgbClr val="000000"/>
+              </a:buClr>
+              <a:buFont typeface="Wingdings" charset="2"/>
+              <a:buChar char=""/>
+              <a:tabLst>
+                <a:tab algn="l" pos="0"/>
+              </a:tabLst>
+            </a:pPr>
+            <a:r>
+              <a:rPr b="0" lang="es-ES" sz="1800" spc="-1" strike="noStrike">
+                <a:solidFill>
+                  <a:srgbClr val="000000"/>
+                </a:solidFill>
+                <a:latin typeface="Arial"/>
+              </a:rPr>
+              <a:t>Muy fácil de crear e integrar y exigen pocos conocimientos.</a:t>
+            </a:r>
+            <a:endParaRPr b="0" lang="es-ES" sz="1800" spc="-1" strike="noStrike">
+              <a:solidFill>
+                <a:srgbClr val="000000"/>
+              </a:solidFill>
+              <a:latin typeface="Arial"/>
+            </a:endParaRPr>
+          </a:p>
+          <a:p>
+            <a:pPr marL="720000" indent="-324000">
+              <a:lnSpc>
+                <a:spcPct val="100000"/>
+              </a:lnSpc>
+              <a:spcBef>
+                <a:spcPts val="340"/>
+              </a:spcBef>
+              <a:spcAft>
+                <a:spcPts val="283"/>
+              </a:spcAft>
+              <a:buClr>
+                <a:srgbClr val="000000"/>
+              </a:buClr>
+              <a:buFont typeface="Wingdings" charset="2"/>
+              <a:buChar char=""/>
+              <a:tabLst>
+                <a:tab algn="l" pos="0"/>
+              </a:tabLst>
+            </a:pPr>
+            <a:r>
+              <a:rPr b="0" lang="es-ES" sz="1800" spc="-1" strike="noStrike">
+                <a:solidFill>
+                  <a:srgbClr val="000000"/>
+                </a:solidFill>
+                <a:latin typeface="Arial"/>
+              </a:rPr>
+              <a:t>La conexión es directa, no debería haber fallos.</a:t>
+            </a:r>
+            <a:endParaRPr b="0" lang="es-ES" sz="1800" spc="-1" strike="noStrike">
+              <a:solidFill>
+                <a:srgbClr val="000000"/>
+              </a:solidFill>
+              <a:latin typeface="Arial"/>
+            </a:endParaRPr>
+          </a:p>
+          <a:p>
+            <a:pPr marL="720000" indent="-324000">
+              <a:lnSpc>
+                <a:spcPct val="100000"/>
+              </a:lnSpc>
+              <a:spcBef>
+                <a:spcPts val="340"/>
+              </a:spcBef>
+              <a:spcAft>
+                <a:spcPts val="283"/>
+              </a:spcAft>
+              <a:buClr>
+                <a:srgbClr val="000000"/>
+              </a:buClr>
+              <a:buFont typeface="Wingdings" charset="2"/>
+              <a:buChar char=""/>
+              <a:tabLst>
+                <a:tab algn="l" pos="0"/>
+              </a:tabLst>
+            </a:pPr>
+            <a:r>
+              <a:rPr b="0" lang="es-ES" sz="1800" spc="-1" strike="noStrike">
+                <a:solidFill>
+                  <a:srgbClr val="000000"/>
+                </a:solidFill>
+                <a:latin typeface="Arial"/>
+              </a:rPr>
+              <a:t>Ellos se encargan de meter la cookie de rastreo o similares para poder seguir al usuario.</a:t>
+            </a:r>
+            <a:endParaRPr b="0" lang="es-ES" sz="1800" spc="-1" strike="noStrike">
+              <a:solidFill>
+                <a:srgbClr val="000000"/>
+              </a:solidFill>
+              <a:latin typeface="Arial"/>
+            </a:endParaRPr>
+          </a:p>
+          <a:p>
+            <a:pPr indent="0">
+              <a:lnSpc>
+                <a:spcPct val="100000"/>
+              </a:lnSpc>
+              <a:spcBef>
+                <a:spcPts val="340"/>
+              </a:spcBef>
+              <a:spcAft>
+                <a:spcPts val="283"/>
+              </a:spcAft>
+              <a:buNone/>
+              <a:tabLst>
+                <a:tab algn="l" pos="0"/>
+              </a:tabLst>
+            </a:pPr>
+            <a:r>
+              <a:rPr b="1" lang="es-ES" sz="1800" spc="-1" strike="noStrike">
+                <a:solidFill>
+                  <a:srgbClr val="000000"/>
+                </a:solidFill>
+                <a:latin typeface="Arial"/>
+              </a:rPr>
+              <a:t>Desventajas:</a:t>
+            </a:r>
+            <a:endParaRPr b="0" lang="es-ES" sz="1800" spc="-1" strike="noStrike">
+              <a:solidFill>
+                <a:srgbClr val="000000"/>
+              </a:solidFill>
+              <a:latin typeface="Arial"/>
+            </a:endParaRPr>
+          </a:p>
+          <a:p>
+            <a:pPr marL="720000" indent="-324000">
+              <a:lnSpc>
+                <a:spcPct val="100000"/>
+              </a:lnSpc>
+              <a:spcBef>
+                <a:spcPts val="340"/>
+              </a:spcBef>
+              <a:spcAft>
+                <a:spcPts val="283"/>
+              </a:spcAft>
+              <a:buClr>
+                <a:srgbClr val="000000"/>
+              </a:buClr>
+              <a:buFont typeface="Wingdings" charset="2"/>
+              <a:buChar char=""/>
+              <a:tabLst>
+                <a:tab algn="l" pos="0"/>
+              </a:tabLst>
+            </a:pPr>
+            <a:r>
+              <a:rPr b="0" lang="es-ES" sz="1800" spc="-1" strike="noStrike">
+                <a:solidFill>
+                  <a:srgbClr val="000000"/>
+                </a:solidFill>
+                <a:latin typeface="Arial"/>
+              </a:rPr>
+              <a:t>Cuando quieres meter campos especiales que no están en el CRM, te obliga a crear campus personalizados en el CRM para guardar esa información. A la larga creas montones de campos que casi ni se usan.</a:t>
+            </a:r>
+            <a:endParaRPr b="0" lang="es-ES" sz="1800" spc="-1" strike="noStrike">
+              <a:solidFill>
+                <a:srgbClr val="000000"/>
+              </a:solidFill>
+              <a:latin typeface="Arial"/>
+            </a:endParaRPr>
+          </a:p>
+          <a:p>
+            <a:pPr marL="720000" indent="-324000">
+              <a:lnSpc>
+                <a:spcPct val="100000"/>
+              </a:lnSpc>
+              <a:spcBef>
+                <a:spcPts val="340"/>
+              </a:spcBef>
+              <a:spcAft>
+                <a:spcPts val="283"/>
+              </a:spcAft>
+              <a:buClr>
+                <a:srgbClr val="000000"/>
+              </a:buClr>
+              <a:buFont typeface="Wingdings" charset="2"/>
+              <a:buChar char=""/>
+              <a:tabLst>
+                <a:tab algn="l" pos="0"/>
+              </a:tabLst>
+            </a:pPr>
+            <a:r>
+              <a:rPr b="0" lang="es-ES" sz="1800" spc="-1" strike="noStrike">
+                <a:solidFill>
+                  <a:srgbClr val="000000"/>
+                </a:solidFill>
+                <a:latin typeface="Arial"/>
+              </a:rPr>
+              <a:t>No tienen buena integración en el diseño de tu WordPress y suelen quedar un poco pegote.</a:t>
+            </a:r>
+            <a:endParaRPr b="0" lang="es-ES" sz="1800" spc="-1" strike="noStrike">
+              <a:solidFill>
+                <a:srgbClr val="000000"/>
+              </a:solidFill>
+              <a:latin typeface="Arial"/>
+            </a:endParaRPr>
+          </a:p>
+          <a:p>
+            <a:pPr marL="720000" indent="-324000">
+              <a:lnSpc>
+                <a:spcPct val="100000"/>
+              </a:lnSpc>
+              <a:spcBef>
+                <a:spcPts val="340"/>
+              </a:spcBef>
+              <a:spcAft>
+                <a:spcPts val="283"/>
+              </a:spcAft>
+              <a:buClr>
+                <a:srgbClr val="000000"/>
+              </a:buClr>
+              <a:buFont typeface="Wingdings" charset="2"/>
+              <a:buChar char=""/>
+              <a:tabLst>
+                <a:tab algn="l" pos="0"/>
+              </a:tabLst>
+            </a:pPr>
+            <a:r>
+              <a:rPr b="0" lang="es-ES" sz="1800" spc="-1" strike="noStrike">
+                <a:solidFill>
+                  <a:srgbClr val="000000"/>
+                </a:solidFill>
+                <a:latin typeface="Arial"/>
+              </a:rPr>
+              <a:t>No permiten conectar a terceros. Los formularios incrustados se conectan difícilmente con elementos de terceros. Tengo una fundación de una empresa grande que todos los contactos recogidos con los formularios deben registrarse en el CRM que usan ellos (Clientify) y con el de la empresa matriz (Salesforce). Los formularios incrustados de Clientify no permiten hacer una conexión también a Salesforce cumpliendo los requerimientos que Salesforce exige.</a:t>
+            </a:r>
+            <a:endParaRPr b="0" lang="es-ES" sz="1800" spc="-1" strike="noStrike">
+              <a:solidFill>
+                <a:srgbClr val="000000"/>
+              </a:solidFill>
+              <a:latin typeface="Arial"/>
+            </a:endParaRPr>
+          </a:p>
+          <a:p>
+            <a:pPr marL="720000" indent="-324000">
+              <a:lnSpc>
+                <a:spcPct val="100000"/>
+              </a:lnSpc>
+              <a:spcBef>
+                <a:spcPts val="340"/>
+              </a:spcBef>
+              <a:spcAft>
+                <a:spcPts val="283"/>
+              </a:spcAft>
+              <a:buClr>
+                <a:srgbClr val="000000"/>
+              </a:buClr>
+              <a:buFont typeface="Wingdings" charset="2"/>
+              <a:buChar char=""/>
+              <a:tabLst>
+                <a:tab algn="l" pos="0"/>
+              </a:tabLst>
+            </a:pPr>
+            <a:r>
+              <a:rPr b="0" lang="es-ES" sz="1800" spc="-1" strike="noStrike">
+                <a:solidFill>
+                  <a:srgbClr val="000000"/>
+                </a:solidFill>
+                <a:latin typeface="Arial"/>
+              </a:rPr>
+              <a:t>Si cae el CRM caen los formularios de tu web. No suelen fallar, pero puede pasar.</a:t>
+            </a:r>
+            <a:endParaRPr b="0" lang="es-ES" sz="1800" spc="-1" strike="noStrike">
+              <a:solidFill>
+                <a:srgbClr val="000000"/>
+              </a:solidFill>
+              <a:latin typeface="Arial"/>
+            </a:endParaRPr>
+          </a:p>
+          <a:p>
+            <a:pPr indent="0">
+              <a:lnSpc>
+                <a:spcPct val="100000"/>
+              </a:lnSpc>
+              <a:spcBef>
+                <a:spcPts val="1191"/>
+              </a:spcBef>
+              <a:spcAft>
+                <a:spcPts val="992"/>
+              </a:spcAft>
+              <a:buNone/>
+              <a:tabLst>
+                <a:tab algn="l" pos="0"/>
+              </a:tabLst>
+            </a:pPr>
+            <a:endParaRPr b="0" lang="es-ES" sz="1800" spc="-1" strike="noStrike">
+              <a:solidFill>
+                <a:srgbClr val="000000"/>
+              </a:solidFill>
+              <a:latin typeface="Arial"/>
+            </a:endParaRPr>
+          </a:p>
+        </p:txBody>
+      </p:sp>
+      <p:sp>
+        <p:nvSpPr>
+          <p:cNvPr id="77" name="PlaceHolder 3"/>
+          <p:cNvSpPr>
+            <a:spLocks noGrp="1"/>
+          </p:cNvSpPr>
+          <p:nvPr>
+            <p:ph type="title"/>
+          </p:nvPr>
+        </p:nvSpPr>
+        <p:spPr>
+          <a:xfrm>
+            <a:off x="2329200" y="294480"/>
             <a:ext cx="6490440" cy="520920"/>
           </a:xfrm>
           <a:prstGeom prst="rect">
@@ -10703,7 +10548,7 @@
             <a:r>
               <a:rPr b="1" lang="es-ES" sz="1800" spc="-1" strike="noStrike">
                 <a:solidFill>
-                  <a:srgbClr val="174575"/>
+                  <a:srgbClr val="000000"/>
                 </a:solidFill>
                 <a:latin typeface="Arial"/>
               </a:rPr>
@@ -10712,216 +10557,11 @@
             <a:r>
               <a:rPr b="0" lang="es-ES" sz="1800" spc="-1" strike="noStrike">
                 <a:solidFill>
-                  <a:srgbClr val="174575"/>
+                  <a:srgbClr val="000000"/>
                 </a:solidFill>
                 <a:latin typeface="Arial"/>
               </a:rPr>
               <a:t>[̲̅$̲̅(̲̅ιοο̲̅)̲̅$̲̅]</a:t>
-            </a:r>
-            <a:endParaRPr b="0" lang="es-ES" sz="1800" spc="-1" strike="noStrike">
-              <a:solidFill>
-                <a:srgbClr val="000000"/>
-              </a:solidFill>
-              <a:latin typeface="Arial"/>
-            </a:endParaRPr>
-          </a:p>
-        </p:txBody>
-      </p:sp>
-      <p:sp>
-        <p:nvSpPr>
-          <p:cNvPr id="76" name="PlaceHolder 2"/>
-          <p:cNvSpPr>
-            <a:spLocks noGrp="1"/>
-          </p:cNvSpPr>
-          <p:nvPr>
-            <p:ph/>
-          </p:nvPr>
-        </p:nvSpPr>
-        <p:spPr>
-          <a:xfrm>
-            <a:off x="311760" y="1461600"/>
-            <a:ext cx="5087520" cy="3116520"/>
-          </a:xfrm>
-          <a:prstGeom prst="rect">
-            <a:avLst/>
-          </a:prstGeom>
-          <a:noFill/>
-          <a:ln w="0">
-            <a:noFill/>
-          </a:ln>
-        </p:spPr>
-        <p:txBody>
-          <a:bodyPr lIns="91440" rIns="91440" tIns="91440" bIns="91440" anchor="t">
-            <a:normAutofit/>
-          </a:bodyPr>
-          <a:p>
-            <a:pPr indent="0">
-              <a:lnSpc>
-                <a:spcPct val="100000"/>
-              </a:lnSpc>
-              <a:spcBef>
-                <a:spcPts val="1191"/>
-              </a:spcBef>
-              <a:spcAft>
-                <a:spcPts val="992"/>
-              </a:spcAft>
-              <a:buNone/>
-              <a:tabLst>
-                <a:tab algn="l" pos="0"/>
-              </a:tabLst>
-            </a:pPr>
-            <a:r>
-              <a:rPr b="0" lang="es-ES" sz="1800" spc="-1" strike="noStrike">
-                <a:solidFill>
-                  <a:srgbClr val="000000"/>
-                </a:solidFill>
-                <a:latin typeface="Arial"/>
-              </a:rPr>
-              <a:t>La forma más común de conexión entre WordPress y Un CRM es mediante formularios. Está conexión se puede hacer mediante diferentes formas.</a:t>
-            </a:r>
-            <a:endParaRPr b="0" lang="es-ES" sz="1800" spc="-1" strike="noStrike">
-              <a:solidFill>
-                <a:srgbClr val="000000"/>
-              </a:solidFill>
-              <a:latin typeface="Arial"/>
-            </a:endParaRPr>
-          </a:p>
-          <a:p>
-            <a:pPr marL="720000" indent="-324000">
-              <a:lnSpc>
-                <a:spcPct val="100000"/>
-              </a:lnSpc>
-              <a:spcBef>
-                <a:spcPts val="340"/>
-              </a:spcBef>
-              <a:spcAft>
-                <a:spcPts val="142"/>
-              </a:spcAft>
-              <a:buClr>
-                <a:srgbClr val="000000"/>
-              </a:buClr>
-              <a:buFont typeface="Symbol" charset="2"/>
-              <a:buChar char=""/>
-              <a:tabLst>
-                <a:tab algn="l" pos="0"/>
-              </a:tabLst>
-            </a:pPr>
-            <a:r>
-              <a:rPr b="0" lang="es-ES" sz="1800" spc="-1" strike="noStrike">
-                <a:solidFill>
-                  <a:srgbClr val="000000"/>
-                </a:solidFill>
-                <a:latin typeface="Arial"/>
-              </a:rPr>
-              <a:t>Incrustados</a:t>
-            </a:r>
-            <a:endParaRPr b="0" lang="es-ES" sz="1800" spc="-1" strike="noStrike">
-              <a:solidFill>
-                <a:srgbClr val="000000"/>
-              </a:solidFill>
-              <a:latin typeface="Arial"/>
-            </a:endParaRPr>
-          </a:p>
-          <a:p>
-            <a:pPr marL="720000" indent="-324000">
-              <a:lnSpc>
-                <a:spcPct val="100000"/>
-              </a:lnSpc>
-              <a:spcBef>
-                <a:spcPts val="340"/>
-              </a:spcBef>
-              <a:spcAft>
-                <a:spcPts val="142"/>
-              </a:spcAft>
-              <a:buClr>
-                <a:srgbClr val="000000"/>
-              </a:buClr>
-              <a:buFont typeface="Symbol" charset="2"/>
-              <a:buChar char=""/>
-              <a:tabLst>
-                <a:tab algn="l" pos="0"/>
-              </a:tabLst>
-            </a:pPr>
-            <a:r>
-              <a:rPr b="0" lang="es-ES" sz="1800" spc="-1" strike="noStrike">
-                <a:solidFill>
-                  <a:srgbClr val="000000"/>
-                </a:solidFill>
-                <a:latin typeface="Arial"/>
-              </a:rPr>
-              <a:t>Conectados con un plugin</a:t>
-            </a:r>
-            <a:endParaRPr b="0" lang="es-ES" sz="1800" spc="-1" strike="noStrike">
-              <a:solidFill>
-                <a:srgbClr val="000000"/>
-              </a:solidFill>
-              <a:latin typeface="Arial"/>
-            </a:endParaRPr>
-          </a:p>
-          <a:p>
-            <a:pPr marL="720000" indent="-324000">
-              <a:lnSpc>
-                <a:spcPct val="100000"/>
-              </a:lnSpc>
-              <a:spcBef>
-                <a:spcPts val="340"/>
-              </a:spcBef>
-              <a:spcAft>
-                <a:spcPts val="142"/>
-              </a:spcAft>
-              <a:buClr>
-                <a:srgbClr val="000000"/>
-              </a:buClr>
-              <a:buFont typeface="Symbol" charset="2"/>
-              <a:buChar char=""/>
-              <a:tabLst>
-                <a:tab algn="l" pos="0"/>
-              </a:tabLst>
-            </a:pPr>
-            <a:r>
-              <a:rPr b="0" lang="es-ES" sz="1800" spc="-1" strike="noStrike">
-                <a:solidFill>
-                  <a:srgbClr val="000000"/>
-                </a:solidFill>
-                <a:latin typeface="Arial"/>
-              </a:rPr>
-              <a:t>Conectados con un desarrollo propio</a:t>
-            </a:r>
-            <a:endParaRPr b="0" lang="es-ES" sz="1800" spc="-1" strike="noStrike">
-              <a:solidFill>
-                <a:srgbClr val="000000"/>
-              </a:solidFill>
-              <a:latin typeface="Arial"/>
-            </a:endParaRPr>
-          </a:p>
-          <a:p>
-            <a:pPr marL="720000" indent="-324000">
-              <a:lnSpc>
-                <a:spcPct val="100000"/>
-              </a:lnSpc>
-              <a:spcBef>
-                <a:spcPts val="340"/>
-              </a:spcBef>
-              <a:spcAft>
-                <a:spcPts val="142"/>
-              </a:spcAft>
-              <a:buClr>
-                <a:srgbClr val="000000"/>
-              </a:buClr>
-              <a:buFont typeface="Symbol" charset="2"/>
-              <a:buChar char=""/>
-              <a:tabLst>
-                <a:tab algn="l" pos="0"/>
-              </a:tabLst>
-            </a:pPr>
-            <a:r>
-              <a:rPr b="0" lang="es-ES" sz="1800" spc="-1" strike="noStrike">
-                <a:solidFill>
-                  <a:srgbClr val="000000"/>
-                </a:solidFill>
-                <a:latin typeface="Arial"/>
-              </a:rPr>
-              <a:t>Mixtos</a:t>
             </a:r>
             <a:endParaRPr b="0" lang="es-ES" sz="1800" spc="-1" strike="noStrike">
               <a:solidFill>

--- a/WCBIO25_Jorge-Monclus.pptx
+++ b/WCBIO25_Jorge-Monclus.pptx
@@ -31,6 +31,7 @@
     <p:sldId id="271" r:id="rId26"/>
     <p:sldId id="272" r:id="rId27"/>
     <p:sldId id="273" r:id="rId28"/>
+    <p:sldId id="274" r:id="rId29"/>
   </p:sldIdLst>
   <p:sldSz cx="9144000" cy="5143500"/>
   <p:notesSz cx="7559675" cy="10691813"/>
@@ -67,7 +68,7 @@
         <p:spPr>
           <a:xfrm>
             <a:off x="311760" y="764280"/>
-            <a:ext cx="8518680" cy="625320"/>
+            <a:ext cx="8518320" cy="625320"/>
           </a:xfrm>
           <a:prstGeom prst="rect">
             <a:avLst/>
@@ -107,7 +108,7 @@
         <p:spPr>
           <a:xfrm>
             <a:off x="311760" y="1461600"/>
-            <a:ext cx="8518680" cy="3116520"/>
+            <a:ext cx="8518320" cy="3116160"/>
           </a:xfrm>
           <a:prstGeom prst="rect">
             <a:avLst/>
@@ -151,7 +152,7 @@
         <p:txBody>
           <a:bodyPr/>
           <a:p>
-            <a:fld id="{2FB3D281-F317-4858-92F6-921C191E3128}" type="slidenum">
+            <a:fld id="{B3F56EBC-B126-4CFD-944A-52540C846A37}" type="slidenum">
               <a:t>&lt;#&gt;</a:t>
             </a:fld>
           </a:p>
@@ -192,7 +193,7 @@
         <p:spPr>
           <a:xfrm>
             <a:off x="311760" y="764280"/>
-            <a:ext cx="8518680" cy="625320"/>
+            <a:ext cx="8518320" cy="625320"/>
           </a:xfrm>
           <a:prstGeom prst="rect">
             <a:avLst/>
@@ -232,7 +233,7 @@
         <p:spPr>
           <a:xfrm>
             <a:off x="311760" y="1461600"/>
-            <a:ext cx="8518680" cy="3116520"/>
+            <a:ext cx="8518320" cy="3116160"/>
           </a:xfrm>
           <a:prstGeom prst="rect">
             <a:avLst/>
@@ -276,7 +277,7 @@
         <p:txBody>
           <a:bodyPr/>
           <a:p>
-            <a:fld id="{0265E80A-7AA0-4EDE-9029-9BF1BD1E509A}" type="slidenum">
+            <a:fld id="{6F16E10A-59E4-4B3B-A4D0-47991DCC32EF}" type="slidenum">
               <a:t>&lt;#&gt;</a:t>
             </a:fld>
           </a:p>
@@ -317,7 +318,7 @@
         <p:spPr>
           <a:xfrm>
             <a:off x="311760" y="764280"/>
-            <a:ext cx="8518680" cy="625320"/>
+            <a:ext cx="8518320" cy="625320"/>
           </a:xfrm>
           <a:prstGeom prst="rect">
             <a:avLst/>
@@ -357,7 +358,7 @@
         <p:spPr>
           <a:xfrm>
             <a:off x="311760" y="1461600"/>
-            <a:ext cx="8518680" cy="3116520"/>
+            <a:ext cx="8518320" cy="3116160"/>
           </a:xfrm>
           <a:prstGeom prst="rect">
             <a:avLst/>
@@ -401,7 +402,7 @@
         <p:txBody>
           <a:bodyPr/>
           <a:p>
-            <a:fld id="{D2CEF144-5885-4703-A498-306DD3D81CFF}" type="slidenum">
+            <a:fld id="{8D4305BB-BF30-4A90-9398-F7B4D93B367B}" type="slidenum">
               <a:t>&lt;#&gt;</a:t>
             </a:fld>
           </a:p>
@@ -442,7 +443,7 @@
         <p:spPr>
           <a:xfrm>
             <a:off x="311760" y="764280"/>
-            <a:ext cx="8518680" cy="625320"/>
+            <a:ext cx="8518320" cy="625320"/>
           </a:xfrm>
           <a:prstGeom prst="rect">
             <a:avLst/>
@@ -482,7 +483,7 @@
         <p:spPr>
           <a:xfrm>
             <a:off x="311760" y="1461600"/>
-            <a:ext cx="8518680" cy="3116520"/>
+            <a:ext cx="8518320" cy="3116160"/>
           </a:xfrm>
           <a:prstGeom prst="rect">
             <a:avLst/>
@@ -526,7 +527,7 @@
         <p:txBody>
           <a:bodyPr/>
           <a:p>
-            <a:fld id="{20F98A72-392F-48FD-B59A-21F7BA3C938D}" type="slidenum">
+            <a:fld id="{9681CEB2-93A6-40D4-ADDB-B74A9F7B1B5E}" type="slidenum">
               <a:t>&lt;#&gt;</a:t>
             </a:fld>
           </a:p>
@@ -567,7 +568,7 @@
         <p:spPr>
           <a:xfrm>
             <a:off x="311760" y="764280"/>
-            <a:ext cx="8518680" cy="625320"/>
+            <a:ext cx="8518320" cy="625320"/>
           </a:xfrm>
           <a:prstGeom prst="rect">
             <a:avLst/>
@@ -607,7 +608,7 @@
         <p:spPr>
           <a:xfrm>
             <a:off x="311760" y="1461600"/>
-            <a:ext cx="8518680" cy="3116520"/>
+            <a:ext cx="8518320" cy="3116160"/>
           </a:xfrm>
           <a:prstGeom prst="rect">
             <a:avLst/>
@@ -651,7 +652,7 @@
         <p:txBody>
           <a:bodyPr/>
           <a:p>
-            <a:fld id="{A0D7922D-4143-4630-8646-DD25DBA98B28}" type="slidenum">
+            <a:fld id="{807D71FD-2EDC-4C86-9263-70A4EB047F0F}" type="slidenum">
               <a:t>&lt;#&gt;</a:t>
             </a:fld>
           </a:p>
@@ -692,7 +693,7 @@
         <p:spPr>
           <a:xfrm>
             <a:off x="311760" y="764280"/>
-            <a:ext cx="8518680" cy="625320"/>
+            <a:ext cx="8518320" cy="625320"/>
           </a:xfrm>
           <a:prstGeom prst="rect">
             <a:avLst/>
@@ -732,7 +733,7 @@
         <p:spPr>
           <a:xfrm>
             <a:off x="311760" y="1461600"/>
-            <a:ext cx="8518680" cy="3116520"/>
+            <a:ext cx="8518320" cy="3116160"/>
           </a:xfrm>
           <a:prstGeom prst="rect">
             <a:avLst/>
@@ -773,7 +774,7 @@
         <p:txBody>
           <a:bodyPr/>
           <a:p>
-            <a:fld id="{156CE681-CD76-478F-9E56-B522EFBF1A7C}" type="slidenum">
+            <a:fld id="{FC78CA93-BBE1-49BB-91E0-D4D69B276A6A}" type="slidenum">
               <a:t>&lt;#&gt;</a:t>
             </a:fld>
           </a:p>
@@ -814,7 +815,7 @@
         <p:spPr>
           <a:xfrm>
             <a:off x="311760" y="764280"/>
-            <a:ext cx="8518680" cy="625320"/>
+            <a:ext cx="8518320" cy="625320"/>
           </a:xfrm>
           <a:prstGeom prst="rect">
             <a:avLst/>
@@ -854,7 +855,7 @@
         <p:spPr>
           <a:xfrm>
             <a:off x="311760" y="1461600"/>
-            <a:ext cx="8518680" cy="3116520"/>
+            <a:ext cx="8518320" cy="3116160"/>
           </a:xfrm>
           <a:prstGeom prst="rect">
             <a:avLst/>
@@ -898,7 +899,7 @@
         <p:txBody>
           <a:bodyPr/>
           <a:p>
-            <a:fld id="{BD665C6F-A630-4FF5-BD47-115123D81F6C}" type="slidenum">
+            <a:fld id="{CB6F005D-89FE-48A0-8029-F2024E35F002}" type="slidenum">
               <a:t>&lt;#&gt;</a:t>
             </a:fld>
           </a:p>
@@ -939,7 +940,7 @@
         <p:spPr>
           <a:xfrm>
             <a:off x="311760" y="764280"/>
-            <a:ext cx="8518680" cy="625320"/>
+            <a:ext cx="8518320" cy="625320"/>
           </a:xfrm>
           <a:prstGeom prst="rect">
             <a:avLst/>
@@ -979,7 +980,7 @@
         <p:spPr>
           <a:xfrm>
             <a:off x="311760" y="1461600"/>
-            <a:ext cx="8518680" cy="3116520"/>
+            <a:ext cx="8518320" cy="3116160"/>
           </a:xfrm>
           <a:prstGeom prst="rect">
             <a:avLst/>
@@ -1023,7 +1024,7 @@
         <p:txBody>
           <a:bodyPr/>
           <a:p>
-            <a:fld id="{0E74F832-1758-4D86-874E-CD7C17E4E1BC}" type="slidenum">
+            <a:fld id="{D1AB9E9C-E9BE-419D-93B5-6DC08661D719}" type="slidenum">
               <a:t>&lt;#&gt;</a:t>
             </a:fld>
           </a:p>
@@ -1064,7 +1065,7 @@
         <p:spPr>
           <a:xfrm>
             <a:off x="311760" y="764280"/>
-            <a:ext cx="8518680" cy="625320"/>
+            <a:ext cx="8518320" cy="625320"/>
           </a:xfrm>
           <a:prstGeom prst="rect">
             <a:avLst/>
@@ -1104,7 +1105,7 @@
         <p:spPr>
           <a:xfrm>
             <a:off x="311760" y="1461600"/>
-            <a:ext cx="8518680" cy="3116520"/>
+            <a:ext cx="8518320" cy="3116160"/>
           </a:xfrm>
           <a:prstGeom prst="rect">
             <a:avLst/>
@@ -1148,7 +1149,7 @@
         <p:txBody>
           <a:bodyPr/>
           <a:p>
-            <a:fld id="{3F5D0F2D-8105-4764-A38F-A6E854F51D47}" type="slidenum">
+            <a:fld id="{3C4E6D5C-0B3C-4287-AFB0-A9A09D455688}" type="slidenum">
               <a:t>&lt;#&gt;</a:t>
             </a:fld>
           </a:p>
@@ -1193,7 +1194,7 @@
         <p:spPr>
           <a:xfrm>
             <a:off x="4572000" y="177480"/>
-            <a:ext cx="4570200" cy="4964040"/>
+            <a:ext cx="4569840" cy="4963680"/>
           </a:xfrm>
           <a:prstGeom prst="rect">
             <a:avLst/>
@@ -1244,7 +1245,7 @@
         <p:spPr>
           <a:xfrm>
             <a:off x="311760" y="764280"/>
-            <a:ext cx="8518680" cy="624960"/>
+            <a:ext cx="8518320" cy="624960"/>
           </a:xfrm>
           <a:prstGeom prst="rect">
             <a:avLst/>
@@ -1269,7 +1270,7 @@
                 </a:solidFill>
                 <a:latin typeface="Arial"/>
               </a:rPr>
-              <a:t>Click to edit the title text format</a:t>
+              <a:t>Pulse para editar el formato del texto de título</a:t>
             </a:r>
             <a:endParaRPr b="0" lang="es-ES" sz="1800" spc="-1" strike="noStrike">
               <a:solidFill>
@@ -1293,7 +1294,7 @@
         <p:spPr>
           <a:xfrm>
             <a:off x="311760" y="1461600"/>
-            <a:ext cx="8518680" cy="3116520"/>
+            <a:ext cx="8518320" cy="3116160"/>
           </a:xfrm>
           <a:prstGeom prst="rect">
             <a:avLst/>
@@ -1326,7 +1327,7 @@
                 </a:solidFill>
                 <a:latin typeface="Arial"/>
               </a:rPr>
-              <a:t>Click to edit the outline text format</a:t>
+              <a:t>Pulse para editar el formato de texto del esquema</a:t>
             </a:r>
             <a:endParaRPr b="0" lang="es-ES" sz="1800" spc="-1" strike="noStrike">
               <a:solidFill>
@@ -1354,7 +1355,7 @@
                 </a:solidFill>
                 <a:latin typeface="Arial"/>
               </a:rPr>
-              <a:t>Second Outline Level</a:t>
+              <a:t>Segundo nivel del esquema</a:t>
             </a:r>
             <a:endParaRPr b="0" lang="es-ES" sz="1800" spc="-1" strike="noStrike">
               <a:solidFill>
@@ -1382,7 +1383,7 @@
                 </a:solidFill>
                 <a:latin typeface="Arial"/>
               </a:rPr>
-              <a:t>Third Outline Level</a:t>
+              <a:t>Tercer nivel del esquema</a:t>
             </a:r>
             <a:endParaRPr b="0" lang="es-ES" sz="1800" spc="-1" strike="noStrike">
               <a:solidFill>
@@ -1410,7 +1411,7 @@
                 </a:solidFill>
                 <a:latin typeface="Arial"/>
               </a:rPr>
-              <a:t>Fourth Outline Level</a:t>
+              <a:t>Cuarto nivel del esquema</a:t>
             </a:r>
             <a:endParaRPr b="0" lang="es-ES" sz="1800" spc="-1" strike="noStrike">
               <a:solidFill>
@@ -1438,7 +1439,7 @@
                 </a:solidFill>
                 <a:latin typeface="Arial"/>
               </a:rPr>
-              <a:t>Fifth Outline Level</a:t>
+              <a:t>Quinto nivel del esquema</a:t>
             </a:r>
             <a:endParaRPr b="0" lang="es-ES" sz="1800" spc="-1" strike="noStrike">
               <a:solidFill>
@@ -1466,7 +1467,7 @@
                 </a:solidFill>
                 <a:latin typeface="Arial"/>
               </a:rPr>
-              <a:t>Sixth Outline Level</a:t>
+              <a:t>Sexto nivel del esquema</a:t>
             </a:r>
             <a:endParaRPr b="0" lang="es-ES" sz="1800" spc="-1" strike="noStrike">
               <a:solidFill>
@@ -1494,16 +1495,7 @@
                 </a:solidFill>
                 <a:latin typeface="Arial"/>
               </a:rPr>
-              <a:t>Seventh Outline </a:t>
-            </a:r>
-            <a:r>
-              <a:rPr b="0" lang="es-ES" sz="1800" spc="-1" strike="noStrike">
-                <a:solidFill>
-                  <a:srgbClr val="000000"/>
-                </a:solidFill>
-                <a:latin typeface="Arial"/>
-              </a:rPr>
-              <a:t>Level</a:t>
+              <a:t>Séptimo nivel del esquema</a:t>
             </a:r>
             <a:endParaRPr b="0" lang="es-ES" sz="1800" spc="-1" strike="noStrike">
               <a:solidFill>
@@ -1527,7 +1519,7 @@
         <p:spPr>
           <a:xfrm>
             <a:off x="8472600" y="4663080"/>
-            <a:ext cx="546840" cy="391680"/>
+            <a:ext cx="546480" cy="391320"/>
           </a:xfrm>
           <a:prstGeom prst="rect">
             <a:avLst/>
@@ -1569,7 +1561,7 @@
                 <a:tab algn="l" pos="0"/>
               </a:tabLst>
             </a:pPr>
-            <a:fld id="{DA1BD91E-A369-4D30-A891-F2AE7F8E80CC}" type="slidenum">
+            <a:fld id="{AEB179C5-4056-438F-9F63-064B823EAEE4}" type="slidenum">
               <a:rPr b="0" lang="en-GB" sz="1000" spc="-1" strike="noStrike">
                 <a:solidFill>
                   <a:schemeClr val="dk2"/>
@@ -1577,7 +1569,7 @@
                 <a:latin typeface="Arial"/>
                 <a:ea typeface="Arial"/>
               </a:rPr>
-              <a:t>&lt;number&gt;</a:t>
+              <a:t>&lt;número&gt;</a:t>
             </a:fld>
             <a:endParaRPr b="0" lang="es-ES" sz="1000" spc="-1" strike="noStrike">
               <a:solidFill>
@@ -1635,7 +1627,7 @@
         <p:spPr>
           <a:xfrm>
             <a:off x="311760" y="764280"/>
-            <a:ext cx="8518680" cy="624960"/>
+            <a:ext cx="8518320" cy="624960"/>
           </a:xfrm>
           <a:prstGeom prst="rect">
             <a:avLst/>
@@ -1660,7 +1652,7 @@
                 </a:solidFill>
                 <a:latin typeface="Arial"/>
               </a:rPr>
-              <a:t>Click to edit the title text format</a:t>
+              <a:t>Pulse para editar el formato del texto de título</a:t>
             </a:r>
             <a:endParaRPr b="0" lang="es-ES" sz="1800" spc="-1" strike="noStrike">
               <a:solidFill>
@@ -1684,7 +1676,7 @@
         <p:spPr>
           <a:xfrm>
             <a:off x="311760" y="1461600"/>
-            <a:ext cx="8518680" cy="3116520"/>
+            <a:ext cx="8518320" cy="3116160"/>
           </a:xfrm>
           <a:prstGeom prst="rect">
             <a:avLst/>
@@ -1717,7 +1709,7 @@
                 </a:solidFill>
                 <a:latin typeface="Arial"/>
               </a:rPr>
-              <a:t>Click to edit the outline text format</a:t>
+              <a:t>Pulse para editar el formato de texto del esquema</a:t>
             </a:r>
             <a:endParaRPr b="0" lang="es-ES" sz="1800" spc="-1" strike="noStrike">
               <a:solidFill>
@@ -1745,7 +1737,7 @@
                 </a:solidFill>
                 <a:latin typeface="Arial"/>
               </a:rPr>
-              <a:t>Second Outline Level</a:t>
+              <a:t>Segundo nivel del esquema</a:t>
             </a:r>
             <a:endParaRPr b="0" lang="es-ES" sz="1800" spc="-1" strike="noStrike">
               <a:solidFill>
@@ -1773,7 +1765,7 @@
                 </a:solidFill>
                 <a:latin typeface="Arial"/>
               </a:rPr>
-              <a:t>Third Outline Level</a:t>
+              <a:t>Tercer nivel del esquema</a:t>
             </a:r>
             <a:endParaRPr b="0" lang="es-ES" sz="1800" spc="-1" strike="noStrike">
               <a:solidFill>
@@ -1801,7 +1793,7 @@
                 </a:solidFill>
                 <a:latin typeface="Arial"/>
               </a:rPr>
-              <a:t>Fourth Outline Level</a:t>
+              <a:t>Cuarto nivel del esquema</a:t>
             </a:r>
             <a:endParaRPr b="0" lang="es-ES" sz="1800" spc="-1" strike="noStrike">
               <a:solidFill>
@@ -1829,7 +1821,7 @@
                 </a:solidFill>
                 <a:latin typeface="Arial"/>
               </a:rPr>
-              <a:t>Fifth Outline Level</a:t>
+              <a:t>Quinto nivel del esquema</a:t>
             </a:r>
             <a:endParaRPr b="0" lang="es-ES" sz="1800" spc="-1" strike="noStrike">
               <a:solidFill>
@@ -1857,7 +1849,7 @@
                 </a:solidFill>
                 <a:latin typeface="Arial"/>
               </a:rPr>
-              <a:t>Sixth Outline Level</a:t>
+              <a:t>Sexto nivel del esquema</a:t>
             </a:r>
             <a:endParaRPr b="0" lang="es-ES" sz="1800" spc="-1" strike="noStrike">
               <a:solidFill>
@@ -1885,7 +1877,7 @@
                 </a:solidFill>
                 <a:latin typeface="Arial"/>
               </a:rPr>
-              <a:t>Seventh Outline Level</a:t>
+              <a:t>Séptimo nivel del esquema</a:t>
             </a:r>
             <a:endParaRPr b="0" lang="es-ES" sz="1800" spc="-1" strike="noStrike">
               <a:solidFill>
@@ -1909,7 +1901,7 @@
         <p:spPr>
           <a:xfrm>
             <a:off x="8472600" y="4663080"/>
-            <a:ext cx="546840" cy="391680"/>
+            <a:ext cx="546480" cy="391320"/>
           </a:xfrm>
           <a:prstGeom prst="rect">
             <a:avLst/>
@@ -1951,7 +1943,7 @@
                 <a:tab algn="l" pos="0"/>
               </a:tabLst>
             </a:pPr>
-            <a:fld id="{11FDC012-A178-406C-88F1-48ED0CCC59D8}" type="slidenum">
+            <a:fld id="{8E8FBA43-4516-474E-9F0D-3DA69EF33753}" type="slidenum">
               <a:rPr b="0" lang="en-GB" sz="1000" spc="-1" strike="noStrike">
                 <a:solidFill>
                   <a:schemeClr val="dk2"/>
@@ -1959,7 +1951,7 @@
                 <a:latin typeface="Arial"/>
                 <a:ea typeface="Arial"/>
               </a:rPr>
-              <a:t>&lt;number&gt;</a:t>
+              <a:t>&lt;número&gt;</a:t>
             </a:fld>
             <a:endParaRPr b="0" lang="es-ES" sz="1000" spc="-1" strike="noStrike">
               <a:solidFill>
@@ -2017,7 +2009,7 @@
         <p:spPr>
           <a:xfrm>
             <a:off x="311760" y="764280"/>
-            <a:ext cx="8518680" cy="624960"/>
+            <a:ext cx="8518320" cy="624960"/>
           </a:xfrm>
           <a:prstGeom prst="rect">
             <a:avLst/>
@@ -2042,7 +2034,7 @@
                 </a:solidFill>
                 <a:latin typeface="Arial"/>
               </a:rPr>
-              <a:t>Click to edit the title text format</a:t>
+              <a:t>Pulse para editar el formato del texto de título</a:t>
             </a:r>
             <a:endParaRPr b="0" lang="es-ES" sz="1800" spc="-1" strike="noStrike">
               <a:solidFill>
@@ -2066,7 +2058,7 @@
         <p:spPr>
           <a:xfrm>
             <a:off x="311760" y="1461600"/>
-            <a:ext cx="8518680" cy="3116520"/>
+            <a:ext cx="8518320" cy="3116160"/>
           </a:xfrm>
           <a:prstGeom prst="rect">
             <a:avLst/>
@@ -2099,7 +2091,7 @@
                 </a:solidFill>
                 <a:latin typeface="Arial"/>
               </a:rPr>
-              <a:t>Click to edit the outline text format</a:t>
+              <a:t>Pulse para editar el formato de texto del esquema</a:t>
             </a:r>
             <a:endParaRPr b="0" lang="es-ES" sz="1800" spc="-1" strike="noStrike">
               <a:solidFill>
@@ -2127,7 +2119,7 @@
                 </a:solidFill>
                 <a:latin typeface="Arial"/>
               </a:rPr>
-              <a:t>Second Outline Level</a:t>
+              <a:t>Segundo nivel del esquema</a:t>
             </a:r>
             <a:endParaRPr b="0" lang="es-ES" sz="1800" spc="-1" strike="noStrike">
               <a:solidFill>
@@ -2155,7 +2147,7 @@
                 </a:solidFill>
                 <a:latin typeface="Arial"/>
               </a:rPr>
-              <a:t>Third Outline Level</a:t>
+              <a:t>Tercer nivel del esquema</a:t>
             </a:r>
             <a:endParaRPr b="0" lang="es-ES" sz="1800" spc="-1" strike="noStrike">
               <a:solidFill>
@@ -2183,7 +2175,7 @@
                 </a:solidFill>
                 <a:latin typeface="Arial"/>
               </a:rPr>
-              <a:t>Fourth Outline Level</a:t>
+              <a:t>Cuarto nivel del esquema</a:t>
             </a:r>
             <a:endParaRPr b="0" lang="es-ES" sz="1800" spc="-1" strike="noStrike">
               <a:solidFill>
@@ -2211,7 +2203,7 @@
                 </a:solidFill>
                 <a:latin typeface="Arial"/>
               </a:rPr>
-              <a:t>Fifth Outline Level</a:t>
+              <a:t>Quinto nivel del esquema</a:t>
             </a:r>
             <a:endParaRPr b="0" lang="es-ES" sz="1800" spc="-1" strike="noStrike">
               <a:solidFill>
@@ -2239,7 +2231,7 @@
                 </a:solidFill>
                 <a:latin typeface="Arial"/>
               </a:rPr>
-              <a:t>Sixth Outline Level</a:t>
+              <a:t>Sexto nivel del esquema</a:t>
             </a:r>
             <a:endParaRPr b="0" lang="es-ES" sz="1800" spc="-1" strike="noStrike">
               <a:solidFill>
@@ -2267,7 +2259,7 @@
                 </a:solidFill>
                 <a:latin typeface="Arial"/>
               </a:rPr>
-              <a:t>Seventh Outline Level</a:t>
+              <a:t>Séptimo nivel del esquema</a:t>
             </a:r>
             <a:endParaRPr b="0" lang="es-ES" sz="1800" spc="-1" strike="noStrike">
               <a:solidFill>
@@ -2291,7 +2283,7 @@
         <p:spPr>
           <a:xfrm>
             <a:off x="8472600" y="4663080"/>
-            <a:ext cx="546840" cy="391680"/>
+            <a:ext cx="546480" cy="391320"/>
           </a:xfrm>
           <a:prstGeom prst="rect">
             <a:avLst/>
@@ -2333,7 +2325,7 @@
                 <a:tab algn="l" pos="0"/>
               </a:tabLst>
             </a:pPr>
-            <a:fld id="{68BD6A3A-A19A-4ED4-8F67-042BF607E66F}" type="slidenum">
+            <a:fld id="{CC061017-E603-4F5F-99CA-50D002DD5D62}" type="slidenum">
               <a:rPr b="0" lang="en-GB" sz="1000" spc="-1" strike="noStrike">
                 <a:solidFill>
                   <a:schemeClr val="dk2"/>
@@ -2341,7 +2333,7 @@
                 <a:latin typeface="Arial"/>
                 <a:ea typeface="Arial"/>
               </a:rPr>
-              <a:t>&lt;number&gt;</a:t>
+              <a:t>&lt;número&gt;</a:t>
             </a:fld>
             <a:endParaRPr b="0" lang="es-ES" sz="1000" spc="-1" strike="noStrike">
               <a:solidFill>
@@ -2399,7 +2391,7 @@
         <p:spPr>
           <a:xfrm>
             <a:off x="311760" y="764280"/>
-            <a:ext cx="8518680" cy="624960"/>
+            <a:ext cx="8518320" cy="624960"/>
           </a:xfrm>
           <a:prstGeom prst="rect">
             <a:avLst/>
@@ -2424,7 +2416,7 @@
                 </a:solidFill>
                 <a:latin typeface="Arial"/>
               </a:rPr>
-              <a:t>Click to edit the title text format</a:t>
+              <a:t>Pulse para editar el formato del texto de título</a:t>
             </a:r>
             <a:endParaRPr b="0" lang="es-ES" sz="1800" spc="-1" strike="noStrike">
               <a:solidFill>
@@ -2448,7 +2440,7 @@
         <p:spPr>
           <a:xfrm>
             <a:off x="311760" y="1461600"/>
-            <a:ext cx="8518680" cy="3116520"/>
+            <a:ext cx="8518320" cy="3116160"/>
           </a:xfrm>
           <a:prstGeom prst="rect">
             <a:avLst/>
@@ -2481,7 +2473,7 @@
                 </a:solidFill>
                 <a:latin typeface="Arial"/>
               </a:rPr>
-              <a:t>Click to edit the outline text format</a:t>
+              <a:t>Pulse para editar el formato de texto del esquema</a:t>
             </a:r>
             <a:endParaRPr b="0" lang="es-ES" sz="1800" spc="-1" strike="noStrike">
               <a:solidFill>
@@ -2509,7 +2501,7 @@
                 </a:solidFill>
                 <a:latin typeface="Arial"/>
               </a:rPr>
-              <a:t>Second Outline Level</a:t>
+              <a:t>Segundo nivel del esquema</a:t>
             </a:r>
             <a:endParaRPr b="0" lang="es-ES" sz="1800" spc="-1" strike="noStrike">
               <a:solidFill>
@@ -2537,7 +2529,7 @@
                 </a:solidFill>
                 <a:latin typeface="Arial"/>
               </a:rPr>
-              <a:t>Third Outline Level</a:t>
+              <a:t>Tercer nivel del esquema</a:t>
             </a:r>
             <a:endParaRPr b="0" lang="es-ES" sz="1800" spc="-1" strike="noStrike">
               <a:solidFill>
@@ -2565,7 +2557,7 @@
                 </a:solidFill>
                 <a:latin typeface="Arial"/>
               </a:rPr>
-              <a:t>Fourth Outline Level</a:t>
+              <a:t>Cuarto nivel del esquema</a:t>
             </a:r>
             <a:endParaRPr b="0" lang="es-ES" sz="1800" spc="-1" strike="noStrike">
               <a:solidFill>
@@ -2593,7 +2585,7 @@
                 </a:solidFill>
                 <a:latin typeface="Arial"/>
               </a:rPr>
-              <a:t>Fifth Outline Level</a:t>
+              <a:t>Quinto nivel del esquema</a:t>
             </a:r>
             <a:endParaRPr b="0" lang="es-ES" sz="1800" spc="-1" strike="noStrike">
               <a:solidFill>
@@ -2621,7 +2613,7 @@
                 </a:solidFill>
                 <a:latin typeface="Arial"/>
               </a:rPr>
-              <a:t>Sixth Outline Level</a:t>
+              <a:t>Sexto nivel del esquema</a:t>
             </a:r>
             <a:endParaRPr b="0" lang="es-ES" sz="1800" spc="-1" strike="noStrike">
               <a:solidFill>
@@ -2649,7 +2641,7 @@
                 </a:solidFill>
                 <a:latin typeface="Arial"/>
               </a:rPr>
-              <a:t>Seventh Outline Level</a:t>
+              <a:t>Séptimo nivel del esquema</a:t>
             </a:r>
             <a:endParaRPr b="0" lang="es-ES" sz="1800" spc="-1" strike="noStrike">
               <a:solidFill>
@@ -2673,7 +2665,7 @@
         <p:spPr>
           <a:xfrm>
             <a:off x="8472600" y="4663080"/>
-            <a:ext cx="546840" cy="391680"/>
+            <a:ext cx="546480" cy="391320"/>
           </a:xfrm>
           <a:prstGeom prst="rect">
             <a:avLst/>
@@ -2715,7 +2707,7 @@
                 <a:tab algn="l" pos="0"/>
               </a:tabLst>
             </a:pPr>
-            <a:fld id="{93062BD4-E628-4625-B637-92069D21DCA1}" type="slidenum">
+            <a:fld id="{85B3E1DD-5EA5-45CB-B1A3-09645C348498}" type="slidenum">
               <a:rPr b="0" lang="en-GB" sz="1000" spc="-1" strike="noStrike">
                 <a:solidFill>
                   <a:schemeClr val="dk2"/>
@@ -2723,7 +2715,7 @@
                 <a:latin typeface="Arial"/>
                 <a:ea typeface="Arial"/>
               </a:rPr>
-              <a:t>&lt;number&gt;</a:t>
+              <a:t>&lt;número&gt;</a:t>
             </a:fld>
             <a:endParaRPr b="0" lang="es-ES" sz="1000" spc="-1" strike="noStrike">
               <a:solidFill>
@@ -2781,7 +2773,7 @@
         <p:spPr>
           <a:xfrm>
             <a:off x="311760" y="764280"/>
-            <a:ext cx="8518680" cy="624960"/>
+            <a:ext cx="8518320" cy="624960"/>
           </a:xfrm>
           <a:prstGeom prst="rect">
             <a:avLst/>
@@ -2806,7 +2798,7 @@
                 </a:solidFill>
                 <a:latin typeface="Arial"/>
               </a:rPr>
-              <a:t>Click to edit the title text format</a:t>
+              <a:t>Pulse para editar el formato del texto de título</a:t>
             </a:r>
             <a:endParaRPr b="0" lang="es-ES" sz="1800" spc="-1" strike="noStrike">
               <a:solidFill>
@@ -2830,7 +2822,7 @@
         <p:spPr>
           <a:xfrm>
             <a:off x="311760" y="1461600"/>
-            <a:ext cx="8518680" cy="3116520"/>
+            <a:ext cx="8518320" cy="3116160"/>
           </a:xfrm>
           <a:prstGeom prst="rect">
             <a:avLst/>
@@ -2863,7 +2855,7 @@
                 </a:solidFill>
                 <a:latin typeface="Arial"/>
               </a:rPr>
-              <a:t>Click to edit the outline text format</a:t>
+              <a:t>Pulse para editar el formato de texto del esquema</a:t>
             </a:r>
             <a:endParaRPr b="0" lang="es-ES" sz="1800" spc="-1" strike="noStrike">
               <a:solidFill>
@@ -2891,7 +2883,7 @@
                 </a:solidFill>
                 <a:latin typeface="Arial"/>
               </a:rPr>
-              <a:t>Second Outline Level</a:t>
+              <a:t>Segundo nivel del esquema</a:t>
             </a:r>
             <a:endParaRPr b="0" lang="es-ES" sz="1800" spc="-1" strike="noStrike">
               <a:solidFill>
@@ -2919,7 +2911,7 @@
                 </a:solidFill>
                 <a:latin typeface="Arial"/>
               </a:rPr>
-              <a:t>Third Outline Level</a:t>
+              <a:t>Tercer nivel del esquema</a:t>
             </a:r>
             <a:endParaRPr b="0" lang="es-ES" sz="1800" spc="-1" strike="noStrike">
               <a:solidFill>
@@ -2947,7 +2939,7 @@
                 </a:solidFill>
                 <a:latin typeface="Arial"/>
               </a:rPr>
-              <a:t>Fourth Outline Level</a:t>
+              <a:t>Cuarto nivel del esquema</a:t>
             </a:r>
             <a:endParaRPr b="0" lang="es-ES" sz="1800" spc="-1" strike="noStrike">
               <a:solidFill>
@@ -2975,7 +2967,7 @@
                 </a:solidFill>
                 <a:latin typeface="Arial"/>
               </a:rPr>
-              <a:t>Fifth Outline Level</a:t>
+              <a:t>Quinto nivel del esquema</a:t>
             </a:r>
             <a:endParaRPr b="0" lang="es-ES" sz="1800" spc="-1" strike="noStrike">
               <a:solidFill>
@@ -3003,7 +2995,7 @@
                 </a:solidFill>
                 <a:latin typeface="Arial"/>
               </a:rPr>
-              <a:t>Sixth Outline Level</a:t>
+              <a:t>Sexto nivel del esquema</a:t>
             </a:r>
             <a:endParaRPr b="0" lang="es-ES" sz="1800" spc="-1" strike="noStrike">
               <a:solidFill>
@@ -3031,7 +3023,7 @@
                 </a:solidFill>
                 <a:latin typeface="Arial"/>
               </a:rPr>
-              <a:t>Seventh Outline Level</a:t>
+              <a:t>Séptimo nivel del esquema</a:t>
             </a:r>
             <a:endParaRPr b="0" lang="es-ES" sz="1800" spc="-1" strike="noStrike">
               <a:solidFill>
@@ -3055,7 +3047,7 @@
         <p:spPr>
           <a:xfrm>
             <a:off x="8472600" y="4663080"/>
-            <a:ext cx="546840" cy="391680"/>
+            <a:ext cx="546480" cy="391320"/>
           </a:xfrm>
           <a:prstGeom prst="rect">
             <a:avLst/>
@@ -3097,7 +3089,7 @@
                 <a:tab algn="l" pos="0"/>
               </a:tabLst>
             </a:pPr>
-            <a:fld id="{38DD04D3-DC4E-4892-8394-84E650E2007C}" type="slidenum">
+            <a:fld id="{47DC6427-7659-4573-BB1C-7B7CCB17DC55}" type="slidenum">
               <a:rPr b="0" lang="en-GB" sz="1000" spc="-1" strike="noStrike">
                 <a:solidFill>
                   <a:schemeClr val="dk2"/>
@@ -3105,7 +3097,7 @@
                 <a:latin typeface="Arial"/>
                 <a:ea typeface="Arial"/>
               </a:rPr>
-              <a:t>&lt;number&gt;</a:t>
+              <a:t>&lt;número&gt;</a:t>
             </a:fld>
             <a:endParaRPr b="0" lang="es-ES" sz="1000" spc="-1" strike="noStrike">
               <a:solidFill>
@@ -3163,7 +3155,7 @@
         <p:spPr>
           <a:xfrm>
             <a:off x="311760" y="764280"/>
-            <a:ext cx="8518680" cy="624960"/>
+            <a:ext cx="8518320" cy="624960"/>
           </a:xfrm>
           <a:prstGeom prst="rect">
             <a:avLst/>
@@ -3188,7 +3180,7 @@
                 </a:solidFill>
                 <a:latin typeface="Arial"/>
               </a:rPr>
-              <a:t>Click to edit the title text format</a:t>
+              <a:t>Pulse para editar el formato del texto de título</a:t>
             </a:r>
             <a:endParaRPr b="0" lang="es-ES" sz="1800" spc="-1" strike="noStrike">
               <a:solidFill>
@@ -3212,7 +3204,7 @@
         <p:spPr>
           <a:xfrm>
             <a:off x="8472600" y="4663080"/>
-            <a:ext cx="546840" cy="391680"/>
+            <a:ext cx="546480" cy="391320"/>
           </a:xfrm>
           <a:prstGeom prst="rect">
             <a:avLst/>
@@ -3254,7 +3246,7 @@
                 <a:tab algn="l" pos="0"/>
               </a:tabLst>
             </a:pPr>
-            <a:fld id="{CC117800-2D58-4A49-81AD-DA089620DB1E}" type="slidenum">
+            <a:fld id="{4FC08514-D188-40BA-94AE-3EA26AB73983}" type="slidenum">
               <a:rPr b="0" lang="en-GB" sz="1000" spc="-1" strike="noStrike">
                 <a:solidFill>
                   <a:schemeClr val="dk2"/>
@@ -3262,7 +3254,7 @@
                 <a:latin typeface="Arial"/>
                 <a:ea typeface="Arial"/>
               </a:rPr>
-              <a:t>&lt;number&gt;</a:t>
+              <a:t>&lt;número&gt;</a:t>
             </a:fld>
             <a:endParaRPr b="0" lang="es-ES" sz="1000" spc="-1" strike="noStrike">
               <a:solidFill>
@@ -3298,7 +3290,7 @@
         </p:spPr>
         <p:txBody>
           <a:bodyPr lIns="0" rIns="0" tIns="0" bIns="0" anchor="t">
-            <a:normAutofit/>
+            <a:normAutofit fontScale="92490"/>
           </a:bodyPr>
           <a:p>
             <a:pPr marL="432000" indent="-324000">
@@ -3319,7 +3311,7 @@
                 </a:solidFill>
                 <a:latin typeface="Arial"/>
               </a:rPr>
-              <a:t>Click to edit the outline text format</a:t>
+              <a:t>Pulse para editar el formato de texto del esquema</a:t>
             </a:r>
             <a:endParaRPr b="0" lang="es-ES" sz="3200" spc="-1" strike="noStrike">
               <a:solidFill>
@@ -3347,7 +3339,7 @@
                 </a:solidFill>
                 <a:latin typeface="Arial"/>
               </a:rPr>
-              <a:t>Second Outline Level</a:t>
+              <a:t>Segundo nivel del esquema</a:t>
             </a:r>
             <a:endParaRPr b="0" lang="es-ES" sz="2800" spc="-1" strike="noStrike">
               <a:solidFill>
@@ -3375,7 +3367,7 @@
                 </a:solidFill>
                 <a:latin typeface="Arial"/>
               </a:rPr>
-              <a:t>Third Outline Level</a:t>
+              <a:t>Tercer nivel del esquema</a:t>
             </a:r>
             <a:endParaRPr b="0" lang="es-ES" sz="2400" spc="-1" strike="noStrike">
               <a:solidFill>
@@ -3403,7 +3395,7 @@
                 </a:solidFill>
                 <a:latin typeface="Arial"/>
               </a:rPr>
-              <a:t>Fourth Outline Level</a:t>
+              <a:t>Cuarto nivel del esquema</a:t>
             </a:r>
             <a:endParaRPr b="0" lang="es-ES" sz="2000" spc="-1" strike="noStrike">
               <a:solidFill>
@@ -3431,7 +3423,7 @@
                 </a:solidFill>
                 <a:latin typeface="Arial"/>
               </a:rPr>
-              <a:t>Fifth Outline Level</a:t>
+              <a:t>Quinto nivel del esquema</a:t>
             </a:r>
             <a:endParaRPr b="0" lang="es-ES" sz="2000" spc="-1" strike="noStrike">
               <a:solidFill>
@@ -3459,7 +3451,7 @@
                 </a:solidFill>
                 <a:latin typeface="Arial"/>
               </a:rPr>
-              <a:t>Sixth Outline Level</a:t>
+              <a:t>Sexto nivel del esquema</a:t>
             </a:r>
             <a:endParaRPr b="0" lang="es-ES" sz="2000" spc="-1" strike="noStrike">
               <a:solidFill>
@@ -3487,7 +3479,7 @@
                 </a:solidFill>
                 <a:latin typeface="Arial"/>
               </a:rPr>
-              <a:t>Seventh Outline Level</a:t>
+              <a:t>Séptimo nivel del esquema</a:t>
             </a:r>
             <a:endParaRPr b="0" lang="es-ES" sz="2000" spc="-1" strike="noStrike">
               <a:solidFill>
@@ -3545,7 +3537,7 @@
         <p:spPr>
           <a:xfrm>
             <a:off x="311760" y="764280"/>
-            <a:ext cx="8518680" cy="624960"/>
+            <a:ext cx="8518320" cy="624960"/>
           </a:xfrm>
           <a:prstGeom prst="rect">
             <a:avLst/>
@@ -3570,7 +3562,7 @@
                 </a:solidFill>
                 <a:latin typeface="Arial"/>
               </a:rPr>
-              <a:t>Click to edit the title text format</a:t>
+              <a:t>Pulse para editar el formato del texto de título</a:t>
             </a:r>
             <a:endParaRPr b="0" lang="es-ES" sz="1800" spc="-1" strike="noStrike">
               <a:solidFill>
@@ -3594,7 +3586,7 @@
         <p:spPr>
           <a:xfrm>
             <a:off x="311760" y="1461600"/>
-            <a:ext cx="8518680" cy="3116520"/>
+            <a:ext cx="8518320" cy="3116160"/>
           </a:xfrm>
           <a:prstGeom prst="rect">
             <a:avLst/>
@@ -3627,7 +3619,7 @@
                 </a:solidFill>
                 <a:latin typeface="Arial"/>
               </a:rPr>
-              <a:t>Click to edit the outline text format</a:t>
+              <a:t>Pulse para editar el formato de texto del esquema</a:t>
             </a:r>
             <a:endParaRPr b="0" lang="es-ES" sz="1800" spc="-1" strike="noStrike">
               <a:solidFill>
@@ -3655,7 +3647,7 @@
                 </a:solidFill>
                 <a:latin typeface="Arial"/>
               </a:rPr>
-              <a:t>Second Outline Level</a:t>
+              <a:t>Segundo nivel del esquema</a:t>
             </a:r>
             <a:endParaRPr b="0" lang="es-ES" sz="1800" spc="-1" strike="noStrike">
               <a:solidFill>
@@ -3683,7 +3675,7 @@
                 </a:solidFill>
                 <a:latin typeface="Arial"/>
               </a:rPr>
-              <a:t>Third Outline Level</a:t>
+              <a:t>Tercer nivel del esquema</a:t>
             </a:r>
             <a:endParaRPr b="0" lang="es-ES" sz="1800" spc="-1" strike="noStrike">
               <a:solidFill>
@@ -3711,7 +3703,7 @@
                 </a:solidFill>
                 <a:latin typeface="Arial"/>
               </a:rPr>
-              <a:t>Fourth Outline Level</a:t>
+              <a:t>Cuarto nivel del esquema</a:t>
             </a:r>
             <a:endParaRPr b="0" lang="es-ES" sz="1800" spc="-1" strike="noStrike">
               <a:solidFill>
@@ -3739,7 +3731,7 @@
                 </a:solidFill>
                 <a:latin typeface="Arial"/>
               </a:rPr>
-              <a:t>Fifth Outline Level</a:t>
+              <a:t>Quinto nivel del esquema</a:t>
             </a:r>
             <a:endParaRPr b="0" lang="es-ES" sz="1800" spc="-1" strike="noStrike">
               <a:solidFill>
@@ -3767,7 +3759,7 @@
                 </a:solidFill>
                 <a:latin typeface="Arial"/>
               </a:rPr>
-              <a:t>Sixth Outline Level</a:t>
+              <a:t>Sexto nivel del esquema</a:t>
             </a:r>
             <a:endParaRPr b="0" lang="es-ES" sz="1800" spc="-1" strike="noStrike">
               <a:solidFill>
@@ -3795,7 +3787,7 @@
                 </a:solidFill>
                 <a:latin typeface="Arial"/>
               </a:rPr>
-              <a:t>Seventh Outline Level</a:t>
+              <a:t>Séptimo nivel del esquema</a:t>
             </a:r>
             <a:endParaRPr b="0" lang="es-ES" sz="1800" spc="-1" strike="noStrike">
               <a:solidFill>
@@ -3819,7 +3811,7 @@
         <p:spPr>
           <a:xfrm>
             <a:off x="8472600" y="4663080"/>
-            <a:ext cx="546840" cy="391680"/>
+            <a:ext cx="546480" cy="391320"/>
           </a:xfrm>
           <a:prstGeom prst="rect">
             <a:avLst/>
@@ -3861,7 +3853,7 @@
                 <a:tab algn="l" pos="0"/>
               </a:tabLst>
             </a:pPr>
-            <a:fld id="{EDE1346F-CC1F-4C1D-901A-5BB7BA7BF261}" type="slidenum">
+            <a:fld id="{EAD33BFE-09F2-40E0-A59A-1C2B960410B7}" type="slidenum">
               <a:rPr b="0" lang="en-GB" sz="1000" spc="-1" strike="noStrike">
                 <a:solidFill>
                   <a:schemeClr val="dk2"/>
@@ -3869,7 +3861,7 @@
                 <a:latin typeface="Arial"/>
                 <a:ea typeface="Arial"/>
               </a:rPr>
-              <a:t>&lt;number&gt;</a:t>
+              <a:t>&lt;número&gt;</a:t>
             </a:fld>
             <a:endParaRPr b="0" lang="es-ES" sz="1000" spc="-1" strike="noStrike">
               <a:solidFill>
@@ -3927,7 +3919,7 @@
         <p:spPr>
           <a:xfrm>
             <a:off x="311760" y="764280"/>
-            <a:ext cx="8518680" cy="624960"/>
+            <a:ext cx="8518320" cy="624960"/>
           </a:xfrm>
           <a:prstGeom prst="rect">
             <a:avLst/>
@@ -3952,7 +3944,7 @@
                 </a:solidFill>
                 <a:latin typeface="Arial"/>
               </a:rPr>
-              <a:t>Click to edit the title text format</a:t>
+              <a:t>Pulse para editar el formato del texto de título</a:t>
             </a:r>
             <a:endParaRPr b="0" lang="es-ES" sz="1800" spc="-1" strike="noStrike">
               <a:solidFill>
@@ -3976,7 +3968,7 @@
         <p:spPr>
           <a:xfrm>
             <a:off x="311760" y="1461600"/>
-            <a:ext cx="8518680" cy="3116520"/>
+            <a:ext cx="8518320" cy="3116160"/>
           </a:xfrm>
           <a:prstGeom prst="rect">
             <a:avLst/>
@@ -4009,7 +4001,7 @@
                 </a:solidFill>
                 <a:latin typeface="Arial"/>
               </a:rPr>
-              <a:t>Click to edit the outline text format</a:t>
+              <a:t>Pulse para editar el formato de texto del esquema</a:t>
             </a:r>
             <a:endParaRPr b="0" lang="es-ES" sz="1800" spc="-1" strike="noStrike">
               <a:solidFill>
@@ -4037,7 +4029,7 @@
                 </a:solidFill>
                 <a:latin typeface="Arial"/>
               </a:rPr>
-              <a:t>Second Outline Level</a:t>
+              <a:t>Segundo nivel del esquema</a:t>
             </a:r>
             <a:endParaRPr b="0" lang="es-ES" sz="1800" spc="-1" strike="noStrike">
               <a:solidFill>
@@ -4065,7 +4057,7 @@
                 </a:solidFill>
                 <a:latin typeface="Arial"/>
               </a:rPr>
-              <a:t>Third Outline Level</a:t>
+              <a:t>Tercer nivel del esquema</a:t>
             </a:r>
             <a:endParaRPr b="0" lang="es-ES" sz="1800" spc="-1" strike="noStrike">
               <a:solidFill>
@@ -4093,7 +4085,7 @@
                 </a:solidFill>
                 <a:latin typeface="Arial"/>
               </a:rPr>
-              <a:t>Fourth Outline Level</a:t>
+              <a:t>Cuarto nivel del esquema</a:t>
             </a:r>
             <a:endParaRPr b="0" lang="es-ES" sz="1800" spc="-1" strike="noStrike">
               <a:solidFill>
@@ -4121,7 +4113,7 @@
                 </a:solidFill>
                 <a:latin typeface="Arial"/>
               </a:rPr>
-              <a:t>Fifth Outline Level</a:t>
+              <a:t>Quinto nivel del esquema</a:t>
             </a:r>
             <a:endParaRPr b="0" lang="es-ES" sz="1800" spc="-1" strike="noStrike">
               <a:solidFill>
@@ -4149,7 +4141,7 @@
                 </a:solidFill>
                 <a:latin typeface="Arial"/>
               </a:rPr>
-              <a:t>Sixth Outline Level</a:t>
+              <a:t>Sexto nivel del esquema</a:t>
             </a:r>
             <a:endParaRPr b="0" lang="es-ES" sz="1800" spc="-1" strike="noStrike">
               <a:solidFill>
@@ -4177,7 +4169,7 @@
                 </a:solidFill>
                 <a:latin typeface="Arial"/>
               </a:rPr>
-              <a:t>Seventh Outline Level</a:t>
+              <a:t>Séptimo nivel del esquema</a:t>
             </a:r>
             <a:endParaRPr b="0" lang="es-ES" sz="1800" spc="-1" strike="noStrike">
               <a:solidFill>
@@ -4201,7 +4193,7 @@
         <p:spPr>
           <a:xfrm>
             <a:off x="8472600" y="4663080"/>
-            <a:ext cx="546840" cy="391680"/>
+            <a:ext cx="546480" cy="391320"/>
           </a:xfrm>
           <a:prstGeom prst="rect">
             <a:avLst/>
@@ -4243,7 +4235,7 @@
                 <a:tab algn="l" pos="0"/>
               </a:tabLst>
             </a:pPr>
-            <a:fld id="{62BF0913-8228-4579-8C57-5AD555E9A465}" type="slidenum">
+            <a:fld id="{15098E9C-15E7-4FFD-9254-F6DA187D2EE9}" type="slidenum">
               <a:rPr b="0" lang="en-GB" sz="1000" spc="-1" strike="noStrike">
                 <a:solidFill>
                   <a:schemeClr val="dk2"/>
@@ -4251,7 +4243,7 @@
                 <a:latin typeface="Arial"/>
                 <a:ea typeface="Arial"/>
               </a:rPr>
-              <a:t>&lt;number&gt;</a:t>
+              <a:t>&lt;número&gt;</a:t>
             </a:fld>
             <a:endParaRPr b="0" lang="es-ES" sz="1000" spc="-1" strike="noStrike">
               <a:solidFill>
@@ -4309,7 +4301,7 @@
         <p:spPr>
           <a:xfrm>
             <a:off x="311760" y="764280"/>
-            <a:ext cx="8518680" cy="624960"/>
+            <a:ext cx="8518320" cy="624960"/>
           </a:xfrm>
           <a:prstGeom prst="rect">
             <a:avLst/>
@@ -4334,7 +4326,7 @@
                 </a:solidFill>
                 <a:latin typeface="Arial"/>
               </a:rPr>
-              <a:t>Click to edit the title text format</a:t>
+              <a:t>Pulse para editar el formato del texto de título</a:t>
             </a:r>
             <a:endParaRPr b="0" lang="es-ES" sz="1800" spc="-1" strike="noStrike">
               <a:solidFill>
@@ -4358,7 +4350,7 @@
         <p:spPr>
           <a:xfrm>
             <a:off x="311760" y="1461600"/>
-            <a:ext cx="8518680" cy="3116520"/>
+            <a:ext cx="8518320" cy="3116160"/>
           </a:xfrm>
           <a:prstGeom prst="rect">
             <a:avLst/>
@@ -4391,7 +4383,7 @@
                 </a:solidFill>
                 <a:latin typeface="Arial"/>
               </a:rPr>
-              <a:t>Click to edit the outline text format</a:t>
+              <a:t>Pulse para editar el formato de texto del esquema</a:t>
             </a:r>
             <a:endParaRPr b="0" lang="es-ES" sz="1800" spc="-1" strike="noStrike">
               <a:solidFill>
@@ -4419,7 +4411,7 @@
                 </a:solidFill>
                 <a:latin typeface="Arial"/>
               </a:rPr>
-              <a:t>Second Outline Level</a:t>
+              <a:t>Segundo nivel del esquema</a:t>
             </a:r>
             <a:endParaRPr b="0" lang="es-ES" sz="1800" spc="-1" strike="noStrike">
               <a:solidFill>
@@ -4447,7 +4439,7 @@
                 </a:solidFill>
                 <a:latin typeface="Arial"/>
               </a:rPr>
-              <a:t>Third Outline Level</a:t>
+              <a:t>Tercer nivel del esquema</a:t>
             </a:r>
             <a:endParaRPr b="0" lang="es-ES" sz="1800" spc="-1" strike="noStrike">
               <a:solidFill>
@@ -4475,7 +4467,7 @@
                 </a:solidFill>
                 <a:latin typeface="Arial"/>
               </a:rPr>
-              <a:t>Fourth Outline Level</a:t>
+              <a:t>Cuarto nivel del esquema</a:t>
             </a:r>
             <a:endParaRPr b="0" lang="es-ES" sz="1800" spc="-1" strike="noStrike">
               <a:solidFill>
@@ -4503,7 +4495,7 @@
                 </a:solidFill>
                 <a:latin typeface="Arial"/>
               </a:rPr>
-              <a:t>Fifth Outline Level</a:t>
+              <a:t>Quinto nivel del esquema</a:t>
             </a:r>
             <a:endParaRPr b="0" lang="es-ES" sz="1800" spc="-1" strike="noStrike">
               <a:solidFill>
@@ -4531,7 +4523,7 @@
                 </a:solidFill>
                 <a:latin typeface="Arial"/>
               </a:rPr>
-              <a:t>Sixth Outline Level</a:t>
+              <a:t>Sexto nivel del esquema</a:t>
             </a:r>
             <a:endParaRPr b="0" lang="es-ES" sz="1800" spc="-1" strike="noStrike">
               <a:solidFill>
@@ -4559,7 +4551,7 @@
                 </a:solidFill>
                 <a:latin typeface="Arial"/>
               </a:rPr>
-              <a:t>Seventh Outline Level</a:t>
+              <a:t>Séptimo nivel del esquema</a:t>
             </a:r>
             <a:endParaRPr b="0" lang="es-ES" sz="1800" spc="-1" strike="noStrike">
               <a:solidFill>
@@ -4583,7 +4575,7 @@
         <p:spPr>
           <a:xfrm>
             <a:off x="8472600" y="4663080"/>
-            <a:ext cx="546840" cy="391680"/>
+            <a:ext cx="546480" cy="391320"/>
           </a:xfrm>
           <a:prstGeom prst="rect">
             <a:avLst/>
@@ -4625,7 +4617,7 @@
                 <a:tab algn="l" pos="0"/>
               </a:tabLst>
             </a:pPr>
-            <a:fld id="{68D06125-5A44-429C-8F52-AE4E53950CF2}" type="slidenum">
+            <a:fld id="{9309F8F8-E304-4FB9-9CAA-A59531400465}" type="slidenum">
               <a:rPr b="0" lang="en-GB" sz="1000" spc="-1" strike="noStrike">
                 <a:solidFill>
                   <a:schemeClr val="dk2"/>
@@ -4633,7 +4625,7 @@
                 <a:latin typeface="Arial"/>
                 <a:ea typeface="Arial"/>
               </a:rPr>
-              <a:t>&lt;number&gt;</a:t>
+              <a:t>&lt;número&gt;</a:t>
             </a:fld>
             <a:endParaRPr b="0" lang="es-ES" sz="1000" spc="-1" strike="noStrike">
               <a:solidFill>
@@ -4683,7 +4675,7 @@
         <p:spPr>
           <a:xfrm>
             <a:off x="3938760" y="2196360"/>
-            <a:ext cx="4731480" cy="1570680"/>
+            <a:ext cx="4731120" cy="1570320"/>
           </a:xfrm>
           <a:prstGeom prst="rect">
             <a:avLst/>
@@ -4775,7 +4767,7 @@
       </p:grpSpPr>
       <p:sp>
         <p:nvSpPr>
-          <p:cNvPr id="78" name="PlaceHolder 1"/>
+          <p:cNvPr id="80" name="PlaceHolder 1"/>
           <p:cNvSpPr>
             <a:spLocks noGrp="1"/>
           </p:cNvSpPr>
@@ -4786,7 +4778,7 @@
         <p:spPr>
           <a:xfrm>
             <a:off x="311760" y="815760"/>
-            <a:ext cx="8518680" cy="520920"/>
+            <a:ext cx="8518320" cy="520560"/>
           </a:xfrm>
           <a:prstGeom prst="rect">
             <a:avLst/>
@@ -4845,7 +4837,7 @@
       </p:sp>
       <p:sp>
         <p:nvSpPr>
-          <p:cNvPr id="79" name="PlaceHolder 2"/>
+          <p:cNvPr id="81" name="PlaceHolder 2"/>
           <p:cNvSpPr>
             <a:spLocks noGrp="1"/>
           </p:cNvSpPr>
@@ -4856,7 +4848,7 @@
         <p:spPr>
           <a:xfrm>
             <a:off x="311760" y="1461600"/>
-            <a:ext cx="8518680" cy="3116520"/>
+            <a:ext cx="8518320" cy="3116160"/>
           </a:xfrm>
           <a:prstGeom prst="rect">
             <a:avLst/>
@@ -4888,7 +4880,7 @@
       </p:sp>
       <p:sp>
         <p:nvSpPr>
-          <p:cNvPr id="80" name="PlaceHolder 3"/>
+          <p:cNvPr id="82" name="PlaceHolder 3"/>
           <p:cNvSpPr>
             <a:spLocks noGrp="1"/>
           </p:cNvSpPr>
@@ -4899,7 +4891,7 @@
         <p:spPr>
           <a:xfrm>
             <a:off x="2329200" y="294480"/>
-            <a:ext cx="6490440" cy="520920"/>
+            <a:ext cx="6490080" cy="520560"/>
           </a:xfrm>
           <a:prstGeom prst="rect">
             <a:avLst/>
@@ -4988,7 +4980,7 @@
       </p:grpSpPr>
       <p:sp>
         <p:nvSpPr>
-          <p:cNvPr id="81" name="PlaceHolder 1"/>
+          <p:cNvPr id="83" name="PlaceHolder 1"/>
           <p:cNvSpPr>
             <a:spLocks noGrp="1"/>
           </p:cNvSpPr>
@@ -4999,7 +4991,7 @@
         <p:spPr>
           <a:xfrm>
             <a:off x="311760" y="815760"/>
-            <a:ext cx="8518680" cy="520920"/>
+            <a:ext cx="8518320" cy="520560"/>
           </a:xfrm>
           <a:prstGeom prst="rect">
             <a:avLst/>
@@ -5058,7 +5050,7 @@
       </p:sp>
       <p:sp>
         <p:nvSpPr>
-          <p:cNvPr id="82" name="PlaceHolder 2"/>
+          <p:cNvPr id="84" name="PlaceHolder 2"/>
           <p:cNvSpPr>
             <a:spLocks noGrp="1"/>
           </p:cNvSpPr>
@@ -5069,7 +5061,7 @@
         <p:spPr>
           <a:xfrm>
             <a:off x="311760" y="1461600"/>
-            <a:ext cx="8518680" cy="3116520"/>
+            <a:ext cx="8518320" cy="3116160"/>
           </a:xfrm>
           <a:prstGeom prst="rect">
             <a:avLst/>
@@ -5101,7 +5093,7 @@
       </p:sp>
       <p:sp>
         <p:nvSpPr>
-          <p:cNvPr id="83" name="PlaceHolder 3"/>
+          <p:cNvPr id="85" name="PlaceHolder 3"/>
           <p:cNvSpPr>
             <a:spLocks noGrp="1"/>
           </p:cNvSpPr>
@@ -5112,7 +5104,7 @@
         <p:spPr>
           <a:xfrm>
             <a:off x="2329200" y="294480"/>
-            <a:ext cx="6490440" cy="520920"/>
+            <a:ext cx="6490080" cy="520560"/>
           </a:xfrm>
           <a:prstGeom prst="rect">
             <a:avLst/>
@@ -5201,7 +5193,7 @@
       </p:grpSpPr>
       <p:sp>
         <p:nvSpPr>
-          <p:cNvPr id="84" name="PlaceHolder 1"/>
+          <p:cNvPr id="86" name="PlaceHolder 1"/>
           <p:cNvSpPr>
             <a:spLocks noGrp="1"/>
           </p:cNvSpPr>
@@ -5212,7 +5204,7 @@
         <p:spPr>
           <a:xfrm>
             <a:off x="360000" y="3240000"/>
-            <a:ext cx="8518680" cy="1259640"/>
+            <a:ext cx="8518320" cy="1259280"/>
           </a:xfrm>
           <a:prstGeom prst="rect">
             <a:avLst/>
@@ -5262,7 +5254,17 @@
                 <a:latin typeface="Arial"/>
                 <a:ea typeface="Noto Sans CJK SC"/>
               </a:rPr>
-              <a:t>, son casi siempre tema de POST/GET de los datos y montarlos en un formulario. Se pueden complicar cuando metemos fotos o documentos como CV en PDF, por ejemplo.</a:t>
+              <a:t>, son casi siempre tema de POST/GET de los datos y montarlos en un </a:t>
+            </a:r>
+            <a:r>
+              <a:rPr b="0" lang="es-ES" sz="1300" spc="-1" strike="noStrike">
+                <a:solidFill>
+                  <a:srgbClr val="000000"/>
+                </a:solidFill>
+                <a:latin typeface="Arial"/>
+                <a:ea typeface="Noto Sans CJK SC"/>
+              </a:rPr>
+              <a:t>formulario. Se pueden complicar cuando metemos fotos o documentos como CV en PDF, por ejemplo.</a:t>
             </a:r>
             <a:endParaRPr b="0" lang="es-ES" sz="1300" spc="-1" strike="noStrike">
               <a:solidFill>
@@ -5307,7 +5309,17 @@
                 <a:latin typeface="Arial"/>
                 <a:ea typeface="Noto Sans CJK SC"/>
               </a:rPr>
-              <a:t>, lo suyo es usar el login/registro de WordPress o generar algún tipo de «hash» temporal que se envíe al correo, así la gestión de seguridad la hace el correo.</a:t>
+              <a:t>, lo suyo es usar el login/registro de WordPress o </a:t>
+            </a:r>
+            <a:r>
+              <a:rPr b="0" lang="es-ES" sz="1300" spc="-1" strike="noStrike">
+                <a:solidFill>
+                  <a:srgbClr val="000000"/>
+                </a:solidFill>
+                <a:latin typeface="Arial"/>
+                <a:ea typeface="Noto Sans CJK SC"/>
+              </a:rPr>
+              <a:t>generar algún tipo de «hash» temporal que se envíe al correo, así la gestión de seguridad la hace el correo.</a:t>
             </a:r>
             <a:endParaRPr b="0" lang="es-ES" sz="1300" spc="-1" strike="noStrike">
               <a:solidFill>
@@ -5320,7 +5332,7 @@
       </p:sp>
       <p:sp>
         <p:nvSpPr>
-          <p:cNvPr id="85" name="PlaceHolder 2"/>
+          <p:cNvPr id="87" name="PlaceHolder 2"/>
           <p:cNvSpPr>
             <a:spLocks noGrp="1"/>
           </p:cNvSpPr>
@@ -5331,7 +5343,7 @@
         <p:spPr>
           <a:xfrm>
             <a:off x="2329560" y="294840"/>
-            <a:ext cx="6490440" cy="520920"/>
+            <a:ext cx="6490080" cy="520560"/>
           </a:xfrm>
           <a:prstGeom prst="rect">
             <a:avLst/>
@@ -5408,14 +5420,14 @@
       </p:sp>
       <p:sp>
         <p:nvSpPr>
-          <p:cNvPr id="86" name="PlaceHolder 10"/>
+          <p:cNvPr id="88" name="PlaceHolder 10"/>
           <p:cNvSpPr/>
           <p:nvPr/>
         </p:nvSpPr>
         <p:spPr>
           <a:xfrm>
             <a:off x="360000" y="900000"/>
-            <a:ext cx="8639640" cy="1800000"/>
+            <a:ext cx="8639280" cy="1799640"/>
           </a:xfrm>
           <a:prstGeom prst="rect">
             <a:avLst/>
@@ -5462,7 +5474,6 @@
                 <a:srgbClr val="000000"/>
               </a:solidFill>
               <a:latin typeface="Arial"/>
-              <a:ea typeface="Noto Sans CJK SC"/>
             </a:endParaRPr>
           </a:p>
           <a:p>
@@ -5492,7 +5503,6 @@
                 <a:srgbClr val="000000"/>
               </a:solidFill>
               <a:latin typeface="Arial"/>
-              <a:ea typeface="Noto Sans CJK SC"/>
             </a:endParaRPr>
           </a:p>
           <a:p>
@@ -5530,7 +5540,6 @@
                 <a:srgbClr val="000000"/>
               </a:solidFill>
               <a:latin typeface="Arial"/>
-              <a:ea typeface="Noto Sans CJK SC"/>
             </a:endParaRPr>
           </a:p>
           <a:p>
@@ -5568,21 +5577,20 @@
                 <a:srgbClr val="000000"/>
               </a:solidFill>
               <a:latin typeface="Arial"/>
-              <a:ea typeface="Noto Sans CJK SC"/>
             </a:endParaRPr>
           </a:p>
         </p:txBody>
       </p:sp>
       <p:sp>
         <p:nvSpPr>
-          <p:cNvPr id="87" name="PlaceHolder 11"/>
+          <p:cNvPr id="89" name="PlaceHolder 11"/>
           <p:cNvSpPr/>
           <p:nvPr/>
         </p:nvSpPr>
         <p:spPr>
           <a:xfrm>
             <a:off x="180000" y="2718720"/>
-            <a:ext cx="8650440" cy="520920"/>
+            <a:ext cx="8650080" cy="520560"/>
           </a:xfrm>
           <a:prstGeom prst="rect">
             <a:avLst/>
@@ -5623,6 +5631,7 @@
                   <a:srgbClr val="000000"/>
                 </a:solidFill>
                 <a:latin typeface="Arial"/>
+                <a:ea typeface="DejaVu Sans"/>
               </a:rPr>
               <a:t>Consideraciones</a:t>
             </a:r>
@@ -5632,6 +5641,7 @@
                   <a:srgbClr val="000000"/>
                 </a:solidFill>
                 <a:latin typeface="Arial"/>
+                <a:ea typeface="DejaVu Sans"/>
               </a:rPr>
               <a:t> Ƹ̵̡Ӝ̵̨̄Ʒ</a:t>
             </a:r>
@@ -5676,7 +5686,7 @@
       </p:grpSpPr>
       <p:sp>
         <p:nvSpPr>
-          <p:cNvPr id="88" name="PlaceHolder 1"/>
+          <p:cNvPr id="90" name="PlaceHolder 1"/>
           <p:cNvSpPr>
             <a:spLocks noGrp="1"/>
           </p:cNvSpPr>
@@ -5687,7 +5697,7 @@
         <p:spPr>
           <a:xfrm>
             <a:off x="311760" y="1461600"/>
-            <a:ext cx="5807880" cy="3116520"/>
+            <a:ext cx="5807520" cy="3116160"/>
           </a:xfrm>
           <a:prstGeom prst="rect">
             <a:avLst/>
@@ -5855,7 +5865,7 @@
       </p:sp>
       <p:sp>
         <p:nvSpPr>
-          <p:cNvPr id="89" name="PlaceHolder 2"/>
+          <p:cNvPr id="91" name="PlaceHolder 2"/>
           <p:cNvSpPr>
             <a:spLocks noGrp="1"/>
           </p:cNvSpPr>
@@ -5866,7 +5876,7 @@
         <p:spPr>
           <a:xfrm>
             <a:off x="2329560" y="294840"/>
-            <a:ext cx="6490440" cy="520920"/>
+            <a:ext cx="6490080" cy="520560"/>
           </a:xfrm>
           <a:prstGeom prst="rect">
             <a:avLst/>
@@ -5943,14 +5953,14 @@
       </p:sp>
       <p:sp>
         <p:nvSpPr>
-          <p:cNvPr id="90" name="PlaceHolder 8"/>
+          <p:cNvPr id="92" name="PlaceHolder 8"/>
           <p:cNvSpPr/>
           <p:nvPr/>
         </p:nvSpPr>
         <p:spPr>
           <a:xfrm>
             <a:off x="180000" y="900000"/>
-            <a:ext cx="8650440" cy="520920"/>
+            <a:ext cx="8650080" cy="520560"/>
           </a:xfrm>
           <a:prstGeom prst="rect">
             <a:avLst/>
@@ -5991,6 +6001,7 @@
                   <a:srgbClr val="000000"/>
                 </a:solidFill>
                 <a:latin typeface="Arial"/>
+                <a:ea typeface="DejaVu Sans"/>
               </a:rPr>
               <a:t>¿Cómo tratar los datos?</a:t>
             </a:r>
@@ -6000,6 +6011,7 @@
                   <a:srgbClr val="000000"/>
                 </a:solidFill>
                 <a:latin typeface="Arial"/>
+                <a:ea typeface="DejaVu Sans"/>
               </a:rPr>
               <a:t> d[ o_0 ]b</a:t>
             </a:r>
@@ -6014,7 +6026,7 @@
       </p:sp>
       <p:pic>
         <p:nvPicPr>
-          <p:cNvPr id="91" name="" descr=""/>
+          <p:cNvPr id="93" name="" descr=""/>
           <p:cNvPicPr/>
           <p:nvPr/>
         </p:nvPicPr>
@@ -6025,7 +6037,7 @@
         <p:spPr>
           <a:xfrm>
             <a:off x="6120000" y="1394280"/>
-            <a:ext cx="2700000" cy="3339360"/>
+            <a:ext cx="2699640" cy="3339000"/>
           </a:xfrm>
           <a:prstGeom prst="rect">
             <a:avLst/>
@@ -6067,7 +6079,7 @@
       </p:grpSpPr>
       <p:sp>
         <p:nvSpPr>
-          <p:cNvPr id="92" name="PlaceHolder 1"/>
+          <p:cNvPr id="94" name="PlaceHolder 1"/>
           <p:cNvSpPr>
             <a:spLocks noGrp="1"/>
           </p:cNvSpPr>
@@ -6078,7 +6090,7 @@
         <p:spPr>
           <a:xfrm>
             <a:off x="311760" y="900000"/>
-            <a:ext cx="5987880" cy="3678120"/>
+            <a:ext cx="5987520" cy="3677760"/>
           </a:xfrm>
           <a:prstGeom prst="rect">
             <a:avLst/>
@@ -6271,7 +6283,7 @@
       </p:sp>
       <p:sp>
         <p:nvSpPr>
-          <p:cNvPr id="93" name="PlaceHolder 2"/>
+          <p:cNvPr id="95" name="PlaceHolder 2"/>
           <p:cNvSpPr>
             <a:spLocks noGrp="1"/>
           </p:cNvSpPr>
@@ -6282,7 +6294,7 @@
         <p:spPr>
           <a:xfrm>
             <a:off x="2329560" y="294840"/>
-            <a:ext cx="6490440" cy="520920"/>
+            <a:ext cx="6490080" cy="520560"/>
           </a:xfrm>
           <a:prstGeom prst="rect">
             <a:avLst/>
@@ -6332,7 +6344,7 @@
       </p:sp>
       <p:pic>
         <p:nvPicPr>
-          <p:cNvPr id="94" name="" descr=""/>
+          <p:cNvPr id="96" name="" descr=""/>
           <p:cNvPicPr/>
           <p:nvPr/>
         </p:nvPicPr>
@@ -6343,7 +6355,7 @@
         <p:spPr>
           <a:xfrm>
             <a:off x="6438960" y="978480"/>
-            <a:ext cx="2422440" cy="3599640"/>
+            <a:ext cx="2422080" cy="3599280"/>
           </a:xfrm>
           <a:prstGeom prst="rect">
             <a:avLst/>
@@ -6385,7 +6397,7 @@
       </p:grpSpPr>
       <p:sp>
         <p:nvSpPr>
-          <p:cNvPr id="95" name="PlaceHolder 1"/>
+          <p:cNvPr id="97" name="PlaceHolder 1"/>
           <p:cNvSpPr>
             <a:spLocks noGrp="1"/>
           </p:cNvSpPr>
@@ -6396,7 +6408,7 @@
         <p:spPr>
           <a:xfrm>
             <a:off x="2520000" y="294120"/>
-            <a:ext cx="6310440" cy="520920"/>
+            <a:ext cx="6310080" cy="520560"/>
           </a:xfrm>
           <a:prstGeom prst="rect">
             <a:avLst/>
@@ -6429,7 +6441,7 @@
             <a:r>
               <a:rPr b="1" lang="es-ES" sz="1800" spc="-1" strike="noStrike">
                 <a:solidFill>
-                  <a:srgbClr val="000000"/>
+                  <a:srgbClr val="174575"/>
                 </a:solidFill>
                 <a:latin typeface="Arial"/>
               </a:rPr>
@@ -6438,7 +6450,7 @@
             <a:r>
               <a:rPr b="0" lang="es-ES" sz="1800" spc="-1" strike="noStrike">
                 <a:solidFill>
-                  <a:srgbClr val="000000"/>
+                  <a:srgbClr val="174575"/>
                 </a:solidFill>
                 <a:latin typeface="Arial"/>
               </a:rPr>
@@ -6446,7 +6458,7 @@
             </a:r>
             <a:endParaRPr b="0" lang="es-ES" sz="1800" spc="-1" strike="noStrike">
               <a:solidFill>
-                <a:srgbClr val="000000"/>
+                <a:srgbClr val="174575"/>
               </a:solidFill>
               <a:latin typeface="Arial"/>
             </a:endParaRPr>
@@ -6455,7 +6467,7 @@
       </p:sp>
       <p:sp>
         <p:nvSpPr>
-          <p:cNvPr id="96" name="PlaceHolder 2"/>
+          <p:cNvPr id="98" name="PlaceHolder 2"/>
           <p:cNvSpPr>
             <a:spLocks noGrp="1"/>
           </p:cNvSpPr>
@@ -6465,8 +6477,8 @@
         </p:nvSpPr>
         <p:spPr>
           <a:xfrm>
-            <a:off x="311760" y="1461600"/>
-            <a:ext cx="8518680" cy="3116520"/>
+            <a:off x="311760" y="900000"/>
+            <a:ext cx="3828240" cy="3656160"/>
           </a:xfrm>
           <a:prstGeom prst="rect">
             <a:avLst/>
@@ -6478,15 +6490,212 @@
         </p:spPr>
         <p:txBody>
           <a:bodyPr lIns="91440" rIns="91440" tIns="91440" bIns="91440" anchor="t">
-            <a:normAutofit/>
+            <a:normAutofit fontScale="98333" lnSpcReduction="10000"/>
           </a:bodyPr>
           <a:p>
             <a:pPr indent="0">
-              <a:spcBef>
-                <a:spcPts val="1417"/>
-              </a:spcBef>
+              <a:lnSpc>
+                <a:spcPct val="100000"/>
+              </a:lnSpc>
+              <a:spcBef>
+                <a:spcPts val="1191"/>
+              </a:spcBef>
+              <a:spcAft>
+                <a:spcPts val="992"/>
+              </a:spcAft>
               <a:buNone/>
             </a:pPr>
+            <a:r>
+              <a:rPr b="0" lang="es-ES" sz="1800" spc="-1" strike="noStrike">
+                <a:solidFill>
+                  <a:srgbClr val="000000"/>
+                </a:solidFill>
+                <a:latin typeface="Arial"/>
+              </a:rPr>
+              <a:t>Si vas a trabajar de servidor a </a:t>
+            </a:r>
+            <a:r>
+              <a:rPr b="0" lang="es-ES" sz="1800" spc="-1" strike="noStrike">
+                <a:solidFill>
+                  <a:srgbClr val="000000"/>
+                </a:solidFill>
+                <a:latin typeface="Arial"/>
+              </a:rPr>
+              <a:t>servidor, no hay problemas de </a:t>
+            </a:r>
+            <a:r>
+              <a:rPr b="0" lang="es-ES" sz="1800" spc="-1" strike="noStrike">
+                <a:solidFill>
+                  <a:srgbClr val="000000"/>
+                </a:solidFill>
+                <a:latin typeface="Arial"/>
+              </a:rPr>
+              <a:t>atacar directamente a la API del </a:t>
+            </a:r>
+            <a:r>
+              <a:rPr b="0" lang="es-ES" sz="1800" spc="-1" strike="noStrike">
+                <a:solidFill>
+                  <a:srgbClr val="000000"/>
+                </a:solidFill>
+                <a:latin typeface="Arial"/>
+              </a:rPr>
+              <a:t>CRM, pero </a:t>
+            </a:r>
+            <a:r>
+              <a:rPr b="1" lang="es-ES" sz="1800" spc="-1" strike="noStrike">
+                <a:solidFill>
+                  <a:srgbClr val="000000"/>
+                </a:solidFill>
+                <a:latin typeface="Arial"/>
+              </a:rPr>
+              <a:t>cuando se trabaja </a:t>
+            </a:r>
+            <a:r>
+              <a:rPr b="1" lang="es-ES" sz="1800" spc="-1" strike="noStrike">
+                <a:solidFill>
+                  <a:srgbClr val="000000"/>
+                </a:solidFill>
+                <a:latin typeface="Arial"/>
+              </a:rPr>
+              <a:t>desde el navegador</a:t>
+            </a:r>
+            <a:r>
+              <a:rPr b="0" lang="es-ES" sz="1800" spc="-1" strike="noStrike">
+                <a:solidFill>
+                  <a:srgbClr val="000000"/>
+                </a:solidFill>
+                <a:latin typeface="Arial"/>
+              </a:rPr>
+              <a:t>, por ejemplo </a:t>
+            </a:r>
+            <a:r>
+              <a:rPr b="0" lang="es-ES" sz="1800" spc="-1" strike="noStrike">
+                <a:solidFill>
+                  <a:srgbClr val="000000"/>
+                </a:solidFill>
+                <a:latin typeface="Arial"/>
+              </a:rPr>
+              <a:t>con eventos de JavaScript, </a:t>
+            </a:r>
+            <a:r>
+              <a:rPr b="1" lang="es-ES" sz="1800" spc="-1" strike="noStrike">
+                <a:solidFill>
+                  <a:srgbClr val="000000"/>
+                </a:solidFill>
+                <a:latin typeface="Arial"/>
+              </a:rPr>
+              <a:t>las </a:t>
+            </a:r>
+            <a:r>
+              <a:rPr b="1" lang="es-ES" sz="1800" spc="-1" strike="noStrike">
+                <a:solidFill>
+                  <a:srgbClr val="000000"/>
+                </a:solidFill>
+                <a:latin typeface="Arial"/>
+              </a:rPr>
+              <a:t>credenciales de la API pueden </a:t>
+            </a:r>
+            <a:r>
+              <a:rPr b="1" lang="es-ES" sz="1800" spc="-1" strike="noStrike">
+                <a:solidFill>
+                  <a:srgbClr val="000000"/>
+                </a:solidFill>
+                <a:latin typeface="Arial"/>
+              </a:rPr>
+              <a:t>quedar expuestas</a:t>
+            </a:r>
+            <a:r>
+              <a:rPr b="0" lang="es-ES" sz="1800" spc="-1" strike="noStrike">
+                <a:solidFill>
+                  <a:srgbClr val="000000"/>
+                </a:solidFill>
+                <a:latin typeface="Arial"/>
+              </a:rPr>
+              <a:t>.</a:t>
+            </a:r>
+            <a:endParaRPr b="0" lang="es-ES" sz="1800" spc="-1" strike="noStrike">
+              <a:solidFill>
+                <a:srgbClr val="000000"/>
+              </a:solidFill>
+              <a:latin typeface="Arial"/>
+            </a:endParaRPr>
+          </a:p>
+          <a:p>
+            <a:pPr indent="0">
+              <a:lnSpc>
+                <a:spcPct val="100000"/>
+              </a:lnSpc>
+              <a:spcBef>
+                <a:spcPts val="1191"/>
+              </a:spcBef>
+              <a:spcAft>
+                <a:spcPts val="992"/>
+              </a:spcAft>
+              <a:buNone/>
+            </a:pPr>
+            <a:r>
+              <a:rPr b="0" lang="es-ES" sz="1800" spc="-1" strike="noStrike">
+                <a:solidFill>
+                  <a:srgbClr val="000000"/>
+                </a:solidFill>
+                <a:latin typeface="Arial"/>
+              </a:rPr>
+              <a:t>Para evitar esto </a:t>
+            </a:r>
+            <a:r>
+              <a:rPr b="1" lang="es-ES" sz="1800" spc="-1" strike="noStrike">
+                <a:solidFill>
+                  <a:srgbClr val="000000"/>
+                </a:solidFill>
+                <a:latin typeface="Arial"/>
+              </a:rPr>
+              <a:t>se puede crear </a:t>
+            </a:r>
+            <a:r>
+              <a:rPr b="1" lang="es-ES" sz="1800" spc="-1" strike="noStrike">
+                <a:solidFill>
+                  <a:srgbClr val="000000"/>
+                </a:solidFill>
+                <a:latin typeface="Arial"/>
+              </a:rPr>
+              <a:t>una API intermedia</a:t>
+            </a:r>
+            <a:r>
+              <a:rPr b="0" lang="es-ES" sz="1800" spc="-1" strike="noStrike">
+                <a:solidFill>
+                  <a:srgbClr val="000000"/>
+                </a:solidFill>
+                <a:latin typeface="Arial"/>
+              </a:rPr>
+              <a:t> a la que </a:t>
+            </a:r>
+            <a:r>
+              <a:rPr b="0" lang="es-ES" sz="1800" spc="-1" strike="noStrike">
+                <a:solidFill>
+                  <a:srgbClr val="000000"/>
+                </a:solidFill>
+                <a:latin typeface="Arial"/>
+              </a:rPr>
+              <a:t>ataque el navegador y que solo </a:t>
+            </a:r>
+            <a:r>
+              <a:rPr b="0" lang="es-ES" sz="1800" spc="-1" strike="noStrike">
+                <a:solidFill>
+                  <a:srgbClr val="000000"/>
+                </a:solidFill>
+                <a:latin typeface="Arial"/>
+              </a:rPr>
+              <a:t>ofrezca los «endpoints» que nos </a:t>
+            </a:r>
+            <a:r>
+              <a:rPr b="0" lang="es-ES" sz="1800" spc="-1" strike="noStrike">
+                <a:solidFill>
+                  <a:srgbClr val="000000"/>
+                </a:solidFill>
+                <a:latin typeface="Arial"/>
+              </a:rPr>
+              <a:t>interesen de la API del CRM.</a:t>
+            </a:r>
             <a:endParaRPr b="0" lang="es-ES" sz="1800" spc="-1" strike="noStrike">
               <a:solidFill>
                 <a:srgbClr val="000000"/>
@@ -6496,6 +6705,29 @@
           </a:p>
         </p:txBody>
       </p:sp>
+      <p:pic>
+        <p:nvPicPr>
+          <p:cNvPr id="99" name="" descr=""/>
+          <p:cNvPicPr/>
+          <p:nvPr/>
+        </p:nvPicPr>
+        <p:blipFill>
+          <a:blip r:embed="rId1"/>
+          <a:stretch/>
+        </p:blipFill>
+        <p:spPr>
+          <a:xfrm>
+            <a:off x="4140000" y="800280"/>
+            <a:ext cx="4719960" cy="4059720"/>
+          </a:xfrm>
+          <a:prstGeom prst="rect">
+            <a:avLst/>
+          </a:prstGeom>
+          <a:ln w="0">
+            <a:noFill/>
+          </a:ln>
+        </p:spPr>
+      </p:pic>
     </p:spTree>
   </p:cSld>
   <mc:AlternateContent>
@@ -6528,7 +6760,7 @@
       </p:grpSpPr>
       <p:sp>
         <p:nvSpPr>
-          <p:cNvPr id="97" name="PlaceHolder 1"/>
+          <p:cNvPr id="100" name="PlaceHolder 1"/>
           <p:cNvSpPr>
             <a:spLocks noGrp="1"/>
           </p:cNvSpPr>
@@ -6538,8 +6770,8 @@
         </p:nvSpPr>
         <p:spPr>
           <a:xfrm>
-            <a:off x="2340000" y="198360"/>
-            <a:ext cx="6490440" cy="520920"/>
+            <a:off x="2520000" y="294120"/>
+            <a:ext cx="6310080" cy="520560"/>
           </a:xfrm>
           <a:prstGeom prst="rect">
             <a:avLst/>
@@ -6558,6 +6790,12 @@
               <a:lnSpc>
                 <a:spcPct val="100000"/>
               </a:lnSpc>
+              <a:spcBef>
+                <a:spcPts val="1191"/>
+              </a:spcBef>
+              <a:spcAft>
+                <a:spcPts val="992"/>
+              </a:spcAft>
               <a:buNone/>
               <a:tabLst>
                 <a:tab algn="l" pos="0"/>
@@ -6570,7 +6808,7 @@
                 </a:solidFill>
                 <a:latin typeface="Arial"/>
               </a:rPr>
-              <a:t>Consejos</a:t>
+              <a:t>Conexión directa a la API o crear un middleware</a:t>
             </a:r>
             <a:r>
               <a:rPr b="0" lang="es-ES" sz="1800" spc="-1" strike="noStrike">
@@ -6579,11 +6817,11 @@
                 </a:solidFill>
                 <a:latin typeface="Arial"/>
               </a:rPr>
-              <a:t>❚█══█❚</a:t>
+              <a:t> c[_]</a:t>
             </a:r>
             <a:endParaRPr b="0" lang="es-ES" sz="1800" spc="-1" strike="noStrike">
               <a:solidFill>
-                <a:srgbClr val="000000"/>
+                <a:srgbClr val="174575"/>
               </a:solidFill>
               <a:latin typeface="Arial"/>
             </a:endParaRPr>
@@ -6592,7 +6830,7 @@
       </p:sp>
       <p:sp>
         <p:nvSpPr>
-          <p:cNvPr id="98" name="PlaceHolder 2"/>
+          <p:cNvPr id="101" name="PlaceHolder 2"/>
           <p:cNvSpPr>
             <a:spLocks noGrp="1"/>
           </p:cNvSpPr>
@@ -6602,8 +6840,8 @@
         </p:nvSpPr>
         <p:spPr>
           <a:xfrm>
-            <a:off x="311760" y="900000"/>
-            <a:ext cx="8518680" cy="3678120"/>
+            <a:off x="311760" y="1440000"/>
+            <a:ext cx="8508240" cy="3116160"/>
           </a:xfrm>
           <a:prstGeom prst="rect">
             <a:avLst/>
@@ -6618,219 +6856,93 @@
             <a:normAutofit/>
           </a:bodyPr>
           <a:p>
-            <a:pPr marL="432000" indent="-324000">
+            <a:pPr indent="0">
               <a:lnSpc>
                 <a:spcPct val="100000"/>
               </a:lnSpc>
               <a:spcBef>
-                <a:spcPts val="624"/>
+                <a:spcPts val="1191"/>
               </a:spcBef>
               <a:spcAft>
-                <a:spcPts val="425"/>
+                <a:spcPts val="992"/>
               </a:spcAft>
-              <a:buClr>
-                <a:srgbClr val="000000"/>
-              </a:buClr>
-              <a:buSzPct val="45000"/>
-              <a:buFont typeface="Wingdings" charset="2"/>
-              <a:buChar char=""/>
-            </a:pPr>
-            <a:r>
-              <a:rPr b="1" lang="es-ES" sz="1200" spc="-1" strike="noStrike">
-                <a:solidFill>
-                  <a:srgbClr val="000000"/>
-                </a:solidFill>
-                <a:latin typeface="Arial"/>
-                <a:ea typeface="Noto Sans CJK SC"/>
-              </a:rPr>
-              <a:t>Cread un campo de fecha de última modificación.</a:t>
-            </a:r>
-            <a:r>
-              <a:rPr b="0" lang="es-ES" sz="1200" spc="-1" strike="noStrike">
-                <a:solidFill>
-                  <a:srgbClr val="000000"/>
-                </a:solidFill>
-                <a:latin typeface="Arial"/>
-                <a:ea typeface="Noto Sans CJK SC"/>
-              </a:rPr>
-              <a:t> Los CRM suelen guardar está información, pero no discriminan entre conexiones por API y directamente por web. Con este campo personalizado tendréis control de qué contactos habéis tocado desde WordPress y cuáles han sido tocados de otras formas.</a:t>
-            </a:r>
-            <a:endParaRPr b="0" lang="es-ES" sz="1200" spc="-1" strike="noStrike">
-              <a:solidFill>
-                <a:srgbClr val="000000"/>
-              </a:solidFill>
-              <a:latin typeface="Arial"/>
-            </a:endParaRPr>
-          </a:p>
-          <a:p>
-            <a:pPr marL="432000" indent="-324000">
+              <a:buNone/>
+            </a:pPr>
+            <a:r>
+              <a:rPr b="0" lang="es-ES" sz="1000" spc="-1" strike="noStrike">
+                <a:solidFill>
+                  <a:srgbClr val="000000"/>
+                </a:solidFill>
+                <a:latin typeface="Arial"/>
+              </a:rPr>
+              <a:t>Con la API-REST de WordPress es muy fácil crear un middleware XXX</a:t>
+            </a:r>
+            <a:endParaRPr b="0" lang="es-ES" sz="1000" spc="-1" strike="noStrike">
+              <a:solidFill>
+                <a:srgbClr val="000000"/>
+              </a:solidFill>
+              <a:latin typeface="Arial"/>
+            </a:endParaRPr>
+          </a:p>
+        </p:txBody>
+      </p:sp>
+      <p:sp>
+        <p:nvSpPr>
+          <p:cNvPr id="102" name="PlaceHolder 9"/>
+          <p:cNvSpPr txBox="1"/>
+          <p:nvPr/>
+        </p:nvSpPr>
+        <p:spPr>
+          <a:xfrm>
+            <a:off x="2509920" y="783000"/>
+            <a:ext cx="6310080" cy="520560"/>
+          </a:xfrm>
+          <a:prstGeom prst="rect">
+            <a:avLst/>
+          </a:prstGeom>
+          <a:noFill/>
+          <a:ln w="0">
+            <a:noFill/>
+          </a:ln>
+        </p:spPr>
+        <p:txBody>
+          <a:bodyPr tIns="91440" bIns="91440" anchor="t">
+            <a:normAutofit/>
+          </a:bodyPr>
+          <a:p>
+            <a:pPr algn="r">
               <a:lnSpc>
                 <a:spcPct val="100000"/>
               </a:lnSpc>
               <a:spcBef>
-                <a:spcPts val="624"/>
+                <a:spcPts val="1191"/>
               </a:spcBef>
               <a:spcAft>
-                <a:spcPts val="425"/>
+                <a:spcPts val="992"/>
               </a:spcAft>
-              <a:buClr>
-                <a:srgbClr val="000000"/>
-              </a:buClr>
-              <a:buSzPct val="45000"/>
-              <a:buFont typeface="Wingdings" charset="2"/>
-              <a:buChar char=""/>
-            </a:pPr>
-            <a:r>
-              <a:rPr b="1" lang="es-ES" sz="1200" spc="-1" strike="noStrike">
-                <a:solidFill>
-                  <a:srgbClr val="000000"/>
-                </a:solidFill>
-                <a:latin typeface="Arial"/>
-                <a:ea typeface="Noto Sans CJK SC"/>
-              </a:rPr>
-              <a:t>Usad las notas.</a:t>
-            </a:r>
-            <a:r>
-              <a:rPr b="0" lang="es-ES" sz="1200" spc="-1" strike="noStrike">
-                <a:solidFill>
-                  <a:srgbClr val="000000"/>
-                </a:solidFill>
-                <a:latin typeface="Arial"/>
-                <a:ea typeface="Noto Sans CJK SC"/>
-              </a:rPr>
-              <a:t> Muchos CRM te permiten crear notas de cada contacto, usad esas notas para guardar información variada, por ejemplo, el contenido de las áreas de texto de un formulario. Ponéis un título explicativo y luego el texto que escribió la persona que relleno el formulario. Siempre que se pueda, </a:t>
-            </a:r>
-            <a:r>
-              <a:rPr b="1" lang="es-ES" sz="1200" spc="-1" strike="noStrike">
-                <a:solidFill>
-                  <a:srgbClr val="000000"/>
-                </a:solidFill>
-                <a:latin typeface="Arial"/>
-                <a:ea typeface="Noto Sans CJK SC"/>
-              </a:rPr>
-              <a:t>no montéis campos específicos para ese tipo de cosas</a:t>
-            </a:r>
-            <a:r>
-              <a:rPr b="0" lang="es-ES" sz="1200" spc="-1" strike="noStrike">
-                <a:solidFill>
-                  <a:srgbClr val="000000"/>
-                </a:solidFill>
-                <a:latin typeface="Arial"/>
-                <a:ea typeface="Noto Sans CJK SC"/>
-              </a:rPr>
-              <a:t>.</a:t>
-            </a:r>
-            <a:endParaRPr b="0" lang="es-ES" sz="1200" spc="-1" strike="noStrike">
-              <a:solidFill>
-                <a:srgbClr val="000000"/>
-              </a:solidFill>
-              <a:latin typeface="Arial"/>
-            </a:endParaRPr>
-          </a:p>
-          <a:p>
-            <a:pPr marL="432000" indent="-324000">
-              <a:lnSpc>
-                <a:spcPct val="100000"/>
-              </a:lnSpc>
-              <a:spcBef>
-                <a:spcPts val="624"/>
-              </a:spcBef>
-              <a:spcAft>
-                <a:spcPts val="425"/>
-              </a:spcAft>
-              <a:buClr>
-                <a:srgbClr val="000000"/>
-              </a:buClr>
-              <a:buSzPct val="45000"/>
-              <a:buFont typeface="Wingdings" charset="2"/>
-              <a:buChar char=""/>
-            </a:pPr>
-            <a:r>
-              <a:rPr b="1" lang="es-ES" sz="1200" spc="-1" strike="noStrike">
-                <a:solidFill>
-                  <a:srgbClr val="000000"/>
-                </a:solidFill>
-                <a:latin typeface="Arial"/>
-                <a:ea typeface="Noto Sans CJK SC"/>
-              </a:rPr>
-              <a:t>Si puedes hacerse con una automatización del CRM, mejor que programándolo.</a:t>
-            </a:r>
-            <a:r>
-              <a:rPr b="0" lang="es-ES" sz="1200" spc="-1" strike="noStrike">
-                <a:solidFill>
-                  <a:srgbClr val="000000"/>
-                </a:solidFill>
-                <a:latin typeface="Arial"/>
-                <a:ea typeface="Noto Sans CJK SC"/>
-              </a:rPr>
-              <a:t> Al conectar se puede hacer que el script que desarrolléis haga todas las tareas, como meter etiquetas, apuntar a listas, meter puntos en un LeadScoring, etc. O simplemente que lance un disparador de una automatización y esta ejecute todo lo anterior. Piensa que </a:t>
-            </a:r>
-            <a:r>
-              <a:rPr b="1" lang="es-ES" sz="1200" spc="-1" strike="noStrike">
-                <a:solidFill>
-                  <a:srgbClr val="000000"/>
-                </a:solidFill>
-                <a:latin typeface="Arial"/>
-                <a:ea typeface="Noto Sans CJK SC"/>
-              </a:rPr>
-              <a:t>cambiar la programación solo podrá hacerlo una desarrolladora y cambiar una automatización con una interfaz gráfica, puede hacerlo cualquier persona de marketing con unos conocimientos básicos</a:t>
-            </a:r>
-            <a:r>
-              <a:rPr b="0" lang="es-ES" sz="1200" spc="-1" strike="noStrike">
-                <a:solidFill>
-                  <a:srgbClr val="000000"/>
-                </a:solidFill>
-                <a:latin typeface="Arial"/>
-                <a:ea typeface="Noto Sans CJK SC"/>
-              </a:rPr>
-              <a:t>.</a:t>
-            </a:r>
-            <a:endParaRPr b="0" lang="es-ES" sz="1200" spc="-1" strike="noStrike">
-              <a:solidFill>
-                <a:srgbClr val="000000"/>
-              </a:solidFill>
-              <a:latin typeface="Arial"/>
-            </a:endParaRPr>
-          </a:p>
-          <a:p>
-            <a:pPr marL="432000" indent="-324000">
-              <a:lnSpc>
-                <a:spcPct val="100000"/>
-              </a:lnSpc>
-              <a:spcBef>
-                <a:spcPts val="624"/>
-              </a:spcBef>
-              <a:spcAft>
-                <a:spcPts val="425"/>
-              </a:spcAft>
-              <a:buClr>
-                <a:srgbClr val="000000"/>
-              </a:buClr>
-              <a:buSzPct val="45000"/>
-              <a:buFont typeface="Wingdings" charset="2"/>
-              <a:buChar char=""/>
-            </a:pPr>
-            <a:r>
-              <a:rPr b="1" lang="es-ES" sz="1200" spc="-1" strike="noStrike">
-                <a:solidFill>
-                  <a:srgbClr val="000000"/>
-                </a:solidFill>
-                <a:latin typeface="Arial"/>
-                <a:ea typeface="Noto Sans CJK SC"/>
-              </a:rPr>
-              <a:t>Usad los sistemas de almacenamiento de ficheros de PDF, DOC, ODT, etc. que ofrecen los CRM.</a:t>
-            </a:r>
-            <a:r>
-              <a:rPr b="0" lang="es-ES" sz="1200" spc="-1" strike="noStrike">
-                <a:solidFill>
-                  <a:srgbClr val="000000"/>
-                </a:solidFill>
-                <a:latin typeface="Arial"/>
-                <a:ea typeface="Noto Sans CJK SC"/>
-              </a:rPr>
-              <a:t> Es muy tentador subir un fichero a tu web y usar ese enlace en todas partes. Pero no da gran información. Subiéndolo al sistema de archivos del CRM puedes saber quién y cuándo lo ha descargado si está entre tus contactos y si no, como, mínimo te dará unas buenas estadísticas de descargas.</a:t>
-            </a:r>
-            <a:endParaRPr b="0" lang="es-ES" sz="1200" spc="-1" strike="noStrike">
+              <a:tabLst>
+                <a:tab algn="l" pos="0"/>
+              </a:tabLst>
+            </a:pPr>
+            <a:r>
+              <a:rPr b="1" lang="es-ES" sz="1500" spc="-1" strike="noStrike">
+                <a:solidFill>
+                  <a:srgbClr val="000000"/>
+                </a:solidFill>
+                <a:latin typeface="Arial"/>
+              </a:rPr>
+              <a:t>Usando la API-REST de WordPress</a:t>
+            </a:r>
+            <a:r>
+              <a:rPr b="0" lang="es-ES" sz="1500" spc="-1" strike="noStrike">
+                <a:solidFill>
+                  <a:srgbClr val="000000"/>
+                </a:solidFill>
+                <a:latin typeface="Arial"/>
+              </a:rPr>
+              <a:t> |[●▪▪●]|</a:t>
+            </a:r>
+            <a:endParaRPr b="0" lang="es-ES" sz="1500" spc="-1" strike="noStrike">
               <a:solidFill>
                 <a:srgbClr val="000000"/>
               </a:solidFill>
@@ -6871,7 +6983,7 @@
       </p:grpSpPr>
       <p:sp>
         <p:nvSpPr>
-          <p:cNvPr id="99" name="PlaceHolder 1"/>
+          <p:cNvPr id="103" name="PlaceHolder 1"/>
           <p:cNvSpPr>
             <a:spLocks noGrp="1"/>
           </p:cNvSpPr>
@@ -6881,8 +6993,8 @@
         </p:nvSpPr>
         <p:spPr>
           <a:xfrm>
-            <a:off x="2340000" y="294120"/>
-            <a:ext cx="6490440" cy="520920"/>
+            <a:off x="2340000" y="198360"/>
+            <a:ext cx="6490080" cy="520560"/>
           </a:xfrm>
           <a:prstGeom prst="rect">
             <a:avLst/>
@@ -6913,7 +7025,7 @@
                 </a:solidFill>
                 <a:latin typeface="Arial"/>
               </a:rPr>
-              <a:t>Sobre mí</a:t>
+              <a:t>Consejos</a:t>
             </a:r>
             <a:r>
               <a:rPr b="0" lang="es-ES" sz="1800" spc="-1" strike="noStrike">
@@ -6922,7 +7034,7 @@
                 </a:solidFill>
                 <a:latin typeface="Arial"/>
               </a:rPr>
-              <a:t> O=('-'Q)</a:t>
+              <a:t>❚█══█❚</a:t>
             </a:r>
             <a:endParaRPr b="0" lang="es-ES" sz="1800" spc="-1" strike="noStrike">
               <a:solidFill>
@@ -6935,7 +7047,7 @@
       </p:sp>
       <p:sp>
         <p:nvSpPr>
-          <p:cNvPr id="100" name="PlaceHolder 2"/>
+          <p:cNvPr id="104" name="PlaceHolder 2"/>
           <p:cNvSpPr>
             <a:spLocks noGrp="1"/>
           </p:cNvSpPr>
@@ -6945,8 +7057,8 @@
         </p:nvSpPr>
         <p:spPr>
           <a:xfrm>
-            <a:off x="311760" y="1461600"/>
-            <a:ext cx="8518680" cy="3116520"/>
+            <a:off x="311760" y="900000"/>
+            <a:ext cx="8518320" cy="3677760"/>
           </a:xfrm>
           <a:prstGeom prst="rect">
             <a:avLst/>
@@ -6961,13 +7073,219 @@
             <a:normAutofit/>
           </a:bodyPr>
           <a:p>
-            <a:pPr indent="0">
-              <a:spcBef>
-                <a:spcPts val="1417"/>
-              </a:spcBef>
-              <a:buNone/>
-            </a:pPr>
-            <a:endParaRPr b="0" lang="es-ES" sz="1800" spc="-1" strike="noStrike">
+            <a:pPr marL="432000" indent="-324000">
+              <a:lnSpc>
+                <a:spcPct val="100000"/>
+              </a:lnSpc>
+              <a:spcBef>
+                <a:spcPts val="624"/>
+              </a:spcBef>
+              <a:spcAft>
+                <a:spcPts val="425"/>
+              </a:spcAft>
+              <a:buClr>
+                <a:srgbClr val="000000"/>
+              </a:buClr>
+              <a:buSzPct val="45000"/>
+              <a:buFont typeface="Wingdings" charset="2"/>
+              <a:buChar char=""/>
+            </a:pPr>
+            <a:r>
+              <a:rPr b="1" lang="es-ES" sz="1200" spc="-1" strike="noStrike">
+                <a:solidFill>
+                  <a:srgbClr val="000000"/>
+                </a:solidFill>
+                <a:latin typeface="Arial"/>
+                <a:ea typeface="Noto Sans CJK SC"/>
+              </a:rPr>
+              <a:t>Cread un campo de fecha de última modificación.</a:t>
+            </a:r>
+            <a:r>
+              <a:rPr b="0" lang="es-ES" sz="1200" spc="-1" strike="noStrike">
+                <a:solidFill>
+                  <a:srgbClr val="000000"/>
+                </a:solidFill>
+                <a:latin typeface="Arial"/>
+                <a:ea typeface="Noto Sans CJK SC"/>
+              </a:rPr>
+              <a:t> Los CRM suelen guardar está información, pero no discriminan entre conexiones por API y directamente por web. Con este campo personalizado tendréis control de qué contactos habéis tocado desde WordPress y cuáles han sido tocados de otras formas.</a:t>
+            </a:r>
+            <a:endParaRPr b="0" lang="es-ES" sz="1200" spc="-1" strike="noStrike">
+              <a:solidFill>
+                <a:srgbClr val="000000"/>
+              </a:solidFill>
+              <a:latin typeface="Arial"/>
+            </a:endParaRPr>
+          </a:p>
+          <a:p>
+            <a:pPr marL="432000" indent="-324000">
+              <a:lnSpc>
+                <a:spcPct val="100000"/>
+              </a:lnSpc>
+              <a:spcBef>
+                <a:spcPts val="624"/>
+              </a:spcBef>
+              <a:spcAft>
+                <a:spcPts val="425"/>
+              </a:spcAft>
+              <a:buClr>
+                <a:srgbClr val="000000"/>
+              </a:buClr>
+              <a:buSzPct val="45000"/>
+              <a:buFont typeface="Wingdings" charset="2"/>
+              <a:buChar char=""/>
+            </a:pPr>
+            <a:r>
+              <a:rPr b="1" lang="es-ES" sz="1200" spc="-1" strike="noStrike">
+                <a:solidFill>
+                  <a:srgbClr val="000000"/>
+                </a:solidFill>
+                <a:latin typeface="Arial"/>
+                <a:ea typeface="Noto Sans CJK SC"/>
+              </a:rPr>
+              <a:t>Usad las notas.</a:t>
+            </a:r>
+            <a:r>
+              <a:rPr b="0" lang="es-ES" sz="1200" spc="-1" strike="noStrike">
+                <a:solidFill>
+                  <a:srgbClr val="000000"/>
+                </a:solidFill>
+                <a:latin typeface="Arial"/>
+                <a:ea typeface="Noto Sans CJK SC"/>
+              </a:rPr>
+              <a:t> Muchos CRM te permiten crear notas de cada contacto, usad esas notas para guardar información variada, por ejemplo, el contenido de las áreas de texto de un formulario. Ponéis un título explicativo y luego el texto que escribió la persona que relleno el formulario. Siempre que se pueda, </a:t>
+            </a:r>
+            <a:r>
+              <a:rPr b="1" lang="es-ES" sz="1200" spc="-1" strike="noStrike">
+                <a:solidFill>
+                  <a:srgbClr val="000000"/>
+                </a:solidFill>
+                <a:latin typeface="Arial"/>
+                <a:ea typeface="Noto Sans CJK SC"/>
+              </a:rPr>
+              <a:t>no montéis campos específicos para ese tipo de cosas</a:t>
+            </a:r>
+            <a:r>
+              <a:rPr b="0" lang="es-ES" sz="1200" spc="-1" strike="noStrike">
+                <a:solidFill>
+                  <a:srgbClr val="000000"/>
+                </a:solidFill>
+                <a:latin typeface="Arial"/>
+                <a:ea typeface="Noto Sans CJK SC"/>
+              </a:rPr>
+              <a:t>.</a:t>
+            </a:r>
+            <a:endParaRPr b="0" lang="es-ES" sz="1200" spc="-1" strike="noStrike">
+              <a:solidFill>
+                <a:srgbClr val="000000"/>
+              </a:solidFill>
+              <a:latin typeface="Arial"/>
+            </a:endParaRPr>
+          </a:p>
+          <a:p>
+            <a:pPr marL="432000" indent="-324000">
+              <a:lnSpc>
+                <a:spcPct val="100000"/>
+              </a:lnSpc>
+              <a:spcBef>
+                <a:spcPts val="624"/>
+              </a:spcBef>
+              <a:spcAft>
+                <a:spcPts val="425"/>
+              </a:spcAft>
+              <a:buClr>
+                <a:srgbClr val="000000"/>
+              </a:buClr>
+              <a:buSzPct val="45000"/>
+              <a:buFont typeface="Wingdings" charset="2"/>
+              <a:buChar char=""/>
+            </a:pPr>
+            <a:r>
+              <a:rPr b="1" lang="es-ES" sz="1200" spc="-1" strike="noStrike">
+                <a:solidFill>
+                  <a:srgbClr val="000000"/>
+                </a:solidFill>
+                <a:latin typeface="Arial"/>
+                <a:ea typeface="Noto Sans CJK SC"/>
+              </a:rPr>
+              <a:t>Si puedes hacerse con una automatización del CRM, mejor que programándolo.</a:t>
+            </a:r>
+            <a:r>
+              <a:rPr b="0" lang="es-ES" sz="1200" spc="-1" strike="noStrike">
+                <a:solidFill>
+                  <a:srgbClr val="000000"/>
+                </a:solidFill>
+                <a:latin typeface="Arial"/>
+                <a:ea typeface="Noto Sans CJK SC"/>
+              </a:rPr>
+              <a:t> Al conectar se puede hacer que el script que desarrolléis haga todas las tareas, como meter etiquetas, apuntar a listas, meter puntos en un LeadScoring, etc. O simplemente que lance un disparador de una automatización y esta ejecute todo lo anterior. Piensa que </a:t>
+            </a:r>
+            <a:r>
+              <a:rPr b="1" lang="es-ES" sz="1200" spc="-1" strike="noStrike">
+                <a:solidFill>
+                  <a:srgbClr val="000000"/>
+                </a:solidFill>
+                <a:latin typeface="Arial"/>
+                <a:ea typeface="Noto Sans CJK SC"/>
+              </a:rPr>
+              <a:t>cambiar la programación solo podrá hacerlo una desarrolladora y cambiar una automatización con una interfaz gráfica, puede hacerlo cualquier persona de marketing con unos conocimientos básicos</a:t>
+            </a:r>
+            <a:r>
+              <a:rPr b="0" lang="es-ES" sz="1200" spc="-1" strike="noStrike">
+                <a:solidFill>
+                  <a:srgbClr val="000000"/>
+                </a:solidFill>
+                <a:latin typeface="Arial"/>
+                <a:ea typeface="Noto Sans CJK SC"/>
+              </a:rPr>
+              <a:t>.</a:t>
+            </a:r>
+            <a:endParaRPr b="0" lang="es-ES" sz="1200" spc="-1" strike="noStrike">
+              <a:solidFill>
+                <a:srgbClr val="000000"/>
+              </a:solidFill>
+              <a:latin typeface="Arial"/>
+            </a:endParaRPr>
+          </a:p>
+          <a:p>
+            <a:pPr marL="432000" indent="-324000">
+              <a:lnSpc>
+                <a:spcPct val="100000"/>
+              </a:lnSpc>
+              <a:spcBef>
+                <a:spcPts val="624"/>
+              </a:spcBef>
+              <a:spcAft>
+                <a:spcPts val="425"/>
+              </a:spcAft>
+              <a:buClr>
+                <a:srgbClr val="000000"/>
+              </a:buClr>
+              <a:buSzPct val="45000"/>
+              <a:buFont typeface="Wingdings" charset="2"/>
+              <a:buChar char=""/>
+            </a:pPr>
+            <a:r>
+              <a:rPr b="1" lang="es-ES" sz="1200" spc="-1" strike="noStrike">
+                <a:solidFill>
+                  <a:srgbClr val="000000"/>
+                </a:solidFill>
+                <a:latin typeface="Arial"/>
+                <a:ea typeface="Noto Sans CJK SC"/>
+              </a:rPr>
+              <a:t>Usad los sistemas de almacenamiento de ficheros de PDF, DOC, ODT, etc. que ofrecen los CRM.</a:t>
+            </a:r>
+            <a:r>
+              <a:rPr b="0" lang="es-ES" sz="1200" spc="-1" strike="noStrike">
+                <a:solidFill>
+                  <a:srgbClr val="000000"/>
+                </a:solidFill>
+                <a:latin typeface="Arial"/>
+                <a:ea typeface="Noto Sans CJK SC"/>
+              </a:rPr>
+              <a:t> Es muy tentador subir un fichero a tu web y usar ese enlace en todas partes. Pero no da gran información. Subiéndolo al sistema de archivos del CRM puedes saber quién y cuándo lo ha descargado si está entre tus contactos y si no, como, mínimo te dará unas buenas estadísticas de descargas.</a:t>
+            </a:r>
+            <a:endParaRPr b="0" lang="es-ES" sz="1200" spc="-1" strike="noStrike">
               <a:solidFill>
                 <a:srgbClr val="000000"/>
               </a:solidFill>
@@ -7008,7 +7326,444 @@
       </p:grpSpPr>
       <p:sp>
         <p:nvSpPr>
-          <p:cNvPr id="101" name="PlaceHolder 1"/>
+          <p:cNvPr id="105" name="PlaceHolder 1"/>
+          <p:cNvSpPr>
+            <a:spLocks noGrp="1"/>
+          </p:cNvSpPr>
+          <p:nvPr>
+            <p:ph/>
+          </p:nvPr>
+        </p:nvSpPr>
+        <p:spPr>
+          <a:xfrm>
+            <a:off x="311760" y="1080000"/>
+            <a:ext cx="8518320" cy="3038400"/>
+          </a:xfrm>
+          <a:prstGeom prst="rect">
+            <a:avLst/>
+          </a:prstGeom>
+          <a:noFill/>
+          <a:ln w="0">
+            <a:noFill/>
+          </a:ln>
+        </p:spPr>
+        <p:txBody>
+          <a:bodyPr lIns="91440" rIns="91440" tIns="91440" bIns="91440" anchor="t">
+            <a:normAutofit fontScale="75000"/>
+          </a:bodyPr>
+          <a:p>
+            <a:pPr indent="0">
+              <a:lnSpc>
+                <a:spcPct val="100000"/>
+              </a:lnSpc>
+              <a:spcBef>
+                <a:spcPts val="1191"/>
+              </a:spcBef>
+              <a:spcAft>
+                <a:spcPts val="992"/>
+              </a:spcAft>
+              <a:buNone/>
+            </a:pPr>
+            <a:r>
+              <a:rPr b="0" lang="es-ES" sz="1600" spc="-1" strike="noStrike">
+                <a:solidFill>
+                  <a:srgbClr val="000000"/>
+                </a:solidFill>
+                <a:latin typeface="Arial"/>
+              </a:rPr>
+              <a:t>Soy un </a:t>
+            </a:r>
+            <a:r>
+              <a:rPr b="1" lang="es-ES" sz="1600" spc="-1" strike="noStrike">
+                <a:solidFill>
+                  <a:srgbClr val="000000"/>
+                </a:solidFill>
+                <a:latin typeface="Arial"/>
+              </a:rPr>
+              <a:t>desarrollador web con más de 20 años de experiencia</a:t>
+            </a:r>
+            <a:r>
+              <a:rPr b="0" lang="es-ES" sz="1600" spc="-1" strike="noStrike">
+                <a:solidFill>
+                  <a:srgbClr val="000000"/>
+                </a:solidFill>
+                <a:latin typeface="Arial"/>
+              </a:rPr>
+              <a:t>, muchos de ellos </a:t>
+            </a:r>
+            <a:r>
+              <a:rPr b="0" lang="es-ES" sz="1600" spc="-1" strike="noStrike">
+                <a:solidFill>
+                  <a:srgbClr val="000000"/>
+                </a:solidFill>
+                <a:latin typeface="Arial"/>
+              </a:rPr>
+              <a:t>trabajando con WordPress. De hecho, mis primeros proyectos fueron en B2Evo, el origen de </a:t>
+            </a:r>
+            <a:r>
+              <a:rPr b="0" lang="es-ES" sz="1600" spc="-1" strike="noStrike">
+                <a:solidFill>
+                  <a:srgbClr val="000000"/>
+                </a:solidFill>
+                <a:latin typeface="Arial"/>
+              </a:rPr>
+              <a:t>WordPress.</a:t>
+            </a:r>
+            <a:endParaRPr b="0" lang="es-ES" sz="1600" spc="-1" strike="noStrike">
+              <a:solidFill>
+                <a:srgbClr val="000000"/>
+              </a:solidFill>
+              <a:latin typeface="Arial"/>
+              <a:ea typeface="Noto Sans CJK SC"/>
+            </a:endParaRPr>
+          </a:p>
+          <a:p>
+            <a:pPr indent="0">
+              <a:lnSpc>
+                <a:spcPct val="100000"/>
+              </a:lnSpc>
+              <a:spcBef>
+                <a:spcPts val="1191"/>
+              </a:spcBef>
+              <a:spcAft>
+                <a:spcPts val="992"/>
+              </a:spcAft>
+              <a:buNone/>
+            </a:pPr>
+            <a:r>
+              <a:rPr b="0" lang="es-ES" sz="1600" spc="-1" strike="noStrike">
+                <a:solidFill>
+                  <a:srgbClr val="000000"/>
+                </a:solidFill>
+                <a:latin typeface="Arial"/>
+                <a:ea typeface="Noto Sans CJK SC"/>
+              </a:rPr>
+              <a:t>Trabajo en Eñutt Comunicación desde hace 5 años, principalmente desarrollando en temas </a:t>
+            </a:r>
+            <a:r>
+              <a:rPr b="0" lang="es-ES" sz="1600" spc="-1" strike="noStrike">
+                <a:solidFill>
+                  <a:srgbClr val="000000"/>
+                </a:solidFill>
+                <a:latin typeface="Arial"/>
+                <a:ea typeface="Noto Sans CJK SC"/>
+              </a:rPr>
+              <a:t>de CRM para clientes como SPRI, IHOBE, BEAZ o Gaztenpresa.</a:t>
+            </a:r>
+            <a:endParaRPr b="0" lang="es-ES" sz="1600" spc="-1" strike="noStrike">
+              <a:solidFill>
+                <a:srgbClr val="000000"/>
+              </a:solidFill>
+              <a:latin typeface="Arial"/>
+              <a:ea typeface="Noto Sans CJK SC"/>
+            </a:endParaRPr>
+          </a:p>
+          <a:p>
+            <a:pPr indent="0">
+              <a:lnSpc>
+                <a:spcPct val="100000"/>
+              </a:lnSpc>
+              <a:spcBef>
+                <a:spcPts val="1191"/>
+              </a:spcBef>
+              <a:spcAft>
+                <a:spcPts val="992"/>
+              </a:spcAft>
+              <a:buNone/>
+            </a:pPr>
+            <a:r>
+              <a:rPr b="0" lang="es-ES" sz="1600" spc="-1" strike="noStrike">
+                <a:solidFill>
+                  <a:srgbClr val="000000"/>
+                </a:solidFill>
+                <a:latin typeface="Arial"/>
+              </a:rPr>
+              <a:t>Mis enlaces:</a:t>
+            </a:r>
+            <a:endParaRPr b="0" lang="es-ES" sz="1600" spc="-1" strike="noStrike">
+              <a:solidFill>
+                <a:srgbClr val="000000"/>
+              </a:solidFill>
+              <a:latin typeface="Arial"/>
+              <a:ea typeface="Noto Sans CJK SC"/>
+            </a:endParaRPr>
+          </a:p>
+          <a:p>
+            <a:pPr marL="360000">
+              <a:lnSpc>
+                <a:spcPct val="100000"/>
+              </a:lnSpc>
+              <a:spcBef>
+                <a:spcPts val="624"/>
+              </a:spcBef>
+              <a:spcAft>
+                <a:spcPts val="425"/>
+              </a:spcAft>
+              <a:buClr>
+                <a:srgbClr val="000000"/>
+              </a:buClr>
+              <a:buFont typeface="Wingdings" charset="2"/>
+              <a:buChar char=""/>
+            </a:pPr>
+            <a:r>
+              <a:rPr b="0" lang="es-ES" sz="1600" spc="-1" strike="noStrike">
+                <a:solidFill>
+                  <a:srgbClr val="000000"/>
+                </a:solidFill>
+                <a:latin typeface="Arial"/>
+                <a:hlinkClick r:id="rId1"/>
+              </a:rPr>
+              <a:t>https://bsky.app/profile/gwannon.com</a:t>
+            </a:r>
+            <a:endParaRPr b="0" lang="es-ES" sz="1600" spc="-1" strike="noStrike">
+              <a:solidFill>
+                <a:srgbClr val="000000"/>
+              </a:solidFill>
+              <a:latin typeface="Arial"/>
+              <a:ea typeface="Noto Sans CJK SC"/>
+            </a:endParaRPr>
+          </a:p>
+          <a:p>
+            <a:pPr marL="360000">
+              <a:lnSpc>
+                <a:spcPct val="100000"/>
+              </a:lnSpc>
+              <a:spcBef>
+                <a:spcPts val="624"/>
+              </a:spcBef>
+              <a:spcAft>
+                <a:spcPts val="425"/>
+              </a:spcAft>
+              <a:buClr>
+                <a:srgbClr val="000000"/>
+              </a:buClr>
+              <a:buFont typeface="Wingdings" charset="2"/>
+              <a:buChar char=""/>
+            </a:pPr>
+            <a:r>
+              <a:rPr b="0" lang="es-ES" sz="1600" spc="-1" strike="noStrike">
+                <a:solidFill>
+                  <a:srgbClr val="000000"/>
+                </a:solidFill>
+                <a:latin typeface="Arial"/>
+                <a:hlinkClick r:id="rId2"/>
+              </a:rPr>
+              <a:t>https://github.com/gwannon</a:t>
+            </a:r>
+            <a:endParaRPr b="0" lang="es-ES" sz="1600" spc="-1" strike="noStrike">
+              <a:solidFill>
+                <a:srgbClr val="000000"/>
+              </a:solidFill>
+              <a:latin typeface="Arial"/>
+              <a:ea typeface="Noto Sans CJK SC"/>
+            </a:endParaRPr>
+          </a:p>
+          <a:p>
+            <a:pPr marL="360000">
+              <a:lnSpc>
+                <a:spcPct val="100000"/>
+              </a:lnSpc>
+              <a:spcBef>
+                <a:spcPts val="624"/>
+              </a:spcBef>
+              <a:spcAft>
+                <a:spcPts val="425"/>
+              </a:spcAft>
+              <a:buClr>
+                <a:srgbClr val="000000"/>
+              </a:buClr>
+              <a:buFont typeface="Wingdings" charset="2"/>
+              <a:buChar char=""/>
+            </a:pPr>
+            <a:r>
+              <a:rPr b="0" lang="es-ES" sz="1600" spc="-1" strike="noStrike">
+                <a:solidFill>
+                  <a:srgbClr val="000000"/>
+                </a:solidFill>
+                <a:latin typeface="Arial"/>
+                <a:hlinkClick r:id="rId3"/>
+              </a:rPr>
+              <a:t>https://codepen.io/gwannon</a:t>
+            </a:r>
+            <a:endParaRPr b="0" lang="es-ES" sz="1600" spc="-1" strike="noStrike">
+              <a:solidFill>
+                <a:srgbClr val="000000"/>
+              </a:solidFill>
+              <a:latin typeface="Arial"/>
+              <a:ea typeface="Noto Sans CJK SC"/>
+            </a:endParaRPr>
+          </a:p>
+          <a:p>
+            <a:pPr marL="360000">
+              <a:lnSpc>
+                <a:spcPct val="100000"/>
+              </a:lnSpc>
+              <a:spcBef>
+                <a:spcPts val="624"/>
+              </a:spcBef>
+              <a:spcAft>
+                <a:spcPts val="425"/>
+              </a:spcAft>
+              <a:buClr>
+                <a:srgbClr val="000000"/>
+              </a:buClr>
+              <a:buFont typeface="Wingdings" charset="2"/>
+              <a:buChar char=""/>
+            </a:pPr>
+            <a:r>
+              <a:rPr b="0" lang="es-ES" sz="1600" spc="-1" strike="noStrike">
+                <a:solidFill>
+                  <a:srgbClr val="000000"/>
+                </a:solidFill>
+                <a:latin typeface="Arial"/>
+                <a:hlinkClick r:id="rId4"/>
+              </a:rPr>
+              <a:t>https://www.linkedin.com/in/jorgemonclus/</a:t>
+            </a:r>
+            <a:endParaRPr b="0" lang="es-ES" sz="1600" spc="-1" strike="noStrike">
+              <a:solidFill>
+                <a:srgbClr val="000000"/>
+              </a:solidFill>
+              <a:latin typeface="Arial"/>
+              <a:ea typeface="Noto Sans CJK SC"/>
+            </a:endParaRPr>
+          </a:p>
+          <a:p>
+            <a:pPr marL="1080000" indent="0">
+              <a:lnSpc>
+                <a:spcPct val="100000"/>
+              </a:lnSpc>
+              <a:spcBef>
+                <a:spcPts val="1191"/>
+              </a:spcBef>
+              <a:spcAft>
+                <a:spcPts val="992"/>
+              </a:spcAft>
+              <a:buNone/>
+            </a:pPr>
+            <a:endParaRPr b="0" lang="es-ES" sz="1800" spc="-1" strike="noStrike">
+              <a:solidFill>
+                <a:srgbClr val="000000"/>
+              </a:solidFill>
+              <a:latin typeface="Arial"/>
+              <a:ea typeface="Noto Sans CJK SC"/>
+            </a:endParaRPr>
+          </a:p>
+          <a:p>
+            <a:pPr marL="1080000" indent="0">
+              <a:lnSpc>
+                <a:spcPct val="100000"/>
+              </a:lnSpc>
+              <a:spcBef>
+                <a:spcPts val="1191"/>
+              </a:spcBef>
+              <a:spcAft>
+                <a:spcPts val="992"/>
+              </a:spcAft>
+              <a:buNone/>
+            </a:pPr>
+            <a:endParaRPr b="0" lang="es-ES" sz="1800" spc="-1" strike="noStrike">
+              <a:solidFill>
+                <a:srgbClr val="000000"/>
+              </a:solidFill>
+              <a:latin typeface="Arial"/>
+              <a:ea typeface="Noto Sans CJK SC"/>
+            </a:endParaRPr>
+          </a:p>
+        </p:txBody>
+      </p:sp>
+      <p:sp>
+        <p:nvSpPr>
+          <p:cNvPr id="106" name="PlaceHolder 12"/>
+          <p:cNvSpPr txBox="1"/>
+          <p:nvPr/>
+        </p:nvSpPr>
+        <p:spPr>
+          <a:xfrm>
+            <a:off x="2340000" y="294120"/>
+            <a:ext cx="6490080" cy="520560"/>
+          </a:xfrm>
+          <a:prstGeom prst="rect">
+            <a:avLst/>
+          </a:prstGeom>
+          <a:noFill/>
+          <a:ln w="0">
+            <a:noFill/>
+          </a:ln>
+        </p:spPr>
+        <p:txBody>
+          <a:bodyPr tIns="91440" bIns="91440" anchor="t">
+            <a:normAutofit/>
+          </a:bodyPr>
+          <a:p>
+            <a:pPr algn="r">
+              <a:lnSpc>
+                <a:spcPct val="100000"/>
+              </a:lnSpc>
+              <a:tabLst>
+                <a:tab algn="l" pos="0"/>
+              </a:tabLst>
+            </a:pPr>
+            <a:r>
+              <a:rPr b="1" lang="es-ES" sz="1800" spc="-1" strike="noStrike">
+                <a:solidFill>
+                  <a:srgbClr val="174575"/>
+                </a:solidFill>
+                <a:latin typeface="Arial"/>
+              </a:rPr>
+              <a:t>Jorge Monclús</a:t>
+            </a:r>
+            <a:r>
+              <a:rPr b="0" lang="es-ES" sz="1800" spc="-1" strike="noStrike">
+                <a:solidFill>
+                  <a:srgbClr val="174575"/>
+                </a:solidFill>
+                <a:latin typeface="Arial"/>
+              </a:rPr>
+              <a:t> O=('-'Q)</a:t>
+            </a:r>
+            <a:endParaRPr b="0" lang="es-ES" sz="1800" spc="-1" strike="noStrike">
+              <a:solidFill>
+                <a:srgbClr val="000000"/>
+              </a:solidFill>
+              <a:latin typeface="Arial"/>
+            </a:endParaRPr>
+          </a:p>
+        </p:txBody>
+      </p:sp>
+    </p:spTree>
+  </p:cSld>
+  <mc:AlternateContent>
+    <mc:Choice Requires="p14">
+      <p:transition spd="slow" p14:dur="2000"/>
+    </mc:Choice>
+    <mc:Fallback>
+      <p:transition spd="slow"/>
+    </mc:Fallback>
+  </mc:AlternateContent>
+</p:sld>
+</file>
+
+<file path=ppt/slides/slide19.xml><?xml version="1.0" encoding="utf-8"?>
+<p:sld xmlns:a="http://schemas.openxmlformats.org/drawingml/2006/main" xmlns:p="http://schemas.openxmlformats.org/presentationml/2006/main" xmlns:r="http://schemas.openxmlformats.org/officeDocument/2006/relationships" xmlns:p14="http://schemas.microsoft.com/office/powerpoint/2010/main" xmlns:p15="http://schemas.microsoft.com/office/powerpoint/2012/main" xmlns:mc="http://schemas.openxmlformats.org/markup-compatibility/2006">
+  <p:cSld>
+    <p:spTree>
+      <p:nvGrpSpPr>
+        <p:cNvPr id="1" name=""/>
+        <p:cNvGrpSpPr/>
+        <p:nvPr/>
+      </p:nvGrpSpPr>
+      <p:grpSpPr>
+        <a:xfrm>
+          <a:off x="0" y="0"/>
+          <a:ext cx="0" cy="0"/>
+          <a:chOff x="0" y="0"/>
+          <a:chExt cx="0" cy="0"/>
+        </a:xfrm>
+      </p:grpSpPr>
+      <p:sp>
+        <p:nvSpPr>
+          <p:cNvPr id="107" name="PlaceHolder 1"/>
           <p:cNvSpPr>
             <a:spLocks noGrp="1"/>
           </p:cNvSpPr>
@@ -7019,7 +7774,7 @@
         <p:spPr>
           <a:xfrm>
             <a:off x="2340000" y="294120"/>
-            <a:ext cx="6490440" cy="520920"/>
+            <a:ext cx="6490080" cy="520560"/>
           </a:xfrm>
           <a:prstGeom prst="rect">
             <a:avLst/>
@@ -7050,7 +7805,7 @@
                 </a:solidFill>
                 <a:latin typeface="Arial"/>
               </a:rPr>
-              <a:t>Enlaces</a:t>
+              <a:t>Miscelánea</a:t>
             </a:r>
             <a:r>
               <a:rPr b="0" lang="es-ES" sz="1800" spc="-1" strike="noStrike">
@@ -7072,7 +7827,7 @@
       </p:sp>
       <p:sp>
         <p:nvSpPr>
-          <p:cNvPr id="102" name="PlaceHolder 2"/>
+          <p:cNvPr id="108" name="PlaceHolder 2"/>
           <p:cNvSpPr>
             <a:spLocks noGrp="1"/>
           </p:cNvSpPr>
@@ -7082,8 +7837,8 @@
         </p:nvSpPr>
         <p:spPr>
           <a:xfrm>
-            <a:off x="311760" y="1461600"/>
-            <a:ext cx="8518680" cy="3116520"/>
+            <a:off x="311760" y="1080000"/>
+            <a:ext cx="8518320" cy="3497760"/>
           </a:xfrm>
           <a:prstGeom prst="rect">
             <a:avLst/>
@@ -7099,16 +7854,373 @@
           </a:bodyPr>
           <a:p>
             <a:pPr indent="0">
-              <a:spcBef>
-                <a:spcPts val="1417"/>
-              </a:spcBef>
+              <a:lnSpc>
+                <a:spcPct val="100000"/>
+              </a:lnSpc>
+              <a:spcBef>
+                <a:spcPts val="340"/>
+              </a:spcBef>
+              <a:spcAft>
+                <a:spcPts val="142"/>
+              </a:spcAft>
               <a:buNone/>
             </a:pPr>
+            <a:r>
+              <a:rPr b="1" lang="es-ES" sz="1800" spc="-1" strike="noStrike">
+                <a:solidFill>
+                  <a:srgbClr val="000000"/>
+                </a:solidFill>
+                <a:latin typeface="Arial"/>
+              </a:rPr>
+              <a:t>Enlaces</a:t>
+            </a:r>
             <a:endParaRPr b="0" lang="es-ES" sz="1800" spc="-1" strike="noStrike">
               <a:solidFill>
                 <a:srgbClr val="000000"/>
               </a:solidFill>
               <a:latin typeface="Arial"/>
+              <a:ea typeface="Noto Sans CJK SC"/>
+            </a:endParaRPr>
+          </a:p>
+          <a:p>
+            <a:pPr marL="360000">
+              <a:lnSpc>
+                <a:spcPct val="100000"/>
+              </a:lnSpc>
+              <a:spcBef>
+                <a:spcPts val="907"/>
+              </a:spcBef>
+              <a:spcAft>
+                <a:spcPts val="709"/>
+              </a:spcAft>
+              <a:buClr>
+                <a:srgbClr val="000000"/>
+              </a:buClr>
+              <a:buFont typeface="Wingdings" charset="2"/>
+              <a:buChar char=""/>
+            </a:pPr>
+            <a:r>
+              <a:rPr b="1" lang="es-ES" sz="1000" spc="-1" strike="noStrike">
+                <a:solidFill>
+                  <a:srgbClr val="000000"/>
+                </a:solidFill>
+                <a:latin typeface="Arial"/>
+                <a:ea typeface="Noto Sans CJK SC"/>
+                <a:hlinkClick r:id="rId1"/>
+              </a:rPr>
+              <a:t>Ponencia</a:t>
+            </a:r>
+            <a:r>
+              <a:rPr b="1" lang="es-ES" sz="1000" spc="-1" strike="noStrike">
+                <a:solidFill>
+                  <a:srgbClr val="000000"/>
+                </a:solidFill>
+                <a:latin typeface="Arial"/>
+                <a:ea typeface="Noto Sans CJK SC"/>
+              </a:rPr>
+              <a:t>:</a:t>
+            </a:r>
+            <a:r>
+              <a:rPr b="0" lang="es-ES" sz="1000" spc="-1" strike="noStrike">
+                <a:solidFill>
+                  <a:srgbClr val="000000"/>
+                </a:solidFill>
+                <a:latin typeface="Arial"/>
+                <a:ea typeface="Noto Sans CJK SC"/>
+              </a:rPr>
+              <a:t> Todo el código fuente de la ponencia para que puedas usarlo como quieras. https://github.com/gwannon/WordCampBilbao2025</a:t>
+            </a:r>
+            <a:endParaRPr b="0" lang="es-ES" sz="1000" spc="-1" strike="noStrike">
+              <a:solidFill>
+                <a:srgbClr val="000000"/>
+              </a:solidFill>
+              <a:latin typeface="Arial"/>
+              <a:ea typeface="Noto Sans CJK SC"/>
+            </a:endParaRPr>
+          </a:p>
+          <a:p>
+            <a:pPr indent="0">
+              <a:lnSpc>
+                <a:spcPct val="100000"/>
+              </a:lnSpc>
+              <a:spcBef>
+                <a:spcPts val="340"/>
+              </a:spcBef>
+              <a:spcAft>
+                <a:spcPts val="142"/>
+              </a:spcAft>
+              <a:buNone/>
+            </a:pPr>
+            <a:r>
+              <a:rPr b="1" lang="es-ES" sz="1800" spc="-1" strike="noStrike">
+                <a:solidFill>
+                  <a:srgbClr val="000000"/>
+                </a:solidFill>
+                <a:latin typeface="Arial"/>
+              </a:rPr>
+              <a:t>Plugins</a:t>
+            </a:r>
+            <a:endParaRPr b="0" lang="es-ES" sz="1800" spc="-1" strike="noStrike">
+              <a:solidFill>
+                <a:srgbClr val="000000"/>
+              </a:solidFill>
+              <a:latin typeface="Arial"/>
+              <a:ea typeface="Noto Sans CJK SC"/>
+            </a:endParaRPr>
+          </a:p>
+          <a:p>
+            <a:pPr marL="360000">
+              <a:lnSpc>
+                <a:spcPct val="100000"/>
+              </a:lnSpc>
+              <a:spcBef>
+                <a:spcPts val="340"/>
+              </a:spcBef>
+              <a:spcAft>
+                <a:spcPts val="142"/>
+              </a:spcAft>
+              <a:buClr>
+                <a:srgbClr val="000000"/>
+              </a:buClr>
+              <a:buFont typeface="Wingdings" charset="2"/>
+              <a:buChar char=""/>
+            </a:pPr>
+            <a:r>
+              <a:rPr b="1" lang="es-ES" sz="1000" spc="-1" strike="noStrike">
+                <a:solidFill>
+                  <a:srgbClr val="000000"/>
+                </a:solidFill>
+                <a:latin typeface="Arial"/>
+                <a:ea typeface="Noto Sans CJK SC"/>
+                <a:hlinkClick r:id="rId2"/>
+              </a:rPr>
+              <a:t>FormsCRM</a:t>
+            </a:r>
+            <a:r>
+              <a:rPr b="1" lang="es-ES" sz="1000" spc="-1" strike="noStrike">
+                <a:solidFill>
+                  <a:srgbClr val="000000"/>
+                </a:solidFill>
+                <a:latin typeface="Arial"/>
+                <a:ea typeface="Noto Sans CJK SC"/>
+              </a:rPr>
+              <a:t>:</a:t>
+            </a:r>
+            <a:r>
+              <a:rPr b="0" lang="es-ES" sz="1000" spc="-1" strike="noStrike">
+                <a:solidFill>
+                  <a:srgbClr val="000000"/>
+                </a:solidFill>
+                <a:latin typeface="Arial"/>
+                <a:ea typeface="Noto Sans CJK SC"/>
+              </a:rPr>
+              <a:t> Plugin gratuito que permite hacer una conexión entre varios plugins de formularios como «Contact Form 7» o «WP Forms» y CRM como «Holded» o «Clientify». </a:t>
+            </a:r>
+            <a:r>
+              <a:rPr b="0" lang="es-ES" sz="1000" spc="-1" strike="noStrike">
+                <a:solidFill>
+                  <a:srgbClr val="000000"/>
+                </a:solidFill>
+                <a:latin typeface="Arial"/>
+                <a:ea typeface="Noto Sans CJK SC"/>
+                <a:hlinkClick r:id="rId3"/>
+              </a:rPr>
+              <a:t>https://es.wordpress.org/plugins/formscrm/</a:t>
+            </a:r>
+            <a:endParaRPr b="0" lang="es-ES" sz="1000" spc="-1" strike="noStrike">
+              <a:solidFill>
+                <a:srgbClr val="000000"/>
+              </a:solidFill>
+              <a:latin typeface="Arial"/>
+              <a:ea typeface="Noto Sans CJK SC"/>
+            </a:endParaRPr>
+          </a:p>
+          <a:p>
+            <a:pPr marL="360000">
+              <a:lnSpc>
+                <a:spcPct val="100000"/>
+              </a:lnSpc>
+              <a:spcBef>
+                <a:spcPts val="907"/>
+              </a:spcBef>
+              <a:spcAft>
+                <a:spcPts val="709"/>
+              </a:spcAft>
+              <a:buClr>
+                <a:srgbClr val="000000"/>
+              </a:buClr>
+              <a:buFont typeface="Wingdings" charset="2"/>
+              <a:buChar char=""/>
+            </a:pPr>
+            <a:r>
+              <a:rPr b="1" lang="es-ES" sz="1000" spc="-1" strike="noStrike">
+                <a:solidFill>
+                  <a:srgbClr val="000000"/>
+                </a:solidFill>
+                <a:latin typeface="Arial"/>
+                <a:ea typeface="Noto Sans CJK SC"/>
+                <a:hlinkClick r:id="rId4"/>
+              </a:rPr>
+              <a:t>Add-on de Gravity Forms para Active Campaign</a:t>
+            </a:r>
+            <a:r>
+              <a:rPr b="0" lang="es-ES" sz="1000" spc="-1" strike="noStrike">
+                <a:solidFill>
+                  <a:srgbClr val="000000"/>
+                </a:solidFill>
+                <a:latin typeface="Arial"/>
+                <a:ea typeface="Noto Sans CJK SC"/>
+              </a:rPr>
+              <a:t>: Add-on para Gravity Forms que conecta tus formularios con Active Campaign y tiene bastantes opciones de conexión. https://www.activecampaign.com/apps/gravity-forms-integration</a:t>
+            </a:r>
+            <a:endParaRPr b="0" lang="es-ES" sz="1000" spc="-1" strike="noStrike">
+              <a:solidFill>
+                <a:srgbClr val="000000"/>
+              </a:solidFill>
+              <a:latin typeface="Arial"/>
+              <a:ea typeface="Noto Sans CJK SC"/>
+            </a:endParaRPr>
+          </a:p>
+          <a:p>
+            <a:pPr indent="0">
+              <a:lnSpc>
+                <a:spcPct val="100000"/>
+              </a:lnSpc>
+              <a:spcBef>
+                <a:spcPts val="340"/>
+              </a:spcBef>
+              <a:spcAft>
+                <a:spcPts val="142"/>
+              </a:spcAft>
+              <a:buNone/>
+            </a:pPr>
+            <a:r>
+              <a:rPr b="1" lang="es-ES" sz="1800" spc="-1" strike="noStrike">
+                <a:solidFill>
+                  <a:srgbClr val="000000"/>
+                </a:solidFill>
+                <a:latin typeface="Arial"/>
+              </a:rPr>
+              <a:t>Librerías</a:t>
+            </a:r>
+            <a:endParaRPr b="0" lang="es-ES" sz="1800" spc="-1" strike="noStrike">
+              <a:solidFill>
+                <a:srgbClr val="000000"/>
+              </a:solidFill>
+              <a:latin typeface="Arial"/>
+              <a:ea typeface="Noto Sans CJK SC"/>
+            </a:endParaRPr>
+          </a:p>
+          <a:p>
+            <a:pPr marL="360000">
+              <a:lnSpc>
+                <a:spcPct val="100000"/>
+              </a:lnSpc>
+              <a:spcBef>
+                <a:spcPts val="907"/>
+              </a:spcBef>
+              <a:spcAft>
+                <a:spcPts val="709"/>
+              </a:spcAft>
+              <a:buClr>
+                <a:srgbClr val="000000"/>
+              </a:buClr>
+              <a:buFont typeface="Wingdings" charset="2"/>
+              <a:buChar char=""/>
+            </a:pPr>
+            <a:r>
+              <a:rPr b="1" lang="es-ES" sz="1000" spc="-1" strike="noStrike">
+                <a:solidFill>
+                  <a:srgbClr val="000000"/>
+                </a:solidFill>
+                <a:latin typeface="Arial"/>
+                <a:ea typeface="Noto Sans CJK SC"/>
+                <a:hlinkClick r:id="rId5"/>
+              </a:rPr>
+              <a:t>PHPClientifyAPI</a:t>
+            </a:r>
+            <a:r>
+              <a:rPr b="1" lang="es-ES" sz="1000" spc="-1" strike="noStrike">
+                <a:solidFill>
+                  <a:srgbClr val="000000"/>
+                </a:solidFill>
+                <a:latin typeface="Arial"/>
+                <a:ea typeface="Noto Sans CJK SC"/>
+              </a:rPr>
+              <a:t>:</a:t>
+            </a:r>
+            <a:r>
+              <a:rPr b="0" lang="es-ES" sz="1000" spc="-1" strike="noStrike">
+                <a:solidFill>
+                  <a:srgbClr val="000000"/>
+                </a:solidFill>
+                <a:latin typeface="Arial"/>
+                <a:ea typeface="Noto Sans CJK SC"/>
+              </a:rPr>
+              <a:t> Clase de PHP para manejar los contactos del CRM de Clientify. https://github.com/gwannon/PHPClientifyAPI</a:t>
+            </a:r>
+            <a:endParaRPr b="0" lang="es-ES" sz="1000" spc="-1" strike="noStrike">
+              <a:solidFill>
+                <a:srgbClr val="000000"/>
+              </a:solidFill>
+              <a:latin typeface="Arial"/>
+              <a:ea typeface="Noto Sans CJK SC"/>
+            </a:endParaRPr>
+          </a:p>
+          <a:p>
+            <a:pPr marL="360000">
+              <a:lnSpc>
+                <a:spcPct val="100000"/>
+              </a:lnSpc>
+              <a:spcBef>
+                <a:spcPts val="907"/>
+              </a:spcBef>
+              <a:spcAft>
+                <a:spcPts val="709"/>
+              </a:spcAft>
+              <a:buClr>
+                <a:srgbClr val="000000"/>
+              </a:buClr>
+              <a:buFont typeface="Wingdings" charset="2"/>
+              <a:buChar char=""/>
+            </a:pPr>
+            <a:r>
+              <a:rPr b="1" lang="es-ES" sz="1000" spc="-1" strike="noStrike">
+                <a:solidFill>
+                  <a:srgbClr val="000000"/>
+                </a:solidFill>
+                <a:latin typeface="Arial"/>
+                <a:ea typeface="Noto Sans CJK SC"/>
+                <a:hlinkClick r:id="rId6"/>
+              </a:rPr>
+              <a:t>PHPActiveCampaignAPI</a:t>
+            </a:r>
+            <a:r>
+              <a:rPr b="1" lang="es-ES" sz="1000" spc="-1" strike="noStrike">
+                <a:solidFill>
+                  <a:srgbClr val="000000"/>
+                </a:solidFill>
+                <a:latin typeface="Arial"/>
+                <a:ea typeface="Noto Sans CJK SC"/>
+              </a:rPr>
+              <a:t>:</a:t>
+            </a:r>
+            <a:r>
+              <a:rPr b="0" lang="es-ES" sz="1000" spc="-1" strike="noStrike">
+                <a:solidFill>
+                  <a:srgbClr val="000000"/>
+                </a:solidFill>
+                <a:latin typeface="Arial"/>
+                <a:ea typeface="Noto Sans CJK SC"/>
+              </a:rPr>
+              <a:t> Clase de PHP para manejar contactos del CRM a ActiveCampaign https://github.com/gwannon/PHPActiveCampaignAPI</a:t>
+            </a:r>
+            <a:endParaRPr b="0" lang="es-ES" sz="1000" spc="-1" strike="noStrike">
+              <a:solidFill>
+                <a:srgbClr val="000000"/>
+              </a:solidFill>
+              <a:latin typeface="Arial"/>
+              <a:ea typeface="Noto Sans CJK SC"/>
             </a:endParaRPr>
           </a:p>
         </p:txBody>
@@ -7156,7 +8268,7 @@
         <p:spPr>
           <a:xfrm>
             <a:off x="311760" y="815760"/>
-            <a:ext cx="8518680" cy="520920"/>
+            <a:ext cx="8518320" cy="520560"/>
           </a:xfrm>
           <a:prstGeom prst="rect">
             <a:avLst/>
@@ -7207,7 +8319,7 @@
         <p:spPr>
           <a:xfrm>
             <a:off x="299880" y="1440000"/>
-            <a:ext cx="8518680" cy="1978560"/>
+            <a:ext cx="8518320" cy="1978200"/>
           </a:xfrm>
           <a:prstGeom prst="rect">
             <a:avLst/>
@@ -7299,8 +8411,8 @@
         </p:blipFill>
         <p:spPr>
           <a:xfrm rot="20467200">
-            <a:off x="2738520" y="3563640"/>
-            <a:ext cx="1073160" cy="1078560"/>
+            <a:off x="2738160" y="3563640"/>
+            <a:ext cx="1072800" cy="1078200"/>
           </a:xfrm>
           <a:prstGeom prst="rect">
             <a:avLst/>
@@ -7322,8 +8434,8 @@
         </p:blipFill>
         <p:spPr>
           <a:xfrm rot="1380000">
-            <a:off x="4474800" y="3735720"/>
-            <a:ext cx="1156680" cy="933120"/>
+            <a:off x="4474800" y="3735360"/>
+            <a:ext cx="1156320" cy="932760"/>
           </a:xfrm>
           <a:prstGeom prst="rect">
             <a:avLst/>
@@ -7376,7 +8488,7 @@
         <p:spPr>
           <a:xfrm>
             <a:off x="480600" y="198360"/>
-            <a:ext cx="8518680" cy="520920"/>
+            <a:ext cx="8518320" cy="520560"/>
           </a:xfrm>
           <a:prstGeom prst="rect">
             <a:avLst/>
@@ -7440,7 +8552,7 @@
         <p:spPr>
           <a:xfrm>
             <a:off x="311760" y="900000"/>
-            <a:ext cx="6526800" cy="3419280"/>
+            <a:ext cx="6526440" cy="3418920"/>
           </a:xfrm>
           <a:prstGeom prst="rect">
             <a:avLst/>
@@ -7646,7 +8758,7 @@
         <p:spPr>
           <a:xfrm>
             <a:off x="6847560" y="1980000"/>
-            <a:ext cx="531720" cy="531720"/>
+            <a:ext cx="531360" cy="531360"/>
           </a:xfrm>
           <a:prstGeom prst="rect">
             <a:avLst/>
@@ -7669,7 +8781,7 @@
         <p:spPr>
           <a:xfrm>
             <a:off x="7552800" y="1944720"/>
-            <a:ext cx="541080" cy="538560"/>
+            <a:ext cx="540720" cy="538200"/>
           </a:xfrm>
           <a:prstGeom prst="rect">
             <a:avLst/>
@@ -7692,7 +8804,7 @@
         <p:spPr>
           <a:xfrm>
             <a:off x="8272800" y="1944720"/>
-            <a:ext cx="538560" cy="538560"/>
+            <a:ext cx="538200" cy="538200"/>
           </a:xfrm>
           <a:prstGeom prst="rect">
             <a:avLst/>
@@ -7715,7 +8827,7 @@
         <p:spPr>
           <a:xfrm>
             <a:off x="6847920" y="2700000"/>
-            <a:ext cx="531360" cy="531360"/>
+            <a:ext cx="531000" cy="531000"/>
           </a:xfrm>
           <a:prstGeom prst="rect">
             <a:avLst/>
@@ -7738,7 +8850,7 @@
         <p:spPr>
           <a:xfrm>
             <a:off x="7560000" y="2707920"/>
-            <a:ext cx="531360" cy="531360"/>
+            <a:ext cx="531000" cy="531000"/>
           </a:xfrm>
           <a:prstGeom prst="rect">
             <a:avLst/>
@@ -7761,7 +8873,7 @@
         <p:spPr>
           <a:xfrm>
             <a:off x="8272800" y="2700720"/>
-            <a:ext cx="531360" cy="531360"/>
+            <a:ext cx="531000" cy="531000"/>
           </a:xfrm>
           <a:prstGeom prst="rect">
             <a:avLst/>
@@ -7784,7 +8896,7 @@
         <p:spPr>
           <a:xfrm>
             <a:off x="3600000" y="1980000"/>
-            <a:ext cx="1979280" cy="1259280"/>
+            <a:ext cx="1978920" cy="1258920"/>
           </a:xfrm>
           <a:prstGeom prst="rect">
             <a:avLst/>
@@ -7939,7 +9051,7 @@
         <p:spPr>
           <a:xfrm>
             <a:off x="300600" y="198360"/>
-            <a:ext cx="8518680" cy="520920"/>
+            <a:ext cx="8518320" cy="520560"/>
           </a:xfrm>
           <a:prstGeom prst="rect">
             <a:avLst/>
@@ -8018,7 +9130,7 @@
         <p:spPr>
           <a:xfrm>
             <a:off x="300600" y="1001160"/>
-            <a:ext cx="8518680" cy="3318120"/>
+            <a:ext cx="8518320" cy="3317760"/>
           </a:xfrm>
           <a:prstGeom prst="rect">
             <a:avLst/>
@@ -8391,7 +9503,7 @@
         <p:spPr>
           <a:xfrm>
             <a:off x="360000" y="198360"/>
-            <a:ext cx="8518680" cy="520920"/>
+            <a:ext cx="8518320" cy="520560"/>
           </a:xfrm>
           <a:prstGeom prst="rect">
             <a:avLst/>
@@ -8461,7 +9573,7 @@
         <p:spPr>
           <a:xfrm>
             <a:off x="300600" y="1080000"/>
-            <a:ext cx="8518680" cy="3116520"/>
+            <a:ext cx="8518320" cy="3116160"/>
           </a:xfrm>
           <a:prstGeom prst="rect">
             <a:avLst/>
@@ -8885,7 +9997,7 @@
         <p:spPr>
           <a:xfrm>
             <a:off x="311760" y="815760"/>
-            <a:ext cx="8518680" cy="520920"/>
+            <a:ext cx="8518320" cy="520560"/>
           </a:xfrm>
           <a:prstGeom prst="rect">
             <a:avLst/>
@@ -8973,7 +10085,7 @@
         <p:spPr>
           <a:xfrm>
             <a:off x="311760" y="1260000"/>
-            <a:ext cx="8518680" cy="1417680"/>
+            <a:ext cx="8518320" cy="1417320"/>
           </a:xfrm>
           <a:prstGeom prst="rect">
             <a:avLst/>
@@ -9101,7 +10213,7 @@
         <p:spPr>
           <a:xfrm>
             <a:off x="120600" y="2690640"/>
-            <a:ext cx="8518680" cy="520920"/>
+            <a:ext cx="8518320" cy="520560"/>
           </a:xfrm>
           <a:prstGeom prst="rect">
             <a:avLst/>
@@ -9198,7 +10310,7 @@
         <p:spPr>
           <a:xfrm>
             <a:off x="270000" y="3060000"/>
-            <a:ext cx="8518680" cy="1439280"/>
+            <a:ext cx="8518320" cy="1438920"/>
           </a:xfrm>
           <a:prstGeom prst="rect">
             <a:avLst/>
@@ -9374,7 +10486,7 @@
         <p:spPr>
           <a:xfrm>
             <a:off x="2340000" y="198360"/>
-            <a:ext cx="6538680" cy="520920"/>
+            <a:ext cx="6538320" cy="520560"/>
           </a:xfrm>
           <a:prstGeom prst="rect">
             <a:avLst/>
@@ -9474,7 +10586,7 @@
         <p:spPr>
           <a:xfrm>
             <a:off x="311760" y="815760"/>
-            <a:ext cx="8518680" cy="520920"/>
+            <a:ext cx="8518320" cy="520560"/>
           </a:xfrm>
           <a:prstGeom prst="rect">
             <a:avLst/>
@@ -9534,7 +10646,7 @@
         <p:spPr>
           <a:xfrm>
             <a:off x="360000" y="1260000"/>
-            <a:ext cx="3779280" cy="2879280"/>
+            <a:ext cx="5400000" cy="2160000"/>
           </a:xfrm>
           <a:prstGeom prst="rect">
             <a:avLst/>
@@ -9568,7 +10680,30 @@
                 <a:latin typeface="Arial"/>
                 <a:ea typeface="DejaVu Sans"/>
               </a:rPr>
-              <a:t>Todos los enlaces en LinkedIn tienen unos parámetros «UTM» que les marca como que vienen de LinkedIn. Si el código detecta un usuario que visita una página tiene esos parámetros «UTM», le mete una etiqueta «usuario-linkedin». </a:t>
+              <a:t>Todos los enlaces en LinkedIn tienen unos parámetros «UTM» que les marca como que vienen de LinkedIn. Si el código detecta un usuario que visita una página tiene esos parámetros «UTM», le mete una etiqueta «usuario-linkedin».</a:t>
+            </a:r>
+            <a:endParaRPr b="0" lang="es-ES" sz="1400" spc="-1" strike="noStrike">
+              <a:solidFill>
+                <a:srgbClr val="000000"/>
+              </a:solidFill>
+              <a:latin typeface="Arial"/>
+            </a:endParaRPr>
+          </a:p>
+          <a:p>
+            <a:pPr>
+              <a:lnSpc>
+                <a:spcPct val="100000"/>
+              </a:lnSpc>
+            </a:pPr>
+            <a:r>
+              <a:rPr b="0" lang="es-ES" sz="1400" spc="-1" strike="noStrike">
+                <a:solidFill>
+                  <a:srgbClr val="000000"/>
+                </a:solidFill>
+                <a:latin typeface="Arial"/>
+                <a:ea typeface="DejaVu Sans"/>
+              </a:rPr>
+              <a:t> </a:t>
             </a:r>
             <a:endParaRPr b="0" lang="es-ES" sz="1400" spc="-1" strike="noStrike">
               <a:solidFill>
@@ -9615,7 +10750,7 @@
         <p:spPr>
           <a:xfrm>
             <a:off x="2340360" y="198720"/>
-            <a:ext cx="6538680" cy="520920"/>
+            <a:ext cx="6538320" cy="520560"/>
           </a:xfrm>
           <a:prstGeom prst="rect">
             <a:avLst/>
@@ -9684,8 +10819,31 @@
         </p:blipFill>
         <p:spPr>
           <a:xfrm>
-            <a:off x="5040000" y="1383120"/>
-            <a:ext cx="3621240" cy="1524600"/>
+            <a:off x="5940000" y="1336320"/>
+            <a:ext cx="2792880" cy="2318760"/>
+          </a:xfrm>
+          <a:prstGeom prst="rect">
+            <a:avLst/>
+          </a:prstGeom>
+          <a:ln w="0">
+            <a:noFill/>
+          </a:ln>
+        </p:spPr>
+      </p:pic>
+      <p:pic>
+        <p:nvPicPr>
+          <p:cNvPr id="73" name="" descr=""/>
+          <p:cNvPicPr/>
+          <p:nvPr/>
+        </p:nvPicPr>
+        <p:blipFill>
+          <a:blip r:embed="rId2"/>
+          <a:stretch/>
+        </p:blipFill>
+        <p:spPr>
+          <a:xfrm>
+            <a:off x="3060000" y="3240000"/>
+            <a:ext cx="3620880" cy="1524240"/>
           </a:xfrm>
           <a:prstGeom prst="rect">
             <a:avLst/>
@@ -9727,7 +10885,7 @@
       </p:grpSpPr>
       <p:sp>
         <p:nvSpPr>
-          <p:cNvPr id="73" name="PlaceHolder 1"/>
+          <p:cNvPr id="74" name="PlaceHolder 1"/>
           <p:cNvSpPr>
             <a:spLocks noGrp="1"/>
           </p:cNvSpPr>
@@ -9738,7 +10896,7 @@
         <p:spPr>
           <a:xfrm>
             <a:off x="2328840" y="294120"/>
-            <a:ext cx="6490440" cy="520920"/>
+            <a:ext cx="6490080" cy="520560"/>
           </a:xfrm>
           <a:prstGeom prst="rect">
             <a:avLst/>
@@ -9797,7 +10955,7 @@
       </p:sp>
       <p:sp>
         <p:nvSpPr>
-          <p:cNvPr id="74" name="PlaceHolder 2"/>
+          <p:cNvPr id="75" name="PlaceHolder 2"/>
           <p:cNvSpPr>
             <a:spLocks noGrp="1"/>
           </p:cNvSpPr>
@@ -9808,7 +10966,7 @@
         <p:spPr>
           <a:xfrm>
             <a:off x="311760" y="1461600"/>
-            <a:ext cx="5087520" cy="3116520"/>
+            <a:ext cx="4728240" cy="3116160"/>
           </a:xfrm>
           <a:prstGeom prst="rect">
             <a:avLst/>
@@ -9845,7 +11003,25 @@
                 </a:solidFill>
                 <a:latin typeface="Arial"/>
               </a:rPr>
-              <a:t>La forma más común de conexión entre WordPress y Un CRM es mediante formularios. Está conexión se puede hacer mediante diferentes formas.</a:t>
+              <a:t>La forma más común de conexión entre WordPress y Un CRM es </a:t>
+            </a:r>
+            <a:r>
+              <a:rPr b="1" lang="es-ES" sz="1800" spc="-1" strike="noStrike">
+                <a:solidFill>
+                  <a:srgbClr val="000000"/>
+                </a:solidFill>
+                <a:latin typeface="Arial"/>
+              </a:rPr>
+              <a:t>mediante formularios</a:t>
+            </a:r>
+            <a:r>
+              <a:rPr b="0" lang="es-ES" sz="1800" spc="-1" strike="noStrike">
+                <a:solidFill>
+                  <a:srgbClr val="000000"/>
+                </a:solidFill>
+                <a:latin typeface="Arial"/>
+              </a:rPr>
+              <a:t>. Está conexión se puede hacer mediante diferentes formas.</a:t>
             </a:r>
             <a:endParaRPr b="0" lang="es-ES" sz="1800" spc="-1" strike="noStrike">
               <a:solidFill>
@@ -10000,6 +11176,29 @@
           </a:p>
         </p:txBody>
       </p:sp>
+      <p:pic>
+        <p:nvPicPr>
+          <p:cNvPr id="76" name="" descr=""/>
+          <p:cNvPicPr/>
+          <p:nvPr/>
+        </p:nvPicPr>
+        <p:blipFill>
+          <a:blip r:embed="rId1"/>
+          <a:stretch/>
+        </p:blipFill>
+        <p:spPr>
+          <a:xfrm>
+            <a:off x="5188320" y="937800"/>
+            <a:ext cx="3600000" cy="3819240"/>
+          </a:xfrm>
+          <a:prstGeom prst="rect">
+            <a:avLst/>
+          </a:prstGeom>
+          <a:ln w="0">
+            <a:noFill/>
+          </a:ln>
+        </p:spPr>
+      </p:pic>
     </p:spTree>
   </p:cSld>
   <mc:AlternateContent>
@@ -10032,7 +11231,7 @@
       </p:grpSpPr>
       <p:sp>
         <p:nvSpPr>
-          <p:cNvPr id="75" name="PlaceHolder 1"/>
+          <p:cNvPr id="77" name="PlaceHolder 1"/>
           <p:cNvSpPr>
             <a:spLocks noGrp="1"/>
           </p:cNvSpPr>
@@ -10043,7 +11242,7 @@
         <p:spPr>
           <a:xfrm>
             <a:off x="311760" y="815760"/>
-            <a:ext cx="8518680" cy="520920"/>
+            <a:ext cx="8518320" cy="520560"/>
           </a:xfrm>
           <a:prstGeom prst="rect">
             <a:avLst/>
@@ -10104,7 +11303,7 @@
       </p:sp>
       <p:sp>
         <p:nvSpPr>
-          <p:cNvPr id="76" name="PlaceHolder 2"/>
+          <p:cNvPr id="78" name="PlaceHolder 2"/>
           <p:cNvSpPr>
             <a:spLocks noGrp="1"/>
           </p:cNvSpPr>
@@ -10115,7 +11314,7 @@
         <p:spPr>
           <a:xfrm>
             <a:off x="311760" y="1337400"/>
-            <a:ext cx="8518680" cy="3240720"/>
+            <a:ext cx="8518320" cy="3240360"/>
           </a:xfrm>
           <a:prstGeom prst="rect">
             <a:avLst/>
@@ -10504,7 +11703,7 @@
       </p:sp>
       <p:sp>
         <p:nvSpPr>
-          <p:cNvPr id="77" name="PlaceHolder 3"/>
+          <p:cNvPr id="79" name="PlaceHolder 3"/>
           <p:cNvSpPr>
             <a:spLocks noGrp="1"/>
           </p:cNvSpPr>
@@ -10515,7 +11714,7 @@
         <p:spPr>
           <a:xfrm>
             <a:off x="2329200" y="294480"/>
-            <a:ext cx="6490440" cy="520920"/>
+            <a:ext cx="6490080" cy="520560"/>
           </a:xfrm>
           <a:prstGeom prst="rect">
             <a:avLst/>

--- a/WCBIO25_Jorge-Monclus.pptx
+++ b/WCBIO25_Jorge-Monclus.pptx
@@ -32,6 +32,7 @@
     <p:sldId id="272" r:id="rId27"/>
     <p:sldId id="273" r:id="rId28"/>
     <p:sldId id="274" r:id="rId29"/>
+    <p:sldId id="275" r:id="rId30"/>
   </p:sldIdLst>
   <p:sldSz cx="9144000" cy="5143500"/>
   <p:notesSz cx="7559675" cy="10691813"/>
@@ -68,7 +69,7 @@
         <p:spPr>
           <a:xfrm>
             <a:off x="311760" y="764280"/>
-            <a:ext cx="8518320" cy="625320"/>
+            <a:ext cx="8517600" cy="625320"/>
           </a:xfrm>
           <a:prstGeom prst="rect">
             <a:avLst/>
@@ -108,7 +109,7 @@
         <p:spPr>
           <a:xfrm>
             <a:off x="311760" y="1461600"/>
-            <a:ext cx="8518320" cy="3116160"/>
+            <a:ext cx="8517600" cy="3115440"/>
           </a:xfrm>
           <a:prstGeom prst="rect">
             <a:avLst/>
@@ -152,7 +153,7 @@
         <p:txBody>
           <a:bodyPr/>
           <a:p>
-            <a:fld id="{B3F56EBC-B126-4CFD-944A-52540C846A37}" type="slidenum">
+            <a:fld id="{5007751E-2ADE-4893-B4F9-3C34E4882DE8}" type="slidenum">
               <a:t>&lt;#&gt;</a:t>
             </a:fld>
           </a:p>
@@ -193,7 +194,7 @@
         <p:spPr>
           <a:xfrm>
             <a:off x="311760" y="764280"/>
-            <a:ext cx="8518320" cy="625320"/>
+            <a:ext cx="8517600" cy="625320"/>
           </a:xfrm>
           <a:prstGeom prst="rect">
             <a:avLst/>
@@ -233,7 +234,7 @@
         <p:spPr>
           <a:xfrm>
             <a:off x="311760" y="1461600"/>
-            <a:ext cx="8518320" cy="3116160"/>
+            <a:ext cx="8517600" cy="3115440"/>
           </a:xfrm>
           <a:prstGeom prst="rect">
             <a:avLst/>
@@ -277,7 +278,7 @@
         <p:txBody>
           <a:bodyPr/>
           <a:p>
-            <a:fld id="{6F16E10A-59E4-4B3B-A4D0-47991DCC32EF}" type="slidenum">
+            <a:fld id="{1A5BF8A5-FCFE-4CE8-9938-3304F60168E9}" type="slidenum">
               <a:t>&lt;#&gt;</a:t>
             </a:fld>
           </a:p>
@@ -318,7 +319,7 @@
         <p:spPr>
           <a:xfrm>
             <a:off x="311760" y="764280"/>
-            <a:ext cx="8518320" cy="625320"/>
+            <a:ext cx="8517600" cy="625320"/>
           </a:xfrm>
           <a:prstGeom prst="rect">
             <a:avLst/>
@@ -358,7 +359,7 @@
         <p:spPr>
           <a:xfrm>
             <a:off x="311760" y="1461600"/>
-            <a:ext cx="8518320" cy="3116160"/>
+            <a:ext cx="8517600" cy="3115440"/>
           </a:xfrm>
           <a:prstGeom prst="rect">
             <a:avLst/>
@@ -402,7 +403,7 @@
         <p:txBody>
           <a:bodyPr/>
           <a:p>
-            <a:fld id="{8D4305BB-BF30-4A90-9398-F7B4D93B367B}" type="slidenum">
+            <a:fld id="{D789FF99-9555-4A30-832E-8AEDCD8A5AA8}" type="slidenum">
               <a:t>&lt;#&gt;</a:t>
             </a:fld>
           </a:p>
@@ -443,7 +444,7 @@
         <p:spPr>
           <a:xfrm>
             <a:off x="311760" y="764280"/>
-            <a:ext cx="8518320" cy="625320"/>
+            <a:ext cx="8517600" cy="625320"/>
           </a:xfrm>
           <a:prstGeom prst="rect">
             <a:avLst/>
@@ -483,7 +484,7 @@
         <p:spPr>
           <a:xfrm>
             <a:off x="311760" y="1461600"/>
-            <a:ext cx="8518320" cy="3116160"/>
+            <a:ext cx="8517600" cy="3115440"/>
           </a:xfrm>
           <a:prstGeom prst="rect">
             <a:avLst/>
@@ -527,7 +528,7 @@
         <p:txBody>
           <a:bodyPr/>
           <a:p>
-            <a:fld id="{9681CEB2-93A6-40D4-ADDB-B74A9F7B1B5E}" type="slidenum">
+            <a:fld id="{C6C1DC02-3CB0-47DF-9FC5-02DA0DEB8534}" type="slidenum">
               <a:t>&lt;#&gt;</a:t>
             </a:fld>
           </a:p>
@@ -568,7 +569,7 @@
         <p:spPr>
           <a:xfrm>
             <a:off x="311760" y="764280"/>
-            <a:ext cx="8518320" cy="625320"/>
+            <a:ext cx="8517600" cy="625320"/>
           </a:xfrm>
           <a:prstGeom prst="rect">
             <a:avLst/>
@@ -608,7 +609,7 @@
         <p:spPr>
           <a:xfrm>
             <a:off x="311760" y="1461600"/>
-            <a:ext cx="8518320" cy="3116160"/>
+            <a:ext cx="8517600" cy="3115440"/>
           </a:xfrm>
           <a:prstGeom prst="rect">
             <a:avLst/>
@@ -652,7 +653,7 @@
         <p:txBody>
           <a:bodyPr/>
           <a:p>
-            <a:fld id="{807D71FD-2EDC-4C86-9263-70A4EB047F0F}" type="slidenum">
+            <a:fld id="{217398F2-2B34-4719-A9FB-755BA7C40CD7}" type="slidenum">
               <a:t>&lt;#&gt;</a:t>
             </a:fld>
           </a:p>
@@ -693,7 +694,7 @@
         <p:spPr>
           <a:xfrm>
             <a:off x="311760" y="764280"/>
-            <a:ext cx="8518320" cy="625320"/>
+            <a:ext cx="8517600" cy="625320"/>
           </a:xfrm>
           <a:prstGeom prst="rect">
             <a:avLst/>
@@ -733,7 +734,7 @@
         <p:spPr>
           <a:xfrm>
             <a:off x="311760" y="1461600"/>
-            <a:ext cx="8518320" cy="3116160"/>
+            <a:ext cx="8517600" cy="3115440"/>
           </a:xfrm>
           <a:prstGeom prst="rect">
             <a:avLst/>
@@ -774,7 +775,7 @@
         <p:txBody>
           <a:bodyPr/>
           <a:p>
-            <a:fld id="{FC78CA93-BBE1-49BB-91E0-D4D69B276A6A}" type="slidenum">
+            <a:fld id="{323327DB-BEDD-46B2-9BF5-14728C13D520}" type="slidenum">
               <a:t>&lt;#&gt;</a:t>
             </a:fld>
           </a:p>
@@ -815,7 +816,7 @@
         <p:spPr>
           <a:xfrm>
             <a:off x="311760" y="764280"/>
-            <a:ext cx="8518320" cy="625320"/>
+            <a:ext cx="8517600" cy="625320"/>
           </a:xfrm>
           <a:prstGeom prst="rect">
             <a:avLst/>
@@ -855,7 +856,7 @@
         <p:spPr>
           <a:xfrm>
             <a:off x="311760" y="1461600"/>
-            <a:ext cx="8518320" cy="3116160"/>
+            <a:ext cx="8517600" cy="3115440"/>
           </a:xfrm>
           <a:prstGeom prst="rect">
             <a:avLst/>
@@ -899,7 +900,7 @@
         <p:txBody>
           <a:bodyPr/>
           <a:p>
-            <a:fld id="{CB6F005D-89FE-48A0-8029-F2024E35F002}" type="slidenum">
+            <a:fld id="{3E167271-1AA3-466D-AB0F-6689FBCD019A}" type="slidenum">
               <a:t>&lt;#&gt;</a:t>
             </a:fld>
           </a:p>
@@ -940,7 +941,7 @@
         <p:spPr>
           <a:xfrm>
             <a:off x="311760" y="764280"/>
-            <a:ext cx="8518320" cy="625320"/>
+            <a:ext cx="8517600" cy="625320"/>
           </a:xfrm>
           <a:prstGeom prst="rect">
             <a:avLst/>
@@ -980,7 +981,7 @@
         <p:spPr>
           <a:xfrm>
             <a:off x="311760" y="1461600"/>
-            <a:ext cx="8518320" cy="3116160"/>
+            <a:ext cx="8517600" cy="3115440"/>
           </a:xfrm>
           <a:prstGeom prst="rect">
             <a:avLst/>
@@ -1024,7 +1025,7 @@
         <p:txBody>
           <a:bodyPr/>
           <a:p>
-            <a:fld id="{D1AB9E9C-E9BE-419D-93B5-6DC08661D719}" type="slidenum">
+            <a:fld id="{4B52B7EA-C27F-4B62-A69F-21294D5C4AA4}" type="slidenum">
               <a:t>&lt;#&gt;</a:t>
             </a:fld>
           </a:p>
@@ -1065,7 +1066,7 @@
         <p:spPr>
           <a:xfrm>
             <a:off x="311760" y="764280"/>
-            <a:ext cx="8518320" cy="625320"/>
+            <a:ext cx="8517600" cy="625320"/>
           </a:xfrm>
           <a:prstGeom prst="rect">
             <a:avLst/>
@@ -1105,7 +1106,7 @@
         <p:spPr>
           <a:xfrm>
             <a:off x="311760" y="1461600"/>
-            <a:ext cx="8518320" cy="3116160"/>
+            <a:ext cx="8517600" cy="3115440"/>
           </a:xfrm>
           <a:prstGeom prst="rect">
             <a:avLst/>
@@ -1149,7 +1150,7 @@
         <p:txBody>
           <a:bodyPr/>
           <a:p>
-            <a:fld id="{3C4E6D5C-0B3C-4287-AFB0-A9A09D455688}" type="slidenum">
+            <a:fld id="{9A912D0D-8B1A-46DD-B804-FF913C22222A}" type="slidenum">
               <a:t>&lt;#&gt;</a:t>
             </a:fld>
           </a:p>
@@ -1194,7 +1195,7 @@
         <p:spPr>
           <a:xfrm>
             <a:off x="4572000" y="177480"/>
-            <a:ext cx="4569840" cy="4963680"/>
+            <a:ext cx="4569120" cy="4962960"/>
           </a:xfrm>
           <a:prstGeom prst="rect">
             <a:avLst/>
@@ -1245,7 +1246,7 @@
         <p:spPr>
           <a:xfrm>
             <a:off x="311760" y="764280"/>
-            <a:ext cx="8518320" cy="624960"/>
+            <a:ext cx="8517600" cy="624960"/>
           </a:xfrm>
           <a:prstGeom prst="rect">
             <a:avLst/>
@@ -1270,7 +1271,7 @@
                 </a:solidFill>
                 <a:latin typeface="Arial"/>
               </a:rPr>
-              <a:t>Pulse para editar el formato del texto de título</a:t>
+              <a:t>Click to edit the title text format</a:t>
             </a:r>
             <a:endParaRPr b="0" lang="es-ES" sz="1800" spc="-1" strike="noStrike">
               <a:solidFill>
@@ -1294,7 +1295,7 @@
         <p:spPr>
           <a:xfrm>
             <a:off x="311760" y="1461600"/>
-            <a:ext cx="8518320" cy="3116160"/>
+            <a:ext cx="8517600" cy="3115440"/>
           </a:xfrm>
           <a:prstGeom prst="rect">
             <a:avLst/>
@@ -1327,7 +1328,7 @@
                 </a:solidFill>
                 <a:latin typeface="Arial"/>
               </a:rPr>
-              <a:t>Pulse para editar el formato de texto del esquema</a:t>
+              <a:t>Click to edit the outline text format</a:t>
             </a:r>
             <a:endParaRPr b="0" lang="es-ES" sz="1800" spc="-1" strike="noStrike">
               <a:solidFill>
@@ -1355,7 +1356,7 @@
                 </a:solidFill>
                 <a:latin typeface="Arial"/>
               </a:rPr>
-              <a:t>Segundo nivel del esquema</a:t>
+              <a:t>Second Outline Level</a:t>
             </a:r>
             <a:endParaRPr b="0" lang="es-ES" sz="1800" spc="-1" strike="noStrike">
               <a:solidFill>
@@ -1383,7 +1384,7 @@
                 </a:solidFill>
                 <a:latin typeface="Arial"/>
               </a:rPr>
-              <a:t>Tercer nivel del esquema</a:t>
+              <a:t>Third Outline Level</a:t>
             </a:r>
             <a:endParaRPr b="0" lang="es-ES" sz="1800" spc="-1" strike="noStrike">
               <a:solidFill>
@@ -1411,7 +1412,7 @@
                 </a:solidFill>
                 <a:latin typeface="Arial"/>
               </a:rPr>
-              <a:t>Cuarto nivel del esquema</a:t>
+              <a:t>Fourth Outline Level</a:t>
             </a:r>
             <a:endParaRPr b="0" lang="es-ES" sz="1800" spc="-1" strike="noStrike">
               <a:solidFill>
@@ -1439,7 +1440,7 @@
                 </a:solidFill>
                 <a:latin typeface="Arial"/>
               </a:rPr>
-              <a:t>Quinto nivel del esquema</a:t>
+              <a:t>Fifth Outline Level</a:t>
             </a:r>
             <a:endParaRPr b="0" lang="es-ES" sz="1800" spc="-1" strike="noStrike">
               <a:solidFill>
@@ -1467,7 +1468,7 @@
                 </a:solidFill>
                 <a:latin typeface="Arial"/>
               </a:rPr>
-              <a:t>Sexto nivel del esquema</a:t>
+              <a:t>Sixth Outline Level</a:t>
             </a:r>
             <a:endParaRPr b="0" lang="es-ES" sz="1800" spc="-1" strike="noStrike">
               <a:solidFill>
@@ -1495,7 +1496,7 @@
                 </a:solidFill>
                 <a:latin typeface="Arial"/>
               </a:rPr>
-              <a:t>Séptimo nivel del esquema</a:t>
+              <a:t>Seventh Outline Level</a:t>
             </a:r>
             <a:endParaRPr b="0" lang="es-ES" sz="1800" spc="-1" strike="noStrike">
               <a:solidFill>
@@ -1519,7 +1520,7 @@
         <p:spPr>
           <a:xfrm>
             <a:off x="8472600" y="4663080"/>
-            <a:ext cx="546480" cy="391320"/>
+            <a:ext cx="545760" cy="390600"/>
           </a:xfrm>
           <a:prstGeom prst="rect">
             <a:avLst/>
@@ -1561,7 +1562,7 @@
                 <a:tab algn="l" pos="0"/>
               </a:tabLst>
             </a:pPr>
-            <a:fld id="{AEB179C5-4056-438F-9F63-064B823EAEE4}" type="slidenum">
+            <a:fld id="{C4EC30C3-CAC9-48D0-B3D2-9E5333A23825}" type="slidenum">
               <a:rPr b="0" lang="en-GB" sz="1000" spc="-1" strike="noStrike">
                 <a:solidFill>
                   <a:schemeClr val="dk2"/>
@@ -1569,7 +1570,7 @@
                 <a:latin typeface="Arial"/>
                 <a:ea typeface="Arial"/>
               </a:rPr>
-              <a:t>&lt;número&gt;</a:t>
+              <a:t>&lt;number&gt;</a:t>
             </a:fld>
             <a:endParaRPr b="0" lang="es-ES" sz="1000" spc="-1" strike="noStrike">
               <a:solidFill>
@@ -1627,7 +1628,7 @@
         <p:spPr>
           <a:xfrm>
             <a:off x="311760" y="764280"/>
-            <a:ext cx="8518320" cy="624960"/>
+            <a:ext cx="8517600" cy="624960"/>
           </a:xfrm>
           <a:prstGeom prst="rect">
             <a:avLst/>
@@ -1652,7 +1653,7 @@
                 </a:solidFill>
                 <a:latin typeface="Arial"/>
               </a:rPr>
-              <a:t>Pulse para editar el formato del texto de título</a:t>
+              <a:t>Click to edit the title text format</a:t>
             </a:r>
             <a:endParaRPr b="0" lang="es-ES" sz="1800" spc="-1" strike="noStrike">
               <a:solidFill>
@@ -1676,7 +1677,7 @@
         <p:spPr>
           <a:xfrm>
             <a:off x="311760" y="1461600"/>
-            <a:ext cx="8518320" cy="3116160"/>
+            <a:ext cx="8517600" cy="3115440"/>
           </a:xfrm>
           <a:prstGeom prst="rect">
             <a:avLst/>
@@ -1709,7 +1710,7 @@
                 </a:solidFill>
                 <a:latin typeface="Arial"/>
               </a:rPr>
-              <a:t>Pulse para editar el formato de texto del esquema</a:t>
+              <a:t>Click to edit the outline text format</a:t>
             </a:r>
             <a:endParaRPr b="0" lang="es-ES" sz="1800" spc="-1" strike="noStrike">
               <a:solidFill>
@@ -1737,7 +1738,7 @@
                 </a:solidFill>
                 <a:latin typeface="Arial"/>
               </a:rPr>
-              <a:t>Segundo nivel del esquema</a:t>
+              <a:t>Second Outline Level</a:t>
             </a:r>
             <a:endParaRPr b="0" lang="es-ES" sz="1800" spc="-1" strike="noStrike">
               <a:solidFill>
@@ -1765,7 +1766,7 @@
                 </a:solidFill>
                 <a:latin typeface="Arial"/>
               </a:rPr>
-              <a:t>Tercer nivel del esquema</a:t>
+              <a:t>Third Outline Level</a:t>
             </a:r>
             <a:endParaRPr b="0" lang="es-ES" sz="1800" spc="-1" strike="noStrike">
               <a:solidFill>
@@ -1793,7 +1794,7 @@
                 </a:solidFill>
                 <a:latin typeface="Arial"/>
               </a:rPr>
-              <a:t>Cuarto nivel del esquema</a:t>
+              <a:t>Fourth Outline Level</a:t>
             </a:r>
             <a:endParaRPr b="0" lang="es-ES" sz="1800" spc="-1" strike="noStrike">
               <a:solidFill>
@@ -1821,7 +1822,7 @@
                 </a:solidFill>
                 <a:latin typeface="Arial"/>
               </a:rPr>
-              <a:t>Quinto nivel del esquema</a:t>
+              <a:t>Fifth Outline Level</a:t>
             </a:r>
             <a:endParaRPr b="0" lang="es-ES" sz="1800" spc="-1" strike="noStrike">
               <a:solidFill>
@@ -1849,7 +1850,7 @@
                 </a:solidFill>
                 <a:latin typeface="Arial"/>
               </a:rPr>
-              <a:t>Sexto nivel del esquema</a:t>
+              <a:t>Sixth Outline Level</a:t>
             </a:r>
             <a:endParaRPr b="0" lang="es-ES" sz="1800" spc="-1" strike="noStrike">
               <a:solidFill>
@@ -1877,7 +1878,7 @@
                 </a:solidFill>
                 <a:latin typeface="Arial"/>
               </a:rPr>
-              <a:t>Séptimo nivel del esquema</a:t>
+              <a:t>Seventh Outline Level</a:t>
             </a:r>
             <a:endParaRPr b="0" lang="es-ES" sz="1800" spc="-1" strike="noStrike">
               <a:solidFill>
@@ -1901,7 +1902,7 @@
         <p:spPr>
           <a:xfrm>
             <a:off x="8472600" y="4663080"/>
-            <a:ext cx="546480" cy="391320"/>
+            <a:ext cx="545760" cy="390600"/>
           </a:xfrm>
           <a:prstGeom prst="rect">
             <a:avLst/>
@@ -1943,7 +1944,7 @@
                 <a:tab algn="l" pos="0"/>
               </a:tabLst>
             </a:pPr>
-            <a:fld id="{8E8FBA43-4516-474E-9F0D-3DA69EF33753}" type="slidenum">
+            <a:fld id="{2AECC182-0517-442F-9B1C-D5731E14EF4E}" type="slidenum">
               <a:rPr b="0" lang="en-GB" sz="1000" spc="-1" strike="noStrike">
                 <a:solidFill>
                   <a:schemeClr val="dk2"/>
@@ -1951,7 +1952,7 @@
                 <a:latin typeface="Arial"/>
                 <a:ea typeface="Arial"/>
               </a:rPr>
-              <a:t>&lt;número&gt;</a:t>
+              <a:t>&lt;number&gt;</a:t>
             </a:fld>
             <a:endParaRPr b="0" lang="es-ES" sz="1000" spc="-1" strike="noStrike">
               <a:solidFill>
@@ -2009,7 +2010,7 @@
         <p:spPr>
           <a:xfrm>
             <a:off x="311760" y="764280"/>
-            <a:ext cx="8518320" cy="624960"/>
+            <a:ext cx="8517600" cy="624960"/>
           </a:xfrm>
           <a:prstGeom prst="rect">
             <a:avLst/>
@@ -2034,7 +2035,7 @@
                 </a:solidFill>
                 <a:latin typeface="Arial"/>
               </a:rPr>
-              <a:t>Pulse para editar el formato del texto de título</a:t>
+              <a:t>Click to edit the title text format</a:t>
             </a:r>
             <a:endParaRPr b="0" lang="es-ES" sz="1800" spc="-1" strike="noStrike">
               <a:solidFill>
@@ -2058,7 +2059,7 @@
         <p:spPr>
           <a:xfrm>
             <a:off x="311760" y="1461600"/>
-            <a:ext cx="8518320" cy="3116160"/>
+            <a:ext cx="8517600" cy="3115440"/>
           </a:xfrm>
           <a:prstGeom prst="rect">
             <a:avLst/>
@@ -2091,7 +2092,7 @@
                 </a:solidFill>
                 <a:latin typeface="Arial"/>
               </a:rPr>
-              <a:t>Pulse para editar el formato de texto del esquema</a:t>
+              <a:t>Click to edit the outline text format</a:t>
             </a:r>
             <a:endParaRPr b="0" lang="es-ES" sz="1800" spc="-1" strike="noStrike">
               <a:solidFill>
@@ -2119,7 +2120,7 @@
                 </a:solidFill>
                 <a:latin typeface="Arial"/>
               </a:rPr>
-              <a:t>Segundo nivel del esquema</a:t>
+              <a:t>Second Outline Level</a:t>
             </a:r>
             <a:endParaRPr b="0" lang="es-ES" sz="1800" spc="-1" strike="noStrike">
               <a:solidFill>
@@ -2147,7 +2148,7 @@
                 </a:solidFill>
                 <a:latin typeface="Arial"/>
               </a:rPr>
-              <a:t>Tercer nivel del esquema</a:t>
+              <a:t>Third Outline Level</a:t>
             </a:r>
             <a:endParaRPr b="0" lang="es-ES" sz="1800" spc="-1" strike="noStrike">
               <a:solidFill>
@@ -2175,7 +2176,7 @@
                 </a:solidFill>
                 <a:latin typeface="Arial"/>
               </a:rPr>
-              <a:t>Cuarto nivel del esquema</a:t>
+              <a:t>Fourth Outline Level</a:t>
             </a:r>
             <a:endParaRPr b="0" lang="es-ES" sz="1800" spc="-1" strike="noStrike">
               <a:solidFill>
@@ -2203,7 +2204,7 @@
                 </a:solidFill>
                 <a:latin typeface="Arial"/>
               </a:rPr>
-              <a:t>Quinto nivel del esquema</a:t>
+              <a:t>Fifth Outline Level</a:t>
             </a:r>
             <a:endParaRPr b="0" lang="es-ES" sz="1800" spc="-1" strike="noStrike">
               <a:solidFill>
@@ -2231,7 +2232,7 @@
                 </a:solidFill>
                 <a:latin typeface="Arial"/>
               </a:rPr>
-              <a:t>Sexto nivel del esquema</a:t>
+              <a:t>Sixth Outline Level</a:t>
             </a:r>
             <a:endParaRPr b="0" lang="es-ES" sz="1800" spc="-1" strike="noStrike">
               <a:solidFill>
@@ -2259,7 +2260,7 @@
                 </a:solidFill>
                 <a:latin typeface="Arial"/>
               </a:rPr>
-              <a:t>Séptimo nivel del esquema</a:t>
+              <a:t>Seventh Outline Level</a:t>
             </a:r>
             <a:endParaRPr b="0" lang="es-ES" sz="1800" spc="-1" strike="noStrike">
               <a:solidFill>
@@ -2283,7 +2284,7 @@
         <p:spPr>
           <a:xfrm>
             <a:off x="8472600" y="4663080"/>
-            <a:ext cx="546480" cy="391320"/>
+            <a:ext cx="545760" cy="390600"/>
           </a:xfrm>
           <a:prstGeom prst="rect">
             <a:avLst/>
@@ -2325,7 +2326,7 @@
                 <a:tab algn="l" pos="0"/>
               </a:tabLst>
             </a:pPr>
-            <a:fld id="{CC061017-E603-4F5F-99CA-50D002DD5D62}" type="slidenum">
+            <a:fld id="{8DB59F3A-6B7F-4FE7-A497-F202E3B17BC6}" type="slidenum">
               <a:rPr b="0" lang="en-GB" sz="1000" spc="-1" strike="noStrike">
                 <a:solidFill>
                   <a:schemeClr val="dk2"/>
@@ -2333,7 +2334,7 @@
                 <a:latin typeface="Arial"/>
                 <a:ea typeface="Arial"/>
               </a:rPr>
-              <a:t>&lt;número&gt;</a:t>
+              <a:t>&lt;number&gt;</a:t>
             </a:fld>
             <a:endParaRPr b="0" lang="es-ES" sz="1000" spc="-1" strike="noStrike">
               <a:solidFill>
@@ -2391,7 +2392,7 @@
         <p:spPr>
           <a:xfrm>
             <a:off x="311760" y="764280"/>
-            <a:ext cx="8518320" cy="624960"/>
+            <a:ext cx="8517600" cy="624960"/>
           </a:xfrm>
           <a:prstGeom prst="rect">
             <a:avLst/>
@@ -2416,7 +2417,7 @@
                 </a:solidFill>
                 <a:latin typeface="Arial"/>
               </a:rPr>
-              <a:t>Pulse para editar el formato del texto de título</a:t>
+              <a:t>Click to edit the title text format</a:t>
             </a:r>
             <a:endParaRPr b="0" lang="es-ES" sz="1800" spc="-1" strike="noStrike">
               <a:solidFill>
@@ -2440,7 +2441,7 @@
         <p:spPr>
           <a:xfrm>
             <a:off x="311760" y="1461600"/>
-            <a:ext cx="8518320" cy="3116160"/>
+            <a:ext cx="8517600" cy="3115440"/>
           </a:xfrm>
           <a:prstGeom prst="rect">
             <a:avLst/>
@@ -2473,7 +2474,7 @@
                 </a:solidFill>
                 <a:latin typeface="Arial"/>
               </a:rPr>
-              <a:t>Pulse para editar el formato de texto del esquema</a:t>
+              <a:t>Click to edit the outline text format</a:t>
             </a:r>
             <a:endParaRPr b="0" lang="es-ES" sz="1800" spc="-1" strike="noStrike">
               <a:solidFill>
@@ -2501,7 +2502,7 @@
                 </a:solidFill>
                 <a:latin typeface="Arial"/>
               </a:rPr>
-              <a:t>Segundo nivel del esquema</a:t>
+              <a:t>Second Outline Level</a:t>
             </a:r>
             <a:endParaRPr b="0" lang="es-ES" sz="1800" spc="-1" strike="noStrike">
               <a:solidFill>
@@ -2529,7 +2530,7 @@
                 </a:solidFill>
                 <a:latin typeface="Arial"/>
               </a:rPr>
-              <a:t>Tercer nivel del esquema</a:t>
+              <a:t>Third Outline Level</a:t>
             </a:r>
             <a:endParaRPr b="0" lang="es-ES" sz="1800" spc="-1" strike="noStrike">
               <a:solidFill>
@@ -2557,7 +2558,7 @@
                 </a:solidFill>
                 <a:latin typeface="Arial"/>
               </a:rPr>
-              <a:t>Cuarto nivel del esquema</a:t>
+              <a:t>Fourth Outline Level</a:t>
             </a:r>
             <a:endParaRPr b="0" lang="es-ES" sz="1800" spc="-1" strike="noStrike">
               <a:solidFill>
@@ -2585,7 +2586,7 @@
                 </a:solidFill>
                 <a:latin typeface="Arial"/>
               </a:rPr>
-              <a:t>Quinto nivel del esquema</a:t>
+              <a:t>Fifth Outline Level</a:t>
             </a:r>
             <a:endParaRPr b="0" lang="es-ES" sz="1800" spc="-1" strike="noStrike">
               <a:solidFill>
@@ -2613,7 +2614,7 @@
                 </a:solidFill>
                 <a:latin typeface="Arial"/>
               </a:rPr>
-              <a:t>Sexto nivel del esquema</a:t>
+              <a:t>Sixth Outline Level</a:t>
             </a:r>
             <a:endParaRPr b="0" lang="es-ES" sz="1800" spc="-1" strike="noStrike">
               <a:solidFill>
@@ -2641,7 +2642,7 @@
                 </a:solidFill>
                 <a:latin typeface="Arial"/>
               </a:rPr>
-              <a:t>Séptimo nivel del esquema</a:t>
+              <a:t>Seventh Outline Level</a:t>
             </a:r>
             <a:endParaRPr b="0" lang="es-ES" sz="1800" spc="-1" strike="noStrike">
               <a:solidFill>
@@ -2665,7 +2666,7 @@
         <p:spPr>
           <a:xfrm>
             <a:off x="8472600" y="4663080"/>
-            <a:ext cx="546480" cy="391320"/>
+            <a:ext cx="545760" cy="390600"/>
           </a:xfrm>
           <a:prstGeom prst="rect">
             <a:avLst/>
@@ -2707,7 +2708,7 @@
                 <a:tab algn="l" pos="0"/>
               </a:tabLst>
             </a:pPr>
-            <a:fld id="{85B3E1DD-5EA5-45CB-B1A3-09645C348498}" type="slidenum">
+            <a:fld id="{2ED6128D-2862-426E-8687-171DF1D8AE2A}" type="slidenum">
               <a:rPr b="0" lang="en-GB" sz="1000" spc="-1" strike="noStrike">
                 <a:solidFill>
                   <a:schemeClr val="dk2"/>
@@ -2715,7 +2716,7 @@
                 <a:latin typeface="Arial"/>
                 <a:ea typeface="Arial"/>
               </a:rPr>
-              <a:t>&lt;número&gt;</a:t>
+              <a:t>&lt;number&gt;</a:t>
             </a:fld>
             <a:endParaRPr b="0" lang="es-ES" sz="1000" spc="-1" strike="noStrike">
               <a:solidFill>
@@ -2773,7 +2774,7 @@
         <p:spPr>
           <a:xfrm>
             <a:off x="311760" y="764280"/>
-            <a:ext cx="8518320" cy="624960"/>
+            <a:ext cx="8517600" cy="624960"/>
           </a:xfrm>
           <a:prstGeom prst="rect">
             <a:avLst/>
@@ -2798,7 +2799,7 @@
                 </a:solidFill>
                 <a:latin typeface="Arial"/>
               </a:rPr>
-              <a:t>Pulse para editar el formato del texto de título</a:t>
+              <a:t>Click to edit the title text format</a:t>
             </a:r>
             <a:endParaRPr b="0" lang="es-ES" sz="1800" spc="-1" strike="noStrike">
               <a:solidFill>
@@ -2822,7 +2823,7 @@
         <p:spPr>
           <a:xfrm>
             <a:off x="311760" y="1461600"/>
-            <a:ext cx="8518320" cy="3116160"/>
+            <a:ext cx="8517600" cy="3115440"/>
           </a:xfrm>
           <a:prstGeom prst="rect">
             <a:avLst/>
@@ -2855,7 +2856,7 @@
                 </a:solidFill>
                 <a:latin typeface="Arial"/>
               </a:rPr>
-              <a:t>Pulse para editar el formato de texto del esquema</a:t>
+              <a:t>Click to edit the outline text format</a:t>
             </a:r>
             <a:endParaRPr b="0" lang="es-ES" sz="1800" spc="-1" strike="noStrike">
               <a:solidFill>
@@ -2883,7 +2884,7 @@
                 </a:solidFill>
                 <a:latin typeface="Arial"/>
               </a:rPr>
-              <a:t>Segundo nivel del esquema</a:t>
+              <a:t>Second Outline Level</a:t>
             </a:r>
             <a:endParaRPr b="0" lang="es-ES" sz="1800" spc="-1" strike="noStrike">
               <a:solidFill>
@@ -2911,7 +2912,7 @@
                 </a:solidFill>
                 <a:latin typeface="Arial"/>
               </a:rPr>
-              <a:t>Tercer nivel del esquema</a:t>
+              <a:t>Third Outline Level</a:t>
             </a:r>
             <a:endParaRPr b="0" lang="es-ES" sz="1800" spc="-1" strike="noStrike">
               <a:solidFill>
@@ -2939,7 +2940,7 @@
                 </a:solidFill>
                 <a:latin typeface="Arial"/>
               </a:rPr>
-              <a:t>Cuarto nivel del esquema</a:t>
+              <a:t>Fourth Outline Level</a:t>
             </a:r>
             <a:endParaRPr b="0" lang="es-ES" sz="1800" spc="-1" strike="noStrike">
               <a:solidFill>
@@ -2967,7 +2968,7 @@
                 </a:solidFill>
                 <a:latin typeface="Arial"/>
               </a:rPr>
-              <a:t>Quinto nivel del esquema</a:t>
+              <a:t>Fifth Outline Level</a:t>
             </a:r>
             <a:endParaRPr b="0" lang="es-ES" sz="1800" spc="-1" strike="noStrike">
               <a:solidFill>
@@ -2995,7 +2996,7 @@
                 </a:solidFill>
                 <a:latin typeface="Arial"/>
               </a:rPr>
-              <a:t>Sexto nivel del esquema</a:t>
+              <a:t>Sixth Outline Level</a:t>
             </a:r>
             <a:endParaRPr b="0" lang="es-ES" sz="1800" spc="-1" strike="noStrike">
               <a:solidFill>
@@ -3023,7 +3024,7 @@
                 </a:solidFill>
                 <a:latin typeface="Arial"/>
               </a:rPr>
-              <a:t>Séptimo nivel del esquema</a:t>
+              <a:t>Seventh Outline Level</a:t>
             </a:r>
             <a:endParaRPr b="0" lang="es-ES" sz="1800" spc="-1" strike="noStrike">
               <a:solidFill>
@@ -3047,7 +3048,7 @@
         <p:spPr>
           <a:xfrm>
             <a:off x="8472600" y="4663080"/>
-            <a:ext cx="546480" cy="391320"/>
+            <a:ext cx="545760" cy="390600"/>
           </a:xfrm>
           <a:prstGeom prst="rect">
             <a:avLst/>
@@ -3089,7 +3090,7 @@
                 <a:tab algn="l" pos="0"/>
               </a:tabLst>
             </a:pPr>
-            <a:fld id="{47DC6427-7659-4573-BB1C-7B7CCB17DC55}" type="slidenum">
+            <a:fld id="{62694483-801D-4EAF-B877-E57D267030D4}" type="slidenum">
               <a:rPr b="0" lang="en-GB" sz="1000" spc="-1" strike="noStrike">
                 <a:solidFill>
                   <a:schemeClr val="dk2"/>
@@ -3097,7 +3098,7 @@
                 <a:latin typeface="Arial"/>
                 <a:ea typeface="Arial"/>
               </a:rPr>
-              <a:t>&lt;número&gt;</a:t>
+              <a:t>&lt;number&gt;</a:t>
             </a:fld>
             <a:endParaRPr b="0" lang="es-ES" sz="1000" spc="-1" strike="noStrike">
               <a:solidFill>
@@ -3155,7 +3156,7 @@
         <p:spPr>
           <a:xfrm>
             <a:off x="311760" y="764280"/>
-            <a:ext cx="8518320" cy="624960"/>
+            <a:ext cx="8517600" cy="624960"/>
           </a:xfrm>
           <a:prstGeom prst="rect">
             <a:avLst/>
@@ -3180,7 +3181,7 @@
                 </a:solidFill>
                 <a:latin typeface="Arial"/>
               </a:rPr>
-              <a:t>Pulse para editar el formato del texto de título</a:t>
+              <a:t>Click to edit the title text format</a:t>
             </a:r>
             <a:endParaRPr b="0" lang="es-ES" sz="1800" spc="-1" strike="noStrike">
               <a:solidFill>
@@ -3204,7 +3205,7 @@
         <p:spPr>
           <a:xfrm>
             <a:off x="8472600" y="4663080"/>
-            <a:ext cx="546480" cy="391320"/>
+            <a:ext cx="545760" cy="390600"/>
           </a:xfrm>
           <a:prstGeom prst="rect">
             <a:avLst/>
@@ -3246,7 +3247,7 @@
                 <a:tab algn="l" pos="0"/>
               </a:tabLst>
             </a:pPr>
-            <a:fld id="{4FC08514-D188-40BA-94AE-3EA26AB73983}" type="slidenum">
+            <a:fld id="{B90311FE-47E2-4FA9-8058-EE6973181B6F}" type="slidenum">
               <a:rPr b="0" lang="en-GB" sz="1000" spc="-1" strike="noStrike">
                 <a:solidFill>
                   <a:schemeClr val="dk2"/>
@@ -3254,7 +3255,7 @@
                 <a:latin typeface="Arial"/>
                 <a:ea typeface="Arial"/>
               </a:rPr>
-              <a:t>&lt;número&gt;</a:t>
+              <a:t>&lt;number&gt;</a:t>
             </a:fld>
             <a:endParaRPr b="0" lang="es-ES" sz="1000" spc="-1" strike="noStrike">
               <a:solidFill>
@@ -3290,7 +3291,7 @@
         </p:spPr>
         <p:txBody>
           <a:bodyPr lIns="0" rIns="0" tIns="0" bIns="0" anchor="t">
-            <a:normAutofit fontScale="92490"/>
+            <a:normAutofit/>
           </a:bodyPr>
           <a:p>
             <a:pPr marL="432000" indent="-324000">
@@ -3311,7 +3312,7 @@
                 </a:solidFill>
                 <a:latin typeface="Arial"/>
               </a:rPr>
-              <a:t>Pulse para editar el formato de texto del esquema</a:t>
+              <a:t>Click to edit the outline text format</a:t>
             </a:r>
             <a:endParaRPr b="0" lang="es-ES" sz="3200" spc="-1" strike="noStrike">
               <a:solidFill>
@@ -3339,7 +3340,7 @@
                 </a:solidFill>
                 <a:latin typeface="Arial"/>
               </a:rPr>
-              <a:t>Segundo nivel del esquema</a:t>
+              <a:t>Second Outline Level</a:t>
             </a:r>
             <a:endParaRPr b="0" lang="es-ES" sz="2800" spc="-1" strike="noStrike">
               <a:solidFill>
@@ -3367,7 +3368,7 @@
                 </a:solidFill>
                 <a:latin typeface="Arial"/>
               </a:rPr>
-              <a:t>Tercer nivel del esquema</a:t>
+              <a:t>Third Outline Level</a:t>
             </a:r>
             <a:endParaRPr b="0" lang="es-ES" sz="2400" spc="-1" strike="noStrike">
               <a:solidFill>
@@ -3395,7 +3396,7 @@
                 </a:solidFill>
                 <a:latin typeface="Arial"/>
               </a:rPr>
-              <a:t>Cuarto nivel del esquema</a:t>
+              <a:t>Fourth Outline Level</a:t>
             </a:r>
             <a:endParaRPr b="0" lang="es-ES" sz="2000" spc="-1" strike="noStrike">
               <a:solidFill>
@@ -3423,7 +3424,7 @@
                 </a:solidFill>
                 <a:latin typeface="Arial"/>
               </a:rPr>
-              <a:t>Quinto nivel del esquema</a:t>
+              <a:t>Fifth Outline Level</a:t>
             </a:r>
             <a:endParaRPr b="0" lang="es-ES" sz="2000" spc="-1" strike="noStrike">
               <a:solidFill>
@@ -3451,7 +3452,7 @@
                 </a:solidFill>
                 <a:latin typeface="Arial"/>
               </a:rPr>
-              <a:t>Sexto nivel del esquema</a:t>
+              <a:t>Sixth Outline Level</a:t>
             </a:r>
             <a:endParaRPr b="0" lang="es-ES" sz="2000" spc="-1" strike="noStrike">
               <a:solidFill>
@@ -3479,7 +3480,7 @@
                 </a:solidFill>
                 <a:latin typeface="Arial"/>
               </a:rPr>
-              <a:t>Séptimo nivel del esquema</a:t>
+              <a:t>Seventh Outline Level</a:t>
             </a:r>
             <a:endParaRPr b="0" lang="es-ES" sz="2000" spc="-1" strike="noStrike">
               <a:solidFill>
@@ -3537,7 +3538,7 @@
         <p:spPr>
           <a:xfrm>
             <a:off x="311760" y="764280"/>
-            <a:ext cx="8518320" cy="624960"/>
+            <a:ext cx="8517600" cy="624960"/>
           </a:xfrm>
           <a:prstGeom prst="rect">
             <a:avLst/>
@@ -3562,7 +3563,7 @@
                 </a:solidFill>
                 <a:latin typeface="Arial"/>
               </a:rPr>
-              <a:t>Pulse para editar el formato del texto de título</a:t>
+              <a:t>Click to edit the title text format</a:t>
             </a:r>
             <a:endParaRPr b="0" lang="es-ES" sz="1800" spc="-1" strike="noStrike">
               <a:solidFill>
@@ -3586,7 +3587,7 @@
         <p:spPr>
           <a:xfrm>
             <a:off x="311760" y="1461600"/>
-            <a:ext cx="8518320" cy="3116160"/>
+            <a:ext cx="8517600" cy="3115440"/>
           </a:xfrm>
           <a:prstGeom prst="rect">
             <a:avLst/>
@@ -3619,7 +3620,7 @@
                 </a:solidFill>
                 <a:latin typeface="Arial"/>
               </a:rPr>
-              <a:t>Pulse para editar el formato de texto del esquema</a:t>
+              <a:t>Click to edit the outline text format</a:t>
             </a:r>
             <a:endParaRPr b="0" lang="es-ES" sz="1800" spc="-1" strike="noStrike">
               <a:solidFill>
@@ -3647,7 +3648,7 @@
                 </a:solidFill>
                 <a:latin typeface="Arial"/>
               </a:rPr>
-              <a:t>Segundo nivel del esquema</a:t>
+              <a:t>Second Outline Level</a:t>
             </a:r>
             <a:endParaRPr b="0" lang="es-ES" sz="1800" spc="-1" strike="noStrike">
               <a:solidFill>
@@ -3675,7 +3676,7 @@
                 </a:solidFill>
                 <a:latin typeface="Arial"/>
               </a:rPr>
-              <a:t>Tercer nivel del esquema</a:t>
+              <a:t>Third Outline Level</a:t>
             </a:r>
             <a:endParaRPr b="0" lang="es-ES" sz="1800" spc="-1" strike="noStrike">
               <a:solidFill>
@@ -3703,7 +3704,7 @@
                 </a:solidFill>
                 <a:latin typeface="Arial"/>
               </a:rPr>
-              <a:t>Cuarto nivel del esquema</a:t>
+              <a:t>Fourth Outline Level</a:t>
             </a:r>
             <a:endParaRPr b="0" lang="es-ES" sz="1800" spc="-1" strike="noStrike">
               <a:solidFill>
@@ -3731,7 +3732,7 @@
                 </a:solidFill>
                 <a:latin typeface="Arial"/>
               </a:rPr>
-              <a:t>Quinto nivel del esquema</a:t>
+              <a:t>Fifth Outline Level</a:t>
             </a:r>
             <a:endParaRPr b="0" lang="es-ES" sz="1800" spc="-1" strike="noStrike">
               <a:solidFill>
@@ -3759,7 +3760,7 @@
                 </a:solidFill>
                 <a:latin typeface="Arial"/>
               </a:rPr>
-              <a:t>Sexto nivel del esquema</a:t>
+              <a:t>Sixth Outline Level</a:t>
             </a:r>
             <a:endParaRPr b="0" lang="es-ES" sz="1800" spc="-1" strike="noStrike">
               <a:solidFill>
@@ -3787,7 +3788,7 @@
                 </a:solidFill>
                 <a:latin typeface="Arial"/>
               </a:rPr>
-              <a:t>Séptimo nivel del esquema</a:t>
+              <a:t>Seventh Outline Level</a:t>
             </a:r>
             <a:endParaRPr b="0" lang="es-ES" sz="1800" spc="-1" strike="noStrike">
               <a:solidFill>
@@ -3811,7 +3812,7 @@
         <p:spPr>
           <a:xfrm>
             <a:off x="8472600" y="4663080"/>
-            <a:ext cx="546480" cy="391320"/>
+            <a:ext cx="545760" cy="390600"/>
           </a:xfrm>
           <a:prstGeom prst="rect">
             <a:avLst/>
@@ -3853,7 +3854,7 @@
                 <a:tab algn="l" pos="0"/>
               </a:tabLst>
             </a:pPr>
-            <a:fld id="{EAD33BFE-09F2-40E0-A59A-1C2B960410B7}" type="slidenum">
+            <a:fld id="{5D4FA8D9-6CBC-417D-94DC-D1CD042F08EB}" type="slidenum">
               <a:rPr b="0" lang="en-GB" sz="1000" spc="-1" strike="noStrike">
                 <a:solidFill>
                   <a:schemeClr val="dk2"/>
@@ -3861,7 +3862,7 @@
                 <a:latin typeface="Arial"/>
                 <a:ea typeface="Arial"/>
               </a:rPr>
-              <a:t>&lt;número&gt;</a:t>
+              <a:t>&lt;number&gt;</a:t>
             </a:fld>
             <a:endParaRPr b="0" lang="es-ES" sz="1000" spc="-1" strike="noStrike">
               <a:solidFill>
@@ -3919,7 +3920,7 @@
         <p:spPr>
           <a:xfrm>
             <a:off x="311760" y="764280"/>
-            <a:ext cx="8518320" cy="624960"/>
+            <a:ext cx="8517600" cy="624960"/>
           </a:xfrm>
           <a:prstGeom prst="rect">
             <a:avLst/>
@@ -3944,7 +3945,7 @@
                 </a:solidFill>
                 <a:latin typeface="Arial"/>
               </a:rPr>
-              <a:t>Pulse para editar el formato del texto de título</a:t>
+              <a:t>Click to edit the title text format</a:t>
             </a:r>
             <a:endParaRPr b="0" lang="es-ES" sz="1800" spc="-1" strike="noStrike">
               <a:solidFill>
@@ -3968,7 +3969,7 @@
         <p:spPr>
           <a:xfrm>
             <a:off x="311760" y="1461600"/>
-            <a:ext cx="8518320" cy="3116160"/>
+            <a:ext cx="8517600" cy="3115440"/>
           </a:xfrm>
           <a:prstGeom prst="rect">
             <a:avLst/>
@@ -4001,7 +4002,7 @@
                 </a:solidFill>
                 <a:latin typeface="Arial"/>
               </a:rPr>
-              <a:t>Pulse para editar el formato de texto del esquema</a:t>
+              <a:t>Click to edit the outline text format</a:t>
             </a:r>
             <a:endParaRPr b="0" lang="es-ES" sz="1800" spc="-1" strike="noStrike">
               <a:solidFill>
@@ -4029,7 +4030,7 @@
                 </a:solidFill>
                 <a:latin typeface="Arial"/>
               </a:rPr>
-              <a:t>Segundo nivel del esquema</a:t>
+              <a:t>Second Outline Level</a:t>
             </a:r>
             <a:endParaRPr b="0" lang="es-ES" sz="1800" spc="-1" strike="noStrike">
               <a:solidFill>
@@ -4057,7 +4058,7 @@
                 </a:solidFill>
                 <a:latin typeface="Arial"/>
               </a:rPr>
-              <a:t>Tercer nivel del esquema</a:t>
+              <a:t>Third Outline Level</a:t>
             </a:r>
             <a:endParaRPr b="0" lang="es-ES" sz="1800" spc="-1" strike="noStrike">
               <a:solidFill>
@@ -4085,7 +4086,7 @@
                 </a:solidFill>
                 <a:latin typeface="Arial"/>
               </a:rPr>
-              <a:t>Cuarto nivel del esquema</a:t>
+              <a:t>Fourth Outline Level</a:t>
             </a:r>
             <a:endParaRPr b="0" lang="es-ES" sz="1800" spc="-1" strike="noStrike">
               <a:solidFill>
@@ -4113,7 +4114,7 @@
                 </a:solidFill>
                 <a:latin typeface="Arial"/>
               </a:rPr>
-              <a:t>Quinto nivel del esquema</a:t>
+              <a:t>Fifth Outline Level</a:t>
             </a:r>
             <a:endParaRPr b="0" lang="es-ES" sz="1800" spc="-1" strike="noStrike">
               <a:solidFill>
@@ -4141,7 +4142,7 @@
                 </a:solidFill>
                 <a:latin typeface="Arial"/>
               </a:rPr>
-              <a:t>Sexto nivel del esquema</a:t>
+              <a:t>Sixth Outline Level</a:t>
             </a:r>
             <a:endParaRPr b="0" lang="es-ES" sz="1800" spc="-1" strike="noStrike">
               <a:solidFill>
@@ -4169,7 +4170,7 @@
                 </a:solidFill>
                 <a:latin typeface="Arial"/>
               </a:rPr>
-              <a:t>Séptimo nivel del esquema</a:t>
+              <a:t>Seventh Outline Level</a:t>
             </a:r>
             <a:endParaRPr b="0" lang="es-ES" sz="1800" spc="-1" strike="noStrike">
               <a:solidFill>
@@ -4193,7 +4194,7 @@
         <p:spPr>
           <a:xfrm>
             <a:off x="8472600" y="4663080"/>
-            <a:ext cx="546480" cy="391320"/>
+            <a:ext cx="545760" cy="390600"/>
           </a:xfrm>
           <a:prstGeom prst="rect">
             <a:avLst/>
@@ -4235,7 +4236,7 @@
                 <a:tab algn="l" pos="0"/>
               </a:tabLst>
             </a:pPr>
-            <a:fld id="{15098E9C-15E7-4FFD-9254-F6DA187D2EE9}" type="slidenum">
+            <a:fld id="{1D960960-A6B9-43AA-B8F7-1C0552E28627}" type="slidenum">
               <a:rPr b="0" lang="en-GB" sz="1000" spc="-1" strike="noStrike">
                 <a:solidFill>
                   <a:schemeClr val="dk2"/>
@@ -4243,7 +4244,7 @@
                 <a:latin typeface="Arial"/>
                 <a:ea typeface="Arial"/>
               </a:rPr>
-              <a:t>&lt;número&gt;</a:t>
+              <a:t>&lt;number&gt;</a:t>
             </a:fld>
             <a:endParaRPr b="0" lang="es-ES" sz="1000" spc="-1" strike="noStrike">
               <a:solidFill>
@@ -4301,7 +4302,7 @@
         <p:spPr>
           <a:xfrm>
             <a:off x="311760" y="764280"/>
-            <a:ext cx="8518320" cy="624960"/>
+            <a:ext cx="8517600" cy="624960"/>
           </a:xfrm>
           <a:prstGeom prst="rect">
             <a:avLst/>
@@ -4326,7 +4327,7 @@
                 </a:solidFill>
                 <a:latin typeface="Arial"/>
               </a:rPr>
-              <a:t>Pulse para editar el formato del texto de título</a:t>
+              <a:t>Click to edit the title text format</a:t>
             </a:r>
             <a:endParaRPr b="0" lang="es-ES" sz="1800" spc="-1" strike="noStrike">
               <a:solidFill>
@@ -4350,7 +4351,7 @@
         <p:spPr>
           <a:xfrm>
             <a:off x="311760" y="1461600"/>
-            <a:ext cx="8518320" cy="3116160"/>
+            <a:ext cx="8517600" cy="3115440"/>
           </a:xfrm>
           <a:prstGeom prst="rect">
             <a:avLst/>
@@ -4383,7 +4384,7 @@
                 </a:solidFill>
                 <a:latin typeface="Arial"/>
               </a:rPr>
-              <a:t>Pulse para editar el formato de texto del esquema</a:t>
+              <a:t>Click to edit the outline text format</a:t>
             </a:r>
             <a:endParaRPr b="0" lang="es-ES" sz="1800" spc="-1" strike="noStrike">
               <a:solidFill>
@@ -4411,7 +4412,7 @@
                 </a:solidFill>
                 <a:latin typeface="Arial"/>
               </a:rPr>
-              <a:t>Segundo nivel del esquema</a:t>
+              <a:t>Second Outline Level</a:t>
             </a:r>
             <a:endParaRPr b="0" lang="es-ES" sz="1800" spc="-1" strike="noStrike">
               <a:solidFill>
@@ -4439,7 +4440,7 @@
                 </a:solidFill>
                 <a:latin typeface="Arial"/>
               </a:rPr>
-              <a:t>Tercer nivel del esquema</a:t>
+              <a:t>Third Outline Level</a:t>
             </a:r>
             <a:endParaRPr b="0" lang="es-ES" sz="1800" spc="-1" strike="noStrike">
               <a:solidFill>
@@ -4467,7 +4468,7 @@
                 </a:solidFill>
                 <a:latin typeface="Arial"/>
               </a:rPr>
-              <a:t>Cuarto nivel del esquema</a:t>
+              <a:t>Fourth Outline Level</a:t>
             </a:r>
             <a:endParaRPr b="0" lang="es-ES" sz="1800" spc="-1" strike="noStrike">
               <a:solidFill>
@@ -4495,7 +4496,7 @@
                 </a:solidFill>
                 <a:latin typeface="Arial"/>
               </a:rPr>
-              <a:t>Quinto nivel del esquema</a:t>
+              <a:t>Fifth Outline Level</a:t>
             </a:r>
             <a:endParaRPr b="0" lang="es-ES" sz="1800" spc="-1" strike="noStrike">
               <a:solidFill>
@@ -4523,7 +4524,7 @@
                 </a:solidFill>
                 <a:latin typeface="Arial"/>
               </a:rPr>
-              <a:t>Sexto nivel del esquema</a:t>
+              <a:t>Sixth Outline Level</a:t>
             </a:r>
             <a:endParaRPr b="0" lang="es-ES" sz="1800" spc="-1" strike="noStrike">
               <a:solidFill>
@@ -4551,7 +4552,7 @@
                 </a:solidFill>
                 <a:latin typeface="Arial"/>
               </a:rPr>
-              <a:t>Séptimo nivel del esquema</a:t>
+              <a:t>Seventh Outline Level</a:t>
             </a:r>
             <a:endParaRPr b="0" lang="es-ES" sz="1800" spc="-1" strike="noStrike">
               <a:solidFill>
@@ -4575,7 +4576,7 @@
         <p:spPr>
           <a:xfrm>
             <a:off x="8472600" y="4663080"/>
-            <a:ext cx="546480" cy="391320"/>
+            <a:ext cx="545760" cy="390600"/>
           </a:xfrm>
           <a:prstGeom prst="rect">
             <a:avLst/>
@@ -4617,7 +4618,7 @@
                 <a:tab algn="l" pos="0"/>
               </a:tabLst>
             </a:pPr>
-            <a:fld id="{9309F8F8-E304-4FB9-9CAA-A59531400465}" type="slidenum">
+            <a:fld id="{E7AD13E4-F479-4C0D-A19B-145210F0F340}" type="slidenum">
               <a:rPr b="0" lang="en-GB" sz="1000" spc="-1" strike="noStrike">
                 <a:solidFill>
                   <a:schemeClr val="dk2"/>
@@ -4625,7 +4626,7 @@
                 <a:latin typeface="Arial"/>
                 <a:ea typeface="Arial"/>
               </a:rPr>
-              <a:t>&lt;número&gt;</a:t>
+              <a:t>&lt;number&gt;</a:t>
             </a:fld>
             <a:endParaRPr b="0" lang="es-ES" sz="1000" spc="-1" strike="noStrike">
               <a:solidFill>
@@ -4675,7 +4676,7 @@
         <p:spPr>
           <a:xfrm>
             <a:off x="3938760" y="2196360"/>
-            <a:ext cx="4731120" cy="1570320"/>
+            <a:ext cx="4730400" cy="1569600"/>
           </a:xfrm>
           <a:prstGeom prst="rect">
             <a:avLst/>
@@ -4778,7 +4779,7 @@
         <p:spPr>
           <a:xfrm>
             <a:off x="311760" y="815760"/>
-            <a:ext cx="8518320" cy="520560"/>
+            <a:ext cx="8517600" cy="519840"/>
           </a:xfrm>
           <a:prstGeom prst="rect">
             <a:avLst/>
@@ -4848,7 +4849,7 @@
         <p:spPr>
           <a:xfrm>
             <a:off x="311760" y="1461600"/>
-            <a:ext cx="8518320" cy="3116160"/>
+            <a:ext cx="8517600" cy="3115440"/>
           </a:xfrm>
           <a:prstGeom prst="rect">
             <a:avLst/>
@@ -4860,20 +4861,246 @@
         </p:spPr>
         <p:txBody>
           <a:bodyPr lIns="91440" rIns="91440" tIns="91440" bIns="91440" anchor="t">
-            <a:normAutofit/>
+            <a:normAutofit fontScale="62222" lnSpcReduction="10000"/>
           </a:bodyPr>
           <a:p>
             <a:pPr indent="0">
-              <a:spcBef>
-                <a:spcPts val="1417"/>
-              </a:spcBef>
+              <a:lnSpc>
+                <a:spcPct val="100000"/>
+              </a:lnSpc>
+              <a:spcBef>
+                <a:spcPts val="907"/>
+              </a:spcBef>
+              <a:spcAft>
+                <a:spcPts val="709"/>
+              </a:spcAft>
               <a:buNone/>
             </a:pPr>
+            <a:r>
+              <a:rPr b="0" lang="es-ES" sz="1800" spc="-1" strike="noStrike">
+                <a:solidFill>
+                  <a:srgbClr val="000000"/>
+                </a:solidFill>
+                <a:latin typeface="Arial"/>
+              </a:rPr>
+              <a:t>Como siempre en temas de WordPress, siempre ha habido alguien antes con tu mismo problema y que ha creado un plugin para solucionarlo, así que plugin conectores de CRM hay unos cuantos. Son más o menos amplios y permiten más o menos opciones. Pero todos hacen más o menos las mismas funciones. Meter los datos del usuario como contacto o empresa en tu CRM.</a:t>
+            </a:r>
             <a:endParaRPr b="0" lang="es-ES" sz="1800" spc="-1" strike="noStrike">
               <a:solidFill>
                 <a:srgbClr val="000000"/>
               </a:solidFill>
               <a:latin typeface="Arial"/>
+              <a:ea typeface="Noto Sans CJK SC"/>
+            </a:endParaRPr>
+          </a:p>
+          <a:p>
+            <a:pPr indent="0">
+              <a:lnSpc>
+                <a:spcPct val="100000"/>
+              </a:lnSpc>
+              <a:spcBef>
+                <a:spcPts val="907"/>
+              </a:spcBef>
+              <a:spcAft>
+                <a:spcPts val="709"/>
+              </a:spcAft>
+              <a:buNone/>
+            </a:pPr>
+            <a:r>
+              <a:rPr b="0" lang="es-ES" sz="1800" spc="-1" strike="noStrike">
+                <a:solidFill>
+                  <a:srgbClr val="000000"/>
+                </a:solidFill>
+                <a:latin typeface="Arial"/>
+              </a:rPr>
+              <a:t>Luego los habrá que dan elementos condicionales, lanzar automatizaciones, etc. pero la esencia es la misma.</a:t>
+            </a:r>
+            <a:endParaRPr b="0" lang="es-ES" sz="1800" spc="-1" strike="noStrike">
+              <a:solidFill>
+                <a:srgbClr val="000000"/>
+              </a:solidFill>
+              <a:latin typeface="Arial"/>
+              <a:ea typeface="Noto Sans CJK SC"/>
+            </a:endParaRPr>
+          </a:p>
+          <a:p>
+            <a:pPr indent="0">
+              <a:lnSpc>
+                <a:spcPct val="100000"/>
+              </a:lnSpc>
+              <a:spcBef>
+                <a:spcPts val="907"/>
+              </a:spcBef>
+              <a:spcAft>
+                <a:spcPts val="709"/>
+              </a:spcAft>
+              <a:buNone/>
+            </a:pPr>
+            <a:r>
+              <a:rPr b="1" lang="es-ES" sz="1800" spc="-1" strike="noStrike">
+                <a:solidFill>
+                  <a:srgbClr val="000000"/>
+                </a:solidFill>
+                <a:latin typeface="Arial"/>
+              </a:rPr>
+              <a:t>Ventajas:</a:t>
+            </a:r>
+            <a:endParaRPr b="0" lang="es-ES" sz="1800" spc="-1" strike="noStrike">
+              <a:solidFill>
+                <a:srgbClr val="000000"/>
+              </a:solidFill>
+              <a:latin typeface="Arial"/>
+              <a:ea typeface="Noto Sans CJK SC"/>
+            </a:endParaRPr>
+          </a:p>
+          <a:p>
+            <a:pPr marL="360000">
+              <a:lnSpc>
+                <a:spcPct val="100000"/>
+              </a:lnSpc>
+              <a:spcBef>
+                <a:spcPts val="907"/>
+              </a:spcBef>
+              <a:spcAft>
+                <a:spcPts val="709"/>
+              </a:spcAft>
+              <a:buClr>
+                <a:srgbClr val="000000"/>
+              </a:buClr>
+              <a:buFont typeface="Wingdings" charset="2"/>
+              <a:buChar char=""/>
+            </a:pPr>
+            <a:r>
+              <a:rPr b="1" lang="es-ES" sz="1800" spc="-1" strike="noStrike">
+                <a:solidFill>
+                  <a:srgbClr val="000000"/>
+                </a:solidFill>
+                <a:latin typeface="Arial"/>
+              </a:rPr>
+              <a:t>El tiempo de desarrollo y configuración es muy bajo</a:t>
+            </a:r>
+            <a:r>
+              <a:rPr b="0" lang="es-ES" sz="1800" spc="-1" strike="noStrike">
+                <a:solidFill>
+                  <a:srgbClr val="000000"/>
+                </a:solidFill>
+                <a:latin typeface="Arial"/>
+              </a:rPr>
+              <a:t>, por no decir mínimo. Instalar, activar y pocos minutos tenemos un formulario conectado a nuestro CRM.</a:t>
+            </a:r>
+            <a:endParaRPr b="0" lang="es-ES" sz="1800" spc="-1" strike="noStrike">
+              <a:solidFill>
+                <a:srgbClr val="000000"/>
+              </a:solidFill>
+              <a:latin typeface="Arial"/>
+              <a:ea typeface="Noto Sans CJK SC"/>
+            </a:endParaRPr>
+          </a:p>
+          <a:p>
+            <a:pPr marL="360000">
+              <a:lnSpc>
+                <a:spcPct val="100000"/>
+              </a:lnSpc>
+              <a:spcBef>
+                <a:spcPts val="907"/>
+              </a:spcBef>
+              <a:spcAft>
+                <a:spcPts val="709"/>
+              </a:spcAft>
+              <a:buClr>
+                <a:srgbClr val="000000"/>
+              </a:buClr>
+              <a:buFont typeface="Wingdings" charset="2"/>
+              <a:buChar char=""/>
+            </a:pPr>
+            <a:r>
+              <a:rPr b="1" lang="es-ES" sz="1800" spc="-1" strike="noStrike">
+                <a:solidFill>
+                  <a:srgbClr val="000000"/>
+                </a:solidFill>
+                <a:latin typeface="Arial"/>
+              </a:rPr>
+              <a:t>Precio asequible.</a:t>
+            </a:r>
+            <a:endParaRPr b="0" lang="es-ES" sz="1800" spc="-1" strike="noStrike">
+              <a:solidFill>
+                <a:srgbClr val="000000"/>
+              </a:solidFill>
+              <a:latin typeface="Arial"/>
+              <a:ea typeface="Noto Sans CJK SC"/>
+            </a:endParaRPr>
+          </a:p>
+          <a:p>
+            <a:pPr indent="0">
+              <a:lnSpc>
+                <a:spcPct val="100000"/>
+              </a:lnSpc>
+              <a:spcBef>
+                <a:spcPts val="907"/>
+              </a:spcBef>
+              <a:spcAft>
+                <a:spcPts val="709"/>
+              </a:spcAft>
+              <a:buNone/>
+            </a:pPr>
+            <a:r>
+              <a:rPr b="1" lang="es-ES" sz="1800" spc="-1" strike="noStrike">
+                <a:solidFill>
+                  <a:srgbClr val="000000"/>
+                </a:solidFill>
+                <a:latin typeface="Arial"/>
+              </a:rPr>
+              <a:t>Desventajas:</a:t>
+            </a:r>
+            <a:endParaRPr b="0" lang="es-ES" sz="1800" spc="-1" strike="noStrike">
+              <a:solidFill>
+                <a:srgbClr val="000000"/>
+              </a:solidFill>
+              <a:latin typeface="Arial"/>
+              <a:ea typeface="Noto Sans CJK SC"/>
+            </a:endParaRPr>
+          </a:p>
+          <a:p>
+            <a:pPr marL="360000">
+              <a:lnSpc>
+                <a:spcPct val="100000"/>
+              </a:lnSpc>
+              <a:spcBef>
+                <a:spcPts val="907"/>
+              </a:spcBef>
+              <a:spcAft>
+                <a:spcPts val="709"/>
+              </a:spcAft>
+              <a:buClr>
+                <a:srgbClr val="000000"/>
+              </a:buClr>
+              <a:buFont typeface="Wingdings" charset="2"/>
+              <a:buChar char=""/>
+            </a:pPr>
+            <a:r>
+              <a:rPr b="1" lang="es-ES" sz="1800" spc="-1" strike="noStrike">
+                <a:solidFill>
+                  <a:srgbClr val="000000"/>
+                </a:solidFill>
+                <a:latin typeface="Arial"/>
+              </a:rPr>
+              <a:t>Puedes hacer lo que te deje el plugin</a:t>
+            </a:r>
+            <a:r>
+              <a:rPr b="0" lang="es-ES" sz="1800" spc="-1" strike="noStrike">
+                <a:solidFill>
+                  <a:srgbClr val="000000"/>
+                </a:solidFill>
+                <a:latin typeface="Arial"/>
+              </a:rPr>
+              <a:t>. ni más ni menos. Al principio sirven, pero según usas más tu CRM se suelen quedar cortos.</a:t>
+            </a:r>
+            <a:endParaRPr b="0" lang="es-ES" sz="1800" spc="-1" strike="noStrike">
+              <a:solidFill>
+                <a:srgbClr val="000000"/>
+              </a:solidFill>
+              <a:latin typeface="Arial"/>
+              <a:ea typeface="Noto Sans CJK SC"/>
             </a:endParaRPr>
           </a:p>
         </p:txBody>
@@ -4891,7 +5118,7 @@
         <p:spPr>
           <a:xfrm>
             <a:off x="2329200" y="294480"/>
-            <a:ext cx="6490080" cy="520560"/>
+            <a:ext cx="6489360" cy="519840"/>
           </a:xfrm>
           <a:prstGeom prst="rect">
             <a:avLst/>
@@ -4991,7 +5218,7 @@
         <p:spPr>
           <a:xfrm>
             <a:off x="311760" y="815760"/>
-            <a:ext cx="8518320" cy="520560"/>
+            <a:ext cx="8517600" cy="519840"/>
           </a:xfrm>
           <a:prstGeom prst="rect">
             <a:avLst/>
@@ -5061,7 +5288,7 @@
         <p:spPr>
           <a:xfrm>
             <a:off x="311760" y="1461600"/>
-            <a:ext cx="8518320" cy="3116160"/>
+            <a:ext cx="8517600" cy="3115440"/>
           </a:xfrm>
           <a:prstGeom prst="rect">
             <a:avLst/>
@@ -5073,16 +5300,277 @@
         </p:spPr>
         <p:txBody>
           <a:bodyPr lIns="91440" rIns="91440" tIns="91440" bIns="91440" anchor="t">
-            <a:normAutofit/>
+            <a:normAutofit fontScale="87222" lnSpcReduction="20000"/>
           </a:bodyPr>
           <a:p>
             <a:pPr indent="0">
-              <a:spcBef>
-                <a:spcPts val="1417"/>
-              </a:spcBef>
+              <a:lnSpc>
+                <a:spcPct val="100000"/>
+              </a:lnSpc>
+              <a:spcBef>
+                <a:spcPts val="624"/>
+              </a:spcBef>
+              <a:spcAft>
+                <a:spcPts val="425"/>
+              </a:spcAft>
               <a:buNone/>
-            </a:pPr>
-            <a:endParaRPr b="0" lang="es-ES" sz="1800" spc="-1" strike="noStrike">
+              <a:tabLst>
+                <a:tab algn="l" pos="0"/>
+              </a:tabLst>
+            </a:pPr>
+            <a:r>
+              <a:rPr b="0" lang="es-ES" sz="1400" spc="-1" strike="noStrike">
+                <a:solidFill>
+                  <a:srgbClr val="000000"/>
+                </a:solidFill>
+                <a:latin typeface="Arial"/>
+              </a:rPr>
+              <a:t>La opción de desarrollar nuestro propio sistema es una buena decisión, pero no está al alcance de todos.</a:t>
+            </a:r>
+            <a:endParaRPr b="0" lang="es-ES" sz="1400" spc="-1" strike="noStrike">
+              <a:solidFill>
+                <a:srgbClr val="000000"/>
+              </a:solidFill>
+              <a:latin typeface="Arial"/>
+            </a:endParaRPr>
+          </a:p>
+          <a:p>
+            <a:pPr indent="0">
+              <a:lnSpc>
+                <a:spcPct val="100000"/>
+              </a:lnSpc>
+              <a:spcBef>
+                <a:spcPts val="624"/>
+              </a:spcBef>
+              <a:spcAft>
+                <a:spcPts val="425"/>
+              </a:spcAft>
+              <a:buNone/>
+              <a:tabLst>
+                <a:tab algn="l" pos="0"/>
+              </a:tabLst>
+            </a:pPr>
+            <a:r>
+              <a:rPr b="0" lang="es-ES" sz="1400" spc="-1" strike="noStrike">
+                <a:solidFill>
+                  <a:srgbClr val="000000"/>
+                </a:solidFill>
+                <a:latin typeface="Arial"/>
+              </a:rPr>
+              <a:t>Si los formularios están desarrollados con algún plugin como Gravity Forms o Contact Form 7, aseguraros que el plugin de formularios que estéis usando tenga «hooks» que os permitan meter fácilmente vuestro desarrollo dentro del plugin de formulario.</a:t>
+            </a:r>
+            <a:endParaRPr b="0" lang="es-ES" sz="1400" spc="-1" strike="noStrike">
+              <a:solidFill>
+                <a:srgbClr val="000000"/>
+              </a:solidFill>
+              <a:latin typeface="Arial"/>
+            </a:endParaRPr>
+          </a:p>
+          <a:p>
+            <a:pPr indent="0">
+              <a:lnSpc>
+                <a:spcPct val="100000"/>
+              </a:lnSpc>
+              <a:spcBef>
+                <a:spcPts val="624"/>
+              </a:spcBef>
+              <a:spcAft>
+                <a:spcPts val="425"/>
+              </a:spcAft>
+              <a:buNone/>
+              <a:tabLst>
+                <a:tab algn="l" pos="0"/>
+              </a:tabLst>
+            </a:pPr>
+            <a:r>
+              <a:rPr b="0" lang="es-ES" sz="1400" spc="-1" strike="noStrike">
+                <a:solidFill>
+                  <a:srgbClr val="000000"/>
+                </a:solidFill>
+                <a:latin typeface="Arial"/>
+              </a:rPr>
+              <a:t>Por ejemplo, Contact Form 7 tiene un «hook» llamado «mail_sent» que permite meter tu código tras terminar todo el proceso.</a:t>
+            </a:r>
+            <a:endParaRPr b="0" lang="es-ES" sz="1400" spc="-1" strike="noStrike">
+              <a:solidFill>
+                <a:srgbClr val="000000"/>
+              </a:solidFill>
+              <a:latin typeface="Arial"/>
+            </a:endParaRPr>
+          </a:p>
+          <a:p>
+            <a:pPr indent="0">
+              <a:lnSpc>
+                <a:spcPct val="100000"/>
+              </a:lnSpc>
+              <a:spcBef>
+                <a:spcPts val="624"/>
+              </a:spcBef>
+              <a:spcAft>
+                <a:spcPts val="425"/>
+              </a:spcAft>
+              <a:buNone/>
+              <a:tabLst>
+                <a:tab algn="l" pos="0"/>
+              </a:tabLst>
+            </a:pPr>
+            <a:r>
+              <a:rPr b="1" lang="es-ES" sz="1400" spc="-1" strike="noStrike">
+                <a:solidFill>
+                  <a:srgbClr val="000000"/>
+                </a:solidFill>
+                <a:latin typeface="Arial"/>
+              </a:rPr>
+              <a:t>Ventajas:</a:t>
+            </a:r>
+            <a:endParaRPr b="0" lang="es-ES" sz="1400" spc="-1" strike="noStrike">
+              <a:solidFill>
+                <a:srgbClr val="000000"/>
+              </a:solidFill>
+              <a:latin typeface="Arial"/>
+            </a:endParaRPr>
+          </a:p>
+          <a:p>
+            <a:pPr marL="432000" indent="-324000">
+              <a:lnSpc>
+                <a:spcPct val="100000"/>
+              </a:lnSpc>
+              <a:spcBef>
+                <a:spcPts val="624"/>
+              </a:spcBef>
+              <a:spcAft>
+                <a:spcPts val="425"/>
+              </a:spcAft>
+              <a:buClr>
+                <a:srgbClr val="000000"/>
+              </a:buClr>
+              <a:buSzPct val="45000"/>
+              <a:buFont typeface="Wingdings" charset="2"/>
+              <a:buChar char=""/>
+              <a:tabLst>
+                <a:tab algn="l" pos="0"/>
+              </a:tabLst>
+            </a:pPr>
+            <a:r>
+              <a:rPr b="1" lang="es-ES" sz="1400" spc="-1" strike="noStrike">
+                <a:solidFill>
+                  <a:srgbClr val="000000"/>
+                </a:solidFill>
+                <a:latin typeface="Arial"/>
+              </a:rPr>
+              <a:t>Podemos meter toda la personalización que queramos</a:t>
+            </a:r>
+            <a:r>
+              <a:rPr b="0" lang="es-ES" sz="1400" spc="-1" strike="noStrike">
+                <a:solidFill>
+                  <a:srgbClr val="000000"/>
+                </a:solidFill>
+                <a:latin typeface="Arial"/>
+              </a:rPr>
+              <a:t> y hacer que interactúen muchos plugins de tu WordPress. Nos permiten depurar mucho mejor los datos del formulario.</a:t>
+            </a:r>
+            <a:endParaRPr b="0" lang="es-ES" sz="1400" spc="-1" strike="noStrike">
+              <a:solidFill>
+                <a:srgbClr val="000000"/>
+              </a:solidFill>
+              <a:latin typeface="Arial"/>
+            </a:endParaRPr>
+          </a:p>
+          <a:p>
+            <a:pPr marL="432000" indent="-324000">
+              <a:lnSpc>
+                <a:spcPct val="100000"/>
+              </a:lnSpc>
+              <a:spcBef>
+                <a:spcPts val="624"/>
+              </a:spcBef>
+              <a:spcAft>
+                <a:spcPts val="425"/>
+              </a:spcAft>
+              <a:buClr>
+                <a:srgbClr val="000000"/>
+              </a:buClr>
+              <a:buSzPct val="45000"/>
+              <a:buFont typeface="Wingdings" charset="2"/>
+              <a:buChar char=""/>
+              <a:tabLst>
+                <a:tab algn="l" pos="0"/>
+              </a:tabLst>
+            </a:pPr>
+            <a:r>
+              <a:rPr b="0" lang="es-ES" sz="1400" spc="-1" strike="noStrike">
+                <a:solidFill>
+                  <a:srgbClr val="000000"/>
+                </a:solidFill>
+                <a:latin typeface="Arial"/>
+              </a:rPr>
+              <a:t>También </a:t>
+            </a:r>
+            <a:r>
+              <a:rPr b="1" lang="es-ES" sz="1400" spc="-1" strike="noStrike">
+                <a:solidFill>
+                  <a:srgbClr val="000000"/>
+                </a:solidFill>
+                <a:latin typeface="Arial"/>
+              </a:rPr>
+              <a:t>permite interactuar varios Plugins</a:t>
+            </a:r>
+            <a:r>
+              <a:rPr b="0" lang="es-ES" sz="1400" spc="-1" strike="noStrike">
+                <a:solidFill>
+                  <a:srgbClr val="000000"/>
+                </a:solidFill>
+                <a:latin typeface="Arial"/>
+              </a:rPr>
+              <a:t>. Hay plugins que conectan CF7 con varios CRM y otros plugins que conectan WooCommerce con tu CRM, pero si queremos que nos envíen el contenido del carrito de compra de WooCommerce cuando rellena el formulario de consulta creado con CF7 no hay plugin que lo conecte todo.</a:t>
+            </a:r>
+            <a:endParaRPr b="0" lang="es-ES" sz="1400" spc="-1" strike="noStrike">
+              <a:solidFill>
+                <a:srgbClr val="000000"/>
+              </a:solidFill>
+              <a:latin typeface="Arial"/>
+            </a:endParaRPr>
+          </a:p>
+          <a:p>
+            <a:pPr marL="432000" indent="-324000">
+              <a:lnSpc>
+                <a:spcPct val="100000"/>
+              </a:lnSpc>
+              <a:spcBef>
+                <a:spcPts val="624"/>
+              </a:spcBef>
+              <a:spcAft>
+                <a:spcPts val="425"/>
+              </a:spcAft>
+              <a:buClr>
+                <a:srgbClr val="000000"/>
+              </a:buClr>
+              <a:buSzPct val="45000"/>
+              <a:buFont typeface="Wingdings" charset="2"/>
+              <a:buChar char=""/>
+              <a:tabLst>
+                <a:tab algn="l" pos="0"/>
+              </a:tabLst>
+            </a:pPr>
+            <a:r>
+              <a:rPr b="1" lang="es-ES" sz="1400" spc="-1" strike="noStrike">
+                <a:solidFill>
+                  <a:srgbClr val="000000"/>
+                </a:solidFill>
+                <a:latin typeface="Arial"/>
+              </a:rPr>
+              <a:t>Permite montar varias conexiones.</a:t>
+            </a:r>
+            <a:r>
+              <a:rPr b="0" lang="es-ES" sz="1400" spc="-1" strike="noStrike">
+                <a:solidFill>
+                  <a:srgbClr val="000000"/>
+                </a:solidFill>
+                <a:latin typeface="Arial"/>
+              </a:rPr>
+              <a:t> No es común, pero puede darse algunas veces que tengas que hacer varias conexiones a diferentes CRM y puede haber colisiones entre diferentes plugins, cada uno de que tira contra un CRM distinto.</a:t>
+            </a:r>
+            <a:endParaRPr b="0" lang="es-ES" sz="1400" spc="-1" strike="noStrike">
               <a:solidFill>
                 <a:srgbClr val="000000"/>
               </a:solidFill>
@@ -5104,7 +5592,7 @@
         <p:spPr>
           <a:xfrm>
             <a:off x="2329200" y="294480"/>
-            <a:ext cx="6490080" cy="520560"/>
+            <a:ext cx="6489360" cy="519840"/>
           </a:xfrm>
           <a:prstGeom prst="rect">
             <a:avLst/>
@@ -5198,13 +5686,13 @@
             <a:spLocks noGrp="1"/>
           </p:cNvSpPr>
           <p:nvPr>
-            <p:ph/>
+            <p:ph type="title"/>
           </p:nvPr>
         </p:nvSpPr>
         <p:spPr>
           <a:xfrm>
-            <a:off x="360000" y="3240000"/>
-            <a:ext cx="8518320" cy="1259280"/>
+            <a:off x="311760" y="815760"/>
+            <a:ext cx="8517600" cy="519840"/>
           </a:xfrm>
           <a:prstGeom prst="rect">
             <a:avLst/>
@@ -5219,109 +5707,40 @@
             <a:normAutofit/>
           </a:bodyPr>
           <a:p>
-            <a:pPr marL="432000" indent="-324000">
-              <a:lnSpc>
-                <a:spcPct val="100000"/>
-              </a:lnSpc>
-              <a:spcBef>
-                <a:spcPts val="624"/>
+            <a:pPr indent="0" algn="r">
+              <a:lnSpc>
+                <a:spcPct val="100000"/>
+              </a:lnSpc>
+              <a:spcBef>
+                <a:spcPts val="1191"/>
               </a:spcBef>
               <a:spcAft>
-                <a:spcPts val="425"/>
+                <a:spcPts val="992"/>
               </a:spcAft>
-              <a:buClr>
-                <a:srgbClr val="000000"/>
-              </a:buClr>
-              <a:buSzPct val="45000"/>
-              <a:buFont typeface="Wingdings" charset="2"/>
-              <a:buChar char=""/>
-            </a:pPr>
-            <a:r>
-              <a:rPr b="1" lang="es-ES" sz="1300" spc="-1" strike="noStrike">
-                <a:solidFill>
-                  <a:srgbClr val="000000"/>
-                </a:solidFill>
-                <a:latin typeface="Arial"/>
-                <a:ea typeface="Noto Sans CJK SC"/>
-              </a:rPr>
-              <a:t>No son desarrollos complicados</a:t>
-            </a:r>
-            <a:r>
-              <a:rPr b="0" lang="es-ES" sz="1300" spc="-1" strike="noStrike">
-                <a:solidFill>
-                  <a:srgbClr val="000000"/>
-                </a:solidFill>
-                <a:latin typeface="Arial"/>
-                <a:ea typeface="Noto Sans CJK SC"/>
-              </a:rPr>
-              <a:t>, son casi siempre tema de POST/GET de los datos y montarlos en un </a:t>
-            </a:r>
-            <a:r>
-              <a:rPr b="0" lang="es-ES" sz="1300" spc="-1" strike="noStrike">
-                <a:solidFill>
-                  <a:srgbClr val="000000"/>
-                </a:solidFill>
-                <a:latin typeface="Arial"/>
-                <a:ea typeface="Noto Sans CJK SC"/>
-              </a:rPr>
-              <a:t>formulario. Se pueden complicar cuando metemos fotos o documentos como CV en PDF, por ejemplo.</a:t>
-            </a:r>
-            <a:endParaRPr b="0" lang="es-ES" sz="1300" spc="-1" strike="noStrike">
-              <a:solidFill>
-                <a:srgbClr val="000000"/>
-              </a:solidFill>
-              <a:latin typeface="Arial"/>
-            </a:endParaRPr>
-          </a:p>
-          <a:p>
-            <a:pPr marL="432000" indent="-324000">
-              <a:lnSpc>
-                <a:spcPct val="100000"/>
-              </a:lnSpc>
-              <a:spcBef>
-                <a:spcPts val="624"/>
-              </a:spcBef>
-              <a:spcAft>
-                <a:spcPts val="425"/>
-              </a:spcAft>
-              <a:buClr>
-                <a:srgbClr val="000000"/>
-              </a:buClr>
-              <a:buSzPct val="45000"/>
-              <a:buFont typeface="Wingdings" charset="2"/>
-              <a:buChar char=""/>
-            </a:pPr>
-            <a:r>
-              <a:rPr b="1" lang="es-ES" sz="1300" spc="-1" strike="noStrike">
-                <a:solidFill>
-                  <a:srgbClr val="000000"/>
-                </a:solidFill>
-                <a:latin typeface="Arial"/>
-                <a:ea typeface="Noto Sans CJK SC"/>
-              </a:rPr>
-              <a:t>No debemos almacenar contraseñas en nuestro CRM</a:t>
-            </a:r>
-            <a:r>
-              <a:rPr b="0" lang="es-ES" sz="1300" spc="-1" strike="noStrike">
-                <a:solidFill>
-                  <a:srgbClr val="000000"/>
-                </a:solidFill>
-                <a:latin typeface="Arial"/>
-                <a:ea typeface="Noto Sans CJK SC"/>
-              </a:rPr>
-              <a:t>, lo suyo es usar el login/registro de WordPress o </a:t>
-            </a:r>
-            <a:r>
-              <a:rPr b="0" lang="es-ES" sz="1300" spc="-1" strike="noStrike">
-                <a:solidFill>
-                  <a:srgbClr val="000000"/>
-                </a:solidFill>
-                <a:latin typeface="Arial"/>
-                <a:ea typeface="Noto Sans CJK SC"/>
-              </a:rPr>
-              <a:t>generar algún tipo de «hash» temporal que se envíe al correo, así la gestión de seguridad la hace el correo.</a:t>
-            </a:r>
-            <a:endParaRPr b="0" lang="es-ES" sz="1300" spc="-1" strike="noStrike">
+              <a:buNone/>
+              <a:tabLst>
+                <a:tab algn="l" pos="0"/>
+              </a:tabLst>
+            </a:pPr>
+            <a:r>
+              <a:rPr b="1" lang="es-ES" sz="1500" spc="-1" strike="noStrike">
+                <a:solidFill>
+                  <a:srgbClr val="000000"/>
+                </a:solidFill>
+                <a:latin typeface="Arial"/>
+              </a:rPr>
+              <a:t>Conectados con un desarrollo propio</a:t>
+            </a:r>
+            <a:r>
+              <a:rPr b="0" lang="es-ES" sz="1500" spc="-1" strike="noStrike">
+                <a:solidFill>
+                  <a:srgbClr val="000000"/>
+                </a:solidFill>
+                <a:latin typeface="Arial"/>
+              </a:rPr>
+              <a:t> []_ ([]) []_</a:t>
+            </a:r>
+            <a:endParaRPr b="0" lang="es-ES" sz="1500" spc="-1" strike="noStrike">
               <a:solidFill>
                 <a:srgbClr val="000000"/>
               </a:solidFill>
@@ -5337,13 +5756,263 @@
             <a:spLocks noGrp="1"/>
           </p:cNvSpPr>
           <p:nvPr>
+            <p:ph/>
+          </p:nvPr>
+        </p:nvSpPr>
+        <p:spPr>
+          <a:xfrm>
+            <a:off x="311760" y="1461600"/>
+            <a:ext cx="8517600" cy="3115440"/>
+          </a:xfrm>
+          <a:prstGeom prst="rect">
+            <a:avLst/>
+          </a:prstGeom>
+          <a:noFill/>
+          <a:ln w="0">
+            <a:noFill/>
+          </a:ln>
+        </p:spPr>
+        <p:txBody>
+          <a:bodyPr lIns="91440" rIns="91440" tIns="91440" bIns="91440" anchor="t">
+            <a:normAutofit fontScale="96666" lnSpcReduction="10000"/>
+          </a:bodyPr>
+          <a:p>
+            <a:pPr indent="0">
+              <a:lnSpc>
+                <a:spcPct val="100000"/>
+              </a:lnSpc>
+              <a:spcBef>
+                <a:spcPts val="624"/>
+              </a:spcBef>
+              <a:spcAft>
+                <a:spcPts val="425"/>
+              </a:spcAft>
+              <a:buNone/>
+              <a:tabLst>
+                <a:tab algn="l" pos="0"/>
+              </a:tabLst>
+            </a:pPr>
+            <a:r>
+              <a:rPr b="1" lang="es-ES" sz="1400" spc="-1" strike="noStrike">
+                <a:solidFill>
+                  <a:srgbClr val="000000"/>
+                </a:solidFill>
+                <a:latin typeface="Arial"/>
+              </a:rPr>
+              <a:t>Desventajas:</a:t>
+            </a:r>
+            <a:endParaRPr b="0" lang="es-ES" sz="1400" spc="-1" strike="noStrike">
+              <a:solidFill>
+                <a:srgbClr val="000000"/>
+              </a:solidFill>
+              <a:latin typeface="Arial"/>
+            </a:endParaRPr>
+          </a:p>
+          <a:p>
+            <a:pPr marL="432000" indent="-324000">
+              <a:lnSpc>
+                <a:spcPct val="100000"/>
+              </a:lnSpc>
+              <a:spcBef>
+                <a:spcPts val="624"/>
+              </a:spcBef>
+              <a:spcAft>
+                <a:spcPts val="425"/>
+              </a:spcAft>
+              <a:buClr>
+                <a:srgbClr val="000000"/>
+              </a:buClr>
+              <a:buSzPct val="45000"/>
+              <a:buFont typeface="Wingdings" charset="2"/>
+              <a:buChar char=""/>
+              <a:tabLst>
+                <a:tab algn="l" pos="0"/>
+              </a:tabLst>
+            </a:pPr>
+            <a:r>
+              <a:rPr b="1" lang="es-ES" sz="1400" spc="-1" strike="noStrike">
+                <a:solidFill>
+                  <a:srgbClr val="000000"/>
+                </a:solidFill>
+                <a:latin typeface="Arial"/>
+              </a:rPr>
+              <a:t>Supone un mayor coste y tiempo de implementación.</a:t>
+            </a:r>
+            <a:r>
+              <a:rPr b="0" lang="es-ES" sz="1400" spc="-1" strike="noStrike">
+                <a:solidFill>
+                  <a:srgbClr val="000000"/>
+                </a:solidFill>
+                <a:latin typeface="Arial"/>
+              </a:rPr>
+              <a:t> Aunque los costes son cada vez más baratos debido a que puedes aprovechar el código ya creado.</a:t>
+            </a:r>
+            <a:endParaRPr b="0" lang="es-ES" sz="1400" spc="-1" strike="noStrike">
+              <a:solidFill>
+                <a:srgbClr val="000000"/>
+              </a:solidFill>
+              <a:latin typeface="Arial"/>
+            </a:endParaRPr>
+          </a:p>
+          <a:p>
+            <a:pPr indent="0">
+              <a:lnSpc>
+                <a:spcPct val="100000"/>
+              </a:lnSpc>
+              <a:spcBef>
+                <a:spcPts val="624"/>
+              </a:spcBef>
+              <a:spcAft>
+                <a:spcPts val="425"/>
+              </a:spcAft>
+              <a:buNone/>
+              <a:tabLst>
+                <a:tab algn="l" pos="0"/>
+              </a:tabLst>
+            </a:pPr>
+            <a:r>
+              <a:rPr b="1" lang="es-ES" sz="1400" spc="-1" strike="noStrike">
+                <a:solidFill>
+                  <a:srgbClr val="000000"/>
+                </a:solidFill>
+                <a:latin typeface="Arial"/>
+              </a:rPr>
+              <a:t>Consejos:</a:t>
+            </a:r>
+            <a:endParaRPr b="0" lang="es-ES" sz="1400" spc="-1" strike="noStrike">
+              <a:solidFill>
+                <a:srgbClr val="000000"/>
+              </a:solidFill>
+              <a:latin typeface="Arial"/>
+            </a:endParaRPr>
+          </a:p>
+          <a:p>
+            <a:pPr marL="432000" indent="-324000">
+              <a:lnSpc>
+                <a:spcPct val="100000"/>
+              </a:lnSpc>
+              <a:spcBef>
+                <a:spcPts val="624"/>
+              </a:spcBef>
+              <a:spcAft>
+                <a:spcPts val="425"/>
+              </a:spcAft>
+              <a:buClr>
+                <a:srgbClr val="000000"/>
+              </a:buClr>
+              <a:buSzPct val="45000"/>
+              <a:buFont typeface="Wingdings" charset="2"/>
+              <a:buChar char=""/>
+              <a:tabLst>
+                <a:tab algn="l" pos="0"/>
+              </a:tabLst>
+            </a:pPr>
+            <a:r>
+              <a:rPr b="0" lang="es-ES" sz="1400" spc="-1" strike="noStrike">
+                <a:solidFill>
+                  <a:srgbClr val="000000"/>
+                </a:solidFill>
+                <a:latin typeface="Arial"/>
+              </a:rPr>
+              <a:t>No tenemos que partir de cero, podemos trabajar sobre plugins ya existentes que hacen la conexión y sobre ellos hacer nuestro desarrollo propio.</a:t>
+            </a:r>
+            <a:endParaRPr b="0" lang="es-ES" sz="1400" spc="-1" strike="noStrike">
+              <a:solidFill>
+                <a:srgbClr val="000000"/>
+              </a:solidFill>
+              <a:latin typeface="Arial"/>
+            </a:endParaRPr>
+          </a:p>
+          <a:p>
+            <a:pPr marL="432000" indent="-324000">
+              <a:lnSpc>
+                <a:spcPct val="100000"/>
+              </a:lnSpc>
+              <a:spcBef>
+                <a:spcPts val="624"/>
+              </a:spcBef>
+              <a:spcAft>
+                <a:spcPts val="425"/>
+              </a:spcAft>
+              <a:buClr>
+                <a:srgbClr val="000000"/>
+              </a:buClr>
+              <a:buSzPct val="45000"/>
+              <a:buFont typeface="Wingdings" charset="2"/>
+              <a:buChar char=""/>
+              <a:tabLst>
+                <a:tab algn="l" pos="0"/>
+              </a:tabLst>
+            </a:pPr>
+            <a:r>
+              <a:rPr b="0" lang="es-ES" sz="1400" spc="-1" strike="noStrike">
+                <a:solidFill>
+                  <a:srgbClr val="000000"/>
+                </a:solidFill>
+                <a:latin typeface="Arial"/>
+              </a:rPr>
+              <a:t>Los CRM no suelen funcionar al momento, acumulan tareas y una cola las procesa de forma que puede haber un desfase de minutos entre un disparador y que se ejecute las acciones asociadas.</a:t>
+            </a:r>
+            <a:endParaRPr b="0" lang="es-ES" sz="1400" spc="-1" strike="noStrike">
+              <a:solidFill>
+                <a:srgbClr val="000000"/>
+              </a:solidFill>
+              <a:latin typeface="Arial"/>
+            </a:endParaRPr>
+          </a:p>
+          <a:p>
+            <a:pPr marL="432000" indent="-324000">
+              <a:lnSpc>
+                <a:spcPct val="100000"/>
+              </a:lnSpc>
+              <a:spcBef>
+                <a:spcPts val="624"/>
+              </a:spcBef>
+              <a:spcAft>
+                <a:spcPts val="425"/>
+              </a:spcAft>
+              <a:buClr>
+                <a:srgbClr val="000000"/>
+              </a:buClr>
+              <a:buSzPct val="45000"/>
+              <a:buFont typeface="Wingdings" charset="2"/>
+              <a:buChar char=""/>
+              <a:tabLst>
+                <a:tab algn="l" pos="0"/>
+              </a:tabLst>
+            </a:pPr>
+            <a:r>
+              <a:rPr b="0" lang="es-ES" sz="1400" spc="-1" strike="noStrike">
+                <a:solidFill>
+                  <a:srgbClr val="000000"/>
+                </a:solidFill>
+                <a:latin typeface="Arial"/>
+              </a:rPr>
+              <a:t>Si los formularios tienen que enviar algún email al momento con algún dato o confirmación debe hacerlo vuestro desarrollo y el plugin que uséis. Si no es importante que el envío sea inmediato puede hacerlo a través del CRM de forma que se registre aperturas, clics, etc. y puedas montar flujos y embudos.</a:t>
+            </a:r>
+            <a:endParaRPr b="0" lang="es-ES" sz="1400" spc="-1" strike="noStrike">
+              <a:solidFill>
+                <a:srgbClr val="000000"/>
+              </a:solidFill>
+              <a:latin typeface="Arial"/>
+            </a:endParaRPr>
+          </a:p>
+        </p:txBody>
+      </p:sp>
+      <p:sp>
+        <p:nvSpPr>
+          <p:cNvPr id="88" name="PlaceHolder 3"/>
+          <p:cNvSpPr>
+            <a:spLocks noGrp="1"/>
+          </p:cNvSpPr>
+          <p:nvPr>
             <p:ph type="title"/>
           </p:nvPr>
         </p:nvSpPr>
         <p:spPr>
           <a:xfrm>
-            <a:off x="2329560" y="294840"/>
-            <a:ext cx="6490080" cy="520560"/>
+            <a:off x="2329200" y="294480"/>
+            <a:ext cx="6489360" cy="519840"/>
           </a:xfrm>
           <a:prstGeom prst="rect">
             <a:avLst/>
@@ -5380,7 +6049,7 @@
                 </a:solidFill>
                 <a:latin typeface="Arial"/>
               </a:rPr>
-              <a:t>Perfiles de usuarios </a:t>
+              <a:t>Formularios </a:t>
             </a:r>
             <a:r>
               <a:rPr b="0" lang="es-ES" sz="1800" spc="-1" strike="noStrike">
@@ -5389,263 +6058,9 @@
                 </a:solidFill>
                 <a:latin typeface="Arial"/>
               </a:rPr>
-              <a:t> ¦̵̱ ̵̱ ̵̱ ̵̱ ̵̱(̢ ̡͇̅└͇̅┘͇̅ (▤8</a:t>
-            </a:r>
-            <a:r>
-              <a:rPr b="0" lang="hi-IN" sz="1800" spc="-1" strike="noStrike">
-                <a:solidFill>
-                  <a:srgbClr val="174575"/>
-                </a:solidFill>
-                <a:latin typeface="Arial"/>
-              </a:rPr>
-              <a:t>כ</a:t>
-            </a:r>
-            <a:r>
-              <a:rPr b="0" lang="es-ES" sz="1800" spc="-1" strike="noStrike">
-                <a:solidFill>
-                  <a:srgbClr val="174575"/>
-                </a:solidFill>
-                <a:latin typeface="Arial"/>
-              </a:rPr>
-              <a:t>−◦</a:t>
+              <a:t>[̲̅$̲̅(̲̅ιοο̲̅)̲̅$̲̅]</a:t>
             </a:r>
             <a:endParaRPr b="0" lang="es-ES" sz="1800" spc="-1" strike="noStrike">
-              <a:solidFill>
-                <a:srgbClr val="000000"/>
-              </a:solidFill>
-              <a:latin typeface="Arial"/>
-            </a:endParaRPr>
-          </a:p>
-        </p:txBody>
-      </p:sp>
-      <p:sp>
-        <p:nvSpPr>
-          <p:cNvPr id="88" name="PlaceHolder 10"/>
-          <p:cNvSpPr/>
-          <p:nvPr/>
-        </p:nvSpPr>
-        <p:spPr>
-          <a:xfrm>
-            <a:off x="360000" y="900000"/>
-            <a:ext cx="8639280" cy="1799640"/>
-          </a:xfrm>
-          <a:prstGeom prst="rect">
-            <a:avLst/>
-          </a:prstGeom>
-          <a:noFill/>
-          <a:ln w="0">
-            <a:noFill/>
-          </a:ln>
-        </p:spPr>
-        <p:style>
-          <a:lnRef idx="0"/>
-          <a:fillRef idx="0"/>
-          <a:effectRef idx="0"/>
-          <a:fontRef idx="minor"/>
-        </p:style>
-        <p:txBody>
-          <a:bodyPr lIns="90000" rIns="90000" tIns="91440" bIns="91440" anchor="t">
-            <a:normAutofit/>
-          </a:bodyPr>
-          <a:p>
-            <a:pPr>
-              <a:lnSpc>
-                <a:spcPct val="100000"/>
-              </a:lnSpc>
-              <a:spcBef>
-                <a:spcPts val="850"/>
-              </a:spcBef>
-              <a:spcAft>
-                <a:spcPts val="850"/>
-              </a:spcAft>
-            </a:pPr>
-            <a:r>
-              <a:rPr b="0" lang="es-ES" sz="1300" spc="-1" strike="noStrike">
-                <a:solidFill>
-                  <a:srgbClr val="000000"/>
-                </a:solidFill>
-                <a:latin typeface="Arial"/>
-                <a:ea typeface="Noto Sans CJK SC"/>
-              </a:rPr>
-              <a:t>Otra forma bastante común de conectar tu web en WordPress con tu CRM es crear un editor de perfil en tu web para que las propias usuarias puedan editar sus datos, sus preferencias y sus boletines de forma que ellas directamente nos den la información que luego vamos a usar.</a:t>
-            </a:r>
-            <a:endParaRPr b="0" lang="es-ES" sz="1300" spc="-1" strike="noStrike">
-              <a:solidFill>
-                <a:srgbClr val="000000"/>
-              </a:solidFill>
-              <a:latin typeface="Arial"/>
-            </a:endParaRPr>
-          </a:p>
-          <a:p>
-            <a:pPr>
-              <a:lnSpc>
-                <a:spcPct val="100000"/>
-              </a:lnSpc>
-              <a:spcBef>
-                <a:spcPts val="850"/>
-              </a:spcBef>
-              <a:spcAft>
-                <a:spcPts val="850"/>
-              </a:spcAft>
-            </a:pPr>
-            <a:r>
-              <a:rPr b="0" lang="es-ES" sz="1300" spc="-1" strike="noStrike">
-                <a:solidFill>
-                  <a:srgbClr val="000000"/>
-                </a:solidFill>
-                <a:latin typeface="Arial"/>
-                <a:ea typeface="Noto Sans CJK SC"/>
-              </a:rPr>
-              <a:t>Algunos ejemplos:</a:t>
-            </a:r>
-            <a:endParaRPr b="0" lang="es-ES" sz="1300" spc="-1" strike="noStrike">
-              <a:solidFill>
-                <a:srgbClr val="000000"/>
-              </a:solidFill>
-              <a:latin typeface="Arial"/>
-            </a:endParaRPr>
-          </a:p>
-          <a:p>
-            <a:pPr marL="432000" indent="-324000">
-              <a:lnSpc>
-                <a:spcPct val="100000"/>
-              </a:lnSpc>
-              <a:spcBef>
-                <a:spcPts val="340"/>
-              </a:spcBef>
-              <a:spcAft>
-                <a:spcPts val="142"/>
-              </a:spcAft>
-              <a:buClr>
-                <a:srgbClr val="000000"/>
-              </a:buClr>
-              <a:buSzPct val="45000"/>
-              <a:buFont typeface="Wingdings" charset="2"/>
-              <a:buChar char=""/>
-            </a:pPr>
-            <a:r>
-              <a:rPr b="0" lang="es-ES" sz="1300" spc="-1" strike="noStrike" u="sng">
-                <a:solidFill>
-                  <a:srgbClr val="0097a7"/>
-                </a:solidFill>
-                <a:uFillTx/>
-                <a:latin typeface="Arial"/>
-                <a:ea typeface="Noto Sans CJK SC"/>
-                <a:hlinkClick r:id="rId1"/>
-              </a:rPr>
-              <a:t>SPRI</a:t>
-            </a:r>
-            <a:endParaRPr b="0" lang="es-ES" sz="1300" spc="-1" strike="noStrike">
-              <a:solidFill>
-                <a:srgbClr val="000000"/>
-              </a:solidFill>
-              <a:latin typeface="Arial"/>
-            </a:endParaRPr>
-          </a:p>
-          <a:p>
-            <a:pPr marL="432000" indent="-324000">
-              <a:lnSpc>
-                <a:spcPct val="100000"/>
-              </a:lnSpc>
-              <a:spcBef>
-                <a:spcPts val="340"/>
-              </a:spcBef>
-              <a:spcAft>
-                <a:spcPts val="142"/>
-              </a:spcAft>
-              <a:buClr>
-                <a:srgbClr val="000000"/>
-              </a:buClr>
-              <a:buSzPct val="45000"/>
-              <a:buFont typeface="Wingdings" charset="2"/>
-              <a:buChar char=""/>
-            </a:pPr>
-            <a:r>
-              <a:rPr b="0" lang="es-ES" sz="1300" spc="-1" strike="noStrike" u="sng">
-                <a:solidFill>
-                  <a:srgbClr val="0097a7"/>
-                </a:solidFill>
-                <a:uFillTx/>
-                <a:latin typeface="Arial"/>
-                <a:ea typeface="Noto Sans CJK SC"/>
-                <a:hlinkClick r:id="rId2"/>
-              </a:rPr>
-              <a:t>AED</a:t>
-            </a:r>
-            <a:endParaRPr b="0" lang="es-ES" sz="1300" spc="-1" strike="noStrike">
-              <a:solidFill>
-                <a:srgbClr val="000000"/>
-              </a:solidFill>
-              <a:latin typeface="Arial"/>
-            </a:endParaRPr>
-          </a:p>
-        </p:txBody>
-      </p:sp>
-      <p:sp>
-        <p:nvSpPr>
-          <p:cNvPr id="89" name="PlaceHolder 11"/>
-          <p:cNvSpPr/>
-          <p:nvPr/>
-        </p:nvSpPr>
-        <p:spPr>
-          <a:xfrm>
-            <a:off x="180000" y="2718720"/>
-            <a:ext cx="8650080" cy="520560"/>
-          </a:xfrm>
-          <a:prstGeom prst="rect">
-            <a:avLst/>
-          </a:prstGeom>
-          <a:noFill/>
-          <a:ln w="0">
-            <a:noFill/>
-          </a:ln>
-        </p:spPr>
-        <p:style>
-          <a:lnRef idx="0"/>
-          <a:fillRef idx="0"/>
-          <a:effectRef idx="0"/>
-          <a:fontRef idx="minor"/>
-        </p:style>
-        <p:txBody>
-          <a:bodyPr lIns="90000" rIns="90000" tIns="91440" bIns="91440" anchor="t">
-            <a:normAutofit/>
-          </a:bodyPr>
-          <a:p>
-            <a:pPr algn="r">
-              <a:lnSpc>
-                <a:spcPct val="100000"/>
-              </a:lnSpc>
-              <a:spcBef>
-                <a:spcPts val="1191"/>
-              </a:spcBef>
-              <a:spcAft>
-                <a:spcPts val="992"/>
-              </a:spcAft>
-              <a:tabLst>
-                <a:tab algn="l" pos="0"/>
-              </a:tabLst>
-            </a:pPr>
-            <a:r>
-              <a:rPr b="1" lang="es-ES" sz="1500" spc="-1" strike="noStrike">
-                <a:solidFill>
-                  <a:srgbClr val="000000"/>
-                </a:solidFill>
-                <a:latin typeface="Arial"/>
-                <a:ea typeface="DejaVu Sans"/>
-              </a:rPr>
-              <a:t>Consideraciones</a:t>
-            </a:r>
-            <a:r>
-              <a:rPr b="0" lang="es-ES" sz="1500" spc="-1" strike="noStrike">
-                <a:solidFill>
-                  <a:srgbClr val="000000"/>
-                </a:solidFill>
-                <a:latin typeface="Arial"/>
-                <a:ea typeface="DejaVu Sans"/>
-              </a:rPr>
-              <a:t> Ƹ̵̡Ӝ̵̨̄Ʒ</a:t>
-            </a:r>
-            <a:endParaRPr b="0" lang="es-ES" sz="1500" spc="-1" strike="noStrike">
               <a:solidFill>
                 <a:srgbClr val="000000"/>
               </a:solidFill>
@@ -5686,7 +6101,7 @@
       </p:grpSpPr>
       <p:sp>
         <p:nvSpPr>
-          <p:cNvPr id="90" name="PlaceHolder 1"/>
+          <p:cNvPr id="89" name="PlaceHolder 1"/>
           <p:cNvSpPr>
             <a:spLocks noGrp="1"/>
           </p:cNvSpPr>
@@ -5696,187 +6111,8 @@
         </p:nvSpPr>
         <p:spPr>
           <a:xfrm>
-            <a:off x="311760" y="1461600"/>
-            <a:ext cx="5807520" cy="3116160"/>
-          </a:xfrm>
-          <a:prstGeom prst="rect">
-            <a:avLst/>
-          </a:prstGeom>
-          <a:noFill/>
-          <a:ln w="0">
-            <a:noFill/>
-          </a:ln>
-        </p:spPr>
-        <p:txBody>
-          <a:bodyPr lIns="91440" rIns="91440" tIns="91440" bIns="91440" anchor="t">
-            <a:normAutofit fontScale="81111"/>
-          </a:bodyPr>
-          <a:p>
-            <a:pPr indent="0">
-              <a:lnSpc>
-                <a:spcPct val="100000"/>
-              </a:lnSpc>
-              <a:spcBef>
-                <a:spcPts val="1191"/>
-              </a:spcBef>
-              <a:spcAft>
-                <a:spcPts val="992"/>
-              </a:spcAft>
-              <a:buNone/>
-              <a:tabLst>
-                <a:tab algn="l" pos="0"/>
-              </a:tabLst>
-            </a:pPr>
-            <a:r>
-              <a:rPr b="0" lang="es-ES" sz="1500" spc="-1" strike="noStrike">
-                <a:solidFill>
-                  <a:srgbClr val="000000"/>
-                </a:solidFill>
-                <a:latin typeface="Arial"/>
-              </a:rPr>
-              <a:t>Lo importante en esos desarrollos en </a:t>
-            </a:r>
-            <a:r>
-              <a:rPr b="1" lang="es-ES" sz="1500" spc="-1" strike="noStrike">
-                <a:solidFill>
-                  <a:srgbClr val="000000"/>
-                </a:solidFill>
-                <a:latin typeface="Arial"/>
-              </a:rPr>
-              <a:t>definir bien qué elementos va a tener el formulario y cómo van a poder rellenar</a:t>
-            </a:r>
-            <a:r>
-              <a:rPr b="0" lang="es-ES" sz="1500" spc="-1" strike="noStrike">
-                <a:solidFill>
-                  <a:srgbClr val="000000"/>
-                </a:solidFill>
-                <a:latin typeface="Arial"/>
-              </a:rPr>
-              <a:t>. Datos muy relevantes como pueden ser el tamaño de tu empresa, puede que no interese dejarse de mano de las clientes que editan su perfil.</a:t>
-            </a:r>
-            <a:endParaRPr b="0" lang="es-ES" sz="1500" spc="-1" strike="noStrike">
-              <a:solidFill>
-                <a:srgbClr val="000000"/>
-              </a:solidFill>
-              <a:latin typeface="Arial"/>
-            </a:endParaRPr>
-          </a:p>
-          <a:p>
-            <a:pPr indent="0">
-              <a:lnSpc>
-                <a:spcPct val="100000"/>
-              </a:lnSpc>
-              <a:spcBef>
-                <a:spcPts val="1191"/>
-              </a:spcBef>
-              <a:spcAft>
-                <a:spcPts val="992"/>
-              </a:spcAft>
-              <a:buNone/>
-              <a:tabLst>
-                <a:tab algn="l" pos="0"/>
-              </a:tabLst>
-            </a:pPr>
-            <a:r>
-              <a:rPr b="0" lang="es-ES" sz="1500" spc="-1" strike="noStrike">
-                <a:solidFill>
-                  <a:srgbClr val="000000"/>
-                </a:solidFill>
-                <a:latin typeface="Arial"/>
-              </a:rPr>
-              <a:t>La mejor opción es </a:t>
-            </a:r>
-            <a:r>
-              <a:rPr b="1" lang="es-ES" sz="1500" spc="-1" strike="noStrike">
-                <a:solidFill>
-                  <a:srgbClr val="000000"/>
-                </a:solidFill>
-                <a:latin typeface="Arial"/>
-              </a:rPr>
-              <a:t>cerrar lo más posible la entrada de datos</a:t>
-            </a:r>
-            <a:r>
-              <a:rPr b="0" lang="es-ES" sz="1500" spc="-1" strike="noStrike">
-                <a:solidFill>
-                  <a:srgbClr val="000000"/>
-                </a:solidFill>
-                <a:latin typeface="Arial"/>
-              </a:rPr>
-              <a:t>. Si podéis cerrar las opciones con desplegables, checkboxes, etc. mucho mejor que textos libres. Pensad que una ciudad puede escribirse de muchas formas: Galdakano, Galdacano, Galdakao, etc. </a:t>
-            </a:r>
-            <a:endParaRPr b="0" lang="es-ES" sz="1500" spc="-1" strike="noStrike">
-              <a:solidFill>
-                <a:srgbClr val="000000"/>
-              </a:solidFill>
-              <a:latin typeface="Arial"/>
-            </a:endParaRPr>
-          </a:p>
-          <a:p>
-            <a:pPr indent="0">
-              <a:lnSpc>
-                <a:spcPct val="100000"/>
-              </a:lnSpc>
-              <a:spcBef>
-                <a:spcPts val="1191"/>
-              </a:spcBef>
-              <a:spcAft>
-                <a:spcPts val="992"/>
-              </a:spcAft>
-              <a:buNone/>
-              <a:tabLst>
-                <a:tab algn="l" pos="0"/>
-              </a:tabLst>
-            </a:pPr>
-            <a:r>
-              <a:rPr b="0" lang="es-ES" sz="1500" spc="-1" strike="noStrike">
-                <a:solidFill>
-                  <a:srgbClr val="000000"/>
-                </a:solidFill>
-                <a:latin typeface="Arial"/>
-              </a:rPr>
-              <a:t>Os diría que </a:t>
-            </a:r>
-            <a:r>
-              <a:rPr b="1" lang="es-ES" sz="1500" spc="-1" strike="noStrike">
-                <a:solidFill>
-                  <a:srgbClr val="000000"/>
-                </a:solidFill>
-                <a:latin typeface="Arial"/>
-              </a:rPr>
-              <a:t>si tenéis dudas con ciertos campos, los duplicáis</a:t>
-            </a:r>
-            <a:r>
-              <a:rPr b="0" lang="es-ES" sz="1500" spc="-1" strike="noStrike">
-                <a:solidFill>
-                  <a:srgbClr val="000000"/>
-                </a:solidFill>
-                <a:latin typeface="Arial"/>
-              </a:rPr>
-              <a:t> y luego ver como funcionan las usuarias, tomáis una decisión de mantenerlo separado o fusionáis. Siguiendo el ejemplo anterior del tamaño de empresa, podemos tener el campo del CRM «tamaño_empresa» que usa marketing para sus segmentos y creamos otro para «tamaño_empresa_perfil» para el perfil de usuaria. </a:t>
-            </a:r>
-            <a:endParaRPr b="0" lang="es-ES" sz="1500" spc="-1" strike="noStrike">
-              <a:solidFill>
-                <a:srgbClr val="000000"/>
-              </a:solidFill>
-              <a:latin typeface="Arial"/>
-            </a:endParaRPr>
-          </a:p>
-        </p:txBody>
-      </p:sp>
-      <p:sp>
-        <p:nvSpPr>
-          <p:cNvPr id="91" name="PlaceHolder 2"/>
-          <p:cNvSpPr>
-            <a:spLocks noGrp="1"/>
-          </p:cNvSpPr>
-          <p:nvPr>
-            <p:ph type="title"/>
-          </p:nvPr>
-        </p:nvSpPr>
-        <p:spPr>
-          <a:xfrm>
-            <a:off x="2329560" y="294840"/>
-            <a:ext cx="6490080" cy="520560"/>
+            <a:off x="360000" y="3240000"/>
+            <a:ext cx="8517600" cy="1258560"/>
           </a:xfrm>
           <a:prstGeom prst="rect">
             <a:avLst/>
@@ -5891,6 +6127,125 @@
             <a:normAutofit/>
           </a:bodyPr>
           <a:p>
+            <a:pPr marL="432000" indent="-324000">
+              <a:lnSpc>
+                <a:spcPct val="100000"/>
+              </a:lnSpc>
+              <a:spcBef>
+                <a:spcPts val="624"/>
+              </a:spcBef>
+              <a:spcAft>
+                <a:spcPts val="425"/>
+              </a:spcAft>
+              <a:buClr>
+                <a:srgbClr val="000000"/>
+              </a:buClr>
+              <a:buSzPct val="45000"/>
+              <a:buFont typeface="Wingdings" charset="2"/>
+              <a:buChar char=""/>
+            </a:pPr>
+            <a:r>
+              <a:rPr b="1" lang="es-ES" sz="1300" spc="-1" strike="noStrike">
+                <a:solidFill>
+                  <a:srgbClr val="000000"/>
+                </a:solidFill>
+                <a:latin typeface="Arial"/>
+                <a:ea typeface="Noto Sans CJK SC"/>
+              </a:rPr>
+              <a:t>No son desarrollos complicados</a:t>
+            </a:r>
+            <a:r>
+              <a:rPr b="0" lang="es-ES" sz="1300" spc="-1" strike="noStrike">
+                <a:solidFill>
+                  <a:srgbClr val="000000"/>
+                </a:solidFill>
+                <a:latin typeface="Arial"/>
+                <a:ea typeface="Noto Sans CJK SC"/>
+              </a:rPr>
+              <a:t>, son casi siempre tema de POST/GET de los datos y montarlos en un formulario. Se pueden complicar cuando metemos fotos o documentos como CV en PDF, por ejemplo.</a:t>
+            </a:r>
+            <a:endParaRPr b="0" lang="es-ES" sz="1300" spc="-1" strike="noStrike">
+              <a:solidFill>
+                <a:srgbClr val="000000"/>
+              </a:solidFill>
+              <a:latin typeface="Arial"/>
+            </a:endParaRPr>
+          </a:p>
+          <a:p>
+            <a:pPr marL="432000" indent="-324000">
+              <a:lnSpc>
+                <a:spcPct val="100000"/>
+              </a:lnSpc>
+              <a:spcBef>
+                <a:spcPts val="624"/>
+              </a:spcBef>
+              <a:spcAft>
+                <a:spcPts val="425"/>
+              </a:spcAft>
+              <a:buClr>
+                <a:srgbClr val="000000"/>
+              </a:buClr>
+              <a:buSzPct val="45000"/>
+              <a:buFont typeface="Wingdings" charset="2"/>
+              <a:buChar char=""/>
+            </a:pPr>
+            <a:r>
+              <a:rPr b="1" lang="es-ES" sz="1300" spc="-1" strike="noStrike">
+                <a:solidFill>
+                  <a:srgbClr val="000000"/>
+                </a:solidFill>
+                <a:latin typeface="Arial"/>
+                <a:ea typeface="Noto Sans CJK SC"/>
+              </a:rPr>
+              <a:t>No debemos almacenar contraseñas en nuestro CRM</a:t>
+            </a:r>
+            <a:r>
+              <a:rPr b="0" lang="es-ES" sz="1300" spc="-1" strike="noStrike">
+                <a:solidFill>
+                  <a:srgbClr val="000000"/>
+                </a:solidFill>
+                <a:latin typeface="Arial"/>
+                <a:ea typeface="Noto Sans CJK SC"/>
+              </a:rPr>
+              <a:t>, lo suyo es usar el login/registro de WordPress o generar algún tipo de «hash» temporal que se envíe al correo, así la gestión de seguridad la hace el correo.</a:t>
+            </a:r>
+            <a:endParaRPr b="0" lang="es-ES" sz="1300" spc="-1" strike="noStrike">
+              <a:solidFill>
+                <a:srgbClr val="000000"/>
+              </a:solidFill>
+              <a:latin typeface="Arial"/>
+            </a:endParaRPr>
+          </a:p>
+        </p:txBody>
+      </p:sp>
+      <p:sp>
+        <p:nvSpPr>
+          <p:cNvPr id="90" name="PlaceHolder 2"/>
+          <p:cNvSpPr>
+            <a:spLocks noGrp="1"/>
+          </p:cNvSpPr>
+          <p:nvPr>
+            <p:ph type="title"/>
+          </p:nvPr>
+        </p:nvSpPr>
+        <p:spPr>
+          <a:xfrm>
+            <a:off x="2329560" y="294840"/>
+            <a:ext cx="6489360" cy="519840"/>
+          </a:xfrm>
+          <a:prstGeom prst="rect">
+            <a:avLst/>
+          </a:prstGeom>
+          <a:noFill/>
+          <a:ln w="0">
+            <a:noFill/>
+          </a:ln>
+        </p:spPr>
+        <p:txBody>
+          <a:bodyPr lIns="91440" rIns="91440" tIns="91440" bIns="91440" anchor="t">
+            <a:normAutofit/>
+          </a:bodyPr>
+          <a:p>
             <a:pPr indent="0" algn="r">
               <a:lnSpc>
                 <a:spcPct val="100000"/>
@@ -5953,14 +6308,14 @@
       </p:sp>
       <p:sp>
         <p:nvSpPr>
-          <p:cNvPr id="92" name="PlaceHolder 8"/>
+          <p:cNvPr id="91" name="PlaceHolder 10"/>
           <p:cNvSpPr/>
           <p:nvPr/>
         </p:nvSpPr>
         <p:spPr>
           <a:xfrm>
-            <a:off x="180000" y="900000"/>
-            <a:ext cx="8650080" cy="520560"/>
+            <a:off x="360000" y="900000"/>
+            <a:ext cx="8638560" cy="1798920"/>
           </a:xfrm>
           <a:prstGeom prst="rect">
             <a:avLst/>
@@ -5981,6 +6336,169 @@
             <a:normAutofit/>
           </a:bodyPr>
           <a:p>
+            <a:pPr>
+              <a:lnSpc>
+                <a:spcPct val="100000"/>
+              </a:lnSpc>
+              <a:spcBef>
+                <a:spcPts val="850"/>
+              </a:spcBef>
+              <a:spcAft>
+                <a:spcPts val="850"/>
+              </a:spcAft>
+            </a:pPr>
+            <a:r>
+              <a:rPr b="0" lang="es-ES" sz="1300" spc="-1" strike="noStrike">
+                <a:solidFill>
+                  <a:srgbClr val="000000"/>
+                </a:solidFill>
+                <a:latin typeface="Arial"/>
+                <a:ea typeface="Noto Sans CJK SC"/>
+              </a:rPr>
+              <a:t>Otra forma bastante común de conectar tu web en WordPress con tu CRM es crear un editor de perfil en tu web para que las propias usuarias puedan editar sus datos, sus preferencias y sus boletines de forma que ellas directamente nos den la información que luego vamos a usar.</a:t>
+            </a:r>
+            <a:endParaRPr b="0" lang="es-ES" sz="1300" spc="-1" strike="noStrike">
+              <a:solidFill>
+                <a:srgbClr val="000000"/>
+              </a:solidFill>
+              <a:latin typeface="Arial"/>
+            </a:endParaRPr>
+          </a:p>
+          <a:p>
+            <a:pPr>
+              <a:lnSpc>
+                <a:spcPct val="100000"/>
+              </a:lnSpc>
+              <a:spcBef>
+                <a:spcPts val="850"/>
+              </a:spcBef>
+              <a:spcAft>
+                <a:spcPts val="850"/>
+              </a:spcAft>
+            </a:pPr>
+            <a:r>
+              <a:rPr b="0" lang="es-ES" sz="1300" spc="-1" strike="noStrike">
+                <a:solidFill>
+                  <a:srgbClr val="000000"/>
+                </a:solidFill>
+                <a:latin typeface="Arial"/>
+                <a:ea typeface="Noto Sans CJK SC"/>
+              </a:rPr>
+              <a:t>Algunos ejemplos:</a:t>
+            </a:r>
+            <a:endParaRPr b="0" lang="es-ES" sz="1300" spc="-1" strike="noStrike">
+              <a:solidFill>
+                <a:srgbClr val="000000"/>
+              </a:solidFill>
+              <a:latin typeface="Arial"/>
+            </a:endParaRPr>
+          </a:p>
+          <a:p>
+            <a:pPr marL="432000" indent="-324000">
+              <a:lnSpc>
+                <a:spcPct val="100000"/>
+              </a:lnSpc>
+              <a:spcBef>
+                <a:spcPts val="340"/>
+              </a:spcBef>
+              <a:spcAft>
+                <a:spcPts val="142"/>
+              </a:spcAft>
+              <a:buClr>
+                <a:srgbClr val="000000"/>
+              </a:buClr>
+              <a:buSzPct val="45000"/>
+              <a:buFont typeface="Wingdings" charset="2"/>
+              <a:buChar char=""/>
+            </a:pPr>
+            <a:r>
+              <a:rPr b="0" lang="es-ES" sz="1300" spc="-1" strike="noStrike" u="sng">
+                <a:solidFill>
+                  <a:srgbClr val="0097a7"/>
+                </a:solidFill>
+                <a:uFillTx/>
+                <a:latin typeface="Arial"/>
+                <a:ea typeface="Noto Sans CJK SC"/>
+                <a:hlinkClick r:id="rId1"/>
+              </a:rPr>
+              <a:t>SPRI</a:t>
+            </a:r>
+            <a:endParaRPr b="0" lang="es-ES" sz="1300" spc="-1" strike="noStrike">
+              <a:solidFill>
+                <a:srgbClr val="000000"/>
+              </a:solidFill>
+              <a:latin typeface="Arial"/>
+            </a:endParaRPr>
+          </a:p>
+          <a:p>
+            <a:pPr marL="432000" indent="-324000">
+              <a:lnSpc>
+                <a:spcPct val="100000"/>
+              </a:lnSpc>
+              <a:spcBef>
+                <a:spcPts val="340"/>
+              </a:spcBef>
+              <a:spcAft>
+                <a:spcPts val="142"/>
+              </a:spcAft>
+              <a:buClr>
+                <a:srgbClr val="000000"/>
+              </a:buClr>
+              <a:buSzPct val="45000"/>
+              <a:buFont typeface="Wingdings" charset="2"/>
+              <a:buChar char=""/>
+            </a:pPr>
+            <a:r>
+              <a:rPr b="0" lang="es-ES" sz="1300" spc="-1" strike="noStrike" u="sng">
+                <a:solidFill>
+                  <a:srgbClr val="0097a7"/>
+                </a:solidFill>
+                <a:uFillTx/>
+                <a:latin typeface="Arial"/>
+                <a:ea typeface="Noto Sans CJK SC"/>
+                <a:hlinkClick r:id="rId2"/>
+              </a:rPr>
+              <a:t>AED</a:t>
+            </a:r>
+            <a:endParaRPr b="0" lang="es-ES" sz="1300" spc="-1" strike="noStrike">
+              <a:solidFill>
+                <a:srgbClr val="000000"/>
+              </a:solidFill>
+              <a:latin typeface="Arial"/>
+            </a:endParaRPr>
+          </a:p>
+        </p:txBody>
+      </p:sp>
+      <p:sp>
+        <p:nvSpPr>
+          <p:cNvPr id="92" name="PlaceHolder 11"/>
+          <p:cNvSpPr/>
+          <p:nvPr/>
+        </p:nvSpPr>
+        <p:spPr>
+          <a:xfrm>
+            <a:off x="180000" y="2718720"/>
+            <a:ext cx="8649360" cy="519840"/>
+          </a:xfrm>
+          <a:prstGeom prst="rect">
+            <a:avLst/>
+          </a:prstGeom>
+          <a:noFill/>
+          <a:ln w="0">
+            <a:noFill/>
+          </a:ln>
+        </p:spPr>
+        <p:style>
+          <a:lnRef idx="0"/>
+          <a:fillRef idx="0"/>
+          <a:effectRef idx="0"/>
+          <a:fontRef idx="minor"/>
+        </p:style>
+        <p:txBody>
+          <a:bodyPr lIns="90000" rIns="90000" tIns="91440" bIns="91440" anchor="t">
+            <a:normAutofit/>
+          </a:bodyPr>
+          <a:p>
             <a:pPr algn="r">
               <a:lnSpc>
                 <a:spcPct val="100000"/>
@@ -6003,7 +6521,7 @@
                 <a:latin typeface="Arial"/>
                 <a:ea typeface="DejaVu Sans"/>
               </a:rPr>
-              <a:t>¿Cómo tratar los datos?</a:t>
+              <a:t>Consideraciones</a:t>
             </a:r>
             <a:r>
               <a:rPr b="0" lang="es-ES" sz="1500" spc="-1" strike="noStrike">
@@ -6013,7 +6531,7 @@
                 <a:latin typeface="Arial"/>
                 <a:ea typeface="DejaVu Sans"/>
               </a:rPr>
-              <a:t> d[ o_0 ]b</a:t>
+              <a:t> Ƹ̵̡Ӝ̵̨̄Ʒ</a:t>
             </a:r>
             <a:endParaRPr b="0" lang="es-ES" sz="1500" spc="-1" strike="noStrike">
               <a:solidFill>
@@ -6024,29 +6542,6 @@
           </a:p>
         </p:txBody>
       </p:sp>
-      <p:pic>
-        <p:nvPicPr>
-          <p:cNvPr id="93" name="" descr=""/>
-          <p:cNvPicPr/>
-          <p:nvPr/>
-        </p:nvPicPr>
-        <p:blipFill>
-          <a:blip r:embed="rId1"/>
-          <a:stretch/>
-        </p:blipFill>
-        <p:spPr>
-          <a:xfrm>
-            <a:off x="6120000" y="1394280"/>
-            <a:ext cx="2699640" cy="3339000"/>
-          </a:xfrm>
-          <a:prstGeom prst="rect">
-            <a:avLst/>
-          </a:prstGeom>
-          <a:ln w="0">
-            <a:noFill/>
-          </a:ln>
-        </p:spPr>
-      </p:pic>
     </p:spTree>
   </p:cSld>
   <mc:AlternateContent>
@@ -6079,7 +6574,7 @@
       </p:grpSpPr>
       <p:sp>
         <p:nvSpPr>
-          <p:cNvPr id="94" name="PlaceHolder 1"/>
+          <p:cNvPr id="93" name="PlaceHolder 1"/>
           <p:cNvSpPr>
             <a:spLocks noGrp="1"/>
           </p:cNvSpPr>
@@ -6089,212 +6584,8 @@
         </p:nvSpPr>
         <p:spPr>
           <a:xfrm>
-            <a:off x="311760" y="900000"/>
-            <a:ext cx="5987520" cy="3677760"/>
-          </a:xfrm>
-          <a:prstGeom prst="rect">
-            <a:avLst/>
-          </a:prstGeom>
-          <a:noFill/>
-          <a:ln w="0">
-            <a:noFill/>
-          </a:ln>
-        </p:spPr>
-        <p:txBody>
-          <a:bodyPr lIns="91440" rIns="91440" tIns="91440" bIns="91440" anchor="t">
-            <a:normAutofit fontScale="62222" lnSpcReduction="10000"/>
-          </a:bodyPr>
-          <a:p>
-            <a:pPr indent="0">
-              <a:lnSpc>
-                <a:spcPct val="100000"/>
-              </a:lnSpc>
-              <a:spcBef>
-                <a:spcPts val="1191"/>
-              </a:spcBef>
-              <a:spcAft>
-                <a:spcPts val="992"/>
-              </a:spcAft>
-              <a:buNone/>
-              <a:tabLst>
-                <a:tab algn="l" pos="0"/>
-              </a:tabLst>
-            </a:pPr>
-            <a:r>
-              <a:rPr b="0" lang="es-ES" sz="1800" spc="-1" strike="noStrike">
-                <a:solidFill>
-                  <a:srgbClr val="000000"/>
-                </a:solidFill>
-                <a:latin typeface="Arial"/>
-              </a:rPr>
-              <a:t>Lo mismo que tu WordPress alimenta a tu CRM, habrá veces en que el CRM va a alimentar nuestra web. Este tipo de conexiones van a necesitar desarrollos propios y acceso a API. Las funcionalidades pueden muchas, aunque normalmente solo extraen información.</a:t>
-            </a:r>
-            <a:endParaRPr b="0" lang="es-ES" sz="1800" spc="-1" strike="noStrike">
-              <a:solidFill>
-                <a:srgbClr val="000000"/>
-              </a:solidFill>
-              <a:latin typeface="Arial"/>
-            </a:endParaRPr>
-          </a:p>
-          <a:p>
-            <a:pPr indent="0">
-              <a:lnSpc>
-                <a:spcPct val="100000"/>
-              </a:lnSpc>
-              <a:spcBef>
-                <a:spcPts val="1191"/>
-              </a:spcBef>
-              <a:spcAft>
-                <a:spcPts val="992"/>
-              </a:spcAft>
-              <a:buNone/>
-              <a:tabLst>
-                <a:tab algn="l" pos="0"/>
-              </a:tabLst>
-            </a:pPr>
-            <a:r>
-              <a:rPr b="1" lang="es-ES" sz="1800" spc="-1" strike="noStrike">
-                <a:solidFill>
-                  <a:srgbClr val="000000"/>
-                </a:solidFill>
-                <a:latin typeface="Arial"/>
-              </a:rPr>
-              <a:t>Caso práctico 1:</a:t>
-            </a:r>
-            <a:r>
-              <a:rPr b="0" lang="es-ES" sz="1800" spc="-1" strike="noStrike">
-                <a:solidFill>
-                  <a:srgbClr val="000000"/>
-                </a:solidFill>
-                <a:latin typeface="Arial"/>
-              </a:rPr>
-              <a:t> Tenemos una </a:t>
-            </a:r>
-            <a:r>
-              <a:rPr b="0" lang="es-ES" sz="1800" spc="-1" strike="noStrike" u="sng">
-                <a:solidFill>
-                  <a:srgbClr val="0097a7"/>
-                </a:solidFill>
-                <a:uFillTx/>
-                <a:latin typeface="Arial"/>
-                <a:hlinkClick r:id="rId1"/>
-              </a:rPr>
-              <a:t>asociación</a:t>
-            </a:r>
-            <a:r>
-              <a:rPr b="0" lang="es-ES" sz="1800" spc="-1" strike="noStrike">
-                <a:solidFill>
-                  <a:srgbClr val="000000"/>
-                </a:solidFill>
-                <a:latin typeface="Arial"/>
-              </a:rPr>
-              <a:t> que tiene etiquetada a todas sus socias. La web muestra las fichas de las asociadas con sus datos más importantes. Esa información se saca del CRM y cuando se modifica en el CRM se modifica en la web.</a:t>
-            </a:r>
-            <a:endParaRPr b="0" lang="es-ES" sz="1800" spc="-1" strike="noStrike">
-              <a:solidFill>
-                <a:srgbClr val="000000"/>
-              </a:solidFill>
-              <a:latin typeface="Arial"/>
-            </a:endParaRPr>
-          </a:p>
-          <a:p>
-            <a:pPr indent="0">
-              <a:lnSpc>
-                <a:spcPct val="100000"/>
-              </a:lnSpc>
-              <a:spcBef>
-                <a:spcPts val="1191"/>
-              </a:spcBef>
-              <a:spcAft>
-                <a:spcPts val="992"/>
-              </a:spcAft>
-              <a:buNone/>
-              <a:tabLst>
-                <a:tab algn="l" pos="0"/>
-              </a:tabLst>
-            </a:pPr>
-            <a:r>
-              <a:rPr b="1" lang="es-ES" sz="1800" spc="-1" strike="noStrike">
-                <a:solidFill>
-                  <a:srgbClr val="000000"/>
-                </a:solidFill>
-                <a:latin typeface="Arial"/>
-              </a:rPr>
-              <a:t>Caso práctico 2:</a:t>
-            </a:r>
-            <a:r>
-              <a:rPr b="0" lang="es-ES" sz="1800" spc="-1" strike="noStrike">
-                <a:solidFill>
-                  <a:srgbClr val="000000"/>
-                </a:solidFill>
-                <a:latin typeface="Arial"/>
-              </a:rPr>
-              <a:t> Se desarrolló un plugin que creaba un mini-sistema de contenido publicitario personalizado. Cada contacto tenía una serie de «LeadScorings» basados en sus intereses. En el admin se podían crear contenidos muy sencillos (titular, foto y texto) y asignarle un «LeadScoring» y un máximo y un mínimo. Si un contacto identificado con puntos en ese interés dentro de los parámetros establecidos, visitaba la web veía esos contenidos en determinadas partes de la web como el «sidebar» o el «footer». No eran muy intrusivos porque eran publicidad interna, pero lo interesante es que estaba bastante personalizada.</a:t>
-            </a:r>
-            <a:endParaRPr b="0" lang="es-ES" sz="1800" spc="-1" strike="noStrike">
-              <a:solidFill>
-                <a:srgbClr val="000000"/>
-              </a:solidFill>
-              <a:latin typeface="Arial"/>
-            </a:endParaRPr>
-          </a:p>
-          <a:p>
-            <a:pPr indent="0">
-              <a:lnSpc>
-                <a:spcPct val="100000"/>
-              </a:lnSpc>
-              <a:spcBef>
-                <a:spcPts val="1191"/>
-              </a:spcBef>
-              <a:spcAft>
-                <a:spcPts val="992"/>
-              </a:spcAft>
-              <a:buNone/>
-              <a:tabLst>
-                <a:tab algn="l" pos="0"/>
-              </a:tabLst>
-            </a:pPr>
-            <a:r>
-              <a:rPr b="1" lang="es-ES" sz="1800" spc="-1" strike="noStrike">
-                <a:solidFill>
-                  <a:srgbClr val="000000"/>
-                </a:solidFill>
-                <a:latin typeface="Arial"/>
-              </a:rPr>
-              <a:t>Consejo:</a:t>
-            </a:r>
-            <a:r>
-              <a:rPr b="0" lang="es-ES" sz="1800" spc="-1" strike="noStrike">
-                <a:solidFill>
-                  <a:srgbClr val="000000"/>
-                </a:solidFill>
-                <a:latin typeface="Arial"/>
-              </a:rPr>
-              <a:t> Si no es importante que los datos estén actualizados al minuto trata de cachearlos lo máximo posible. El listado de socios del caso práctico puede pedirse una vez al día y tirar de ese cacheo hasta el día siguiente </a:t>
-            </a:r>
-            <a:endParaRPr b="0" lang="es-ES" sz="1800" spc="-1" strike="noStrike">
-              <a:solidFill>
-                <a:srgbClr val="000000"/>
-              </a:solidFill>
-              <a:latin typeface="Arial"/>
-            </a:endParaRPr>
-          </a:p>
-        </p:txBody>
-      </p:sp>
-      <p:sp>
-        <p:nvSpPr>
-          <p:cNvPr id="95" name="PlaceHolder 2"/>
-          <p:cNvSpPr>
-            <a:spLocks noGrp="1"/>
-          </p:cNvSpPr>
-          <p:nvPr>
-            <p:ph type="title"/>
-          </p:nvPr>
-        </p:nvSpPr>
-        <p:spPr>
-          <a:xfrm>
-            <a:off x="2329560" y="294840"/>
-            <a:ext cx="6490080" cy="520560"/>
+            <a:off x="311760" y="1461600"/>
+            <a:ext cx="5806800" cy="3115440"/>
           </a:xfrm>
           <a:prstGeom prst="rect">
             <a:avLst/>
@@ -6309,7 +6600,7 @@
             <a:normAutofit fontScale="81111"/>
           </a:bodyPr>
           <a:p>
-            <a:pPr indent="0" algn="r">
+            <a:pPr indent="0">
               <a:lnSpc>
                 <a:spcPct val="100000"/>
               </a:lnSpc>
@@ -6325,15 +6616,294 @@
               </a:tabLst>
             </a:pPr>
             <a:r>
+              <a:rPr b="0" lang="es-ES" sz="1500" spc="-1" strike="noStrike">
+                <a:solidFill>
+                  <a:srgbClr val="000000"/>
+                </a:solidFill>
+                <a:latin typeface="Arial"/>
+              </a:rPr>
+              <a:t>Lo importante en esos desarrollos en </a:t>
+            </a:r>
+            <a:r>
+              <a:rPr b="1" lang="es-ES" sz="1500" spc="-1" strike="noStrike">
+                <a:solidFill>
+                  <a:srgbClr val="000000"/>
+                </a:solidFill>
+                <a:latin typeface="Arial"/>
+              </a:rPr>
+              <a:t>definir bien qué elementos va a tener el formulario y cómo van a poder rellenar</a:t>
+            </a:r>
+            <a:r>
+              <a:rPr b="0" lang="es-ES" sz="1500" spc="-1" strike="noStrike">
+                <a:solidFill>
+                  <a:srgbClr val="000000"/>
+                </a:solidFill>
+                <a:latin typeface="Arial"/>
+              </a:rPr>
+              <a:t>. Datos muy relevantes como pueden ser el tamaño de tu empresa, puede que no interese dejarse de mano de las clientes que editan su perfil.</a:t>
+            </a:r>
+            <a:endParaRPr b="0" lang="es-ES" sz="1500" spc="-1" strike="noStrike">
+              <a:solidFill>
+                <a:srgbClr val="000000"/>
+              </a:solidFill>
+              <a:latin typeface="Arial"/>
+            </a:endParaRPr>
+          </a:p>
+          <a:p>
+            <a:pPr indent="0">
+              <a:lnSpc>
+                <a:spcPct val="100000"/>
+              </a:lnSpc>
+              <a:spcBef>
+                <a:spcPts val="1191"/>
+              </a:spcBef>
+              <a:spcAft>
+                <a:spcPts val="992"/>
+              </a:spcAft>
+              <a:buNone/>
+              <a:tabLst>
+                <a:tab algn="l" pos="0"/>
+              </a:tabLst>
+            </a:pPr>
+            <a:r>
+              <a:rPr b="0" lang="es-ES" sz="1500" spc="-1" strike="noStrike">
+                <a:solidFill>
+                  <a:srgbClr val="000000"/>
+                </a:solidFill>
+                <a:latin typeface="Arial"/>
+              </a:rPr>
+              <a:t>La mejor opción es </a:t>
+            </a:r>
+            <a:r>
+              <a:rPr b="1" lang="es-ES" sz="1500" spc="-1" strike="noStrike">
+                <a:solidFill>
+                  <a:srgbClr val="000000"/>
+                </a:solidFill>
+                <a:latin typeface="Arial"/>
+              </a:rPr>
+              <a:t>cerrar lo más posible la entrada de datos</a:t>
+            </a:r>
+            <a:r>
+              <a:rPr b="0" lang="es-ES" sz="1500" spc="-1" strike="noStrike">
+                <a:solidFill>
+                  <a:srgbClr val="000000"/>
+                </a:solidFill>
+                <a:latin typeface="Arial"/>
+              </a:rPr>
+              <a:t>. Si podéis cerrar las opciones con desplegables, checkboxes, etc. mucho mejor que textos libres. Pensad que una ciudad puede escribirse de muchas formas: Galdakano, Galdacano, Galdakao, etc. </a:t>
+            </a:r>
+            <a:endParaRPr b="0" lang="es-ES" sz="1500" spc="-1" strike="noStrike">
+              <a:solidFill>
+                <a:srgbClr val="000000"/>
+              </a:solidFill>
+              <a:latin typeface="Arial"/>
+            </a:endParaRPr>
+          </a:p>
+          <a:p>
+            <a:pPr indent="0">
+              <a:lnSpc>
+                <a:spcPct val="100000"/>
+              </a:lnSpc>
+              <a:spcBef>
+                <a:spcPts val="1191"/>
+              </a:spcBef>
+              <a:spcAft>
+                <a:spcPts val="992"/>
+              </a:spcAft>
+              <a:buNone/>
+              <a:tabLst>
+                <a:tab algn="l" pos="0"/>
+              </a:tabLst>
+            </a:pPr>
+            <a:r>
+              <a:rPr b="0" lang="es-ES" sz="1500" spc="-1" strike="noStrike">
+                <a:solidFill>
+                  <a:srgbClr val="000000"/>
+                </a:solidFill>
+                <a:latin typeface="Arial"/>
+              </a:rPr>
+              <a:t>Os diría que </a:t>
+            </a:r>
+            <a:r>
+              <a:rPr b="1" lang="es-ES" sz="1500" spc="-1" strike="noStrike">
+                <a:solidFill>
+                  <a:srgbClr val="000000"/>
+                </a:solidFill>
+                <a:latin typeface="Arial"/>
+              </a:rPr>
+              <a:t>si tenéis dudas con ciertos campos, los duplicáis</a:t>
+            </a:r>
+            <a:r>
+              <a:rPr b="0" lang="es-ES" sz="1500" spc="-1" strike="noStrike">
+                <a:solidFill>
+                  <a:srgbClr val="000000"/>
+                </a:solidFill>
+                <a:latin typeface="Arial"/>
+              </a:rPr>
+              <a:t> y luego ver como funcionan las usuarias, tomáis una decisión de mantenerlo separado o fusionáis. Siguiendo el ejemplo anterior del tamaño de empresa, podemos tener el campo del CRM «tamaño_empresa» que usa marketing para sus segmentos y creamos otro para «tamaño_empresa_perfil» para el perfil de usuaria. </a:t>
+            </a:r>
+            <a:endParaRPr b="0" lang="es-ES" sz="1500" spc="-1" strike="noStrike">
+              <a:solidFill>
+                <a:srgbClr val="000000"/>
+              </a:solidFill>
+              <a:latin typeface="Arial"/>
+            </a:endParaRPr>
+          </a:p>
+        </p:txBody>
+      </p:sp>
+      <p:sp>
+        <p:nvSpPr>
+          <p:cNvPr id="94" name="PlaceHolder 2"/>
+          <p:cNvSpPr>
+            <a:spLocks noGrp="1"/>
+          </p:cNvSpPr>
+          <p:nvPr>
+            <p:ph type="title"/>
+          </p:nvPr>
+        </p:nvSpPr>
+        <p:spPr>
+          <a:xfrm>
+            <a:off x="2329560" y="294840"/>
+            <a:ext cx="6489360" cy="519840"/>
+          </a:xfrm>
+          <a:prstGeom prst="rect">
+            <a:avLst/>
+          </a:prstGeom>
+          <a:noFill/>
+          <a:ln w="0">
+            <a:noFill/>
+          </a:ln>
+        </p:spPr>
+        <p:txBody>
+          <a:bodyPr lIns="91440" rIns="91440" tIns="91440" bIns="91440" anchor="t">
+            <a:normAutofit/>
+          </a:bodyPr>
+          <a:p>
+            <a:pPr indent="0" algn="r">
+              <a:lnSpc>
+                <a:spcPct val="100000"/>
+              </a:lnSpc>
+              <a:spcBef>
+                <a:spcPts val="1191"/>
+              </a:spcBef>
+              <a:spcAft>
+                <a:spcPts val="992"/>
+              </a:spcAft>
+              <a:buNone/>
+              <a:tabLst>
+                <a:tab algn="l" pos="0"/>
+              </a:tabLst>
+            </a:pPr>
+            <a:r>
               <a:rPr b="1" lang="es-ES" sz="1800" spc="-1" strike="noStrike">
                 <a:solidFill>
                   <a:srgbClr val="174575"/>
                 </a:solidFill>
                 <a:latin typeface="Arial"/>
               </a:rPr>
-              <a:t>Sacando información del CRM para mostrarlo en WordPress &lt;:3 )~~~</a:t>
+              <a:t>Perfiles de usuarios </a:t>
+            </a:r>
+            <a:r>
+              <a:rPr b="0" lang="es-ES" sz="1800" spc="-1" strike="noStrike">
+                <a:solidFill>
+                  <a:srgbClr val="174575"/>
+                </a:solidFill>
+                <a:latin typeface="Arial"/>
+              </a:rPr>
+              <a:t> ¦̵̱ ̵̱ ̵̱ ̵̱ ̵̱(̢ ̡͇̅└͇̅┘͇̅ (▤8</a:t>
+            </a:r>
+            <a:r>
+              <a:rPr b="0" lang="hi-IN" sz="1800" spc="-1" strike="noStrike">
+                <a:solidFill>
+                  <a:srgbClr val="174575"/>
+                </a:solidFill>
+                <a:latin typeface="Arial"/>
+              </a:rPr>
+              <a:t>כ</a:t>
+            </a:r>
+            <a:r>
+              <a:rPr b="0" lang="es-ES" sz="1800" spc="-1" strike="noStrike">
+                <a:solidFill>
+                  <a:srgbClr val="174575"/>
+                </a:solidFill>
+                <a:latin typeface="Arial"/>
+              </a:rPr>
+              <a:t>−◦</a:t>
             </a:r>
             <a:endParaRPr b="0" lang="es-ES" sz="1800" spc="-1" strike="noStrike">
+              <a:solidFill>
+                <a:srgbClr val="000000"/>
+              </a:solidFill>
+              <a:latin typeface="Arial"/>
+            </a:endParaRPr>
+          </a:p>
+        </p:txBody>
+      </p:sp>
+      <p:sp>
+        <p:nvSpPr>
+          <p:cNvPr id="95" name="PlaceHolder 8"/>
+          <p:cNvSpPr/>
+          <p:nvPr/>
+        </p:nvSpPr>
+        <p:spPr>
+          <a:xfrm>
+            <a:off x="180000" y="900000"/>
+            <a:ext cx="8649360" cy="519840"/>
+          </a:xfrm>
+          <a:prstGeom prst="rect">
+            <a:avLst/>
+          </a:prstGeom>
+          <a:noFill/>
+          <a:ln w="0">
+            <a:noFill/>
+          </a:ln>
+        </p:spPr>
+        <p:style>
+          <a:lnRef idx="0"/>
+          <a:fillRef idx="0"/>
+          <a:effectRef idx="0"/>
+          <a:fontRef idx="minor"/>
+        </p:style>
+        <p:txBody>
+          <a:bodyPr lIns="90000" rIns="90000" tIns="91440" bIns="91440" anchor="t">
+            <a:normAutofit/>
+          </a:bodyPr>
+          <a:p>
+            <a:pPr algn="r">
+              <a:lnSpc>
+                <a:spcPct val="100000"/>
+              </a:lnSpc>
+              <a:spcBef>
+                <a:spcPts val="1191"/>
+              </a:spcBef>
+              <a:spcAft>
+                <a:spcPts val="992"/>
+              </a:spcAft>
+              <a:tabLst>
+                <a:tab algn="l" pos="0"/>
+              </a:tabLst>
+            </a:pPr>
+            <a:r>
+              <a:rPr b="1" lang="es-ES" sz="1500" spc="-1" strike="noStrike">
+                <a:solidFill>
+                  <a:srgbClr val="000000"/>
+                </a:solidFill>
+                <a:latin typeface="Arial"/>
+                <a:ea typeface="DejaVu Sans"/>
+              </a:rPr>
+              <a:t>¿Cómo tratar los datos?</a:t>
+            </a:r>
+            <a:r>
+              <a:rPr b="0" lang="es-ES" sz="1500" spc="-1" strike="noStrike">
+                <a:solidFill>
+                  <a:srgbClr val="000000"/>
+                </a:solidFill>
+                <a:latin typeface="Arial"/>
+                <a:ea typeface="DejaVu Sans"/>
+              </a:rPr>
+              <a:t> d[ o_0 ]b</a:t>
+            </a:r>
+            <a:endParaRPr b="0" lang="es-ES" sz="1500" spc="-1" strike="noStrike">
               <a:solidFill>
                 <a:srgbClr val="000000"/>
               </a:solidFill>
@@ -6349,13 +6919,13 @@
           <p:nvPr/>
         </p:nvPicPr>
         <p:blipFill>
-          <a:blip r:embed="rId2"/>
+          <a:blip r:embed="rId1"/>
           <a:stretch/>
         </p:blipFill>
         <p:spPr>
           <a:xfrm>
-            <a:off x="6438960" y="978480"/>
-            <a:ext cx="2422080" cy="3599280"/>
+            <a:off x="6120000" y="1394280"/>
+            <a:ext cx="2698920" cy="3338280"/>
           </a:xfrm>
           <a:prstGeom prst="rect">
             <a:avLst/>
@@ -6402,13 +6972,13 @@
             <a:spLocks noGrp="1"/>
           </p:cNvSpPr>
           <p:nvPr>
-            <p:ph type="title"/>
+            <p:ph/>
           </p:nvPr>
         </p:nvSpPr>
         <p:spPr>
           <a:xfrm>
-            <a:off x="2520000" y="294120"/>
-            <a:ext cx="6310080" cy="520560"/>
+            <a:off x="311760" y="900000"/>
+            <a:ext cx="5986800" cy="3677040"/>
           </a:xfrm>
           <a:prstGeom prst="rect">
             <a:avLst/>
@@ -6420,10 +6990,10 @@
         </p:spPr>
         <p:txBody>
           <a:bodyPr lIns="91440" rIns="91440" tIns="91440" bIns="91440" anchor="t">
-            <a:normAutofit/>
+            <a:normAutofit fontScale="62222" lnSpcReduction="10000"/>
           </a:bodyPr>
           <a:p>
-            <a:pPr indent="0" algn="r">
+            <a:pPr indent="0">
               <a:lnSpc>
                 <a:spcPct val="100000"/>
               </a:lnSpc>
@@ -6439,26 +7009,160 @@
               </a:tabLst>
             </a:pPr>
             <a:r>
+              <a:rPr b="0" lang="es-ES" sz="1800" spc="-1" strike="noStrike">
+                <a:solidFill>
+                  <a:srgbClr val="000000"/>
+                </a:solidFill>
+                <a:latin typeface="Arial"/>
+              </a:rPr>
+              <a:t>Lo mismo que tu WordPress alimenta a tu CRM, habrá veces en que el CRM va a alimentar nuestra web. Este tipo de conexiones van a necesitar desarrollos propios y acceso a API. Las funcionalidades pueden muchas, aunque normalmente solo extraen información.</a:t>
+            </a:r>
+            <a:endParaRPr b="0" lang="es-ES" sz="1800" spc="-1" strike="noStrike">
+              <a:solidFill>
+                <a:srgbClr val="000000"/>
+              </a:solidFill>
+              <a:latin typeface="Arial"/>
+            </a:endParaRPr>
+          </a:p>
+          <a:p>
+            <a:pPr indent="0">
+              <a:lnSpc>
+                <a:spcPct val="100000"/>
+              </a:lnSpc>
+              <a:spcBef>
+                <a:spcPts val="1191"/>
+              </a:spcBef>
+              <a:spcAft>
+                <a:spcPts val="992"/>
+              </a:spcAft>
+              <a:buNone/>
+              <a:tabLst>
+                <a:tab algn="l" pos="0"/>
+              </a:tabLst>
+            </a:pPr>
+            <a:r>
               <a:rPr b="1" lang="es-ES" sz="1800" spc="-1" strike="noStrike">
                 <a:solidFill>
-                  <a:srgbClr val="174575"/>
-                </a:solidFill>
-                <a:latin typeface="Arial"/>
-              </a:rPr>
-              <a:t>Conexión directa a la API o crear un middleware</a:t>
+                  <a:srgbClr val="000000"/>
+                </a:solidFill>
+                <a:latin typeface="Arial"/>
+              </a:rPr>
+              <a:t>Caso práctico 1:</a:t>
             </a:r>
             <a:r>
               <a:rPr b="0" lang="es-ES" sz="1800" spc="-1" strike="noStrike">
                 <a:solidFill>
-                  <a:srgbClr val="174575"/>
-                </a:solidFill>
-                <a:latin typeface="Arial"/>
-              </a:rPr>
-              <a:t> c[_]</a:t>
+                  <a:srgbClr val="000000"/>
+                </a:solidFill>
+                <a:latin typeface="Arial"/>
+              </a:rPr>
+              <a:t> Tenemos una </a:t>
+            </a:r>
+            <a:r>
+              <a:rPr b="0" lang="es-ES" sz="1800" spc="-1" strike="noStrike" u="sng">
+                <a:solidFill>
+                  <a:srgbClr val="0097a7"/>
+                </a:solidFill>
+                <a:uFillTx/>
+                <a:latin typeface="Arial"/>
+                <a:hlinkClick r:id="rId1"/>
+              </a:rPr>
+              <a:t>asociación</a:t>
+            </a:r>
+            <a:r>
+              <a:rPr b="0" lang="es-ES" sz="1800" spc="-1" strike="noStrike">
+                <a:solidFill>
+                  <a:srgbClr val="000000"/>
+                </a:solidFill>
+                <a:latin typeface="Arial"/>
+              </a:rPr>
+              <a:t> que tiene etiquetada a todas sus socias. La web muestra las fichas de las asociadas con sus datos más importantes. Esa información se saca del CRM y cuando se modifica en el CRM se modifica en la web.</a:t>
             </a:r>
             <a:endParaRPr b="0" lang="es-ES" sz="1800" spc="-1" strike="noStrike">
               <a:solidFill>
-                <a:srgbClr val="174575"/>
+                <a:srgbClr val="000000"/>
+              </a:solidFill>
+              <a:latin typeface="Arial"/>
+            </a:endParaRPr>
+          </a:p>
+          <a:p>
+            <a:pPr indent="0">
+              <a:lnSpc>
+                <a:spcPct val="100000"/>
+              </a:lnSpc>
+              <a:spcBef>
+                <a:spcPts val="1191"/>
+              </a:spcBef>
+              <a:spcAft>
+                <a:spcPts val="992"/>
+              </a:spcAft>
+              <a:buNone/>
+              <a:tabLst>
+                <a:tab algn="l" pos="0"/>
+              </a:tabLst>
+            </a:pPr>
+            <a:r>
+              <a:rPr b="1" lang="es-ES" sz="1800" spc="-1" strike="noStrike">
+                <a:solidFill>
+                  <a:srgbClr val="000000"/>
+                </a:solidFill>
+                <a:latin typeface="Arial"/>
+              </a:rPr>
+              <a:t>Caso práctico 2:</a:t>
+            </a:r>
+            <a:r>
+              <a:rPr b="0" lang="es-ES" sz="1800" spc="-1" strike="noStrike">
+                <a:solidFill>
+                  <a:srgbClr val="000000"/>
+                </a:solidFill>
+                <a:latin typeface="Arial"/>
+              </a:rPr>
+              <a:t> Se desarrolló un plugin que creaba un mini-sistema de contenido publicitario personalizado. Cada contacto tenía una serie de «LeadScorings» basados en sus intereses. En el admin se podían crear contenidos muy sencillos (titular, foto y texto) y asignarle un «LeadScoring» y un máximo y un mínimo. Si un contacto identificado con puntos en ese interés dentro de los parámetros establecidos, visitaba la web veía esos contenidos en determinadas partes de la web como el «sidebar» o el «footer». No eran muy intrusivos porque eran publicidad interna, pero lo interesante es que estaba bastante personalizada.</a:t>
+            </a:r>
+            <a:endParaRPr b="0" lang="es-ES" sz="1800" spc="-1" strike="noStrike">
+              <a:solidFill>
+                <a:srgbClr val="000000"/>
+              </a:solidFill>
+              <a:latin typeface="Arial"/>
+            </a:endParaRPr>
+          </a:p>
+          <a:p>
+            <a:pPr indent="0">
+              <a:lnSpc>
+                <a:spcPct val="100000"/>
+              </a:lnSpc>
+              <a:spcBef>
+                <a:spcPts val="1191"/>
+              </a:spcBef>
+              <a:spcAft>
+                <a:spcPts val="992"/>
+              </a:spcAft>
+              <a:buNone/>
+              <a:tabLst>
+                <a:tab algn="l" pos="0"/>
+              </a:tabLst>
+            </a:pPr>
+            <a:r>
+              <a:rPr b="1" lang="es-ES" sz="1800" spc="-1" strike="noStrike">
+                <a:solidFill>
+                  <a:srgbClr val="000000"/>
+                </a:solidFill>
+                <a:latin typeface="Arial"/>
+              </a:rPr>
+              <a:t>Consejo:</a:t>
+            </a:r>
+            <a:r>
+              <a:rPr b="0" lang="es-ES" sz="1800" spc="-1" strike="noStrike">
+                <a:solidFill>
+                  <a:srgbClr val="000000"/>
+                </a:solidFill>
+                <a:latin typeface="Arial"/>
+              </a:rPr>
+              <a:t> Si no es importante que los datos estén actualizados al minuto trata de cachearlos lo máximo posible. El listado de socios del caso práctico puede pedirse una vez al día y tirar de ese cacheo hasta el día siguiente </a:t>
+            </a:r>
+            <a:endParaRPr b="0" lang="es-ES" sz="1800" spc="-1" strike="noStrike">
+              <a:solidFill>
+                <a:srgbClr val="000000"/>
               </a:solidFill>
               <a:latin typeface="Arial"/>
             </a:endParaRPr>
@@ -6472,13 +7176,13 @@
             <a:spLocks noGrp="1"/>
           </p:cNvSpPr>
           <p:nvPr>
-            <p:ph/>
+            <p:ph type="title"/>
           </p:nvPr>
         </p:nvSpPr>
         <p:spPr>
           <a:xfrm>
-            <a:off x="311760" y="900000"/>
-            <a:ext cx="3828240" cy="3656160"/>
+            <a:off x="2329560" y="294840"/>
+            <a:ext cx="6489360" cy="519840"/>
           </a:xfrm>
           <a:prstGeom prst="rect">
             <a:avLst/>
@@ -6490,10 +7194,10 @@
         </p:spPr>
         <p:txBody>
           <a:bodyPr lIns="91440" rIns="91440" tIns="91440" bIns="91440" anchor="t">
-            <a:normAutofit fontScale="98333" lnSpcReduction="10000"/>
+            <a:normAutofit fontScale="81111"/>
           </a:bodyPr>
           <a:p>
-            <a:pPr indent="0">
+            <a:pPr indent="0" algn="r">
               <a:lnSpc>
                 <a:spcPct val="100000"/>
               </a:lnSpc>
@@ -6504,197 +7208,18 @@
                 <a:spcPts val="992"/>
               </a:spcAft>
               <a:buNone/>
-            </a:pPr>
-            <a:r>
-              <a:rPr b="0" lang="es-ES" sz="1800" spc="-1" strike="noStrike">
-                <a:solidFill>
-                  <a:srgbClr val="000000"/>
-                </a:solidFill>
-                <a:latin typeface="Arial"/>
-              </a:rPr>
-              <a:t>Si vas a trabajar de servidor a </a:t>
-            </a:r>
-            <a:r>
-              <a:rPr b="0" lang="es-ES" sz="1800" spc="-1" strike="noStrike">
-                <a:solidFill>
-                  <a:srgbClr val="000000"/>
-                </a:solidFill>
-                <a:latin typeface="Arial"/>
-              </a:rPr>
-              <a:t>servidor, no hay problemas de </a:t>
-            </a:r>
-            <a:r>
-              <a:rPr b="0" lang="es-ES" sz="1800" spc="-1" strike="noStrike">
-                <a:solidFill>
-                  <a:srgbClr val="000000"/>
-                </a:solidFill>
-                <a:latin typeface="Arial"/>
-              </a:rPr>
-              <a:t>atacar directamente a la API del </a:t>
-            </a:r>
-            <a:r>
-              <a:rPr b="0" lang="es-ES" sz="1800" spc="-1" strike="noStrike">
-                <a:solidFill>
-                  <a:srgbClr val="000000"/>
-                </a:solidFill>
-                <a:latin typeface="Arial"/>
-              </a:rPr>
-              <a:t>CRM, pero </a:t>
-            </a:r>
+              <a:tabLst>
+                <a:tab algn="l" pos="0"/>
+              </a:tabLst>
+            </a:pPr>
             <a:r>
               <a:rPr b="1" lang="es-ES" sz="1800" spc="-1" strike="noStrike">
                 <a:solidFill>
-                  <a:srgbClr val="000000"/>
-                </a:solidFill>
-                <a:latin typeface="Arial"/>
-              </a:rPr>
-              <a:t>cuando se trabaja </a:t>
-            </a:r>
-            <a:r>
-              <a:rPr b="1" lang="es-ES" sz="1800" spc="-1" strike="noStrike">
-                <a:solidFill>
-                  <a:srgbClr val="000000"/>
-                </a:solidFill>
-                <a:latin typeface="Arial"/>
-              </a:rPr>
-              <a:t>desde el navegador</a:t>
-            </a:r>
-            <a:r>
-              <a:rPr b="0" lang="es-ES" sz="1800" spc="-1" strike="noStrike">
-                <a:solidFill>
-                  <a:srgbClr val="000000"/>
-                </a:solidFill>
-                <a:latin typeface="Arial"/>
-              </a:rPr>
-              <a:t>, por ejemplo </a:t>
-            </a:r>
-            <a:r>
-              <a:rPr b="0" lang="es-ES" sz="1800" spc="-1" strike="noStrike">
-                <a:solidFill>
-                  <a:srgbClr val="000000"/>
-                </a:solidFill>
-                <a:latin typeface="Arial"/>
-              </a:rPr>
-              <a:t>con eventos de JavaScript, </a:t>
-            </a:r>
-            <a:r>
-              <a:rPr b="1" lang="es-ES" sz="1800" spc="-1" strike="noStrike">
-                <a:solidFill>
-                  <a:srgbClr val="000000"/>
-                </a:solidFill>
-                <a:latin typeface="Arial"/>
-              </a:rPr>
-              <a:t>las </a:t>
-            </a:r>
-            <a:r>
-              <a:rPr b="1" lang="es-ES" sz="1800" spc="-1" strike="noStrike">
-                <a:solidFill>
-                  <a:srgbClr val="000000"/>
-                </a:solidFill>
-                <a:latin typeface="Arial"/>
-              </a:rPr>
-              <a:t>credenciales de la API pueden </a:t>
-            </a:r>
-            <a:r>
-              <a:rPr b="1" lang="es-ES" sz="1800" spc="-1" strike="noStrike">
-                <a:solidFill>
-                  <a:srgbClr val="000000"/>
-                </a:solidFill>
-                <a:latin typeface="Arial"/>
-              </a:rPr>
-              <a:t>quedar expuestas</a:t>
-            </a:r>
-            <a:r>
-              <a:rPr b="0" lang="es-ES" sz="1800" spc="-1" strike="noStrike">
-                <a:solidFill>
-                  <a:srgbClr val="000000"/>
-                </a:solidFill>
-                <a:latin typeface="Arial"/>
-              </a:rPr>
-              <a:t>.</a:t>
-            </a:r>
-            <a:endParaRPr b="0" lang="es-ES" sz="1800" spc="-1" strike="noStrike">
-              <a:solidFill>
-                <a:srgbClr val="000000"/>
-              </a:solidFill>
-              <a:latin typeface="Arial"/>
-            </a:endParaRPr>
-          </a:p>
-          <a:p>
-            <a:pPr indent="0">
-              <a:lnSpc>
-                <a:spcPct val="100000"/>
-              </a:lnSpc>
-              <a:spcBef>
-                <a:spcPts val="1191"/>
-              </a:spcBef>
-              <a:spcAft>
-                <a:spcPts val="992"/>
-              </a:spcAft>
-              <a:buNone/>
-            </a:pPr>
-            <a:r>
-              <a:rPr b="0" lang="es-ES" sz="1800" spc="-1" strike="noStrike">
-                <a:solidFill>
-                  <a:srgbClr val="000000"/>
-                </a:solidFill>
-                <a:latin typeface="Arial"/>
-              </a:rPr>
-              <a:t>Para evitar esto </a:t>
-            </a:r>
-            <a:r>
-              <a:rPr b="1" lang="es-ES" sz="1800" spc="-1" strike="noStrike">
-                <a:solidFill>
-                  <a:srgbClr val="000000"/>
-                </a:solidFill>
-                <a:latin typeface="Arial"/>
-              </a:rPr>
-              <a:t>se puede crear </a:t>
-            </a:r>
-            <a:r>
-              <a:rPr b="1" lang="es-ES" sz="1800" spc="-1" strike="noStrike">
-                <a:solidFill>
-                  <a:srgbClr val="000000"/>
-                </a:solidFill>
-                <a:latin typeface="Arial"/>
-              </a:rPr>
-              <a:t>una API intermedia</a:t>
-            </a:r>
-            <a:r>
-              <a:rPr b="0" lang="es-ES" sz="1800" spc="-1" strike="noStrike">
-                <a:solidFill>
-                  <a:srgbClr val="000000"/>
-                </a:solidFill>
-                <a:latin typeface="Arial"/>
-              </a:rPr>
-              <a:t> a la que </a:t>
-            </a:r>
-            <a:r>
-              <a:rPr b="0" lang="es-ES" sz="1800" spc="-1" strike="noStrike">
-                <a:solidFill>
-                  <a:srgbClr val="000000"/>
-                </a:solidFill>
-                <a:latin typeface="Arial"/>
-              </a:rPr>
-              <a:t>ataque el navegador y que solo </a:t>
-            </a:r>
-            <a:r>
-              <a:rPr b="0" lang="es-ES" sz="1800" spc="-1" strike="noStrike">
-                <a:solidFill>
-                  <a:srgbClr val="000000"/>
-                </a:solidFill>
-                <a:latin typeface="Arial"/>
-              </a:rPr>
-              <a:t>ofrezca los «endpoints» que nos </a:t>
-            </a:r>
-            <a:r>
-              <a:rPr b="0" lang="es-ES" sz="1800" spc="-1" strike="noStrike">
-                <a:solidFill>
-                  <a:srgbClr val="000000"/>
-                </a:solidFill>
-                <a:latin typeface="Arial"/>
-              </a:rPr>
-              <a:t>interesen de la API del CRM.</a:t>
+                  <a:srgbClr val="174575"/>
+                </a:solidFill>
+                <a:latin typeface="Arial"/>
+              </a:rPr>
+              <a:t>Sacando información del CRM para mostrarlo en WordPress &lt;:3 )~~~</a:t>
             </a:r>
             <a:endParaRPr b="0" lang="es-ES" sz="1800" spc="-1" strike="noStrike">
               <a:solidFill>
@@ -6712,13 +7237,13 @@
           <p:nvPr/>
         </p:nvPicPr>
         <p:blipFill>
-          <a:blip r:embed="rId1"/>
+          <a:blip r:embed="rId2"/>
           <a:stretch/>
         </p:blipFill>
         <p:spPr>
           <a:xfrm>
-            <a:off x="4140000" y="800280"/>
-            <a:ext cx="4719960" cy="4059720"/>
+            <a:off x="6438960" y="978480"/>
+            <a:ext cx="2421360" cy="3598560"/>
           </a:xfrm>
           <a:prstGeom prst="rect">
             <a:avLst/>
@@ -6771,7 +7296,7 @@
         <p:spPr>
           <a:xfrm>
             <a:off x="2520000" y="294120"/>
-            <a:ext cx="6310080" cy="520560"/>
+            <a:ext cx="6309360" cy="519840"/>
           </a:xfrm>
           <a:prstGeom prst="rect">
             <a:avLst/>
@@ -6821,7 +7346,7 @@
             </a:r>
             <a:endParaRPr b="0" lang="es-ES" sz="1800" spc="-1" strike="noStrike">
               <a:solidFill>
-                <a:srgbClr val="174575"/>
+                <a:srgbClr val="000000"/>
               </a:solidFill>
               <a:latin typeface="Arial"/>
             </a:endParaRPr>
@@ -6840,8 +7365,8 @@
         </p:nvSpPr>
         <p:spPr>
           <a:xfrm>
-            <a:off x="311760" y="1440000"/>
-            <a:ext cx="8508240" cy="3116160"/>
+            <a:off x="311760" y="900000"/>
+            <a:ext cx="3827520" cy="3655440"/>
           </a:xfrm>
           <a:prstGeom prst="rect">
             <a:avLst/>
@@ -6853,7 +7378,7 @@
         </p:spPr>
         <p:txBody>
           <a:bodyPr lIns="91440" rIns="91440" tIns="91440" bIns="91440" anchor="t">
-            <a:normAutofit/>
+            <a:normAutofit fontScale="98333" lnSpcReduction="10000"/>
           </a:bodyPr>
           <a:p>
             <a:pPr indent="0">
@@ -6867,17 +7392,106 @@
                 <a:spcPts val="992"/>
               </a:spcAft>
               <a:buNone/>
-            </a:pPr>
-            <a:r>
-              <a:rPr b="0" lang="es-ES" sz="1000" spc="-1" strike="noStrike">
-                <a:solidFill>
-                  <a:srgbClr val="000000"/>
-                </a:solidFill>
-                <a:latin typeface="Arial"/>
-              </a:rPr>
-              <a:t>Con la API-REST de WordPress es muy fácil crear un middleware XXX</a:t>
-            </a:r>
-            <a:endParaRPr b="0" lang="es-ES" sz="1000" spc="-1" strike="noStrike">
+              <a:tabLst>
+                <a:tab algn="l" pos="0"/>
+              </a:tabLst>
+            </a:pPr>
+            <a:r>
+              <a:rPr b="0" lang="es-ES" sz="1800" spc="-1" strike="noStrike">
+                <a:solidFill>
+                  <a:srgbClr val="000000"/>
+                </a:solidFill>
+                <a:latin typeface="Arial"/>
+              </a:rPr>
+              <a:t>Si vas a trabajar de servidor a servidor, no hay problemas de atacar directamente a la API del CRM, pero </a:t>
+            </a:r>
+            <a:r>
+              <a:rPr b="1" lang="es-ES" sz="1800" spc="-1" strike="noStrike">
+                <a:solidFill>
+                  <a:srgbClr val="000000"/>
+                </a:solidFill>
+                <a:latin typeface="Arial"/>
+              </a:rPr>
+              <a:t>cuando se trabaja desde el navegador</a:t>
+            </a:r>
+            <a:r>
+              <a:rPr b="0" lang="es-ES" sz="1800" spc="-1" strike="noStrike">
+                <a:solidFill>
+                  <a:srgbClr val="000000"/>
+                </a:solidFill>
+                <a:latin typeface="Arial"/>
+              </a:rPr>
+              <a:t>, por ejemplo con eventos de JavaScript, </a:t>
+            </a:r>
+            <a:r>
+              <a:rPr b="1" lang="es-ES" sz="1800" spc="-1" strike="noStrike">
+                <a:solidFill>
+                  <a:srgbClr val="000000"/>
+                </a:solidFill>
+                <a:latin typeface="Arial"/>
+              </a:rPr>
+              <a:t>las credenciales de la API pueden quedar expuestas</a:t>
+            </a:r>
+            <a:r>
+              <a:rPr b="0" lang="es-ES" sz="1800" spc="-1" strike="noStrike">
+                <a:solidFill>
+                  <a:srgbClr val="000000"/>
+                </a:solidFill>
+                <a:latin typeface="Arial"/>
+              </a:rPr>
+              <a:t>.</a:t>
+            </a:r>
+            <a:endParaRPr b="0" lang="es-ES" sz="1800" spc="-1" strike="noStrike">
+              <a:solidFill>
+                <a:srgbClr val="000000"/>
+              </a:solidFill>
+              <a:latin typeface="Arial"/>
+            </a:endParaRPr>
+          </a:p>
+          <a:p>
+            <a:pPr indent="0">
+              <a:lnSpc>
+                <a:spcPct val="100000"/>
+              </a:lnSpc>
+              <a:spcBef>
+                <a:spcPts val="1191"/>
+              </a:spcBef>
+              <a:spcAft>
+                <a:spcPts val="992"/>
+              </a:spcAft>
+              <a:buNone/>
+              <a:tabLst>
+                <a:tab algn="l" pos="0"/>
+              </a:tabLst>
+            </a:pPr>
+            <a:r>
+              <a:rPr b="0" lang="es-ES" sz="1800" spc="-1" strike="noStrike">
+                <a:solidFill>
+                  <a:srgbClr val="000000"/>
+                </a:solidFill>
+                <a:latin typeface="Arial"/>
+              </a:rPr>
+              <a:t>Para evitar esto </a:t>
+            </a:r>
+            <a:r>
+              <a:rPr b="1" lang="es-ES" sz="1800" spc="-1" strike="noStrike">
+                <a:solidFill>
+                  <a:srgbClr val="000000"/>
+                </a:solidFill>
+                <a:latin typeface="Arial"/>
+              </a:rPr>
+              <a:t>se puede crear una API intermedia</a:t>
+            </a:r>
+            <a:r>
+              <a:rPr b="0" lang="es-ES" sz="1800" spc="-1" strike="noStrike">
+                <a:solidFill>
+                  <a:srgbClr val="000000"/>
+                </a:solidFill>
+                <a:latin typeface="Arial"/>
+              </a:rPr>
+              <a:t> a la que ataque el navegador y que solo ofrezca los «endpoints» que nos interesen de la API del CRM.</a:t>
+            </a:r>
+            <a:endParaRPr b="0" lang="es-ES" sz="1800" spc="-1" strike="noStrike">
               <a:solidFill>
                 <a:srgbClr val="000000"/>
               </a:solidFill>
@@ -6886,71 +7500,29 @@
           </a:p>
         </p:txBody>
       </p:sp>
-      <p:sp>
-        <p:nvSpPr>
-          <p:cNvPr id="102" name="PlaceHolder 9"/>
-          <p:cNvSpPr txBox="1"/>
+      <p:pic>
+        <p:nvPicPr>
+          <p:cNvPr id="102" name="" descr=""/>
+          <p:cNvPicPr/>
           <p:nvPr/>
-        </p:nvSpPr>
+        </p:nvPicPr>
+        <p:blipFill>
+          <a:blip r:embed="rId1"/>
+          <a:stretch/>
+        </p:blipFill>
         <p:spPr>
           <a:xfrm>
-            <a:off x="2509920" y="783000"/>
-            <a:ext cx="6310080" cy="520560"/>
+            <a:off x="4140000" y="800280"/>
+            <a:ext cx="4719240" cy="4059000"/>
           </a:xfrm>
           <a:prstGeom prst="rect">
             <a:avLst/>
           </a:prstGeom>
-          <a:noFill/>
           <a:ln w="0">
             <a:noFill/>
           </a:ln>
         </p:spPr>
-        <p:txBody>
-          <a:bodyPr tIns="91440" bIns="91440" anchor="t">
-            <a:normAutofit/>
-          </a:bodyPr>
-          <a:p>
-            <a:pPr algn="r">
-              <a:lnSpc>
-                <a:spcPct val="100000"/>
-              </a:lnSpc>
-              <a:spcBef>
-                <a:spcPts val="1191"/>
-              </a:spcBef>
-              <a:spcAft>
-                <a:spcPts val="992"/>
-              </a:spcAft>
-              <a:tabLst>
-                <a:tab algn="l" pos="0"/>
-              </a:tabLst>
-            </a:pPr>
-            <a:r>
-              <a:rPr b="1" lang="es-ES" sz="1500" spc="-1" strike="noStrike">
-                <a:solidFill>
-                  <a:srgbClr val="000000"/>
-                </a:solidFill>
-                <a:latin typeface="Arial"/>
-              </a:rPr>
-              <a:t>Usando la API-REST de WordPress</a:t>
-            </a:r>
-            <a:r>
-              <a:rPr b="0" lang="es-ES" sz="1500" spc="-1" strike="noStrike">
-                <a:solidFill>
-                  <a:srgbClr val="000000"/>
-                </a:solidFill>
-                <a:latin typeface="Arial"/>
-              </a:rPr>
-              <a:t> |[●▪▪●]|</a:t>
-            </a:r>
-            <a:endParaRPr b="0" lang="es-ES" sz="1500" spc="-1" strike="noStrike">
-              <a:solidFill>
-                <a:srgbClr val="000000"/>
-              </a:solidFill>
-              <a:latin typeface="Arial"/>
-            </a:endParaRPr>
-          </a:p>
-        </p:txBody>
-      </p:sp>
+      </p:pic>
     </p:spTree>
   </p:cSld>
   <mc:AlternateContent>
@@ -6993,8 +7565,8 @@
         </p:nvSpPr>
         <p:spPr>
           <a:xfrm>
-            <a:off x="2340000" y="198360"/>
-            <a:ext cx="6490080" cy="520560"/>
+            <a:off x="2520000" y="294120"/>
+            <a:ext cx="6309360" cy="519840"/>
           </a:xfrm>
           <a:prstGeom prst="rect">
             <a:avLst/>
@@ -7013,6 +7585,12 @@
               <a:lnSpc>
                 <a:spcPct val="100000"/>
               </a:lnSpc>
+              <a:spcBef>
+                <a:spcPts val="1191"/>
+              </a:spcBef>
+              <a:spcAft>
+                <a:spcPts val="992"/>
+              </a:spcAft>
               <a:buNone/>
               <a:tabLst>
                 <a:tab algn="l" pos="0"/>
@@ -7025,7 +7603,7 @@
                 </a:solidFill>
                 <a:latin typeface="Arial"/>
               </a:rPr>
-              <a:t>Consejos</a:t>
+              <a:t>Conexión directa a la API o crear un middleware</a:t>
             </a:r>
             <a:r>
               <a:rPr b="0" lang="es-ES" sz="1800" spc="-1" strike="noStrike">
@@ -7034,7 +7612,7 @@
                 </a:solidFill>
                 <a:latin typeface="Arial"/>
               </a:rPr>
-              <a:t>❚█══█❚</a:t>
+              <a:t> c[_]</a:t>
             </a:r>
             <a:endParaRPr b="0" lang="es-ES" sz="1800" spc="-1" strike="noStrike">
               <a:solidFill>
@@ -7057,8 +7635,8 @@
         </p:nvSpPr>
         <p:spPr>
           <a:xfrm>
-            <a:off x="311760" y="900000"/>
-            <a:ext cx="8518320" cy="3677760"/>
+            <a:off x="311760" y="1440000"/>
+            <a:ext cx="8507520" cy="3115440"/>
           </a:xfrm>
           <a:prstGeom prst="rect">
             <a:avLst/>
@@ -7070,10 +7648,106 @@
         </p:spPr>
         <p:txBody>
           <a:bodyPr lIns="91440" rIns="91440" tIns="91440" bIns="91440" anchor="t">
-            <a:normAutofit/>
+            <a:normAutofit fontScale="81111"/>
           </a:bodyPr>
           <a:p>
-            <a:pPr marL="432000" indent="-324000">
+            <a:pPr indent="0">
+              <a:lnSpc>
+                <a:spcPct val="100000"/>
+              </a:lnSpc>
+              <a:spcBef>
+                <a:spcPts val="624"/>
+              </a:spcBef>
+              <a:spcAft>
+                <a:spcPts val="425"/>
+              </a:spcAft>
+              <a:buNone/>
+              <a:tabLst>
+                <a:tab algn="l" pos="0"/>
+              </a:tabLst>
+            </a:pPr>
+            <a:r>
+              <a:rPr b="0" lang="es-ES" sz="1500" spc="-1" strike="noStrike">
+                <a:solidFill>
+                  <a:srgbClr val="000000"/>
+                </a:solidFill>
+                <a:latin typeface="Arial"/>
+              </a:rPr>
+              <a:t>Con la API-REST de WordPress es muy fácil montar una API intermedia, ya que la propia API-Rest de WordPress te da un buen framework de desarrollo y este desarrollo solo tiene que recoger los mismos datos que la API del CRM y reenviárselos usando las credenciales.</a:t>
+            </a:r>
+            <a:endParaRPr b="0" lang="es-ES" sz="1500" spc="-1" strike="noStrike">
+              <a:solidFill>
+                <a:srgbClr val="000000"/>
+              </a:solidFill>
+              <a:latin typeface="Arial"/>
+            </a:endParaRPr>
+          </a:p>
+          <a:p>
+            <a:pPr indent="0">
+              <a:lnSpc>
+                <a:spcPct val="100000"/>
+              </a:lnSpc>
+              <a:spcBef>
+                <a:spcPts val="624"/>
+              </a:spcBef>
+              <a:spcAft>
+                <a:spcPts val="425"/>
+              </a:spcAft>
+              <a:buNone/>
+              <a:tabLst>
+                <a:tab algn="l" pos="0"/>
+              </a:tabLst>
+            </a:pPr>
+            <a:r>
+              <a:rPr b="0" lang="es-ES" sz="1500" spc="-1" strike="noStrike">
+                <a:solidFill>
+                  <a:srgbClr val="000000"/>
+                </a:solidFill>
+                <a:latin typeface="Arial"/>
+              </a:rPr>
+              <a:t>El principal trabajo es decidir que endpoints de la API del CRM quiero usar y necesito y si es seguro poder usarlo en abierto.</a:t>
+            </a:r>
+            <a:endParaRPr b="0" lang="es-ES" sz="1500" spc="-1" strike="noStrike">
+              <a:solidFill>
+                <a:srgbClr val="000000"/>
+              </a:solidFill>
+              <a:latin typeface="Arial"/>
+            </a:endParaRPr>
+          </a:p>
+          <a:p>
+            <a:pPr indent="0">
+              <a:lnSpc>
+                <a:spcPct val="100000"/>
+              </a:lnSpc>
+              <a:spcBef>
+                <a:spcPts val="624"/>
+              </a:spcBef>
+              <a:spcAft>
+                <a:spcPts val="425"/>
+              </a:spcAft>
+              <a:buNone/>
+              <a:tabLst>
+                <a:tab algn="l" pos="0"/>
+              </a:tabLst>
+            </a:pPr>
+            <a:r>
+              <a:rPr b="1" lang="es-ES" sz="1500" spc="-1" strike="noStrike">
+                <a:solidFill>
+                  <a:srgbClr val="000000"/>
+                </a:solidFill>
+                <a:latin typeface="Arial"/>
+              </a:rPr>
+              <a:t>Consejos y consideraciones:</a:t>
+            </a:r>
+            <a:endParaRPr b="0" lang="es-ES" sz="1500" spc="-1" strike="noStrike">
+              <a:solidFill>
+                <a:srgbClr val="000000"/>
+              </a:solidFill>
+              <a:latin typeface="Arial"/>
+            </a:endParaRPr>
+          </a:p>
+          <a:p>
+            <a:pPr marL="216000" indent="-216000">
               <a:lnSpc>
                 <a:spcPct val="100000"/>
               </a:lnSpc>
@@ -7089,36 +7763,37 @@
               <a:buSzPct val="45000"/>
               <a:buFont typeface="Wingdings" charset="2"/>
               <a:buChar char=""/>
-            </a:pPr>
-            <a:r>
-              <a:rPr b="1" lang="es-ES" sz="1200" spc="-1" strike="noStrike">
-                <a:solidFill>
-                  <a:srgbClr val="000000"/>
-                </a:solidFill>
-                <a:latin typeface="Arial"/>
-                <a:ea typeface="Noto Sans CJK SC"/>
-              </a:rPr>
-              <a:t>Cread un campo de fecha de última modificación.</a:t>
-            </a:r>
-            <a:r>
-              <a:rPr b="0" lang="es-ES" sz="1200" spc="-1" strike="noStrike">
-                <a:solidFill>
-                  <a:srgbClr val="000000"/>
-                </a:solidFill>
-                <a:latin typeface="Arial"/>
-                <a:ea typeface="Noto Sans CJK SC"/>
-              </a:rPr>
-              <a:t> Los CRM suelen guardar está información, pero no discriminan entre conexiones por API y directamente por web. Con este campo personalizado tendréis control de qué contactos habéis tocado desde WordPress y cuáles han sido tocados de otras formas.</a:t>
-            </a:r>
-            <a:endParaRPr b="0" lang="es-ES" sz="1200" spc="-1" strike="noStrike">
-              <a:solidFill>
-                <a:srgbClr val="000000"/>
-              </a:solidFill>
-              <a:latin typeface="Arial"/>
-            </a:endParaRPr>
-          </a:p>
-          <a:p>
-            <a:pPr marL="432000" indent="-324000">
+              <a:tabLst>
+                <a:tab algn="l" pos="0"/>
+              </a:tabLst>
+            </a:pPr>
+            <a:r>
+              <a:rPr b="1" lang="es-ES" sz="1500" spc="-1" strike="noStrike">
+                <a:solidFill>
+                  <a:srgbClr val="000000"/>
+                </a:solidFill>
+                <a:latin typeface="Arial"/>
+              </a:rPr>
+              <a:t>Mejor POST que GET. </a:t>
+            </a:r>
+            <a:r>
+              <a:rPr b="0" lang="es-ES" sz="1500" spc="-1" strike="noStrike">
+                <a:solidFill>
+                  <a:srgbClr val="000000"/>
+                </a:solidFill>
+                <a:latin typeface="Arial"/>
+              </a:rPr>
+              <a:t>Aunque parezca al revés es más seguro los POST que los GET. Que metan datos es malo, pero que los saquen es un problemón.</a:t>
+            </a:r>
+            <a:endParaRPr b="0" lang="es-ES" sz="1500" spc="-1" strike="noStrike">
+              <a:solidFill>
+                <a:srgbClr val="000000"/>
+              </a:solidFill>
+              <a:latin typeface="Arial"/>
+            </a:endParaRPr>
+          </a:p>
+          <a:p>
+            <a:pPr marL="216000" indent="-216000">
               <a:lnSpc>
                 <a:spcPct val="100000"/>
               </a:lnSpc>
@@ -7134,56 +7809,37 @@
               <a:buSzPct val="45000"/>
               <a:buFont typeface="Wingdings" charset="2"/>
               <a:buChar char=""/>
-            </a:pPr>
-            <a:r>
-              <a:rPr b="1" lang="es-ES" sz="1200" spc="-1" strike="noStrike">
-                <a:solidFill>
-                  <a:srgbClr val="000000"/>
-                </a:solidFill>
-                <a:latin typeface="Arial"/>
-                <a:ea typeface="Noto Sans CJK SC"/>
-              </a:rPr>
-              <a:t>Usad las notas.</a:t>
-            </a:r>
-            <a:r>
-              <a:rPr b="0" lang="es-ES" sz="1200" spc="-1" strike="noStrike">
-                <a:solidFill>
-                  <a:srgbClr val="000000"/>
-                </a:solidFill>
-                <a:latin typeface="Arial"/>
-                <a:ea typeface="Noto Sans CJK SC"/>
-              </a:rPr>
-              <a:t> Muchos CRM te permiten crear notas de cada contacto, usad esas notas para guardar información variada, por ejemplo, el contenido de las áreas de texto de un formulario. Ponéis un título explicativo y luego el texto que escribió la persona que relleno el formulario. Siempre que se pueda, </a:t>
-            </a:r>
-            <a:r>
-              <a:rPr b="1" lang="es-ES" sz="1200" spc="-1" strike="noStrike">
-                <a:solidFill>
-                  <a:srgbClr val="000000"/>
-                </a:solidFill>
-                <a:latin typeface="Arial"/>
-                <a:ea typeface="Noto Sans CJK SC"/>
-              </a:rPr>
-              <a:t>no montéis campos específicos para ese tipo de cosas</a:t>
-            </a:r>
-            <a:r>
-              <a:rPr b="0" lang="es-ES" sz="1200" spc="-1" strike="noStrike">
-                <a:solidFill>
-                  <a:srgbClr val="000000"/>
-                </a:solidFill>
-                <a:latin typeface="Arial"/>
-                <a:ea typeface="Noto Sans CJK SC"/>
-              </a:rPr>
-              <a:t>.</a:t>
-            </a:r>
-            <a:endParaRPr b="0" lang="es-ES" sz="1200" spc="-1" strike="noStrike">
-              <a:solidFill>
-                <a:srgbClr val="000000"/>
-              </a:solidFill>
-              <a:latin typeface="Arial"/>
-            </a:endParaRPr>
-          </a:p>
-          <a:p>
-            <a:pPr marL="432000" indent="-324000">
+              <a:tabLst>
+                <a:tab algn="l" pos="0"/>
+              </a:tabLst>
+            </a:pPr>
+            <a:r>
+              <a:rPr b="1" lang="es-ES" sz="1500" spc="-1" strike="noStrike">
+                <a:solidFill>
+                  <a:srgbClr val="000000"/>
+                </a:solidFill>
+                <a:latin typeface="Arial"/>
+              </a:rPr>
+              <a:t>Capa extra de seguridad.</a:t>
+            </a:r>
+            <a:r>
+              <a:rPr b="0" lang="es-ES" sz="1500" spc="-1" strike="noStrike">
+                <a:solidFill>
+                  <a:srgbClr val="000000"/>
+                </a:solidFill>
+                <a:latin typeface="Arial"/>
+              </a:rPr>
+              <a:t> Podemos meter restricciones de seguridad que la API del CRM no tenga. Si hay un número inusual de peticiones desde la IP puedes bajar esa IP.</a:t>
+            </a:r>
+            <a:endParaRPr b="0" lang="es-ES" sz="1500" spc="-1" strike="noStrike">
+              <a:solidFill>
+                <a:srgbClr val="000000"/>
+              </a:solidFill>
+              <a:latin typeface="Arial"/>
+            </a:endParaRPr>
+          </a:p>
+          <a:p>
+            <a:pPr marL="216000" indent="-216000">
               <a:lnSpc>
                 <a:spcPct val="100000"/>
               </a:lnSpc>
@@ -7199,93 +7855,102 @@
               <a:buSzPct val="45000"/>
               <a:buFont typeface="Wingdings" charset="2"/>
               <a:buChar char=""/>
-            </a:pPr>
-            <a:r>
-              <a:rPr b="1" lang="es-ES" sz="1200" spc="-1" strike="noStrike">
-                <a:solidFill>
-                  <a:srgbClr val="000000"/>
-                </a:solidFill>
-                <a:latin typeface="Arial"/>
-                <a:ea typeface="Noto Sans CJK SC"/>
-              </a:rPr>
-              <a:t>Si puedes hacerse con una automatización del CRM, mejor que programándolo.</a:t>
-            </a:r>
-            <a:r>
-              <a:rPr b="0" lang="es-ES" sz="1200" spc="-1" strike="noStrike">
-                <a:solidFill>
-                  <a:srgbClr val="000000"/>
-                </a:solidFill>
-                <a:latin typeface="Arial"/>
-                <a:ea typeface="Noto Sans CJK SC"/>
-              </a:rPr>
-              <a:t> Al conectar se puede hacer que el script que desarrolléis haga todas las tareas, como meter etiquetas, apuntar a listas, meter puntos en un LeadScoring, etc. O simplemente que lance un disparador de una automatización y esta ejecute todo lo anterior. Piensa que </a:t>
-            </a:r>
-            <a:r>
-              <a:rPr b="1" lang="es-ES" sz="1200" spc="-1" strike="noStrike">
-                <a:solidFill>
-                  <a:srgbClr val="000000"/>
-                </a:solidFill>
-                <a:latin typeface="Arial"/>
-                <a:ea typeface="Noto Sans CJK SC"/>
-              </a:rPr>
-              <a:t>cambiar la programación solo podrá hacerlo una desarrolladora y cambiar una automatización con una interfaz gráfica, puede hacerlo cualquier persona de marketing con unos conocimientos básicos</a:t>
-            </a:r>
-            <a:r>
-              <a:rPr b="0" lang="es-ES" sz="1200" spc="-1" strike="noStrike">
-                <a:solidFill>
-                  <a:srgbClr val="000000"/>
-                </a:solidFill>
-                <a:latin typeface="Arial"/>
-                <a:ea typeface="Noto Sans CJK SC"/>
-              </a:rPr>
-              <a:t>.</a:t>
-            </a:r>
-            <a:endParaRPr b="0" lang="es-ES" sz="1200" spc="-1" strike="noStrike">
-              <a:solidFill>
-                <a:srgbClr val="000000"/>
-              </a:solidFill>
-              <a:latin typeface="Arial"/>
-            </a:endParaRPr>
-          </a:p>
-          <a:p>
-            <a:pPr marL="432000" indent="-324000">
-              <a:lnSpc>
-                <a:spcPct val="100000"/>
-              </a:lnSpc>
-              <a:spcBef>
-                <a:spcPts val="624"/>
+              <a:tabLst>
+                <a:tab algn="l" pos="0"/>
+              </a:tabLst>
+            </a:pPr>
+            <a:r>
+              <a:rPr b="1" lang="es-ES" sz="1500" spc="-1" strike="noStrike">
+                <a:solidFill>
+                  <a:srgbClr val="000000"/>
+                </a:solidFill>
+                <a:latin typeface="Arial"/>
+              </a:rPr>
+              <a:t>Estadísticas.</a:t>
+            </a:r>
+            <a:r>
+              <a:rPr b="0" lang="es-ES" sz="1500" spc="-1" strike="noStrike">
+                <a:solidFill>
+                  <a:srgbClr val="000000"/>
+                </a:solidFill>
+                <a:latin typeface="Arial"/>
+              </a:rPr>
+              <a:t> Puede ser interesante unos logs de consumo de la API intermedia de los luego sacar estadísticas para la gente de marketing.</a:t>
+            </a:r>
+            <a:endParaRPr b="0" lang="es-ES" sz="1500" spc="-1" strike="noStrike">
+              <a:solidFill>
+                <a:srgbClr val="000000"/>
+              </a:solidFill>
+              <a:latin typeface="Arial"/>
+            </a:endParaRPr>
+          </a:p>
+        </p:txBody>
+      </p:sp>
+      <p:sp>
+        <p:nvSpPr>
+          <p:cNvPr id="105" name="PlaceHolder 9"/>
+          <p:cNvSpPr/>
+          <p:nvPr/>
+        </p:nvSpPr>
+        <p:spPr>
+          <a:xfrm>
+            <a:off x="2509920" y="783000"/>
+            <a:ext cx="6309360" cy="519840"/>
+          </a:xfrm>
+          <a:prstGeom prst="rect">
+            <a:avLst/>
+          </a:prstGeom>
+          <a:noFill/>
+          <a:ln w="0">
+            <a:noFill/>
+          </a:ln>
+        </p:spPr>
+        <p:style>
+          <a:lnRef idx="0"/>
+          <a:fillRef idx="0"/>
+          <a:effectRef idx="0"/>
+          <a:fontRef idx="minor"/>
+        </p:style>
+        <p:txBody>
+          <a:bodyPr lIns="90000" rIns="90000" tIns="91440" bIns="91440" anchor="t">
+            <a:normAutofit/>
+          </a:bodyPr>
+          <a:p>
+            <a:pPr algn="r">
+              <a:lnSpc>
+                <a:spcPct val="100000"/>
+              </a:lnSpc>
+              <a:spcBef>
+                <a:spcPts val="1191"/>
               </a:spcBef>
               <a:spcAft>
-                <a:spcPts val="425"/>
+                <a:spcPts val="992"/>
               </a:spcAft>
-              <a:buClr>
-                <a:srgbClr val="000000"/>
-              </a:buClr>
-              <a:buSzPct val="45000"/>
-              <a:buFont typeface="Wingdings" charset="2"/>
-              <a:buChar char=""/>
-            </a:pPr>
-            <a:r>
-              <a:rPr b="1" lang="es-ES" sz="1200" spc="-1" strike="noStrike">
-                <a:solidFill>
-                  <a:srgbClr val="000000"/>
-                </a:solidFill>
-                <a:latin typeface="Arial"/>
-                <a:ea typeface="Noto Sans CJK SC"/>
-              </a:rPr>
-              <a:t>Usad los sistemas de almacenamiento de ficheros de PDF, DOC, ODT, etc. que ofrecen los CRM.</a:t>
-            </a:r>
-            <a:r>
-              <a:rPr b="0" lang="es-ES" sz="1200" spc="-1" strike="noStrike">
-                <a:solidFill>
-                  <a:srgbClr val="000000"/>
-                </a:solidFill>
-                <a:latin typeface="Arial"/>
-                <a:ea typeface="Noto Sans CJK SC"/>
-              </a:rPr>
-              <a:t> Es muy tentador subir un fichero a tu web y usar ese enlace en todas partes. Pero no da gran información. Subiéndolo al sistema de archivos del CRM puedes saber quién y cuándo lo ha descargado si está entre tus contactos y si no, como, mínimo te dará unas buenas estadísticas de descargas.</a:t>
-            </a:r>
-            <a:endParaRPr b="0" lang="es-ES" sz="1200" spc="-1" strike="noStrike">
+              <a:tabLst>
+                <a:tab algn="l" pos="0"/>
+              </a:tabLst>
+            </a:pPr>
+            <a:r>
+              <a:rPr b="1" lang="es-ES" sz="1500" spc="-1" strike="noStrike">
+                <a:solidFill>
+                  <a:srgbClr val="000000"/>
+                </a:solidFill>
+                <a:latin typeface="Arial"/>
+                <a:ea typeface="DejaVu Sans"/>
+              </a:rPr>
+              <a:t>Usando la API-REST de WordPress</a:t>
+            </a:r>
+            <a:r>
+              <a:rPr b="0" lang="es-ES" sz="1500" spc="-1" strike="noStrike">
+                <a:solidFill>
+                  <a:srgbClr val="000000"/>
+                </a:solidFill>
+                <a:latin typeface="Arial"/>
+                <a:ea typeface="DejaVu Sans"/>
+              </a:rPr>
+              <a:t> |[●▪▪●]|</a:t>
+            </a:r>
+            <a:endParaRPr b="0" lang="es-ES" sz="1500" spc="-1" strike="noStrike">
               <a:solidFill>
                 <a:srgbClr val="000000"/>
               </a:solidFill>
@@ -7326,18 +7991,18 @@
       </p:grpSpPr>
       <p:sp>
         <p:nvSpPr>
-          <p:cNvPr id="105" name="PlaceHolder 1"/>
+          <p:cNvPr id="106" name="PlaceHolder 1"/>
           <p:cNvSpPr>
             <a:spLocks noGrp="1"/>
           </p:cNvSpPr>
           <p:nvPr>
-            <p:ph/>
+            <p:ph type="title"/>
           </p:nvPr>
         </p:nvSpPr>
         <p:spPr>
           <a:xfrm>
-            <a:off x="311760" y="1080000"/>
-            <a:ext cx="8518320" cy="3038400"/>
+            <a:off x="2340000" y="198360"/>
+            <a:ext cx="6489360" cy="519840"/>
           </a:xfrm>
           <a:prstGeom prst="rect">
             <a:avLst/>
@@ -7349,339 +8014,59 @@
         </p:spPr>
         <p:txBody>
           <a:bodyPr lIns="91440" rIns="91440" tIns="91440" bIns="91440" anchor="t">
-            <a:normAutofit fontScale="75000"/>
+            <a:normAutofit/>
           </a:bodyPr>
           <a:p>
-            <a:pPr indent="0">
-              <a:lnSpc>
-                <a:spcPct val="100000"/>
-              </a:lnSpc>
-              <a:spcBef>
-                <a:spcPts val="1191"/>
-              </a:spcBef>
-              <a:spcAft>
-                <a:spcPts val="992"/>
-              </a:spcAft>
+            <a:pPr indent="0" algn="r">
+              <a:lnSpc>
+                <a:spcPct val="100000"/>
+              </a:lnSpc>
               <a:buNone/>
-            </a:pPr>
-            <a:r>
-              <a:rPr b="0" lang="es-ES" sz="1600" spc="-1" strike="noStrike">
-                <a:solidFill>
-                  <a:srgbClr val="000000"/>
-                </a:solidFill>
-                <a:latin typeface="Arial"/>
-              </a:rPr>
-              <a:t>Soy un </a:t>
-            </a:r>
-            <a:r>
-              <a:rPr b="1" lang="es-ES" sz="1600" spc="-1" strike="noStrike">
-                <a:solidFill>
-                  <a:srgbClr val="000000"/>
-                </a:solidFill>
-                <a:latin typeface="Arial"/>
-              </a:rPr>
-              <a:t>desarrollador web con más de 20 años de experiencia</a:t>
-            </a:r>
-            <a:r>
-              <a:rPr b="0" lang="es-ES" sz="1600" spc="-1" strike="noStrike">
-                <a:solidFill>
-                  <a:srgbClr val="000000"/>
-                </a:solidFill>
-                <a:latin typeface="Arial"/>
-              </a:rPr>
-              <a:t>, muchos de ellos </a:t>
-            </a:r>
-            <a:r>
-              <a:rPr b="0" lang="es-ES" sz="1600" spc="-1" strike="noStrike">
-                <a:solidFill>
-                  <a:srgbClr val="000000"/>
-                </a:solidFill>
-                <a:latin typeface="Arial"/>
-              </a:rPr>
-              <a:t>trabajando con WordPress. De hecho, mis primeros proyectos fueron en B2Evo, el origen de </a:t>
-            </a:r>
-            <a:r>
-              <a:rPr b="0" lang="es-ES" sz="1600" spc="-1" strike="noStrike">
-                <a:solidFill>
-                  <a:srgbClr val="000000"/>
-                </a:solidFill>
-                <a:latin typeface="Arial"/>
-              </a:rPr>
-              <a:t>WordPress.</a:t>
-            </a:r>
-            <a:endParaRPr b="0" lang="es-ES" sz="1600" spc="-1" strike="noStrike">
-              <a:solidFill>
-                <a:srgbClr val="000000"/>
-              </a:solidFill>
-              <a:latin typeface="Arial"/>
-              <a:ea typeface="Noto Sans CJK SC"/>
-            </a:endParaRPr>
-          </a:p>
-          <a:p>
-            <a:pPr indent="0">
-              <a:lnSpc>
-                <a:spcPct val="100000"/>
-              </a:lnSpc>
-              <a:spcBef>
-                <a:spcPts val="1191"/>
-              </a:spcBef>
-              <a:spcAft>
-                <a:spcPts val="992"/>
-              </a:spcAft>
-              <a:buNone/>
-            </a:pPr>
-            <a:r>
-              <a:rPr b="0" lang="es-ES" sz="1600" spc="-1" strike="noStrike">
-                <a:solidFill>
-                  <a:srgbClr val="000000"/>
-                </a:solidFill>
-                <a:latin typeface="Arial"/>
-                <a:ea typeface="Noto Sans CJK SC"/>
-              </a:rPr>
-              <a:t>Trabajo en Eñutt Comunicación desde hace 5 años, principalmente desarrollando en temas </a:t>
-            </a:r>
-            <a:r>
-              <a:rPr b="0" lang="es-ES" sz="1600" spc="-1" strike="noStrike">
-                <a:solidFill>
-                  <a:srgbClr val="000000"/>
-                </a:solidFill>
-                <a:latin typeface="Arial"/>
-                <a:ea typeface="Noto Sans CJK SC"/>
-              </a:rPr>
-              <a:t>de CRM para clientes como SPRI, IHOBE, BEAZ o Gaztenpresa.</a:t>
-            </a:r>
-            <a:endParaRPr b="0" lang="es-ES" sz="1600" spc="-1" strike="noStrike">
-              <a:solidFill>
-                <a:srgbClr val="000000"/>
-              </a:solidFill>
-              <a:latin typeface="Arial"/>
-              <a:ea typeface="Noto Sans CJK SC"/>
-            </a:endParaRPr>
-          </a:p>
-          <a:p>
-            <a:pPr indent="0">
-              <a:lnSpc>
-                <a:spcPct val="100000"/>
-              </a:lnSpc>
-              <a:spcBef>
-                <a:spcPts val="1191"/>
-              </a:spcBef>
-              <a:spcAft>
-                <a:spcPts val="992"/>
-              </a:spcAft>
-              <a:buNone/>
-            </a:pPr>
-            <a:r>
-              <a:rPr b="0" lang="es-ES" sz="1600" spc="-1" strike="noStrike">
-                <a:solidFill>
-                  <a:srgbClr val="000000"/>
-                </a:solidFill>
-                <a:latin typeface="Arial"/>
-              </a:rPr>
-              <a:t>Mis enlaces:</a:t>
-            </a:r>
-            <a:endParaRPr b="0" lang="es-ES" sz="1600" spc="-1" strike="noStrike">
-              <a:solidFill>
-                <a:srgbClr val="000000"/>
-              </a:solidFill>
-              <a:latin typeface="Arial"/>
-              <a:ea typeface="Noto Sans CJK SC"/>
-            </a:endParaRPr>
-          </a:p>
-          <a:p>
-            <a:pPr marL="360000">
-              <a:lnSpc>
-                <a:spcPct val="100000"/>
-              </a:lnSpc>
-              <a:spcBef>
-                <a:spcPts val="624"/>
-              </a:spcBef>
-              <a:spcAft>
-                <a:spcPts val="425"/>
-              </a:spcAft>
-              <a:buClr>
-                <a:srgbClr val="000000"/>
-              </a:buClr>
-              <a:buFont typeface="Wingdings" charset="2"/>
-              <a:buChar char=""/>
-            </a:pPr>
-            <a:r>
-              <a:rPr b="0" lang="es-ES" sz="1600" spc="-1" strike="noStrike">
-                <a:solidFill>
-                  <a:srgbClr val="000000"/>
-                </a:solidFill>
-                <a:latin typeface="Arial"/>
-                <a:hlinkClick r:id="rId1"/>
-              </a:rPr>
-              <a:t>https://bsky.app/profile/gwannon.com</a:t>
-            </a:r>
-            <a:endParaRPr b="0" lang="es-ES" sz="1600" spc="-1" strike="noStrike">
-              <a:solidFill>
-                <a:srgbClr val="000000"/>
-              </a:solidFill>
-              <a:latin typeface="Arial"/>
-              <a:ea typeface="Noto Sans CJK SC"/>
-            </a:endParaRPr>
-          </a:p>
-          <a:p>
-            <a:pPr marL="360000">
-              <a:lnSpc>
-                <a:spcPct val="100000"/>
-              </a:lnSpc>
-              <a:spcBef>
-                <a:spcPts val="624"/>
-              </a:spcBef>
-              <a:spcAft>
-                <a:spcPts val="425"/>
-              </a:spcAft>
-              <a:buClr>
-                <a:srgbClr val="000000"/>
-              </a:buClr>
-              <a:buFont typeface="Wingdings" charset="2"/>
-              <a:buChar char=""/>
-            </a:pPr>
-            <a:r>
-              <a:rPr b="0" lang="es-ES" sz="1600" spc="-1" strike="noStrike">
-                <a:solidFill>
-                  <a:srgbClr val="000000"/>
-                </a:solidFill>
-                <a:latin typeface="Arial"/>
-                <a:hlinkClick r:id="rId2"/>
-              </a:rPr>
-              <a:t>https://github.com/gwannon</a:t>
-            </a:r>
-            <a:endParaRPr b="0" lang="es-ES" sz="1600" spc="-1" strike="noStrike">
-              <a:solidFill>
-                <a:srgbClr val="000000"/>
-              </a:solidFill>
-              <a:latin typeface="Arial"/>
-              <a:ea typeface="Noto Sans CJK SC"/>
-            </a:endParaRPr>
-          </a:p>
-          <a:p>
-            <a:pPr marL="360000">
-              <a:lnSpc>
-                <a:spcPct val="100000"/>
-              </a:lnSpc>
-              <a:spcBef>
-                <a:spcPts val="624"/>
-              </a:spcBef>
-              <a:spcAft>
-                <a:spcPts val="425"/>
-              </a:spcAft>
-              <a:buClr>
-                <a:srgbClr val="000000"/>
-              </a:buClr>
-              <a:buFont typeface="Wingdings" charset="2"/>
-              <a:buChar char=""/>
-            </a:pPr>
-            <a:r>
-              <a:rPr b="0" lang="es-ES" sz="1600" spc="-1" strike="noStrike">
-                <a:solidFill>
-                  <a:srgbClr val="000000"/>
-                </a:solidFill>
-                <a:latin typeface="Arial"/>
-                <a:hlinkClick r:id="rId3"/>
-              </a:rPr>
-              <a:t>https://codepen.io/gwannon</a:t>
-            </a:r>
-            <a:endParaRPr b="0" lang="es-ES" sz="1600" spc="-1" strike="noStrike">
-              <a:solidFill>
-                <a:srgbClr val="000000"/>
-              </a:solidFill>
-              <a:latin typeface="Arial"/>
-              <a:ea typeface="Noto Sans CJK SC"/>
-            </a:endParaRPr>
-          </a:p>
-          <a:p>
-            <a:pPr marL="360000">
-              <a:lnSpc>
-                <a:spcPct val="100000"/>
-              </a:lnSpc>
-              <a:spcBef>
-                <a:spcPts val="624"/>
-              </a:spcBef>
-              <a:spcAft>
-                <a:spcPts val="425"/>
-              </a:spcAft>
-              <a:buClr>
-                <a:srgbClr val="000000"/>
-              </a:buClr>
-              <a:buFont typeface="Wingdings" charset="2"/>
-              <a:buChar char=""/>
-            </a:pPr>
-            <a:r>
-              <a:rPr b="0" lang="es-ES" sz="1600" spc="-1" strike="noStrike">
-                <a:solidFill>
-                  <a:srgbClr val="000000"/>
-                </a:solidFill>
-                <a:latin typeface="Arial"/>
-                <a:hlinkClick r:id="rId4"/>
-              </a:rPr>
-              <a:t>https://www.linkedin.com/in/jorgemonclus/</a:t>
-            </a:r>
-            <a:endParaRPr b="0" lang="es-ES" sz="1600" spc="-1" strike="noStrike">
-              <a:solidFill>
-                <a:srgbClr val="000000"/>
-              </a:solidFill>
-              <a:latin typeface="Arial"/>
-              <a:ea typeface="Noto Sans CJK SC"/>
-            </a:endParaRPr>
-          </a:p>
-          <a:p>
-            <a:pPr marL="1080000" indent="0">
-              <a:lnSpc>
-                <a:spcPct val="100000"/>
-              </a:lnSpc>
-              <a:spcBef>
-                <a:spcPts val="1191"/>
-              </a:spcBef>
-              <a:spcAft>
-                <a:spcPts val="992"/>
-              </a:spcAft>
-              <a:buNone/>
-            </a:pPr>
+              <a:tabLst>
+                <a:tab algn="l" pos="0"/>
+              </a:tabLst>
+            </a:pPr>
+            <a:r>
+              <a:rPr b="1" lang="es-ES" sz="1800" spc="-1" strike="noStrike">
+                <a:solidFill>
+                  <a:srgbClr val="174575"/>
+                </a:solidFill>
+                <a:latin typeface="Arial"/>
+              </a:rPr>
+              <a:t>Consejos</a:t>
+            </a:r>
+            <a:r>
+              <a:rPr b="0" lang="es-ES" sz="1800" spc="-1" strike="noStrike">
+                <a:solidFill>
+                  <a:srgbClr val="174575"/>
+                </a:solidFill>
+                <a:latin typeface="Arial"/>
+              </a:rPr>
+              <a:t>❚█══█❚</a:t>
+            </a:r>
             <a:endParaRPr b="0" lang="es-ES" sz="1800" spc="-1" strike="noStrike">
               <a:solidFill>
                 <a:srgbClr val="000000"/>
               </a:solidFill>
               <a:latin typeface="Arial"/>
-              <a:ea typeface="Noto Sans CJK SC"/>
-            </a:endParaRPr>
-          </a:p>
-          <a:p>
-            <a:pPr marL="1080000" indent="0">
-              <a:lnSpc>
-                <a:spcPct val="100000"/>
-              </a:lnSpc>
-              <a:spcBef>
-                <a:spcPts val="1191"/>
-              </a:spcBef>
-              <a:spcAft>
-                <a:spcPts val="992"/>
-              </a:spcAft>
-              <a:buNone/>
-            </a:pPr>
-            <a:endParaRPr b="0" lang="es-ES" sz="1800" spc="-1" strike="noStrike">
-              <a:solidFill>
-                <a:srgbClr val="000000"/>
-              </a:solidFill>
-              <a:latin typeface="Arial"/>
-              <a:ea typeface="Noto Sans CJK SC"/>
             </a:endParaRPr>
           </a:p>
         </p:txBody>
       </p:sp>
       <p:sp>
         <p:nvSpPr>
-          <p:cNvPr id="106" name="PlaceHolder 12"/>
-          <p:cNvSpPr txBox="1"/>
-          <p:nvPr/>
+          <p:cNvPr id="107" name="PlaceHolder 2"/>
+          <p:cNvSpPr>
+            <a:spLocks noGrp="1"/>
+          </p:cNvSpPr>
+          <p:nvPr>
+            <p:ph/>
+          </p:nvPr>
         </p:nvSpPr>
         <p:spPr>
           <a:xfrm>
-            <a:off x="2340000" y="294120"/>
-            <a:ext cx="6490080" cy="520560"/>
+            <a:off x="311760" y="900000"/>
+            <a:ext cx="8517600" cy="3677040"/>
           </a:xfrm>
           <a:prstGeom prst="rect">
             <a:avLst/>
@@ -7692,37 +8077,223 @@
           </a:ln>
         </p:spPr>
         <p:txBody>
-          <a:bodyPr tIns="91440" bIns="91440" anchor="t">
+          <a:bodyPr lIns="91440" rIns="91440" tIns="91440" bIns="91440" anchor="t">
             <a:normAutofit/>
           </a:bodyPr>
           <a:p>
-            <a:pPr algn="r">
-              <a:lnSpc>
-                <a:spcPct val="100000"/>
-              </a:lnSpc>
-              <a:tabLst>
-                <a:tab algn="l" pos="0"/>
-              </a:tabLst>
-            </a:pPr>
-            <a:r>
-              <a:rPr b="1" lang="es-ES" sz="1800" spc="-1" strike="noStrike">
-                <a:solidFill>
-                  <a:srgbClr val="174575"/>
-                </a:solidFill>
-                <a:latin typeface="Arial"/>
-              </a:rPr>
-              <a:t>Jorge Monclús</a:t>
-            </a:r>
-            <a:r>
-              <a:rPr b="0" lang="es-ES" sz="1800" spc="-1" strike="noStrike">
-                <a:solidFill>
-                  <a:srgbClr val="174575"/>
-                </a:solidFill>
-                <a:latin typeface="Arial"/>
-              </a:rPr>
-              <a:t> O=('-'Q)</a:t>
-            </a:r>
-            <a:endParaRPr b="0" lang="es-ES" sz="1800" spc="-1" strike="noStrike">
+            <a:pPr marL="432000" indent="-324000">
+              <a:lnSpc>
+                <a:spcPct val="100000"/>
+              </a:lnSpc>
+              <a:spcBef>
+                <a:spcPts val="624"/>
+              </a:spcBef>
+              <a:spcAft>
+                <a:spcPts val="425"/>
+              </a:spcAft>
+              <a:buClr>
+                <a:srgbClr val="000000"/>
+              </a:buClr>
+              <a:buSzPct val="45000"/>
+              <a:buFont typeface="Wingdings" charset="2"/>
+              <a:buChar char=""/>
+            </a:pPr>
+            <a:r>
+              <a:rPr b="1" lang="es-ES" sz="1200" spc="-1" strike="noStrike">
+                <a:solidFill>
+                  <a:srgbClr val="000000"/>
+                </a:solidFill>
+                <a:latin typeface="Arial"/>
+                <a:ea typeface="Noto Sans CJK SC"/>
+              </a:rPr>
+              <a:t>Cread un campo de fecha de última modificación.</a:t>
+            </a:r>
+            <a:r>
+              <a:rPr b="0" lang="es-ES" sz="1200" spc="-1" strike="noStrike">
+                <a:solidFill>
+                  <a:srgbClr val="000000"/>
+                </a:solidFill>
+                <a:latin typeface="Arial"/>
+                <a:ea typeface="Noto Sans CJK SC"/>
+              </a:rPr>
+              <a:t> Los CRM suelen guardar está información, pero no discriminan entre conexiones por API y directamente por web. Con este campo personalizado tendréis control de qué contactos habéis tocado desde WordPress y cuáles han sido tocados de otras formas.</a:t>
+            </a:r>
+            <a:endParaRPr b="0" lang="es-ES" sz="1200" spc="-1" strike="noStrike">
+              <a:solidFill>
+                <a:srgbClr val="000000"/>
+              </a:solidFill>
+              <a:latin typeface="Arial"/>
+            </a:endParaRPr>
+          </a:p>
+          <a:p>
+            <a:pPr marL="432000" indent="-324000">
+              <a:lnSpc>
+                <a:spcPct val="100000"/>
+              </a:lnSpc>
+              <a:spcBef>
+                <a:spcPts val="624"/>
+              </a:spcBef>
+              <a:spcAft>
+                <a:spcPts val="425"/>
+              </a:spcAft>
+              <a:buClr>
+                <a:srgbClr val="000000"/>
+              </a:buClr>
+              <a:buSzPct val="45000"/>
+              <a:buFont typeface="Wingdings" charset="2"/>
+              <a:buChar char=""/>
+            </a:pPr>
+            <a:r>
+              <a:rPr b="1" lang="es-ES" sz="1200" spc="-1" strike="noStrike">
+                <a:solidFill>
+                  <a:srgbClr val="000000"/>
+                </a:solidFill>
+                <a:latin typeface="Arial"/>
+                <a:ea typeface="Noto Sans CJK SC"/>
+              </a:rPr>
+              <a:t>Usad las notas.</a:t>
+            </a:r>
+            <a:r>
+              <a:rPr b="0" lang="es-ES" sz="1200" spc="-1" strike="noStrike">
+                <a:solidFill>
+                  <a:srgbClr val="000000"/>
+                </a:solidFill>
+                <a:latin typeface="Arial"/>
+                <a:ea typeface="Noto Sans CJK SC"/>
+              </a:rPr>
+              <a:t> Muchos CRM te permiten crear notas de cada contacto, usad esas notas para guardar información variada, por ejemplo, el contenido de las áreas de texto de un formulario. Ponéis un título explicativo y luego el texto que escribió la persona que relleno el formulario. Siempre que se pueda, </a:t>
+            </a:r>
+            <a:r>
+              <a:rPr b="1" lang="es-ES" sz="1200" spc="-1" strike="noStrike">
+                <a:solidFill>
+                  <a:srgbClr val="000000"/>
+                </a:solidFill>
+                <a:latin typeface="Arial"/>
+                <a:ea typeface="Noto Sans CJK SC"/>
+              </a:rPr>
+              <a:t>no montéis campos específicos para ese tipo de cosas</a:t>
+            </a:r>
+            <a:r>
+              <a:rPr b="0" lang="es-ES" sz="1200" spc="-1" strike="noStrike">
+                <a:solidFill>
+                  <a:srgbClr val="000000"/>
+                </a:solidFill>
+                <a:latin typeface="Arial"/>
+                <a:ea typeface="Noto Sans CJK SC"/>
+              </a:rPr>
+              <a:t>.</a:t>
+            </a:r>
+            <a:endParaRPr b="0" lang="es-ES" sz="1200" spc="-1" strike="noStrike">
+              <a:solidFill>
+                <a:srgbClr val="000000"/>
+              </a:solidFill>
+              <a:latin typeface="Arial"/>
+            </a:endParaRPr>
+          </a:p>
+          <a:p>
+            <a:pPr marL="432000" indent="-324000">
+              <a:lnSpc>
+                <a:spcPct val="100000"/>
+              </a:lnSpc>
+              <a:spcBef>
+                <a:spcPts val="624"/>
+              </a:spcBef>
+              <a:spcAft>
+                <a:spcPts val="425"/>
+              </a:spcAft>
+              <a:buClr>
+                <a:srgbClr val="000000"/>
+              </a:buClr>
+              <a:buSzPct val="45000"/>
+              <a:buFont typeface="Wingdings" charset="2"/>
+              <a:buChar char=""/>
+            </a:pPr>
+            <a:r>
+              <a:rPr b="1" lang="es-ES" sz="1200" spc="-1" strike="noStrike">
+                <a:solidFill>
+                  <a:srgbClr val="000000"/>
+                </a:solidFill>
+                <a:latin typeface="Arial"/>
+                <a:ea typeface="Noto Sans CJK SC"/>
+              </a:rPr>
+              <a:t>Si puedes hacerse con una automatización del CRM, mejor que programándolo.</a:t>
+            </a:r>
+            <a:r>
+              <a:rPr b="0" lang="es-ES" sz="1200" spc="-1" strike="noStrike">
+                <a:solidFill>
+                  <a:srgbClr val="000000"/>
+                </a:solidFill>
+                <a:latin typeface="Arial"/>
+                <a:ea typeface="Noto Sans CJK SC"/>
+              </a:rPr>
+              <a:t> Al conectar se puede hacer que el script que desarrolléis haga todas las tareas, como meter etiquetas, apuntar a listas, meter puntos en un LeadScoring, etc. O simplemente que lance un disparador de una automatización y esta ejecute todo lo anterior. Piensa que </a:t>
+            </a:r>
+            <a:r>
+              <a:rPr b="1" lang="es-ES" sz="1200" spc="-1" strike="noStrike">
+                <a:solidFill>
+                  <a:srgbClr val="000000"/>
+                </a:solidFill>
+                <a:latin typeface="Arial"/>
+                <a:ea typeface="Noto Sans CJK SC"/>
+              </a:rPr>
+              <a:t>cambiar la programación solo podrá hacerlo una desarrolladora y cambiar una automatización con una interfaz gráfica, puede hacerlo cualquier persona de marketing con unos conocimientos básicos</a:t>
+            </a:r>
+            <a:r>
+              <a:rPr b="0" lang="es-ES" sz="1200" spc="-1" strike="noStrike">
+                <a:solidFill>
+                  <a:srgbClr val="000000"/>
+                </a:solidFill>
+                <a:latin typeface="Arial"/>
+                <a:ea typeface="Noto Sans CJK SC"/>
+              </a:rPr>
+              <a:t>.</a:t>
+            </a:r>
+            <a:endParaRPr b="0" lang="es-ES" sz="1200" spc="-1" strike="noStrike">
+              <a:solidFill>
+                <a:srgbClr val="000000"/>
+              </a:solidFill>
+              <a:latin typeface="Arial"/>
+            </a:endParaRPr>
+          </a:p>
+          <a:p>
+            <a:pPr marL="432000" indent="-324000">
+              <a:lnSpc>
+                <a:spcPct val="100000"/>
+              </a:lnSpc>
+              <a:spcBef>
+                <a:spcPts val="624"/>
+              </a:spcBef>
+              <a:spcAft>
+                <a:spcPts val="425"/>
+              </a:spcAft>
+              <a:buClr>
+                <a:srgbClr val="000000"/>
+              </a:buClr>
+              <a:buSzPct val="45000"/>
+              <a:buFont typeface="Wingdings" charset="2"/>
+              <a:buChar char=""/>
+            </a:pPr>
+            <a:r>
+              <a:rPr b="1" lang="es-ES" sz="1200" spc="-1" strike="noStrike">
+                <a:solidFill>
+                  <a:srgbClr val="000000"/>
+                </a:solidFill>
+                <a:latin typeface="Arial"/>
+                <a:ea typeface="Noto Sans CJK SC"/>
+              </a:rPr>
+              <a:t>Usad los sistemas de almacenamiento de ficheros de PDF, DOC, ODT, etc. que ofrecen los CRM.</a:t>
+            </a:r>
+            <a:r>
+              <a:rPr b="0" lang="es-ES" sz="1200" spc="-1" strike="noStrike">
+                <a:solidFill>
+                  <a:srgbClr val="000000"/>
+                </a:solidFill>
+                <a:latin typeface="Arial"/>
+                <a:ea typeface="Noto Sans CJK SC"/>
+              </a:rPr>
+              <a:t> Es muy tentador subir un fichero a tu web y usar ese enlace en todas partes. Pero no da gran información. Subiéndolo al sistema de archivos del CRM puedes saber quién y cuándo lo ha descargado si está entre tus contactos y si no, como, mínimo te dará unas buenas estadísticas de descargas.</a:t>
+            </a:r>
+            <a:endParaRPr b="0" lang="es-ES" sz="1200" spc="-1" strike="noStrike">
               <a:solidFill>
                 <a:srgbClr val="000000"/>
               </a:solidFill>
@@ -7763,18 +8334,18 @@
       </p:grpSpPr>
       <p:sp>
         <p:nvSpPr>
-          <p:cNvPr id="107" name="PlaceHolder 1"/>
+          <p:cNvPr id="108" name="PlaceHolder 1"/>
           <p:cNvSpPr>
             <a:spLocks noGrp="1"/>
           </p:cNvSpPr>
           <p:nvPr>
-            <p:ph type="title"/>
+            <p:ph/>
           </p:nvPr>
         </p:nvSpPr>
         <p:spPr>
           <a:xfrm>
-            <a:off x="2340000" y="294120"/>
-            <a:ext cx="6490080" cy="520560"/>
+            <a:off x="311760" y="1080000"/>
+            <a:ext cx="8517600" cy="3037680"/>
           </a:xfrm>
           <a:prstGeom prst="rect">
             <a:avLst/>
@@ -7786,36 +8357,319 @@
         </p:spPr>
         <p:txBody>
           <a:bodyPr lIns="91440" rIns="91440" tIns="91440" bIns="91440" anchor="t">
-            <a:normAutofit/>
+            <a:normAutofit fontScale="75000"/>
           </a:bodyPr>
           <a:p>
-            <a:pPr indent="0" algn="r">
-              <a:lnSpc>
-                <a:spcPct val="100000"/>
-              </a:lnSpc>
+            <a:pPr indent="0">
+              <a:lnSpc>
+                <a:spcPct val="100000"/>
+              </a:lnSpc>
+              <a:spcBef>
+                <a:spcPts val="1191"/>
+              </a:spcBef>
+              <a:spcAft>
+                <a:spcPts val="992"/>
+              </a:spcAft>
               <a:buNone/>
               <a:tabLst>
                 <a:tab algn="l" pos="0"/>
               </a:tabLst>
             </a:pPr>
             <a:r>
-              <a:rPr b="1" lang="es-ES" sz="1800" spc="-1" strike="noStrike">
-                <a:solidFill>
-                  <a:srgbClr val="174575"/>
-                </a:solidFill>
-                <a:latin typeface="Arial"/>
-              </a:rPr>
-              <a:t>Miscelánea</a:t>
-            </a:r>
-            <a:r>
-              <a:rPr b="0" lang="es-ES" sz="1800" spc="-1" strike="noStrike">
-                <a:solidFill>
-                  <a:srgbClr val="174575"/>
-                </a:solidFill>
-                <a:latin typeface="Arial"/>
-              </a:rPr>
-              <a:t> [♥]]] [♦]]] [♣]]] [♠]]]</a:t>
-            </a:r>
+              <a:rPr b="0" lang="es-ES" sz="1600" spc="-1" strike="noStrike">
+                <a:solidFill>
+                  <a:srgbClr val="000000"/>
+                </a:solidFill>
+                <a:latin typeface="Arial"/>
+              </a:rPr>
+              <a:t>Soy un </a:t>
+            </a:r>
+            <a:r>
+              <a:rPr b="1" lang="es-ES" sz="1600" spc="-1" strike="noStrike">
+                <a:solidFill>
+                  <a:srgbClr val="000000"/>
+                </a:solidFill>
+                <a:latin typeface="Arial"/>
+              </a:rPr>
+              <a:t>desarrollador web con más de 20 años de experiencia</a:t>
+            </a:r>
+            <a:r>
+              <a:rPr b="0" lang="es-ES" sz="1600" spc="-1" strike="noStrike">
+                <a:solidFill>
+                  <a:srgbClr val="000000"/>
+                </a:solidFill>
+                <a:latin typeface="Arial"/>
+              </a:rPr>
+              <a:t>, muchos de ellos trabajando con WordPress. De hecho, mis primeros proyectos fueron en B2Evo, el origen de WordPress.</a:t>
+            </a:r>
+            <a:endParaRPr b="0" lang="es-ES" sz="1600" spc="-1" strike="noStrike">
+              <a:solidFill>
+                <a:srgbClr val="000000"/>
+              </a:solidFill>
+              <a:latin typeface="Arial"/>
+            </a:endParaRPr>
+          </a:p>
+          <a:p>
+            <a:pPr indent="0">
+              <a:lnSpc>
+                <a:spcPct val="100000"/>
+              </a:lnSpc>
+              <a:spcBef>
+                <a:spcPts val="1191"/>
+              </a:spcBef>
+              <a:spcAft>
+                <a:spcPts val="992"/>
+              </a:spcAft>
+              <a:buNone/>
+              <a:tabLst>
+                <a:tab algn="l" pos="0"/>
+              </a:tabLst>
+            </a:pPr>
+            <a:r>
+              <a:rPr b="0" lang="es-ES" sz="1600" spc="-1" strike="noStrike">
+                <a:solidFill>
+                  <a:srgbClr val="000000"/>
+                </a:solidFill>
+                <a:latin typeface="Arial"/>
+                <a:ea typeface="Noto Sans CJK SC"/>
+              </a:rPr>
+              <a:t>Trabajo en Eñutt Comunicación desde hace 5 años, principalmente desarrollando en temas de CRM para clientes como SPRI, IHOBE, BEAZ o Gaztenpresa.</a:t>
+            </a:r>
+            <a:endParaRPr b="0" lang="es-ES" sz="1600" spc="-1" strike="noStrike">
+              <a:solidFill>
+                <a:srgbClr val="000000"/>
+              </a:solidFill>
+              <a:latin typeface="Arial"/>
+            </a:endParaRPr>
+          </a:p>
+          <a:p>
+            <a:pPr indent="0">
+              <a:lnSpc>
+                <a:spcPct val="100000"/>
+              </a:lnSpc>
+              <a:spcBef>
+                <a:spcPts val="1191"/>
+              </a:spcBef>
+              <a:spcAft>
+                <a:spcPts val="992"/>
+              </a:spcAft>
+              <a:buNone/>
+              <a:tabLst>
+                <a:tab algn="l" pos="0"/>
+              </a:tabLst>
+            </a:pPr>
+            <a:r>
+              <a:rPr b="0" lang="es-ES" sz="1600" spc="-1" strike="noStrike">
+                <a:solidFill>
+                  <a:srgbClr val="000000"/>
+                </a:solidFill>
+                <a:latin typeface="Arial"/>
+                <a:ea typeface="Noto Sans CJK SC"/>
+              </a:rPr>
+              <a:t>Mis enlaces:</a:t>
+            </a:r>
+            <a:endParaRPr b="0" lang="es-ES" sz="1600" spc="-1" strike="noStrike">
+              <a:solidFill>
+                <a:srgbClr val="000000"/>
+              </a:solidFill>
+              <a:latin typeface="Arial"/>
+            </a:endParaRPr>
+          </a:p>
+          <a:p>
+            <a:pPr marL="360000" indent="-324000">
+              <a:lnSpc>
+                <a:spcPct val="100000"/>
+              </a:lnSpc>
+              <a:spcBef>
+                <a:spcPts val="624"/>
+              </a:spcBef>
+              <a:spcAft>
+                <a:spcPts val="425"/>
+              </a:spcAft>
+              <a:buClr>
+                <a:srgbClr val="000000"/>
+              </a:buClr>
+              <a:buFont typeface="Wingdings" charset="2"/>
+              <a:buChar char=""/>
+              <a:tabLst>
+                <a:tab algn="l" pos="0"/>
+              </a:tabLst>
+            </a:pPr>
+            <a:r>
+              <a:rPr b="0" lang="es-ES" sz="1600" spc="-1" strike="noStrike" u="sng">
+                <a:solidFill>
+                  <a:srgbClr val="0097a7"/>
+                </a:solidFill>
+                <a:uFillTx/>
+                <a:latin typeface="Arial"/>
+                <a:ea typeface="Noto Sans CJK SC"/>
+                <a:hlinkClick r:id="rId1"/>
+              </a:rPr>
+              <a:t>https://bsky.app/profile/gwannon.com</a:t>
+            </a:r>
+            <a:endParaRPr b="0" lang="es-ES" sz="1600" spc="-1" strike="noStrike">
+              <a:solidFill>
+                <a:srgbClr val="000000"/>
+              </a:solidFill>
+              <a:latin typeface="Arial"/>
+            </a:endParaRPr>
+          </a:p>
+          <a:p>
+            <a:pPr marL="360000" indent="-324000">
+              <a:lnSpc>
+                <a:spcPct val="100000"/>
+              </a:lnSpc>
+              <a:spcBef>
+                <a:spcPts val="624"/>
+              </a:spcBef>
+              <a:spcAft>
+                <a:spcPts val="425"/>
+              </a:spcAft>
+              <a:buClr>
+                <a:srgbClr val="000000"/>
+              </a:buClr>
+              <a:buFont typeface="Wingdings" charset="2"/>
+              <a:buChar char=""/>
+              <a:tabLst>
+                <a:tab algn="l" pos="0"/>
+              </a:tabLst>
+            </a:pPr>
+            <a:r>
+              <a:rPr b="0" lang="es-ES" sz="1600" spc="-1" strike="noStrike" u="sng">
+                <a:solidFill>
+                  <a:srgbClr val="0097a7"/>
+                </a:solidFill>
+                <a:uFillTx/>
+                <a:latin typeface="Arial"/>
+                <a:ea typeface="Noto Sans CJK SC"/>
+                <a:hlinkClick r:id="rId2"/>
+              </a:rPr>
+              <a:t>https://github.com/gwannon</a:t>
+            </a:r>
+            <a:endParaRPr b="0" lang="es-ES" sz="1600" spc="-1" strike="noStrike">
+              <a:solidFill>
+                <a:srgbClr val="000000"/>
+              </a:solidFill>
+              <a:latin typeface="Arial"/>
+            </a:endParaRPr>
+          </a:p>
+          <a:p>
+            <a:pPr marL="360000" indent="-324000">
+              <a:lnSpc>
+                <a:spcPct val="100000"/>
+              </a:lnSpc>
+              <a:spcBef>
+                <a:spcPts val="624"/>
+              </a:spcBef>
+              <a:spcAft>
+                <a:spcPts val="425"/>
+              </a:spcAft>
+              <a:buClr>
+                <a:srgbClr val="000000"/>
+              </a:buClr>
+              <a:buFont typeface="Wingdings" charset="2"/>
+              <a:buChar char=""/>
+              <a:tabLst>
+                <a:tab algn="l" pos="0"/>
+              </a:tabLst>
+            </a:pPr>
+            <a:r>
+              <a:rPr b="0" lang="es-ES" sz="1600" spc="-1" strike="noStrike" u="sng">
+                <a:solidFill>
+                  <a:srgbClr val="0097a7"/>
+                </a:solidFill>
+                <a:uFillTx/>
+                <a:latin typeface="Arial"/>
+                <a:ea typeface="Noto Sans CJK SC"/>
+                <a:hlinkClick r:id="rId3"/>
+              </a:rPr>
+              <a:t>https://codepen.io/gwannon</a:t>
+            </a:r>
+            <a:endParaRPr b="0" lang="es-ES" sz="1600" spc="-1" strike="noStrike">
+              <a:solidFill>
+                <a:srgbClr val="000000"/>
+              </a:solidFill>
+              <a:latin typeface="Arial"/>
+            </a:endParaRPr>
+          </a:p>
+          <a:p>
+            <a:pPr marL="360000" indent="-324000">
+              <a:lnSpc>
+                <a:spcPct val="100000"/>
+              </a:lnSpc>
+              <a:spcBef>
+                <a:spcPts val="624"/>
+              </a:spcBef>
+              <a:spcAft>
+                <a:spcPts val="425"/>
+              </a:spcAft>
+              <a:buClr>
+                <a:srgbClr val="000000"/>
+              </a:buClr>
+              <a:buFont typeface="Wingdings" charset="2"/>
+              <a:buChar char=""/>
+              <a:tabLst>
+                <a:tab algn="l" pos="0"/>
+              </a:tabLst>
+            </a:pPr>
+            <a:r>
+              <a:rPr b="0" lang="es-ES" sz="1600" spc="-1" strike="noStrike" u="sng">
+                <a:solidFill>
+                  <a:srgbClr val="0097a7"/>
+                </a:solidFill>
+                <a:uFillTx/>
+                <a:latin typeface="Arial"/>
+                <a:ea typeface="Noto Sans CJK SC"/>
+                <a:hlinkClick r:id="rId4"/>
+              </a:rPr>
+              <a:t>https://www.linkedin.com/in/jorgemonclus/</a:t>
+            </a:r>
+            <a:endParaRPr b="0" lang="es-ES" sz="1600" spc="-1" strike="noStrike">
+              <a:solidFill>
+                <a:srgbClr val="000000"/>
+              </a:solidFill>
+              <a:latin typeface="Arial"/>
+            </a:endParaRPr>
+          </a:p>
+          <a:p>
+            <a:pPr marL="1080000" indent="0">
+              <a:lnSpc>
+                <a:spcPct val="100000"/>
+              </a:lnSpc>
+              <a:spcBef>
+                <a:spcPts val="1191"/>
+              </a:spcBef>
+              <a:spcAft>
+                <a:spcPts val="992"/>
+              </a:spcAft>
+              <a:buNone/>
+              <a:tabLst>
+                <a:tab algn="l" pos="0"/>
+              </a:tabLst>
+            </a:pPr>
+            <a:endParaRPr b="0" lang="es-ES" sz="1800" spc="-1" strike="noStrike">
+              <a:solidFill>
+                <a:srgbClr val="000000"/>
+              </a:solidFill>
+              <a:latin typeface="Arial"/>
+            </a:endParaRPr>
+          </a:p>
+          <a:p>
+            <a:pPr marL="1080000" indent="0">
+              <a:lnSpc>
+                <a:spcPct val="100000"/>
+              </a:lnSpc>
+              <a:spcBef>
+                <a:spcPts val="1191"/>
+              </a:spcBef>
+              <a:spcAft>
+                <a:spcPts val="992"/>
+              </a:spcAft>
+              <a:buNone/>
+              <a:tabLst>
+                <a:tab algn="l" pos="0"/>
+              </a:tabLst>
+            </a:pPr>
             <a:endParaRPr b="0" lang="es-ES" sz="1800" spc="-1" strike="noStrike">
               <a:solidFill>
                 <a:srgbClr val="000000"/>
@@ -7827,18 +8681,14 @@
       </p:sp>
       <p:sp>
         <p:nvSpPr>
-          <p:cNvPr id="108" name="PlaceHolder 2"/>
-          <p:cNvSpPr>
-            <a:spLocks noGrp="1"/>
-          </p:cNvSpPr>
-          <p:nvPr>
-            <p:ph/>
-          </p:nvPr>
+          <p:cNvPr id="109" name="PlaceHolder 12"/>
+          <p:cNvSpPr/>
+          <p:nvPr/>
         </p:nvSpPr>
         <p:spPr>
           <a:xfrm>
-            <a:off x="311760" y="1080000"/>
-            <a:ext cx="8518320" cy="3497760"/>
+            <a:off x="2340000" y="294120"/>
+            <a:ext cx="6489360" cy="519840"/>
           </a:xfrm>
           <a:prstGeom prst="rect">
             <a:avLst/>
@@ -7848,379 +8698,50 @@
             <a:noFill/>
           </a:ln>
         </p:spPr>
+        <p:style>
+          <a:lnRef idx="0"/>
+          <a:fillRef idx="0"/>
+          <a:effectRef idx="0"/>
+          <a:fontRef idx="minor"/>
+        </p:style>
         <p:txBody>
-          <a:bodyPr lIns="91440" rIns="91440" tIns="91440" bIns="91440" anchor="t">
+          <a:bodyPr lIns="90000" rIns="90000" tIns="91440" bIns="91440" anchor="t">
             <a:normAutofit/>
           </a:bodyPr>
           <a:p>
-            <a:pPr indent="0">
-              <a:lnSpc>
-                <a:spcPct val="100000"/>
-              </a:lnSpc>
-              <a:spcBef>
-                <a:spcPts val="340"/>
-              </a:spcBef>
-              <a:spcAft>
-                <a:spcPts val="142"/>
-              </a:spcAft>
-              <a:buNone/>
+            <a:pPr algn="r">
+              <a:lnSpc>
+                <a:spcPct val="100000"/>
+              </a:lnSpc>
+              <a:tabLst>
+                <a:tab algn="l" pos="0"/>
+              </a:tabLst>
             </a:pPr>
             <a:r>
               <a:rPr b="1" lang="es-ES" sz="1800" spc="-1" strike="noStrike">
                 <a:solidFill>
-                  <a:srgbClr val="000000"/>
-                </a:solidFill>
-                <a:latin typeface="Arial"/>
-              </a:rPr>
-              <a:t>Enlaces</a:t>
+                  <a:srgbClr val="174575"/>
+                </a:solidFill>
+                <a:latin typeface="Arial"/>
+                <a:ea typeface="DejaVu Sans"/>
+              </a:rPr>
+              <a:t>Jorge Monclús</a:t>
+            </a:r>
+            <a:r>
+              <a:rPr b="0" lang="es-ES" sz="1800" spc="-1" strike="noStrike">
+                <a:solidFill>
+                  <a:srgbClr val="174575"/>
+                </a:solidFill>
+                <a:latin typeface="Arial"/>
+                <a:ea typeface="DejaVu Sans"/>
+              </a:rPr>
+              <a:t> O=('-'Q)</a:t>
             </a:r>
             <a:endParaRPr b="0" lang="es-ES" sz="1800" spc="-1" strike="noStrike">
               <a:solidFill>
                 <a:srgbClr val="000000"/>
               </a:solidFill>
               <a:latin typeface="Arial"/>
-              <a:ea typeface="Noto Sans CJK SC"/>
-            </a:endParaRPr>
-          </a:p>
-          <a:p>
-            <a:pPr marL="360000">
-              <a:lnSpc>
-                <a:spcPct val="100000"/>
-              </a:lnSpc>
-              <a:spcBef>
-                <a:spcPts val="907"/>
-              </a:spcBef>
-              <a:spcAft>
-                <a:spcPts val="709"/>
-              </a:spcAft>
-              <a:buClr>
-                <a:srgbClr val="000000"/>
-              </a:buClr>
-              <a:buFont typeface="Wingdings" charset="2"/>
-              <a:buChar char=""/>
-            </a:pPr>
-            <a:r>
-              <a:rPr b="1" lang="es-ES" sz="1000" spc="-1" strike="noStrike">
-                <a:solidFill>
-                  <a:srgbClr val="000000"/>
-                </a:solidFill>
-                <a:latin typeface="Arial"/>
-                <a:ea typeface="Noto Sans CJK SC"/>
-                <a:hlinkClick r:id="rId1"/>
-              </a:rPr>
-              <a:t>Ponencia</a:t>
-            </a:r>
-            <a:r>
-              <a:rPr b="1" lang="es-ES" sz="1000" spc="-1" strike="noStrike">
-                <a:solidFill>
-                  <a:srgbClr val="000000"/>
-                </a:solidFill>
-                <a:latin typeface="Arial"/>
-                <a:ea typeface="Noto Sans CJK SC"/>
-              </a:rPr>
-              <a:t>:</a:t>
-            </a:r>
-            <a:r>
-              <a:rPr b="0" lang="es-ES" sz="1000" spc="-1" strike="noStrike">
-                <a:solidFill>
-                  <a:srgbClr val="000000"/>
-                </a:solidFill>
-                <a:latin typeface="Arial"/>
-                <a:ea typeface="Noto Sans CJK SC"/>
-              </a:rPr>
-              <a:t> Todo el código fuente de la ponencia para que puedas usarlo como quieras. https://github.com/gwannon/WordCampBilbao2025</a:t>
-            </a:r>
-            <a:endParaRPr b="0" lang="es-ES" sz="1000" spc="-1" strike="noStrike">
-              <a:solidFill>
-                <a:srgbClr val="000000"/>
-              </a:solidFill>
-              <a:latin typeface="Arial"/>
-              <a:ea typeface="Noto Sans CJK SC"/>
-            </a:endParaRPr>
-          </a:p>
-          <a:p>
-            <a:pPr indent="0">
-              <a:lnSpc>
-                <a:spcPct val="100000"/>
-              </a:lnSpc>
-              <a:spcBef>
-                <a:spcPts val="340"/>
-              </a:spcBef>
-              <a:spcAft>
-                <a:spcPts val="142"/>
-              </a:spcAft>
-              <a:buNone/>
-            </a:pPr>
-            <a:r>
-              <a:rPr b="1" lang="es-ES" sz="1800" spc="-1" strike="noStrike">
-                <a:solidFill>
-                  <a:srgbClr val="000000"/>
-                </a:solidFill>
-                <a:latin typeface="Arial"/>
-              </a:rPr>
-              <a:t>Plugins</a:t>
-            </a:r>
-            <a:endParaRPr b="0" lang="es-ES" sz="1800" spc="-1" strike="noStrike">
-              <a:solidFill>
-                <a:srgbClr val="000000"/>
-              </a:solidFill>
-              <a:latin typeface="Arial"/>
-              <a:ea typeface="Noto Sans CJK SC"/>
-            </a:endParaRPr>
-          </a:p>
-          <a:p>
-            <a:pPr marL="360000">
-              <a:lnSpc>
-                <a:spcPct val="100000"/>
-              </a:lnSpc>
-              <a:spcBef>
-                <a:spcPts val="340"/>
-              </a:spcBef>
-              <a:spcAft>
-                <a:spcPts val="142"/>
-              </a:spcAft>
-              <a:buClr>
-                <a:srgbClr val="000000"/>
-              </a:buClr>
-              <a:buFont typeface="Wingdings" charset="2"/>
-              <a:buChar char=""/>
-            </a:pPr>
-            <a:r>
-              <a:rPr b="1" lang="es-ES" sz="1000" spc="-1" strike="noStrike">
-                <a:solidFill>
-                  <a:srgbClr val="000000"/>
-                </a:solidFill>
-                <a:latin typeface="Arial"/>
-                <a:ea typeface="Noto Sans CJK SC"/>
-                <a:hlinkClick r:id="rId2"/>
-              </a:rPr>
-              <a:t>FormsCRM</a:t>
-            </a:r>
-            <a:r>
-              <a:rPr b="1" lang="es-ES" sz="1000" spc="-1" strike="noStrike">
-                <a:solidFill>
-                  <a:srgbClr val="000000"/>
-                </a:solidFill>
-                <a:latin typeface="Arial"/>
-                <a:ea typeface="Noto Sans CJK SC"/>
-              </a:rPr>
-              <a:t>:</a:t>
-            </a:r>
-            <a:r>
-              <a:rPr b="0" lang="es-ES" sz="1000" spc="-1" strike="noStrike">
-                <a:solidFill>
-                  <a:srgbClr val="000000"/>
-                </a:solidFill>
-                <a:latin typeface="Arial"/>
-                <a:ea typeface="Noto Sans CJK SC"/>
-              </a:rPr>
-              <a:t> Plugin gratuito que permite hacer una conexión entre varios plugins de formularios como «Contact Form 7» o «WP Forms» y CRM como «Holded» o «Clientify». </a:t>
-            </a:r>
-            <a:r>
-              <a:rPr b="0" lang="es-ES" sz="1000" spc="-1" strike="noStrike">
-                <a:solidFill>
-                  <a:srgbClr val="000000"/>
-                </a:solidFill>
-                <a:latin typeface="Arial"/>
-                <a:ea typeface="Noto Sans CJK SC"/>
-                <a:hlinkClick r:id="rId3"/>
-              </a:rPr>
-              <a:t>https://es.wordpress.org/plugins/formscrm/</a:t>
-            </a:r>
-            <a:endParaRPr b="0" lang="es-ES" sz="1000" spc="-1" strike="noStrike">
-              <a:solidFill>
-                <a:srgbClr val="000000"/>
-              </a:solidFill>
-              <a:latin typeface="Arial"/>
-              <a:ea typeface="Noto Sans CJK SC"/>
-            </a:endParaRPr>
-          </a:p>
-          <a:p>
-            <a:pPr marL="360000">
-              <a:lnSpc>
-                <a:spcPct val="100000"/>
-              </a:lnSpc>
-              <a:spcBef>
-                <a:spcPts val="907"/>
-              </a:spcBef>
-              <a:spcAft>
-                <a:spcPts val="709"/>
-              </a:spcAft>
-              <a:buClr>
-                <a:srgbClr val="000000"/>
-              </a:buClr>
-              <a:buFont typeface="Wingdings" charset="2"/>
-              <a:buChar char=""/>
-            </a:pPr>
-            <a:r>
-              <a:rPr b="1" lang="es-ES" sz="1000" spc="-1" strike="noStrike">
-                <a:solidFill>
-                  <a:srgbClr val="000000"/>
-                </a:solidFill>
-                <a:latin typeface="Arial"/>
-                <a:ea typeface="Noto Sans CJK SC"/>
-                <a:hlinkClick r:id="rId4"/>
-              </a:rPr>
-              <a:t>Add-on de Gravity Forms para Active Campaign</a:t>
-            </a:r>
-            <a:r>
-              <a:rPr b="0" lang="es-ES" sz="1000" spc="-1" strike="noStrike">
-                <a:solidFill>
-                  <a:srgbClr val="000000"/>
-                </a:solidFill>
-                <a:latin typeface="Arial"/>
-                <a:ea typeface="Noto Sans CJK SC"/>
-              </a:rPr>
-              <a:t>: Add-on para Gravity Forms que conecta tus formularios con Active Campaign y tiene bastantes opciones de conexión. https://www.activecampaign.com/apps/gravity-forms-integration</a:t>
-            </a:r>
-            <a:endParaRPr b="0" lang="es-ES" sz="1000" spc="-1" strike="noStrike">
-              <a:solidFill>
-                <a:srgbClr val="000000"/>
-              </a:solidFill>
-              <a:latin typeface="Arial"/>
-              <a:ea typeface="Noto Sans CJK SC"/>
-            </a:endParaRPr>
-          </a:p>
-          <a:p>
-            <a:pPr indent="0">
-              <a:lnSpc>
-                <a:spcPct val="100000"/>
-              </a:lnSpc>
-              <a:spcBef>
-                <a:spcPts val="340"/>
-              </a:spcBef>
-              <a:spcAft>
-                <a:spcPts val="142"/>
-              </a:spcAft>
-              <a:buNone/>
-            </a:pPr>
-            <a:r>
-              <a:rPr b="1" lang="es-ES" sz="1800" spc="-1" strike="noStrike">
-                <a:solidFill>
-                  <a:srgbClr val="000000"/>
-                </a:solidFill>
-                <a:latin typeface="Arial"/>
-              </a:rPr>
-              <a:t>Librerías</a:t>
-            </a:r>
-            <a:endParaRPr b="0" lang="es-ES" sz="1800" spc="-1" strike="noStrike">
-              <a:solidFill>
-                <a:srgbClr val="000000"/>
-              </a:solidFill>
-              <a:latin typeface="Arial"/>
-              <a:ea typeface="Noto Sans CJK SC"/>
-            </a:endParaRPr>
-          </a:p>
-          <a:p>
-            <a:pPr marL="360000">
-              <a:lnSpc>
-                <a:spcPct val="100000"/>
-              </a:lnSpc>
-              <a:spcBef>
-                <a:spcPts val="907"/>
-              </a:spcBef>
-              <a:spcAft>
-                <a:spcPts val="709"/>
-              </a:spcAft>
-              <a:buClr>
-                <a:srgbClr val="000000"/>
-              </a:buClr>
-              <a:buFont typeface="Wingdings" charset="2"/>
-              <a:buChar char=""/>
-            </a:pPr>
-            <a:r>
-              <a:rPr b="1" lang="es-ES" sz="1000" spc="-1" strike="noStrike">
-                <a:solidFill>
-                  <a:srgbClr val="000000"/>
-                </a:solidFill>
-                <a:latin typeface="Arial"/>
-                <a:ea typeface="Noto Sans CJK SC"/>
-                <a:hlinkClick r:id="rId5"/>
-              </a:rPr>
-              <a:t>PHPClientifyAPI</a:t>
-            </a:r>
-            <a:r>
-              <a:rPr b="1" lang="es-ES" sz="1000" spc="-1" strike="noStrike">
-                <a:solidFill>
-                  <a:srgbClr val="000000"/>
-                </a:solidFill>
-                <a:latin typeface="Arial"/>
-                <a:ea typeface="Noto Sans CJK SC"/>
-              </a:rPr>
-              <a:t>:</a:t>
-            </a:r>
-            <a:r>
-              <a:rPr b="0" lang="es-ES" sz="1000" spc="-1" strike="noStrike">
-                <a:solidFill>
-                  <a:srgbClr val="000000"/>
-                </a:solidFill>
-                <a:latin typeface="Arial"/>
-                <a:ea typeface="Noto Sans CJK SC"/>
-              </a:rPr>
-              <a:t> Clase de PHP para manejar los contactos del CRM de Clientify. https://github.com/gwannon/PHPClientifyAPI</a:t>
-            </a:r>
-            <a:endParaRPr b="0" lang="es-ES" sz="1000" spc="-1" strike="noStrike">
-              <a:solidFill>
-                <a:srgbClr val="000000"/>
-              </a:solidFill>
-              <a:latin typeface="Arial"/>
-              <a:ea typeface="Noto Sans CJK SC"/>
-            </a:endParaRPr>
-          </a:p>
-          <a:p>
-            <a:pPr marL="360000">
-              <a:lnSpc>
-                <a:spcPct val="100000"/>
-              </a:lnSpc>
-              <a:spcBef>
-                <a:spcPts val="907"/>
-              </a:spcBef>
-              <a:spcAft>
-                <a:spcPts val="709"/>
-              </a:spcAft>
-              <a:buClr>
-                <a:srgbClr val="000000"/>
-              </a:buClr>
-              <a:buFont typeface="Wingdings" charset="2"/>
-              <a:buChar char=""/>
-            </a:pPr>
-            <a:r>
-              <a:rPr b="1" lang="es-ES" sz="1000" spc="-1" strike="noStrike">
-                <a:solidFill>
-                  <a:srgbClr val="000000"/>
-                </a:solidFill>
-                <a:latin typeface="Arial"/>
-                <a:ea typeface="Noto Sans CJK SC"/>
-                <a:hlinkClick r:id="rId6"/>
-              </a:rPr>
-              <a:t>PHPActiveCampaignAPI</a:t>
-            </a:r>
-            <a:r>
-              <a:rPr b="1" lang="es-ES" sz="1000" spc="-1" strike="noStrike">
-                <a:solidFill>
-                  <a:srgbClr val="000000"/>
-                </a:solidFill>
-                <a:latin typeface="Arial"/>
-                <a:ea typeface="Noto Sans CJK SC"/>
-              </a:rPr>
-              <a:t>:</a:t>
-            </a:r>
-            <a:r>
-              <a:rPr b="0" lang="es-ES" sz="1000" spc="-1" strike="noStrike">
-                <a:solidFill>
-                  <a:srgbClr val="000000"/>
-                </a:solidFill>
-                <a:latin typeface="Arial"/>
-                <a:ea typeface="Noto Sans CJK SC"/>
-              </a:rPr>
-              <a:t> Clase de PHP para manejar contactos del CRM a ActiveCampaign https://github.com/gwannon/PHPActiveCampaignAPI</a:t>
-            </a:r>
-            <a:endParaRPr b="0" lang="es-ES" sz="1000" spc="-1" strike="noStrike">
-              <a:solidFill>
-                <a:srgbClr val="000000"/>
-              </a:solidFill>
-              <a:latin typeface="Arial"/>
-              <a:ea typeface="Noto Sans CJK SC"/>
             </a:endParaRPr>
           </a:p>
         </p:txBody>
@@ -8268,7 +8789,7 @@
         <p:spPr>
           <a:xfrm>
             <a:off x="311760" y="815760"/>
-            <a:ext cx="8518320" cy="520560"/>
+            <a:ext cx="8517600" cy="519840"/>
           </a:xfrm>
           <a:prstGeom prst="rect">
             <a:avLst/>
@@ -8319,7 +8840,7 @@
         <p:spPr>
           <a:xfrm>
             <a:off x="299880" y="1440000"/>
-            <a:ext cx="8518320" cy="1978200"/>
+            <a:ext cx="8517600" cy="1977480"/>
           </a:xfrm>
           <a:prstGeom prst="rect">
             <a:avLst/>
@@ -8412,7 +8933,7 @@
         <p:spPr>
           <a:xfrm rot="20467200">
             <a:off x="2738160" y="3563640"/>
-            <a:ext cx="1072800" cy="1078200"/>
+            <a:ext cx="1072080" cy="1077480"/>
           </a:xfrm>
           <a:prstGeom prst="rect">
             <a:avLst/>
@@ -8434,8 +8955,8 @@
         </p:blipFill>
         <p:spPr>
           <a:xfrm rot="1380000">
-            <a:off x="4474800" y="3735360"/>
-            <a:ext cx="1156320" cy="932760"/>
+            <a:off x="4474800" y="3735000"/>
+            <a:ext cx="1155600" cy="932040"/>
           </a:xfrm>
           <a:prstGeom prst="rect">
             <a:avLst/>
@@ -8445,6 +8966,524 @@
           </a:ln>
         </p:spPr>
       </p:pic>
+    </p:spTree>
+  </p:cSld>
+  <mc:AlternateContent>
+    <mc:Choice Requires="p14">
+      <p:transition spd="slow" p14:dur="2000"/>
+    </mc:Choice>
+    <mc:Fallback>
+      <p:transition spd="slow"/>
+    </mc:Fallback>
+  </mc:AlternateContent>
+</p:sld>
+</file>
+
+<file path=ppt/slides/slide20.xml><?xml version="1.0" encoding="utf-8"?>
+<p:sld xmlns:a="http://schemas.openxmlformats.org/drawingml/2006/main" xmlns:p="http://schemas.openxmlformats.org/presentationml/2006/main" xmlns:r="http://schemas.openxmlformats.org/officeDocument/2006/relationships" xmlns:p14="http://schemas.microsoft.com/office/powerpoint/2010/main" xmlns:p15="http://schemas.microsoft.com/office/powerpoint/2012/main" xmlns:mc="http://schemas.openxmlformats.org/markup-compatibility/2006">
+  <p:cSld>
+    <p:spTree>
+      <p:nvGrpSpPr>
+        <p:cNvPr id="1" name=""/>
+        <p:cNvGrpSpPr/>
+        <p:nvPr/>
+      </p:nvGrpSpPr>
+      <p:grpSpPr>
+        <a:xfrm>
+          <a:off x="0" y="0"/>
+          <a:ext cx="0" cy="0"/>
+          <a:chOff x="0" y="0"/>
+          <a:chExt cx="0" cy="0"/>
+        </a:xfrm>
+      </p:grpSpPr>
+      <p:sp>
+        <p:nvSpPr>
+          <p:cNvPr id="110" name="PlaceHolder 1"/>
+          <p:cNvSpPr>
+            <a:spLocks noGrp="1"/>
+          </p:cNvSpPr>
+          <p:nvPr>
+            <p:ph type="title"/>
+          </p:nvPr>
+        </p:nvSpPr>
+        <p:spPr>
+          <a:xfrm>
+            <a:off x="2340000" y="294120"/>
+            <a:ext cx="6489360" cy="519840"/>
+          </a:xfrm>
+          <a:prstGeom prst="rect">
+            <a:avLst/>
+          </a:prstGeom>
+          <a:noFill/>
+          <a:ln w="0">
+            <a:noFill/>
+          </a:ln>
+        </p:spPr>
+        <p:txBody>
+          <a:bodyPr lIns="91440" rIns="91440" tIns="91440" bIns="91440" anchor="t">
+            <a:normAutofit/>
+          </a:bodyPr>
+          <a:p>
+            <a:pPr indent="0" algn="r">
+              <a:lnSpc>
+                <a:spcPct val="100000"/>
+              </a:lnSpc>
+              <a:buNone/>
+              <a:tabLst>
+                <a:tab algn="l" pos="0"/>
+              </a:tabLst>
+            </a:pPr>
+            <a:r>
+              <a:rPr b="1" lang="es-ES" sz="1800" spc="-1" strike="noStrike">
+                <a:solidFill>
+                  <a:srgbClr val="174575"/>
+                </a:solidFill>
+                <a:latin typeface="Arial"/>
+              </a:rPr>
+              <a:t>Miscelánea</a:t>
+            </a:r>
+            <a:r>
+              <a:rPr b="0" lang="es-ES" sz="1800" spc="-1" strike="noStrike">
+                <a:solidFill>
+                  <a:srgbClr val="174575"/>
+                </a:solidFill>
+                <a:latin typeface="Arial"/>
+              </a:rPr>
+              <a:t> [♥]]] [♦]]] [♣]]] [♠]]]</a:t>
+            </a:r>
+            <a:endParaRPr b="0" lang="es-ES" sz="1800" spc="-1" strike="noStrike">
+              <a:solidFill>
+                <a:srgbClr val="000000"/>
+              </a:solidFill>
+              <a:latin typeface="Arial"/>
+            </a:endParaRPr>
+          </a:p>
+        </p:txBody>
+      </p:sp>
+      <p:sp>
+        <p:nvSpPr>
+          <p:cNvPr id="111" name="PlaceHolder 2"/>
+          <p:cNvSpPr>
+            <a:spLocks noGrp="1"/>
+          </p:cNvSpPr>
+          <p:nvPr>
+            <p:ph/>
+          </p:nvPr>
+        </p:nvSpPr>
+        <p:spPr>
+          <a:xfrm>
+            <a:off x="311760" y="1080000"/>
+            <a:ext cx="8517600" cy="3497040"/>
+          </a:xfrm>
+          <a:prstGeom prst="rect">
+            <a:avLst/>
+          </a:prstGeom>
+          <a:noFill/>
+          <a:ln w="0">
+            <a:noFill/>
+          </a:ln>
+        </p:spPr>
+        <p:txBody>
+          <a:bodyPr lIns="91440" rIns="91440" tIns="91440" bIns="91440" anchor="t">
+            <a:normAutofit/>
+          </a:bodyPr>
+          <a:p>
+            <a:pPr indent="0">
+              <a:lnSpc>
+                <a:spcPct val="100000"/>
+              </a:lnSpc>
+              <a:spcBef>
+                <a:spcPts val="340"/>
+              </a:spcBef>
+              <a:spcAft>
+                <a:spcPts val="142"/>
+              </a:spcAft>
+              <a:buNone/>
+              <a:tabLst>
+                <a:tab algn="l" pos="0"/>
+              </a:tabLst>
+            </a:pPr>
+            <a:r>
+              <a:rPr b="1" lang="es-ES" sz="1800" spc="-1" strike="noStrike">
+                <a:solidFill>
+                  <a:srgbClr val="000000"/>
+                </a:solidFill>
+                <a:latin typeface="Arial"/>
+              </a:rPr>
+              <a:t>Enlaces</a:t>
+            </a:r>
+            <a:endParaRPr b="0" lang="es-ES" sz="1800" spc="-1" strike="noStrike">
+              <a:solidFill>
+                <a:srgbClr val="000000"/>
+              </a:solidFill>
+              <a:latin typeface="Arial"/>
+            </a:endParaRPr>
+          </a:p>
+          <a:p>
+            <a:pPr marL="360000" indent="-324000">
+              <a:lnSpc>
+                <a:spcPct val="100000"/>
+              </a:lnSpc>
+              <a:spcBef>
+                <a:spcPts val="907"/>
+              </a:spcBef>
+              <a:spcAft>
+                <a:spcPts val="709"/>
+              </a:spcAft>
+              <a:buClr>
+                <a:srgbClr val="000000"/>
+              </a:buClr>
+              <a:buFont typeface="Wingdings" charset="2"/>
+              <a:buChar char=""/>
+              <a:tabLst>
+                <a:tab algn="l" pos="0"/>
+              </a:tabLst>
+            </a:pPr>
+            <a:r>
+              <a:rPr b="1" lang="es-ES" sz="1000" spc="-1" strike="noStrike" u="sng">
+                <a:solidFill>
+                  <a:srgbClr val="0097a7"/>
+                </a:solidFill>
+                <a:uFillTx/>
+                <a:latin typeface="Arial"/>
+                <a:ea typeface="Noto Sans CJK SC"/>
+                <a:hlinkClick r:id="rId1"/>
+              </a:rPr>
+              <a:t>Ponencia</a:t>
+            </a:r>
+            <a:r>
+              <a:rPr b="1" lang="es-ES" sz="1000" spc="-1" strike="noStrike">
+                <a:solidFill>
+                  <a:srgbClr val="000000"/>
+                </a:solidFill>
+                <a:latin typeface="Arial"/>
+                <a:ea typeface="Noto Sans CJK SC"/>
+              </a:rPr>
+              <a:t>:</a:t>
+            </a:r>
+            <a:r>
+              <a:rPr b="0" lang="es-ES" sz="1000" spc="-1" strike="noStrike">
+                <a:solidFill>
+                  <a:srgbClr val="000000"/>
+                </a:solidFill>
+                <a:latin typeface="Arial"/>
+                <a:ea typeface="Noto Sans CJK SC"/>
+              </a:rPr>
+              <a:t> Todo el código fuente de la ponencia para que puedas usarlo como quieras. https://github.com/gwannon/WordCampBilbao2025</a:t>
+            </a:r>
+            <a:endParaRPr b="0" lang="es-ES" sz="1000" spc="-1" strike="noStrike">
+              <a:solidFill>
+                <a:srgbClr val="000000"/>
+              </a:solidFill>
+              <a:latin typeface="Arial"/>
+            </a:endParaRPr>
+          </a:p>
+          <a:p>
+            <a:pPr indent="0">
+              <a:lnSpc>
+                <a:spcPct val="100000"/>
+              </a:lnSpc>
+              <a:spcBef>
+                <a:spcPts val="340"/>
+              </a:spcBef>
+              <a:spcAft>
+                <a:spcPts val="142"/>
+              </a:spcAft>
+              <a:buNone/>
+              <a:tabLst>
+                <a:tab algn="l" pos="0"/>
+              </a:tabLst>
+            </a:pPr>
+            <a:r>
+              <a:rPr b="1" lang="es-ES" sz="1800" spc="-1" strike="noStrike">
+                <a:solidFill>
+                  <a:srgbClr val="000000"/>
+                </a:solidFill>
+                <a:latin typeface="Arial"/>
+                <a:ea typeface="Noto Sans CJK SC"/>
+              </a:rPr>
+              <a:t>Plugins</a:t>
+            </a:r>
+            <a:endParaRPr b="0" lang="es-ES" sz="1800" spc="-1" strike="noStrike">
+              <a:solidFill>
+                <a:srgbClr val="000000"/>
+              </a:solidFill>
+              <a:latin typeface="Arial"/>
+            </a:endParaRPr>
+          </a:p>
+          <a:p>
+            <a:pPr marL="360000" indent="-324000">
+              <a:lnSpc>
+                <a:spcPct val="100000"/>
+              </a:lnSpc>
+              <a:spcBef>
+                <a:spcPts val="340"/>
+              </a:spcBef>
+              <a:spcAft>
+                <a:spcPts val="142"/>
+              </a:spcAft>
+              <a:buClr>
+                <a:srgbClr val="000000"/>
+              </a:buClr>
+              <a:buFont typeface="Wingdings" charset="2"/>
+              <a:buChar char=""/>
+              <a:tabLst>
+                <a:tab algn="l" pos="0"/>
+              </a:tabLst>
+            </a:pPr>
+            <a:r>
+              <a:rPr b="1" lang="es-ES" sz="1000" spc="-1" strike="noStrike" u="sng">
+                <a:solidFill>
+                  <a:srgbClr val="0097a7"/>
+                </a:solidFill>
+                <a:uFillTx/>
+                <a:latin typeface="Arial"/>
+                <a:ea typeface="Noto Sans CJK SC"/>
+                <a:hlinkClick r:id="rId2"/>
+              </a:rPr>
+              <a:t>FormsCRM</a:t>
+            </a:r>
+            <a:r>
+              <a:rPr b="1" lang="es-ES" sz="1000" spc="-1" strike="noStrike">
+                <a:solidFill>
+                  <a:srgbClr val="000000"/>
+                </a:solidFill>
+                <a:latin typeface="Arial"/>
+                <a:ea typeface="Noto Sans CJK SC"/>
+              </a:rPr>
+              <a:t>:</a:t>
+            </a:r>
+            <a:r>
+              <a:rPr b="0" lang="es-ES" sz="1000" spc="-1" strike="noStrike">
+                <a:solidFill>
+                  <a:srgbClr val="000000"/>
+                </a:solidFill>
+                <a:latin typeface="Arial"/>
+                <a:ea typeface="Noto Sans CJK SC"/>
+              </a:rPr>
+              <a:t> Plugin gratuito que permite hacer una conexión entre varios plugins de formularios como «Contact Form 7» o «WP Forms» y CRM como «Holded» o «Clientify». </a:t>
+            </a:r>
+            <a:r>
+              <a:rPr b="0" lang="es-ES" sz="1000" spc="-1" strike="noStrike" u="sng">
+                <a:solidFill>
+                  <a:srgbClr val="0097a7"/>
+                </a:solidFill>
+                <a:uFillTx/>
+                <a:latin typeface="Arial"/>
+                <a:ea typeface="Noto Sans CJK SC"/>
+                <a:hlinkClick r:id="rId3"/>
+              </a:rPr>
+              <a:t>https://es.wordpress.org/plugins/formscrm/</a:t>
+            </a:r>
+            <a:endParaRPr b="0" lang="es-ES" sz="1000" spc="-1" strike="noStrike">
+              <a:solidFill>
+                <a:srgbClr val="000000"/>
+              </a:solidFill>
+              <a:latin typeface="Arial"/>
+            </a:endParaRPr>
+          </a:p>
+          <a:p>
+            <a:pPr marL="360000" indent="-324000">
+              <a:lnSpc>
+                <a:spcPct val="100000"/>
+              </a:lnSpc>
+              <a:spcBef>
+                <a:spcPts val="907"/>
+              </a:spcBef>
+              <a:spcAft>
+                <a:spcPts val="709"/>
+              </a:spcAft>
+              <a:buClr>
+                <a:srgbClr val="000000"/>
+              </a:buClr>
+              <a:buFont typeface="Wingdings" charset="2"/>
+              <a:buChar char=""/>
+              <a:tabLst>
+                <a:tab algn="l" pos="0"/>
+              </a:tabLst>
+            </a:pPr>
+            <a:r>
+              <a:rPr b="1" lang="es-ES" sz="1000" spc="-1" strike="noStrike" u="sng">
+                <a:solidFill>
+                  <a:srgbClr val="0097a7"/>
+                </a:solidFill>
+                <a:uFillTx/>
+                <a:latin typeface="Arial"/>
+                <a:ea typeface="Noto Sans CJK SC"/>
+                <a:hlinkClick r:id="rId4"/>
+              </a:rPr>
+              <a:t>Add-on de Gravity Forms para Active Campaign</a:t>
+            </a:r>
+            <a:r>
+              <a:rPr b="0" lang="es-ES" sz="1000" spc="-1" strike="noStrike">
+                <a:solidFill>
+                  <a:srgbClr val="000000"/>
+                </a:solidFill>
+                <a:latin typeface="Arial"/>
+                <a:ea typeface="Noto Sans CJK SC"/>
+              </a:rPr>
+              <a:t>: Add-on para Gravity Forms que conecta tus formularios con Active Campaign y tiene bastantes opciones de conexión. https://www.activecampaign.com/apps/gravity-forms-integration</a:t>
+            </a:r>
+            <a:endParaRPr b="0" lang="es-ES" sz="1000" spc="-1" strike="noStrike">
+              <a:solidFill>
+                <a:srgbClr val="000000"/>
+              </a:solidFill>
+              <a:latin typeface="Arial"/>
+            </a:endParaRPr>
+          </a:p>
+          <a:p>
+            <a:pPr indent="0">
+              <a:lnSpc>
+                <a:spcPct val="100000"/>
+              </a:lnSpc>
+              <a:spcBef>
+                <a:spcPts val="340"/>
+              </a:spcBef>
+              <a:spcAft>
+                <a:spcPts val="142"/>
+              </a:spcAft>
+              <a:buNone/>
+              <a:tabLst>
+                <a:tab algn="l" pos="0"/>
+              </a:tabLst>
+            </a:pPr>
+            <a:r>
+              <a:rPr b="1" lang="es-ES" sz="1800" spc="-1" strike="noStrike">
+                <a:solidFill>
+                  <a:srgbClr val="000000"/>
+                </a:solidFill>
+                <a:latin typeface="Arial"/>
+                <a:ea typeface="Noto Sans CJK SC"/>
+              </a:rPr>
+              <a:t>Librerías</a:t>
+            </a:r>
+            <a:endParaRPr b="0" lang="es-ES" sz="1800" spc="-1" strike="noStrike">
+              <a:solidFill>
+                <a:srgbClr val="000000"/>
+              </a:solidFill>
+              <a:latin typeface="Arial"/>
+            </a:endParaRPr>
+          </a:p>
+          <a:p>
+            <a:pPr marL="360000" indent="-324000">
+              <a:lnSpc>
+                <a:spcPct val="100000"/>
+              </a:lnSpc>
+              <a:spcBef>
+                <a:spcPts val="907"/>
+              </a:spcBef>
+              <a:spcAft>
+                <a:spcPts val="709"/>
+              </a:spcAft>
+              <a:buClr>
+                <a:srgbClr val="000000"/>
+              </a:buClr>
+              <a:buFont typeface="Wingdings" charset="2"/>
+              <a:buChar char=""/>
+              <a:tabLst>
+                <a:tab algn="l" pos="0"/>
+              </a:tabLst>
+            </a:pPr>
+            <a:r>
+              <a:rPr b="1" lang="es-ES" sz="1000" spc="-1" strike="noStrike" u="sng">
+                <a:solidFill>
+                  <a:srgbClr val="0097a7"/>
+                </a:solidFill>
+                <a:uFillTx/>
+                <a:latin typeface="Arial"/>
+                <a:ea typeface="Noto Sans CJK SC"/>
+                <a:hlinkClick r:id="rId5"/>
+              </a:rPr>
+              <a:t>PHPClientifyAPI</a:t>
+            </a:r>
+            <a:r>
+              <a:rPr b="1" lang="es-ES" sz="1000" spc="-1" strike="noStrike">
+                <a:solidFill>
+                  <a:srgbClr val="000000"/>
+                </a:solidFill>
+                <a:latin typeface="Arial"/>
+                <a:ea typeface="Noto Sans CJK SC"/>
+              </a:rPr>
+              <a:t>:</a:t>
+            </a:r>
+            <a:r>
+              <a:rPr b="0" lang="es-ES" sz="1000" spc="-1" strike="noStrike">
+                <a:solidFill>
+                  <a:srgbClr val="000000"/>
+                </a:solidFill>
+                <a:latin typeface="Arial"/>
+                <a:ea typeface="Noto Sans CJK SC"/>
+              </a:rPr>
+              <a:t> Clase de PHP para manejar los contactos del CRM de Clientify. https://github.com/gwannon/PHPClientifyAPI</a:t>
+            </a:r>
+            <a:endParaRPr b="0" lang="es-ES" sz="1000" spc="-1" strike="noStrike">
+              <a:solidFill>
+                <a:srgbClr val="000000"/>
+              </a:solidFill>
+              <a:latin typeface="Arial"/>
+            </a:endParaRPr>
+          </a:p>
+          <a:p>
+            <a:pPr marL="360000" indent="-324000">
+              <a:lnSpc>
+                <a:spcPct val="100000"/>
+              </a:lnSpc>
+              <a:spcBef>
+                <a:spcPts val="907"/>
+              </a:spcBef>
+              <a:spcAft>
+                <a:spcPts val="709"/>
+              </a:spcAft>
+              <a:buClr>
+                <a:srgbClr val="000000"/>
+              </a:buClr>
+              <a:buFont typeface="Wingdings" charset="2"/>
+              <a:buChar char=""/>
+              <a:tabLst>
+                <a:tab algn="l" pos="0"/>
+              </a:tabLst>
+            </a:pPr>
+            <a:r>
+              <a:rPr b="1" lang="es-ES" sz="1000" spc="-1" strike="noStrike" u="sng">
+                <a:solidFill>
+                  <a:srgbClr val="0097a7"/>
+                </a:solidFill>
+                <a:uFillTx/>
+                <a:latin typeface="Arial"/>
+                <a:ea typeface="Noto Sans CJK SC"/>
+                <a:hlinkClick r:id="rId6"/>
+              </a:rPr>
+              <a:t>PHPActiveCampaignAPI</a:t>
+            </a:r>
+            <a:r>
+              <a:rPr b="1" lang="es-ES" sz="1000" spc="-1" strike="noStrike">
+                <a:solidFill>
+                  <a:srgbClr val="000000"/>
+                </a:solidFill>
+                <a:latin typeface="Arial"/>
+                <a:ea typeface="Noto Sans CJK SC"/>
+              </a:rPr>
+              <a:t>:</a:t>
+            </a:r>
+            <a:r>
+              <a:rPr b="0" lang="es-ES" sz="1000" spc="-1" strike="noStrike">
+                <a:solidFill>
+                  <a:srgbClr val="000000"/>
+                </a:solidFill>
+                <a:latin typeface="Arial"/>
+                <a:ea typeface="Noto Sans CJK SC"/>
+              </a:rPr>
+              <a:t> Clase de PHP para manejar contactos del CRM a ActiveCampaign https://github.com/gwannon/PHPActiveCampaignAPI</a:t>
+            </a:r>
+            <a:endParaRPr b="0" lang="es-ES" sz="1000" spc="-1" strike="noStrike">
+              <a:solidFill>
+                <a:srgbClr val="000000"/>
+              </a:solidFill>
+              <a:latin typeface="Arial"/>
+            </a:endParaRPr>
+          </a:p>
+        </p:txBody>
+      </p:sp>
     </p:spTree>
   </p:cSld>
   <mc:AlternateContent>
@@ -8488,7 +9527,7 @@
         <p:spPr>
           <a:xfrm>
             <a:off x="480600" y="198360"/>
-            <a:ext cx="8518320" cy="520560"/>
+            <a:ext cx="8517600" cy="519840"/>
           </a:xfrm>
           <a:prstGeom prst="rect">
             <a:avLst/>
@@ -8552,7 +9591,7 @@
         <p:spPr>
           <a:xfrm>
             <a:off x="311760" y="900000"/>
-            <a:ext cx="6526440" cy="3418920"/>
+            <a:ext cx="6525720" cy="3418200"/>
           </a:xfrm>
           <a:prstGeom prst="rect">
             <a:avLst/>
@@ -8758,7 +9797,7 @@
         <p:spPr>
           <a:xfrm>
             <a:off x="6847560" y="1980000"/>
-            <a:ext cx="531360" cy="531360"/>
+            <a:ext cx="530640" cy="530640"/>
           </a:xfrm>
           <a:prstGeom prst="rect">
             <a:avLst/>
@@ -8781,7 +9820,7 @@
         <p:spPr>
           <a:xfrm>
             <a:off x="7552800" y="1944720"/>
-            <a:ext cx="540720" cy="538200"/>
+            <a:ext cx="540000" cy="537480"/>
           </a:xfrm>
           <a:prstGeom prst="rect">
             <a:avLst/>
@@ -8804,7 +9843,7 @@
         <p:spPr>
           <a:xfrm>
             <a:off x="8272800" y="1944720"/>
-            <a:ext cx="538200" cy="538200"/>
+            <a:ext cx="537480" cy="537480"/>
           </a:xfrm>
           <a:prstGeom prst="rect">
             <a:avLst/>
@@ -8827,7 +9866,7 @@
         <p:spPr>
           <a:xfrm>
             <a:off x="6847920" y="2700000"/>
-            <a:ext cx="531000" cy="531000"/>
+            <a:ext cx="530280" cy="530280"/>
           </a:xfrm>
           <a:prstGeom prst="rect">
             <a:avLst/>
@@ -8850,7 +9889,7 @@
         <p:spPr>
           <a:xfrm>
             <a:off x="7560000" y="2707920"/>
-            <a:ext cx="531000" cy="531000"/>
+            <a:ext cx="530280" cy="530280"/>
           </a:xfrm>
           <a:prstGeom prst="rect">
             <a:avLst/>
@@ -8873,7 +9912,7 @@
         <p:spPr>
           <a:xfrm>
             <a:off x="8272800" y="2700720"/>
-            <a:ext cx="531000" cy="531000"/>
+            <a:ext cx="530280" cy="530280"/>
           </a:xfrm>
           <a:prstGeom prst="rect">
             <a:avLst/>
@@ -8896,7 +9935,7 @@
         <p:spPr>
           <a:xfrm>
             <a:off x="3600000" y="1980000"/>
-            <a:ext cx="1978920" cy="1258920"/>
+            <a:ext cx="1978200" cy="1258200"/>
           </a:xfrm>
           <a:prstGeom prst="rect">
             <a:avLst/>
@@ -9051,7 +10090,7 @@
         <p:spPr>
           <a:xfrm>
             <a:off x="300600" y="198360"/>
-            <a:ext cx="8518320" cy="520560"/>
+            <a:ext cx="8517600" cy="519840"/>
           </a:xfrm>
           <a:prstGeom prst="rect">
             <a:avLst/>
@@ -9130,7 +10169,7 @@
         <p:spPr>
           <a:xfrm>
             <a:off x="300600" y="1001160"/>
-            <a:ext cx="8518320" cy="3317760"/>
+            <a:ext cx="8517600" cy="3317040"/>
           </a:xfrm>
           <a:prstGeom prst="rect">
             <a:avLst/>
@@ -9503,7 +10542,7 @@
         <p:spPr>
           <a:xfrm>
             <a:off x="360000" y="198360"/>
-            <a:ext cx="8518320" cy="520560"/>
+            <a:ext cx="8517600" cy="519840"/>
           </a:xfrm>
           <a:prstGeom prst="rect">
             <a:avLst/>
@@ -9573,7 +10612,7 @@
         <p:spPr>
           <a:xfrm>
             <a:off x="300600" y="1080000"/>
-            <a:ext cx="8518320" cy="3116160"/>
+            <a:ext cx="8517600" cy="3115440"/>
           </a:xfrm>
           <a:prstGeom prst="rect">
             <a:avLst/>
@@ -9997,7 +11036,7 @@
         <p:spPr>
           <a:xfrm>
             <a:off x="311760" y="815760"/>
-            <a:ext cx="8518320" cy="520560"/>
+            <a:ext cx="8517600" cy="519840"/>
           </a:xfrm>
           <a:prstGeom prst="rect">
             <a:avLst/>
@@ -10085,7 +11124,7 @@
         <p:spPr>
           <a:xfrm>
             <a:off x="311760" y="1260000"/>
-            <a:ext cx="8518320" cy="1417320"/>
+            <a:ext cx="8517600" cy="1416600"/>
           </a:xfrm>
           <a:prstGeom prst="rect">
             <a:avLst/>
@@ -10213,7 +11252,7 @@
         <p:spPr>
           <a:xfrm>
             <a:off x="120600" y="2690640"/>
-            <a:ext cx="8518320" cy="520560"/>
+            <a:ext cx="8517600" cy="519840"/>
           </a:xfrm>
           <a:prstGeom prst="rect">
             <a:avLst/>
@@ -10310,7 +11349,7 @@
         <p:spPr>
           <a:xfrm>
             <a:off x="270000" y="3060000"/>
-            <a:ext cx="8518320" cy="1438920"/>
+            <a:ext cx="8517600" cy="1438200"/>
           </a:xfrm>
           <a:prstGeom prst="rect">
             <a:avLst/>
@@ -10486,7 +11525,7 @@
         <p:spPr>
           <a:xfrm>
             <a:off x="2340000" y="198360"/>
-            <a:ext cx="6538320" cy="520560"/>
+            <a:ext cx="6537600" cy="519840"/>
           </a:xfrm>
           <a:prstGeom prst="rect">
             <a:avLst/>
@@ -10586,7 +11625,7 @@
         <p:spPr>
           <a:xfrm>
             <a:off x="311760" y="815760"/>
-            <a:ext cx="8518320" cy="520560"/>
+            <a:ext cx="8517600" cy="519840"/>
           </a:xfrm>
           <a:prstGeom prst="rect">
             <a:avLst/>
@@ -10646,7 +11685,7 @@
         <p:spPr>
           <a:xfrm>
             <a:off x="360000" y="1260000"/>
-            <a:ext cx="5400000" cy="2160000"/>
+            <a:ext cx="5399280" cy="2159280"/>
           </a:xfrm>
           <a:prstGeom prst="rect">
             <a:avLst/>
@@ -10750,7 +11789,7 @@
         <p:spPr>
           <a:xfrm>
             <a:off x="2340360" y="198720"/>
-            <a:ext cx="6538320" cy="520560"/>
+            <a:ext cx="6537600" cy="519840"/>
           </a:xfrm>
           <a:prstGeom prst="rect">
             <a:avLst/>
@@ -10820,7 +11859,7 @@
         <p:spPr>
           <a:xfrm>
             <a:off x="5940000" y="1336320"/>
-            <a:ext cx="2792880" cy="2318760"/>
+            <a:ext cx="2792160" cy="2318040"/>
           </a:xfrm>
           <a:prstGeom prst="rect">
             <a:avLst/>
@@ -10843,7 +11882,7 @@
         <p:spPr>
           <a:xfrm>
             <a:off x="3060000" y="3240000"/>
-            <a:ext cx="3620880" cy="1524240"/>
+            <a:ext cx="3620160" cy="1523520"/>
           </a:xfrm>
           <a:prstGeom prst="rect">
             <a:avLst/>
@@ -10896,7 +11935,7 @@
         <p:spPr>
           <a:xfrm>
             <a:off x="2328840" y="294120"/>
-            <a:ext cx="6490080" cy="520560"/>
+            <a:ext cx="6489360" cy="519840"/>
           </a:xfrm>
           <a:prstGeom prst="rect">
             <a:avLst/>
@@ -10966,7 +12005,7 @@
         <p:spPr>
           <a:xfrm>
             <a:off x="311760" y="1461600"/>
-            <a:ext cx="4728240" cy="3116160"/>
+            <a:ext cx="4727520" cy="3115440"/>
           </a:xfrm>
           <a:prstGeom prst="rect">
             <a:avLst/>
@@ -11189,7 +12228,7 @@
         <p:spPr>
           <a:xfrm>
             <a:off x="5188320" y="937800"/>
-            <a:ext cx="3600000" cy="3819240"/>
+            <a:ext cx="3599280" cy="3818520"/>
           </a:xfrm>
           <a:prstGeom prst="rect">
             <a:avLst/>
@@ -11242,7 +12281,7 @@
         <p:spPr>
           <a:xfrm>
             <a:off x="311760" y="815760"/>
-            <a:ext cx="8518320" cy="520560"/>
+            <a:ext cx="8517600" cy="519840"/>
           </a:xfrm>
           <a:prstGeom prst="rect">
             <a:avLst/>
@@ -11313,8 +12352,8 @@
         </p:nvSpPr>
         <p:spPr>
           <a:xfrm>
-            <a:off x="311760" y="1337400"/>
-            <a:ext cx="8518320" cy="3240360"/>
+            <a:off x="311760" y="1260000"/>
+            <a:ext cx="8517600" cy="3420000"/>
           </a:xfrm>
           <a:prstGeom prst="rect">
             <a:avLst/>
@@ -11326,7 +12365,7 @@
         </p:spPr>
         <p:txBody>
           <a:bodyPr lIns="91440" rIns="91440" tIns="91440" bIns="91440" anchor="t">
-            <a:normAutofit fontScale="56111"/>
+            <a:normAutofit fontScale="96666" lnSpcReduction="10000"/>
           </a:bodyPr>
           <a:p>
             <a:pPr indent="0">
@@ -11334,18 +12373,15 @@
                 <a:spcPct val="100000"/>
               </a:lnSpc>
               <a:spcBef>
-                <a:spcPts val="340"/>
-              </a:spcBef>
-              <a:spcAft>
-                <a:spcPts val="283"/>
-              </a:spcAft>
+                <a:spcPts val="57"/>
+              </a:spcBef>
               <a:buNone/>
               <a:tabLst>
                 <a:tab algn="l" pos="0"/>
               </a:tabLst>
             </a:pPr>
             <a:r>
-              <a:rPr b="0" lang="es-ES" sz="1800" spc="-1" strike="noStrike">
+              <a:rPr b="0" lang="es-ES" sz="1200" spc="-1" strike="noStrike">
                 <a:solidFill>
                   <a:srgbClr val="000000"/>
                 </a:solidFill>
@@ -11353,11 +12389,12 @@
               </a:rPr>
               <a:t>La mayoría de CRM dan códigos para incrustar formularios en tu web. Son códigos muy sencillos de usar, generas el formulario y cortas y pegas el código que te dan en tu web, en páginas, widgets, …</a:t>
             </a:r>
-            <a:endParaRPr b="0" lang="es-ES" sz="1800" spc="-1" strike="noStrike">
-              <a:solidFill>
-                <a:srgbClr val="000000"/>
-              </a:solidFill>
-              <a:latin typeface="Arial"/>
+            <a:endParaRPr b="0" lang="es-ES" sz="1200" spc="-1" strike="noStrike">
+              <a:solidFill>
+                <a:srgbClr val="000000"/>
+              </a:solidFill>
+              <a:latin typeface="Arial"/>
+              <a:ea typeface="Noto Sans CJK SC"/>
             </a:endParaRPr>
           </a:p>
           <a:p>
@@ -11366,18 +12403,36 @@
                 <a:spcPct val="100000"/>
               </a:lnSpc>
               <a:spcBef>
-                <a:spcPts val="340"/>
-              </a:spcBef>
-              <a:spcAft>
-                <a:spcPts val="283"/>
-              </a:spcAft>
+                <a:spcPts val="57"/>
+              </a:spcBef>
               <a:buNone/>
               <a:tabLst>
                 <a:tab algn="l" pos="0"/>
               </a:tabLst>
             </a:pPr>
-            <a:r>
-              <a:rPr b="1" lang="es-ES" sz="1800" spc="-1" strike="noStrike">
+            <a:endParaRPr b="0" lang="es-ES" sz="1200" spc="-1" strike="noStrike">
+              <a:solidFill>
+                <a:srgbClr val="000000"/>
+              </a:solidFill>
+              <a:latin typeface="Arial"/>
+              <a:ea typeface="Noto Sans CJK SC"/>
+            </a:endParaRPr>
+          </a:p>
+          <a:p>
+            <a:pPr indent="0">
+              <a:lnSpc>
+                <a:spcPct val="100000"/>
+              </a:lnSpc>
+              <a:spcBef>
+                <a:spcPts val="57"/>
+              </a:spcBef>
+              <a:buNone/>
+              <a:tabLst>
+                <a:tab algn="l" pos="0"/>
+              </a:tabLst>
+            </a:pPr>
+            <a:r>
+              <a:rPr b="1" lang="es-ES" sz="1200" spc="-1" strike="noStrike">
                 <a:solidFill>
                   <a:srgbClr val="000000"/>
                 </a:solidFill>
@@ -11385,11 +12440,12 @@
               </a:rPr>
               <a:t>Ventajas:</a:t>
             </a:r>
-            <a:endParaRPr b="0" lang="es-ES" sz="1800" spc="-1" strike="noStrike">
-              <a:solidFill>
-                <a:srgbClr val="000000"/>
-              </a:solidFill>
-              <a:latin typeface="Arial"/>
+            <a:endParaRPr b="0" lang="es-ES" sz="1200" spc="-1" strike="noStrike">
+              <a:solidFill>
+                <a:srgbClr val="000000"/>
+              </a:solidFill>
+              <a:latin typeface="Arial"/>
+              <a:ea typeface="Noto Sans CJK SC"/>
             </a:endParaRPr>
           </a:p>
           <a:p>
@@ -11398,11 +12454,8 @@
                 <a:spcPct val="100000"/>
               </a:lnSpc>
               <a:spcBef>
-                <a:spcPts val="340"/>
-              </a:spcBef>
-              <a:spcAft>
-                <a:spcPts val="283"/>
-              </a:spcAft>
+                <a:spcPts val="57"/>
+              </a:spcBef>
               <a:buClr>
                 <a:srgbClr val="000000"/>
               </a:buClr>
@@ -11413,19 +12466,20 @@
               </a:tabLst>
             </a:pPr>
             <a:r>
-              <a:rPr b="0" lang="es-ES" sz="1800" spc="-1" strike="noStrike">
-                <a:solidFill>
-                  <a:srgbClr val="000000"/>
-                </a:solidFill>
-                <a:latin typeface="Arial"/>
-              </a:rPr>
-              <a:t>Muy fácil de crear e integrar y exigen pocos conocimientos.</a:t>
-            </a:r>
-            <a:endParaRPr b="0" lang="es-ES" sz="1800" spc="-1" strike="noStrike">
-              <a:solidFill>
-                <a:srgbClr val="000000"/>
-              </a:solidFill>
-              <a:latin typeface="Arial"/>
+              <a:rPr b="0" lang="es-ES" sz="1200" spc="-1" strike="noStrike">
+                <a:solidFill>
+                  <a:srgbClr val="000000"/>
+                </a:solidFill>
+                <a:latin typeface="Arial"/>
+              </a:rPr>
+              <a:t>Muy fácil de crear e integrar y exigen pocos conocimientos y gratis.</a:t>
+            </a:r>
+            <a:endParaRPr b="0" lang="es-ES" sz="1200" spc="-1" strike="noStrike">
+              <a:solidFill>
+                <a:srgbClr val="000000"/>
+              </a:solidFill>
+              <a:latin typeface="Arial"/>
+              <a:ea typeface="Noto Sans CJK SC"/>
             </a:endParaRPr>
           </a:p>
           <a:p>
@@ -11434,11 +12488,8 @@
                 <a:spcPct val="100000"/>
               </a:lnSpc>
               <a:spcBef>
-                <a:spcPts val="340"/>
-              </a:spcBef>
-              <a:spcAft>
-                <a:spcPts val="283"/>
-              </a:spcAft>
+                <a:spcPts val="57"/>
+              </a:spcBef>
               <a:buClr>
                 <a:srgbClr val="000000"/>
               </a:buClr>
@@ -11449,7 +12500,7 @@
               </a:tabLst>
             </a:pPr>
             <a:r>
-              <a:rPr b="0" lang="es-ES" sz="1800" spc="-1" strike="noStrike">
+              <a:rPr b="0" lang="es-ES" sz="1200" spc="-1" strike="noStrike">
                 <a:solidFill>
                   <a:srgbClr val="000000"/>
                 </a:solidFill>
@@ -11457,11 +12508,12 @@
               </a:rPr>
               <a:t>La conexión es directa, no debería haber fallos.</a:t>
             </a:r>
-            <a:endParaRPr b="0" lang="es-ES" sz="1800" spc="-1" strike="noStrike">
-              <a:solidFill>
-                <a:srgbClr val="000000"/>
-              </a:solidFill>
-              <a:latin typeface="Arial"/>
+            <a:endParaRPr b="0" lang="es-ES" sz="1200" spc="-1" strike="noStrike">
+              <a:solidFill>
+                <a:srgbClr val="000000"/>
+              </a:solidFill>
+              <a:latin typeface="Arial"/>
+              <a:ea typeface="Noto Sans CJK SC"/>
             </a:endParaRPr>
           </a:p>
           <a:p>
@@ -11470,11 +12522,8 @@
                 <a:spcPct val="100000"/>
               </a:lnSpc>
               <a:spcBef>
-                <a:spcPts val="340"/>
-              </a:spcBef>
-              <a:spcAft>
-                <a:spcPts val="283"/>
-              </a:spcAft>
+                <a:spcPts val="57"/>
+              </a:spcBef>
               <a:buClr>
                 <a:srgbClr val="000000"/>
               </a:buClr>
@@ -11485,7 +12534,7 @@
               </a:tabLst>
             </a:pPr>
             <a:r>
-              <a:rPr b="0" lang="es-ES" sz="1800" spc="-1" strike="noStrike">
+              <a:rPr b="0" lang="es-ES" sz="1200" spc="-1" strike="noStrike">
                 <a:solidFill>
                   <a:srgbClr val="000000"/>
                 </a:solidFill>
@@ -11493,31 +12542,50 @@
               </a:rPr>
               <a:t>Ellos se encargan de meter la cookie de rastreo o similares para poder seguir al usuario.</a:t>
             </a:r>
-            <a:endParaRPr b="0" lang="es-ES" sz="1800" spc="-1" strike="noStrike">
-              <a:solidFill>
-                <a:srgbClr val="000000"/>
-              </a:solidFill>
-              <a:latin typeface="Arial"/>
-            </a:endParaRPr>
-          </a:p>
-          <a:p>
-            <a:pPr indent="0">
-              <a:lnSpc>
-                <a:spcPct val="100000"/>
-              </a:lnSpc>
-              <a:spcBef>
-                <a:spcPts val="340"/>
-              </a:spcBef>
-              <a:spcAft>
-                <a:spcPts val="283"/>
-              </a:spcAft>
+            <a:endParaRPr b="0" lang="es-ES" sz="1200" spc="-1" strike="noStrike">
+              <a:solidFill>
+                <a:srgbClr val="000000"/>
+              </a:solidFill>
+              <a:latin typeface="Arial"/>
+              <a:ea typeface="Noto Sans CJK SC"/>
+            </a:endParaRPr>
+          </a:p>
+          <a:p>
+            <a:pPr marL="720000" indent="0">
+              <a:lnSpc>
+                <a:spcPct val="100000"/>
+              </a:lnSpc>
+              <a:spcBef>
+                <a:spcPts val="57"/>
+              </a:spcBef>
               <a:buNone/>
               <a:tabLst>
                 <a:tab algn="l" pos="0"/>
               </a:tabLst>
             </a:pPr>
-            <a:r>
-              <a:rPr b="1" lang="es-ES" sz="1800" spc="-1" strike="noStrike">
+            <a:endParaRPr b="0" lang="es-ES" sz="1200" spc="-1" strike="noStrike">
+              <a:solidFill>
+                <a:srgbClr val="000000"/>
+              </a:solidFill>
+              <a:latin typeface="Arial"/>
+              <a:ea typeface="Noto Sans CJK SC"/>
+            </a:endParaRPr>
+          </a:p>
+          <a:p>
+            <a:pPr indent="0">
+              <a:lnSpc>
+                <a:spcPct val="100000"/>
+              </a:lnSpc>
+              <a:spcBef>
+                <a:spcPts val="57"/>
+              </a:spcBef>
+              <a:buNone/>
+              <a:tabLst>
+                <a:tab algn="l" pos="0"/>
+              </a:tabLst>
+            </a:pPr>
+            <a:r>
+              <a:rPr b="1" lang="es-ES" sz="1200" spc="-1" strike="noStrike">
                 <a:solidFill>
                   <a:srgbClr val="000000"/>
                 </a:solidFill>
@@ -11525,11 +12593,12 @@
               </a:rPr>
               <a:t>Desventajas:</a:t>
             </a:r>
-            <a:endParaRPr b="0" lang="es-ES" sz="1800" spc="-1" strike="noStrike">
-              <a:solidFill>
-                <a:srgbClr val="000000"/>
-              </a:solidFill>
-              <a:latin typeface="Arial"/>
+            <a:endParaRPr b="0" lang="es-ES" sz="1200" spc="-1" strike="noStrike">
+              <a:solidFill>
+                <a:srgbClr val="000000"/>
+              </a:solidFill>
+              <a:latin typeface="Arial"/>
+              <a:ea typeface="Noto Sans CJK SC"/>
             </a:endParaRPr>
           </a:p>
           <a:p>
@@ -11538,11 +12607,8 @@
                 <a:spcPct val="100000"/>
               </a:lnSpc>
               <a:spcBef>
-                <a:spcPts val="340"/>
-              </a:spcBef>
-              <a:spcAft>
-                <a:spcPts val="283"/>
-              </a:spcAft>
+                <a:spcPts val="57"/>
+              </a:spcBef>
               <a:buClr>
                 <a:srgbClr val="000000"/>
               </a:buClr>
@@ -11553,7 +12619,7 @@
               </a:tabLst>
             </a:pPr>
             <a:r>
-              <a:rPr b="0" lang="es-ES" sz="1800" spc="-1" strike="noStrike">
+              <a:rPr b="0" lang="es-ES" sz="1200" spc="-1" strike="noStrike">
                 <a:solidFill>
                   <a:srgbClr val="000000"/>
                 </a:solidFill>
@@ -11561,11 +12627,12 @@
               </a:rPr>
               <a:t>Cuando quieres meter campos especiales que no están en el CRM, te obliga a crear campus personalizados en el CRM para guardar esa información. A la larga creas montones de campos que casi ni se usan.</a:t>
             </a:r>
-            <a:endParaRPr b="0" lang="es-ES" sz="1800" spc="-1" strike="noStrike">
-              <a:solidFill>
-                <a:srgbClr val="000000"/>
-              </a:solidFill>
-              <a:latin typeface="Arial"/>
+            <a:endParaRPr b="0" lang="es-ES" sz="1200" spc="-1" strike="noStrike">
+              <a:solidFill>
+                <a:srgbClr val="000000"/>
+              </a:solidFill>
+              <a:latin typeface="Arial"/>
+              <a:ea typeface="Noto Sans CJK SC"/>
             </a:endParaRPr>
           </a:p>
           <a:p>
@@ -11574,11 +12641,8 @@
                 <a:spcPct val="100000"/>
               </a:lnSpc>
               <a:spcBef>
-                <a:spcPts val="340"/>
-              </a:spcBef>
-              <a:spcAft>
-                <a:spcPts val="283"/>
-              </a:spcAft>
+                <a:spcPts val="57"/>
+              </a:spcBef>
               <a:buClr>
                 <a:srgbClr val="000000"/>
               </a:buClr>
@@ -11589,7 +12653,7 @@
               </a:tabLst>
             </a:pPr>
             <a:r>
-              <a:rPr b="0" lang="es-ES" sz="1800" spc="-1" strike="noStrike">
+              <a:rPr b="0" lang="es-ES" sz="1200" spc="-1" strike="noStrike">
                 <a:solidFill>
                   <a:srgbClr val="000000"/>
                 </a:solidFill>
@@ -11597,11 +12661,12 @@
               </a:rPr>
               <a:t>No tienen buena integración en el diseño de tu WordPress y suelen quedar un poco pegote.</a:t>
             </a:r>
-            <a:endParaRPr b="0" lang="es-ES" sz="1800" spc="-1" strike="noStrike">
-              <a:solidFill>
-                <a:srgbClr val="000000"/>
-              </a:solidFill>
-              <a:latin typeface="Arial"/>
+            <a:endParaRPr b="0" lang="es-ES" sz="1200" spc="-1" strike="noStrike">
+              <a:solidFill>
+                <a:srgbClr val="000000"/>
+              </a:solidFill>
+              <a:latin typeface="Arial"/>
+              <a:ea typeface="Noto Sans CJK SC"/>
             </a:endParaRPr>
           </a:p>
           <a:p>
@@ -11610,11 +12675,8 @@
                 <a:spcPct val="100000"/>
               </a:lnSpc>
               <a:spcBef>
-                <a:spcPts val="340"/>
-              </a:spcBef>
-              <a:spcAft>
-                <a:spcPts val="283"/>
-              </a:spcAft>
+                <a:spcPts val="57"/>
+              </a:spcBef>
               <a:buClr>
                 <a:srgbClr val="000000"/>
               </a:buClr>
@@ -11625,7 +12687,7 @@
               </a:tabLst>
             </a:pPr>
             <a:r>
-              <a:rPr b="0" lang="es-ES" sz="1800" spc="-1" strike="noStrike">
+              <a:rPr b="0" lang="es-ES" sz="1200" spc="-1" strike="noStrike">
                 <a:solidFill>
                   <a:srgbClr val="000000"/>
                 </a:solidFill>
@@ -11633,11 +12695,12 @@
               </a:rPr>
               <a:t>No permiten conectar a terceros. Los formularios incrustados se conectan difícilmente con elementos de terceros. Tengo una fundación de una empresa grande que todos los contactos recogidos con los formularios deben registrarse en el CRM que usan ellos (Clientify) y con el de la empresa matriz (Salesforce). Los formularios incrustados de Clientify no permiten hacer una conexión también a Salesforce cumpliendo los requerimientos que Salesforce exige.</a:t>
             </a:r>
-            <a:endParaRPr b="0" lang="es-ES" sz="1800" spc="-1" strike="noStrike">
-              <a:solidFill>
-                <a:srgbClr val="000000"/>
-              </a:solidFill>
-              <a:latin typeface="Arial"/>
+            <a:endParaRPr b="0" lang="es-ES" sz="1200" spc="-1" strike="noStrike">
+              <a:solidFill>
+                <a:srgbClr val="000000"/>
+              </a:solidFill>
+              <a:latin typeface="Arial"/>
+              <a:ea typeface="Noto Sans CJK SC"/>
             </a:endParaRPr>
           </a:p>
           <a:p>
@@ -11646,11 +12709,8 @@
                 <a:spcPct val="100000"/>
               </a:lnSpc>
               <a:spcBef>
-                <a:spcPts val="340"/>
-              </a:spcBef>
-              <a:spcAft>
-                <a:spcPts val="283"/>
-              </a:spcAft>
+                <a:spcPts val="57"/>
+              </a:spcBef>
               <a:buClr>
                 <a:srgbClr val="000000"/>
               </a:buClr>
@@ -11661,7 +12721,7 @@
               </a:tabLst>
             </a:pPr>
             <a:r>
-              <a:rPr b="0" lang="es-ES" sz="1800" spc="-1" strike="noStrike">
+              <a:rPr b="0" lang="es-ES" sz="1200" spc="-1" strike="noStrike">
                 <a:solidFill>
                   <a:srgbClr val="000000"/>
                 </a:solidFill>
@@ -11669,11 +12729,12 @@
               </a:rPr>
               <a:t>Si cae el CRM caen los formularios de tu web. No suelen fallar, pero puede pasar.</a:t>
             </a:r>
-            <a:endParaRPr b="0" lang="es-ES" sz="1800" spc="-1" strike="noStrike">
-              <a:solidFill>
-                <a:srgbClr val="000000"/>
-              </a:solidFill>
-              <a:latin typeface="Arial"/>
+            <a:endParaRPr b="0" lang="es-ES" sz="1200" spc="-1" strike="noStrike">
+              <a:solidFill>
+                <a:srgbClr val="000000"/>
+              </a:solidFill>
+              <a:latin typeface="Arial"/>
+              <a:ea typeface="Noto Sans CJK SC"/>
             </a:endParaRPr>
           </a:p>
           <a:p>
@@ -11714,7 +12775,7 @@
         <p:spPr>
           <a:xfrm>
             <a:off x="2329200" y="294480"/>
-            <a:ext cx="6490080" cy="520560"/>
+            <a:ext cx="6489360" cy="519840"/>
           </a:xfrm>
           <a:prstGeom prst="rect">
             <a:avLst/>

--- a/WCBIO25_Jorge-Monclus.pptx
+++ b/WCBIO25_Jorge-Monclus.pptx
@@ -69,7 +69,7 @@
         <p:spPr>
           <a:xfrm>
             <a:off x="311760" y="764280"/>
-            <a:ext cx="8517600" cy="625320"/>
+            <a:ext cx="8517240" cy="625320"/>
           </a:xfrm>
           <a:prstGeom prst="rect">
             <a:avLst/>
@@ -109,7 +109,7 @@
         <p:spPr>
           <a:xfrm>
             <a:off x="311760" y="1461600"/>
-            <a:ext cx="8517600" cy="3115440"/>
+            <a:ext cx="8517240" cy="3115080"/>
           </a:xfrm>
           <a:prstGeom prst="rect">
             <a:avLst/>
@@ -153,7 +153,7 @@
         <p:txBody>
           <a:bodyPr/>
           <a:p>
-            <a:fld id="{5007751E-2ADE-4893-B4F9-3C34E4882DE8}" type="slidenum">
+            <a:fld id="{5A10E45B-249D-43D2-89FC-13DFE3C70932}" type="slidenum">
               <a:t>&lt;#&gt;</a:t>
             </a:fld>
           </a:p>
@@ -194,7 +194,7 @@
         <p:spPr>
           <a:xfrm>
             <a:off x="311760" y="764280"/>
-            <a:ext cx="8517600" cy="625320"/>
+            <a:ext cx="8517240" cy="625320"/>
           </a:xfrm>
           <a:prstGeom prst="rect">
             <a:avLst/>
@@ -234,7 +234,7 @@
         <p:spPr>
           <a:xfrm>
             <a:off x="311760" y="1461600"/>
-            <a:ext cx="8517600" cy="3115440"/>
+            <a:ext cx="8517240" cy="3115080"/>
           </a:xfrm>
           <a:prstGeom prst="rect">
             <a:avLst/>
@@ -278,7 +278,7 @@
         <p:txBody>
           <a:bodyPr/>
           <a:p>
-            <a:fld id="{1A5BF8A5-FCFE-4CE8-9938-3304F60168E9}" type="slidenum">
+            <a:fld id="{6B90C4B3-4D5D-4F26-8289-663F9DAF6314}" type="slidenum">
               <a:t>&lt;#&gt;</a:t>
             </a:fld>
           </a:p>
@@ -319,7 +319,7 @@
         <p:spPr>
           <a:xfrm>
             <a:off x="311760" y="764280"/>
-            <a:ext cx="8517600" cy="625320"/>
+            <a:ext cx="8517240" cy="625320"/>
           </a:xfrm>
           <a:prstGeom prst="rect">
             <a:avLst/>
@@ -359,7 +359,7 @@
         <p:spPr>
           <a:xfrm>
             <a:off x="311760" y="1461600"/>
-            <a:ext cx="8517600" cy="3115440"/>
+            <a:ext cx="8517240" cy="3115080"/>
           </a:xfrm>
           <a:prstGeom prst="rect">
             <a:avLst/>
@@ -403,7 +403,7 @@
         <p:txBody>
           <a:bodyPr/>
           <a:p>
-            <a:fld id="{D789FF99-9555-4A30-832E-8AEDCD8A5AA8}" type="slidenum">
+            <a:fld id="{0F4AEE78-5B9E-4637-9F97-55B244D1D70F}" type="slidenum">
               <a:t>&lt;#&gt;</a:t>
             </a:fld>
           </a:p>
@@ -444,7 +444,7 @@
         <p:spPr>
           <a:xfrm>
             <a:off x="311760" y="764280"/>
-            <a:ext cx="8517600" cy="625320"/>
+            <a:ext cx="8517240" cy="625320"/>
           </a:xfrm>
           <a:prstGeom prst="rect">
             <a:avLst/>
@@ -484,7 +484,7 @@
         <p:spPr>
           <a:xfrm>
             <a:off x="311760" y="1461600"/>
-            <a:ext cx="8517600" cy="3115440"/>
+            <a:ext cx="8517240" cy="3115080"/>
           </a:xfrm>
           <a:prstGeom prst="rect">
             <a:avLst/>
@@ -528,7 +528,7 @@
         <p:txBody>
           <a:bodyPr/>
           <a:p>
-            <a:fld id="{C6C1DC02-3CB0-47DF-9FC5-02DA0DEB8534}" type="slidenum">
+            <a:fld id="{776D16C5-B87D-4E52-AF59-90A546FA5E92}" type="slidenum">
               <a:t>&lt;#&gt;</a:t>
             </a:fld>
           </a:p>
@@ -569,7 +569,7 @@
         <p:spPr>
           <a:xfrm>
             <a:off x="311760" y="764280"/>
-            <a:ext cx="8517600" cy="625320"/>
+            <a:ext cx="8517240" cy="625320"/>
           </a:xfrm>
           <a:prstGeom prst="rect">
             <a:avLst/>
@@ -609,7 +609,7 @@
         <p:spPr>
           <a:xfrm>
             <a:off x="311760" y="1461600"/>
-            <a:ext cx="8517600" cy="3115440"/>
+            <a:ext cx="8517240" cy="3115080"/>
           </a:xfrm>
           <a:prstGeom prst="rect">
             <a:avLst/>
@@ -653,7 +653,7 @@
         <p:txBody>
           <a:bodyPr/>
           <a:p>
-            <a:fld id="{217398F2-2B34-4719-A9FB-755BA7C40CD7}" type="slidenum">
+            <a:fld id="{46C98216-3A0E-4BE3-96BC-2D2B56187226}" type="slidenum">
               <a:t>&lt;#&gt;</a:t>
             </a:fld>
           </a:p>
@@ -694,7 +694,7 @@
         <p:spPr>
           <a:xfrm>
             <a:off x="311760" y="764280"/>
-            <a:ext cx="8517600" cy="625320"/>
+            <a:ext cx="8517240" cy="625320"/>
           </a:xfrm>
           <a:prstGeom prst="rect">
             <a:avLst/>
@@ -734,7 +734,7 @@
         <p:spPr>
           <a:xfrm>
             <a:off x="311760" y="1461600"/>
-            <a:ext cx="8517600" cy="3115440"/>
+            <a:ext cx="8517240" cy="3115080"/>
           </a:xfrm>
           <a:prstGeom prst="rect">
             <a:avLst/>
@@ -775,7 +775,7 @@
         <p:txBody>
           <a:bodyPr/>
           <a:p>
-            <a:fld id="{323327DB-BEDD-46B2-9BF5-14728C13D520}" type="slidenum">
+            <a:fld id="{7304D1D0-E0F9-41D0-BACD-EF2FF2A729F2}" type="slidenum">
               <a:t>&lt;#&gt;</a:t>
             </a:fld>
           </a:p>
@@ -816,7 +816,7 @@
         <p:spPr>
           <a:xfrm>
             <a:off x="311760" y="764280"/>
-            <a:ext cx="8517600" cy="625320"/>
+            <a:ext cx="8517240" cy="625320"/>
           </a:xfrm>
           <a:prstGeom prst="rect">
             <a:avLst/>
@@ -856,7 +856,7 @@
         <p:spPr>
           <a:xfrm>
             <a:off x="311760" y="1461600"/>
-            <a:ext cx="8517600" cy="3115440"/>
+            <a:ext cx="8517240" cy="3115080"/>
           </a:xfrm>
           <a:prstGeom prst="rect">
             <a:avLst/>
@@ -900,7 +900,7 @@
         <p:txBody>
           <a:bodyPr/>
           <a:p>
-            <a:fld id="{3E167271-1AA3-466D-AB0F-6689FBCD019A}" type="slidenum">
+            <a:fld id="{EFD96B46-A96A-4D31-9786-22D6844657BD}" type="slidenum">
               <a:t>&lt;#&gt;</a:t>
             </a:fld>
           </a:p>
@@ -941,7 +941,7 @@
         <p:spPr>
           <a:xfrm>
             <a:off x="311760" y="764280"/>
-            <a:ext cx="8517600" cy="625320"/>
+            <a:ext cx="8517240" cy="625320"/>
           </a:xfrm>
           <a:prstGeom prst="rect">
             <a:avLst/>
@@ -981,7 +981,7 @@
         <p:spPr>
           <a:xfrm>
             <a:off x="311760" y="1461600"/>
-            <a:ext cx="8517600" cy="3115440"/>
+            <a:ext cx="8517240" cy="3115080"/>
           </a:xfrm>
           <a:prstGeom prst="rect">
             <a:avLst/>
@@ -1025,7 +1025,7 @@
         <p:txBody>
           <a:bodyPr/>
           <a:p>
-            <a:fld id="{4B52B7EA-C27F-4B62-A69F-21294D5C4AA4}" type="slidenum">
+            <a:fld id="{785850DE-FE50-4292-B83B-206D0390E4DD}" type="slidenum">
               <a:t>&lt;#&gt;</a:t>
             </a:fld>
           </a:p>
@@ -1066,7 +1066,7 @@
         <p:spPr>
           <a:xfrm>
             <a:off x="311760" y="764280"/>
-            <a:ext cx="8517600" cy="625320"/>
+            <a:ext cx="8517240" cy="625320"/>
           </a:xfrm>
           <a:prstGeom prst="rect">
             <a:avLst/>
@@ -1106,7 +1106,7 @@
         <p:spPr>
           <a:xfrm>
             <a:off x="311760" y="1461600"/>
-            <a:ext cx="8517600" cy="3115440"/>
+            <a:ext cx="8517240" cy="3115080"/>
           </a:xfrm>
           <a:prstGeom prst="rect">
             <a:avLst/>
@@ -1150,7 +1150,7 @@
         <p:txBody>
           <a:bodyPr/>
           <a:p>
-            <a:fld id="{9A912D0D-8B1A-46DD-B804-FF913C22222A}" type="slidenum">
+            <a:fld id="{609C7AFC-6B03-4CBF-B2CA-661D3106CF45}" type="slidenum">
               <a:t>&lt;#&gt;</a:t>
             </a:fld>
           </a:p>
@@ -1195,7 +1195,7 @@
         <p:spPr>
           <a:xfrm>
             <a:off x="4572000" y="177480"/>
-            <a:ext cx="4569120" cy="4962960"/>
+            <a:ext cx="4568760" cy="4962600"/>
           </a:xfrm>
           <a:prstGeom prst="rect">
             <a:avLst/>
@@ -1246,7 +1246,7 @@
         <p:spPr>
           <a:xfrm>
             <a:off x="311760" y="764280"/>
-            <a:ext cx="8517600" cy="624960"/>
+            <a:ext cx="8517240" cy="624960"/>
           </a:xfrm>
           <a:prstGeom prst="rect">
             <a:avLst/>
@@ -1271,7 +1271,7 @@
                 </a:solidFill>
                 <a:latin typeface="Arial"/>
               </a:rPr>
-              <a:t>Click to edit the title text format</a:t>
+              <a:t>Pulse para editar el formato del texto de título</a:t>
             </a:r>
             <a:endParaRPr b="0" lang="es-ES" sz="1800" spc="-1" strike="noStrike">
               <a:solidFill>
@@ -1295,7 +1295,7 @@
         <p:spPr>
           <a:xfrm>
             <a:off x="311760" y="1461600"/>
-            <a:ext cx="8517600" cy="3115440"/>
+            <a:ext cx="8517240" cy="3115080"/>
           </a:xfrm>
           <a:prstGeom prst="rect">
             <a:avLst/>
@@ -1328,7 +1328,7 @@
                 </a:solidFill>
                 <a:latin typeface="Arial"/>
               </a:rPr>
-              <a:t>Click to edit the outline text format</a:t>
+              <a:t>Pulse para editar el formato de texto del esquema</a:t>
             </a:r>
             <a:endParaRPr b="0" lang="es-ES" sz="1800" spc="-1" strike="noStrike">
               <a:solidFill>
@@ -1356,7 +1356,7 @@
                 </a:solidFill>
                 <a:latin typeface="Arial"/>
               </a:rPr>
-              <a:t>Second Outline Level</a:t>
+              <a:t>Segundo nivel del esquema</a:t>
             </a:r>
             <a:endParaRPr b="0" lang="es-ES" sz="1800" spc="-1" strike="noStrike">
               <a:solidFill>
@@ -1384,7 +1384,7 @@
                 </a:solidFill>
                 <a:latin typeface="Arial"/>
               </a:rPr>
-              <a:t>Third Outline Level</a:t>
+              <a:t>Tercer nivel del esquema</a:t>
             </a:r>
             <a:endParaRPr b="0" lang="es-ES" sz="1800" spc="-1" strike="noStrike">
               <a:solidFill>
@@ -1412,7 +1412,7 @@
                 </a:solidFill>
                 <a:latin typeface="Arial"/>
               </a:rPr>
-              <a:t>Fourth Outline Level</a:t>
+              <a:t>Cuarto nivel del esquema</a:t>
             </a:r>
             <a:endParaRPr b="0" lang="es-ES" sz="1800" spc="-1" strike="noStrike">
               <a:solidFill>
@@ -1440,7 +1440,7 @@
                 </a:solidFill>
                 <a:latin typeface="Arial"/>
               </a:rPr>
-              <a:t>Fifth Outline Level</a:t>
+              <a:t>Quinto nivel del esquema</a:t>
             </a:r>
             <a:endParaRPr b="0" lang="es-ES" sz="1800" spc="-1" strike="noStrike">
               <a:solidFill>
@@ -1468,7 +1468,7 @@
                 </a:solidFill>
                 <a:latin typeface="Arial"/>
               </a:rPr>
-              <a:t>Sixth Outline Level</a:t>
+              <a:t>Sexto nivel del esquema</a:t>
             </a:r>
             <a:endParaRPr b="0" lang="es-ES" sz="1800" spc="-1" strike="noStrike">
               <a:solidFill>
@@ -1496,7 +1496,7 @@
                 </a:solidFill>
                 <a:latin typeface="Arial"/>
               </a:rPr>
-              <a:t>Seventh Outline Level</a:t>
+              <a:t>Séptimo nivel del esquema</a:t>
             </a:r>
             <a:endParaRPr b="0" lang="es-ES" sz="1800" spc="-1" strike="noStrike">
               <a:solidFill>
@@ -1520,7 +1520,7 @@
         <p:spPr>
           <a:xfrm>
             <a:off x="8472600" y="4663080"/>
-            <a:ext cx="545760" cy="390600"/>
+            <a:ext cx="545400" cy="390240"/>
           </a:xfrm>
           <a:prstGeom prst="rect">
             <a:avLst/>
@@ -1562,7 +1562,7 @@
                 <a:tab algn="l" pos="0"/>
               </a:tabLst>
             </a:pPr>
-            <a:fld id="{C4EC30C3-CAC9-48D0-B3D2-9E5333A23825}" type="slidenum">
+            <a:fld id="{2148B18D-4A69-4B67-845A-CF5CDFBA48EE}" type="slidenum">
               <a:rPr b="0" lang="en-GB" sz="1000" spc="-1" strike="noStrike">
                 <a:solidFill>
                   <a:schemeClr val="dk2"/>
@@ -1570,7 +1570,7 @@
                 <a:latin typeface="Arial"/>
                 <a:ea typeface="Arial"/>
               </a:rPr>
-              <a:t>&lt;number&gt;</a:t>
+              <a:t>&lt;número&gt;</a:t>
             </a:fld>
             <a:endParaRPr b="0" lang="es-ES" sz="1000" spc="-1" strike="noStrike">
               <a:solidFill>
@@ -1628,7 +1628,7 @@
         <p:spPr>
           <a:xfrm>
             <a:off x="311760" y="764280"/>
-            <a:ext cx="8517600" cy="624960"/>
+            <a:ext cx="8517240" cy="624960"/>
           </a:xfrm>
           <a:prstGeom prst="rect">
             <a:avLst/>
@@ -1653,7 +1653,7 @@
                 </a:solidFill>
                 <a:latin typeface="Arial"/>
               </a:rPr>
-              <a:t>Click to edit the title text format</a:t>
+              <a:t>Pulse para editar el formato del texto de título</a:t>
             </a:r>
             <a:endParaRPr b="0" lang="es-ES" sz="1800" spc="-1" strike="noStrike">
               <a:solidFill>
@@ -1677,7 +1677,7 @@
         <p:spPr>
           <a:xfrm>
             <a:off x="311760" y="1461600"/>
-            <a:ext cx="8517600" cy="3115440"/>
+            <a:ext cx="8517240" cy="3115080"/>
           </a:xfrm>
           <a:prstGeom prst="rect">
             <a:avLst/>
@@ -1710,7 +1710,7 @@
                 </a:solidFill>
                 <a:latin typeface="Arial"/>
               </a:rPr>
-              <a:t>Click to edit the outline text format</a:t>
+              <a:t>Pulse para editar el formato de texto del esquema</a:t>
             </a:r>
             <a:endParaRPr b="0" lang="es-ES" sz="1800" spc="-1" strike="noStrike">
               <a:solidFill>
@@ -1738,7 +1738,7 @@
                 </a:solidFill>
                 <a:latin typeface="Arial"/>
               </a:rPr>
-              <a:t>Second Outline Level</a:t>
+              <a:t>Segundo nivel del esquema</a:t>
             </a:r>
             <a:endParaRPr b="0" lang="es-ES" sz="1800" spc="-1" strike="noStrike">
               <a:solidFill>
@@ -1766,7 +1766,7 @@
                 </a:solidFill>
                 <a:latin typeface="Arial"/>
               </a:rPr>
-              <a:t>Third Outline Level</a:t>
+              <a:t>Tercer nivel del esquema</a:t>
             </a:r>
             <a:endParaRPr b="0" lang="es-ES" sz="1800" spc="-1" strike="noStrike">
               <a:solidFill>
@@ -1794,7 +1794,7 @@
                 </a:solidFill>
                 <a:latin typeface="Arial"/>
               </a:rPr>
-              <a:t>Fourth Outline Level</a:t>
+              <a:t>Cuarto nivel del esquema</a:t>
             </a:r>
             <a:endParaRPr b="0" lang="es-ES" sz="1800" spc="-1" strike="noStrike">
               <a:solidFill>
@@ -1822,7 +1822,7 @@
                 </a:solidFill>
                 <a:latin typeface="Arial"/>
               </a:rPr>
-              <a:t>Fifth Outline Level</a:t>
+              <a:t>Quinto nivel del esquema</a:t>
             </a:r>
             <a:endParaRPr b="0" lang="es-ES" sz="1800" spc="-1" strike="noStrike">
               <a:solidFill>
@@ -1850,7 +1850,7 @@
                 </a:solidFill>
                 <a:latin typeface="Arial"/>
               </a:rPr>
-              <a:t>Sixth Outline Level</a:t>
+              <a:t>Sexto nivel del esquema</a:t>
             </a:r>
             <a:endParaRPr b="0" lang="es-ES" sz="1800" spc="-1" strike="noStrike">
               <a:solidFill>
@@ -1878,7 +1878,7 @@
                 </a:solidFill>
                 <a:latin typeface="Arial"/>
               </a:rPr>
-              <a:t>Seventh Outline Level</a:t>
+              <a:t>Séptimo nivel del esquema</a:t>
             </a:r>
             <a:endParaRPr b="0" lang="es-ES" sz="1800" spc="-1" strike="noStrike">
               <a:solidFill>
@@ -1902,7 +1902,7 @@
         <p:spPr>
           <a:xfrm>
             <a:off x="8472600" y="4663080"/>
-            <a:ext cx="545760" cy="390600"/>
+            <a:ext cx="545400" cy="390240"/>
           </a:xfrm>
           <a:prstGeom prst="rect">
             <a:avLst/>
@@ -1944,7 +1944,7 @@
                 <a:tab algn="l" pos="0"/>
               </a:tabLst>
             </a:pPr>
-            <a:fld id="{2AECC182-0517-442F-9B1C-D5731E14EF4E}" type="slidenum">
+            <a:fld id="{A5E6F94D-7BE8-4CBD-9106-A47B8C145566}" type="slidenum">
               <a:rPr b="0" lang="en-GB" sz="1000" spc="-1" strike="noStrike">
                 <a:solidFill>
                   <a:schemeClr val="dk2"/>
@@ -1952,7 +1952,7 @@
                 <a:latin typeface="Arial"/>
                 <a:ea typeface="Arial"/>
               </a:rPr>
-              <a:t>&lt;number&gt;</a:t>
+              <a:t>&lt;número&gt;</a:t>
             </a:fld>
             <a:endParaRPr b="0" lang="es-ES" sz="1000" spc="-1" strike="noStrike">
               <a:solidFill>
@@ -2010,7 +2010,7 @@
         <p:spPr>
           <a:xfrm>
             <a:off x="311760" y="764280"/>
-            <a:ext cx="8517600" cy="624960"/>
+            <a:ext cx="8517240" cy="624960"/>
           </a:xfrm>
           <a:prstGeom prst="rect">
             <a:avLst/>
@@ -2035,7 +2035,7 @@
                 </a:solidFill>
                 <a:latin typeface="Arial"/>
               </a:rPr>
-              <a:t>Click to edit the title text format</a:t>
+              <a:t>Pulse para editar el formato del texto de título</a:t>
             </a:r>
             <a:endParaRPr b="0" lang="es-ES" sz="1800" spc="-1" strike="noStrike">
               <a:solidFill>
@@ -2059,7 +2059,7 @@
         <p:spPr>
           <a:xfrm>
             <a:off x="311760" y="1461600"/>
-            <a:ext cx="8517600" cy="3115440"/>
+            <a:ext cx="8517240" cy="3115080"/>
           </a:xfrm>
           <a:prstGeom prst="rect">
             <a:avLst/>
@@ -2092,7 +2092,7 @@
                 </a:solidFill>
                 <a:latin typeface="Arial"/>
               </a:rPr>
-              <a:t>Click to edit the outline text format</a:t>
+              <a:t>Pulse para editar el formato de texto del esquema</a:t>
             </a:r>
             <a:endParaRPr b="0" lang="es-ES" sz="1800" spc="-1" strike="noStrike">
               <a:solidFill>
@@ -2120,7 +2120,7 @@
                 </a:solidFill>
                 <a:latin typeface="Arial"/>
               </a:rPr>
-              <a:t>Second Outline Level</a:t>
+              <a:t>Segundo nivel del esquema</a:t>
             </a:r>
             <a:endParaRPr b="0" lang="es-ES" sz="1800" spc="-1" strike="noStrike">
               <a:solidFill>
@@ -2148,7 +2148,7 @@
                 </a:solidFill>
                 <a:latin typeface="Arial"/>
               </a:rPr>
-              <a:t>Third Outline Level</a:t>
+              <a:t>Tercer nivel del esquema</a:t>
             </a:r>
             <a:endParaRPr b="0" lang="es-ES" sz="1800" spc="-1" strike="noStrike">
               <a:solidFill>
@@ -2176,7 +2176,7 @@
                 </a:solidFill>
                 <a:latin typeface="Arial"/>
               </a:rPr>
-              <a:t>Fourth Outline Level</a:t>
+              <a:t>Cuarto nivel del esquema</a:t>
             </a:r>
             <a:endParaRPr b="0" lang="es-ES" sz="1800" spc="-1" strike="noStrike">
               <a:solidFill>
@@ -2204,7 +2204,7 @@
                 </a:solidFill>
                 <a:latin typeface="Arial"/>
               </a:rPr>
-              <a:t>Fifth Outline Level</a:t>
+              <a:t>Quinto nivel del esquema</a:t>
             </a:r>
             <a:endParaRPr b="0" lang="es-ES" sz="1800" spc="-1" strike="noStrike">
               <a:solidFill>
@@ -2232,7 +2232,7 @@
                 </a:solidFill>
                 <a:latin typeface="Arial"/>
               </a:rPr>
-              <a:t>Sixth Outline Level</a:t>
+              <a:t>Sexto nivel del esquema</a:t>
             </a:r>
             <a:endParaRPr b="0" lang="es-ES" sz="1800" spc="-1" strike="noStrike">
               <a:solidFill>
@@ -2260,7 +2260,7 @@
                 </a:solidFill>
                 <a:latin typeface="Arial"/>
               </a:rPr>
-              <a:t>Seventh Outline Level</a:t>
+              <a:t>Séptimo nivel del esquema</a:t>
             </a:r>
             <a:endParaRPr b="0" lang="es-ES" sz="1800" spc="-1" strike="noStrike">
               <a:solidFill>
@@ -2284,7 +2284,7 @@
         <p:spPr>
           <a:xfrm>
             <a:off x="8472600" y="4663080"/>
-            <a:ext cx="545760" cy="390600"/>
+            <a:ext cx="545400" cy="390240"/>
           </a:xfrm>
           <a:prstGeom prst="rect">
             <a:avLst/>
@@ -2326,7 +2326,7 @@
                 <a:tab algn="l" pos="0"/>
               </a:tabLst>
             </a:pPr>
-            <a:fld id="{8DB59F3A-6B7F-4FE7-A497-F202E3B17BC6}" type="slidenum">
+            <a:fld id="{A1853AE4-515E-4CD5-93BE-D74A9B0BC77B}" type="slidenum">
               <a:rPr b="0" lang="en-GB" sz="1000" spc="-1" strike="noStrike">
                 <a:solidFill>
                   <a:schemeClr val="dk2"/>
@@ -2334,7 +2334,7 @@
                 <a:latin typeface="Arial"/>
                 <a:ea typeface="Arial"/>
               </a:rPr>
-              <a:t>&lt;number&gt;</a:t>
+              <a:t>&lt;número&gt;</a:t>
             </a:fld>
             <a:endParaRPr b="0" lang="es-ES" sz="1000" spc="-1" strike="noStrike">
               <a:solidFill>
@@ -2392,7 +2392,7 @@
         <p:spPr>
           <a:xfrm>
             <a:off x="311760" y="764280"/>
-            <a:ext cx="8517600" cy="624960"/>
+            <a:ext cx="8517240" cy="624960"/>
           </a:xfrm>
           <a:prstGeom prst="rect">
             <a:avLst/>
@@ -2417,7 +2417,7 @@
                 </a:solidFill>
                 <a:latin typeface="Arial"/>
               </a:rPr>
-              <a:t>Click to edit the title text format</a:t>
+              <a:t>Pulse para editar el formato del texto de título</a:t>
             </a:r>
             <a:endParaRPr b="0" lang="es-ES" sz="1800" spc="-1" strike="noStrike">
               <a:solidFill>
@@ -2441,7 +2441,7 @@
         <p:spPr>
           <a:xfrm>
             <a:off x="311760" y="1461600"/>
-            <a:ext cx="8517600" cy="3115440"/>
+            <a:ext cx="8517240" cy="3115080"/>
           </a:xfrm>
           <a:prstGeom prst="rect">
             <a:avLst/>
@@ -2474,7 +2474,7 @@
                 </a:solidFill>
                 <a:latin typeface="Arial"/>
               </a:rPr>
-              <a:t>Click to edit the outline text format</a:t>
+              <a:t>Pulse para editar el formato de texto del esquema</a:t>
             </a:r>
             <a:endParaRPr b="0" lang="es-ES" sz="1800" spc="-1" strike="noStrike">
               <a:solidFill>
@@ -2502,7 +2502,7 @@
                 </a:solidFill>
                 <a:latin typeface="Arial"/>
               </a:rPr>
-              <a:t>Second Outline Level</a:t>
+              <a:t>Segundo nivel del esquema</a:t>
             </a:r>
             <a:endParaRPr b="0" lang="es-ES" sz="1800" spc="-1" strike="noStrike">
               <a:solidFill>
@@ -2530,7 +2530,7 @@
                 </a:solidFill>
                 <a:latin typeface="Arial"/>
               </a:rPr>
-              <a:t>Third Outline Level</a:t>
+              <a:t>Tercer nivel del esquema</a:t>
             </a:r>
             <a:endParaRPr b="0" lang="es-ES" sz="1800" spc="-1" strike="noStrike">
               <a:solidFill>
@@ -2558,7 +2558,7 @@
                 </a:solidFill>
                 <a:latin typeface="Arial"/>
               </a:rPr>
-              <a:t>Fourth Outline Level</a:t>
+              <a:t>Cuarto nivel del esquema</a:t>
             </a:r>
             <a:endParaRPr b="0" lang="es-ES" sz="1800" spc="-1" strike="noStrike">
               <a:solidFill>
@@ -2586,7 +2586,7 @@
                 </a:solidFill>
                 <a:latin typeface="Arial"/>
               </a:rPr>
-              <a:t>Fifth Outline Level</a:t>
+              <a:t>Quinto nivel del esquema</a:t>
             </a:r>
             <a:endParaRPr b="0" lang="es-ES" sz="1800" spc="-1" strike="noStrike">
               <a:solidFill>
@@ -2614,7 +2614,7 @@
                 </a:solidFill>
                 <a:latin typeface="Arial"/>
               </a:rPr>
-              <a:t>Sixth Outline Level</a:t>
+              <a:t>Sexto nivel del esquema</a:t>
             </a:r>
             <a:endParaRPr b="0" lang="es-ES" sz="1800" spc="-1" strike="noStrike">
               <a:solidFill>
@@ -2642,7 +2642,7 @@
                 </a:solidFill>
                 <a:latin typeface="Arial"/>
               </a:rPr>
-              <a:t>Seventh Outline Level</a:t>
+              <a:t>Séptimo nivel del esquema</a:t>
             </a:r>
             <a:endParaRPr b="0" lang="es-ES" sz="1800" spc="-1" strike="noStrike">
               <a:solidFill>
@@ -2666,7 +2666,7 @@
         <p:spPr>
           <a:xfrm>
             <a:off x="8472600" y="4663080"/>
-            <a:ext cx="545760" cy="390600"/>
+            <a:ext cx="545400" cy="390240"/>
           </a:xfrm>
           <a:prstGeom prst="rect">
             <a:avLst/>
@@ -2708,7 +2708,7 @@
                 <a:tab algn="l" pos="0"/>
               </a:tabLst>
             </a:pPr>
-            <a:fld id="{2ED6128D-2862-426E-8687-171DF1D8AE2A}" type="slidenum">
+            <a:fld id="{FC426FE1-57AB-47CD-A999-CD17542E1213}" type="slidenum">
               <a:rPr b="0" lang="en-GB" sz="1000" spc="-1" strike="noStrike">
                 <a:solidFill>
                   <a:schemeClr val="dk2"/>
@@ -2716,7 +2716,7 @@
                 <a:latin typeface="Arial"/>
                 <a:ea typeface="Arial"/>
               </a:rPr>
-              <a:t>&lt;number&gt;</a:t>
+              <a:t>&lt;número&gt;</a:t>
             </a:fld>
             <a:endParaRPr b="0" lang="es-ES" sz="1000" spc="-1" strike="noStrike">
               <a:solidFill>
@@ -2774,7 +2774,7 @@
         <p:spPr>
           <a:xfrm>
             <a:off x="311760" y="764280"/>
-            <a:ext cx="8517600" cy="624960"/>
+            <a:ext cx="8517240" cy="624960"/>
           </a:xfrm>
           <a:prstGeom prst="rect">
             <a:avLst/>
@@ -2799,7 +2799,7 @@
                 </a:solidFill>
                 <a:latin typeface="Arial"/>
               </a:rPr>
-              <a:t>Click to edit the title text format</a:t>
+              <a:t>Pulse para editar el formato del texto de título</a:t>
             </a:r>
             <a:endParaRPr b="0" lang="es-ES" sz="1800" spc="-1" strike="noStrike">
               <a:solidFill>
@@ -2823,7 +2823,7 @@
         <p:spPr>
           <a:xfrm>
             <a:off x="311760" y="1461600"/>
-            <a:ext cx="8517600" cy="3115440"/>
+            <a:ext cx="8517240" cy="3115080"/>
           </a:xfrm>
           <a:prstGeom prst="rect">
             <a:avLst/>
@@ -2856,7 +2856,43 @@
                 </a:solidFill>
                 <a:latin typeface="Arial"/>
               </a:rPr>
-              <a:t>Click to edit the outline text format</a:t>
+              <a:t>Pulse para </a:t>
+            </a:r>
+            <a:r>
+              <a:rPr b="0" lang="es-ES" sz="1800" spc="-1" strike="noStrike">
+                <a:solidFill>
+                  <a:srgbClr val="ffffff"/>
+                </a:solidFill>
+                <a:latin typeface="Arial"/>
+              </a:rPr>
+              <a:t>editar el </a:t>
+            </a:r>
+            <a:r>
+              <a:rPr b="0" lang="es-ES" sz="1800" spc="-1" strike="noStrike">
+                <a:solidFill>
+                  <a:srgbClr val="ffffff"/>
+                </a:solidFill>
+                <a:latin typeface="Arial"/>
+              </a:rPr>
+              <a:t>formato de </a:t>
+            </a:r>
+            <a:r>
+              <a:rPr b="0" lang="es-ES" sz="1800" spc="-1" strike="noStrike">
+                <a:solidFill>
+                  <a:srgbClr val="ffffff"/>
+                </a:solidFill>
+                <a:latin typeface="Arial"/>
+              </a:rPr>
+              <a:t>texto del </a:t>
+            </a:r>
+            <a:r>
+              <a:rPr b="0" lang="es-ES" sz="1800" spc="-1" strike="noStrike">
+                <a:solidFill>
+                  <a:srgbClr val="ffffff"/>
+                </a:solidFill>
+                <a:latin typeface="Arial"/>
+              </a:rPr>
+              <a:t>esquema</a:t>
             </a:r>
             <a:endParaRPr b="0" lang="es-ES" sz="1800" spc="-1" strike="noStrike">
               <a:solidFill>
@@ -2884,7 +2920,34 @@
                 </a:solidFill>
                 <a:latin typeface="Arial"/>
               </a:rPr>
-              <a:t>Second Outline Level</a:t>
+              <a:t>Segundo </a:t>
+            </a:r>
+            <a:r>
+              <a:rPr b="0" lang="es-ES" sz="1800" spc="-1" strike="noStrike">
+                <a:solidFill>
+                  <a:srgbClr val="ffffff"/>
+                </a:solidFill>
+                <a:latin typeface="Arial"/>
+              </a:rPr>
+              <a:t>nivel del </a:t>
+            </a:r>
+            <a:r>
+              <a:rPr b="0" lang="es-ES" sz="1800" spc="-1" strike="noStrike">
+                <a:solidFill>
+                  <a:srgbClr val="ffffff"/>
+                </a:solidFill>
+                <a:latin typeface="Arial"/>
+              </a:rPr>
+              <a:t>esquem</a:t>
+            </a:r>
+            <a:r>
+              <a:rPr b="0" lang="es-ES" sz="1800" spc="-1" strike="noStrike">
+                <a:solidFill>
+                  <a:srgbClr val="ffffff"/>
+                </a:solidFill>
+                <a:latin typeface="Arial"/>
+              </a:rPr>
+              <a:t>a</a:t>
             </a:r>
             <a:endParaRPr b="0" lang="es-ES" sz="1800" spc="-1" strike="noStrike">
               <a:solidFill>
@@ -2912,7 +2975,52 @@
                 </a:solidFill>
                 <a:latin typeface="Arial"/>
               </a:rPr>
-              <a:t>Third Outline Level</a:t>
+              <a:t>Terc</a:t>
+            </a:r>
+            <a:r>
+              <a:rPr b="0" lang="es-ES" sz="1800" spc="-1" strike="noStrike">
+                <a:solidFill>
+                  <a:srgbClr val="ffffff"/>
+                </a:solidFill>
+                <a:latin typeface="Arial"/>
+              </a:rPr>
+              <a:t>er </a:t>
+            </a:r>
+            <a:r>
+              <a:rPr b="0" lang="es-ES" sz="1800" spc="-1" strike="noStrike">
+                <a:solidFill>
+                  <a:srgbClr val="ffffff"/>
+                </a:solidFill>
+                <a:latin typeface="Arial"/>
+              </a:rPr>
+              <a:t>nivel </a:t>
+            </a:r>
+            <a:r>
+              <a:rPr b="0" lang="es-ES" sz="1800" spc="-1" strike="noStrike">
+                <a:solidFill>
+                  <a:srgbClr val="ffffff"/>
+                </a:solidFill>
+                <a:latin typeface="Arial"/>
+              </a:rPr>
+              <a:t>del </a:t>
+            </a:r>
+            <a:r>
+              <a:rPr b="0" lang="es-ES" sz="1800" spc="-1" strike="noStrike">
+                <a:solidFill>
+                  <a:srgbClr val="ffffff"/>
+                </a:solidFill>
+                <a:latin typeface="Arial"/>
+              </a:rPr>
+              <a:t>esqu</a:t>
+            </a:r>
+            <a:r>
+              <a:rPr b="0" lang="es-ES" sz="1800" spc="-1" strike="noStrike">
+                <a:solidFill>
+                  <a:srgbClr val="ffffff"/>
+                </a:solidFill>
+                <a:latin typeface="Arial"/>
+              </a:rPr>
+              <a:t>ema</a:t>
             </a:r>
             <a:endParaRPr b="0" lang="es-ES" sz="1800" spc="-1" strike="noStrike">
               <a:solidFill>
@@ -2940,7 +3048,196 @@
                 </a:solidFill>
                 <a:latin typeface="Arial"/>
               </a:rPr>
-              <a:t>Fourth Outline Level</a:t>
+              <a:t>C</a:t>
+            </a:r>
+            <a:r>
+              <a:rPr b="0" lang="es-ES" sz="1800" spc="-1" strike="noStrike">
+                <a:solidFill>
+                  <a:srgbClr val="ffffff"/>
+                </a:solidFill>
+                <a:latin typeface="Arial"/>
+              </a:rPr>
+              <a:t>u</a:t>
+            </a:r>
+            <a:r>
+              <a:rPr b="0" lang="es-ES" sz="1800" spc="-1" strike="noStrike">
+                <a:solidFill>
+                  <a:srgbClr val="ffffff"/>
+                </a:solidFill>
+                <a:latin typeface="Arial"/>
+              </a:rPr>
+              <a:t>a</a:t>
+            </a:r>
+            <a:r>
+              <a:rPr b="0" lang="es-ES" sz="1800" spc="-1" strike="noStrike">
+                <a:solidFill>
+                  <a:srgbClr val="ffffff"/>
+                </a:solidFill>
+                <a:latin typeface="Arial"/>
+              </a:rPr>
+              <a:t>r</a:t>
+            </a:r>
+            <a:r>
+              <a:rPr b="0" lang="es-ES" sz="1800" spc="-1" strike="noStrike">
+                <a:solidFill>
+                  <a:srgbClr val="ffffff"/>
+                </a:solidFill>
+                <a:latin typeface="Arial"/>
+              </a:rPr>
+              <a:t>t</a:t>
+            </a:r>
+            <a:r>
+              <a:rPr b="0" lang="es-ES" sz="1800" spc="-1" strike="noStrike">
+                <a:solidFill>
+                  <a:srgbClr val="ffffff"/>
+                </a:solidFill>
+                <a:latin typeface="Arial"/>
+              </a:rPr>
+              <a:t>o</a:t>
+            </a:r>
+            <a:r>
+              <a:rPr b="0" lang="es-ES" sz="1800" spc="-1" strike="noStrike">
+                <a:solidFill>
+                  <a:srgbClr val="ffffff"/>
+                </a:solidFill>
+                <a:latin typeface="Arial"/>
+              </a:rPr>
+              <a:t> </a:t>
+            </a:r>
+            <a:r>
+              <a:rPr b="0" lang="es-ES" sz="1800" spc="-1" strike="noStrike">
+                <a:solidFill>
+                  <a:srgbClr val="ffffff"/>
+                </a:solidFill>
+                <a:latin typeface="Arial"/>
+              </a:rPr>
+              <a:t>n</a:t>
+            </a:r>
+            <a:r>
+              <a:rPr b="0" lang="es-ES" sz="1800" spc="-1" strike="noStrike">
+                <a:solidFill>
+                  <a:srgbClr val="ffffff"/>
+                </a:solidFill>
+                <a:latin typeface="Arial"/>
+              </a:rPr>
+              <a:t>i</a:t>
+            </a:r>
+            <a:r>
+              <a:rPr b="0" lang="es-ES" sz="1800" spc="-1" strike="noStrike">
+                <a:solidFill>
+                  <a:srgbClr val="ffffff"/>
+                </a:solidFill>
+                <a:latin typeface="Arial"/>
+              </a:rPr>
+              <a:t>v</a:t>
+            </a:r>
+            <a:r>
+              <a:rPr b="0" lang="es-ES" sz="1800" spc="-1" strike="noStrike">
+                <a:solidFill>
+                  <a:srgbClr val="ffffff"/>
+                </a:solidFill>
+                <a:latin typeface="Arial"/>
+              </a:rPr>
+              <a:t>e</a:t>
+            </a:r>
+            <a:r>
+              <a:rPr b="0" lang="es-ES" sz="1800" spc="-1" strike="noStrike">
+                <a:solidFill>
+                  <a:srgbClr val="ffffff"/>
+                </a:solidFill>
+                <a:latin typeface="Arial"/>
+              </a:rPr>
+              <a:t>l </a:t>
+            </a:r>
+            <a:r>
+              <a:rPr b="0" lang="es-ES" sz="1800" spc="-1" strike="noStrike">
+                <a:solidFill>
+                  <a:srgbClr val="ffffff"/>
+                </a:solidFill>
+                <a:latin typeface="Arial"/>
+              </a:rPr>
+              <a:t>d</a:t>
+            </a:r>
+            <a:r>
+              <a:rPr b="0" lang="es-ES" sz="1800" spc="-1" strike="noStrike">
+                <a:solidFill>
+                  <a:srgbClr val="ffffff"/>
+                </a:solidFill>
+                <a:latin typeface="Arial"/>
+              </a:rPr>
+              <a:t>e</a:t>
+            </a:r>
+            <a:r>
+              <a:rPr b="0" lang="es-ES" sz="1800" spc="-1" strike="noStrike">
+                <a:solidFill>
+                  <a:srgbClr val="ffffff"/>
+                </a:solidFill>
+                <a:latin typeface="Arial"/>
+              </a:rPr>
+              <a:t>l </a:t>
+            </a:r>
+            <a:r>
+              <a:rPr b="0" lang="es-ES" sz="1800" spc="-1" strike="noStrike">
+                <a:solidFill>
+                  <a:srgbClr val="ffffff"/>
+                </a:solidFill>
+                <a:latin typeface="Arial"/>
+              </a:rPr>
+              <a:t>e</a:t>
+            </a:r>
+            <a:r>
+              <a:rPr b="0" lang="es-ES" sz="1800" spc="-1" strike="noStrike">
+                <a:solidFill>
+                  <a:srgbClr val="ffffff"/>
+                </a:solidFill>
+                <a:latin typeface="Arial"/>
+              </a:rPr>
+              <a:t>s</a:t>
+            </a:r>
+            <a:r>
+              <a:rPr b="0" lang="es-ES" sz="1800" spc="-1" strike="noStrike">
+                <a:solidFill>
+                  <a:srgbClr val="ffffff"/>
+                </a:solidFill>
+                <a:latin typeface="Arial"/>
+              </a:rPr>
+              <a:t>q</a:t>
+            </a:r>
+            <a:r>
+              <a:rPr b="0" lang="es-ES" sz="1800" spc="-1" strike="noStrike">
+                <a:solidFill>
+                  <a:srgbClr val="ffffff"/>
+                </a:solidFill>
+                <a:latin typeface="Arial"/>
+              </a:rPr>
+              <a:t>u</a:t>
+            </a:r>
+            <a:r>
+              <a:rPr b="0" lang="es-ES" sz="1800" spc="-1" strike="noStrike">
+                <a:solidFill>
+                  <a:srgbClr val="ffffff"/>
+                </a:solidFill>
+                <a:latin typeface="Arial"/>
+              </a:rPr>
+              <a:t>e</a:t>
+            </a:r>
+            <a:r>
+              <a:rPr b="0" lang="es-ES" sz="1800" spc="-1" strike="noStrike">
+                <a:solidFill>
+                  <a:srgbClr val="ffffff"/>
+                </a:solidFill>
+                <a:latin typeface="Arial"/>
+              </a:rPr>
+              <a:t>m</a:t>
+            </a:r>
+            <a:r>
+              <a:rPr b="0" lang="es-ES" sz="1800" spc="-1" strike="noStrike">
+                <a:solidFill>
+                  <a:srgbClr val="ffffff"/>
+                </a:solidFill>
+                <a:latin typeface="Arial"/>
+              </a:rPr>
+              <a:t>a</a:t>
             </a:r>
             <a:endParaRPr b="0" lang="es-ES" sz="1800" spc="-1" strike="noStrike">
               <a:solidFill>
@@ -2968,7 +3265,214 @@
                 </a:solidFill>
                 <a:latin typeface="Arial"/>
               </a:rPr>
-              <a:t>Fifth Outline Level</a:t>
+              <a:t>Q</a:t>
+            </a:r>
+            <a:r>
+              <a:rPr b="0" lang="es-ES" sz="1800" spc="-1" strike="noStrike">
+                <a:solidFill>
+                  <a:srgbClr val="ffffff"/>
+                </a:solidFill>
+                <a:latin typeface="Arial"/>
+              </a:rPr>
+              <a:t>u</a:t>
+            </a:r>
+            <a:r>
+              <a:rPr b="0" lang="es-ES" sz="1800" spc="-1" strike="noStrike">
+                <a:solidFill>
+                  <a:srgbClr val="ffffff"/>
+                </a:solidFill>
+                <a:latin typeface="Arial"/>
+              </a:rPr>
+              <a:t>i</a:t>
+            </a:r>
+            <a:r>
+              <a:rPr b="0" lang="es-ES" sz="1800" spc="-1" strike="noStrike">
+                <a:solidFill>
+                  <a:srgbClr val="ffffff"/>
+                </a:solidFill>
+                <a:latin typeface="Arial"/>
+              </a:rPr>
+              <a:t>n</a:t>
+            </a:r>
+            <a:r>
+              <a:rPr b="0" lang="es-ES" sz="1800" spc="-1" strike="noStrike">
+                <a:solidFill>
+                  <a:srgbClr val="ffffff"/>
+                </a:solidFill>
+                <a:latin typeface="Arial"/>
+              </a:rPr>
+              <a:t>t</a:t>
+            </a:r>
+            <a:r>
+              <a:rPr b="0" lang="es-ES" sz="1800" spc="-1" strike="noStrike">
+                <a:solidFill>
+                  <a:srgbClr val="ffffff"/>
+                </a:solidFill>
+                <a:latin typeface="Arial"/>
+              </a:rPr>
+              <a:t>o</a:t>
+            </a:r>
+            <a:r>
+              <a:rPr b="0" lang="es-ES" sz="1800" spc="-1" strike="noStrike">
+                <a:solidFill>
+                  <a:srgbClr val="ffffff"/>
+                </a:solidFill>
+                <a:latin typeface="Arial"/>
+              </a:rPr>
+              <a:t> </a:t>
+            </a:r>
+            <a:r>
+              <a:rPr b="0" lang="es-ES" sz="1800" spc="-1" strike="noStrike">
+                <a:solidFill>
+                  <a:srgbClr val="ffffff"/>
+                </a:solidFill>
+                <a:latin typeface="Arial"/>
+              </a:rPr>
+              <a:t>n</a:t>
+            </a:r>
+            <a:r>
+              <a:rPr b="0" lang="es-ES" sz="1800" spc="-1" strike="noStrike">
+                <a:solidFill>
+                  <a:srgbClr val="ffffff"/>
+                </a:solidFill>
+                <a:latin typeface="Arial"/>
+              </a:rPr>
+              <a:t>i</a:t>
+            </a:r>
+            <a:r>
+              <a:rPr b="0" lang="es-ES" sz="1800" spc="-1" strike="noStrike">
+                <a:solidFill>
+                  <a:srgbClr val="ffffff"/>
+                </a:solidFill>
+                <a:latin typeface="Arial"/>
+              </a:rPr>
+              <a:t>v</a:t>
+            </a:r>
+            <a:r>
+              <a:rPr b="0" lang="es-ES" sz="1800" spc="-1" strike="noStrike">
+                <a:solidFill>
+                  <a:srgbClr val="ffffff"/>
+                </a:solidFill>
+                <a:latin typeface="Arial"/>
+              </a:rPr>
+              <a:t>e</a:t>
+            </a:r>
+            <a:r>
+              <a:rPr b="0" lang="es-ES" sz="1800" spc="-1" strike="noStrike">
+                <a:solidFill>
+                  <a:srgbClr val="ffffff"/>
+                </a:solidFill>
+                <a:latin typeface="Arial"/>
+              </a:rPr>
+              <a:t>l</a:t>
+            </a:r>
+            <a:r>
+              <a:rPr b="0" lang="es-ES" sz="1800" spc="-1" strike="noStrike">
+                <a:solidFill>
+                  <a:srgbClr val="ffffff"/>
+                </a:solidFill>
+                <a:latin typeface="Arial"/>
+              </a:rPr>
+              <a:t> </a:t>
+            </a:r>
+            <a:r>
+              <a:rPr b="0" lang="es-ES" sz="1800" spc="-1" strike="noStrike">
+                <a:solidFill>
+                  <a:srgbClr val="ffffff"/>
+                </a:solidFill>
+                <a:latin typeface="Arial"/>
+              </a:rPr>
+              <a:t>d</a:t>
+            </a:r>
+            <a:r>
+              <a:rPr b="0" lang="es-ES" sz="1800" spc="-1" strike="noStrike">
+                <a:solidFill>
+                  <a:srgbClr val="ffffff"/>
+                </a:solidFill>
+                <a:latin typeface="Arial"/>
+              </a:rPr>
+              <a:t>e</a:t>
+            </a:r>
+            <a:r>
+              <a:rPr b="0" lang="es-ES" sz="1800" spc="-1" strike="noStrike">
+                <a:solidFill>
+                  <a:srgbClr val="ffffff"/>
+                </a:solidFill>
+                <a:latin typeface="Arial"/>
+              </a:rPr>
+              <a:t>l</a:t>
+            </a:r>
+            <a:r>
+              <a:rPr b="0" lang="es-ES" sz="1800" spc="-1" strike="noStrike">
+                <a:solidFill>
+                  <a:srgbClr val="ffffff"/>
+                </a:solidFill>
+                <a:latin typeface="Arial"/>
+              </a:rPr>
+              <a:t> </a:t>
+            </a:r>
+            <a:r>
+              <a:rPr b="0" lang="es-ES" sz="1800" spc="-1" strike="noStrike">
+                <a:solidFill>
+                  <a:srgbClr val="ffffff"/>
+                </a:solidFill>
+                <a:latin typeface="Arial"/>
+              </a:rPr>
+              <a:t>e</a:t>
+            </a:r>
+            <a:r>
+              <a:rPr b="0" lang="es-ES" sz="1800" spc="-1" strike="noStrike">
+                <a:solidFill>
+                  <a:srgbClr val="ffffff"/>
+                </a:solidFill>
+                <a:latin typeface="Arial"/>
+              </a:rPr>
+              <a:t>s</a:t>
+            </a:r>
+            <a:r>
+              <a:rPr b="0" lang="es-ES" sz="1800" spc="-1" strike="noStrike">
+                <a:solidFill>
+                  <a:srgbClr val="ffffff"/>
+                </a:solidFill>
+                <a:latin typeface="Arial"/>
+              </a:rPr>
+              <a:t>q</a:t>
+            </a:r>
+            <a:r>
+              <a:rPr b="0" lang="es-ES" sz="1800" spc="-1" strike="noStrike">
+                <a:solidFill>
+                  <a:srgbClr val="ffffff"/>
+                </a:solidFill>
+                <a:latin typeface="Arial"/>
+              </a:rPr>
+              <a:t>u</a:t>
+            </a:r>
+            <a:r>
+              <a:rPr b="0" lang="es-ES" sz="1800" spc="-1" strike="noStrike">
+                <a:solidFill>
+                  <a:srgbClr val="ffffff"/>
+                </a:solidFill>
+                <a:latin typeface="Arial"/>
+              </a:rPr>
+              <a:t>e</a:t>
+            </a:r>
+            <a:r>
+              <a:rPr b="0" lang="es-ES" sz="1800" spc="-1" strike="noStrike">
+                <a:solidFill>
+                  <a:srgbClr val="ffffff"/>
+                </a:solidFill>
+                <a:latin typeface="Arial"/>
+              </a:rPr>
+              <a:t>m</a:t>
+            </a:r>
+            <a:r>
+              <a:rPr b="0" lang="es-ES" sz="1800" spc="-1" strike="noStrike">
+                <a:solidFill>
+                  <a:srgbClr val="ffffff"/>
+                </a:solidFill>
+                <a:latin typeface="Arial"/>
+              </a:rPr>
+              <a:t>a</a:t>
             </a:r>
             <a:endParaRPr b="0" lang="es-ES" sz="1800" spc="-1" strike="noStrike">
               <a:solidFill>
@@ -2996,7 +3500,205 @@
                 </a:solidFill>
                 <a:latin typeface="Arial"/>
               </a:rPr>
-              <a:t>Sixth Outline Level</a:t>
+              <a:t>S</a:t>
+            </a:r>
+            <a:r>
+              <a:rPr b="0" lang="es-ES" sz="1800" spc="-1" strike="noStrike">
+                <a:solidFill>
+                  <a:srgbClr val="ffffff"/>
+                </a:solidFill>
+                <a:latin typeface="Arial"/>
+              </a:rPr>
+              <a:t>e</a:t>
+            </a:r>
+            <a:r>
+              <a:rPr b="0" lang="es-ES" sz="1800" spc="-1" strike="noStrike">
+                <a:solidFill>
+                  <a:srgbClr val="ffffff"/>
+                </a:solidFill>
+                <a:latin typeface="Arial"/>
+              </a:rPr>
+              <a:t>x</a:t>
+            </a:r>
+            <a:r>
+              <a:rPr b="0" lang="es-ES" sz="1800" spc="-1" strike="noStrike">
+                <a:solidFill>
+                  <a:srgbClr val="ffffff"/>
+                </a:solidFill>
+                <a:latin typeface="Arial"/>
+              </a:rPr>
+              <a:t>t</a:t>
+            </a:r>
+            <a:r>
+              <a:rPr b="0" lang="es-ES" sz="1800" spc="-1" strike="noStrike">
+                <a:solidFill>
+                  <a:srgbClr val="ffffff"/>
+                </a:solidFill>
+                <a:latin typeface="Arial"/>
+              </a:rPr>
+              <a:t>o</a:t>
+            </a:r>
+            <a:r>
+              <a:rPr b="0" lang="es-ES" sz="1800" spc="-1" strike="noStrike">
+                <a:solidFill>
+                  <a:srgbClr val="ffffff"/>
+                </a:solidFill>
+                <a:latin typeface="Arial"/>
+              </a:rPr>
+              <a:t> </a:t>
+            </a:r>
+            <a:r>
+              <a:rPr b="0" lang="es-ES" sz="1800" spc="-1" strike="noStrike">
+                <a:solidFill>
+                  <a:srgbClr val="ffffff"/>
+                </a:solidFill>
+                <a:latin typeface="Arial"/>
+              </a:rPr>
+              <a:t>n</a:t>
+            </a:r>
+            <a:r>
+              <a:rPr b="0" lang="es-ES" sz="1800" spc="-1" strike="noStrike">
+                <a:solidFill>
+                  <a:srgbClr val="ffffff"/>
+                </a:solidFill>
+                <a:latin typeface="Arial"/>
+              </a:rPr>
+              <a:t>i</a:t>
+            </a:r>
+            <a:r>
+              <a:rPr b="0" lang="es-ES" sz="1800" spc="-1" strike="noStrike">
+                <a:solidFill>
+                  <a:srgbClr val="ffffff"/>
+                </a:solidFill>
+                <a:latin typeface="Arial"/>
+              </a:rPr>
+              <a:t>v</a:t>
+            </a:r>
+            <a:r>
+              <a:rPr b="0" lang="es-ES" sz="1800" spc="-1" strike="noStrike">
+                <a:solidFill>
+                  <a:srgbClr val="ffffff"/>
+                </a:solidFill>
+                <a:latin typeface="Arial"/>
+              </a:rPr>
+              <a:t>e</a:t>
+            </a:r>
+            <a:r>
+              <a:rPr b="0" lang="es-ES" sz="1800" spc="-1" strike="noStrike">
+                <a:solidFill>
+                  <a:srgbClr val="ffffff"/>
+                </a:solidFill>
+                <a:latin typeface="Arial"/>
+              </a:rPr>
+              <a:t>l</a:t>
+            </a:r>
+            <a:r>
+              <a:rPr b="0" lang="es-ES" sz="1800" spc="-1" strike="noStrike">
+                <a:solidFill>
+                  <a:srgbClr val="ffffff"/>
+                </a:solidFill>
+                <a:latin typeface="Arial"/>
+              </a:rPr>
+              <a:t> </a:t>
+            </a:r>
+            <a:r>
+              <a:rPr b="0" lang="es-ES" sz="1800" spc="-1" strike="noStrike">
+                <a:solidFill>
+                  <a:srgbClr val="ffffff"/>
+                </a:solidFill>
+                <a:latin typeface="Arial"/>
+              </a:rPr>
+              <a:t>d</a:t>
+            </a:r>
+            <a:r>
+              <a:rPr b="0" lang="es-ES" sz="1800" spc="-1" strike="noStrike">
+                <a:solidFill>
+                  <a:srgbClr val="ffffff"/>
+                </a:solidFill>
+                <a:latin typeface="Arial"/>
+              </a:rPr>
+              <a:t>e</a:t>
+            </a:r>
+            <a:r>
+              <a:rPr b="0" lang="es-ES" sz="1800" spc="-1" strike="noStrike">
+                <a:solidFill>
+                  <a:srgbClr val="ffffff"/>
+                </a:solidFill>
+                <a:latin typeface="Arial"/>
+              </a:rPr>
+              <a:t>l</a:t>
+            </a:r>
+            <a:r>
+              <a:rPr b="0" lang="es-ES" sz="1800" spc="-1" strike="noStrike">
+                <a:solidFill>
+                  <a:srgbClr val="ffffff"/>
+                </a:solidFill>
+                <a:latin typeface="Arial"/>
+              </a:rPr>
+              <a:t> </a:t>
+            </a:r>
+            <a:r>
+              <a:rPr b="0" lang="es-ES" sz="1800" spc="-1" strike="noStrike">
+                <a:solidFill>
+                  <a:srgbClr val="ffffff"/>
+                </a:solidFill>
+                <a:latin typeface="Arial"/>
+              </a:rPr>
+              <a:t>e</a:t>
+            </a:r>
+            <a:r>
+              <a:rPr b="0" lang="es-ES" sz="1800" spc="-1" strike="noStrike">
+                <a:solidFill>
+                  <a:srgbClr val="ffffff"/>
+                </a:solidFill>
+                <a:latin typeface="Arial"/>
+              </a:rPr>
+              <a:t>s</a:t>
+            </a:r>
+            <a:r>
+              <a:rPr b="0" lang="es-ES" sz="1800" spc="-1" strike="noStrike">
+                <a:solidFill>
+                  <a:srgbClr val="ffffff"/>
+                </a:solidFill>
+                <a:latin typeface="Arial"/>
+              </a:rPr>
+              <a:t>q</a:t>
+            </a:r>
+            <a:r>
+              <a:rPr b="0" lang="es-ES" sz="1800" spc="-1" strike="noStrike">
+                <a:solidFill>
+                  <a:srgbClr val="ffffff"/>
+                </a:solidFill>
+                <a:latin typeface="Arial"/>
+              </a:rPr>
+              <a:t>u</a:t>
+            </a:r>
+            <a:r>
+              <a:rPr b="0" lang="es-ES" sz="1800" spc="-1" strike="noStrike">
+                <a:solidFill>
+                  <a:srgbClr val="ffffff"/>
+                </a:solidFill>
+                <a:latin typeface="Arial"/>
+              </a:rPr>
+              <a:t>e</a:t>
+            </a:r>
+            <a:r>
+              <a:rPr b="0" lang="es-ES" sz="1800" spc="-1" strike="noStrike">
+                <a:solidFill>
+                  <a:srgbClr val="ffffff"/>
+                </a:solidFill>
+                <a:latin typeface="Arial"/>
+              </a:rPr>
+              <a:t>m</a:t>
+            </a:r>
+            <a:r>
+              <a:rPr b="0" lang="es-ES" sz="1800" spc="-1" strike="noStrike">
+                <a:solidFill>
+                  <a:srgbClr val="ffffff"/>
+                </a:solidFill>
+                <a:latin typeface="Arial"/>
+              </a:rPr>
+              <a:t>a</a:t>
             </a:r>
             <a:endParaRPr b="0" lang="es-ES" sz="1800" spc="-1" strike="noStrike">
               <a:solidFill>
@@ -3024,7 +3726,223 @@
                 </a:solidFill>
                 <a:latin typeface="Arial"/>
               </a:rPr>
-              <a:t>Seventh Outline Level</a:t>
+              <a:t>S</a:t>
+            </a:r>
+            <a:r>
+              <a:rPr b="0" lang="es-ES" sz="1800" spc="-1" strike="noStrike">
+                <a:solidFill>
+                  <a:srgbClr val="ffffff"/>
+                </a:solidFill>
+                <a:latin typeface="Arial"/>
+              </a:rPr>
+              <a:t>é</a:t>
+            </a:r>
+            <a:r>
+              <a:rPr b="0" lang="es-ES" sz="1800" spc="-1" strike="noStrike">
+                <a:solidFill>
+                  <a:srgbClr val="ffffff"/>
+                </a:solidFill>
+                <a:latin typeface="Arial"/>
+              </a:rPr>
+              <a:t>p</a:t>
+            </a:r>
+            <a:r>
+              <a:rPr b="0" lang="es-ES" sz="1800" spc="-1" strike="noStrike">
+                <a:solidFill>
+                  <a:srgbClr val="ffffff"/>
+                </a:solidFill>
+                <a:latin typeface="Arial"/>
+              </a:rPr>
+              <a:t>t</a:t>
+            </a:r>
+            <a:r>
+              <a:rPr b="0" lang="es-ES" sz="1800" spc="-1" strike="noStrike">
+                <a:solidFill>
+                  <a:srgbClr val="ffffff"/>
+                </a:solidFill>
+                <a:latin typeface="Arial"/>
+              </a:rPr>
+              <a:t>i</a:t>
+            </a:r>
+            <a:r>
+              <a:rPr b="0" lang="es-ES" sz="1800" spc="-1" strike="noStrike">
+                <a:solidFill>
+                  <a:srgbClr val="ffffff"/>
+                </a:solidFill>
+                <a:latin typeface="Arial"/>
+              </a:rPr>
+              <a:t>m</a:t>
+            </a:r>
+            <a:r>
+              <a:rPr b="0" lang="es-ES" sz="1800" spc="-1" strike="noStrike">
+                <a:solidFill>
+                  <a:srgbClr val="ffffff"/>
+                </a:solidFill>
+                <a:latin typeface="Arial"/>
+              </a:rPr>
+              <a:t>o</a:t>
+            </a:r>
+            <a:r>
+              <a:rPr b="0" lang="es-ES" sz="1800" spc="-1" strike="noStrike">
+                <a:solidFill>
+                  <a:srgbClr val="ffffff"/>
+                </a:solidFill>
+                <a:latin typeface="Arial"/>
+              </a:rPr>
+              <a:t> </a:t>
+            </a:r>
+            <a:r>
+              <a:rPr b="0" lang="es-ES" sz="1800" spc="-1" strike="noStrike">
+                <a:solidFill>
+                  <a:srgbClr val="ffffff"/>
+                </a:solidFill>
+                <a:latin typeface="Arial"/>
+              </a:rPr>
+              <a:t>n</a:t>
+            </a:r>
+            <a:r>
+              <a:rPr b="0" lang="es-ES" sz="1800" spc="-1" strike="noStrike">
+                <a:solidFill>
+                  <a:srgbClr val="ffffff"/>
+                </a:solidFill>
+                <a:latin typeface="Arial"/>
+              </a:rPr>
+              <a:t>i</a:t>
+            </a:r>
+            <a:r>
+              <a:rPr b="0" lang="es-ES" sz="1800" spc="-1" strike="noStrike">
+                <a:solidFill>
+                  <a:srgbClr val="ffffff"/>
+                </a:solidFill>
+                <a:latin typeface="Arial"/>
+              </a:rPr>
+              <a:t>v</a:t>
+            </a:r>
+            <a:r>
+              <a:rPr b="0" lang="es-ES" sz="1800" spc="-1" strike="noStrike">
+                <a:solidFill>
+                  <a:srgbClr val="ffffff"/>
+                </a:solidFill>
+                <a:latin typeface="Arial"/>
+              </a:rPr>
+              <a:t>e</a:t>
+            </a:r>
+            <a:r>
+              <a:rPr b="0" lang="es-ES" sz="1800" spc="-1" strike="noStrike">
+                <a:solidFill>
+                  <a:srgbClr val="ffffff"/>
+                </a:solidFill>
+                <a:latin typeface="Arial"/>
+              </a:rPr>
+              <a:t>l</a:t>
+            </a:r>
+            <a:r>
+              <a:rPr b="0" lang="es-ES" sz="1800" spc="-1" strike="noStrike">
+                <a:solidFill>
+                  <a:srgbClr val="ffffff"/>
+                </a:solidFill>
+                <a:latin typeface="Arial"/>
+              </a:rPr>
+              <a:t> </a:t>
+            </a:r>
+            <a:r>
+              <a:rPr b="0" lang="es-ES" sz="1800" spc="-1" strike="noStrike">
+                <a:solidFill>
+                  <a:srgbClr val="ffffff"/>
+                </a:solidFill>
+                <a:latin typeface="Arial"/>
+              </a:rPr>
+              <a:t>d</a:t>
+            </a:r>
+            <a:r>
+              <a:rPr b="0" lang="es-ES" sz="1800" spc="-1" strike="noStrike">
+                <a:solidFill>
+                  <a:srgbClr val="ffffff"/>
+                </a:solidFill>
+                <a:latin typeface="Arial"/>
+              </a:rPr>
+              <a:t>e</a:t>
+            </a:r>
+            <a:r>
+              <a:rPr b="0" lang="es-ES" sz="1800" spc="-1" strike="noStrike">
+                <a:solidFill>
+                  <a:srgbClr val="ffffff"/>
+                </a:solidFill>
+                <a:latin typeface="Arial"/>
+              </a:rPr>
+              <a:t>l</a:t>
+            </a:r>
+            <a:r>
+              <a:rPr b="0" lang="es-ES" sz="1800" spc="-1" strike="noStrike">
+                <a:solidFill>
+                  <a:srgbClr val="ffffff"/>
+                </a:solidFill>
+                <a:latin typeface="Arial"/>
+              </a:rPr>
+              <a:t> </a:t>
+            </a:r>
+            <a:r>
+              <a:rPr b="0" lang="es-ES" sz="1800" spc="-1" strike="noStrike">
+                <a:solidFill>
+                  <a:srgbClr val="ffffff"/>
+                </a:solidFill>
+                <a:latin typeface="Arial"/>
+              </a:rPr>
+              <a:t>e</a:t>
+            </a:r>
+            <a:r>
+              <a:rPr b="0" lang="es-ES" sz="1800" spc="-1" strike="noStrike">
+                <a:solidFill>
+                  <a:srgbClr val="ffffff"/>
+                </a:solidFill>
+                <a:latin typeface="Arial"/>
+              </a:rPr>
+              <a:t>s</a:t>
+            </a:r>
+            <a:r>
+              <a:rPr b="0" lang="es-ES" sz="1800" spc="-1" strike="noStrike">
+                <a:solidFill>
+                  <a:srgbClr val="ffffff"/>
+                </a:solidFill>
+                <a:latin typeface="Arial"/>
+              </a:rPr>
+              <a:t>q</a:t>
+            </a:r>
+            <a:r>
+              <a:rPr b="0" lang="es-ES" sz="1800" spc="-1" strike="noStrike">
+                <a:solidFill>
+                  <a:srgbClr val="ffffff"/>
+                </a:solidFill>
+                <a:latin typeface="Arial"/>
+              </a:rPr>
+              <a:t>u</a:t>
+            </a:r>
+            <a:r>
+              <a:rPr b="0" lang="es-ES" sz="1800" spc="-1" strike="noStrike">
+                <a:solidFill>
+                  <a:srgbClr val="ffffff"/>
+                </a:solidFill>
+                <a:latin typeface="Arial"/>
+              </a:rPr>
+              <a:t>e</a:t>
+            </a:r>
+            <a:r>
+              <a:rPr b="0" lang="es-ES" sz="1800" spc="-1" strike="noStrike">
+                <a:solidFill>
+                  <a:srgbClr val="ffffff"/>
+                </a:solidFill>
+                <a:latin typeface="Arial"/>
+              </a:rPr>
+              <a:t>m</a:t>
+            </a:r>
+            <a:r>
+              <a:rPr b="0" lang="es-ES" sz="1800" spc="-1" strike="noStrike">
+                <a:solidFill>
+                  <a:srgbClr val="ffffff"/>
+                </a:solidFill>
+                <a:latin typeface="Arial"/>
+              </a:rPr>
+              <a:t>a</a:t>
             </a:r>
             <a:endParaRPr b="0" lang="es-ES" sz="1800" spc="-1" strike="noStrike">
               <a:solidFill>
@@ -3048,7 +3966,7 @@
         <p:spPr>
           <a:xfrm>
             <a:off x="8472600" y="4663080"/>
-            <a:ext cx="545760" cy="390600"/>
+            <a:ext cx="545400" cy="390240"/>
           </a:xfrm>
           <a:prstGeom prst="rect">
             <a:avLst/>
@@ -3090,7 +4008,7 @@
                 <a:tab algn="l" pos="0"/>
               </a:tabLst>
             </a:pPr>
-            <a:fld id="{62694483-801D-4EAF-B877-E57D267030D4}" type="slidenum">
+            <a:fld id="{CA855BE6-02DE-4E6D-996B-1E6F2D09C588}" type="slidenum">
               <a:rPr b="0" lang="en-GB" sz="1000" spc="-1" strike="noStrike">
                 <a:solidFill>
                   <a:schemeClr val="dk2"/>
@@ -3098,7 +4016,7 @@
                 <a:latin typeface="Arial"/>
                 <a:ea typeface="Arial"/>
               </a:rPr>
-              <a:t>&lt;number&gt;</a:t>
+              <a:t>&lt;número&gt;</a:t>
             </a:fld>
             <a:endParaRPr b="0" lang="es-ES" sz="1000" spc="-1" strike="noStrike">
               <a:solidFill>
@@ -3156,7 +4074,7 @@
         <p:spPr>
           <a:xfrm>
             <a:off x="311760" y="764280"/>
-            <a:ext cx="8517600" cy="624960"/>
+            <a:ext cx="8517240" cy="624960"/>
           </a:xfrm>
           <a:prstGeom prst="rect">
             <a:avLst/>
@@ -3181,7 +4099,7 @@
                 </a:solidFill>
                 <a:latin typeface="Arial"/>
               </a:rPr>
-              <a:t>Click to edit the title text format</a:t>
+              <a:t>Pulse para editar el formato del texto de título</a:t>
             </a:r>
             <a:endParaRPr b="0" lang="es-ES" sz="1800" spc="-1" strike="noStrike">
               <a:solidFill>
@@ -3205,7 +4123,7 @@
         <p:spPr>
           <a:xfrm>
             <a:off x="8472600" y="4663080"/>
-            <a:ext cx="545760" cy="390600"/>
+            <a:ext cx="545400" cy="390240"/>
           </a:xfrm>
           <a:prstGeom prst="rect">
             <a:avLst/>
@@ -3247,7 +4165,7 @@
                 <a:tab algn="l" pos="0"/>
               </a:tabLst>
             </a:pPr>
-            <a:fld id="{B90311FE-47E2-4FA9-8058-EE6973181B6F}" type="slidenum">
+            <a:fld id="{308A8E58-E6DC-4BBC-804D-EACA3FBAEC9B}" type="slidenum">
               <a:rPr b="0" lang="en-GB" sz="1000" spc="-1" strike="noStrike">
                 <a:solidFill>
                   <a:schemeClr val="dk2"/>
@@ -3255,7 +4173,7 @@
                 <a:latin typeface="Arial"/>
                 <a:ea typeface="Arial"/>
               </a:rPr>
-              <a:t>&lt;number&gt;</a:t>
+              <a:t>&lt;número&gt;</a:t>
             </a:fld>
             <a:endParaRPr b="0" lang="es-ES" sz="1000" spc="-1" strike="noStrike">
               <a:solidFill>
@@ -3291,7 +4209,7 @@
         </p:spPr>
         <p:txBody>
           <a:bodyPr lIns="0" rIns="0" tIns="0" bIns="0" anchor="t">
-            <a:normAutofit/>
+            <a:normAutofit fontScale="92490"/>
           </a:bodyPr>
           <a:p>
             <a:pPr marL="432000" indent="-324000">
@@ -3312,7 +4230,16 @@
                 </a:solidFill>
                 <a:latin typeface="Arial"/>
               </a:rPr>
-              <a:t>Click to edit the outline text format</a:t>
+              <a:t>Pulse para editar el formato de texto del </a:t>
+            </a:r>
+            <a:r>
+              <a:rPr b="0" lang="es-ES" sz="3200" spc="-1" strike="noStrike">
+                <a:solidFill>
+                  <a:srgbClr val="ffffff"/>
+                </a:solidFill>
+                <a:latin typeface="Arial"/>
+              </a:rPr>
+              <a:t>esquema</a:t>
             </a:r>
             <a:endParaRPr b="0" lang="es-ES" sz="3200" spc="-1" strike="noStrike">
               <a:solidFill>
@@ -3340,7 +4267,7 @@
                 </a:solidFill>
                 <a:latin typeface="Arial"/>
               </a:rPr>
-              <a:t>Second Outline Level</a:t>
+              <a:t>Segundo nivel del esquema</a:t>
             </a:r>
             <a:endParaRPr b="0" lang="es-ES" sz="2800" spc="-1" strike="noStrike">
               <a:solidFill>
@@ -3368,7 +4295,7 @@
                 </a:solidFill>
                 <a:latin typeface="Arial"/>
               </a:rPr>
-              <a:t>Third Outline Level</a:t>
+              <a:t>Tercer nivel del esquema</a:t>
             </a:r>
             <a:endParaRPr b="0" lang="es-ES" sz="2400" spc="-1" strike="noStrike">
               <a:solidFill>
@@ -3396,7 +4323,7 @@
                 </a:solidFill>
                 <a:latin typeface="Arial"/>
               </a:rPr>
-              <a:t>Fourth Outline Level</a:t>
+              <a:t>Cuarto nivel del esquema</a:t>
             </a:r>
             <a:endParaRPr b="0" lang="es-ES" sz="2000" spc="-1" strike="noStrike">
               <a:solidFill>
@@ -3424,7 +4351,7 @@
                 </a:solidFill>
                 <a:latin typeface="Arial"/>
               </a:rPr>
-              <a:t>Fifth Outline Level</a:t>
+              <a:t>Quinto nivel del esquema</a:t>
             </a:r>
             <a:endParaRPr b="0" lang="es-ES" sz="2000" spc="-1" strike="noStrike">
               <a:solidFill>
@@ -3452,7 +4379,7 @@
                 </a:solidFill>
                 <a:latin typeface="Arial"/>
               </a:rPr>
-              <a:t>Sixth Outline Level</a:t>
+              <a:t>Sexto nivel del esquema</a:t>
             </a:r>
             <a:endParaRPr b="0" lang="es-ES" sz="2000" spc="-1" strike="noStrike">
               <a:solidFill>
@@ -3480,7 +4407,7 @@
                 </a:solidFill>
                 <a:latin typeface="Arial"/>
               </a:rPr>
-              <a:t>Seventh Outline Level</a:t>
+              <a:t>Séptimo nivel del esquema</a:t>
             </a:r>
             <a:endParaRPr b="0" lang="es-ES" sz="2000" spc="-1" strike="noStrike">
               <a:solidFill>
@@ -3538,7 +4465,7 @@
         <p:spPr>
           <a:xfrm>
             <a:off x="311760" y="764280"/>
-            <a:ext cx="8517600" cy="624960"/>
+            <a:ext cx="8517240" cy="624960"/>
           </a:xfrm>
           <a:prstGeom prst="rect">
             <a:avLst/>
@@ -3563,7 +4490,7 @@
                 </a:solidFill>
                 <a:latin typeface="Arial"/>
               </a:rPr>
-              <a:t>Click to edit the title text format</a:t>
+              <a:t>Pulse para editar el formato del texto de título</a:t>
             </a:r>
             <a:endParaRPr b="0" lang="es-ES" sz="1800" spc="-1" strike="noStrike">
               <a:solidFill>
@@ -3587,7 +4514,7 @@
         <p:spPr>
           <a:xfrm>
             <a:off x="311760" y="1461600"/>
-            <a:ext cx="8517600" cy="3115440"/>
+            <a:ext cx="8517240" cy="3115080"/>
           </a:xfrm>
           <a:prstGeom prst="rect">
             <a:avLst/>
@@ -3620,7 +4547,7 @@
                 </a:solidFill>
                 <a:latin typeface="Arial"/>
               </a:rPr>
-              <a:t>Click to edit the outline text format</a:t>
+              <a:t>Pulse para editar el formato de texto del esquema</a:t>
             </a:r>
             <a:endParaRPr b="0" lang="es-ES" sz="1800" spc="-1" strike="noStrike">
               <a:solidFill>
@@ -3648,7 +4575,7 @@
                 </a:solidFill>
                 <a:latin typeface="Arial"/>
               </a:rPr>
-              <a:t>Second Outline Level</a:t>
+              <a:t>Segundo nivel del esquema</a:t>
             </a:r>
             <a:endParaRPr b="0" lang="es-ES" sz="1800" spc="-1" strike="noStrike">
               <a:solidFill>
@@ -3676,7 +4603,7 @@
                 </a:solidFill>
                 <a:latin typeface="Arial"/>
               </a:rPr>
-              <a:t>Third Outline Level</a:t>
+              <a:t>Tercer nivel del esquema</a:t>
             </a:r>
             <a:endParaRPr b="0" lang="es-ES" sz="1800" spc="-1" strike="noStrike">
               <a:solidFill>
@@ -3704,7 +4631,7 @@
                 </a:solidFill>
                 <a:latin typeface="Arial"/>
               </a:rPr>
-              <a:t>Fourth Outline Level</a:t>
+              <a:t>Cuarto nivel del esquema</a:t>
             </a:r>
             <a:endParaRPr b="0" lang="es-ES" sz="1800" spc="-1" strike="noStrike">
               <a:solidFill>
@@ -3732,7 +4659,7 @@
                 </a:solidFill>
                 <a:latin typeface="Arial"/>
               </a:rPr>
-              <a:t>Fifth Outline Level</a:t>
+              <a:t>Quinto nivel del esquema</a:t>
             </a:r>
             <a:endParaRPr b="0" lang="es-ES" sz="1800" spc="-1" strike="noStrike">
               <a:solidFill>
@@ -3760,7 +4687,7 @@
                 </a:solidFill>
                 <a:latin typeface="Arial"/>
               </a:rPr>
-              <a:t>Sixth Outline Level</a:t>
+              <a:t>Sexto nivel del esquema</a:t>
             </a:r>
             <a:endParaRPr b="0" lang="es-ES" sz="1800" spc="-1" strike="noStrike">
               <a:solidFill>
@@ -3788,7 +4715,7 @@
                 </a:solidFill>
                 <a:latin typeface="Arial"/>
               </a:rPr>
-              <a:t>Seventh Outline Level</a:t>
+              <a:t>Séptimo nivel del esquema</a:t>
             </a:r>
             <a:endParaRPr b="0" lang="es-ES" sz="1800" spc="-1" strike="noStrike">
               <a:solidFill>
@@ -3812,7 +4739,7 @@
         <p:spPr>
           <a:xfrm>
             <a:off x="8472600" y="4663080"/>
-            <a:ext cx="545760" cy="390600"/>
+            <a:ext cx="545400" cy="390240"/>
           </a:xfrm>
           <a:prstGeom prst="rect">
             <a:avLst/>
@@ -3854,7 +4781,7 @@
                 <a:tab algn="l" pos="0"/>
               </a:tabLst>
             </a:pPr>
-            <a:fld id="{5D4FA8D9-6CBC-417D-94DC-D1CD042F08EB}" type="slidenum">
+            <a:fld id="{518BE3E7-649A-40FA-B20D-C504D895A222}" type="slidenum">
               <a:rPr b="0" lang="en-GB" sz="1000" spc="-1" strike="noStrike">
                 <a:solidFill>
                   <a:schemeClr val="dk2"/>
@@ -3862,7 +4789,7 @@
                 <a:latin typeface="Arial"/>
                 <a:ea typeface="Arial"/>
               </a:rPr>
-              <a:t>&lt;number&gt;</a:t>
+              <a:t>&lt;número&gt;</a:t>
             </a:fld>
             <a:endParaRPr b="0" lang="es-ES" sz="1000" spc="-1" strike="noStrike">
               <a:solidFill>
@@ -3920,7 +4847,7 @@
         <p:spPr>
           <a:xfrm>
             <a:off x="311760" y="764280"/>
-            <a:ext cx="8517600" cy="624960"/>
+            <a:ext cx="8517240" cy="624960"/>
           </a:xfrm>
           <a:prstGeom prst="rect">
             <a:avLst/>
@@ -3945,7 +4872,7 @@
                 </a:solidFill>
                 <a:latin typeface="Arial"/>
               </a:rPr>
-              <a:t>Click to edit the title text format</a:t>
+              <a:t>Pulse para editar el formato del texto de título</a:t>
             </a:r>
             <a:endParaRPr b="0" lang="es-ES" sz="1800" spc="-1" strike="noStrike">
               <a:solidFill>
@@ -3969,7 +4896,7 @@
         <p:spPr>
           <a:xfrm>
             <a:off x="311760" y="1461600"/>
-            <a:ext cx="8517600" cy="3115440"/>
+            <a:ext cx="8517240" cy="3115080"/>
           </a:xfrm>
           <a:prstGeom prst="rect">
             <a:avLst/>
@@ -4002,7 +4929,7 @@
                 </a:solidFill>
                 <a:latin typeface="Arial"/>
               </a:rPr>
-              <a:t>Click to edit the outline text format</a:t>
+              <a:t>Pulse para editar el formato de texto del esquema</a:t>
             </a:r>
             <a:endParaRPr b="0" lang="es-ES" sz="1800" spc="-1" strike="noStrike">
               <a:solidFill>
@@ -4030,7 +4957,7 @@
                 </a:solidFill>
                 <a:latin typeface="Arial"/>
               </a:rPr>
-              <a:t>Second Outline Level</a:t>
+              <a:t>Segundo nivel del esquema</a:t>
             </a:r>
             <a:endParaRPr b="0" lang="es-ES" sz="1800" spc="-1" strike="noStrike">
               <a:solidFill>
@@ -4058,7 +4985,7 @@
                 </a:solidFill>
                 <a:latin typeface="Arial"/>
               </a:rPr>
-              <a:t>Third Outline Level</a:t>
+              <a:t>Tercer nivel del esquema</a:t>
             </a:r>
             <a:endParaRPr b="0" lang="es-ES" sz="1800" spc="-1" strike="noStrike">
               <a:solidFill>
@@ -4086,7 +5013,7 @@
                 </a:solidFill>
                 <a:latin typeface="Arial"/>
               </a:rPr>
-              <a:t>Fourth Outline Level</a:t>
+              <a:t>Cuarto nivel del esquema</a:t>
             </a:r>
             <a:endParaRPr b="0" lang="es-ES" sz="1800" spc="-1" strike="noStrike">
               <a:solidFill>
@@ -4114,7 +5041,7 @@
                 </a:solidFill>
                 <a:latin typeface="Arial"/>
               </a:rPr>
-              <a:t>Fifth Outline Level</a:t>
+              <a:t>Quinto nivel del esquema</a:t>
             </a:r>
             <a:endParaRPr b="0" lang="es-ES" sz="1800" spc="-1" strike="noStrike">
               <a:solidFill>
@@ -4142,7 +5069,7 @@
                 </a:solidFill>
                 <a:latin typeface="Arial"/>
               </a:rPr>
-              <a:t>Sixth Outline Level</a:t>
+              <a:t>Sexto nivel del esquema</a:t>
             </a:r>
             <a:endParaRPr b="0" lang="es-ES" sz="1800" spc="-1" strike="noStrike">
               <a:solidFill>
@@ -4170,7 +5097,7 @@
                 </a:solidFill>
                 <a:latin typeface="Arial"/>
               </a:rPr>
-              <a:t>Seventh Outline Level</a:t>
+              <a:t>Séptimo nivel del esquema</a:t>
             </a:r>
             <a:endParaRPr b="0" lang="es-ES" sz="1800" spc="-1" strike="noStrike">
               <a:solidFill>
@@ -4194,7 +5121,7 @@
         <p:spPr>
           <a:xfrm>
             <a:off x="8472600" y="4663080"/>
-            <a:ext cx="545760" cy="390600"/>
+            <a:ext cx="545400" cy="390240"/>
           </a:xfrm>
           <a:prstGeom prst="rect">
             <a:avLst/>
@@ -4236,7 +5163,7 @@
                 <a:tab algn="l" pos="0"/>
               </a:tabLst>
             </a:pPr>
-            <a:fld id="{1D960960-A6B9-43AA-B8F7-1C0552E28627}" type="slidenum">
+            <a:fld id="{D1A9C76C-B907-4381-8B8F-2FBFA13FF94E}" type="slidenum">
               <a:rPr b="0" lang="en-GB" sz="1000" spc="-1" strike="noStrike">
                 <a:solidFill>
                   <a:schemeClr val="dk2"/>
@@ -4244,7 +5171,7 @@
                 <a:latin typeface="Arial"/>
                 <a:ea typeface="Arial"/>
               </a:rPr>
-              <a:t>&lt;number&gt;</a:t>
+              <a:t>&lt;número&gt;</a:t>
             </a:fld>
             <a:endParaRPr b="0" lang="es-ES" sz="1000" spc="-1" strike="noStrike">
               <a:solidFill>
@@ -4302,7 +5229,7 @@
         <p:spPr>
           <a:xfrm>
             <a:off x="311760" y="764280"/>
-            <a:ext cx="8517600" cy="624960"/>
+            <a:ext cx="8517240" cy="624960"/>
           </a:xfrm>
           <a:prstGeom prst="rect">
             <a:avLst/>
@@ -4327,7 +5254,7 @@
                 </a:solidFill>
                 <a:latin typeface="Arial"/>
               </a:rPr>
-              <a:t>Click to edit the title text format</a:t>
+              <a:t>Pulse para editar el formato del texto de título</a:t>
             </a:r>
             <a:endParaRPr b="0" lang="es-ES" sz="1800" spc="-1" strike="noStrike">
               <a:solidFill>
@@ -4351,7 +5278,7 @@
         <p:spPr>
           <a:xfrm>
             <a:off x="311760" y="1461600"/>
-            <a:ext cx="8517600" cy="3115440"/>
+            <a:ext cx="8517240" cy="3115080"/>
           </a:xfrm>
           <a:prstGeom prst="rect">
             <a:avLst/>
@@ -4384,7 +5311,7 @@
                 </a:solidFill>
                 <a:latin typeface="Arial"/>
               </a:rPr>
-              <a:t>Click to edit the outline text format</a:t>
+              <a:t>Pulse para editar el formato de texto del esquema</a:t>
             </a:r>
             <a:endParaRPr b="0" lang="es-ES" sz="1800" spc="-1" strike="noStrike">
               <a:solidFill>
@@ -4412,7 +5339,7 @@
                 </a:solidFill>
                 <a:latin typeface="Arial"/>
               </a:rPr>
-              <a:t>Second Outline Level</a:t>
+              <a:t>Segundo nivel del esquema</a:t>
             </a:r>
             <a:endParaRPr b="0" lang="es-ES" sz="1800" spc="-1" strike="noStrike">
               <a:solidFill>
@@ -4440,7 +5367,7 @@
                 </a:solidFill>
                 <a:latin typeface="Arial"/>
               </a:rPr>
-              <a:t>Third Outline Level</a:t>
+              <a:t>Tercer nivel del esquema</a:t>
             </a:r>
             <a:endParaRPr b="0" lang="es-ES" sz="1800" spc="-1" strike="noStrike">
               <a:solidFill>
@@ -4468,7 +5395,7 @@
                 </a:solidFill>
                 <a:latin typeface="Arial"/>
               </a:rPr>
-              <a:t>Fourth Outline Level</a:t>
+              <a:t>Cuarto nivel del esquema</a:t>
             </a:r>
             <a:endParaRPr b="0" lang="es-ES" sz="1800" spc="-1" strike="noStrike">
               <a:solidFill>
@@ -4496,7 +5423,7 @@
                 </a:solidFill>
                 <a:latin typeface="Arial"/>
               </a:rPr>
-              <a:t>Fifth Outline Level</a:t>
+              <a:t>Quinto nivel del esquema</a:t>
             </a:r>
             <a:endParaRPr b="0" lang="es-ES" sz="1800" spc="-1" strike="noStrike">
               <a:solidFill>
@@ -4524,7 +5451,7 @@
                 </a:solidFill>
                 <a:latin typeface="Arial"/>
               </a:rPr>
-              <a:t>Sixth Outline Level</a:t>
+              <a:t>Sexto nivel del esquema</a:t>
             </a:r>
             <a:endParaRPr b="0" lang="es-ES" sz="1800" spc="-1" strike="noStrike">
               <a:solidFill>
@@ -4552,7 +5479,7 @@
                 </a:solidFill>
                 <a:latin typeface="Arial"/>
               </a:rPr>
-              <a:t>Seventh Outline Level</a:t>
+              <a:t>Séptimo nivel del esquema</a:t>
             </a:r>
             <a:endParaRPr b="0" lang="es-ES" sz="1800" spc="-1" strike="noStrike">
               <a:solidFill>
@@ -4576,7 +5503,7 @@
         <p:spPr>
           <a:xfrm>
             <a:off x="8472600" y="4663080"/>
-            <a:ext cx="545760" cy="390600"/>
+            <a:ext cx="545400" cy="390240"/>
           </a:xfrm>
           <a:prstGeom prst="rect">
             <a:avLst/>
@@ -4618,7 +5545,7 @@
                 <a:tab algn="l" pos="0"/>
               </a:tabLst>
             </a:pPr>
-            <a:fld id="{E7AD13E4-F479-4C0D-A19B-145210F0F340}" type="slidenum">
+            <a:fld id="{FF383726-1D47-4F87-9D0F-0FB38A707F77}" type="slidenum">
               <a:rPr b="0" lang="en-GB" sz="1000" spc="-1" strike="noStrike">
                 <a:solidFill>
                   <a:schemeClr val="dk2"/>
@@ -4626,7 +5553,7 @@
                 <a:latin typeface="Arial"/>
                 <a:ea typeface="Arial"/>
               </a:rPr>
-              <a:t>&lt;number&gt;</a:t>
+              <a:t>&lt;número&gt;</a:t>
             </a:fld>
             <a:endParaRPr b="0" lang="es-ES" sz="1000" spc="-1" strike="noStrike">
               <a:solidFill>
@@ -4676,7 +5603,7 @@
         <p:spPr>
           <a:xfrm>
             <a:off x="3938760" y="2196360"/>
-            <a:ext cx="4730400" cy="1569600"/>
+            <a:ext cx="4730040" cy="1569240"/>
           </a:xfrm>
           <a:prstGeom prst="rect">
             <a:avLst/>
@@ -4779,7 +5706,7 @@
         <p:spPr>
           <a:xfrm>
             <a:off x="311760" y="815760"/>
-            <a:ext cx="8517600" cy="519840"/>
+            <a:ext cx="8517240" cy="519480"/>
           </a:xfrm>
           <a:prstGeom prst="rect">
             <a:avLst/>
@@ -4849,7 +5776,7 @@
         <p:spPr>
           <a:xfrm>
             <a:off x="311760" y="1461600"/>
-            <a:ext cx="8517600" cy="3115440"/>
+            <a:ext cx="8517240" cy="3115080"/>
           </a:xfrm>
           <a:prstGeom prst="rect">
             <a:avLst/>
@@ -4869,28 +5796,62 @@
                 <a:spcPct val="100000"/>
               </a:lnSpc>
               <a:spcBef>
+                <a:spcPts val="1191"/>
+              </a:spcBef>
+              <a:spcAft>
+                <a:spcPts val="992"/>
+              </a:spcAft>
+              <a:buNone/>
+              <a:tabLst>
+                <a:tab algn="l" pos="0"/>
+              </a:tabLst>
+            </a:pPr>
+            <a:r>
+              <a:rPr b="0" lang="es-ES" sz="1800" spc="-1" strike="noStrike">
+                <a:solidFill>
+                  <a:srgbClr val="000000"/>
+                </a:solidFill>
+                <a:latin typeface="Arial"/>
+              </a:rPr>
+              <a:t>Como siempre en temas de WordPress, siempre ha habido alguien antes con tu mismo problema y que ha creado un plugin para solucionarlo, así que plugin conectores de CRM hay unos cuantos. Son más o menos amplios y permiten más o menos opciones. Pero todos hacen más o menos las mismas funciones, meter los datos de la usuaria como clienta o empresa en tu CRM.</a:t>
+            </a:r>
+            <a:endParaRPr b="0" lang="es-ES" sz="1800" spc="-1" strike="noStrike">
+              <a:solidFill>
+                <a:srgbClr val="000000"/>
+              </a:solidFill>
+              <a:latin typeface="Arial"/>
+            </a:endParaRPr>
+          </a:p>
+          <a:p>
+            <a:pPr indent="0">
+              <a:lnSpc>
+                <a:spcPct val="100000"/>
+              </a:lnSpc>
+              <a:spcBef>
                 <a:spcPts val="907"/>
               </a:spcBef>
               <a:spcAft>
                 <a:spcPts val="709"/>
               </a:spcAft>
               <a:buNone/>
-            </a:pPr>
-            <a:r>
-              <a:rPr b="0" lang="es-ES" sz="1800" spc="-1" strike="noStrike">
-                <a:solidFill>
-                  <a:srgbClr val="000000"/>
-                </a:solidFill>
-                <a:latin typeface="Arial"/>
-              </a:rPr>
-              <a:t>Como siempre en temas de WordPress, siempre ha habido alguien antes con tu mismo problema y que ha creado un plugin para solucionarlo, así que plugin conectores de CRM hay unos cuantos. Son más o menos amplios y permiten más o menos opciones. Pero todos hacen más o menos las mismas funciones. Meter los datos del usuario como contacto o empresa en tu CRM.</a:t>
+              <a:tabLst>
+                <a:tab algn="l" pos="0"/>
+              </a:tabLst>
+            </a:pPr>
+            <a:r>
+              <a:rPr b="0" lang="es-ES" sz="1800" spc="-1" strike="noStrike">
+                <a:solidFill>
+                  <a:srgbClr val="000000"/>
+                </a:solidFill>
+                <a:latin typeface="Arial"/>
+              </a:rPr>
+              <a:t>Luego los habrá que dan elementos condicionales, lanzar automatizaciones, etc. pero la esencia es la misma.</a:t>
             </a:r>
             <a:endParaRPr b="0" lang="es-ES" sz="1800" spc="-1" strike="noStrike">
               <a:solidFill>
                 <a:srgbClr val="000000"/>
               </a:solidFill>
               <a:latin typeface="Arial"/>
-              <a:ea typeface="Noto Sans CJK SC"/>
             </a:endParaRPr>
           </a:p>
           <a:p>
@@ -4905,22 +5866,105 @@
                 <a:spcPts val="709"/>
               </a:spcAft>
               <a:buNone/>
-            </a:pPr>
-            <a:r>
-              <a:rPr b="0" lang="es-ES" sz="1800" spc="-1" strike="noStrike">
-                <a:solidFill>
-                  <a:srgbClr val="000000"/>
-                </a:solidFill>
-                <a:latin typeface="Arial"/>
-              </a:rPr>
-              <a:t>Luego los habrá que dan elementos condicionales, lanzar automatizaciones, etc. pero la esencia es la misma.</a:t>
+              <a:tabLst>
+                <a:tab algn="l" pos="0"/>
+              </a:tabLst>
+            </a:pPr>
+            <a:r>
+              <a:rPr b="1" lang="es-ES" sz="1800" spc="-1" strike="noStrike">
+                <a:solidFill>
+                  <a:srgbClr val="000000"/>
+                </a:solidFill>
+                <a:latin typeface="Arial"/>
+              </a:rPr>
+              <a:t>Ventajas:</a:t>
             </a:r>
             <a:endParaRPr b="0" lang="es-ES" sz="1800" spc="-1" strike="noStrike">
               <a:solidFill>
                 <a:srgbClr val="000000"/>
               </a:solidFill>
               <a:latin typeface="Arial"/>
-              <a:ea typeface="Noto Sans CJK SC"/>
+            </a:endParaRPr>
+          </a:p>
+          <a:p>
+            <a:pPr marL="360000" indent="-324000">
+              <a:lnSpc>
+                <a:spcPct val="100000"/>
+              </a:lnSpc>
+              <a:spcBef>
+                <a:spcPts val="907"/>
+              </a:spcBef>
+              <a:spcAft>
+                <a:spcPts val="709"/>
+              </a:spcAft>
+              <a:buClr>
+                <a:srgbClr val="000000"/>
+              </a:buClr>
+              <a:buFont typeface="Wingdings" charset="2"/>
+              <a:buChar char=""/>
+              <a:tabLst>
+                <a:tab algn="l" pos="0"/>
+              </a:tabLst>
+            </a:pPr>
+            <a:r>
+              <a:rPr b="1" lang="es-ES" sz="1800" spc="-1" strike="noStrike">
+                <a:solidFill>
+                  <a:srgbClr val="000000"/>
+                </a:solidFill>
+                <a:latin typeface="Arial"/>
+              </a:rPr>
+              <a:t>El tiempo de desarrollo y configuración es muy bajo</a:t>
+            </a:r>
+            <a:r>
+              <a:rPr b="0" lang="es-ES" sz="1800" spc="-1" strike="noStrike">
+                <a:solidFill>
+                  <a:srgbClr val="000000"/>
+                </a:solidFill>
+                <a:latin typeface="Arial"/>
+              </a:rPr>
+              <a:t>, por no decir mínimo. Instalar, activar y pocos minutos tenemos un formulario conectado a nuestro CRM.</a:t>
+            </a:r>
+            <a:endParaRPr b="0" lang="es-ES" sz="1800" spc="-1" strike="noStrike">
+              <a:solidFill>
+                <a:srgbClr val="000000"/>
+              </a:solidFill>
+              <a:latin typeface="Arial"/>
+            </a:endParaRPr>
+          </a:p>
+          <a:p>
+            <a:pPr marL="360000" indent="-324000">
+              <a:lnSpc>
+                <a:spcPct val="100000"/>
+              </a:lnSpc>
+              <a:spcBef>
+                <a:spcPts val="907"/>
+              </a:spcBef>
+              <a:spcAft>
+                <a:spcPts val="709"/>
+              </a:spcAft>
+              <a:buClr>
+                <a:srgbClr val="000000"/>
+              </a:buClr>
+              <a:buFont typeface="Wingdings" charset="2"/>
+              <a:buChar char=""/>
+              <a:tabLst>
+                <a:tab algn="l" pos="0"/>
+              </a:tabLst>
+            </a:pPr>
+            <a:r>
+              <a:rPr b="1" lang="es-ES" sz="1800" spc="-1" strike="noStrike">
+                <a:solidFill>
+                  <a:srgbClr val="000000"/>
+                </a:solidFill>
+                <a:latin typeface="Arial"/>
+              </a:rPr>
+              <a:t>Precio asequible.</a:t>
+            </a:r>
+            <a:endParaRPr b="0" lang="es-ES" sz="1800" spc="-1" strike="noStrike">
+              <a:solidFill>
+                <a:srgbClr val="000000"/>
+              </a:solidFill>
+              <a:latin typeface="Arial"/>
             </a:endParaRPr>
           </a:p>
           <a:p>
@@ -4935,6 +5979,9 @@
                 <a:spcPts val="709"/>
               </a:spcAft>
               <a:buNone/>
+              <a:tabLst>
+                <a:tab algn="l" pos="0"/>
+              </a:tabLst>
             </a:pPr>
             <a:r>
               <a:rPr b="1" lang="es-ES" sz="1800" spc="-1" strike="noStrike">
@@ -4943,18 +5990,17 @@
                 </a:solidFill>
                 <a:latin typeface="Arial"/>
               </a:rPr>
-              <a:t>Ventajas:</a:t>
+              <a:t>Desventajas:</a:t>
             </a:r>
             <a:endParaRPr b="0" lang="es-ES" sz="1800" spc="-1" strike="noStrike">
               <a:solidFill>
                 <a:srgbClr val="000000"/>
               </a:solidFill>
               <a:latin typeface="Arial"/>
-              <a:ea typeface="Noto Sans CJK SC"/>
-            </a:endParaRPr>
-          </a:p>
-          <a:p>
-            <a:pPr marL="360000">
+            </a:endParaRPr>
+          </a:p>
+          <a:p>
+            <a:pPr marL="360000" indent="-324000">
               <a:lnSpc>
                 <a:spcPct val="100000"/>
               </a:lnSpc>
@@ -4969,6 +6015,9 @@
               </a:buClr>
               <a:buFont typeface="Wingdings" charset="2"/>
               <a:buChar char=""/>
+              <a:tabLst>
+                <a:tab algn="l" pos="0"/>
+              </a:tabLst>
             </a:pPr>
             <a:r>
               <a:rPr b="1" lang="es-ES" sz="1800" spc="-1" strike="noStrike">
@@ -4977,130 +6026,22 @@
                 </a:solidFill>
                 <a:latin typeface="Arial"/>
               </a:rPr>
-              <a:t>El tiempo de desarrollo y configuración es muy bajo</a:t>
-            </a:r>
-            <a:r>
-              <a:rPr b="0" lang="es-ES" sz="1800" spc="-1" strike="noStrike">
-                <a:solidFill>
-                  <a:srgbClr val="000000"/>
-                </a:solidFill>
-                <a:latin typeface="Arial"/>
-              </a:rPr>
-              <a:t>, por no decir mínimo. Instalar, activar y pocos minutos tenemos un formulario conectado a nuestro CRM.</a:t>
+              <a:t>Puedes hacer lo que te deje el plugin</a:t>
+            </a:r>
+            <a:r>
+              <a:rPr b="0" lang="es-ES" sz="1800" spc="-1" strike="noStrike">
+                <a:solidFill>
+                  <a:srgbClr val="000000"/>
+                </a:solidFill>
+                <a:latin typeface="Arial"/>
+              </a:rPr>
+              <a:t>. ni más ni menos. Al principio sirven, pero según usas más tu CRM se suelen quedar cortos.</a:t>
             </a:r>
             <a:endParaRPr b="0" lang="es-ES" sz="1800" spc="-1" strike="noStrike">
               <a:solidFill>
                 <a:srgbClr val="000000"/>
               </a:solidFill>
               <a:latin typeface="Arial"/>
-              <a:ea typeface="Noto Sans CJK SC"/>
-            </a:endParaRPr>
-          </a:p>
-          <a:p>
-            <a:pPr marL="360000">
-              <a:lnSpc>
-                <a:spcPct val="100000"/>
-              </a:lnSpc>
-              <a:spcBef>
-                <a:spcPts val="907"/>
-              </a:spcBef>
-              <a:spcAft>
-                <a:spcPts val="709"/>
-              </a:spcAft>
-              <a:buClr>
-                <a:srgbClr val="000000"/>
-              </a:buClr>
-              <a:buFont typeface="Wingdings" charset="2"/>
-              <a:buChar char=""/>
-            </a:pPr>
-            <a:r>
-              <a:rPr b="1" lang="es-ES" sz="1800" spc="-1" strike="noStrike">
-                <a:solidFill>
-                  <a:srgbClr val="000000"/>
-                </a:solidFill>
-                <a:latin typeface="Arial"/>
-              </a:rPr>
-              <a:t>Precio asequible.</a:t>
-            </a:r>
-            <a:endParaRPr b="0" lang="es-ES" sz="1800" spc="-1" strike="noStrike">
-              <a:solidFill>
-                <a:srgbClr val="000000"/>
-              </a:solidFill>
-              <a:latin typeface="Arial"/>
-              <a:ea typeface="Noto Sans CJK SC"/>
-            </a:endParaRPr>
-          </a:p>
-          <a:p>
-            <a:pPr indent="0">
-              <a:lnSpc>
-                <a:spcPct val="100000"/>
-              </a:lnSpc>
-              <a:spcBef>
-                <a:spcPts val="907"/>
-              </a:spcBef>
-              <a:spcAft>
-                <a:spcPts val="709"/>
-              </a:spcAft>
-              <a:buNone/>
-            </a:pPr>
-            <a:r>
-              <a:rPr b="1" lang="es-ES" sz="1800" spc="-1" strike="noStrike">
-                <a:solidFill>
-                  <a:srgbClr val="000000"/>
-                </a:solidFill>
-                <a:latin typeface="Arial"/>
-              </a:rPr>
-              <a:t>Desventajas:</a:t>
-            </a:r>
-            <a:endParaRPr b="0" lang="es-ES" sz="1800" spc="-1" strike="noStrike">
-              <a:solidFill>
-                <a:srgbClr val="000000"/>
-              </a:solidFill>
-              <a:latin typeface="Arial"/>
-              <a:ea typeface="Noto Sans CJK SC"/>
-            </a:endParaRPr>
-          </a:p>
-          <a:p>
-            <a:pPr marL="360000">
-              <a:lnSpc>
-                <a:spcPct val="100000"/>
-              </a:lnSpc>
-              <a:spcBef>
-                <a:spcPts val="907"/>
-              </a:spcBef>
-              <a:spcAft>
-                <a:spcPts val="709"/>
-              </a:spcAft>
-              <a:buClr>
-                <a:srgbClr val="000000"/>
-              </a:buClr>
-              <a:buFont typeface="Wingdings" charset="2"/>
-              <a:buChar char=""/>
-            </a:pPr>
-            <a:r>
-              <a:rPr b="1" lang="es-ES" sz="1800" spc="-1" strike="noStrike">
-                <a:solidFill>
-                  <a:srgbClr val="000000"/>
-                </a:solidFill>
-                <a:latin typeface="Arial"/>
-              </a:rPr>
-              <a:t>Puedes hacer lo que te deje el plugin</a:t>
-            </a:r>
-            <a:r>
-              <a:rPr b="0" lang="es-ES" sz="1800" spc="-1" strike="noStrike">
-                <a:solidFill>
-                  <a:srgbClr val="000000"/>
-                </a:solidFill>
-                <a:latin typeface="Arial"/>
-              </a:rPr>
-              <a:t>. ni más ni menos. Al principio sirven, pero según usas más tu CRM se suelen quedar cortos.</a:t>
-            </a:r>
-            <a:endParaRPr b="0" lang="es-ES" sz="1800" spc="-1" strike="noStrike">
-              <a:solidFill>
-                <a:srgbClr val="000000"/>
-              </a:solidFill>
-              <a:latin typeface="Arial"/>
-              <a:ea typeface="Noto Sans CJK SC"/>
             </a:endParaRPr>
           </a:p>
         </p:txBody>
@@ -5118,7 +6059,7 @@
         <p:spPr>
           <a:xfrm>
             <a:off x="2329200" y="294480"/>
-            <a:ext cx="6489360" cy="519840"/>
+            <a:ext cx="6489000" cy="519480"/>
           </a:xfrm>
           <a:prstGeom prst="rect">
             <a:avLst/>
@@ -5218,7 +6159,7 @@
         <p:spPr>
           <a:xfrm>
             <a:off x="311760" y="815760"/>
-            <a:ext cx="8517600" cy="519840"/>
+            <a:ext cx="8517240" cy="519480"/>
           </a:xfrm>
           <a:prstGeom prst="rect">
             <a:avLst/>
@@ -5288,7 +6229,7 @@
         <p:spPr>
           <a:xfrm>
             <a:off x="311760" y="1461600"/>
-            <a:ext cx="8517600" cy="3115440"/>
+            <a:ext cx="8517240" cy="3115080"/>
           </a:xfrm>
           <a:prstGeom prst="rect">
             <a:avLst/>
@@ -5357,7 +6298,25 @@
                 </a:solidFill>
                 <a:latin typeface="Arial"/>
               </a:rPr>
-              <a:t>Si los formularios están desarrollados con algún plugin como Gravity Forms o Contact Form 7, aseguraros que el plugin de formularios que estéis usando tenga «hooks» que os permitan meter fácilmente vuestro desarrollo dentro del plugin de formulario.</a:t>
+              <a:t>Si los formularios están desarrollados con algún plugin como Gravity Forms o Contact Form 7, aseguraros que el </a:t>
+            </a:r>
+            <a:r>
+              <a:rPr b="0" lang="es-ES" sz="1400" spc="-1" strike="noStrike">
+                <a:solidFill>
+                  <a:srgbClr val="000000"/>
+                </a:solidFill>
+                <a:latin typeface="Arial"/>
+              </a:rPr>
+              <a:t>plugin de formularios que estéis usando tenga «hooks» que os permitan meter fácilmente vuestro desarrollo dentro </a:t>
+            </a:r>
+            <a:r>
+              <a:rPr b="0" lang="es-ES" sz="1400" spc="-1" strike="noStrike">
+                <a:solidFill>
+                  <a:srgbClr val="000000"/>
+                </a:solidFill>
+                <a:latin typeface="Arial"/>
+              </a:rPr>
+              <a:t>del plugin de formulario.</a:t>
             </a:r>
             <a:endParaRPr b="0" lang="es-ES" sz="1400" spc="-1" strike="noStrike">
               <a:solidFill>
@@ -5389,7 +6348,16 @@
                 </a:solidFill>
                 <a:latin typeface="Arial"/>
               </a:rPr>
-              <a:t>Por ejemplo, Contact Form 7 tiene un «hook» llamado «mail_sent» que permite meter tu código tras terminar todo el proceso.</a:t>
+              <a:t>Por ejemplo, Contact Form 7 tiene un «hook» llamado «mail_sent» que permite meter tu código tras terminar todo el </a:t>
+            </a:r>
+            <a:r>
+              <a:rPr b="0" lang="es-ES" sz="1400" spc="-1" strike="noStrike">
+                <a:solidFill>
+                  <a:srgbClr val="000000"/>
+                </a:solidFill>
+                <a:latin typeface="Arial"/>
+              </a:rPr>
+              <a:t>proceso.</a:t>
             </a:r>
             <a:endParaRPr b="0" lang="es-ES" sz="1400" spc="-1" strike="noStrike">
               <a:solidFill>
@@ -5467,7 +6435,16 @@
                 </a:solidFill>
                 <a:latin typeface="Arial"/>
               </a:rPr>
-              <a:t> y hacer que interactúen muchos plugins de tu WordPress. Nos permiten depurar mucho mejor los datos del formulario.</a:t>
+              <a:t> y hacer que interactúen muchos plugins de tu </a:t>
+            </a:r>
+            <a:r>
+              <a:rPr b="0" lang="es-ES" sz="1400" spc="-1" strike="noStrike">
+                <a:solidFill>
+                  <a:srgbClr val="000000"/>
+                </a:solidFill>
+                <a:latin typeface="Arial"/>
+              </a:rPr>
+              <a:t>WordPress. Nos permiten depurar mucho mejor los datos del formulario.</a:t>
             </a:r>
             <a:endParaRPr b="0" lang="es-ES" sz="1400" spc="-1" strike="noStrike">
               <a:solidFill>
@@ -5522,7 +6499,34 @@
                 </a:solidFill>
                 <a:latin typeface="Arial"/>
               </a:rPr>
-              <a:t>. Hay plugins que conectan CF7 con varios CRM y otros plugins que conectan WooCommerce con tu CRM, pero si queremos que nos envíen el contenido del carrito de compra de WooCommerce cuando rellena el formulario de consulta creado con CF7 no hay plugin que lo conecte todo.</a:t>
+              <a:t>. Hay plugins que conectan CF7 con varios CRM y otros plugins </a:t>
+            </a:r>
+            <a:r>
+              <a:rPr b="0" lang="es-ES" sz="1400" spc="-1" strike="noStrike">
+                <a:solidFill>
+                  <a:srgbClr val="000000"/>
+                </a:solidFill>
+                <a:latin typeface="Arial"/>
+              </a:rPr>
+              <a:t>que conectan WooCommerce con tu CRM, pero si queremos que nos envíen el contenido del carrito de </a:t>
+            </a:r>
+            <a:r>
+              <a:rPr b="0" lang="es-ES" sz="1400" spc="-1" strike="noStrike">
+                <a:solidFill>
+                  <a:srgbClr val="000000"/>
+                </a:solidFill>
+                <a:latin typeface="Arial"/>
+              </a:rPr>
+              <a:t>compra de WooCommerce cuando rellena el formulario de consulta creado con CF7 no hay plugin que lo </a:t>
+            </a:r>
+            <a:r>
+              <a:rPr b="0" lang="es-ES" sz="1400" spc="-1" strike="noStrike">
+                <a:solidFill>
+                  <a:srgbClr val="000000"/>
+                </a:solidFill>
+                <a:latin typeface="Arial"/>
+              </a:rPr>
+              <a:t>conecte todo.</a:t>
             </a:r>
             <a:endParaRPr b="0" lang="es-ES" sz="1400" spc="-1" strike="noStrike">
               <a:solidFill>
@@ -5568,7 +6572,25 @@
                 </a:solidFill>
                 <a:latin typeface="Arial"/>
               </a:rPr>
-              <a:t> No es común, pero puede darse algunas veces que tengas que hacer varias conexiones a diferentes CRM y puede haber colisiones entre diferentes plugins, cada uno de que tira contra un CRM distinto.</a:t>
+              <a:t> No es común, pero puede darse algunas veces que tengas que hacer </a:t>
+            </a:r>
+            <a:r>
+              <a:rPr b="0" lang="es-ES" sz="1400" spc="-1" strike="noStrike">
+                <a:solidFill>
+                  <a:srgbClr val="000000"/>
+                </a:solidFill>
+                <a:latin typeface="Arial"/>
+              </a:rPr>
+              <a:t>varias conexiones a diferentes CRM y puede haber colisiones entre diferentes plugins, cada uno de que tira </a:t>
+            </a:r>
+            <a:r>
+              <a:rPr b="0" lang="es-ES" sz="1400" spc="-1" strike="noStrike">
+                <a:solidFill>
+                  <a:srgbClr val="000000"/>
+                </a:solidFill>
+                <a:latin typeface="Arial"/>
+              </a:rPr>
+              <a:t>contra un CRM distinto.</a:t>
             </a:r>
             <a:endParaRPr b="0" lang="es-ES" sz="1400" spc="-1" strike="noStrike">
               <a:solidFill>
@@ -5592,7 +6614,7 @@
         <p:spPr>
           <a:xfrm>
             <a:off x="2329200" y="294480"/>
-            <a:ext cx="6489360" cy="519840"/>
+            <a:ext cx="6489000" cy="519480"/>
           </a:xfrm>
           <a:prstGeom prst="rect">
             <a:avLst/>
@@ -5692,7 +6714,7 @@
         <p:spPr>
           <a:xfrm>
             <a:off x="311760" y="815760"/>
-            <a:ext cx="8517600" cy="519840"/>
+            <a:ext cx="8517240" cy="519480"/>
           </a:xfrm>
           <a:prstGeom prst="rect">
             <a:avLst/>
@@ -5762,7 +6784,7 @@
         <p:spPr>
           <a:xfrm>
             <a:off x="311760" y="1461600"/>
-            <a:ext cx="8517600" cy="3115440"/>
+            <a:ext cx="8517240" cy="3115080"/>
           </a:xfrm>
           <a:prstGeom prst="rect">
             <a:avLst/>
@@ -6012,7 +7034,7 @@
         <p:spPr>
           <a:xfrm>
             <a:off x="2329200" y="294480"/>
-            <a:ext cx="6489360" cy="519840"/>
+            <a:ext cx="6489000" cy="519480"/>
           </a:xfrm>
           <a:prstGeom prst="rect">
             <a:avLst/>
@@ -6112,7 +7134,7 @@
         <p:spPr>
           <a:xfrm>
             <a:off x="360000" y="3240000"/>
-            <a:ext cx="8517600" cy="1258560"/>
+            <a:ext cx="8517240" cy="1258200"/>
           </a:xfrm>
           <a:prstGeom prst="rect">
             <a:avLst/>
@@ -6231,7 +7253,7 @@
         <p:spPr>
           <a:xfrm>
             <a:off x="2329560" y="294840"/>
-            <a:ext cx="6489360" cy="519840"/>
+            <a:ext cx="6489000" cy="519480"/>
           </a:xfrm>
           <a:prstGeom prst="rect">
             <a:avLst/>
@@ -6315,7 +7337,7 @@
         <p:spPr>
           <a:xfrm>
             <a:off x="360000" y="900000"/>
-            <a:ext cx="8638560" cy="1798920"/>
+            <a:ext cx="8638200" cy="1798560"/>
           </a:xfrm>
           <a:prstGeom prst="rect">
             <a:avLst/>
@@ -6478,7 +7500,7 @@
         <p:spPr>
           <a:xfrm>
             <a:off x="180000" y="2718720"/>
-            <a:ext cx="8649360" cy="519840"/>
+            <a:ext cx="8649000" cy="519480"/>
           </a:xfrm>
           <a:prstGeom prst="rect">
             <a:avLst/>
@@ -6584,8 +7606,8 @@
         </p:nvSpPr>
         <p:spPr>
           <a:xfrm>
-            <a:off x="311760" y="1461600"/>
-            <a:ext cx="5806800" cy="3115440"/>
+            <a:off x="311760" y="1317600"/>
+            <a:ext cx="5806440" cy="3115080"/>
           </a:xfrm>
           <a:prstGeom prst="rect">
             <a:avLst/>
@@ -6631,7 +7653,16 @@
                 </a:solidFill>
                 <a:latin typeface="Arial"/>
               </a:rPr>
-              <a:t>definir bien qué elementos va a tener el formulario y cómo van a poder rellenar</a:t>
+              <a:t>definir bien qué elementos va a tener </a:t>
+            </a:r>
+            <a:r>
+              <a:rPr b="1" lang="es-ES" sz="1500" spc="-1" strike="noStrike">
+                <a:solidFill>
+                  <a:srgbClr val="000000"/>
+                </a:solidFill>
+                <a:latin typeface="Arial"/>
+              </a:rPr>
+              <a:t>el formulario y cómo van a poder rellenar</a:t>
             </a:r>
             <a:r>
               <a:rPr b="0" lang="es-ES" sz="1500" spc="-1" strike="noStrike">
@@ -6640,7 +7671,25 @@
                 </a:solidFill>
                 <a:latin typeface="Arial"/>
               </a:rPr>
-              <a:t>. Datos muy relevantes como pueden ser el tamaño de tu empresa, puede que no interese dejarse de mano de las clientes que editan su perfil.</a:t>
+              <a:t>. Datos muy relevantes como </a:t>
+            </a:r>
+            <a:r>
+              <a:rPr b="0" lang="es-ES" sz="1500" spc="-1" strike="noStrike">
+                <a:solidFill>
+                  <a:srgbClr val="000000"/>
+                </a:solidFill>
+                <a:latin typeface="Arial"/>
+              </a:rPr>
+              <a:t>pueden ser el tamaño de tu empresa, puede que no interese dejarse de mano </a:t>
+            </a:r>
+            <a:r>
+              <a:rPr b="0" lang="es-ES" sz="1500" spc="-1" strike="noStrike">
+                <a:solidFill>
+                  <a:srgbClr val="000000"/>
+                </a:solidFill>
+                <a:latin typeface="Arial"/>
+              </a:rPr>
+              <a:t>de las clientes que editan su perfil.</a:t>
             </a:r>
             <a:endParaRPr b="0" lang="es-ES" sz="1500" spc="-1" strike="noStrike">
               <a:solidFill>
@@ -6690,7 +7739,34 @@
                 </a:solidFill>
                 <a:latin typeface="Arial"/>
               </a:rPr>
-              <a:t>. Si podéis cerrar las opciones con desplegables, checkboxes, etc. mucho mejor que textos libres. Pensad que una ciudad puede escribirse de muchas formas: Galdakano, Galdacano, Galdakao, etc. </a:t>
+              <a:t>. Si podéis </a:t>
+            </a:r>
+            <a:r>
+              <a:rPr b="0" lang="es-ES" sz="1500" spc="-1" strike="noStrike">
+                <a:solidFill>
+                  <a:srgbClr val="000000"/>
+                </a:solidFill>
+                <a:latin typeface="Arial"/>
+              </a:rPr>
+              <a:t>cerrar las opciones con desplegables, checkboxes, etc. mucho mejor que </a:t>
+            </a:r>
+            <a:r>
+              <a:rPr b="0" lang="es-ES" sz="1500" spc="-1" strike="noStrike">
+                <a:solidFill>
+                  <a:srgbClr val="000000"/>
+                </a:solidFill>
+                <a:latin typeface="Arial"/>
+              </a:rPr>
+              <a:t>textos libres. Pensad que una ciudad puede escribirse de muchas formas: </a:t>
+            </a:r>
+            <a:r>
+              <a:rPr b="0" lang="es-ES" sz="1500" spc="-1" strike="noStrike">
+                <a:solidFill>
+                  <a:srgbClr val="000000"/>
+                </a:solidFill>
+                <a:latin typeface="Arial"/>
+              </a:rPr>
+              <a:t>Galdakano, Galdacano, Galdakao, etc. </a:t>
             </a:r>
             <a:endParaRPr b="0" lang="es-ES" sz="1500" spc="-1" strike="noStrike">
               <a:solidFill>
@@ -6740,7 +7816,52 @@
                 </a:solidFill>
                 <a:latin typeface="Arial"/>
               </a:rPr>
-              <a:t> y luego ver como funcionan las usuarias, tomáis una decisión de mantenerlo separado o fusionáis. Siguiendo el ejemplo anterior del tamaño de empresa, podemos tener el campo del CRM «tamaño_empresa» que usa marketing para sus segmentos y creamos otro para «tamaño_empresa_perfil» para el perfil de usuaria. </a:t>
+              <a:t> y luego ver </a:t>
+            </a:r>
+            <a:r>
+              <a:rPr b="0" lang="es-ES" sz="1500" spc="-1" strike="noStrike">
+                <a:solidFill>
+                  <a:srgbClr val="000000"/>
+                </a:solidFill>
+                <a:latin typeface="Arial"/>
+              </a:rPr>
+              <a:t>como funcionan las usuarias, tomáis una decisión de mantenerlo separado o </a:t>
+            </a:r>
+            <a:r>
+              <a:rPr b="0" lang="es-ES" sz="1500" spc="-1" strike="noStrike">
+                <a:solidFill>
+                  <a:srgbClr val="000000"/>
+                </a:solidFill>
+                <a:latin typeface="Arial"/>
+              </a:rPr>
+              <a:t>fusionáis. Siguiendo el ejemplo anterior del tamaño de empresa, podemos </a:t>
+            </a:r>
+            <a:r>
+              <a:rPr b="0" lang="es-ES" sz="1500" spc="-1" strike="noStrike">
+                <a:solidFill>
+                  <a:srgbClr val="000000"/>
+                </a:solidFill>
+                <a:latin typeface="Arial"/>
+              </a:rPr>
+              <a:t>tener el campo del CRM «tamaño_empresa» que usa marketing para sus </a:t>
+            </a:r>
+            <a:r>
+              <a:rPr b="0" lang="es-ES" sz="1500" spc="-1" strike="noStrike">
+                <a:solidFill>
+                  <a:srgbClr val="000000"/>
+                </a:solidFill>
+                <a:latin typeface="Arial"/>
+              </a:rPr>
+              <a:t>segmentos y creamos otro para «tamaño_empresa_perfil» para el perfil de </a:t>
+            </a:r>
+            <a:r>
+              <a:rPr b="0" lang="es-ES" sz="1500" spc="-1" strike="noStrike">
+                <a:solidFill>
+                  <a:srgbClr val="000000"/>
+                </a:solidFill>
+                <a:latin typeface="Arial"/>
+              </a:rPr>
+              <a:t>usuaria. </a:t>
             </a:r>
             <a:endParaRPr b="0" lang="es-ES" sz="1500" spc="-1" strike="noStrike">
               <a:solidFill>
@@ -6764,7 +7885,7 @@
         <p:spPr>
           <a:xfrm>
             <a:off x="2329560" y="294840"/>
-            <a:ext cx="6489360" cy="519840"/>
+            <a:ext cx="6489000" cy="519480"/>
           </a:xfrm>
           <a:prstGeom prst="rect">
             <a:avLst/>
@@ -6848,7 +7969,7 @@
         <p:spPr>
           <a:xfrm>
             <a:off x="180000" y="900000"/>
-            <a:ext cx="8649360" cy="519840"/>
+            <a:ext cx="8649000" cy="519480"/>
           </a:xfrm>
           <a:prstGeom prst="rect">
             <a:avLst/>
@@ -6925,7 +8046,7 @@
         <p:spPr>
           <a:xfrm>
             <a:off x="6120000" y="1394280"/>
-            <a:ext cx="2698920" cy="3338280"/>
+            <a:ext cx="2698560" cy="3337920"/>
           </a:xfrm>
           <a:prstGeom prst="rect">
             <a:avLst/>
@@ -6978,7 +8099,7 @@
         <p:spPr>
           <a:xfrm>
             <a:off x="311760" y="900000"/>
-            <a:ext cx="5986800" cy="3677040"/>
+            <a:ext cx="5986440" cy="3676680"/>
           </a:xfrm>
           <a:prstGeom prst="rect">
             <a:avLst/>
@@ -7158,7 +8279,7 @@
                 </a:solidFill>
                 <a:latin typeface="Arial"/>
               </a:rPr>
-              <a:t> Si no es importante que los datos estén actualizados al minuto trata de cachearlos lo máximo posible. El listado de socios del caso práctico puede pedirse una vez al día y tirar de ese cacheo hasta el día siguiente </a:t>
+              <a:t> Si no es importante que los datos estén actualizados al minuto trata de cachearlos lo máximo posible. El listado de socias del caso práctico puede pedirse una vez al día y tirar de ese cacheo hasta el día siguiente.</a:t>
             </a:r>
             <a:endParaRPr b="0" lang="es-ES" sz="1800" spc="-1" strike="noStrike">
               <a:solidFill>
@@ -7182,7 +8303,7 @@
         <p:spPr>
           <a:xfrm>
             <a:off x="2329560" y="294840"/>
-            <a:ext cx="6489360" cy="519840"/>
+            <a:ext cx="6489000" cy="519480"/>
           </a:xfrm>
           <a:prstGeom prst="rect">
             <a:avLst/>
@@ -7243,7 +8364,7 @@
         <p:spPr>
           <a:xfrm>
             <a:off x="6438960" y="978480"/>
-            <a:ext cx="2421360" cy="3598560"/>
+            <a:ext cx="2421000" cy="3598200"/>
           </a:xfrm>
           <a:prstGeom prst="rect">
             <a:avLst/>
@@ -7296,7 +8417,7 @@
         <p:spPr>
           <a:xfrm>
             <a:off x="2520000" y="294120"/>
-            <a:ext cx="6309360" cy="519840"/>
+            <a:ext cx="6309000" cy="519480"/>
           </a:xfrm>
           <a:prstGeom prst="rect">
             <a:avLst/>
@@ -7366,7 +8487,7 @@
         <p:spPr>
           <a:xfrm>
             <a:off x="311760" y="900000"/>
-            <a:ext cx="3827520" cy="3655440"/>
+            <a:ext cx="3827160" cy="3655080"/>
           </a:xfrm>
           <a:prstGeom prst="rect">
             <a:avLst/>
@@ -7513,7 +8634,7 @@
         <p:spPr>
           <a:xfrm>
             <a:off x="4140000" y="800280"/>
-            <a:ext cx="4719240" cy="4059000"/>
+            <a:ext cx="4718880" cy="4058640"/>
           </a:xfrm>
           <a:prstGeom prst="rect">
             <a:avLst/>
@@ -7566,7 +8687,7 @@
         <p:spPr>
           <a:xfrm>
             <a:off x="2520000" y="294120"/>
-            <a:ext cx="6309360" cy="519840"/>
+            <a:ext cx="6309000" cy="519480"/>
           </a:xfrm>
           <a:prstGeom prst="rect">
             <a:avLst/>
@@ -7636,7 +8757,7 @@
         <p:spPr>
           <a:xfrm>
             <a:off x="311760" y="1440000"/>
-            <a:ext cx="8507520" cy="3115440"/>
+            <a:ext cx="8507160" cy="3115080"/>
           </a:xfrm>
           <a:prstGeom prst="rect">
             <a:avLst/>
@@ -7648,7 +8769,7 @@
         </p:spPr>
         <p:txBody>
           <a:bodyPr lIns="91440" rIns="91440" tIns="91440" bIns="91440" anchor="t">
-            <a:normAutofit fontScale="81111"/>
+            <a:normAutofit fontScale="75000" lnSpcReduction="10000"/>
           </a:bodyPr>
           <a:p>
             <a:pPr indent="0">
@@ -7784,6 +8905,52 @@
                 <a:latin typeface="Arial"/>
               </a:rPr>
               <a:t>Aunque parezca al revés es más seguro los POST que los GET. Que metan datos es malo, pero que los saquen es un problemón.</a:t>
+            </a:r>
+            <a:endParaRPr b="0" lang="es-ES" sz="1500" spc="-1" strike="noStrike">
+              <a:solidFill>
+                <a:srgbClr val="000000"/>
+              </a:solidFill>
+              <a:latin typeface="Arial"/>
+            </a:endParaRPr>
+          </a:p>
+          <a:p>
+            <a:pPr marL="216000" indent="-216000">
+              <a:lnSpc>
+                <a:spcPct val="100000"/>
+              </a:lnSpc>
+              <a:spcBef>
+                <a:spcPts val="1191"/>
+              </a:spcBef>
+              <a:spcAft>
+                <a:spcPts val="992"/>
+              </a:spcAft>
+              <a:buClr>
+                <a:srgbClr val="000000"/>
+              </a:buClr>
+              <a:buSzPct val="45000"/>
+              <a:buFont typeface="Wingdings" charset="2"/>
+              <a:buChar char=""/>
+              <a:tabLst>
+                <a:tab algn="l" pos="0"/>
+              </a:tabLst>
+            </a:pPr>
+            <a:r>
+              <a:rPr b="1" lang="es-ES" sz="1500" spc="-1" strike="noStrike">
+                <a:solidFill>
+                  <a:srgbClr val="000000"/>
+                </a:solidFill>
+                <a:latin typeface="Arial"/>
+              </a:rPr>
+              <a:t>Filtro de los datos que devuelves.</a:t>
+            </a:r>
+            <a:r>
+              <a:rPr b="0" lang="es-ES" sz="1500" spc="-1" strike="noStrike">
+                <a:solidFill>
+                  <a:srgbClr val="000000"/>
+                </a:solidFill>
+                <a:latin typeface="Arial"/>
+              </a:rPr>
+              <a:t> La API del CRM puede devolver datos sensibles como el email, pero la API intermedia puede filtrar el contenido y no suministrarlo.</a:t>
             </a:r>
             <a:endParaRPr b="0" lang="es-ES" sz="1500" spc="-1" strike="noStrike">
               <a:solidFill>
@@ -7895,7 +9062,7 @@
         <p:spPr>
           <a:xfrm>
             <a:off x="2509920" y="783000"/>
-            <a:ext cx="6309360" cy="519840"/>
+            <a:ext cx="6309000" cy="519480"/>
           </a:xfrm>
           <a:prstGeom prst="rect">
             <a:avLst/>
@@ -8002,7 +9169,7 @@
         <p:spPr>
           <a:xfrm>
             <a:off x="2340000" y="198360"/>
-            <a:ext cx="6489360" cy="519840"/>
+            <a:ext cx="6489000" cy="519480"/>
           </a:xfrm>
           <a:prstGeom prst="rect">
             <a:avLst/>
@@ -8066,7 +9233,7 @@
         <p:spPr>
           <a:xfrm>
             <a:off x="311760" y="900000"/>
-            <a:ext cx="8517600" cy="3677040"/>
+            <a:ext cx="8517240" cy="3676680"/>
           </a:xfrm>
           <a:prstGeom prst="rect">
             <a:avLst/>
@@ -8345,7 +9512,7 @@
         <p:spPr>
           <a:xfrm>
             <a:off x="311760" y="1080000"/>
-            <a:ext cx="8517600" cy="3037680"/>
+            <a:ext cx="8517240" cy="3037320"/>
           </a:xfrm>
           <a:prstGeom prst="rect">
             <a:avLst/>
@@ -8498,7 +9665,7 @@
             <a:r>
               <a:rPr b="0" lang="es-ES" sz="1600" spc="-1" strike="noStrike" u="sng">
                 <a:solidFill>
-                  <a:srgbClr val="0097a7"/>
+                  <a:srgbClr val="000000"/>
                 </a:solidFill>
                 <a:uFillTx/>
                 <a:latin typeface="Arial"/>
@@ -8537,7 +9704,7 @@
             <a:r>
               <a:rPr b="0" lang="es-ES" sz="1600" spc="-1" strike="noStrike" u="sng">
                 <a:solidFill>
-                  <a:srgbClr val="0097a7"/>
+                  <a:srgbClr val="000000"/>
                 </a:solidFill>
                 <a:uFillTx/>
                 <a:latin typeface="Arial"/>
@@ -8576,7 +9743,7 @@
             <a:r>
               <a:rPr b="0" lang="es-ES" sz="1600" spc="-1" strike="noStrike" u="sng">
                 <a:solidFill>
-                  <a:srgbClr val="0097a7"/>
+                  <a:srgbClr val="000000"/>
                 </a:solidFill>
                 <a:uFillTx/>
                 <a:latin typeface="Arial"/>
@@ -8615,7 +9782,7 @@
             <a:r>
               <a:rPr b="0" lang="es-ES" sz="1600" spc="-1" strike="noStrike" u="sng">
                 <a:solidFill>
-                  <a:srgbClr val="0097a7"/>
+                  <a:srgbClr val="000000"/>
                 </a:solidFill>
                 <a:uFillTx/>
                 <a:latin typeface="Arial"/>
@@ -8688,7 +9855,7 @@
         <p:spPr>
           <a:xfrm>
             <a:off x="2340000" y="294120"/>
-            <a:ext cx="6489360" cy="519840"/>
+            <a:ext cx="6489000" cy="519480"/>
           </a:xfrm>
           <a:prstGeom prst="rect">
             <a:avLst/>
@@ -8789,7 +9956,7 @@
         <p:spPr>
           <a:xfrm>
             <a:off x="311760" y="815760"/>
-            <a:ext cx="8517600" cy="519840"/>
+            <a:ext cx="8517240" cy="519480"/>
           </a:xfrm>
           <a:prstGeom prst="rect">
             <a:avLst/>
@@ -8840,7 +10007,7 @@
         <p:spPr>
           <a:xfrm>
             <a:off x="299880" y="1440000"/>
-            <a:ext cx="8517600" cy="1977480"/>
+            <a:ext cx="8517240" cy="1977120"/>
           </a:xfrm>
           <a:prstGeom prst="rect">
             <a:avLst/>
@@ -8880,7 +10047,7 @@
                 <a:latin typeface="Arial"/>
                 <a:ea typeface="DejaVu Sans"/>
               </a:rPr>
-              <a:t>Tu WordPress puede ser un gran aliado de tu CRM, surtiéndole de mucha información, como nuevos contactos y leadscorings. Y esto también funciona al revés, proveyendo a tu WordPress con información sobre el contacto que le ayude a vender. Pero primero debes:</a:t>
+              <a:t>Tu WordPress puede ser un gran aliado de tu CRM, surtiéndole de mucha información, como nuevos contactos y leadscorings. Y esto también funciona al revés, proveyendo a tu WordPress con información sobre la clienta que le ayude a vender. Pero primero debes...</a:t>
             </a:r>
             <a:endParaRPr b="0" lang="es-ES" sz="1800" spc="-1" strike="noStrike">
               <a:solidFill>
@@ -8932,8 +10099,8 @@
         </p:blipFill>
         <p:spPr>
           <a:xfrm rot="20467200">
-            <a:off x="2738160" y="3563640"/>
-            <a:ext cx="1072080" cy="1077480"/>
+            <a:off x="2738160" y="3563280"/>
+            <a:ext cx="1071720" cy="1077120"/>
           </a:xfrm>
           <a:prstGeom prst="rect">
             <a:avLst/>
@@ -8955,8 +10122,8 @@
         </p:blipFill>
         <p:spPr>
           <a:xfrm rot="1380000">
-            <a:off x="4474800" y="3735000"/>
-            <a:ext cx="1155600" cy="932040"/>
+            <a:off x="4474440" y="3735000"/>
+            <a:ext cx="1155240" cy="931680"/>
           </a:xfrm>
           <a:prstGeom prst="rect">
             <a:avLst/>
@@ -9009,7 +10176,7 @@
         <p:spPr>
           <a:xfrm>
             <a:off x="2340000" y="294120"/>
-            <a:ext cx="6489360" cy="519840"/>
+            <a:ext cx="6489000" cy="519480"/>
           </a:xfrm>
           <a:prstGeom prst="rect">
             <a:avLst/>
@@ -9073,7 +10240,7 @@
         <p:spPr>
           <a:xfrm>
             <a:off x="311760" y="1080000"/>
-            <a:ext cx="8517600" cy="3497040"/>
+            <a:ext cx="8517240" cy="3496680"/>
           </a:xfrm>
           <a:prstGeom prst="rect">
             <a:avLst/>
@@ -9142,7 +10309,7 @@
             <a:r>
               <a:rPr b="1" lang="es-ES" sz="1000" spc="-1" strike="noStrike" u="sng">
                 <a:solidFill>
-                  <a:srgbClr val="0097a7"/>
+                  <a:srgbClr val="000000"/>
                 </a:solidFill>
                 <a:uFillTx/>
                 <a:latin typeface="Arial"/>
@@ -9234,7 +10401,7 @@
             <a:r>
               <a:rPr b="1" lang="es-ES" sz="1000" spc="-1" strike="noStrike" u="sng">
                 <a:solidFill>
-                  <a:srgbClr val="0097a7"/>
+                  <a:srgbClr val="000000"/>
                 </a:solidFill>
                 <a:uFillTx/>
                 <a:latin typeface="Arial"/>
@@ -9261,19 +10428,7 @@
                 <a:latin typeface="Arial"/>
                 <a:ea typeface="Noto Sans CJK SC"/>
               </a:rPr>
-              <a:t> Plugin gratuito que permite hacer una conexión entre varios plugins de formularios como «Contact Form 7» o «WP Forms» y CRM como «Holded» o «Clientify». </a:t>
-            </a:r>
-            <a:r>
-              <a:rPr b="0" lang="es-ES" sz="1000" spc="-1" strike="noStrike" u="sng">
-                <a:solidFill>
-                  <a:srgbClr val="0097a7"/>
-                </a:solidFill>
-                <a:uFillTx/>
-                <a:latin typeface="Arial"/>
-                <a:ea typeface="Noto Sans CJK SC"/>
-                <a:hlinkClick r:id="rId3"/>
-              </a:rPr>
-              <a:t>https://es.wordpress.org/plugins/formscrm/</a:t>
+              <a:t> Plugin gratuito que permite hacer una conexión entre varios plugins de formularios como «Contact Form 7» o «WP Forms» y CRM como «Holded» o «Clientify». https://es.wordpress.org/plugins/formscrm/</a:t>
             </a:r>
             <a:endParaRPr b="0" lang="es-ES" sz="1000" spc="-1" strike="noStrike">
               <a:solidFill>
@@ -9305,12 +10460,12 @@
             <a:r>
               <a:rPr b="1" lang="es-ES" sz="1000" spc="-1" strike="noStrike" u="sng">
                 <a:solidFill>
-                  <a:srgbClr val="0097a7"/>
+                  <a:srgbClr val="000000"/>
                 </a:solidFill>
                 <a:uFillTx/>
                 <a:latin typeface="Arial"/>
                 <a:ea typeface="Noto Sans CJK SC"/>
-                <a:hlinkClick r:id="rId4"/>
+                <a:hlinkClick r:id="rId3"/>
               </a:rPr>
               <a:t>Add-on de Gravity Forms para Active Campaign</a:t>
             </a:r>
@@ -9387,12 +10542,12 @@
             <a:r>
               <a:rPr b="1" lang="es-ES" sz="1000" spc="-1" strike="noStrike" u="sng">
                 <a:solidFill>
-                  <a:srgbClr val="0097a7"/>
+                  <a:srgbClr val="000000"/>
                 </a:solidFill>
                 <a:uFillTx/>
                 <a:latin typeface="Arial"/>
                 <a:ea typeface="Noto Sans CJK SC"/>
-                <a:hlinkClick r:id="rId5"/>
+                <a:hlinkClick r:id="rId4"/>
               </a:rPr>
               <a:t>PHPClientifyAPI</a:t>
             </a:r>
@@ -9446,12 +10601,12 @@
             <a:r>
               <a:rPr b="1" lang="es-ES" sz="1000" spc="-1" strike="noStrike" u="sng">
                 <a:solidFill>
-                  <a:srgbClr val="0097a7"/>
+                  <a:srgbClr val="000000"/>
                 </a:solidFill>
                 <a:uFillTx/>
                 <a:latin typeface="Arial"/>
                 <a:ea typeface="Noto Sans CJK SC"/>
-                <a:hlinkClick r:id="rId6"/>
+                <a:hlinkClick r:id="rId5"/>
               </a:rPr>
               <a:t>PHPActiveCampaignAPI</a:t>
             </a:r>
@@ -9527,7 +10682,7 @@
         <p:spPr>
           <a:xfrm>
             <a:off x="480600" y="198360"/>
-            <a:ext cx="8517600" cy="519840"/>
+            <a:ext cx="8517240" cy="519480"/>
           </a:xfrm>
           <a:prstGeom prst="rect">
             <a:avLst/>
@@ -9591,7 +10746,7 @@
         <p:spPr>
           <a:xfrm>
             <a:off x="311760" y="900000"/>
-            <a:ext cx="6525720" cy="3418200"/>
+            <a:ext cx="6525360" cy="3417840"/>
           </a:xfrm>
           <a:prstGeom prst="rect">
             <a:avLst/>
@@ -9797,7 +10952,7 @@
         <p:spPr>
           <a:xfrm>
             <a:off x="6847560" y="1980000"/>
-            <a:ext cx="530640" cy="530640"/>
+            <a:ext cx="530280" cy="530280"/>
           </a:xfrm>
           <a:prstGeom prst="rect">
             <a:avLst/>
@@ -9820,7 +10975,7 @@
         <p:spPr>
           <a:xfrm>
             <a:off x="7552800" y="1944720"/>
-            <a:ext cx="540000" cy="537480"/>
+            <a:ext cx="539640" cy="537120"/>
           </a:xfrm>
           <a:prstGeom prst="rect">
             <a:avLst/>
@@ -9843,7 +10998,7 @@
         <p:spPr>
           <a:xfrm>
             <a:off x="8272800" y="1944720"/>
-            <a:ext cx="537480" cy="537480"/>
+            <a:ext cx="537120" cy="537120"/>
           </a:xfrm>
           <a:prstGeom prst="rect">
             <a:avLst/>
@@ -9866,7 +11021,7 @@
         <p:spPr>
           <a:xfrm>
             <a:off x="6847920" y="2700000"/>
-            <a:ext cx="530280" cy="530280"/>
+            <a:ext cx="529920" cy="529920"/>
           </a:xfrm>
           <a:prstGeom prst="rect">
             <a:avLst/>
@@ -9889,7 +11044,7 @@
         <p:spPr>
           <a:xfrm>
             <a:off x="7560000" y="2707920"/>
-            <a:ext cx="530280" cy="530280"/>
+            <a:ext cx="529920" cy="529920"/>
           </a:xfrm>
           <a:prstGeom prst="rect">
             <a:avLst/>
@@ -9912,7 +11067,7 @@
         <p:spPr>
           <a:xfrm>
             <a:off x="8272800" y="2700720"/>
-            <a:ext cx="530280" cy="530280"/>
+            <a:ext cx="529920" cy="529920"/>
           </a:xfrm>
           <a:prstGeom prst="rect">
             <a:avLst/>
@@ -9934,8 +11089,8 @@
         </p:nvSpPr>
         <p:spPr>
           <a:xfrm>
-            <a:off x="3600000" y="1980000"/>
-            <a:ext cx="1978200" cy="1258200"/>
+            <a:off x="3602160" y="2088000"/>
+            <a:ext cx="1977840" cy="1257840"/>
           </a:xfrm>
           <a:prstGeom prst="rect">
             <a:avLst/>
@@ -9965,7 +11120,7 @@
               </a:tabLst>
             </a:pPr>
             <a:r>
-              <a:rPr b="0" lang="es-ES" sz="1800" spc="-1" strike="noStrike">
+              <a:rPr b="0" lang="es-ES" sz="1679" spc="-1" strike="noStrike">
                 <a:solidFill>
                   <a:srgbClr val="111111"/>
                 </a:solidFill>
@@ -9974,7 +11129,7 @@
               </a:rPr>
               <a:t>Clientify</a:t>
             </a:r>
-            <a:endParaRPr b="0" lang="es-ES" sz="1800" spc="-1" strike="noStrike">
+            <a:endParaRPr b="0" lang="es-ES" sz="1679" spc="-1" strike="noStrike">
               <a:solidFill>
                 <a:srgbClr val="000000"/>
               </a:solidFill>
@@ -9997,7 +11152,7 @@
               </a:tabLst>
             </a:pPr>
             <a:r>
-              <a:rPr b="0" lang="es-ES" sz="1800" spc="-1" strike="noStrike">
+              <a:rPr b="0" lang="es-ES" sz="1679" spc="-1" strike="noStrike">
                 <a:solidFill>
                   <a:srgbClr val="111111"/>
                 </a:solidFill>
@@ -10006,7 +11161,7 @@
               </a:rPr>
               <a:t>Mautic</a:t>
             </a:r>
-            <a:endParaRPr b="0" lang="es-ES" sz="1800" spc="-1" strike="noStrike">
+            <a:endParaRPr b="0" lang="es-ES" sz="1679" spc="-1" strike="noStrike">
               <a:solidFill>
                 <a:srgbClr val="000000"/>
               </a:solidFill>
@@ -10029,7 +11184,7 @@
               </a:tabLst>
             </a:pPr>
             <a:r>
-              <a:rPr b="0" lang="es-ES" sz="1800" spc="-1" strike="noStrike">
+              <a:rPr b="0" lang="es-ES" sz="1679" spc="-1" strike="noStrike">
                 <a:solidFill>
                   <a:srgbClr val="111111"/>
                 </a:solidFill>
@@ -10038,7 +11193,7 @@
               </a:rPr>
               <a:t>Salesforce</a:t>
             </a:r>
-            <a:endParaRPr b="0" lang="es-ES" sz="1800" spc="-1" strike="noStrike">
+            <a:endParaRPr b="0" lang="es-ES" sz="1679" spc="-1" strike="noStrike">
               <a:solidFill>
                 <a:srgbClr val="000000"/>
               </a:solidFill>
@@ -10090,7 +11245,7 @@
         <p:spPr>
           <a:xfrm>
             <a:off x="300600" y="198360"/>
-            <a:ext cx="8517600" cy="519840"/>
+            <a:ext cx="8517240" cy="519480"/>
           </a:xfrm>
           <a:prstGeom prst="rect">
             <a:avLst/>
@@ -10169,7 +11324,7 @@
         <p:spPr>
           <a:xfrm>
             <a:off x="300600" y="1001160"/>
-            <a:ext cx="8517600" cy="3317040"/>
+            <a:ext cx="8517240" cy="3316680"/>
           </a:xfrm>
           <a:prstGeom prst="rect">
             <a:avLst/>
@@ -10330,7 +11485,7 @@
                 <a:latin typeface="Arial"/>
                 <a:ea typeface="Noto Sans CJK SC"/>
               </a:rPr>
-              <a:t>. Como están las cosas puede ahorraros muchos problemas si en el futuro hay que migrar todo a sistemas en Europa.</a:t>
+              <a:t>. Como están las cosas puede ahorraros muchos problemas si en el futuro hay que migrar todo a sistemas a Europa.</a:t>
             </a:r>
             <a:endParaRPr b="0" lang="es-ES" sz="1400" spc="-1" strike="noStrike">
               <a:solidFill>
@@ -10542,7 +11697,7 @@
         <p:spPr>
           <a:xfrm>
             <a:off x="360000" y="198360"/>
-            <a:ext cx="8517600" cy="519840"/>
+            <a:ext cx="8517240" cy="519480"/>
           </a:xfrm>
           <a:prstGeom prst="rect">
             <a:avLst/>
@@ -10612,7 +11767,7 @@
         <p:spPr>
           <a:xfrm>
             <a:off x="300600" y="1080000"/>
-            <a:ext cx="8517600" cy="3115440"/>
+            <a:ext cx="8517240" cy="3115080"/>
           </a:xfrm>
           <a:prstGeom prst="rect">
             <a:avLst/>
@@ -11036,7 +12191,7 @@
         <p:spPr>
           <a:xfrm>
             <a:off x="311760" y="815760"/>
-            <a:ext cx="8517600" cy="519840"/>
+            <a:ext cx="8517240" cy="519480"/>
           </a:xfrm>
           <a:prstGeom prst="rect">
             <a:avLst/>
@@ -11124,7 +12279,7 @@
         <p:spPr>
           <a:xfrm>
             <a:off x="311760" y="1260000"/>
-            <a:ext cx="8517600" cy="1416600"/>
+            <a:ext cx="8517240" cy="1416240"/>
           </a:xfrm>
           <a:prstGeom prst="rect">
             <a:avLst/>
@@ -11162,7 +12317,7 @@
                 <a:latin typeface="Arial"/>
                 <a:ea typeface="Noto Sans CJK SC"/>
               </a:rPr>
-              <a:t>Estos códigos detectan e identifican a los usuarios a partir de los clics en emails que hayan sido enviados desde el CRM.</a:t>
+              <a:t>Estos códigos detectan e identifican a las usuarias a partir de los clics en emails que hayan sido enviados desde el CRM.</a:t>
             </a:r>
             <a:endParaRPr b="0" lang="es-ES" sz="1400" spc="-1" strike="noStrike">
               <a:solidFill>
@@ -11228,7 +12383,7 @@
                 <a:latin typeface="Arial"/>
                 <a:ea typeface="Noto Sans CJK SC"/>
               </a:rPr>
-              <a:t>Sin ese primer clic en una newsletter y otro tipo de email no hay identificación y no se recoge información. Un usuario de nuestro CRM, si entra directamente en nuestra web desde un ordenador sin la cookie, no será detectado.</a:t>
+              <a:t>Sin ese primer clic en una newsletter u otro tipo de email no hay identificación y no se recoge información. Un usuario de nuestro CRM, si entra directamente en nuestra web desde un ordenador sin la cookie, no será detectado.</a:t>
             </a:r>
             <a:endParaRPr b="0" lang="es-ES" sz="1400" spc="-1" strike="noStrike">
               <a:solidFill>
@@ -11252,7 +12407,7 @@
         <p:spPr>
           <a:xfrm>
             <a:off x="120600" y="2690640"/>
-            <a:ext cx="8517600" cy="519840"/>
+            <a:ext cx="8517240" cy="519480"/>
           </a:xfrm>
           <a:prstGeom prst="rect">
             <a:avLst/>
@@ -11349,7 +12504,7 @@
         <p:spPr>
           <a:xfrm>
             <a:off x="270000" y="3060000"/>
-            <a:ext cx="8517600" cy="1438200"/>
+            <a:ext cx="8517240" cy="1437840"/>
           </a:xfrm>
           <a:prstGeom prst="rect">
             <a:avLst/>
@@ -11525,7 +12680,7 @@
         <p:spPr>
           <a:xfrm>
             <a:off x="2340000" y="198360"/>
-            <a:ext cx="6537600" cy="519840"/>
+            <a:ext cx="6537240" cy="519480"/>
           </a:xfrm>
           <a:prstGeom prst="rect">
             <a:avLst/>
@@ -11625,7 +12780,7 @@
         <p:spPr>
           <a:xfrm>
             <a:off x="311760" y="815760"/>
-            <a:ext cx="8517600" cy="519840"/>
+            <a:ext cx="8517240" cy="519480"/>
           </a:xfrm>
           <a:prstGeom prst="rect">
             <a:avLst/>
@@ -11685,7 +12840,7 @@
         <p:spPr>
           <a:xfrm>
             <a:off x="360000" y="1260000"/>
-            <a:ext cx="5399280" cy="2159280"/>
+            <a:ext cx="5398920" cy="2158920"/>
           </a:xfrm>
           <a:prstGeom prst="rect">
             <a:avLst/>
@@ -11719,7 +12874,7 @@
                 <a:latin typeface="Arial"/>
                 <a:ea typeface="DejaVu Sans"/>
               </a:rPr>
-              <a:t>Todos los enlaces en LinkedIn tienen unos parámetros «UTM» que les marca como que vienen de LinkedIn. Si el código detecta un usuario que visita una página tiene esos parámetros «UTM», le mete una etiqueta «usuario-linkedin».</a:t>
+              <a:t>Todos los enlaces en LinkedIn tienen unos parámetros «UTM» que les marca como que vienen de LinkedIn. Si el código detecta que una usuaria visita una URL que tiene esos parámetros «UTM», le mete una etiqueta #usuario-linkedin.</a:t>
             </a:r>
             <a:endParaRPr b="0" lang="es-ES" sz="1400" spc="-1" strike="noStrike">
               <a:solidFill>
@@ -11789,7 +12944,7 @@
         <p:spPr>
           <a:xfrm>
             <a:off x="2340360" y="198720"/>
-            <a:ext cx="6537600" cy="519840"/>
+            <a:ext cx="6537240" cy="519480"/>
           </a:xfrm>
           <a:prstGeom prst="rect">
             <a:avLst/>
@@ -11859,7 +13014,7 @@
         <p:spPr>
           <a:xfrm>
             <a:off x="5940000" y="1336320"/>
-            <a:ext cx="2792160" cy="2318040"/>
+            <a:ext cx="2791800" cy="2317680"/>
           </a:xfrm>
           <a:prstGeom prst="rect">
             <a:avLst/>
@@ -11882,7 +13037,7 @@
         <p:spPr>
           <a:xfrm>
             <a:off x="3060000" y="3240000"/>
-            <a:ext cx="3620160" cy="1523520"/>
+            <a:ext cx="3619800" cy="1523160"/>
           </a:xfrm>
           <a:prstGeom prst="rect">
             <a:avLst/>
@@ -11935,7 +13090,7 @@
         <p:spPr>
           <a:xfrm>
             <a:off x="2328840" y="294120"/>
-            <a:ext cx="6489360" cy="519840"/>
+            <a:ext cx="6489000" cy="519480"/>
           </a:xfrm>
           <a:prstGeom prst="rect">
             <a:avLst/>
@@ -12005,7 +13160,7 @@
         <p:spPr>
           <a:xfrm>
             <a:off x="311760" y="1461600"/>
-            <a:ext cx="4727520" cy="3115440"/>
+            <a:ext cx="4727160" cy="3115080"/>
           </a:xfrm>
           <a:prstGeom prst="rect">
             <a:avLst/>
@@ -12042,7 +13197,7 @@
                 </a:solidFill>
                 <a:latin typeface="Arial"/>
               </a:rPr>
-              <a:t>La forma más común de conexión entre WordPress y Un CRM es </a:t>
+              <a:t>La forma más común de conexión entre WordPress y un CRM es </a:t>
             </a:r>
             <a:r>
               <a:rPr b="1" lang="es-ES" sz="1800" spc="-1" strike="noStrike">
@@ -12228,7 +13383,7 @@
         <p:spPr>
           <a:xfrm>
             <a:off x="5188320" y="937800"/>
-            <a:ext cx="3599280" cy="3818520"/>
+            <a:ext cx="3598920" cy="3818160"/>
           </a:xfrm>
           <a:prstGeom prst="rect">
             <a:avLst/>
@@ -12281,7 +13436,7 @@
         <p:spPr>
           <a:xfrm>
             <a:off x="311760" y="815760"/>
-            <a:ext cx="8517600" cy="519840"/>
+            <a:ext cx="8517240" cy="519480"/>
           </a:xfrm>
           <a:prstGeom prst="rect">
             <a:avLst/>
@@ -12352,8 +13507,8 @@
         </p:nvSpPr>
         <p:spPr>
           <a:xfrm>
-            <a:off x="311760" y="1260000"/>
-            <a:ext cx="8517600" cy="3420000"/>
+            <a:off x="311760" y="1188000"/>
+            <a:ext cx="8517240" cy="3419640"/>
           </a:xfrm>
           <a:prstGeom prst="rect">
             <a:avLst/>
@@ -12365,7 +13520,7 @@
         </p:spPr>
         <p:txBody>
           <a:bodyPr lIns="91440" rIns="91440" tIns="91440" bIns="91440" anchor="t">
-            <a:normAutofit fontScale="96666" lnSpcReduction="10000"/>
+            <a:normAutofit fontScale="68333"/>
           </a:bodyPr>
           <a:p>
             <a:pPr indent="0">
@@ -12373,15 +13528,18 @@
                 <a:spcPct val="100000"/>
               </a:lnSpc>
               <a:spcBef>
-                <a:spcPts val="57"/>
-              </a:spcBef>
+                <a:spcPts val="340"/>
+              </a:spcBef>
+              <a:spcAft>
+                <a:spcPts val="283"/>
+              </a:spcAft>
               <a:buNone/>
               <a:tabLst>
                 <a:tab algn="l" pos="0"/>
               </a:tabLst>
             </a:pPr>
             <a:r>
-              <a:rPr b="0" lang="es-ES" sz="1200" spc="-1" strike="noStrike">
+              <a:rPr b="0" lang="es-ES" sz="1400" spc="-1" strike="noStrike">
                 <a:solidFill>
                   <a:srgbClr val="000000"/>
                 </a:solidFill>
@@ -12389,7 +13547,7 @@
               </a:rPr>
               <a:t>La mayoría de CRM dan códigos para incrustar formularios en tu web. Son códigos muy sencillos de usar, generas el formulario y cortas y pegas el código que te dan en tu web, en páginas, widgets, …</a:t>
             </a:r>
-            <a:endParaRPr b="0" lang="es-ES" sz="1200" spc="-1" strike="noStrike">
+            <a:endParaRPr b="0" lang="es-ES" sz="1400" spc="-1" strike="noStrike">
               <a:solidFill>
                 <a:srgbClr val="000000"/>
               </a:solidFill>
@@ -12403,14 +13561,27 @@
                 <a:spcPct val="100000"/>
               </a:lnSpc>
               <a:spcBef>
-                <a:spcPts val="57"/>
-              </a:spcBef>
+                <a:spcPts val="340"/>
+              </a:spcBef>
+              <a:spcAft>
+                <a:spcPts val="283"/>
+              </a:spcAft>
               <a:buNone/>
               <a:tabLst>
                 <a:tab algn="l" pos="0"/>
               </a:tabLst>
             </a:pPr>
-            <a:endParaRPr b="0" lang="es-ES" sz="1200" spc="-1" strike="noStrike">
+            <a:r>
+              <a:rPr b="1" lang="es-ES" sz="1400" spc="-1" strike="noStrike">
+                <a:solidFill>
+                  <a:srgbClr val="000000"/>
+                </a:solidFill>
+                <a:latin typeface="Arial"/>
+                <a:ea typeface="Noto Sans CJK SC"/>
+              </a:rPr>
+              <a:t>Ventajas:</a:t>
+            </a:r>
+            <a:endParaRPr b="0" lang="es-ES" sz="1400" spc="-1" strike="noStrike">
               <a:solidFill>
                 <a:srgbClr val="000000"/>
               </a:solidFill>
@@ -12419,43 +13590,16 @@
             </a:endParaRPr>
           </a:p>
           <a:p>
-            <a:pPr indent="0">
-              <a:lnSpc>
-                <a:spcPct val="100000"/>
-              </a:lnSpc>
-              <a:spcBef>
-                <a:spcPts val="57"/>
-              </a:spcBef>
-              <a:buNone/>
-              <a:tabLst>
-                <a:tab algn="l" pos="0"/>
-              </a:tabLst>
-            </a:pPr>
-            <a:r>
-              <a:rPr b="1" lang="es-ES" sz="1200" spc="-1" strike="noStrike">
-                <a:solidFill>
-                  <a:srgbClr val="000000"/>
-                </a:solidFill>
-                <a:latin typeface="Arial"/>
-              </a:rPr>
-              <a:t>Ventajas:</a:t>
-            </a:r>
-            <a:endParaRPr b="0" lang="es-ES" sz="1200" spc="-1" strike="noStrike">
-              <a:solidFill>
-                <a:srgbClr val="000000"/>
-              </a:solidFill>
-              <a:latin typeface="Arial"/>
-              <a:ea typeface="Noto Sans CJK SC"/>
-            </a:endParaRPr>
-          </a:p>
-          <a:p>
             <a:pPr marL="720000" indent="-324000">
               <a:lnSpc>
                 <a:spcPct val="100000"/>
               </a:lnSpc>
               <a:spcBef>
-                <a:spcPts val="57"/>
-              </a:spcBef>
+                <a:spcPts val="340"/>
+              </a:spcBef>
+              <a:spcAft>
+                <a:spcPts val="283"/>
+              </a:spcAft>
               <a:buClr>
                 <a:srgbClr val="000000"/>
               </a:buClr>
@@ -12466,15 +13610,26 @@
               </a:tabLst>
             </a:pPr>
             <a:r>
-              <a:rPr b="0" lang="es-ES" sz="1200" spc="-1" strike="noStrike">
-                <a:solidFill>
-                  <a:srgbClr val="000000"/>
-                </a:solidFill>
-                <a:latin typeface="Arial"/>
-              </a:rPr>
-              <a:t>Muy fácil de crear e integrar y exigen pocos conocimientos y gratis.</a:t>
-            </a:r>
-            <a:endParaRPr b="0" lang="es-ES" sz="1200" spc="-1" strike="noStrike">
+              <a:rPr b="1" lang="es-ES" sz="1400" spc="-1" strike="noStrike">
+                <a:solidFill>
+                  <a:srgbClr val="000000"/>
+                </a:solidFill>
+                <a:latin typeface="Arial"/>
+                <a:ea typeface="Noto Sans CJK SC"/>
+              </a:rPr>
+              <a:t>Muy fáciles de crear e integrar</a:t>
+            </a:r>
+            <a:r>
+              <a:rPr b="0" lang="es-ES" sz="1400" spc="-1" strike="noStrike">
+                <a:solidFill>
+                  <a:srgbClr val="000000"/>
+                </a:solidFill>
+                <a:latin typeface="Arial"/>
+                <a:ea typeface="Noto Sans CJK SC"/>
+              </a:rPr>
+              <a:t> y exigen pocos conocimientos y son gratis.</a:t>
+            </a:r>
+            <a:endParaRPr b="0" lang="es-ES" sz="1400" spc="-1" strike="noStrike">
               <a:solidFill>
                 <a:srgbClr val="000000"/>
               </a:solidFill>
@@ -12488,8 +13643,11 @@
                 <a:spcPct val="100000"/>
               </a:lnSpc>
               <a:spcBef>
-                <a:spcPts val="57"/>
-              </a:spcBef>
+                <a:spcPts val="340"/>
+              </a:spcBef>
+              <a:spcAft>
+                <a:spcPts val="283"/>
+              </a:spcAft>
               <a:buClr>
                 <a:srgbClr val="000000"/>
               </a:buClr>
@@ -12500,15 +13658,36 @@
               </a:tabLst>
             </a:pPr>
             <a:r>
-              <a:rPr b="0" lang="es-ES" sz="1200" spc="-1" strike="noStrike">
-                <a:solidFill>
-                  <a:srgbClr val="000000"/>
-                </a:solidFill>
-                <a:latin typeface="Arial"/>
-              </a:rPr>
-              <a:t>La conexión es directa, no debería haber fallos.</a:t>
-            </a:r>
-            <a:endParaRPr b="0" lang="es-ES" sz="1200" spc="-1" strike="noStrike">
+              <a:rPr b="0" lang="es-ES" sz="1400" spc="-1" strike="noStrike">
+                <a:solidFill>
+                  <a:srgbClr val="000000"/>
+                </a:solidFill>
+                <a:latin typeface="Arial"/>
+                <a:ea typeface="Noto Sans CJK SC"/>
+              </a:rPr>
+              <a:t>La conexión es directa, </a:t>
+            </a:r>
+            <a:r>
+              <a:rPr b="1" lang="es-ES" sz="1400" spc="-1" strike="noStrike">
+                <a:solidFill>
+                  <a:srgbClr val="000000"/>
+                </a:solidFill>
+                <a:latin typeface="Arial"/>
+                <a:ea typeface="Noto Sans CJK SC"/>
+              </a:rPr>
+              <a:t>no debería haber fallos</a:t>
+            </a:r>
+            <a:r>
+              <a:rPr b="0" lang="es-ES" sz="1400" spc="-1" strike="noStrike">
+                <a:solidFill>
+                  <a:srgbClr val="000000"/>
+                </a:solidFill>
+                <a:latin typeface="Arial"/>
+                <a:ea typeface="Noto Sans CJK SC"/>
+              </a:rPr>
+              <a:t>.</a:t>
+            </a:r>
+            <a:endParaRPr b="0" lang="es-ES" sz="1400" spc="-1" strike="noStrike">
               <a:solidFill>
                 <a:srgbClr val="000000"/>
               </a:solidFill>
@@ -12522,8 +13701,11 @@
                 <a:spcPct val="100000"/>
               </a:lnSpc>
               <a:spcBef>
-                <a:spcPts val="57"/>
-              </a:spcBef>
+                <a:spcPts val="340"/>
+              </a:spcBef>
+              <a:spcAft>
+                <a:spcPts val="283"/>
+              </a:spcAft>
               <a:buClr>
                 <a:srgbClr val="000000"/>
               </a:buClr>
@@ -12534,15 +13716,16 @@
               </a:tabLst>
             </a:pPr>
             <a:r>
-              <a:rPr b="0" lang="es-ES" sz="1200" spc="-1" strike="noStrike">
-                <a:solidFill>
-                  <a:srgbClr val="000000"/>
-                </a:solidFill>
-                <a:latin typeface="Arial"/>
-              </a:rPr>
-              <a:t>Ellos se encargan de meter la cookie de rastreo o similares para poder seguir al usuario.</a:t>
-            </a:r>
-            <a:endParaRPr b="0" lang="es-ES" sz="1200" spc="-1" strike="noStrike">
+              <a:rPr b="0" lang="es-ES" sz="1400" spc="-1" strike="noStrike">
+                <a:solidFill>
+                  <a:srgbClr val="000000"/>
+                </a:solidFill>
+                <a:latin typeface="Arial"/>
+                <a:ea typeface="Noto Sans CJK SC"/>
+              </a:rPr>
+              <a:t>Ellos se encargan de meter la cookie de tracking o similares para poder seguir al usuario.</a:t>
+            </a:r>
+            <a:endParaRPr b="0" lang="es-ES" sz="1400" spc="-1" strike="noStrike">
               <a:solidFill>
                 <a:srgbClr val="000000"/>
               </a:solidFill>
@@ -12551,19 +13734,32 @@
             </a:endParaRPr>
           </a:p>
           <a:p>
-            <a:pPr marL="720000" indent="0">
-              <a:lnSpc>
-                <a:spcPct val="100000"/>
-              </a:lnSpc>
-              <a:spcBef>
-                <a:spcPts val="57"/>
-              </a:spcBef>
+            <a:pPr indent="0">
+              <a:lnSpc>
+                <a:spcPct val="100000"/>
+              </a:lnSpc>
+              <a:spcBef>
+                <a:spcPts val="340"/>
+              </a:spcBef>
+              <a:spcAft>
+                <a:spcPts val="283"/>
+              </a:spcAft>
               <a:buNone/>
               <a:tabLst>
                 <a:tab algn="l" pos="0"/>
               </a:tabLst>
             </a:pPr>
-            <a:endParaRPr b="0" lang="es-ES" sz="1200" spc="-1" strike="noStrike">
+            <a:r>
+              <a:rPr b="1" lang="es-ES" sz="1400" spc="-1" strike="noStrike">
+                <a:solidFill>
+                  <a:srgbClr val="000000"/>
+                </a:solidFill>
+                <a:latin typeface="Arial"/>
+                <a:ea typeface="Noto Sans CJK SC"/>
+              </a:rPr>
+              <a:t>Desventajas:</a:t>
+            </a:r>
+            <a:endParaRPr b="0" lang="es-ES" sz="1400" spc="-1" strike="noStrike">
               <a:solidFill>
                 <a:srgbClr val="000000"/>
               </a:solidFill>
@@ -12572,43 +13768,16 @@
             </a:endParaRPr>
           </a:p>
           <a:p>
-            <a:pPr indent="0">
-              <a:lnSpc>
-                <a:spcPct val="100000"/>
-              </a:lnSpc>
-              <a:spcBef>
-                <a:spcPts val="57"/>
-              </a:spcBef>
-              <a:buNone/>
-              <a:tabLst>
-                <a:tab algn="l" pos="0"/>
-              </a:tabLst>
-            </a:pPr>
-            <a:r>
-              <a:rPr b="1" lang="es-ES" sz="1200" spc="-1" strike="noStrike">
-                <a:solidFill>
-                  <a:srgbClr val="000000"/>
-                </a:solidFill>
-                <a:latin typeface="Arial"/>
-              </a:rPr>
-              <a:t>Desventajas:</a:t>
-            </a:r>
-            <a:endParaRPr b="0" lang="es-ES" sz="1200" spc="-1" strike="noStrike">
-              <a:solidFill>
-                <a:srgbClr val="000000"/>
-              </a:solidFill>
-              <a:latin typeface="Arial"/>
-              <a:ea typeface="Noto Sans CJK SC"/>
-            </a:endParaRPr>
-          </a:p>
-          <a:p>
             <a:pPr marL="720000" indent="-324000">
               <a:lnSpc>
                 <a:spcPct val="100000"/>
               </a:lnSpc>
               <a:spcBef>
-                <a:spcPts val="57"/>
-              </a:spcBef>
+                <a:spcPts val="340"/>
+              </a:spcBef>
+              <a:spcAft>
+                <a:spcPts val="283"/>
+              </a:spcAft>
               <a:buClr>
                 <a:srgbClr val="000000"/>
               </a:buClr>
@@ -12619,15 +13788,36 @@
               </a:tabLst>
             </a:pPr>
             <a:r>
-              <a:rPr b="0" lang="es-ES" sz="1200" spc="-1" strike="noStrike">
-                <a:solidFill>
-                  <a:srgbClr val="000000"/>
-                </a:solidFill>
-                <a:latin typeface="Arial"/>
-              </a:rPr>
-              <a:t>Cuando quieres meter campos especiales que no están en el CRM, te obliga a crear campus personalizados en el CRM para guardar esa información. A la larga creas montones de campos que casi ni se usan.</a:t>
-            </a:r>
-            <a:endParaRPr b="0" lang="es-ES" sz="1200" spc="-1" strike="noStrike">
+              <a:rPr b="0" lang="es-ES" sz="1400" spc="-1" strike="noStrike">
+                <a:solidFill>
+                  <a:srgbClr val="000000"/>
+                </a:solidFill>
+                <a:latin typeface="Arial"/>
+                <a:ea typeface="Noto Sans CJK SC"/>
+              </a:rPr>
+              <a:t>Cuando quieres meter campos especiales que no están en el CRM, </a:t>
+            </a:r>
+            <a:r>
+              <a:rPr b="1" lang="es-ES" sz="1400" spc="-1" strike="noStrike">
+                <a:solidFill>
+                  <a:srgbClr val="000000"/>
+                </a:solidFill>
+                <a:latin typeface="Arial"/>
+                <a:ea typeface="Noto Sans CJK SC"/>
+              </a:rPr>
+              <a:t>te obliga a crear campus personalizados</a:t>
+            </a:r>
+            <a:r>
+              <a:rPr b="0" lang="es-ES" sz="1400" spc="-1" strike="noStrike">
+                <a:solidFill>
+                  <a:srgbClr val="000000"/>
+                </a:solidFill>
+                <a:latin typeface="Arial"/>
+                <a:ea typeface="Noto Sans CJK SC"/>
+              </a:rPr>
+              <a:t> en el CRM para guardar esa información. A la larga creas montones de campos que casi ni se usan.</a:t>
+            </a:r>
+            <a:endParaRPr b="0" lang="es-ES" sz="1400" spc="-1" strike="noStrike">
               <a:solidFill>
                 <a:srgbClr val="000000"/>
               </a:solidFill>
@@ -12641,8 +13831,11 @@
                 <a:spcPct val="100000"/>
               </a:lnSpc>
               <a:spcBef>
-                <a:spcPts val="57"/>
-              </a:spcBef>
+                <a:spcPts val="340"/>
+              </a:spcBef>
+              <a:spcAft>
+                <a:spcPts val="283"/>
+              </a:spcAft>
               <a:buClr>
                 <a:srgbClr val="000000"/>
               </a:buClr>
@@ -12653,15 +13846,26 @@
               </a:tabLst>
             </a:pPr>
             <a:r>
-              <a:rPr b="0" lang="es-ES" sz="1200" spc="-1" strike="noStrike">
-                <a:solidFill>
-                  <a:srgbClr val="000000"/>
-                </a:solidFill>
-                <a:latin typeface="Arial"/>
-              </a:rPr>
-              <a:t>No tienen buena integración en el diseño de tu WordPress y suelen quedar un poco pegote.</a:t>
-            </a:r>
-            <a:endParaRPr b="0" lang="es-ES" sz="1200" spc="-1" strike="noStrike">
+              <a:rPr b="1" lang="es-ES" sz="1400" spc="-1" strike="noStrike">
+                <a:solidFill>
+                  <a:srgbClr val="000000"/>
+                </a:solidFill>
+                <a:latin typeface="Arial"/>
+                <a:ea typeface="Noto Sans CJK SC"/>
+              </a:rPr>
+              <a:t>No tienen buena integración en el diseño</a:t>
+            </a:r>
+            <a:r>
+              <a:rPr b="0" lang="es-ES" sz="1400" spc="-1" strike="noStrike">
+                <a:solidFill>
+                  <a:srgbClr val="000000"/>
+                </a:solidFill>
+                <a:latin typeface="Arial"/>
+                <a:ea typeface="Noto Sans CJK SC"/>
+              </a:rPr>
+              <a:t> de tu WordPress y suelen quedar un poco pegote.</a:t>
+            </a:r>
+            <a:endParaRPr b="0" lang="es-ES" sz="1400" spc="-1" strike="noStrike">
               <a:solidFill>
                 <a:srgbClr val="000000"/>
               </a:solidFill>
@@ -12675,8 +13879,11 @@
                 <a:spcPct val="100000"/>
               </a:lnSpc>
               <a:spcBef>
-                <a:spcPts val="57"/>
-              </a:spcBef>
+                <a:spcPts val="1191"/>
+              </a:spcBef>
+              <a:spcAft>
+                <a:spcPts val="992"/>
+              </a:spcAft>
               <a:buClr>
                 <a:srgbClr val="000000"/>
               </a:buClr>
@@ -12687,20 +13894,30 @@
               </a:tabLst>
             </a:pPr>
             <a:r>
-              <a:rPr b="0" lang="es-ES" sz="1200" spc="-1" strike="noStrike">
-                <a:solidFill>
-                  <a:srgbClr val="000000"/>
-                </a:solidFill>
-                <a:latin typeface="Arial"/>
-              </a:rPr>
-              <a:t>No permiten conectar a terceros. Los formularios incrustados se conectan difícilmente con elementos de terceros. Tengo una fundación de una empresa grande que todos los contactos recogidos con los formularios deben registrarse en el CRM que usan ellos (Clientify) y con el de la empresa matriz (Salesforce). Los formularios incrustados de Clientify no permiten hacer una conexión también a Salesforce cumpliendo los requerimientos que Salesforce exige.</a:t>
-            </a:r>
-            <a:endParaRPr b="0" lang="es-ES" sz="1200" spc="-1" strike="noStrike">
-              <a:solidFill>
-                <a:srgbClr val="000000"/>
-              </a:solidFill>
-              <a:latin typeface="Arial"/>
-              <a:ea typeface="Noto Sans CJK SC"/>
+              <a:rPr b="1" lang="es-ES" sz="1400" spc="-1" strike="noStrike">
+                <a:solidFill>
+                  <a:srgbClr val="000000"/>
+                </a:solidFill>
+                <a:latin typeface="Arial"/>
+                <a:ea typeface="Noto Sans CJK SC"/>
+              </a:rPr>
+              <a:t>No permiten conectar a terceros.</a:t>
+            </a:r>
+            <a:r>
+              <a:rPr b="0" lang="es-ES" sz="1400" spc="-1" strike="noStrike">
+                <a:solidFill>
+                  <a:srgbClr val="000000"/>
+                </a:solidFill>
+                <a:latin typeface="Arial"/>
+                <a:ea typeface="Noto Sans CJK SC"/>
+              </a:rPr>
+              <a:t> Los formularios incrustados se conectan difícilmente con elementos de terceros. Tengo una fundación de una empresa grande que todas las clientas recogidas con los formularios deben registrarse en el CRM que usan ellas (Clientify) y con el de la empresa matriz (Salesforce). Los formularios incrustados de Clientify no permiten hacer una conexión también a Salesforce cumpliendo los requerimientos que Salesforce exige.</a:t>
+            </a:r>
+            <a:endParaRPr b="0" lang="es-ES" sz="1400" spc="-1" strike="noStrike">
+              <a:solidFill>
+                <a:srgbClr val="000000"/>
+              </a:solidFill>
+              <a:latin typeface="Arial"/>
             </a:endParaRPr>
           </a:p>
           <a:p>
@@ -12709,8 +13926,11 @@
                 <a:spcPct val="100000"/>
               </a:lnSpc>
               <a:spcBef>
-                <a:spcPts val="57"/>
-              </a:spcBef>
+                <a:spcPts val="340"/>
+              </a:spcBef>
+              <a:spcAft>
+                <a:spcPts val="283"/>
+              </a:spcAft>
               <a:buClr>
                 <a:srgbClr val="000000"/>
               </a:buClr>
@@ -12721,15 +13941,26 @@
               </a:tabLst>
             </a:pPr>
             <a:r>
-              <a:rPr b="0" lang="es-ES" sz="1200" spc="-1" strike="noStrike">
-                <a:solidFill>
-                  <a:srgbClr val="000000"/>
-                </a:solidFill>
-                <a:latin typeface="Arial"/>
-              </a:rPr>
-              <a:t>Si cae el CRM caen los formularios de tu web. No suelen fallar, pero puede pasar.</a:t>
-            </a:r>
-            <a:endParaRPr b="0" lang="es-ES" sz="1200" spc="-1" strike="noStrike">
+              <a:rPr b="1" lang="es-ES" sz="1400" spc="-1" strike="noStrike">
+                <a:solidFill>
+                  <a:srgbClr val="000000"/>
+                </a:solidFill>
+                <a:latin typeface="Arial"/>
+                <a:ea typeface="Noto Sans CJK SC"/>
+              </a:rPr>
+              <a:t>Si cae el CRM caen los formularios de tu web.</a:t>
+            </a:r>
+            <a:r>
+              <a:rPr b="0" lang="es-ES" sz="1400" spc="-1" strike="noStrike">
+                <a:solidFill>
+                  <a:srgbClr val="000000"/>
+                </a:solidFill>
+                <a:latin typeface="Arial"/>
+                <a:ea typeface="Noto Sans CJK SC"/>
+              </a:rPr>
+              <a:t> No suelen fallar, pero puede pasar.</a:t>
+            </a:r>
+            <a:endParaRPr b="0" lang="es-ES" sz="1400" spc="-1" strike="noStrike">
               <a:solidFill>
                 <a:srgbClr val="000000"/>
               </a:solidFill>
@@ -12758,6 +13989,7 @@
                 <a:srgbClr val="000000"/>
               </a:solidFill>
               <a:latin typeface="Arial"/>
+              <a:ea typeface="Noto Sans CJK SC"/>
             </a:endParaRPr>
           </a:p>
         </p:txBody>
@@ -12775,7 +14007,7 @@
         <p:spPr>
           <a:xfrm>
             <a:off x="2329200" y="294480"/>
-            <a:ext cx="6489360" cy="519840"/>
+            <a:ext cx="6489000" cy="519480"/>
           </a:xfrm>
           <a:prstGeom prst="rect">
             <a:avLst/>

--- a/WCBIO25_Jorge-Monclus.pptx
+++ b/WCBIO25_Jorge-Monclus.pptx
@@ -69,7 +69,7 @@
         <p:spPr>
           <a:xfrm>
             <a:off x="311760" y="764280"/>
-            <a:ext cx="8517240" cy="625320"/>
+            <a:ext cx="8516880" cy="625320"/>
           </a:xfrm>
           <a:prstGeom prst="rect">
             <a:avLst/>
@@ -109,7 +109,7 @@
         <p:spPr>
           <a:xfrm>
             <a:off x="311760" y="1461600"/>
-            <a:ext cx="8517240" cy="3115080"/>
+            <a:ext cx="8516880" cy="3114720"/>
           </a:xfrm>
           <a:prstGeom prst="rect">
             <a:avLst/>
@@ -153,7 +153,7 @@
         <p:txBody>
           <a:bodyPr/>
           <a:p>
-            <a:fld id="{5A10E45B-249D-43D2-89FC-13DFE3C70932}" type="slidenum">
+            <a:fld id="{BE79BF5E-8166-47F6-AEBB-0306BBD65924}" type="slidenum">
               <a:t>&lt;#&gt;</a:t>
             </a:fld>
           </a:p>
@@ -194,7 +194,7 @@
         <p:spPr>
           <a:xfrm>
             <a:off x="311760" y="764280"/>
-            <a:ext cx="8517240" cy="625320"/>
+            <a:ext cx="8516880" cy="625320"/>
           </a:xfrm>
           <a:prstGeom prst="rect">
             <a:avLst/>
@@ -234,7 +234,7 @@
         <p:spPr>
           <a:xfrm>
             <a:off x="311760" y="1461600"/>
-            <a:ext cx="8517240" cy="3115080"/>
+            <a:ext cx="8516880" cy="3114720"/>
           </a:xfrm>
           <a:prstGeom prst="rect">
             <a:avLst/>
@@ -278,7 +278,7 @@
         <p:txBody>
           <a:bodyPr/>
           <a:p>
-            <a:fld id="{6B90C4B3-4D5D-4F26-8289-663F9DAF6314}" type="slidenum">
+            <a:fld id="{BC59088B-5BCC-4D08-8F8D-BA06BD108A0A}" type="slidenum">
               <a:t>&lt;#&gt;</a:t>
             </a:fld>
           </a:p>
@@ -319,7 +319,7 @@
         <p:spPr>
           <a:xfrm>
             <a:off x="311760" y="764280"/>
-            <a:ext cx="8517240" cy="625320"/>
+            <a:ext cx="8516880" cy="625320"/>
           </a:xfrm>
           <a:prstGeom prst="rect">
             <a:avLst/>
@@ -359,7 +359,7 @@
         <p:spPr>
           <a:xfrm>
             <a:off x="311760" y="1461600"/>
-            <a:ext cx="8517240" cy="3115080"/>
+            <a:ext cx="8516880" cy="3114720"/>
           </a:xfrm>
           <a:prstGeom prst="rect">
             <a:avLst/>
@@ -403,7 +403,7 @@
         <p:txBody>
           <a:bodyPr/>
           <a:p>
-            <a:fld id="{0F4AEE78-5B9E-4637-9F97-55B244D1D70F}" type="slidenum">
+            <a:fld id="{31E6DE63-34DD-45E9-AC6C-136B96036887}" type="slidenum">
               <a:t>&lt;#&gt;</a:t>
             </a:fld>
           </a:p>
@@ -444,7 +444,7 @@
         <p:spPr>
           <a:xfrm>
             <a:off x="311760" y="764280"/>
-            <a:ext cx="8517240" cy="625320"/>
+            <a:ext cx="8516880" cy="625320"/>
           </a:xfrm>
           <a:prstGeom prst="rect">
             <a:avLst/>
@@ -484,7 +484,7 @@
         <p:spPr>
           <a:xfrm>
             <a:off x="311760" y="1461600"/>
-            <a:ext cx="8517240" cy="3115080"/>
+            <a:ext cx="8516880" cy="3114720"/>
           </a:xfrm>
           <a:prstGeom prst="rect">
             <a:avLst/>
@@ -528,7 +528,7 @@
         <p:txBody>
           <a:bodyPr/>
           <a:p>
-            <a:fld id="{776D16C5-B87D-4E52-AF59-90A546FA5E92}" type="slidenum">
+            <a:fld id="{34A1E8CE-E058-46EB-B94D-C0F012F8EDA0}" type="slidenum">
               <a:t>&lt;#&gt;</a:t>
             </a:fld>
           </a:p>
@@ -569,7 +569,7 @@
         <p:spPr>
           <a:xfrm>
             <a:off x="311760" y="764280"/>
-            <a:ext cx="8517240" cy="625320"/>
+            <a:ext cx="8516880" cy="625320"/>
           </a:xfrm>
           <a:prstGeom prst="rect">
             <a:avLst/>
@@ -609,7 +609,7 @@
         <p:spPr>
           <a:xfrm>
             <a:off x="311760" y="1461600"/>
-            <a:ext cx="8517240" cy="3115080"/>
+            <a:ext cx="8516880" cy="3114720"/>
           </a:xfrm>
           <a:prstGeom prst="rect">
             <a:avLst/>
@@ -653,7 +653,7 @@
         <p:txBody>
           <a:bodyPr/>
           <a:p>
-            <a:fld id="{46C98216-3A0E-4BE3-96BC-2D2B56187226}" type="slidenum">
+            <a:fld id="{85D62F55-0575-44B3-B658-53F8F8C3615B}" type="slidenum">
               <a:t>&lt;#&gt;</a:t>
             </a:fld>
           </a:p>
@@ -694,7 +694,7 @@
         <p:spPr>
           <a:xfrm>
             <a:off x="311760" y="764280"/>
-            <a:ext cx="8517240" cy="625320"/>
+            <a:ext cx="8516880" cy="625320"/>
           </a:xfrm>
           <a:prstGeom prst="rect">
             <a:avLst/>
@@ -734,7 +734,7 @@
         <p:spPr>
           <a:xfrm>
             <a:off x="311760" y="1461600"/>
-            <a:ext cx="8517240" cy="3115080"/>
+            <a:ext cx="8516880" cy="3114720"/>
           </a:xfrm>
           <a:prstGeom prst="rect">
             <a:avLst/>
@@ -775,7 +775,7 @@
         <p:txBody>
           <a:bodyPr/>
           <a:p>
-            <a:fld id="{7304D1D0-E0F9-41D0-BACD-EF2FF2A729F2}" type="slidenum">
+            <a:fld id="{BB1EF100-59D5-428A-89A1-FEDF54E584BA}" type="slidenum">
               <a:t>&lt;#&gt;</a:t>
             </a:fld>
           </a:p>
@@ -816,7 +816,7 @@
         <p:spPr>
           <a:xfrm>
             <a:off x="311760" y="764280"/>
-            <a:ext cx="8517240" cy="625320"/>
+            <a:ext cx="8516880" cy="625320"/>
           </a:xfrm>
           <a:prstGeom prst="rect">
             <a:avLst/>
@@ -856,7 +856,7 @@
         <p:spPr>
           <a:xfrm>
             <a:off x="311760" y="1461600"/>
-            <a:ext cx="8517240" cy="3115080"/>
+            <a:ext cx="8516880" cy="3114720"/>
           </a:xfrm>
           <a:prstGeom prst="rect">
             <a:avLst/>
@@ -900,7 +900,7 @@
         <p:txBody>
           <a:bodyPr/>
           <a:p>
-            <a:fld id="{EFD96B46-A96A-4D31-9786-22D6844657BD}" type="slidenum">
+            <a:fld id="{D6F145F1-9FD3-4152-BA60-68FC76845EEA}" type="slidenum">
               <a:t>&lt;#&gt;</a:t>
             </a:fld>
           </a:p>
@@ -941,7 +941,7 @@
         <p:spPr>
           <a:xfrm>
             <a:off x="311760" y="764280"/>
-            <a:ext cx="8517240" cy="625320"/>
+            <a:ext cx="8516880" cy="625320"/>
           </a:xfrm>
           <a:prstGeom prst="rect">
             <a:avLst/>
@@ -981,7 +981,7 @@
         <p:spPr>
           <a:xfrm>
             <a:off x="311760" y="1461600"/>
-            <a:ext cx="8517240" cy="3115080"/>
+            <a:ext cx="8516880" cy="3114720"/>
           </a:xfrm>
           <a:prstGeom prst="rect">
             <a:avLst/>
@@ -1025,7 +1025,7 @@
         <p:txBody>
           <a:bodyPr/>
           <a:p>
-            <a:fld id="{785850DE-FE50-4292-B83B-206D0390E4DD}" type="slidenum">
+            <a:fld id="{4E18EED9-2712-4FE9-9605-1AB5CBA5C65B}" type="slidenum">
               <a:t>&lt;#&gt;</a:t>
             </a:fld>
           </a:p>
@@ -1066,7 +1066,7 @@
         <p:spPr>
           <a:xfrm>
             <a:off x="311760" y="764280"/>
-            <a:ext cx="8517240" cy="625320"/>
+            <a:ext cx="8516880" cy="625320"/>
           </a:xfrm>
           <a:prstGeom prst="rect">
             <a:avLst/>
@@ -1106,7 +1106,7 @@
         <p:spPr>
           <a:xfrm>
             <a:off x="311760" y="1461600"/>
-            <a:ext cx="8517240" cy="3115080"/>
+            <a:ext cx="8516880" cy="3114720"/>
           </a:xfrm>
           <a:prstGeom prst="rect">
             <a:avLst/>
@@ -1150,7 +1150,7 @@
         <p:txBody>
           <a:bodyPr/>
           <a:p>
-            <a:fld id="{609C7AFC-6B03-4CBF-B2CA-661D3106CF45}" type="slidenum">
+            <a:fld id="{0DC2E2E1-75DD-4689-A8BF-3818E6EEA07A}" type="slidenum">
               <a:t>&lt;#&gt;</a:t>
             </a:fld>
           </a:p>
@@ -1195,7 +1195,7 @@
         <p:spPr>
           <a:xfrm>
             <a:off x="4572000" y="177480"/>
-            <a:ext cx="4568760" cy="4962600"/>
+            <a:ext cx="4568400" cy="4962240"/>
           </a:xfrm>
           <a:prstGeom prst="rect">
             <a:avLst/>
@@ -1246,7 +1246,7 @@
         <p:spPr>
           <a:xfrm>
             <a:off x="311760" y="764280"/>
-            <a:ext cx="8517240" cy="624960"/>
+            <a:ext cx="8516880" cy="624960"/>
           </a:xfrm>
           <a:prstGeom prst="rect">
             <a:avLst/>
@@ -1295,7 +1295,7 @@
         <p:spPr>
           <a:xfrm>
             <a:off x="311760" y="1461600"/>
-            <a:ext cx="8517240" cy="3115080"/>
+            <a:ext cx="8516880" cy="3114720"/>
           </a:xfrm>
           <a:prstGeom prst="rect">
             <a:avLst/>
@@ -1520,7 +1520,7 @@
         <p:spPr>
           <a:xfrm>
             <a:off x="8472600" y="4663080"/>
-            <a:ext cx="545400" cy="390240"/>
+            <a:ext cx="545040" cy="389880"/>
           </a:xfrm>
           <a:prstGeom prst="rect">
             <a:avLst/>
@@ -1562,7 +1562,7 @@
                 <a:tab algn="l" pos="0"/>
               </a:tabLst>
             </a:pPr>
-            <a:fld id="{2148B18D-4A69-4B67-845A-CF5CDFBA48EE}" type="slidenum">
+            <a:fld id="{65E39C2B-222A-4802-B762-D086E4308857}" type="slidenum">
               <a:rPr b="0" lang="en-GB" sz="1000" spc="-1" strike="noStrike">
                 <a:solidFill>
                   <a:schemeClr val="dk2"/>
@@ -1628,7 +1628,7 @@
         <p:spPr>
           <a:xfrm>
             <a:off x="311760" y="764280"/>
-            <a:ext cx="8517240" cy="624960"/>
+            <a:ext cx="8516880" cy="624960"/>
           </a:xfrm>
           <a:prstGeom prst="rect">
             <a:avLst/>
@@ -1677,7 +1677,7 @@
         <p:spPr>
           <a:xfrm>
             <a:off x="311760" y="1461600"/>
-            <a:ext cx="8517240" cy="3115080"/>
+            <a:ext cx="8516880" cy="3114720"/>
           </a:xfrm>
           <a:prstGeom prst="rect">
             <a:avLst/>
@@ -1902,7 +1902,7 @@
         <p:spPr>
           <a:xfrm>
             <a:off x="8472600" y="4663080"/>
-            <a:ext cx="545400" cy="390240"/>
+            <a:ext cx="545040" cy="389880"/>
           </a:xfrm>
           <a:prstGeom prst="rect">
             <a:avLst/>
@@ -1944,7 +1944,7 @@
                 <a:tab algn="l" pos="0"/>
               </a:tabLst>
             </a:pPr>
-            <a:fld id="{A5E6F94D-7BE8-4CBD-9106-A47B8C145566}" type="slidenum">
+            <a:fld id="{B169135B-D26E-4E17-9008-69617FE8D855}" type="slidenum">
               <a:rPr b="0" lang="en-GB" sz="1000" spc="-1" strike="noStrike">
                 <a:solidFill>
                   <a:schemeClr val="dk2"/>
@@ -2010,7 +2010,7 @@
         <p:spPr>
           <a:xfrm>
             <a:off x="311760" y="764280"/>
-            <a:ext cx="8517240" cy="624960"/>
+            <a:ext cx="8516880" cy="624960"/>
           </a:xfrm>
           <a:prstGeom prst="rect">
             <a:avLst/>
@@ -2059,7 +2059,7 @@
         <p:spPr>
           <a:xfrm>
             <a:off x="311760" y="1461600"/>
-            <a:ext cx="8517240" cy="3115080"/>
+            <a:ext cx="8516880" cy="3114720"/>
           </a:xfrm>
           <a:prstGeom prst="rect">
             <a:avLst/>
@@ -2284,7 +2284,7 @@
         <p:spPr>
           <a:xfrm>
             <a:off x="8472600" y="4663080"/>
-            <a:ext cx="545400" cy="390240"/>
+            <a:ext cx="545040" cy="389880"/>
           </a:xfrm>
           <a:prstGeom prst="rect">
             <a:avLst/>
@@ -2326,7 +2326,7 @@
                 <a:tab algn="l" pos="0"/>
               </a:tabLst>
             </a:pPr>
-            <a:fld id="{A1853AE4-515E-4CD5-93BE-D74A9B0BC77B}" type="slidenum">
+            <a:fld id="{A7C7CDFC-E6A1-4F0D-A602-B4D8D66723C4}" type="slidenum">
               <a:rPr b="0" lang="en-GB" sz="1000" spc="-1" strike="noStrike">
                 <a:solidFill>
                   <a:schemeClr val="dk2"/>
@@ -2392,7 +2392,7 @@
         <p:spPr>
           <a:xfrm>
             <a:off x="311760" y="764280"/>
-            <a:ext cx="8517240" cy="624960"/>
+            <a:ext cx="8516880" cy="624960"/>
           </a:xfrm>
           <a:prstGeom prst="rect">
             <a:avLst/>
@@ -2441,7 +2441,7 @@
         <p:spPr>
           <a:xfrm>
             <a:off x="311760" y="1461600"/>
-            <a:ext cx="8517240" cy="3115080"/>
+            <a:ext cx="8516880" cy="3114720"/>
           </a:xfrm>
           <a:prstGeom prst="rect">
             <a:avLst/>
@@ -2666,7 +2666,7 @@
         <p:spPr>
           <a:xfrm>
             <a:off x="8472600" y="4663080"/>
-            <a:ext cx="545400" cy="390240"/>
+            <a:ext cx="545040" cy="389880"/>
           </a:xfrm>
           <a:prstGeom prst="rect">
             <a:avLst/>
@@ -2708,7 +2708,7 @@
                 <a:tab algn="l" pos="0"/>
               </a:tabLst>
             </a:pPr>
-            <a:fld id="{FC426FE1-57AB-47CD-A999-CD17542E1213}" type="slidenum">
+            <a:fld id="{F257239A-CF52-46D9-8B2C-58CD651349B2}" type="slidenum">
               <a:rPr b="0" lang="en-GB" sz="1000" spc="-1" strike="noStrike">
                 <a:solidFill>
                   <a:schemeClr val="dk2"/>
@@ -2774,7 +2774,7 @@
         <p:spPr>
           <a:xfrm>
             <a:off x="311760" y="764280"/>
-            <a:ext cx="8517240" cy="624960"/>
+            <a:ext cx="8516880" cy="624960"/>
           </a:xfrm>
           <a:prstGeom prst="rect">
             <a:avLst/>
@@ -2823,7 +2823,7 @@
         <p:spPr>
           <a:xfrm>
             <a:off x="311760" y="1461600"/>
-            <a:ext cx="8517240" cy="3115080"/>
+            <a:ext cx="8516880" cy="3114720"/>
           </a:xfrm>
           <a:prstGeom prst="rect">
             <a:avLst/>
@@ -2856,43 +2856,7 @@
                 </a:solidFill>
                 <a:latin typeface="Arial"/>
               </a:rPr>
-              <a:t>Pulse para </a:t>
-            </a:r>
-            <a:r>
-              <a:rPr b="0" lang="es-ES" sz="1800" spc="-1" strike="noStrike">
-                <a:solidFill>
-                  <a:srgbClr val="ffffff"/>
-                </a:solidFill>
-                <a:latin typeface="Arial"/>
-              </a:rPr>
-              <a:t>editar el </a:t>
-            </a:r>
-            <a:r>
-              <a:rPr b="0" lang="es-ES" sz="1800" spc="-1" strike="noStrike">
-                <a:solidFill>
-                  <a:srgbClr val="ffffff"/>
-                </a:solidFill>
-                <a:latin typeface="Arial"/>
-              </a:rPr>
-              <a:t>formato de </a:t>
-            </a:r>
-            <a:r>
-              <a:rPr b="0" lang="es-ES" sz="1800" spc="-1" strike="noStrike">
-                <a:solidFill>
-                  <a:srgbClr val="ffffff"/>
-                </a:solidFill>
-                <a:latin typeface="Arial"/>
-              </a:rPr>
-              <a:t>texto del </a:t>
-            </a:r>
-            <a:r>
-              <a:rPr b="0" lang="es-ES" sz="1800" spc="-1" strike="noStrike">
-                <a:solidFill>
-                  <a:srgbClr val="ffffff"/>
-                </a:solidFill>
-                <a:latin typeface="Arial"/>
-              </a:rPr>
-              <a:t>esquema</a:t>
+              <a:t>Pulse para editar el formato de texto del esquema</a:t>
             </a:r>
             <a:endParaRPr b="0" lang="es-ES" sz="1800" spc="-1" strike="noStrike">
               <a:solidFill>
@@ -2920,34 +2884,7 @@
                 </a:solidFill>
                 <a:latin typeface="Arial"/>
               </a:rPr>
-              <a:t>Segundo </a:t>
-            </a:r>
-            <a:r>
-              <a:rPr b="0" lang="es-ES" sz="1800" spc="-1" strike="noStrike">
-                <a:solidFill>
-                  <a:srgbClr val="ffffff"/>
-                </a:solidFill>
-                <a:latin typeface="Arial"/>
-              </a:rPr>
-              <a:t>nivel del </a:t>
-            </a:r>
-            <a:r>
-              <a:rPr b="0" lang="es-ES" sz="1800" spc="-1" strike="noStrike">
-                <a:solidFill>
-                  <a:srgbClr val="ffffff"/>
-                </a:solidFill>
-                <a:latin typeface="Arial"/>
-              </a:rPr>
-              <a:t>esquem</a:t>
-            </a:r>
-            <a:r>
-              <a:rPr b="0" lang="es-ES" sz="1800" spc="-1" strike="noStrike">
-                <a:solidFill>
-                  <a:srgbClr val="ffffff"/>
-                </a:solidFill>
-                <a:latin typeface="Arial"/>
-              </a:rPr>
-              <a:t>a</a:t>
+              <a:t>Segundo nivel del esquema</a:t>
             </a:r>
             <a:endParaRPr b="0" lang="es-ES" sz="1800" spc="-1" strike="noStrike">
               <a:solidFill>
@@ -2975,52 +2912,7 @@
                 </a:solidFill>
                 <a:latin typeface="Arial"/>
               </a:rPr>
-              <a:t>Terc</a:t>
-            </a:r>
-            <a:r>
-              <a:rPr b="0" lang="es-ES" sz="1800" spc="-1" strike="noStrike">
-                <a:solidFill>
-                  <a:srgbClr val="ffffff"/>
-                </a:solidFill>
-                <a:latin typeface="Arial"/>
-              </a:rPr>
-              <a:t>er </a:t>
-            </a:r>
-            <a:r>
-              <a:rPr b="0" lang="es-ES" sz="1800" spc="-1" strike="noStrike">
-                <a:solidFill>
-                  <a:srgbClr val="ffffff"/>
-                </a:solidFill>
-                <a:latin typeface="Arial"/>
-              </a:rPr>
-              <a:t>nivel </a:t>
-            </a:r>
-            <a:r>
-              <a:rPr b="0" lang="es-ES" sz="1800" spc="-1" strike="noStrike">
-                <a:solidFill>
-                  <a:srgbClr val="ffffff"/>
-                </a:solidFill>
-                <a:latin typeface="Arial"/>
-              </a:rPr>
-              <a:t>del </a:t>
-            </a:r>
-            <a:r>
-              <a:rPr b="0" lang="es-ES" sz="1800" spc="-1" strike="noStrike">
-                <a:solidFill>
-                  <a:srgbClr val="ffffff"/>
-                </a:solidFill>
-                <a:latin typeface="Arial"/>
-              </a:rPr>
-              <a:t>esqu</a:t>
-            </a:r>
-            <a:r>
-              <a:rPr b="0" lang="es-ES" sz="1800" spc="-1" strike="noStrike">
-                <a:solidFill>
-                  <a:srgbClr val="ffffff"/>
-                </a:solidFill>
-                <a:latin typeface="Arial"/>
-              </a:rPr>
-              <a:t>ema</a:t>
+              <a:t>Tercer nivel del esquema</a:t>
             </a:r>
             <a:endParaRPr b="0" lang="es-ES" sz="1800" spc="-1" strike="noStrike">
               <a:solidFill>
@@ -3048,196 +2940,7 @@
                 </a:solidFill>
                 <a:latin typeface="Arial"/>
               </a:rPr>
-              <a:t>C</a:t>
-            </a:r>
-            <a:r>
-              <a:rPr b="0" lang="es-ES" sz="1800" spc="-1" strike="noStrike">
-                <a:solidFill>
-                  <a:srgbClr val="ffffff"/>
-                </a:solidFill>
-                <a:latin typeface="Arial"/>
-              </a:rPr>
-              <a:t>u</a:t>
-            </a:r>
-            <a:r>
-              <a:rPr b="0" lang="es-ES" sz="1800" spc="-1" strike="noStrike">
-                <a:solidFill>
-                  <a:srgbClr val="ffffff"/>
-                </a:solidFill>
-                <a:latin typeface="Arial"/>
-              </a:rPr>
-              <a:t>a</a:t>
-            </a:r>
-            <a:r>
-              <a:rPr b="0" lang="es-ES" sz="1800" spc="-1" strike="noStrike">
-                <a:solidFill>
-                  <a:srgbClr val="ffffff"/>
-                </a:solidFill>
-                <a:latin typeface="Arial"/>
-              </a:rPr>
-              <a:t>r</a:t>
-            </a:r>
-            <a:r>
-              <a:rPr b="0" lang="es-ES" sz="1800" spc="-1" strike="noStrike">
-                <a:solidFill>
-                  <a:srgbClr val="ffffff"/>
-                </a:solidFill>
-                <a:latin typeface="Arial"/>
-              </a:rPr>
-              <a:t>t</a:t>
-            </a:r>
-            <a:r>
-              <a:rPr b="0" lang="es-ES" sz="1800" spc="-1" strike="noStrike">
-                <a:solidFill>
-                  <a:srgbClr val="ffffff"/>
-                </a:solidFill>
-                <a:latin typeface="Arial"/>
-              </a:rPr>
-              <a:t>o</a:t>
-            </a:r>
-            <a:r>
-              <a:rPr b="0" lang="es-ES" sz="1800" spc="-1" strike="noStrike">
-                <a:solidFill>
-                  <a:srgbClr val="ffffff"/>
-                </a:solidFill>
-                <a:latin typeface="Arial"/>
-              </a:rPr>
-              <a:t> </a:t>
-            </a:r>
-            <a:r>
-              <a:rPr b="0" lang="es-ES" sz="1800" spc="-1" strike="noStrike">
-                <a:solidFill>
-                  <a:srgbClr val="ffffff"/>
-                </a:solidFill>
-                <a:latin typeface="Arial"/>
-              </a:rPr>
-              <a:t>n</a:t>
-            </a:r>
-            <a:r>
-              <a:rPr b="0" lang="es-ES" sz="1800" spc="-1" strike="noStrike">
-                <a:solidFill>
-                  <a:srgbClr val="ffffff"/>
-                </a:solidFill>
-                <a:latin typeface="Arial"/>
-              </a:rPr>
-              <a:t>i</a:t>
-            </a:r>
-            <a:r>
-              <a:rPr b="0" lang="es-ES" sz="1800" spc="-1" strike="noStrike">
-                <a:solidFill>
-                  <a:srgbClr val="ffffff"/>
-                </a:solidFill>
-                <a:latin typeface="Arial"/>
-              </a:rPr>
-              <a:t>v</a:t>
-            </a:r>
-            <a:r>
-              <a:rPr b="0" lang="es-ES" sz="1800" spc="-1" strike="noStrike">
-                <a:solidFill>
-                  <a:srgbClr val="ffffff"/>
-                </a:solidFill>
-                <a:latin typeface="Arial"/>
-              </a:rPr>
-              <a:t>e</a:t>
-            </a:r>
-            <a:r>
-              <a:rPr b="0" lang="es-ES" sz="1800" spc="-1" strike="noStrike">
-                <a:solidFill>
-                  <a:srgbClr val="ffffff"/>
-                </a:solidFill>
-                <a:latin typeface="Arial"/>
-              </a:rPr>
-              <a:t>l </a:t>
-            </a:r>
-            <a:r>
-              <a:rPr b="0" lang="es-ES" sz="1800" spc="-1" strike="noStrike">
-                <a:solidFill>
-                  <a:srgbClr val="ffffff"/>
-                </a:solidFill>
-                <a:latin typeface="Arial"/>
-              </a:rPr>
-              <a:t>d</a:t>
-            </a:r>
-            <a:r>
-              <a:rPr b="0" lang="es-ES" sz="1800" spc="-1" strike="noStrike">
-                <a:solidFill>
-                  <a:srgbClr val="ffffff"/>
-                </a:solidFill>
-                <a:latin typeface="Arial"/>
-              </a:rPr>
-              <a:t>e</a:t>
-            </a:r>
-            <a:r>
-              <a:rPr b="0" lang="es-ES" sz="1800" spc="-1" strike="noStrike">
-                <a:solidFill>
-                  <a:srgbClr val="ffffff"/>
-                </a:solidFill>
-                <a:latin typeface="Arial"/>
-              </a:rPr>
-              <a:t>l </a:t>
-            </a:r>
-            <a:r>
-              <a:rPr b="0" lang="es-ES" sz="1800" spc="-1" strike="noStrike">
-                <a:solidFill>
-                  <a:srgbClr val="ffffff"/>
-                </a:solidFill>
-                <a:latin typeface="Arial"/>
-              </a:rPr>
-              <a:t>e</a:t>
-            </a:r>
-            <a:r>
-              <a:rPr b="0" lang="es-ES" sz="1800" spc="-1" strike="noStrike">
-                <a:solidFill>
-                  <a:srgbClr val="ffffff"/>
-                </a:solidFill>
-                <a:latin typeface="Arial"/>
-              </a:rPr>
-              <a:t>s</a:t>
-            </a:r>
-            <a:r>
-              <a:rPr b="0" lang="es-ES" sz="1800" spc="-1" strike="noStrike">
-                <a:solidFill>
-                  <a:srgbClr val="ffffff"/>
-                </a:solidFill>
-                <a:latin typeface="Arial"/>
-              </a:rPr>
-              <a:t>q</a:t>
-            </a:r>
-            <a:r>
-              <a:rPr b="0" lang="es-ES" sz="1800" spc="-1" strike="noStrike">
-                <a:solidFill>
-                  <a:srgbClr val="ffffff"/>
-                </a:solidFill>
-                <a:latin typeface="Arial"/>
-              </a:rPr>
-              <a:t>u</a:t>
-            </a:r>
-            <a:r>
-              <a:rPr b="0" lang="es-ES" sz="1800" spc="-1" strike="noStrike">
-                <a:solidFill>
-                  <a:srgbClr val="ffffff"/>
-                </a:solidFill>
-                <a:latin typeface="Arial"/>
-              </a:rPr>
-              <a:t>e</a:t>
-            </a:r>
-            <a:r>
-              <a:rPr b="0" lang="es-ES" sz="1800" spc="-1" strike="noStrike">
-                <a:solidFill>
-                  <a:srgbClr val="ffffff"/>
-                </a:solidFill>
-                <a:latin typeface="Arial"/>
-              </a:rPr>
-              <a:t>m</a:t>
-            </a:r>
-            <a:r>
-              <a:rPr b="0" lang="es-ES" sz="1800" spc="-1" strike="noStrike">
-                <a:solidFill>
-                  <a:srgbClr val="ffffff"/>
-                </a:solidFill>
-                <a:latin typeface="Arial"/>
-              </a:rPr>
-              <a:t>a</a:t>
+              <a:t>Cuarto nivel del esquema</a:t>
             </a:r>
             <a:endParaRPr b="0" lang="es-ES" sz="1800" spc="-1" strike="noStrike">
               <a:solidFill>
@@ -3265,214 +2968,7 @@
                 </a:solidFill>
                 <a:latin typeface="Arial"/>
               </a:rPr>
-              <a:t>Q</a:t>
-            </a:r>
-            <a:r>
-              <a:rPr b="0" lang="es-ES" sz="1800" spc="-1" strike="noStrike">
-                <a:solidFill>
-                  <a:srgbClr val="ffffff"/>
-                </a:solidFill>
-                <a:latin typeface="Arial"/>
-              </a:rPr>
-              <a:t>u</a:t>
-            </a:r>
-            <a:r>
-              <a:rPr b="0" lang="es-ES" sz="1800" spc="-1" strike="noStrike">
-                <a:solidFill>
-                  <a:srgbClr val="ffffff"/>
-                </a:solidFill>
-                <a:latin typeface="Arial"/>
-              </a:rPr>
-              <a:t>i</a:t>
-            </a:r>
-            <a:r>
-              <a:rPr b="0" lang="es-ES" sz="1800" spc="-1" strike="noStrike">
-                <a:solidFill>
-                  <a:srgbClr val="ffffff"/>
-                </a:solidFill>
-                <a:latin typeface="Arial"/>
-              </a:rPr>
-              <a:t>n</a:t>
-            </a:r>
-            <a:r>
-              <a:rPr b="0" lang="es-ES" sz="1800" spc="-1" strike="noStrike">
-                <a:solidFill>
-                  <a:srgbClr val="ffffff"/>
-                </a:solidFill>
-                <a:latin typeface="Arial"/>
-              </a:rPr>
-              <a:t>t</a:t>
-            </a:r>
-            <a:r>
-              <a:rPr b="0" lang="es-ES" sz="1800" spc="-1" strike="noStrike">
-                <a:solidFill>
-                  <a:srgbClr val="ffffff"/>
-                </a:solidFill>
-                <a:latin typeface="Arial"/>
-              </a:rPr>
-              <a:t>o</a:t>
-            </a:r>
-            <a:r>
-              <a:rPr b="0" lang="es-ES" sz="1800" spc="-1" strike="noStrike">
-                <a:solidFill>
-                  <a:srgbClr val="ffffff"/>
-                </a:solidFill>
-                <a:latin typeface="Arial"/>
-              </a:rPr>
-              <a:t> </a:t>
-            </a:r>
-            <a:r>
-              <a:rPr b="0" lang="es-ES" sz="1800" spc="-1" strike="noStrike">
-                <a:solidFill>
-                  <a:srgbClr val="ffffff"/>
-                </a:solidFill>
-                <a:latin typeface="Arial"/>
-              </a:rPr>
-              <a:t>n</a:t>
-            </a:r>
-            <a:r>
-              <a:rPr b="0" lang="es-ES" sz="1800" spc="-1" strike="noStrike">
-                <a:solidFill>
-                  <a:srgbClr val="ffffff"/>
-                </a:solidFill>
-                <a:latin typeface="Arial"/>
-              </a:rPr>
-              <a:t>i</a:t>
-            </a:r>
-            <a:r>
-              <a:rPr b="0" lang="es-ES" sz="1800" spc="-1" strike="noStrike">
-                <a:solidFill>
-                  <a:srgbClr val="ffffff"/>
-                </a:solidFill>
-                <a:latin typeface="Arial"/>
-              </a:rPr>
-              <a:t>v</a:t>
-            </a:r>
-            <a:r>
-              <a:rPr b="0" lang="es-ES" sz="1800" spc="-1" strike="noStrike">
-                <a:solidFill>
-                  <a:srgbClr val="ffffff"/>
-                </a:solidFill>
-                <a:latin typeface="Arial"/>
-              </a:rPr>
-              <a:t>e</a:t>
-            </a:r>
-            <a:r>
-              <a:rPr b="0" lang="es-ES" sz="1800" spc="-1" strike="noStrike">
-                <a:solidFill>
-                  <a:srgbClr val="ffffff"/>
-                </a:solidFill>
-                <a:latin typeface="Arial"/>
-              </a:rPr>
-              <a:t>l</a:t>
-            </a:r>
-            <a:r>
-              <a:rPr b="0" lang="es-ES" sz="1800" spc="-1" strike="noStrike">
-                <a:solidFill>
-                  <a:srgbClr val="ffffff"/>
-                </a:solidFill>
-                <a:latin typeface="Arial"/>
-              </a:rPr>
-              <a:t> </a:t>
-            </a:r>
-            <a:r>
-              <a:rPr b="0" lang="es-ES" sz="1800" spc="-1" strike="noStrike">
-                <a:solidFill>
-                  <a:srgbClr val="ffffff"/>
-                </a:solidFill>
-                <a:latin typeface="Arial"/>
-              </a:rPr>
-              <a:t>d</a:t>
-            </a:r>
-            <a:r>
-              <a:rPr b="0" lang="es-ES" sz="1800" spc="-1" strike="noStrike">
-                <a:solidFill>
-                  <a:srgbClr val="ffffff"/>
-                </a:solidFill>
-                <a:latin typeface="Arial"/>
-              </a:rPr>
-              <a:t>e</a:t>
-            </a:r>
-            <a:r>
-              <a:rPr b="0" lang="es-ES" sz="1800" spc="-1" strike="noStrike">
-                <a:solidFill>
-                  <a:srgbClr val="ffffff"/>
-                </a:solidFill>
-                <a:latin typeface="Arial"/>
-              </a:rPr>
-              <a:t>l</a:t>
-            </a:r>
-            <a:r>
-              <a:rPr b="0" lang="es-ES" sz="1800" spc="-1" strike="noStrike">
-                <a:solidFill>
-                  <a:srgbClr val="ffffff"/>
-                </a:solidFill>
-                <a:latin typeface="Arial"/>
-              </a:rPr>
-              <a:t> </a:t>
-            </a:r>
-            <a:r>
-              <a:rPr b="0" lang="es-ES" sz="1800" spc="-1" strike="noStrike">
-                <a:solidFill>
-                  <a:srgbClr val="ffffff"/>
-                </a:solidFill>
-                <a:latin typeface="Arial"/>
-              </a:rPr>
-              <a:t>e</a:t>
-            </a:r>
-            <a:r>
-              <a:rPr b="0" lang="es-ES" sz="1800" spc="-1" strike="noStrike">
-                <a:solidFill>
-                  <a:srgbClr val="ffffff"/>
-                </a:solidFill>
-                <a:latin typeface="Arial"/>
-              </a:rPr>
-              <a:t>s</a:t>
-            </a:r>
-            <a:r>
-              <a:rPr b="0" lang="es-ES" sz="1800" spc="-1" strike="noStrike">
-                <a:solidFill>
-                  <a:srgbClr val="ffffff"/>
-                </a:solidFill>
-                <a:latin typeface="Arial"/>
-              </a:rPr>
-              <a:t>q</a:t>
-            </a:r>
-            <a:r>
-              <a:rPr b="0" lang="es-ES" sz="1800" spc="-1" strike="noStrike">
-                <a:solidFill>
-                  <a:srgbClr val="ffffff"/>
-                </a:solidFill>
-                <a:latin typeface="Arial"/>
-              </a:rPr>
-              <a:t>u</a:t>
-            </a:r>
-            <a:r>
-              <a:rPr b="0" lang="es-ES" sz="1800" spc="-1" strike="noStrike">
-                <a:solidFill>
-                  <a:srgbClr val="ffffff"/>
-                </a:solidFill>
-                <a:latin typeface="Arial"/>
-              </a:rPr>
-              <a:t>e</a:t>
-            </a:r>
-            <a:r>
-              <a:rPr b="0" lang="es-ES" sz="1800" spc="-1" strike="noStrike">
-                <a:solidFill>
-                  <a:srgbClr val="ffffff"/>
-                </a:solidFill>
-                <a:latin typeface="Arial"/>
-              </a:rPr>
-              <a:t>m</a:t>
-            </a:r>
-            <a:r>
-              <a:rPr b="0" lang="es-ES" sz="1800" spc="-1" strike="noStrike">
-                <a:solidFill>
-                  <a:srgbClr val="ffffff"/>
-                </a:solidFill>
-                <a:latin typeface="Arial"/>
-              </a:rPr>
-              <a:t>a</a:t>
+              <a:t>Quinto nivel del esquema</a:t>
             </a:r>
             <a:endParaRPr b="0" lang="es-ES" sz="1800" spc="-1" strike="noStrike">
               <a:solidFill>
@@ -3500,205 +2996,7 @@
                 </a:solidFill>
                 <a:latin typeface="Arial"/>
               </a:rPr>
-              <a:t>S</a:t>
-            </a:r>
-            <a:r>
-              <a:rPr b="0" lang="es-ES" sz="1800" spc="-1" strike="noStrike">
-                <a:solidFill>
-                  <a:srgbClr val="ffffff"/>
-                </a:solidFill>
-                <a:latin typeface="Arial"/>
-              </a:rPr>
-              <a:t>e</a:t>
-            </a:r>
-            <a:r>
-              <a:rPr b="0" lang="es-ES" sz="1800" spc="-1" strike="noStrike">
-                <a:solidFill>
-                  <a:srgbClr val="ffffff"/>
-                </a:solidFill>
-                <a:latin typeface="Arial"/>
-              </a:rPr>
-              <a:t>x</a:t>
-            </a:r>
-            <a:r>
-              <a:rPr b="0" lang="es-ES" sz="1800" spc="-1" strike="noStrike">
-                <a:solidFill>
-                  <a:srgbClr val="ffffff"/>
-                </a:solidFill>
-                <a:latin typeface="Arial"/>
-              </a:rPr>
-              <a:t>t</a:t>
-            </a:r>
-            <a:r>
-              <a:rPr b="0" lang="es-ES" sz="1800" spc="-1" strike="noStrike">
-                <a:solidFill>
-                  <a:srgbClr val="ffffff"/>
-                </a:solidFill>
-                <a:latin typeface="Arial"/>
-              </a:rPr>
-              <a:t>o</a:t>
-            </a:r>
-            <a:r>
-              <a:rPr b="0" lang="es-ES" sz="1800" spc="-1" strike="noStrike">
-                <a:solidFill>
-                  <a:srgbClr val="ffffff"/>
-                </a:solidFill>
-                <a:latin typeface="Arial"/>
-              </a:rPr>
-              <a:t> </a:t>
-            </a:r>
-            <a:r>
-              <a:rPr b="0" lang="es-ES" sz="1800" spc="-1" strike="noStrike">
-                <a:solidFill>
-                  <a:srgbClr val="ffffff"/>
-                </a:solidFill>
-                <a:latin typeface="Arial"/>
-              </a:rPr>
-              <a:t>n</a:t>
-            </a:r>
-            <a:r>
-              <a:rPr b="0" lang="es-ES" sz="1800" spc="-1" strike="noStrike">
-                <a:solidFill>
-                  <a:srgbClr val="ffffff"/>
-                </a:solidFill>
-                <a:latin typeface="Arial"/>
-              </a:rPr>
-              <a:t>i</a:t>
-            </a:r>
-            <a:r>
-              <a:rPr b="0" lang="es-ES" sz="1800" spc="-1" strike="noStrike">
-                <a:solidFill>
-                  <a:srgbClr val="ffffff"/>
-                </a:solidFill>
-                <a:latin typeface="Arial"/>
-              </a:rPr>
-              <a:t>v</a:t>
-            </a:r>
-            <a:r>
-              <a:rPr b="0" lang="es-ES" sz="1800" spc="-1" strike="noStrike">
-                <a:solidFill>
-                  <a:srgbClr val="ffffff"/>
-                </a:solidFill>
-                <a:latin typeface="Arial"/>
-              </a:rPr>
-              <a:t>e</a:t>
-            </a:r>
-            <a:r>
-              <a:rPr b="0" lang="es-ES" sz="1800" spc="-1" strike="noStrike">
-                <a:solidFill>
-                  <a:srgbClr val="ffffff"/>
-                </a:solidFill>
-                <a:latin typeface="Arial"/>
-              </a:rPr>
-              <a:t>l</a:t>
-            </a:r>
-            <a:r>
-              <a:rPr b="0" lang="es-ES" sz="1800" spc="-1" strike="noStrike">
-                <a:solidFill>
-                  <a:srgbClr val="ffffff"/>
-                </a:solidFill>
-                <a:latin typeface="Arial"/>
-              </a:rPr>
-              <a:t> </a:t>
-            </a:r>
-            <a:r>
-              <a:rPr b="0" lang="es-ES" sz="1800" spc="-1" strike="noStrike">
-                <a:solidFill>
-                  <a:srgbClr val="ffffff"/>
-                </a:solidFill>
-                <a:latin typeface="Arial"/>
-              </a:rPr>
-              <a:t>d</a:t>
-            </a:r>
-            <a:r>
-              <a:rPr b="0" lang="es-ES" sz="1800" spc="-1" strike="noStrike">
-                <a:solidFill>
-                  <a:srgbClr val="ffffff"/>
-                </a:solidFill>
-                <a:latin typeface="Arial"/>
-              </a:rPr>
-              <a:t>e</a:t>
-            </a:r>
-            <a:r>
-              <a:rPr b="0" lang="es-ES" sz="1800" spc="-1" strike="noStrike">
-                <a:solidFill>
-                  <a:srgbClr val="ffffff"/>
-                </a:solidFill>
-                <a:latin typeface="Arial"/>
-              </a:rPr>
-              <a:t>l</a:t>
-            </a:r>
-            <a:r>
-              <a:rPr b="0" lang="es-ES" sz="1800" spc="-1" strike="noStrike">
-                <a:solidFill>
-                  <a:srgbClr val="ffffff"/>
-                </a:solidFill>
-                <a:latin typeface="Arial"/>
-              </a:rPr>
-              <a:t> </a:t>
-            </a:r>
-            <a:r>
-              <a:rPr b="0" lang="es-ES" sz="1800" spc="-1" strike="noStrike">
-                <a:solidFill>
-                  <a:srgbClr val="ffffff"/>
-                </a:solidFill>
-                <a:latin typeface="Arial"/>
-              </a:rPr>
-              <a:t>e</a:t>
-            </a:r>
-            <a:r>
-              <a:rPr b="0" lang="es-ES" sz="1800" spc="-1" strike="noStrike">
-                <a:solidFill>
-                  <a:srgbClr val="ffffff"/>
-                </a:solidFill>
-                <a:latin typeface="Arial"/>
-              </a:rPr>
-              <a:t>s</a:t>
-            </a:r>
-            <a:r>
-              <a:rPr b="0" lang="es-ES" sz="1800" spc="-1" strike="noStrike">
-                <a:solidFill>
-                  <a:srgbClr val="ffffff"/>
-                </a:solidFill>
-                <a:latin typeface="Arial"/>
-              </a:rPr>
-              <a:t>q</a:t>
-            </a:r>
-            <a:r>
-              <a:rPr b="0" lang="es-ES" sz="1800" spc="-1" strike="noStrike">
-                <a:solidFill>
-                  <a:srgbClr val="ffffff"/>
-                </a:solidFill>
-                <a:latin typeface="Arial"/>
-              </a:rPr>
-              <a:t>u</a:t>
-            </a:r>
-            <a:r>
-              <a:rPr b="0" lang="es-ES" sz="1800" spc="-1" strike="noStrike">
-                <a:solidFill>
-                  <a:srgbClr val="ffffff"/>
-                </a:solidFill>
-                <a:latin typeface="Arial"/>
-              </a:rPr>
-              <a:t>e</a:t>
-            </a:r>
-            <a:r>
-              <a:rPr b="0" lang="es-ES" sz="1800" spc="-1" strike="noStrike">
-                <a:solidFill>
-                  <a:srgbClr val="ffffff"/>
-                </a:solidFill>
-                <a:latin typeface="Arial"/>
-              </a:rPr>
-              <a:t>m</a:t>
-            </a:r>
-            <a:r>
-              <a:rPr b="0" lang="es-ES" sz="1800" spc="-1" strike="noStrike">
-                <a:solidFill>
-                  <a:srgbClr val="ffffff"/>
-                </a:solidFill>
-                <a:latin typeface="Arial"/>
-              </a:rPr>
-              <a:t>a</a:t>
+              <a:t>Sexto nivel del esquema</a:t>
             </a:r>
             <a:endParaRPr b="0" lang="es-ES" sz="1800" spc="-1" strike="noStrike">
               <a:solidFill>
@@ -3726,223 +3024,7 @@
                 </a:solidFill>
                 <a:latin typeface="Arial"/>
               </a:rPr>
-              <a:t>S</a:t>
-            </a:r>
-            <a:r>
-              <a:rPr b="0" lang="es-ES" sz="1800" spc="-1" strike="noStrike">
-                <a:solidFill>
-                  <a:srgbClr val="ffffff"/>
-                </a:solidFill>
-                <a:latin typeface="Arial"/>
-              </a:rPr>
-              <a:t>é</a:t>
-            </a:r>
-            <a:r>
-              <a:rPr b="0" lang="es-ES" sz="1800" spc="-1" strike="noStrike">
-                <a:solidFill>
-                  <a:srgbClr val="ffffff"/>
-                </a:solidFill>
-                <a:latin typeface="Arial"/>
-              </a:rPr>
-              <a:t>p</a:t>
-            </a:r>
-            <a:r>
-              <a:rPr b="0" lang="es-ES" sz="1800" spc="-1" strike="noStrike">
-                <a:solidFill>
-                  <a:srgbClr val="ffffff"/>
-                </a:solidFill>
-                <a:latin typeface="Arial"/>
-              </a:rPr>
-              <a:t>t</a:t>
-            </a:r>
-            <a:r>
-              <a:rPr b="0" lang="es-ES" sz="1800" spc="-1" strike="noStrike">
-                <a:solidFill>
-                  <a:srgbClr val="ffffff"/>
-                </a:solidFill>
-                <a:latin typeface="Arial"/>
-              </a:rPr>
-              <a:t>i</a:t>
-            </a:r>
-            <a:r>
-              <a:rPr b="0" lang="es-ES" sz="1800" spc="-1" strike="noStrike">
-                <a:solidFill>
-                  <a:srgbClr val="ffffff"/>
-                </a:solidFill>
-                <a:latin typeface="Arial"/>
-              </a:rPr>
-              <a:t>m</a:t>
-            </a:r>
-            <a:r>
-              <a:rPr b="0" lang="es-ES" sz="1800" spc="-1" strike="noStrike">
-                <a:solidFill>
-                  <a:srgbClr val="ffffff"/>
-                </a:solidFill>
-                <a:latin typeface="Arial"/>
-              </a:rPr>
-              <a:t>o</a:t>
-            </a:r>
-            <a:r>
-              <a:rPr b="0" lang="es-ES" sz="1800" spc="-1" strike="noStrike">
-                <a:solidFill>
-                  <a:srgbClr val="ffffff"/>
-                </a:solidFill>
-                <a:latin typeface="Arial"/>
-              </a:rPr>
-              <a:t> </a:t>
-            </a:r>
-            <a:r>
-              <a:rPr b="0" lang="es-ES" sz="1800" spc="-1" strike="noStrike">
-                <a:solidFill>
-                  <a:srgbClr val="ffffff"/>
-                </a:solidFill>
-                <a:latin typeface="Arial"/>
-              </a:rPr>
-              <a:t>n</a:t>
-            </a:r>
-            <a:r>
-              <a:rPr b="0" lang="es-ES" sz="1800" spc="-1" strike="noStrike">
-                <a:solidFill>
-                  <a:srgbClr val="ffffff"/>
-                </a:solidFill>
-                <a:latin typeface="Arial"/>
-              </a:rPr>
-              <a:t>i</a:t>
-            </a:r>
-            <a:r>
-              <a:rPr b="0" lang="es-ES" sz="1800" spc="-1" strike="noStrike">
-                <a:solidFill>
-                  <a:srgbClr val="ffffff"/>
-                </a:solidFill>
-                <a:latin typeface="Arial"/>
-              </a:rPr>
-              <a:t>v</a:t>
-            </a:r>
-            <a:r>
-              <a:rPr b="0" lang="es-ES" sz="1800" spc="-1" strike="noStrike">
-                <a:solidFill>
-                  <a:srgbClr val="ffffff"/>
-                </a:solidFill>
-                <a:latin typeface="Arial"/>
-              </a:rPr>
-              <a:t>e</a:t>
-            </a:r>
-            <a:r>
-              <a:rPr b="0" lang="es-ES" sz="1800" spc="-1" strike="noStrike">
-                <a:solidFill>
-                  <a:srgbClr val="ffffff"/>
-                </a:solidFill>
-                <a:latin typeface="Arial"/>
-              </a:rPr>
-              <a:t>l</a:t>
-            </a:r>
-            <a:r>
-              <a:rPr b="0" lang="es-ES" sz="1800" spc="-1" strike="noStrike">
-                <a:solidFill>
-                  <a:srgbClr val="ffffff"/>
-                </a:solidFill>
-                <a:latin typeface="Arial"/>
-              </a:rPr>
-              <a:t> </a:t>
-            </a:r>
-            <a:r>
-              <a:rPr b="0" lang="es-ES" sz="1800" spc="-1" strike="noStrike">
-                <a:solidFill>
-                  <a:srgbClr val="ffffff"/>
-                </a:solidFill>
-                <a:latin typeface="Arial"/>
-              </a:rPr>
-              <a:t>d</a:t>
-            </a:r>
-            <a:r>
-              <a:rPr b="0" lang="es-ES" sz="1800" spc="-1" strike="noStrike">
-                <a:solidFill>
-                  <a:srgbClr val="ffffff"/>
-                </a:solidFill>
-                <a:latin typeface="Arial"/>
-              </a:rPr>
-              <a:t>e</a:t>
-            </a:r>
-            <a:r>
-              <a:rPr b="0" lang="es-ES" sz="1800" spc="-1" strike="noStrike">
-                <a:solidFill>
-                  <a:srgbClr val="ffffff"/>
-                </a:solidFill>
-                <a:latin typeface="Arial"/>
-              </a:rPr>
-              <a:t>l</a:t>
-            </a:r>
-            <a:r>
-              <a:rPr b="0" lang="es-ES" sz="1800" spc="-1" strike="noStrike">
-                <a:solidFill>
-                  <a:srgbClr val="ffffff"/>
-                </a:solidFill>
-                <a:latin typeface="Arial"/>
-              </a:rPr>
-              <a:t> </a:t>
-            </a:r>
-            <a:r>
-              <a:rPr b="0" lang="es-ES" sz="1800" spc="-1" strike="noStrike">
-                <a:solidFill>
-                  <a:srgbClr val="ffffff"/>
-                </a:solidFill>
-                <a:latin typeface="Arial"/>
-              </a:rPr>
-              <a:t>e</a:t>
-            </a:r>
-            <a:r>
-              <a:rPr b="0" lang="es-ES" sz="1800" spc="-1" strike="noStrike">
-                <a:solidFill>
-                  <a:srgbClr val="ffffff"/>
-                </a:solidFill>
-                <a:latin typeface="Arial"/>
-              </a:rPr>
-              <a:t>s</a:t>
-            </a:r>
-            <a:r>
-              <a:rPr b="0" lang="es-ES" sz="1800" spc="-1" strike="noStrike">
-                <a:solidFill>
-                  <a:srgbClr val="ffffff"/>
-                </a:solidFill>
-                <a:latin typeface="Arial"/>
-              </a:rPr>
-              <a:t>q</a:t>
-            </a:r>
-            <a:r>
-              <a:rPr b="0" lang="es-ES" sz="1800" spc="-1" strike="noStrike">
-                <a:solidFill>
-                  <a:srgbClr val="ffffff"/>
-                </a:solidFill>
-                <a:latin typeface="Arial"/>
-              </a:rPr>
-              <a:t>u</a:t>
-            </a:r>
-            <a:r>
-              <a:rPr b="0" lang="es-ES" sz="1800" spc="-1" strike="noStrike">
-                <a:solidFill>
-                  <a:srgbClr val="ffffff"/>
-                </a:solidFill>
-                <a:latin typeface="Arial"/>
-              </a:rPr>
-              <a:t>e</a:t>
-            </a:r>
-            <a:r>
-              <a:rPr b="0" lang="es-ES" sz="1800" spc="-1" strike="noStrike">
-                <a:solidFill>
-                  <a:srgbClr val="ffffff"/>
-                </a:solidFill>
-                <a:latin typeface="Arial"/>
-              </a:rPr>
-              <a:t>m</a:t>
-            </a:r>
-            <a:r>
-              <a:rPr b="0" lang="es-ES" sz="1800" spc="-1" strike="noStrike">
-                <a:solidFill>
-                  <a:srgbClr val="ffffff"/>
-                </a:solidFill>
-                <a:latin typeface="Arial"/>
-              </a:rPr>
-              <a:t>a</a:t>
+              <a:t>Séptimo nivel del esquema</a:t>
             </a:r>
             <a:endParaRPr b="0" lang="es-ES" sz="1800" spc="-1" strike="noStrike">
               <a:solidFill>
@@ -3966,7 +3048,7 @@
         <p:spPr>
           <a:xfrm>
             <a:off x="8472600" y="4663080"/>
-            <a:ext cx="545400" cy="390240"/>
+            <a:ext cx="545040" cy="389880"/>
           </a:xfrm>
           <a:prstGeom prst="rect">
             <a:avLst/>
@@ -4008,7 +3090,7 @@
                 <a:tab algn="l" pos="0"/>
               </a:tabLst>
             </a:pPr>
-            <a:fld id="{CA855BE6-02DE-4E6D-996B-1E6F2D09C588}" type="slidenum">
+            <a:fld id="{A21E14DE-6FF9-4E87-B4C1-93D71C28AA05}" type="slidenum">
               <a:rPr b="0" lang="en-GB" sz="1000" spc="-1" strike="noStrike">
                 <a:solidFill>
                   <a:schemeClr val="dk2"/>
@@ -4074,7 +3156,7 @@
         <p:spPr>
           <a:xfrm>
             <a:off x="311760" y="764280"/>
-            <a:ext cx="8517240" cy="624960"/>
+            <a:ext cx="8516880" cy="624960"/>
           </a:xfrm>
           <a:prstGeom prst="rect">
             <a:avLst/>
@@ -4123,7 +3205,7 @@
         <p:spPr>
           <a:xfrm>
             <a:off x="8472600" y="4663080"/>
-            <a:ext cx="545400" cy="390240"/>
+            <a:ext cx="545040" cy="389880"/>
           </a:xfrm>
           <a:prstGeom prst="rect">
             <a:avLst/>
@@ -4165,7 +3247,7 @@
                 <a:tab algn="l" pos="0"/>
               </a:tabLst>
             </a:pPr>
-            <a:fld id="{308A8E58-E6DC-4BBC-804D-EACA3FBAEC9B}" type="slidenum">
+            <a:fld id="{3A207486-FEA9-4CBA-9DEE-272ADA715E20}" type="slidenum">
               <a:rPr b="0" lang="en-GB" sz="1000" spc="-1" strike="noStrike">
                 <a:solidFill>
                   <a:schemeClr val="dk2"/>
@@ -4230,16 +3312,7 @@
                 </a:solidFill>
                 <a:latin typeface="Arial"/>
               </a:rPr>
-              <a:t>Pulse para editar el formato de texto del </a:t>
-            </a:r>
-            <a:r>
-              <a:rPr b="0" lang="es-ES" sz="3200" spc="-1" strike="noStrike">
-                <a:solidFill>
-                  <a:srgbClr val="ffffff"/>
-                </a:solidFill>
-                <a:latin typeface="Arial"/>
-              </a:rPr>
-              <a:t>esquema</a:t>
+              <a:t>Pulse para editar el formato de texto del esquema</a:t>
             </a:r>
             <a:endParaRPr b="0" lang="es-ES" sz="3200" spc="-1" strike="noStrike">
               <a:solidFill>
@@ -4465,7 +3538,7 @@
         <p:spPr>
           <a:xfrm>
             <a:off x="311760" y="764280"/>
-            <a:ext cx="8517240" cy="624960"/>
+            <a:ext cx="8516880" cy="624960"/>
           </a:xfrm>
           <a:prstGeom prst="rect">
             <a:avLst/>
@@ -4514,7 +3587,7 @@
         <p:spPr>
           <a:xfrm>
             <a:off x="311760" y="1461600"/>
-            <a:ext cx="8517240" cy="3115080"/>
+            <a:ext cx="8516880" cy="3114720"/>
           </a:xfrm>
           <a:prstGeom prst="rect">
             <a:avLst/>
@@ -4739,7 +3812,7 @@
         <p:spPr>
           <a:xfrm>
             <a:off x="8472600" y="4663080"/>
-            <a:ext cx="545400" cy="390240"/>
+            <a:ext cx="545040" cy="389880"/>
           </a:xfrm>
           <a:prstGeom prst="rect">
             <a:avLst/>
@@ -4781,7 +3854,7 @@
                 <a:tab algn="l" pos="0"/>
               </a:tabLst>
             </a:pPr>
-            <a:fld id="{518BE3E7-649A-40FA-B20D-C504D895A222}" type="slidenum">
+            <a:fld id="{CB493451-14F3-4CCE-AF24-A199D67A8E27}" type="slidenum">
               <a:rPr b="0" lang="en-GB" sz="1000" spc="-1" strike="noStrike">
                 <a:solidFill>
                   <a:schemeClr val="dk2"/>
@@ -4847,7 +3920,7 @@
         <p:spPr>
           <a:xfrm>
             <a:off x="311760" y="764280"/>
-            <a:ext cx="8517240" cy="624960"/>
+            <a:ext cx="8516880" cy="624960"/>
           </a:xfrm>
           <a:prstGeom prst="rect">
             <a:avLst/>
@@ -4896,7 +3969,7 @@
         <p:spPr>
           <a:xfrm>
             <a:off x="311760" y="1461600"/>
-            <a:ext cx="8517240" cy="3115080"/>
+            <a:ext cx="8516880" cy="3114720"/>
           </a:xfrm>
           <a:prstGeom prst="rect">
             <a:avLst/>
@@ -5121,7 +4194,7 @@
         <p:spPr>
           <a:xfrm>
             <a:off x="8472600" y="4663080"/>
-            <a:ext cx="545400" cy="390240"/>
+            <a:ext cx="545040" cy="389880"/>
           </a:xfrm>
           <a:prstGeom prst="rect">
             <a:avLst/>
@@ -5163,7 +4236,7 @@
                 <a:tab algn="l" pos="0"/>
               </a:tabLst>
             </a:pPr>
-            <a:fld id="{D1A9C76C-B907-4381-8B8F-2FBFA13FF94E}" type="slidenum">
+            <a:fld id="{A9FD0C92-8E3D-40AC-86C3-1CBA04CA0ED1}" type="slidenum">
               <a:rPr b="0" lang="en-GB" sz="1000" spc="-1" strike="noStrike">
                 <a:solidFill>
                   <a:schemeClr val="dk2"/>
@@ -5229,7 +4302,7 @@
         <p:spPr>
           <a:xfrm>
             <a:off x="311760" y="764280"/>
-            <a:ext cx="8517240" cy="624960"/>
+            <a:ext cx="8516880" cy="624960"/>
           </a:xfrm>
           <a:prstGeom prst="rect">
             <a:avLst/>
@@ -5278,7 +4351,7 @@
         <p:spPr>
           <a:xfrm>
             <a:off x="311760" y="1461600"/>
-            <a:ext cx="8517240" cy="3115080"/>
+            <a:ext cx="8516880" cy="3114720"/>
           </a:xfrm>
           <a:prstGeom prst="rect">
             <a:avLst/>
@@ -5503,7 +4576,7 @@
         <p:spPr>
           <a:xfrm>
             <a:off x="8472600" y="4663080"/>
-            <a:ext cx="545400" cy="390240"/>
+            <a:ext cx="545040" cy="389880"/>
           </a:xfrm>
           <a:prstGeom prst="rect">
             <a:avLst/>
@@ -5545,7 +4618,7 @@
                 <a:tab algn="l" pos="0"/>
               </a:tabLst>
             </a:pPr>
-            <a:fld id="{FF383726-1D47-4F87-9D0F-0FB38A707F77}" type="slidenum">
+            <a:fld id="{6A954C77-551D-4824-9CC1-ACE7FCA0BC24}" type="slidenum">
               <a:rPr b="0" lang="en-GB" sz="1000" spc="-1" strike="noStrike">
                 <a:solidFill>
                   <a:schemeClr val="dk2"/>
@@ -5603,7 +4676,7 @@
         <p:spPr>
           <a:xfrm>
             <a:off x="3938760" y="2196360"/>
-            <a:ext cx="4730040" cy="1569240"/>
+            <a:ext cx="4729680" cy="1568880"/>
           </a:xfrm>
           <a:prstGeom prst="rect">
             <a:avLst/>
@@ -5706,7 +4779,7 @@
         <p:spPr>
           <a:xfrm>
             <a:off x="311760" y="815760"/>
-            <a:ext cx="8517240" cy="519480"/>
+            <a:ext cx="8516880" cy="519120"/>
           </a:xfrm>
           <a:prstGeom prst="rect">
             <a:avLst/>
@@ -5776,7 +4849,7 @@
         <p:spPr>
           <a:xfrm>
             <a:off x="311760" y="1461600"/>
-            <a:ext cx="8517240" cy="3115080"/>
+            <a:ext cx="8516880" cy="3114720"/>
           </a:xfrm>
           <a:prstGeom prst="rect">
             <a:avLst/>
@@ -6059,7 +5132,7 @@
         <p:spPr>
           <a:xfrm>
             <a:off x="2329200" y="294480"/>
-            <a:ext cx="6489000" cy="519480"/>
+            <a:ext cx="6488640" cy="519120"/>
           </a:xfrm>
           <a:prstGeom prst="rect">
             <a:avLst/>
@@ -6159,7 +5232,7 @@
         <p:spPr>
           <a:xfrm>
             <a:off x="311760" y="815760"/>
-            <a:ext cx="8517240" cy="519480"/>
+            <a:ext cx="8516880" cy="519120"/>
           </a:xfrm>
           <a:prstGeom prst="rect">
             <a:avLst/>
@@ -6229,7 +5302,7 @@
         <p:spPr>
           <a:xfrm>
             <a:off x="311760" y="1461600"/>
-            <a:ext cx="8517240" cy="3115080"/>
+            <a:ext cx="8516880" cy="3114720"/>
           </a:xfrm>
           <a:prstGeom prst="rect">
             <a:avLst/>
@@ -6298,25 +5371,7 @@
                 </a:solidFill>
                 <a:latin typeface="Arial"/>
               </a:rPr>
-              <a:t>Si los formularios están desarrollados con algún plugin como Gravity Forms o Contact Form 7, aseguraros que el </a:t>
-            </a:r>
-            <a:r>
-              <a:rPr b="0" lang="es-ES" sz="1400" spc="-1" strike="noStrike">
-                <a:solidFill>
-                  <a:srgbClr val="000000"/>
-                </a:solidFill>
-                <a:latin typeface="Arial"/>
-              </a:rPr>
-              <a:t>plugin de formularios que estéis usando tenga «hooks» que os permitan meter fácilmente vuestro desarrollo dentro </a:t>
-            </a:r>
-            <a:r>
-              <a:rPr b="0" lang="es-ES" sz="1400" spc="-1" strike="noStrike">
-                <a:solidFill>
-                  <a:srgbClr val="000000"/>
-                </a:solidFill>
-                <a:latin typeface="Arial"/>
-              </a:rPr>
-              <a:t>del plugin de formulario.</a:t>
+              <a:t>Si los formularios están desarrollados con algún plugin como Gravity Forms o Contact Form 7, aseguraros que el plugin de formularios que estéis usando tenga «hooks» que os permitan meter fácilmente vuestro desarrollo dentro del plugin de formulario.</a:t>
             </a:r>
             <a:endParaRPr b="0" lang="es-ES" sz="1400" spc="-1" strike="noStrike">
               <a:solidFill>
@@ -6348,16 +5403,7 @@
                 </a:solidFill>
                 <a:latin typeface="Arial"/>
               </a:rPr>
-              <a:t>Por ejemplo, Contact Form 7 tiene un «hook» llamado «mail_sent» que permite meter tu código tras terminar todo el </a:t>
-            </a:r>
-            <a:r>
-              <a:rPr b="0" lang="es-ES" sz="1400" spc="-1" strike="noStrike">
-                <a:solidFill>
-                  <a:srgbClr val="000000"/>
-                </a:solidFill>
-                <a:latin typeface="Arial"/>
-              </a:rPr>
-              <a:t>proceso.</a:t>
+              <a:t>Por ejemplo, Contact Form 7 tiene un «hook» llamado «mail_sent» que permite meter tu código tras terminar todo el proceso.</a:t>
             </a:r>
             <a:endParaRPr b="0" lang="es-ES" sz="1400" spc="-1" strike="noStrike">
               <a:solidFill>
@@ -6435,16 +5481,7 @@
                 </a:solidFill>
                 <a:latin typeface="Arial"/>
               </a:rPr>
-              <a:t> y hacer que interactúen muchos plugins de tu </a:t>
-            </a:r>
-            <a:r>
-              <a:rPr b="0" lang="es-ES" sz="1400" spc="-1" strike="noStrike">
-                <a:solidFill>
-                  <a:srgbClr val="000000"/>
-                </a:solidFill>
-                <a:latin typeface="Arial"/>
-              </a:rPr>
-              <a:t>WordPress. Nos permiten depurar mucho mejor los datos del formulario.</a:t>
+              <a:t> y hacer que interactúen muchos plugins de tu WordPress. Nos permiten depurar mucho mejor los datos del formulario.</a:t>
             </a:r>
             <a:endParaRPr b="0" lang="es-ES" sz="1400" spc="-1" strike="noStrike">
               <a:solidFill>
@@ -6499,34 +5536,7 @@
                 </a:solidFill>
                 <a:latin typeface="Arial"/>
               </a:rPr>
-              <a:t>. Hay plugins que conectan CF7 con varios CRM y otros plugins </a:t>
-            </a:r>
-            <a:r>
-              <a:rPr b="0" lang="es-ES" sz="1400" spc="-1" strike="noStrike">
-                <a:solidFill>
-                  <a:srgbClr val="000000"/>
-                </a:solidFill>
-                <a:latin typeface="Arial"/>
-              </a:rPr>
-              <a:t>que conectan WooCommerce con tu CRM, pero si queremos que nos envíen el contenido del carrito de </a:t>
-            </a:r>
-            <a:r>
-              <a:rPr b="0" lang="es-ES" sz="1400" spc="-1" strike="noStrike">
-                <a:solidFill>
-                  <a:srgbClr val="000000"/>
-                </a:solidFill>
-                <a:latin typeface="Arial"/>
-              </a:rPr>
-              <a:t>compra de WooCommerce cuando rellena el formulario de consulta creado con CF7 no hay plugin que lo </a:t>
-            </a:r>
-            <a:r>
-              <a:rPr b="0" lang="es-ES" sz="1400" spc="-1" strike="noStrike">
-                <a:solidFill>
-                  <a:srgbClr val="000000"/>
-                </a:solidFill>
-                <a:latin typeface="Arial"/>
-              </a:rPr>
-              <a:t>conecte todo.</a:t>
+              <a:t>. Hay plugins que conectan CF7 con varios CRM y otros plugins que conectan WooCommerce con tu CRM, pero si queremos que nos envíen el contenido del carrito de compra de WooCommerce cuando rellena el formulario de consulta creado con CF7 no hay plugin que lo conecte todo.</a:t>
             </a:r>
             <a:endParaRPr b="0" lang="es-ES" sz="1400" spc="-1" strike="noStrike">
               <a:solidFill>
@@ -6572,25 +5582,7 @@
                 </a:solidFill>
                 <a:latin typeface="Arial"/>
               </a:rPr>
-              <a:t> No es común, pero puede darse algunas veces que tengas que hacer </a:t>
-            </a:r>
-            <a:r>
-              <a:rPr b="0" lang="es-ES" sz="1400" spc="-1" strike="noStrike">
-                <a:solidFill>
-                  <a:srgbClr val="000000"/>
-                </a:solidFill>
-                <a:latin typeface="Arial"/>
-              </a:rPr>
-              <a:t>varias conexiones a diferentes CRM y puede haber colisiones entre diferentes plugins, cada uno de que tira </a:t>
-            </a:r>
-            <a:r>
-              <a:rPr b="0" lang="es-ES" sz="1400" spc="-1" strike="noStrike">
-                <a:solidFill>
-                  <a:srgbClr val="000000"/>
-                </a:solidFill>
-                <a:latin typeface="Arial"/>
-              </a:rPr>
-              <a:t>contra un CRM distinto.</a:t>
+              <a:t> No es común, pero puede darse algunas veces que tengas que hacer varias conexiones a diferentes CRM y puede haber colisiones entre diferentes plugins, cada uno de que tira contra un CRM distinto.</a:t>
             </a:r>
             <a:endParaRPr b="0" lang="es-ES" sz="1400" spc="-1" strike="noStrike">
               <a:solidFill>
@@ -6614,7 +5606,7 @@
         <p:spPr>
           <a:xfrm>
             <a:off x="2329200" y="294480"/>
-            <a:ext cx="6489000" cy="519480"/>
+            <a:ext cx="6488640" cy="519120"/>
           </a:xfrm>
           <a:prstGeom prst="rect">
             <a:avLst/>
@@ -6714,7 +5706,7 @@
         <p:spPr>
           <a:xfrm>
             <a:off x="311760" y="815760"/>
-            <a:ext cx="8517240" cy="519480"/>
+            <a:ext cx="8516880" cy="519120"/>
           </a:xfrm>
           <a:prstGeom prst="rect">
             <a:avLst/>
@@ -6784,7 +5776,7 @@
         <p:spPr>
           <a:xfrm>
             <a:off x="311760" y="1461600"/>
-            <a:ext cx="8517240" cy="3115080"/>
+            <a:ext cx="8516880" cy="3114720"/>
           </a:xfrm>
           <a:prstGeom prst="rect">
             <a:avLst/>
@@ -7034,7 +6026,7 @@
         <p:spPr>
           <a:xfrm>
             <a:off x="2329200" y="294480"/>
-            <a:ext cx="6489000" cy="519480"/>
+            <a:ext cx="6488640" cy="519120"/>
           </a:xfrm>
           <a:prstGeom prst="rect">
             <a:avLst/>
@@ -7134,7 +6126,7 @@
         <p:spPr>
           <a:xfrm>
             <a:off x="360000" y="3240000"/>
-            <a:ext cx="8517240" cy="1258200"/>
+            <a:ext cx="8516880" cy="1257840"/>
           </a:xfrm>
           <a:prstGeom prst="rect">
             <a:avLst/>
@@ -7253,7 +6245,7 @@
         <p:spPr>
           <a:xfrm>
             <a:off x="2329560" y="294840"/>
-            <a:ext cx="6489000" cy="519480"/>
+            <a:ext cx="6488640" cy="519120"/>
           </a:xfrm>
           <a:prstGeom prst="rect">
             <a:avLst/>
@@ -7337,7 +6329,7 @@
         <p:spPr>
           <a:xfrm>
             <a:off x="360000" y="900000"/>
-            <a:ext cx="8638200" cy="1798560"/>
+            <a:ext cx="8637840" cy="1798200"/>
           </a:xfrm>
           <a:prstGeom prst="rect">
             <a:avLst/>
@@ -7500,7 +6492,7 @@
         <p:spPr>
           <a:xfrm>
             <a:off x="180000" y="2718720"/>
-            <a:ext cx="8649000" cy="519480"/>
+            <a:ext cx="8648640" cy="519120"/>
           </a:xfrm>
           <a:prstGeom prst="rect">
             <a:avLst/>
@@ -7607,7 +6599,7 @@
         <p:spPr>
           <a:xfrm>
             <a:off x="311760" y="1317600"/>
-            <a:ext cx="5806440" cy="3115080"/>
+            <a:ext cx="5806080" cy="3114720"/>
           </a:xfrm>
           <a:prstGeom prst="rect">
             <a:avLst/>
@@ -7653,16 +6645,7 @@
                 </a:solidFill>
                 <a:latin typeface="Arial"/>
               </a:rPr>
-              <a:t>definir bien qué elementos va a tener </a:t>
-            </a:r>
-            <a:r>
-              <a:rPr b="1" lang="es-ES" sz="1500" spc="-1" strike="noStrike">
-                <a:solidFill>
-                  <a:srgbClr val="000000"/>
-                </a:solidFill>
-                <a:latin typeface="Arial"/>
-              </a:rPr>
-              <a:t>el formulario y cómo van a poder rellenar</a:t>
+              <a:t>definir bien qué elementos va a tener el formulario y cómo van a poder rellenar</a:t>
             </a:r>
             <a:r>
               <a:rPr b="0" lang="es-ES" sz="1500" spc="-1" strike="noStrike">
@@ -7671,25 +6654,7 @@
                 </a:solidFill>
                 <a:latin typeface="Arial"/>
               </a:rPr>
-              <a:t>. Datos muy relevantes como </a:t>
-            </a:r>
-            <a:r>
-              <a:rPr b="0" lang="es-ES" sz="1500" spc="-1" strike="noStrike">
-                <a:solidFill>
-                  <a:srgbClr val="000000"/>
-                </a:solidFill>
-                <a:latin typeface="Arial"/>
-              </a:rPr>
-              <a:t>pueden ser el tamaño de tu empresa, puede que no interese dejarse de mano </a:t>
-            </a:r>
-            <a:r>
-              <a:rPr b="0" lang="es-ES" sz="1500" spc="-1" strike="noStrike">
-                <a:solidFill>
-                  <a:srgbClr val="000000"/>
-                </a:solidFill>
-                <a:latin typeface="Arial"/>
-              </a:rPr>
-              <a:t>de las clientes que editan su perfil.</a:t>
+              <a:t>. Datos muy relevantes como pueden ser el tamaño de tu empresa, puede que no interese dejarse de mano de las clientes que editan su perfil.</a:t>
             </a:r>
             <a:endParaRPr b="0" lang="es-ES" sz="1500" spc="-1" strike="noStrike">
               <a:solidFill>
@@ -7739,34 +6704,7 @@
                 </a:solidFill>
                 <a:latin typeface="Arial"/>
               </a:rPr>
-              <a:t>. Si podéis </a:t>
-            </a:r>
-            <a:r>
-              <a:rPr b="0" lang="es-ES" sz="1500" spc="-1" strike="noStrike">
-                <a:solidFill>
-                  <a:srgbClr val="000000"/>
-                </a:solidFill>
-                <a:latin typeface="Arial"/>
-              </a:rPr>
-              <a:t>cerrar las opciones con desplegables, checkboxes, etc. mucho mejor que </a:t>
-            </a:r>
-            <a:r>
-              <a:rPr b="0" lang="es-ES" sz="1500" spc="-1" strike="noStrike">
-                <a:solidFill>
-                  <a:srgbClr val="000000"/>
-                </a:solidFill>
-                <a:latin typeface="Arial"/>
-              </a:rPr>
-              <a:t>textos libres. Pensad que una ciudad puede escribirse de muchas formas: </a:t>
-            </a:r>
-            <a:r>
-              <a:rPr b="0" lang="es-ES" sz="1500" spc="-1" strike="noStrike">
-                <a:solidFill>
-                  <a:srgbClr val="000000"/>
-                </a:solidFill>
-                <a:latin typeface="Arial"/>
-              </a:rPr>
-              <a:t>Galdakano, Galdacano, Galdakao, etc. </a:t>
+              <a:t>. Si podéis cerrar las opciones con desplegables, checkboxes, etc. mucho mejor que textos libres. Pensad que una ciudad puede escribirse de muchas formas: Galdakano, Galdacano, Galdakao, etc. </a:t>
             </a:r>
             <a:endParaRPr b="0" lang="es-ES" sz="1500" spc="-1" strike="noStrike">
               <a:solidFill>
@@ -7816,52 +6754,7 @@
                 </a:solidFill>
                 <a:latin typeface="Arial"/>
               </a:rPr>
-              <a:t> y luego ver </a:t>
-            </a:r>
-            <a:r>
-              <a:rPr b="0" lang="es-ES" sz="1500" spc="-1" strike="noStrike">
-                <a:solidFill>
-                  <a:srgbClr val="000000"/>
-                </a:solidFill>
-                <a:latin typeface="Arial"/>
-              </a:rPr>
-              <a:t>como funcionan las usuarias, tomáis una decisión de mantenerlo separado o </a:t>
-            </a:r>
-            <a:r>
-              <a:rPr b="0" lang="es-ES" sz="1500" spc="-1" strike="noStrike">
-                <a:solidFill>
-                  <a:srgbClr val="000000"/>
-                </a:solidFill>
-                <a:latin typeface="Arial"/>
-              </a:rPr>
-              <a:t>fusionáis. Siguiendo el ejemplo anterior del tamaño de empresa, podemos </a:t>
-            </a:r>
-            <a:r>
-              <a:rPr b="0" lang="es-ES" sz="1500" spc="-1" strike="noStrike">
-                <a:solidFill>
-                  <a:srgbClr val="000000"/>
-                </a:solidFill>
-                <a:latin typeface="Arial"/>
-              </a:rPr>
-              <a:t>tener el campo del CRM «tamaño_empresa» que usa marketing para sus </a:t>
-            </a:r>
-            <a:r>
-              <a:rPr b="0" lang="es-ES" sz="1500" spc="-1" strike="noStrike">
-                <a:solidFill>
-                  <a:srgbClr val="000000"/>
-                </a:solidFill>
-                <a:latin typeface="Arial"/>
-              </a:rPr>
-              <a:t>segmentos y creamos otro para «tamaño_empresa_perfil» para el perfil de </a:t>
-            </a:r>
-            <a:r>
-              <a:rPr b="0" lang="es-ES" sz="1500" spc="-1" strike="noStrike">
-                <a:solidFill>
-                  <a:srgbClr val="000000"/>
-                </a:solidFill>
-                <a:latin typeface="Arial"/>
-              </a:rPr>
-              <a:t>usuaria. </a:t>
+              <a:t> y luego ver como funcionan las usuarias, tomáis una decisión de mantenerlo separado o fusionáis. Siguiendo el ejemplo anterior del tamaño de empresa, podemos tener el campo del CRM «tamaño_empresa» que usa marketing para sus segmentos y creamos otro para «tamaño_empresa_perfil» para el perfil de usuaria. </a:t>
             </a:r>
             <a:endParaRPr b="0" lang="es-ES" sz="1500" spc="-1" strike="noStrike">
               <a:solidFill>
@@ -7885,7 +6778,7 @@
         <p:spPr>
           <a:xfrm>
             <a:off x="2329560" y="294840"/>
-            <a:ext cx="6489000" cy="519480"/>
+            <a:ext cx="6488640" cy="519120"/>
           </a:xfrm>
           <a:prstGeom prst="rect">
             <a:avLst/>
@@ -7969,7 +6862,7 @@
         <p:spPr>
           <a:xfrm>
             <a:off x="180000" y="900000"/>
-            <a:ext cx="8649000" cy="519480"/>
+            <a:ext cx="8648640" cy="519120"/>
           </a:xfrm>
           <a:prstGeom prst="rect">
             <a:avLst/>
@@ -8046,7 +6939,7 @@
         <p:spPr>
           <a:xfrm>
             <a:off x="6120000" y="1394280"/>
-            <a:ext cx="2698560" cy="3337920"/>
+            <a:ext cx="2698200" cy="3337560"/>
           </a:xfrm>
           <a:prstGeom prst="rect">
             <a:avLst/>
@@ -8099,7 +6992,7 @@
         <p:spPr>
           <a:xfrm>
             <a:off x="311760" y="900000"/>
-            <a:ext cx="5986440" cy="3676680"/>
+            <a:ext cx="5986080" cy="3676320"/>
           </a:xfrm>
           <a:prstGeom prst="rect">
             <a:avLst/>
@@ -8303,7 +7196,7 @@
         <p:spPr>
           <a:xfrm>
             <a:off x="2329560" y="294840"/>
-            <a:ext cx="6489000" cy="519480"/>
+            <a:ext cx="6488640" cy="519120"/>
           </a:xfrm>
           <a:prstGeom prst="rect">
             <a:avLst/>
@@ -8364,7 +7257,7 @@
         <p:spPr>
           <a:xfrm>
             <a:off x="6438960" y="978480"/>
-            <a:ext cx="2421000" cy="3598200"/>
+            <a:ext cx="2420640" cy="3597840"/>
           </a:xfrm>
           <a:prstGeom prst="rect">
             <a:avLst/>
@@ -8417,7 +7310,7 @@
         <p:spPr>
           <a:xfrm>
             <a:off x="2520000" y="294120"/>
-            <a:ext cx="6309000" cy="519480"/>
+            <a:ext cx="6308640" cy="519120"/>
           </a:xfrm>
           <a:prstGeom prst="rect">
             <a:avLst/>
@@ -8487,7 +7380,7 @@
         <p:spPr>
           <a:xfrm>
             <a:off x="311760" y="900000"/>
-            <a:ext cx="3827160" cy="3655080"/>
+            <a:ext cx="3826800" cy="3654720"/>
           </a:xfrm>
           <a:prstGeom prst="rect">
             <a:avLst/>
@@ -8634,7 +7527,7 @@
         <p:spPr>
           <a:xfrm>
             <a:off x="4140000" y="800280"/>
-            <a:ext cx="4718880" cy="4058640"/>
+            <a:ext cx="4718520" cy="4058280"/>
           </a:xfrm>
           <a:prstGeom prst="rect">
             <a:avLst/>
@@ -8687,7 +7580,7 @@
         <p:spPr>
           <a:xfrm>
             <a:off x="2520000" y="294120"/>
-            <a:ext cx="6309000" cy="519480"/>
+            <a:ext cx="6308640" cy="519120"/>
           </a:xfrm>
           <a:prstGeom prst="rect">
             <a:avLst/>
@@ -8757,7 +7650,7 @@
         <p:spPr>
           <a:xfrm>
             <a:off x="311760" y="1440000"/>
-            <a:ext cx="8507160" cy="3115080"/>
+            <a:ext cx="8506800" cy="3114720"/>
           </a:xfrm>
           <a:prstGeom prst="rect">
             <a:avLst/>
@@ -9062,7 +7955,7 @@
         <p:spPr>
           <a:xfrm>
             <a:off x="2509920" y="783000"/>
-            <a:ext cx="6309000" cy="519480"/>
+            <a:ext cx="6308640" cy="519120"/>
           </a:xfrm>
           <a:prstGeom prst="rect">
             <a:avLst/>
@@ -9169,7 +8062,7 @@
         <p:spPr>
           <a:xfrm>
             <a:off x="2340000" y="198360"/>
-            <a:ext cx="6489000" cy="519480"/>
+            <a:ext cx="6488640" cy="519120"/>
           </a:xfrm>
           <a:prstGeom prst="rect">
             <a:avLst/>
@@ -9233,7 +8126,7 @@
         <p:spPr>
           <a:xfrm>
             <a:off x="311760" y="900000"/>
-            <a:ext cx="8517240" cy="3676680"/>
+            <a:ext cx="8516880" cy="3676320"/>
           </a:xfrm>
           <a:prstGeom prst="rect">
             <a:avLst/>
@@ -9512,7 +8405,7 @@
         <p:spPr>
           <a:xfrm>
             <a:off x="311760" y="1080000"/>
-            <a:ext cx="8517240" cy="3037320"/>
+            <a:ext cx="8516880" cy="3036960"/>
           </a:xfrm>
           <a:prstGeom prst="rect">
             <a:avLst/>
@@ -9600,7 +8493,29 @@
                 <a:latin typeface="Arial"/>
                 <a:ea typeface="Noto Sans CJK SC"/>
               </a:rPr>
-              <a:t>Trabajo en Eñutt Comunicación desde hace 5 años, principalmente desarrollando en temas de CRM para clientes como SPRI, IHOBE, BEAZ o Gaztenpresa.</a:t>
+              <a:t>Trabajo en </a:t>
+            </a:r>
+            <a:r>
+              <a:rPr b="0" lang="es-ES" sz="1600" spc="-1" strike="noStrike" u="sng">
+                <a:solidFill>
+                  <a:srgbClr val="000000"/>
+                </a:solidFill>
+                <a:uFillTx/>
+                <a:latin typeface="Arial"/>
+                <a:ea typeface="Noto Sans CJK SC"/>
+                <a:hlinkClick r:id="rId1"/>
+              </a:rPr>
+              <a:t>Eñutt Comunicación</a:t>
+            </a:r>
+            <a:r>
+              <a:rPr b="0" lang="es-ES" sz="1600" spc="-1" strike="noStrike">
+                <a:solidFill>
+                  <a:srgbClr val="000000"/>
+                </a:solidFill>
+                <a:latin typeface="Arial"/>
+                <a:ea typeface="Noto Sans CJK SC"/>
+              </a:rPr>
+              <a:t> desde hace 5 años, principalmente desarrollando en temas de CRM para clientes como SPRI, IHOBE, BEAZ o Gaztenpresa.</a:t>
             </a:r>
             <a:endParaRPr b="0" lang="es-ES" sz="1600" spc="-1" strike="noStrike">
               <a:solidFill>
@@ -9670,7 +8585,7 @@
                 <a:uFillTx/>
                 <a:latin typeface="Arial"/>
                 <a:ea typeface="Noto Sans CJK SC"/>
-                <a:hlinkClick r:id="rId1"/>
+                <a:hlinkClick r:id="rId2"/>
               </a:rPr>
               <a:t>https://bsky.app/profile/gwannon.com</a:t>
             </a:r>
@@ -9709,7 +8624,7 @@
                 <a:uFillTx/>
                 <a:latin typeface="Arial"/>
                 <a:ea typeface="Noto Sans CJK SC"/>
-                <a:hlinkClick r:id="rId2"/>
+                <a:hlinkClick r:id="rId3"/>
               </a:rPr>
               <a:t>https://github.com/gwannon</a:t>
             </a:r>
@@ -9748,7 +8663,7 @@
                 <a:uFillTx/>
                 <a:latin typeface="Arial"/>
                 <a:ea typeface="Noto Sans CJK SC"/>
-                <a:hlinkClick r:id="rId3"/>
+                <a:hlinkClick r:id="rId4"/>
               </a:rPr>
               <a:t>https://codepen.io/gwannon</a:t>
             </a:r>
@@ -9787,7 +8702,7 @@
                 <a:uFillTx/>
                 <a:latin typeface="Arial"/>
                 <a:ea typeface="Noto Sans CJK SC"/>
-                <a:hlinkClick r:id="rId4"/>
+                <a:hlinkClick r:id="rId5"/>
               </a:rPr>
               <a:t>https://www.linkedin.com/in/jorgemonclus/</a:t>
             </a:r>
@@ -9855,7 +8770,7 @@
         <p:spPr>
           <a:xfrm>
             <a:off x="2340000" y="294120"/>
-            <a:ext cx="6489000" cy="519480"/>
+            <a:ext cx="6488640" cy="519120"/>
           </a:xfrm>
           <a:prstGeom prst="rect">
             <a:avLst/>
@@ -9913,6 +8828,29 @@
           </a:p>
         </p:txBody>
       </p:sp>
+      <p:pic>
+        <p:nvPicPr>
+          <p:cNvPr id="110" name="" descr=""/>
+          <p:cNvPicPr/>
+          <p:nvPr/>
+        </p:nvPicPr>
+        <p:blipFill>
+          <a:blip r:embed="rId6"/>
+          <a:stretch/>
+        </p:blipFill>
+        <p:spPr>
+          <a:xfrm>
+            <a:off x="6027840" y="3240000"/>
+            <a:ext cx="2567160" cy="735840"/>
+          </a:xfrm>
+          <a:prstGeom prst="rect">
+            <a:avLst/>
+          </a:prstGeom>
+          <a:ln w="0">
+            <a:noFill/>
+          </a:ln>
+        </p:spPr>
+      </p:pic>
     </p:spTree>
   </p:cSld>
   <mc:AlternateContent>
@@ -9956,7 +8894,7 @@
         <p:spPr>
           <a:xfrm>
             <a:off x="311760" y="815760"/>
-            <a:ext cx="8517240" cy="519480"/>
+            <a:ext cx="8516880" cy="519120"/>
           </a:xfrm>
           <a:prstGeom prst="rect">
             <a:avLst/>
@@ -10007,7 +8945,7 @@
         <p:spPr>
           <a:xfrm>
             <a:off x="299880" y="1440000"/>
-            <a:ext cx="8517240" cy="1977120"/>
+            <a:ext cx="8516880" cy="1976760"/>
           </a:xfrm>
           <a:prstGeom prst="rect">
             <a:avLst/>
@@ -10099,8 +9037,8 @@
         </p:blipFill>
         <p:spPr>
           <a:xfrm rot="20467200">
-            <a:off x="2738160" y="3563280"/>
-            <a:ext cx="1071720" cy="1077120"/>
+            <a:off x="2737800" y="3563280"/>
+            <a:ext cx="1071360" cy="1076760"/>
           </a:xfrm>
           <a:prstGeom prst="rect">
             <a:avLst/>
@@ -10122,8 +9060,8 @@
         </p:blipFill>
         <p:spPr>
           <a:xfrm rot="1380000">
-            <a:off x="4474440" y="3735000"/>
-            <a:ext cx="1155240" cy="931680"/>
+            <a:off x="4474440" y="3734640"/>
+            <a:ext cx="1154880" cy="931320"/>
           </a:xfrm>
           <a:prstGeom prst="rect">
             <a:avLst/>
@@ -10165,7 +9103,7 @@
       </p:grpSpPr>
       <p:sp>
         <p:nvSpPr>
-          <p:cNvPr id="110" name="PlaceHolder 1"/>
+          <p:cNvPr id="111" name="PlaceHolder 1"/>
           <p:cNvSpPr>
             <a:spLocks noGrp="1"/>
           </p:cNvSpPr>
@@ -10176,7 +9114,7 @@
         <p:spPr>
           <a:xfrm>
             <a:off x="2340000" y="294120"/>
-            <a:ext cx="6489000" cy="519480"/>
+            <a:ext cx="6488640" cy="519120"/>
           </a:xfrm>
           <a:prstGeom prst="rect">
             <a:avLst/>
@@ -10229,7 +9167,7 @@
       </p:sp>
       <p:sp>
         <p:nvSpPr>
-          <p:cNvPr id="111" name="PlaceHolder 2"/>
+          <p:cNvPr id="112" name="PlaceHolder 2"/>
           <p:cNvSpPr>
             <a:spLocks noGrp="1"/>
           </p:cNvSpPr>
@@ -10240,7 +9178,7 @@
         <p:spPr>
           <a:xfrm>
             <a:off x="311760" y="1080000"/>
-            <a:ext cx="8517240" cy="3496680"/>
+            <a:ext cx="8516880" cy="3496320"/>
           </a:xfrm>
           <a:prstGeom prst="rect">
             <a:avLst/>
@@ -10309,7 +9247,7 @@
             <a:r>
               <a:rPr b="1" lang="es-ES" sz="1000" spc="-1" strike="noStrike" u="sng">
                 <a:solidFill>
-                  <a:srgbClr val="000000"/>
+                  <a:srgbClr val="0097a7"/>
                 </a:solidFill>
                 <a:uFillTx/>
                 <a:latin typeface="Arial"/>
@@ -10401,7 +9339,7 @@
             <a:r>
               <a:rPr b="1" lang="es-ES" sz="1000" spc="-1" strike="noStrike" u="sng">
                 <a:solidFill>
-                  <a:srgbClr val="000000"/>
+                  <a:srgbClr val="0097a7"/>
                 </a:solidFill>
                 <a:uFillTx/>
                 <a:latin typeface="Arial"/>
@@ -10460,7 +9398,7 @@
             <a:r>
               <a:rPr b="1" lang="es-ES" sz="1000" spc="-1" strike="noStrike" u="sng">
                 <a:solidFill>
-                  <a:srgbClr val="000000"/>
+                  <a:srgbClr val="0097a7"/>
                 </a:solidFill>
                 <a:uFillTx/>
                 <a:latin typeface="Arial"/>
@@ -10542,7 +9480,7 @@
             <a:r>
               <a:rPr b="1" lang="es-ES" sz="1000" spc="-1" strike="noStrike" u="sng">
                 <a:solidFill>
-                  <a:srgbClr val="000000"/>
+                  <a:srgbClr val="0097a7"/>
                 </a:solidFill>
                 <a:uFillTx/>
                 <a:latin typeface="Arial"/>
@@ -10601,7 +9539,7 @@
             <a:r>
               <a:rPr b="1" lang="es-ES" sz="1000" spc="-1" strike="noStrike" u="sng">
                 <a:solidFill>
-                  <a:srgbClr val="000000"/>
+                  <a:srgbClr val="0097a7"/>
                 </a:solidFill>
                 <a:uFillTx/>
                 <a:latin typeface="Arial"/>
@@ -10682,7 +9620,7 @@
         <p:spPr>
           <a:xfrm>
             <a:off x="480600" y="198360"/>
-            <a:ext cx="8517240" cy="519480"/>
+            <a:ext cx="8516880" cy="519120"/>
           </a:xfrm>
           <a:prstGeom prst="rect">
             <a:avLst/>
@@ -10746,7 +9684,7 @@
         <p:spPr>
           <a:xfrm>
             <a:off x="311760" y="900000"/>
-            <a:ext cx="6525360" cy="3417840"/>
+            <a:ext cx="6525000" cy="3417480"/>
           </a:xfrm>
           <a:prstGeom prst="rect">
             <a:avLst/>
@@ -10952,7 +9890,7 @@
         <p:spPr>
           <a:xfrm>
             <a:off x="6847560" y="1980000"/>
-            <a:ext cx="530280" cy="530280"/>
+            <a:ext cx="529920" cy="529920"/>
           </a:xfrm>
           <a:prstGeom prst="rect">
             <a:avLst/>
@@ -10975,7 +9913,7 @@
         <p:spPr>
           <a:xfrm>
             <a:off x="7552800" y="1944720"/>
-            <a:ext cx="539640" cy="537120"/>
+            <a:ext cx="539280" cy="536760"/>
           </a:xfrm>
           <a:prstGeom prst="rect">
             <a:avLst/>
@@ -10998,7 +9936,7 @@
         <p:spPr>
           <a:xfrm>
             <a:off x="8272800" y="1944720"/>
-            <a:ext cx="537120" cy="537120"/>
+            <a:ext cx="536760" cy="536760"/>
           </a:xfrm>
           <a:prstGeom prst="rect">
             <a:avLst/>
@@ -11021,7 +9959,7 @@
         <p:spPr>
           <a:xfrm>
             <a:off x="6847920" y="2700000"/>
-            <a:ext cx="529920" cy="529920"/>
+            <a:ext cx="529560" cy="529560"/>
           </a:xfrm>
           <a:prstGeom prst="rect">
             <a:avLst/>
@@ -11044,7 +9982,7 @@
         <p:spPr>
           <a:xfrm>
             <a:off x="7560000" y="2707920"/>
-            <a:ext cx="529920" cy="529920"/>
+            <a:ext cx="529560" cy="529560"/>
           </a:xfrm>
           <a:prstGeom prst="rect">
             <a:avLst/>
@@ -11067,7 +10005,7 @@
         <p:spPr>
           <a:xfrm>
             <a:off x="8272800" y="2700720"/>
-            <a:ext cx="529920" cy="529920"/>
+            <a:ext cx="529560" cy="529560"/>
           </a:xfrm>
           <a:prstGeom prst="rect">
             <a:avLst/>
@@ -11090,7 +10028,7 @@
         <p:spPr>
           <a:xfrm>
             <a:off x="3602160" y="2088000"/>
-            <a:ext cx="1977840" cy="1257840"/>
+            <a:ext cx="1977480" cy="1257480"/>
           </a:xfrm>
           <a:prstGeom prst="rect">
             <a:avLst/>
@@ -11245,7 +10183,7 @@
         <p:spPr>
           <a:xfrm>
             <a:off x="300600" y="198360"/>
-            <a:ext cx="8517240" cy="519480"/>
+            <a:ext cx="8516880" cy="519120"/>
           </a:xfrm>
           <a:prstGeom prst="rect">
             <a:avLst/>
@@ -11324,7 +10262,7 @@
         <p:spPr>
           <a:xfrm>
             <a:off x="300600" y="1001160"/>
-            <a:ext cx="8517240" cy="3316680"/>
+            <a:ext cx="8516880" cy="3316320"/>
           </a:xfrm>
           <a:prstGeom prst="rect">
             <a:avLst/>
@@ -11697,7 +10635,7 @@
         <p:spPr>
           <a:xfrm>
             <a:off x="360000" y="198360"/>
-            <a:ext cx="8517240" cy="519480"/>
+            <a:ext cx="8516880" cy="519120"/>
           </a:xfrm>
           <a:prstGeom prst="rect">
             <a:avLst/>
@@ -11767,7 +10705,7 @@
         <p:spPr>
           <a:xfrm>
             <a:off x="300600" y="1080000"/>
-            <a:ext cx="8517240" cy="3115080"/>
+            <a:ext cx="8516880" cy="3114720"/>
           </a:xfrm>
           <a:prstGeom prst="rect">
             <a:avLst/>
@@ -12191,7 +11129,7 @@
         <p:spPr>
           <a:xfrm>
             <a:off x="311760" y="815760"/>
-            <a:ext cx="8517240" cy="519480"/>
+            <a:ext cx="8516880" cy="519120"/>
           </a:xfrm>
           <a:prstGeom prst="rect">
             <a:avLst/>
@@ -12279,7 +11217,7 @@
         <p:spPr>
           <a:xfrm>
             <a:off x="311760" y="1260000"/>
-            <a:ext cx="8517240" cy="1416240"/>
+            <a:ext cx="8516880" cy="1415880"/>
           </a:xfrm>
           <a:prstGeom prst="rect">
             <a:avLst/>
@@ -12407,7 +11345,7 @@
         <p:spPr>
           <a:xfrm>
             <a:off x="120600" y="2690640"/>
-            <a:ext cx="8517240" cy="519480"/>
+            <a:ext cx="8516880" cy="519120"/>
           </a:xfrm>
           <a:prstGeom prst="rect">
             <a:avLst/>
@@ -12504,7 +11442,7 @@
         <p:spPr>
           <a:xfrm>
             <a:off x="270000" y="3060000"/>
-            <a:ext cx="8517240" cy="1437840"/>
+            <a:ext cx="8516880" cy="1437480"/>
           </a:xfrm>
           <a:prstGeom prst="rect">
             <a:avLst/>
@@ -12680,7 +11618,7 @@
         <p:spPr>
           <a:xfrm>
             <a:off x="2340000" y="198360"/>
-            <a:ext cx="6537240" cy="519480"/>
+            <a:ext cx="6536880" cy="519120"/>
           </a:xfrm>
           <a:prstGeom prst="rect">
             <a:avLst/>
@@ -12780,7 +11718,7 @@
         <p:spPr>
           <a:xfrm>
             <a:off x="311760" y="815760"/>
-            <a:ext cx="8517240" cy="519480"/>
+            <a:ext cx="8516880" cy="519120"/>
           </a:xfrm>
           <a:prstGeom prst="rect">
             <a:avLst/>
@@ -12840,7 +11778,7 @@
         <p:spPr>
           <a:xfrm>
             <a:off x="360000" y="1260000"/>
-            <a:ext cx="5398920" cy="2158920"/>
+            <a:ext cx="5398560" cy="2158560"/>
           </a:xfrm>
           <a:prstGeom prst="rect">
             <a:avLst/>
@@ -12944,7 +11882,7 @@
         <p:spPr>
           <a:xfrm>
             <a:off x="2340360" y="198720"/>
-            <a:ext cx="6537240" cy="519480"/>
+            <a:ext cx="6536880" cy="519120"/>
           </a:xfrm>
           <a:prstGeom prst="rect">
             <a:avLst/>
@@ -13014,7 +11952,7 @@
         <p:spPr>
           <a:xfrm>
             <a:off x="5940000" y="1336320"/>
-            <a:ext cx="2791800" cy="2317680"/>
+            <a:ext cx="2791440" cy="2317320"/>
           </a:xfrm>
           <a:prstGeom prst="rect">
             <a:avLst/>
@@ -13037,7 +11975,7 @@
         <p:spPr>
           <a:xfrm>
             <a:off x="3060000" y="3240000"/>
-            <a:ext cx="3619800" cy="1523160"/>
+            <a:ext cx="3619440" cy="1522800"/>
           </a:xfrm>
           <a:prstGeom prst="rect">
             <a:avLst/>
@@ -13090,7 +12028,7 @@
         <p:spPr>
           <a:xfrm>
             <a:off x="2328840" y="294120"/>
-            <a:ext cx="6489000" cy="519480"/>
+            <a:ext cx="6488640" cy="519120"/>
           </a:xfrm>
           <a:prstGeom prst="rect">
             <a:avLst/>
@@ -13160,7 +12098,7 @@
         <p:spPr>
           <a:xfrm>
             <a:off x="311760" y="1461600"/>
-            <a:ext cx="4727160" cy="3115080"/>
+            <a:ext cx="4726800" cy="3114720"/>
           </a:xfrm>
           <a:prstGeom prst="rect">
             <a:avLst/>
@@ -13383,7 +12321,7 @@
         <p:spPr>
           <a:xfrm>
             <a:off x="5188320" y="937800"/>
-            <a:ext cx="3598920" cy="3818160"/>
+            <a:ext cx="3598560" cy="3817800"/>
           </a:xfrm>
           <a:prstGeom prst="rect">
             <a:avLst/>
@@ -13436,7 +12374,7 @@
         <p:spPr>
           <a:xfrm>
             <a:off x="311760" y="815760"/>
-            <a:ext cx="8517240" cy="519480"/>
+            <a:ext cx="8516880" cy="519120"/>
           </a:xfrm>
           <a:prstGeom prst="rect">
             <a:avLst/>
@@ -13508,7 +12446,7 @@
         <p:spPr>
           <a:xfrm>
             <a:off x="311760" y="1188000"/>
-            <a:ext cx="8517240" cy="3419640"/>
+            <a:ext cx="8516880" cy="3419280"/>
           </a:xfrm>
           <a:prstGeom prst="rect">
             <a:avLst/>
@@ -13552,7 +12490,6 @@
                 <a:srgbClr val="000000"/>
               </a:solidFill>
               <a:latin typeface="Arial"/>
-              <a:ea typeface="Noto Sans CJK SC"/>
             </a:endParaRPr>
           </a:p>
           <a:p>
@@ -13586,7 +12523,6 @@
                 <a:srgbClr val="000000"/>
               </a:solidFill>
               <a:latin typeface="Arial"/>
-              <a:ea typeface="Noto Sans CJK SC"/>
             </a:endParaRPr>
           </a:p>
           <a:p>
@@ -13634,7 +12570,6 @@
                 <a:srgbClr val="000000"/>
               </a:solidFill>
               <a:latin typeface="Arial"/>
-              <a:ea typeface="Noto Sans CJK SC"/>
             </a:endParaRPr>
           </a:p>
           <a:p>
@@ -13692,7 +12627,6 @@
                 <a:srgbClr val="000000"/>
               </a:solidFill>
               <a:latin typeface="Arial"/>
-              <a:ea typeface="Noto Sans CJK SC"/>
             </a:endParaRPr>
           </a:p>
           <a:p>
@@ -13730,7 +12664,6 @@
                 <a:srgbClr val="000000"/>
               </a:solidFill>
               <a:latin typeface="Arial"/>
-              <a:ea typeface="Noto Sans CJK SC"/>
             </a:endParaRPr>
           </a:p>
           <a:p>
@@ -13764,7 +12697,6 @@
                 <a:srgbClr val="000000"/>
               </a:solidFill>
               <a:latin typeface="Arial"/>
-              <a:ea typeface="Noto Sans CJK SC"/>
             </a:endParaRPr>
           </a:p>
           <a:p>
@@ -13822,7 +12754,6 @@
                 <a:srgbClr val="000000"/>
               </a:solidFill>
               <a:latin typeface="Arial"/>
-              <a:ea typeface="Noto Sans CJK SC"/>
             </a:endParaRPr>
           </a:p>
           <a:p>
@@ -13870,7 +12801,6 @@
                 <a:srgbClr val="000000"/>
               </a:solidFill>
               <a:latin typeface="Arial"/>
-              <a:ea typeface="Noto Sans CJK SC"/>
             </a:endParaRPr>
           </a:p>
           <a:p>
@@ -13965,7 +12895,6 @@
                 <a:srgbClr val="000000"/>
               </a:solidFill>
               <a:latin typeface="Arial"/>
-              <a:ea typeface="Noto Sans CJK SC"/>
             </a:endParaRPr>
           </a:p>
           <a:p>
@@ -13989,7 +12918,6 @@
                 <a:srgbClr val="000000"/>
               </a:solidFill>
               <a:latin typeface="Arial"/>
-              <a:ea typeface="Noto Sans CJK SC"/>
             </a:endParaRPr>
           </a:p>
         </p:txBody>
@@ -14007,7 +12935,7 @@
         <p:spPr>
           <a:xfrm>
             <a:off x="2329200" y="294480"/>
-            <a:ext cx="6489000" cy="519480"/>
+            <a:ext cx="6488640" cy="519120"/>
           </a:xfrm>
           <a:prstGeom prst="rect">
             <a:avLst/>
@@ -14040,7 +12968,7 @@
             <a:r>
               <a:rPr b="1" lang="es-ES" sz="1800" spc="-1" strike="noStrike">
                 <a:solidFill>
-                  <a:srgbClr val="000000"/>
+                  <a:srgbClr val="174575"/>
                 </a:solidFill>
                 <a:latin typeface="Arial"/>
               </a:rPr>
@@ -14049,7 +12977,7 @@
             <a:r>
               <a:rPr b="0" lang="es-ES" sz="1800" spc="-1" strike="noStrike">
                 <a:solidFill>
-                  <a:srgbClr val="000000"/>
+                  <a:srgbClr val="174575"/>
                 </a:solidFill>
                 <a:latin typeface="Arial"/>
               </a:rPr>
@@ -14057,7 +12985,7 @@
             </a:r>
             <a:endParaRPr b="0" lang="es-ES" sz="1800" spc="-1" strike="noStrike">
               <a:solidFill>
-                <a:srgbClr val="000000"/>
+                <a:srgbClr val="174575"/>
               </a:solidFill>
               <a:latin typeface="Arial"/>
             </a:endParaRPr>
